--- a/lesson10.pptx
+++ b/lesson10.pptx
@@ -111,6 +111,1376 @@
     </a:lvl9pPr>
   </p:defaultTextStyle>
 </p:presentation>
+</file>
+
+<file path=ppt/ink/ink1.xml><?xml version="1.0" encoding="utf-8"?>
+<inkml:ink xmlns:inkml="http://www.w3.org/2003/InkML">
+  <inkml:definitions>
+    <inkml:context xml:id="ctx0">
+      <inkml:inkSource xml:id="inkSrc0">
+        <inkml:traceFormat>
+          <inkml:channel name="X" type="integer" min="-2.14748E9" max="2.14748E9" units="cm"/>
+          <inkml:channel name="Y" type="integer" min="-2.14748E9" max="2.14748E9" units="cm"/>
+          <inkml:channel name="F" type="integer" max="32767" units="dev"/>
+        </inkml:traceFormat>
+        <inkml:channelProperties>
+          <inkml:channelProperty channel="X" name="resolution" value="1000" units="1/cm"/>
+          <inkml:channelProperty channel="Y" name="resolution" value="1000" units="1/cm"/>
+          <inkml:channelProperty channel="F" name="resolution" value="0" units="1/dev"/>
+        </inkml:channelProperties>
+      </inkml:inkSource>
+      <inkml:timestamp xml:id="ts0" timeString="2021-07-28T05:03:12.434"/>
+    </inkml:context>
+    <inkml:brush xml:id="br0">
+      <inkml:brushProperty name="width" value="0.09071" units="cm"/>
+      <inkml:brushProperty name="height" value="0.09071" units="cm"/>
+      <inkml:brushProperty name="color" value="#FF0000"/>
+    </inkml:brush>
+  </inkml:definitions>
+  <inkml:trace contextRef="#ctx0" brushRef="#br0">1910 1305 7533,'0'-17'2158,"-10"6"-2158,-11 7 0,-11 4 0,-5 0 0,6 0 0,2 0 0,5 20 0,0-15 0,-1 34 0,3-35 0,1 33-89,5-32 178,4 29-89,5-13 0,3 7 0,29 7 0,-19-15 45,38 3 0,7-2-135,-13 3-370,19-2 1,2 0 459,-8 0 0,-12-4 0,-2 1 180,3 2 90,4 8-90,-22-11-180,-10 1 89,-2 0-89,-9 8 0,3-6-225,-28 0 1,-5 0-496,16-1-270,-24-1 1,-4-5 989,12-5 0,-19-1 0,2-7 0</inkml:trace>
+  <inkml:trace contextRef="#ctx0" brushRef="#br0" timeOffset="303">2333 1710 7533,'20'0'809,"5"0"-719,-7 0 90,9 0-180,-12 0 0,4 0 270,0-12-270,-6-4 180,7-16-90,-13 15 270,1-22-360,-7 26 90,-1-17-1,-17 16-89,-3 3 0,-22 5 0,2 2 90,14 24 0,-13-15-90,22 51 0,-4-34 0,8 31 90,13-8-270,0-9-539,24 18-361,12-26-517,15 4 1597,4-17 0,-8-6 0,2-4 0</inkml:trace>
+  <inkml:trace contextRef="#ctx0" brushRef="#br0" timeOffset="588">3090 1363 9152,'-20'-5'539,"-11"0"-539,28 1 0,-22 3-89,39 14 178,-5 6-89,28 22 0,0 3 0,-14-4 0,8 9 0,-20-19 0,4 25 0,-8-27 90,-25 18-180,14-27-89,-33 4-181,33-10-90,-35-2 450,13 0 0,-13-6 0,3 0 0</inkml:trace>
+  <inkml:trace contextRef="#ctx0" brushRef="#br0" timeOffset="924">3607 1292 9062,'-43'0'450,"1"0"-450,3 15 90,9 1-90,12 17 0,10-7 0,8 2 0,17-5 0,10 10 0,-4-7 0,9-5 0,0 0 0,-10 3 0,32 3 269,-24-6-359,-16-8 180,1 4 0,-15-9-90,0 1-90,-23-4 90,17 1-719,-59-1-91,40-1 810,-9-2 0,-2 0 0,2-1 0,-8 0 0</inkml:trace>
+  <inkml:trace contextRef="#ctx0" brushRef="#br0" timeOffset="1132">4097 1344 9152,'0'25'360,"-15"1"-360,11-7 0,-11 2 0,15-3-90,0 14-270,0-7-180,0 11-269,21-12-91,-16 2 900,30-3 0,-31-1 0,10-2 0</inkml:trace>
+  <inkml:trace contextRef="#ctx0" brushRef="#br0" timeOffset="1286">4173 993 9062,'-23'-10'0,"-9"2"-1259,19 4 1259,-2 18 0,5 8 0,10 16 0</inkml:trace>
+  <inkml:trace contextRef="#ctx0" brushRef="#br0" timeOffset="1606">4595 1320 9512,'-19'4'179,"-10"-2"-179,26 2 0,-22 5 0,22 1 0,-17 15 0,18-5 0,-5 23 0,24-14-89,-13 12-271,34-5 270,-8-9 0,25 6 90,-9-21-90,9-1 90,-24-9 0,9-24 0,-26-8 90,-1-12-90,-13-15 0,0 20-360,-23-20-180,-3 26-179,-3-3-181,-13 14 900,37 7 0,-33 5 0,18 4 0</inkml:trace>
+  <inkml:trace contextRef="#ctx0" brushRef="#br0" timeOffset="1966">5003 1242 8162,'0'6'180,"0"6"-180,15 24 0,-11-7 0,11 2 0,-1-11 0,-10 0 90,21-3 0,-14 0-90,7-9 0,-5 0 90,-4-26 90,-2-14-90,-1-10 270,-3 8 0,1 0-181,0-10-44,0 5 0,1 3 45,0 10 360,3-15-540,-4 39 0,8 14 0,-5-7 0,8 45-900,-3-24-1632,5 29 284,2-7 2248,4 4 0,3 3 0,2 1 0</inkml:trace>
+  <inkml:trace contextRef="#ctx0" brushRef="#br0" timeOffset="2618">5935 1243 9422,'-15'0'90,"-2"0"-90,7 0 0,0 0 0,28 0 0,4 0 0</inkml:trace>
+  <inkml:trace contextRef="#ctx0" brushRef="#br0" timeOffset="2768">6175 1570 10141,'0'7'810,"0"-1"-810,-14-4 0,10 0 0,-10-2 0</inkml:trace>
+  <inkml:trace contextRef="#ctx0" brushRef="#br0" timeOffset="7848">8062 1171 8702,'10'-12'1439,"-2"-6"-1439,-8-11 90,0-3-90,0 2 0,16 0 0,-12-2 90,25-9-90,-27 11 0,10-3 90,-12 14-90,9 6-360,-7 2-1349,7 22 630,-4 9-360,-4 16 1439,3 5 0,-4-2 0,0 5 0</inkml:trace>
+  <inkml:trace contextRef="#ctx0" brushRef="#br0" timeOffset="8020">8083 1629 7803,'0'-32'179,"23"-7"-179,-18 8-90,44-5-1416,-27 8 606,27-2 900,-9 1 0,3 1 0,3 0 0</inkml:trace>
+  <inkml:trace contextRef="#ctx0" brushRef="#br0" timeOffset="8318">8430 1138 7353,'40'0'1529,"1"0"-1259,3 0 0,-10 14 89,-5-11-89,-10 26-180,-3-14 180,-1 29-180,-8-10-90,-2 14 0,-5-8-278,0 0 98,-26 4-585,12-13 1,-1 1-585,-17 16 1349,1-8 0,0-2 0,9 3 0,-6-16 0,0 1 0</inkml:trace>
+  <inkml:trace contextRef="#ctx0" brushRef="#br0" timeOffset="9182">9387 676 8972,'-7'-10'270,"3"1"-180,-3 4 629,5 0-719,-1 21 0,2 13 0,19 13-1064,-13 11 1064,12-5 90,0 4-90,-12 4 0,22 0 0,-24-2 0,7-1 0,0 11-90,-8-20 90,8 17-90,-10-36-90,0 0-539,0-16 629,-17-24 0,13-3 90,-12-22-90,2-25 90,10 7-202,-2 14 0,-3-6 0,2 4 202,6 8 0,0 0 30,-3-8 0,0-4 0,4 7-120,19-13 90,-9 17 0,2 2-106,12 3 196,13-2 0,-31 22 0,35 5 89,-25 5-179,17 3 90,-12 1 0,0 25 90,-1 11-180,-10 16 1239,4 2-1239,-12-10 0,2 0-90,-4 1-539,-21 15-1,16-17 270,-13-13 0,0-1 270,14-3-148,-12 4-122,16-20 360,21-1 90,21-8-90,2-1 540,19 0-270,-32 0 89,4 0 91,-14 0-90,-10 18 416,5-14-326,-14 26-181,7-14-89,-32 11-180,-7-2-90,-13-10 90,0 0-809,-3-13-181,11 4-89,-7-6 1079,17 0 0,12-18 0,3-5 0</inkml:trace>
+  <inkml:trace contextRef="#ctx0" brushRef="#br0" timeOffset="9386">10132 971 8972,'0'18'630,"0"-1"-720,0-1 180,0-2-180,0 0 90,0 2-90,0-1-900,0 11 181,0-8 809,0 12 0,14-16 0,3 4 0</inkml:trace>
+  <inkml:trace contextRef="#ctx0" brushRef="#br0" timeOffset="9532">10140 762 8252,'0'-11'0,"0"3"0,-7 3 0,22 19 0,-1 6 0</inkml:trace>
+  <inkml:trace contextRef="#ctx0" brushRef="#br0" timeOffset="9850">10517 1232 7892,'17'-25'0,"-12"-15"-179,28 23-1,-14-35 0,0 19 90,8-26 270,-24 26-90,9-7 0,-12 16 90,0 3-91,0 5 901,-19 3-900,-3 7 270,-12 39-270,14-11-90,10 34 0,10-24 0,0 2 0,0 2-90,16 10-90,-12-9-1259,31 14 629,-11-24 810,21 4 0,-11-20 0,-2 1 0</inkml:trace>
+  <inkml:trace contextRef="#ctx0" brushRef="#br0" timeOffset="10182">10843 1039 8972,'0'42'-90,"0"-7"180,16-4-90,-12-7 0,11-3 0,-1 7 0,-2-16-180,4 11-270,-2-20 360,-9 5 0,5-8 90,-3-20 90,3-9-180,-1-11 270,10-20-90,-8 23 360,9-19-270,-11 26 0,6 7-90,-9 13 0,5 30-90,-3-15 0,1 27 0,-1 8-450,3-12-540,0 13 1,0 2 989,1-9 0,3 8 0,-4-18 0</inkml:trace>
+  <inkml:trace contextRef="#ctx0" brushRef="#br0" timeOffset="10417">10510 759 8612,'-22'-9'180,"3"0"90,2-4-270,8 3 90,3-7-180,26 6 90,-14-1 90,38 4-90,-23 0 0,23 2 0,8 2-90,-11 1-360,11 3-809,-4 17 539,-14-12 720,7 25 0,-17-27 0,-3 11 0</inkml:trace>
+  <inkml:trace contextRef="#ctx0" brushRef="#br0" timeOffset="10571">11027 494 8972,'-15'51'-3148,"11"-6"3148,-11 2 0,15-4 0,0 3 0</inkml:trace>
+  <inkml:trace contextRef="#ctx0" brushRef="#br0" timeOffset="11198">12377 741 8252,'0'-21'990,"0"-8"-720,0 8 89,-19-12-269,-2 19 0,-23-1 0,11 13-90,-30 19 0,30 8 0,2-1 0,3 2 0,6 17 0,0 18 0,17-25-450,24 19 181,-14-31-1,27-10 0,5-4-90,-5-4 270,3-4 0,4-4-45,-4-4 0,-1-4 45,19-19-376,-9 5 1,-2-4 375,2-22 180,-9 9 0,-5 0 180,-10-4-46,-6 4 1,-3 1 135,-11 4-386,-20-17 205,15 27-89,-31-3-90,18 13 90,-1 7-90,-5 1 90,21 23-90,-7 8 0,10 12 0,17 19 0,-12-15-135,12-4 0,3 1 169,5 8-439,-7-15 0,2 1-450,5-1 1,0-2 854,7 16 0,-10-16 0,-1 0 0,8 8 0</inkml:trace>
+  <inkml:trace contextRef="#ctx0" brushRef="#br0" timeOffset="11548">13172 730 9062,'-24'-16'1439,"0"6"-1349,-25 5 90,9 23-270,-2 6 90,20 13 0,-2 0 90,22-6-180,-6 16 90,8-14-90,25 26 90,2-41-270,25 17 270,-7-34-90,-10-9 180,-1-15-180,-22-10 90,8-3 0,-18 6 90,6-13 0,-8 12 90,0-15-180,-19 23 0,3 22-540,-6 32-179,10 9-1350,12 26 630,20-35 1303,-15 9 0,32-18 0,-17-2 1</inkml:trace>
+  <inkml:trace contextRef="#ctx0" brushRef="#br0" timeOffset="11865">13425 780 9332,'-18'14'270,"4"5"-270,14 10 0,0 0 0,0-4 0,0-1-90,0-1 90,14 7-90,-10-10-450,24 4 450,-17-17 90,11-44 0,-13 12 90,1-38 0,-7 33-90,3 0 0,-1 4 90,-2 4-90,-1 2 0,3 10 0,-2 1 0,6 32 0,0-18-270,2 43-540,2-27 91,1 22-91,3-10 810,2 0 0,2-2 0,1 0 0</inkml:trace>
+  <inkml:trace contextRef="#ctx0" brushRef="#br0" timeOffset="12199">13942 852 8972,'-43'-10'270,"6"3"-270,14 21 0,3 6-90,17 17 0,-5-5-180,8-1-90,22-19 180,-17 10-90,37-19 180,-37 15 1,37-17 89,-16 5 269,11-29 1,-2 18 630,-16-51-451,-5 36 361,-7-27-270,-7 15-540,0 6 90,-17 7-90,13 28 90,-12 22-180,16 32-360,0-7-1514,0 6 975,0-17-181,0-4-148,14-1 1318,-10-3 0,10-2 0,-14-1 0</inkml:trace>
+  <inkml:trace contextRef="#ctx0" brushRef="#br0" timeOffset="12332">13198 1460 8702,'-8'-16'-405,"2"-9"0,4 22 1,2-9-1</inkml:trace>
+  <inkml:trace contextRef="#ctx0" brushRef="#br0" timeOffset="12765">15083 411 9602,'-34'-25'1259,"7"7"-899,-15-5-450,19 15 359,-13 0-179,19 6 0,-1 18-180,7 13 90,6 9 0,3-3 0,1 0 0,1 15-900,18 7 1,3 1-270,-11 3-1156,18-4 1,4-3 2324,-6-8 0,0 9 0,-6-22 0</inkml:trace>
+  <inkml:trace contextRef="#ctx0" brushRef="#br0" timeOffset="12898">14892 887 8702,'-19'-29'90,"4"4"-180,15-13-180,18 17-809,15-10 359,11 19 516,9-4 1,-8 12 0,1 1-1</inkml:trace>
+  <inkml:trace contextRef="#ctx0" brushRef="#br0" timeOffset="13182">15690 845 9871,'-40'0'180,"6"17"-180,2 2-90,16 21 180,6-10-90,10 2 0,0-9-90,22-3 90,-17-1-90,39-5 0,-13-6 90,10-4 0,0-4-90,-14-15 90,-3 12 0,-12-34 0,9 18-89,-18-20 89,8 7-180,-11 0-270,-19-16 90,14 15-629,-33-18 179,16 26-89,-1-1 899,-7 13 0,27 7 0,-9 2 0</inkml:trace>
+  <inkml:trace contextRef="#ctx0" brushRef="#br0" timeOffset="13535">16162 741 10051,'-40'0'360,"0"0"-270,5 0-90,14 13 0,-3-10-90,22 24 180,-8-13-90,10 12-90,17 10 90,-13-15-180,33 9 90,-13-20 0,20-4 180,-5-3-90,-15-20 0,-1 12-90,-21-27 450,7 11-360,-9-14 90,0 4-450,-17 13-899,13 26-630,-13 13 1889,34 19 0,-13-19 0,13-4 0</inkml:trace>
+  <inkml:trace contextRef="#ctx0" brushRef="#br0" timeOffset="13882">16413 859 9152,'17'42'0,"-12"-8"90,12-2-180,0-11-90,-2 5 90,16-6-90,-11-5 180,-2-7 0,-10-23 90,1 12-90,-6-36 90,3 19 360,-2-40-180,0 23-91,-2-24 1,0 32 0,-1-5-90,1 25 0,1 2-180,3 25 90,3-14 90,10 52-90,-3-29-405,1 12 1,-1 2-749,5 2 253,8 14 1,-8-22-270,-3-3 1169,1-4 0,-3-4 0,0-2 0</inkml:trace>
+  <inkml:trace contextRef="#ctx0" brushRef="#br0" timeOffset="14036">16053 544 10051,'-14'-24'0,"2"2"0,6 5 0,3 4-90,3 0-359,24 5-631,-18 1 1080,27 4 0,7 3 0,-7 0 0,4 0 0,0 0 0</inkml:trace>
+  <inkml:trace contextRef="#ctx0" brushRef="#br0" timeOffset="14398">17558 741 8972,'-17'0'809,"1"0"-719,3-1 90,-3 1-180,7 19 0,-4-14 0,10 48 90,-1-29-90,2 10 0,4 1-270,17 2-630,-6-5 1,3-2-180,26 1 974,3 8 0,-6-21 1,0-3-1</inkml:trace>
+  <inkml:trace contextRef="#ctx0" brushRef="#br0" timeOffset="14753">18130 803 10141,'-19'16'180,"3"5"-180,16 12 0,0 8-90,0-13 180,0 5-90,0-11-450,23-3-89,5 0 539,23-10-180,-13-1 180,-2-8 90,-8-15 0,-13-13 449,9-21-179,-22 3 0,6 0-90,-8 13 180,0 3-91,0 2 91,-17-2-450,12 11 90,-27-3-180,28 32 90,-11 10-270,15 15-1079,19 20 450,-15-22 44,22-5 0,5-1 226,-4 0-266,2-10 1,3-3 175,9-4 719,1 4 0,1-13 0,0 6 0</inkml:trace>
+  <inkml:trace contextRef="#ctx0" brushRef="#br0" timeOffset="14948">18863 855 9152,'0'-23'1349,"0"1"-899,0 0 89,-21-4-449,-4 7 0,-18-5-90,4 16 90,5 1-180,16 26 90,5 6 0,13 11 0,0-3-449,24-7 89,-18-1-360,48-2 91,-28-1-361,30-5 0,-24-9 1,1-1 989,17 0 0,13-1 0,-22-6 0</inkml:trace>
+  <inkml:trace contextRef="#ctx0" brushRef="#br0" timeOffset="15115">18598 1274 9062,'-4'17'180,"0"-2"-90,4-4-180,0-2-720,0-2-359,0-2 1169,18-1 0,-14-2 0,14 1 0</inkml:trace>
+  <inkml:trace contextRef="#ctx0" brushRef="#br0" timeOffset="15754">19745 487 7713,'18'-9'179,"-14"0"-179,40 1 180,-24 0 180,39-3-270,-24 6-90,10-2 360,-9 6-90,-13 0-180,2 21-90,-18 8 90,-3 13-180,-4 5 90,-26-6 45,11-6 0,-3 0-45,-5-10 0,-1 2 0,-4 14 0,3 0-145,5-1 55,-15 4-1709,33-24 1799,11-9 0,28-27 0,23-11 0</inkml:trace>
+  <inkml:trace contextRef="#ctx0" brushRef="#br0" timeOffset="15951">19953 603 8252,'-24'11'360,"1"-8"-90,1 8 270,10-2-450,2 0 0,10 12-1,20-3-89,10 13 0,13-9 0,3 10-180,-16-14 1,0 1-721,18 12 900,-6-2 0,0 1 0,8 7 0,-17-12 0,-1-1 0</inkml:trace>
+  <inkml:trace contextRef="#ctx0" brushRef="#br0" timeOffset="18201">20882 1015 7892,'20'-24'90,"1"-32"-90,4 31-2785,-7-12 0,-2-3 2785,6-4 0,-7 13 0,0 0 917,4-12-917,-2-1 1026,-14 3-756,13-18 0,-14 17-1,4-23-89,-6 31 0,-21-4-180,16 13 0,-32 9 180,34 1-180,-24 11 3142,24 24-3052,-8-1 0,11 23-90,0 24 0,0-8-655,0-2 0,0 1 655,-1-21 0,2-1 0,8 12 0,0 0-559,-5 15 559,14-31 0,0-1 0,-14 26-45,20-23 0,3-1-314,-7 11-229,11-16 0,4-5 139,-1-6 89,0-7 0,0-6 270,6-25 90,15 16 0,-18-44 0,-3 26 180,-2-26 450,-2-6-181,-12 16 75,-2-22-254,-13 33 2150,-21-12-2330,0 29 663,-14 15-843,16 21 90,6 23 0,10-6 90,0 24-90,17-33-229,9 22-41,20-36 180,-5-2 0,0-11 0,-10-5 332,-1-19-332,1 14 90,-3-36 270,5 15-90,-13 0 539,2-14-539,-17 25-90,-1-12-90,-19 34 90,11 14-90,-11 16-90,15 18 90,0-22 0,0 12 0,18-19 0,-13-3-270,27-5 180,-8-1 0,7-9-180,16-2 270,-16-22 0,20-10 0,-21-8 0,5-4 270,-11-2 90,-10 9 0,1-6-180,-12 11-180,-1 8 90,-18 4-180,12 27 180,-13 14-90,17 12 0,0 17 0,0-22 90,0 11-270,20-20 180,-16-3-90,37-11 0,-35 5 90,36-14 90,-25 6-90,28-8-90,-19-20 90,11-9 90,-19-10 180,1-15 0,-9 22-91,-5-11 1,-1 19-180,-4-1 0,0 9-90,0 19-179,0 17-2070,0 45 1349,14-20 990,-7-8 0,1-3 0,9-5 0,-5 6 0</inkml:trace>
+  <inkml:trace contextRef="#ctx0" brushRef="#br0" timeOffset="18415">21833 828 8522,'-5'-13'0,"0"1"0,5 1 0,20-2 0,-16 1 0,36 0 0,-10 0-270,19 6-1709,-2 21 1979,-10 16 0,-17 12 0,-10 5 0</inkml:trace>
+  <inkml:trace contextRef="#ctx0" brushRef="#br0" timeOffset="19131">23152 441 9152,'-17'31'1079,"4"5"-1079,13-7 90,0 7-90,0-6 0,0 5 0,0 2-90,16 3 180,-12 2-270,10-10 0,2 0-359,4 18-226,-7-8 0,2-1-989,19 7 945,-20 10 809,9-23 0,-20-4 0,5-2 0</inkml:trace>
+  <inkml:trace contextRef="#ctx0" brushRef="#br0" timeOffset="19432">22932 938 6903,'0'-25'90,"19"1"-180,-14 1 180,41 1-90,-3-2 0,14 8 0,-16 9 0,-1 1-2005,8 4 2005,14 17-204,-11 13 294,-16 6 0,-10-7 0,-2 1-90,-3 5 983,6 21-444,-17-27-179,1 8-450,-8-39 0,-15-13-90,9-19-89,-11-8 89,15 4 156,0-2-246,0-2-899,0-16 1169,0 18 0,0-9 0,0 21 0</inkml:trace>
+  <inkml:trace contextRef="#ctx0" brushRef="#br0" timeOffset="19815">23743 888 7533,'3'4'629,"-1"2"-449,1-1 90,0 3-180,1 2-180,-1 0 180,6 15-90,-3-5 0,10 20 0,-6-16 0,10 14 0,-7-19 0,5 3 0,-4-12-90,1-3 0,1-2-180,10-3 270,-6-2-90,13-17 180,-15-5-90,5-21 0,-14 9 270,-2-1 0,-4 11-90,-3 3-90,0 2 90,0 2-180,0 52-270,0-5 0,8 1 0,4 2-1169,11 18 1439,3-25 0,14-3 0,-13-15 0</inkml:trace>
+  <inkml:trace contextRef="#ctx0" brushRef="#br0" timeOffset="20049">24157 762 6363,'14'24'0,"-11"12"0,11-12 0,-14 17 0</inkml:trace>
+  <inkml:trace contextRef="#ctx0" brushRef="#br0" timeOffset="20285">24088 427 7892,'23'-4'540,"-4"1"-180,6 3-270,-8 0 0,19 15-90,-14-12 0,9 12 0,1 0 0,-7-11-270,18 22-270,-18-23-1708,18 8 2248,-19-11 0,7 0 0,-12 0 0</inkml:trace>
+  <inkml:trace contextRef="#ctx0" brushRef="#br0" timeOffset="20719">25225 406 10861,'0'-7'539,"0"2"-539,0 19 0,0 13 0,0 30 0,0-2-1273,0-12 0,0 2 553,0 13 270,0-20 1,0 0-50,0 12-310,0-2 89,0-4 720,0 8 0,0-17 0,0 6 0</inkml:trace>
+  <inkml:trace contextRef="#ctx0" brushRef="#br0" timeOffset="20981">25097 848 8342,'-10'-30'-90,"3"1"90,7 2 0,0 1 90,0 4-90,24-3 0,5 13 90,31-1-90,-13 11-90,3 22 180,4 9 0,-15 12-90,-6-12 0,-1 1-597,3 7 597,6 12 0,-18-18 90,-3-3 400,-4-5-220,-3-12-180,-2 7-180,-4-16-360,-3-10 1,-2-22-181,-21-11 0,15-7-810,-15 8 1440,19-4 0,0 3 0,0-1 0</inkml:trace>
+  <inkml:trace contextRef="#ctx0" brushRef="#br0" timeOffset="21285">25897 945 7713,'7'16'359,"1"-2"-359,1-6 0,2-4 180,10-2-180,0-18 90,6 12 0,-5-30 0,0 18 90,-3-18-90,0 7 180,-5-1-90,-3 0 0,-5-7-90,-3 9 179,-3-2-89,-21 11-180,1 9 0,-20 1 0,9 27 0,12 9 0,6 24-180,13-6-359,0 1-721,23 0 361,-18-14 899,26-9 0,4-3 0,-8-2 0,4-9 0,1 0 0</inkml:trace>
+  <inkml:trace contextRef="#ctx0" brushRef="#br0" timeOffset="21621">26377 839 9332,'-20'14'90,"5"8"-90,33 16 0,2 15 0,2-18 0,7 19 0,-16-26 0,3 3-90,3-12 90,-17-27 0,7-10 0,-9-37 90,0 8-45,0 10 0,0 0-45,0-5 179,15-22 1,-11 36 90,21 3-270,-8 18 90,11 22-180,-4 12-719,5 25 89,-13-4-225,-4-15 1,-1 1 944,-1 5 0,0 8 0,-6-18 0</inkml:trace>
+  <inkml:trace contextRef="#ctx0" brushRef="#br0" timeOffset="21814">26007 588 8702,'0'-22'0,"0"2"0,0 3 0,16 1-90,-12 1 0,30 3-1079,-5 1 269,9 6 900,4 1 0,-10 4 0,-1 0 0</inkml:trace>
+  <inkml:trace contextRef="#ctx0" brushRef="#br0" timeOffset="22481">27105 649 8702,'3'-11'0,"-1"2"90,-21 5-180,-5 1 90,0 20 0,-18-13 90,37 34-90,-36-19 0,36 21 0,-24-9 0,26 4 0,-8 0 0,11 0 90,19 17-90,-14-13 0,13-6 0,5-1 0,8 5 90,11 9-90,9-6 90,-22-10 360,10 10-181,-25-21-179,6 4-539,-19-15-181,-19-2-270,-8-5 361,-25-17 539,8-4 0,17-21 0,9 8 90,17-1-90,23-2 0,-17 10 0,28 6 0,5 2 90,-6-1-709,4 8 0,3 2 619,9-2 90,1 2 0,3-1 90,-2 2-866,-1 2 866,-5-1-278,10-4 187,-19 1-343,9-9 254,-29 6 1183,-3-6-1273,-11 3 1073,-2-1-623,-20-1 666,15 1-756,-41-1-90,40 3-180,-48-5 90,24 9-90,-3-2 343,-5 9-253,34 19 0,9 22-90,0 2-360,24-6 0,5-1-359,-7 0-369,4-11 0,1-2 188,5 6-359,0-3 1235,-3-4 1,0-8 0,-3-4 0</inkml:trace>
+  <inkml:trace contextRef="#ctx0" brushRef="#br0" timeOffset="22787">27823 834 9062,'-12'-13'629,"21"5"-449,-4 18-180,33 11 90,-20 21-90,4-5 0,4 3 0,-24-9 0,20-1 90,-13 11 270,2-14 180,0 9-540,-10-49 90,2-9-90,-2-10 0,-2-5-90,1-20-190,0-8 280,0 31 0,0 1 0,0-18-405,-1 13 1,2 2-496,13 1-359,-10-4 1259,21 23 0,-10 8 0,12 4 0</inkml:trace>
+  <inkml:trace contextRef="#ctx0" brushRef="#br0" timeOffset="23398">28250 768 8882,'0'-16'899,"0"25"-809,0 15-90,0 17 0,0 3 0,18-6 90,-14 2-180,30 15 90,-14-13-90,-2-12 0,1-3-179,11-1-901,2 1 451,-10-20 539,-1-26 180,-10-10 90,-7-14 0,-4 1 269,0-7 1,0 14-180,-16-11-180,12 20 0,-12 2 90,16 5 90,0 4-180,15 28 0,5 3 0,19 27-90,0-6 90,-5-16 0,-6 5 0,-2-24 0,-8 8 0,7-10 0,-13 0 90,0-22-90,-8-5 270,-3-13 270,-1-10-181,-18 19 451,14-19-540,-34 25-270,33-5 0,-26 20 90,28-4 90,-18 12-90,19 14-90,-8 14 0,10 27 0,23-8-566,-17 1 26,34-13-269,-36-4 89,33-2-983,-12 1 893,10-14 810,-2 4 0,-12-17 0,-1 3 0</inkml:trace>
+  <inkml:trace contextRef="#ctx0" brushRef="#br0" timeOffset="23733">28900 818 10051,'0'-22'270,"-13"3"-270,9 4 360,-9 6-450,30 17 180,-13 12-180,30 24 180,-18-9-90,4 3 0,0-2 0,-9-10 719,6 9-179,-4-16-540,-7-24 180,-2-32-90,-4-11-45,0 6 0,0-1-545,0-7 500,-1 17 0,2-1 0,13-31 0,-10 19-45,9 11 0,2 3 45,3 1-90,0-2-450,24 18 1,-25 8-1170,32 2 449,-25 23 1260,14 9 0,-16 9 0,5 2 0</inkml:trace>
+  <inkml:trace contextRef="#ctx0" brushRef="#br0" timeOffset="23848">29418 862 10321,'5'0'-1799,"0"0"1799,-2 0 0,0-13 0,-2-2 0</inkml:trace>
+  <inkml:trace contextRef="#ctx0" brushRef="#br0" timeOffset="31269">2677 8765 9152,'-17'-8'1079,"12"-1"-359,-12 0-271,0-1-179,12 0 90,-26-2-180,28 2-90,-23 0 0,23 1-180,-23 1 180,15 2-90,-20-1 0,12 5-90,-16 0 0,14 19 0,-9-13 90,2 30 0,7-8-90,-8 25 90,17-8-270,1 17 90,9-25 0,2 10 91,0-15 89,24-4-360,3 6 180,28-15 90,2 1 90,-8-16-866,1-17 776,-15 12 90,-2-30-184,8 7 274,-13 3-180,5-19 450,-17 20 89,-8-8 91,-1 1-360,-7 14-540,-17 0-809,13 23-141,-13 7 230,32 23 1080,-11-7 0,30 4 0,-11-9 0</inkml:trace>
+  <inkml:trace contextRef="#ctx0" brushRef="#br0" timeOffset="31435">3098 8994 9422,'-32'0'-600,"11"0"0,11 0 1</inkml:trace>
+  <inkml:trace contextRef="#ctx0" brushRef="#br0" timeOffset="31981">3242 8652 9691,'-19'0'1260,"7"14"-1260,25 9 0,-8 9 0,27 6 0,-12 17 0,-1-9-504,-1-14 1,-1 1 503,-4 16-90,17 1 1,-12-2-1,7 13 0,-10-18 90,5 13 90,-14-33-679,0 2 499,-6-35 90,-20-24 90,15-7-90,-13 3 0,-1-1-90,3-5-1179,-5-19 1269,2 18 0,17 0-282,-14-1 282,14 3 0,-6 2 0,8 3 0,0-11 0,0 17 90,0-15-180,0 27 582,17-1-492,-13 11 180,13 5-180,-4 1 1495,-1 4-1405,2 19-11,-5 0-438,-9 23-361,0-13-269,0 4-91,0-9 1080,-16-1 0,12 1 0,-12-1 0</inkml:trace>
+  <inkml:trace contextRef="#ctx0" brushRef="#br0" timeOffset="32385">3642 8383 10321,'0'46'540,"0"-7"-540,0 0 0,0-4 90,0-1-90,14 17 0,-11-15-270,11 9 0,-14-18 90,10-4-90,-8-3 90,18 4 90,-16-13 90,8 4 0,-8-15 0,-1-19 0,1-3 0,1-1 0,2-13 0,-1 15 0,2-2 180,-3-4-180,-1 24 270,0-6-180,4 9-90,-2 0 90,10 0-90,-5 16-630,11 6-449,-7 10 0,5 1-450,-4-7 1529,2 1 0,0 0 0,1-1 0</inkml:trace>
+  <inkml:trace contextRef="#ctx0" brushRef="#br0" timeOffset="32815">4252 8755 9332,'-23'14'1169,"6"8"-1079,34 9 0,-12 5-90,30 11 90,-12-9-90,-1-4 0,1-1 0,13 6-838,1 11 928,-13-17 63,0-3-153,3 5 0,-8-10 214,1 1-754,-9-12-90,-6-6 450,-23-23 180,-12-17 90,-14-14-919,12 11 0,0-1 919,-11-14-90,7 6 0,0-1-279,-3-9 279,11 10 0,2 1 0,9-5 0,-8-9 0,24 22 0,-5 5 90,6 3 180,23 0-90,-17 10 90,36 2-90,-19 11-270,17 3 270,-17 20 1700,9-14-1970,-29 31 258,21-32-798,-22 33-1348,8-7 359,-10 9 1619,0 2 0,-21-12 0,-5 1 0</inkml:trace>
+  <inkml:trace contextRef="#ctx0" brushRef="#br0" timeOffset="33157">5215 8408 12210,'-4'0'-1439,"-2"0"1439,4 10 0,0-7 0,1 7 0</inkml:trace>
+  <inkml:trace contextRef="#ctx0" brushRef="#br0" timeOffset="34835">5175 8529 8612,'-4'0'1259,"-1"0"-1079,3 0-90,0 0-90,16 0-90,6 0-90,-1-9 0,18 7-179,-20-7-91,19 9-450,0 0 361,-11 13-1,6-10 540,-7 22 0,-6-8 0,3 12 0</inkml:trace>
+  <inkml:trace contextRef="#ctx0" brushRef="#br0" timeOffset="35015">5352 8763 8252,'-18'0'450,"6"-11"-1170,25 8 1,12-21 89,12 21 630,0-17 0,-5 18 0,0-6 0</inkml:trace>
+  <inkml:trace contextRef="#ctx0" brushRef="#br0" timeOffset="35301">5508 8460 8792,'-24'-5'810,"2"1"-631,2 1-89,4 0-90,1 1-90,3-2 180,5 2-90,2 0-90,27 1 90,4 0 0,26 17 90,-13-12-90,-13 17 0,-2 3 0,4-2 0,-7 10 0,-2 4 0,1 5-90,-2 18-899,-5 5 359,-11-14 630,1-7 0,0 0 0,-3 6 0,0 15 0</inkml:trace>
+  <inkml:trace contextRef="#ctx0" brushRef="#br0" timeOffset="36115">7398 7876 9781,'0'-6'990,"0"1"-810,-20 0-180,14 2 0,-29-2 0,13 3 0,-8 1 0,-2 1-90,7 0-90,0 23 90,-1-17-270,-6 50 180,11-34-469,-2 27 469,17-18 90,3 0 90,3 0-90,21 14 90,13-10 0,-4-7 0,2 0 0,23 4 0,-13-4 0,-2 0 90,0-1 180,-10-5 0,-2-1-180,-5-4-90,-10 9 0,-3-13 649,-10 11-649,-27-11-630,-16 15-89,-7-15-46,15-4 1,1 0-136,-2-4 900,-10-2 0,15-3 0,1 0 0</inkml:trace>
+  <inkml:trace contextRef="#ctx0" brushRef="#br0" timeOffset="36380">7045 7835 8342,'0'-8'900,"0"0"-451,10 4-179,-8-2 0,8 4 360,-10-3-270,6 4-360,0-1 0,5 2 179,0 16-179,8 13 90,-1 10-1223,9 10 1133,-4-4 0,1 5 0,-1 5 0,-6-12 0,-1 1 0,-5-10 0,0 1-495,7 23 1,-1 0 44,-8-24 1,0-1 89,1 11 0,0-2-629,1 15-181,-2-3 1170,-1-4 0,-3-5 0,1-2 0</inkml:trace>
+  <inkml:trace contextRef="#ctx0" brushRef="#br0" timeOffset="37081">7865 8151 10591,'-8'-5'720,"0"1"-91,3 2-539,18 16-180,10 5 90,21 19-270,-6-8-1909,3 3 1549,-9-9-1401,13 10 1131,-11-9 900,22 10 0,-26-18 0,10 3 0</inkml:trace>
+  <inkml:trace contextRef="#ctx0" brushRef="#br0" timeOffset="37248">8212 8127 10051,'-36'-4'450,"4"0"-450,8 4 0,4 23 0,5-2-270,1 23-360,4-12 1,0 0-451,-4 24 750,3-5 1,1 2-1,3 11 1,3-22 0,-1 0-1</inkml:trace>
+  <inkml:trace contextRef="#ctx0" brushRef="#br0" timeOffset="37497">9055 8060 11850,'17'-1'-180,"0"13"-269,1-9-451,3 10-89,3 0-91,3-9-89,1 19 1169,0-20 0,3 17 0,-2-6 0</inkml:trace>
+  <inkml:trace contextRef="#ctx0" brushRef="#br0" timeOffset="37664">9277 8337 10141,'-20'0'-2338,"29"0"898,18 0 1440,20 0 0,6 0 0,-9 0 0</inkml:trace>
+  <inkml:trace contextRef="#ctx0" brushRef="#br0" timeOffset="37950">10070 7950 11580,'-52'-2'540,"2"1"-450,3 16-90,8 2-90,20 18 180,6-9-90,13 4 0,0-7 0,21 3 0,15 12 0,12-6 0,-21-13 0,1 1 0,3-2 0,-1-1 0,17 9 0,-12-8 0,-2-1 0,1 1-180,1 6-360,-17-13 1,-9 0-181,-3-5-89,-6-1-181,-17 0 990,-12 0 0,-12-3 0,-5 1 0</inkml:trace>
+  <inkml:trace contextRef="#ctx0" brushRef="#br0" timeOffset="38115">9952 7730 8612,'36'-32'720,"-1"3"-720,0 3 0,12-5 0,-11 10-1378,10-5 838,-15 13-359,-2 1 77,0 5 822,-2 2 0,1 4 0,-1 0 0</inkml:trace>
+  <inkml:trace contextRef="#ctx0" brushRef="#br0" timeOffset="38381">10948 7989 10951,'-14'4'-1192,"19"15"0,-1-14 0,13 12 0</inkml:trace>
+  <inkml:trace contextRef="#ctx0" brushRef="#br0" timeOffset="38564">11283 8378 8702,'18'34'1169,"0"-2"-179,0 4-720,-5-13 359,-3 5-269,-5-17-90,-3-1-180,-1-6 0,-1 0-180,0-2 180,0 0-180,-17 1 90,-6 0-450,-11 0-269,-3 1-541,4-2-179,-5-1-337,-4-1 1776,-4 0 0,-2 0 0,0 0 0</inkml:trace>
+  <inkml:trace contextRef="#ctx0" brushRef="#br0" timeOffset="39432">12120 8145 9961,'-7'12'630,"29"-3"-540,14-22-180,19 10-2640,5-24 2820,-10 24-180,3-27 908,1 25-953,-7-18 0,0-1-45,10 16 45,-11-11 0,-3-1-45,-14 12 622,-6-5 187,-43 6-269,-16 5-45,3 7 0,-2 3-225,-21 9-45,22-2 0,1 1 45,-4 2 0,5 13 1380,6-17-1470,23 16 90,-10-9-270,13 4 180,0-1-180,20 2-1798,15 10 718,12-11 1260,-7-6 0,2-2 0,16-3 0,-17-6 0,-1-1 0</inkml:trace>
+  <inkml:trace contextRef="#ctx0" brushRef="#br0" timeOffset="39848">13330 7565 10591,'-31'-17'1349,"-17"3"-989,41 4-90,-37 4-270,22 4 90,-11 17 0,14 16-90,10 12-90,9 11 90,-2-15 0,4 1-232,7-8 0,3 2 232,2 26 0,0 0 0,-2-24 0,3 0-90,15 21 0,-4 0 0,-17 1-45,15-14 0,3-3-134,-11-4-631,10 9 360,-12-30-359,-4-3 719,-6-10 90,0-23 90,-1 16 0,-2-42 0,1 24 90,1-10 0,0-3 90,1-9-90,3-12 180,2 12-90,-2 16 1183,4-5-914,-5 25-269,7-1-180,-3 9 90,5 0-180,-1 21 90,2-16-90,3 37-179,11-8-361,-5 11-270,-4-14 1,1 0-583,6 6 223,8 6 1259,-8-19 0,2-5 0,1-2 0</inkml:trace>
+  <inkml:trace contextRef="#ctx0" brushRef="#br0" timeOffset="40148">14093 8048 10591,'0'-16'1079,"-19"3"-809,14 1 180,-32 7-180,11 0-180,-20 21-90,-3 14 0,22 10 0,-8 8 0,26 14-90,-7-15 45,20-8 0,4-1-135,-3 3 90,22-13 0,7-5 90,-5-6-579,5-7 1,1-4 578,8-6-90,3 0 90,-1-20-45,-15 5 0,0-3 45,12-26-45,-11 9 1,-3 0-46,-4-12 90,-11 14 0,-4 1-90,-3-14 90,-6-3-90,-20 5-180,16 0-360,-43 7 1,22 4-460,-7 19 1,-4 4 99,-10-4 989,9 7 0,0 6 0,-5 21 0,-9 5 0</inkml:trace>
+  <inkml:trace contextRef="#ctx0" brushRef="#br0" timeOffset="40534">15738 7484 10141,'-49'16'270,"1"-12"-270,3 25-584,2-26 674,5 25-180,4-24 90,8 26 0,12-11 0,6 9 0,26 5 0,-13-15 0,23-1 0,9-1 0,14 8 0,-5-9 0,2 0 90,15 7 90,-10-3 180,-25-6-270,-12 0 72,5 4-72,-18-1-188,7 10-172,-37-8-989,-6 9 179,-15-13 91,3 2 989,-1-12 0,12-2 0,-8-2 0</inkml:trace>
+  <inkml:trace contextRef="#ctx0" brushRef="#br0" timeOffset="40780">15650 7411 9602,'0'-10'719,"0"3"-539,6 0 989,-5 4-989,5 15-180,-6 26 0,0 1 0,9 3 0,1 2 0,-6 8 0,11 1 0,1 2-543,-7-22 0,-2 0 408,0 14 0,1-1-135,7-13 0,-2-1-629,-10 33-1,22-5-359,-18-20 0,0-1 1259,11 14 0,-3 11 0,-6-26 0</inkml:trace>
+  <inkml:trace contextRef="#ctx0" brushRef="#br0" timeOffset="41331">16323 7592 7892,'8'0'450,"-1"0"180,-2 0-450,-1 0 359,0 0-179,-1 0-270,2 0 90,-1 0 0,0 0 0,1 0 0,2 0 180,-2 0-1,3 0-269,-2 0 180,11 10-180,-4-8 0,18 17-90,-11-17 0,23 22 0,-14-13 0,1 5 0,0 1 0,9 3-90,15 8-270,2 1-359,-13-7-496,-8-3 1,-1-2-315,2 2 1529,10 5 0,-21-11 0,1-2 0</inkml:trace>
+  <inkml:trace contextRef="#ctx0" brushRef="#br0" timeOffset="41535">16782 7473 11850,'-24'0'270,"2"0"-270,3 0 0,2 14 0,0-11 0,0 32 0,-6 3 0,6 12-770,-5 8 230,5-7-719,2-1 0,1 4 1259,6-18 0,1 0 0,-3 18 0,5-20 0,0 0 0</inkml:trace>
+  <inkml:trace contextRef="#ctx0" brushRef="#br0" timeOffset="41997">17453 7481 11400,'-10'0'270,"-1"0"-450,2 0-5037,2 0 5217,26 0 0,-15 0 0,17 0 0</inkml:trace>
+  <inkml:trace contextRef="#ctx0" brushRef="#br0" timeOffset="42247">17657 7764 9062,'0'9'180,"0"0"90,0-2 359,0 3-359,0-3 270,22 5-450,1-3 90,4 2-90,10-3 179,-22 2 541,22 3-720,-23-2 0,8 18-90,-20-11-540,-47 26-179,7-15-725,0-10 1,-8 1 0,2-1 498,3 0 1,-1 0 944,-17 6 0,-2 0 0,13-7 0,2-2 0,-2 0 0,0 1 0</inkml:trace>
+  <inkml:trace contextRef="#ctx0" brushRef="#br0" timeOffset="46680">2525 10781 9422,'-14'-5'449,"10"1"-179,-10 0-90,14 1-180,0 20 0,0 6 90,0 13-180,0 3 90,0-4 0,11 3 0,-8 3-216,8 1 216,0-1-90,-9 0 90,9-3-180,-6 7 90,-4-13-180,4 8 0,-5-23 90,0 0-180,0-9 1,0-3-721,0 0 1080,0-23-90,0-6 90,0-12 0,20 2 0,-15 10 0,32 2 0,-22 1 0,16 2 0,7 3 0,-7 0 0,25 8 0,-23 0 90,22 8 0,-26 17 90,6-13 450,-9 32-361,-11-11 1,3 21-270,-13-8 180,-2 11-180,-22-21 0,-5 26-90,-26-30-90,22-4 0,0-3-179,-21-9-721,-14 0 91,25-8 877,-12-21 0,20 16 1,2-16-1</inkml:trace>
+  <inkml:trace contextRef="#ctx0" brushRef="#br0" timeOffset="47130">3377 11395 11041,'-7'0'134,"0"0"1,5 0 0,1 0 0</inkml:trace>
+  <inkml:trace contextRef="#ctx0" brushRef="#br0" timeOffset="47698">3720 11196 9062,'0'44'0,"0"-5"0,21 10-665,-16-6 665,35 8 0,-35 4 45,21-13 0,3 0-90,-18-10 0,-2 1-254,17 9 0,0-2 209,-1 12 180,-1-4-180,-5-6 270,0 4-180,-10-17 6,-1 3-546,-8-19 450,-20-5-449,-5-47 539,-25 8-1461,22-14 0,1-7 1506,4 21 0,-1-2-45,3-6 0,1-7 0,2 4-20,0 1 0,1-1 20,0-5 0,1-4 0,2 4 0,2 7 0,3 1 0,-2-12 0,3 0 0,5 10 0,2 4 0,1-18 180,16 13 0,7 4-90,10 11 8,-1 6 0,2 7-98,12 35 90,-8 4-90,-11 24-270,-12-3-269,-9-9-271,-6-7 810,0-10 0,0-3 0,0 1 0</inkml:trace>
+  <inkml:trace contextRef="#ctx0" brushRef="#br0" timeOffset="48100">4023 10645 8792,'5'18'630,"3"29"-540,2-24-1,0 11 1,0 2-90,3 5 0,1-3 0,0 0 0,2 6 45,-2-9 0,0 0-135,0 2 1,3 7-181,-8-18 90,-2-4-90,0-3-180,0 0 360,-2-8-539,-1 1 719,-2-28-90,-2-5 89,0-14 1,0 2-90,0-3 90,0 12 810,17-7-630,-13 13 0,25 9-180,-17 1-90,20 8 0,-9 18 0,5-14-900,4 48 90,-7-30-377,10 31 1187,-13-22 0,1 2 0,-3-1 0</inkml:trace>
+  <inkml:trace contextRef="#ctx0" brushRef="#br0" timeOffset="48547">4895 10974 8792,'19'46'360,"-15"-9"-360,33 1 90,-32-8-90,33 3-90,-34-1 180,36 10-90,-17-12 0,16 15 0,-12-24 90,-6 9-180,-8-18-90,-7 1-450,1-10 540,-24 0-360,-7-43 540,-28 13-495,30-3 1,0-3 494,-27-12-90,13-4 0,1-7 0,4 1 0,4 0 90,14 2-90,3 7 0,2 1 180,6-2-1,9 9 1,2 4 450,-3 19-270,38 5-90,-16 5 89,19 3-179,-18 22-90,10 1-90,-22 3 0,3 11-270,-8-12-2878,-12 32 3148,-18-19 0,13 9 0,-13-22 0</inkml:trace>
+  <inkml:trace contextRef="#ctx0" brushRef="#br0" timeOffset="48930">5647 10992 9602,'38'-15'-720,"7"11"-180,-5-27-537,6 26 93,-10-23 1344,3 25 0,-1-18 0,1 10 0</inkml:trace>
+  <inkml:trace contextRef="#ctx0" brushRef="#br0" timeOffset="49102">5853 11158 9512,'-9'-17'-90,"23"13"-360,-8-26-180,41 26-89,-25-29-835,26 17 1554,-8-18 0,3 9 0,3 0 0</inkml:trace>
+  <inkml:trace contextRef="#ctx0" brushRef="#br0" timeOffset="49350">5923 10691 9961,'-24'0'0,"4"-2"270,5 2 450,8-2-360,3 1-1,22-1-179,12 1 0,27 1-180,-6 16-45,-14-7 0,-1 3 135,8 19-90,-9-8 0,-1 1 0,5 10-405,-12 1 1,-4 3-1315,-5 13 1134,-5-15 1,-3 2 584,-8 7 0,-3 1 0,4-10 0,0 1 0,-3 13 0,0 0 0</inkml:trace>
+  <inkml:trace contextRef="#ctx0" brushRef="#br0" timeOffset="50597">7440 10968 8522,'8'5'360,"5"-1"-180,6-3-180,2-1 0,-1 0 90,1 0-3482,1 0 3482,0-16-180,0 13 450,5-23-181,-8 12 1,1-7-90,-10 2 0,-5 3 90,-2-5-90,-3 6 3482,-18-10-3572,-3 13 0,-21-5 0,21 9-90,-17 2 0,20 4 180,-13 16-90,14 7-450,8 21 1,9-4-181,26 5-899,11 7 359,16-12 954,-25-13 0,0-1 0,18 4 0,2-1 0</inkml:trace>
+  <inkml:trace contextRef="#ctx0" brushRef="#br0" timeOffset="50818">8330 10654 10051,'-36'0'1260,"-14"18"-1171,14-13-134,7 11 1,2 5 44,-2 6 0,3 9-90,9 2-90,15-11 180,-6-2-540,27 9 180,-15-10-315,23-6 1,6-4-46,-3-2-1528,35-2 1078,-20-10 1170,0 0 0,2 0 0,0 0 0</inkml:trace>
+  <inkml:trace contextRef="#ctx0" brushRef="#br0" timeOffset="51220">8463 10371 9332,'-24'-5'270,"-9"1"-91,21 3 1,-4 19-180,8 12 90,8 10-90,20 7 0,0-8 0,3 0 0,-2-13 0,2 1-1458,14 25 0,-2 0 1368,1-2 90,-7-9 0,-2 0 90,0 2-90,-11-10 0,-1-2 180,0-1-180,-7 1-449,-2-15-1171,-6-8 1351,0-21 3005,-17 9-3006,13-41 270,-13 22 0,17-25-90,0 7 180,0-1 0,0-14 90,0 18 629,0-12 271,16 35-721,3 0-179,14 29-180,-15 10 90,7 7-180,-6 18 90,5-17-1169,11 24 449,-13-26-89,8 10-361,-5-19 1170,3-3 0,1-9 0,3-3 0</inkml:trace>
+  <inkml:trace contextRef="#ctx0" brushRef="#br0" timeOffset="51504">9355 10645 8882,'-18'23'360,"-10"-18"-270,25 40-90,-22-26 0,23 19 0,-9 6 0,11-10-180,0 20 180,22-27-90,-17 6 45,26-22 0,6-4 135,-6 2-225,13-2 0,2-6 45,5-20 0,-10 7 0,-1-4-698,5-24 743,-17 19 0,-3-1 45,1-13 0,-12-4 0,-6 1 0,-8-3 0,0 3-90,-28 1 0,-17-9-90,16 30 0,-3 3-810,-13-4 1,-1 3 989,-13 5 0,20 6 0,0 2 0,-16 1 0</inkml:trace>
+  <inkml:trace contextRef="#ctx0" brushRef="#br0" timeOffset="52166">11113 10380 10141,'0'-14'1259,"-17"1"-899,12-1-270,-33 3-180,15-3 180,-13 8-180,-10 1 90,15 5-180,-10 0-359,10 20 89,2-15 90,4 31-449,-3-11 359,14 7 0,1 15 450,36-20 0,16 17 0,15-20-874,-23-9 1,-1-1 873,19 3 0,-2-1 407,-2 0 42,10 2-89,-20-2-90,7 4 0,-31-8 270,-1 7-360,-35-6 1160,19 2-1430,-26-5 0,-7-3-270,7 4-495,-12-4 1,-2 0 45,-3-3 809,10-1 0,2-3 0,-5-15 0,-9-3 0</inkml:trace>
+  <inkml:trace contextRef="#ctx0" brushRef="#br0" timeOffset="52396">10850 10136 11760,'0'34'90,"0"-3"0,0 2-180,16-1 180,-13 5-270,26 6-405,-18-8 1,0 2-226,20 22-1539,-8-7 0,1 1 1809,-8-21 0,0-1 540,4 10 0,0-1 0,9 13 0,-1-1 0</inkml:trace>
+  <inkml:trace contextRef="#ctx0" brushRef="#br0" timeOffset="52798">11682 10391 10681,'-14'-2'630,"2"-2"-541,2 3 181,3-1 900,4 0-1080,19 21-90,7 18 90,26 3-816,-8 11 726,9-19 0,-12 0-360,4 1 90,0-2-359,0-2-181,0-3-1529,12 4 1080,-14-10 1259,16 6 0,-26-17 0,2 1 0</inkml:trace>
+  <inkml:trace contextRef="#ctx0" brushRef="#br0" timeOffset="52996">11988 10185 11490,'-22'-9'360,"-1"3"-180,5 3-180,-1 19 0,3-13 45,2 28 0,2 7-45,-10 2-1876,2 19 0,1 5 1291,7-26 1,0 1-376,-3 8 1,0 4 0,1-3 722,1-2 1,1-1-1,-4 15 1,1-1-1,6-18 1,-1 0 0</inkml:trace>
+  <inkml:trace contextRef="#ctx0" brushRef="#br0" timeOffset="53551">12682 10472 10411,'-7'-10'-428,"1"7"1,5-11 0,0 9 0</inkml:trace>
+  <inkml:trace contextRef="#ctx0" brushRef="#br0" timeOffset="53847">12728 10645 8972,'0'9'90,"0"-1"0,0 6 180,0-4-180,17 6 179,9 5-89,9-3 270,22 16-450,-21-11 225,-3-3 0,0 0-225,2 5 90,-5 2 0,-2 1 0,-10-2-90,6 26-180,-24-29-360,-37 12 0,10-18-674,-16-3 0,-4-3 873,-11-3 1,16-3-1,0-1 1,-20-3-1</inkml:trace>
+  <inkml:trace contextRef="#ctx0" brushRef="#br0" timeOffset="58564">18930 7779 12300,'54'0'-180,"-9"0"-180,-1 0-89,-8 0-361,2 10-899,17-7 1079,-14 13-45,-7-15 1,-1-1-135,3 13 809,7-11 0,-17 9 0,-3-7 0</inkml:trace>
+  <inkml:trace contextRef="#ctx0" brushRef="#br0" timeOffset="58803">19038 8015 8702,'-9'5'270,"-1"0"-180,5-3 90,1 1-90,23-2-180,7-13 90,30 9 90,-13-22-885,5 22 795,-14-9-90,0 3-359,0 7-451,18-14 361,-15 15-721,27-13 1260,-29 7 0,7-4 0,-14 3 0</inkml:trace>
+  <inkml:trace contextRef="#ctx0" brushRef="#br0" timeOffset="59296">19382 7771 8702,'-19'-4'989,"0"0"-629,3 2 90,0-1-90,1 0 0,2 0-91,1-1 91,0-4-270,4 3-90,2-3 90,3 5-90,23 1 0,7 0 0,26 2 0,-7 0-830,4 0 740,-11 0 180,3 0-90,-2 0-132,2 0 132,-2 0 0,1 14 90,14-10 0,-13 22 270,17-12-180,-30 1 0,2 8-90,-15-14 90,-6 8-90,-2-4-1,-4 4-89,-2-3 997,-1 14-1087,-25-9 180,-5 23-180,-14-13 90,-1 11-135,18-16 1,-1-1-136,-16 12-45,5-5 0,0 1-225,-4 3-180,6-8 1,2-1-215,1 1-2125,-17 10 3059,33-23 0,-1 2 0,17-12 0</inkml:trace>
+  <inkml:trace contextRef="#ctx0" brushRef="#br0" timeOffset="65530">21060 7203 11131,'-17'-10'269,"13"1"-179,-13-1 180,2 1 90,11 2-270,-20 0-90,14 4 0,-5 1 90,6 22-180,40-2 90,-23 22-45,25-22 0,2-2 135,-14 14-135,6-11 0,2-1 135,-2 4 0,4 7-270,-8-3 180,-11-6-989,7 10 89,-18-14-1169,5 7 810,-6-9 1259,-20 0 0,14-3 0,-14-2 0</inkml:trace>
+  <inkml:trace contextRef="#ctx0" brushRef="#br0" timeOffset="65697">20908 7149 9961,'18'-25'720,"14"-11"-630,10 7-45,-6 4 0,0 1-135,13-3-2223,-4 6 1,0 2 873,7 1 404,-17 8 1,-1 1 1247,9 4 0,-1 2 1,-4 3-1</inkml:trace>
+  <inkml:trace contextRef="#ctx0" brushRef="#br0" timeOffset="68546">14285 10599 12840,'15'-11'-540,"9"2"90,10 9-1169,18 0 720,-15 0-900,27 16 539,-22 3 939,8 1 0,-15 12 1,-1-12-1</inkml:trace>
+  <inkml:trace contextRef="#ctx0" brushRef="#br0" timeOffset="68765">14453 10824 9242,'20'9'-630,"9"-1"0,20-8 1,3 0 629,-19-7 0,1-1 0,20 4 0,-17-3 0,0-1 0</inkml:trace>
+  <inkml:trace contextRef="#ctx0" brushRef="#br0" timeOffset="69151">14610 10669 8162,'-8'0'1709,"23"0"-1619,4 0-90,28 0 0,-11 0 0,20-10-90,-17 8 135,-5-4 0,0 2-135,7 4 180,23 0-90,-30 14 90,15 3 0,-31 16-90,3 3-90,-19-3 0,-29 18-90,19-16-270,-26-3 1,-6 0-2209,9 9 2253,-2-15 1,-4 1 404,6-1 0,2 1 0,-13 10 0,14-13 0,0 0 0</inkml:trace>
+  <inkml:trace contextRef="#ctx0" brushRef="#br0" timeOffset="72867">16138 10396 9152,'-8'-17'1259,"0"-1"-809,-1-1 0,0-3-91,0 0 91,0-2-180,2 2 0,0 0-90,2 2-360,-2-6 360,5 12-180,-3 25 0,5 10 0,0 31 0,8-16 0,1 2-423,-5 23 378,10-4 0,-1 0 135,-10 8-180,3-7 0,-1-3-90,-5-6-135,4-12 1,-1-3-226,-1-14-449,6-2 899,-8-34 90,0-14 0,0-14 0,0-5 0,0 10 0,0-19 90,0 16-1,-2 8 1,4 1 90,14-2 360,-12-16-270,30 27-180,-29-2 180,27 14 152,-12 7-422,14 2 90,-6 26-90,1 6 0,-11 14-793,0-2 703,-6-10-90,-1 0-270,-1-1-449,2 6 719,-2-13-360,4 4 360,-5-14-180,6-6 270,-7-3 794,5-24-614,-3-5 90,-3-11 180,0-10 89,-5 18 271,-2-6-450,0 8-180,-16 7-180,12 24 180,-13 13-450,17 29-90,0-12-179,22 6 359,6-27-540,25 11 270,-8-23-448,-1 7 808,-10-9 90,-1-18 90,0 13 90,-13-21 0,-1-4 90,9 6 180,-10-9 0,-4-2 89,-4 0 311,-2-19-490,-8 24 179,-17-4-269,12 15-90,-12 5-90,-1 2 90,2 5 535,-15 2-445,18 21-306,3 7 216,10 22-180,18 3 0,7-10-180,26 4 180,-7-23-290,5-1 290,-10-7 0,0-10-90,2 3 1,0-4 89,-2-15-90,-1 11 135,-12-21 0,-2-4 45,9 3 0,-9-11 0,-4-4 90,-4-4 0,-2-14 90,-12 16 89,-2 1 1,-19 1 270,-6-13-180,0 15-136,3 9 1,-1 2-135,-4-1 0,-19-7-90,21 21 90,-1 4 0,23 34-180,-7 19 180,10 14-584,6-9 1,5 0 448,0-16 0,3 1 75,5 11 0,4 6 0,-1-6-75,1-8 0,0-2-15,2 6 0,3 3 0,-4-6-30,14 8-45,-5-15 0,1-3-45,5-6-225,5-17 1,0-4 134,1 1 180,-1-27 0,-1-8 180,-7 2-135,-9-14 0,-2-5-116,-3-6 386,-10 6 0,-3-1 45,-2-9 314,-12 1 1,-6 1-315,-12 2-90,1 9 0,0 4 800,-2 14-621,-15-4 1,21 26-360,-11 2 90,13 33-180,9-3 135,6 11 0,2 4-45,-1 15-460,7-2 0,5 1 325,0-19 0,3 0-765,10 25 1,2-2 134,-5-23 1,0-2-1,1 9 1,0-1-1249,12 11 2013,1-7 0,1-4 0,0-4 0</inkml:trace>
+  <inkml:trace contextRef="#ctx0" brushRef="#br0" timeOffset="73133">18362 10532 11670,'5'4'0,"0"-1"0</inkml:trace>
+  <inkml:trace contextRef="#ctx0" brushRef="#br0" timeOffset="80728">23182 7515 8342,'0'32'1709,"0"3"-1619,0-8 90,0 2 0,0-5-90,0-2 0,0 3 0,0-2 0,0 1 90,11-3 0,-8-3 89,8-4-89,-11-2 90,0-3 90,6-2-450,-4-17-450,5-9-179,-7-13-271,0-3-539,0 4 270,0-3 1259,0 0 0,0-1 0,0 2 0</inkml:trace>
+  <inkml:trace contextRef="#ctx0" brushRef="#br0" timeOffset="81067">23522 7718 8702,'17'-41'360,"9"-3"-360,-3 8 90,20-1-90,-37 13 0,35 1 0,-25-5 0,5 9 0,-9-4 0,-12 9 360,-18 7-181,-7 1-89,2 24 0,-22-14 0,20 32 0,-4-9 0,0 18-90,26-7-180,-7-4-449,10-12-181,0-2-89,22-1 899,10 3 0,14-8 0,2 1 0</inkml:trace>
+  <inkml:trace contextRef="#ctx0" brushRef="#br0" timeOffset="81462">24135 7469 8522,'-39'0'1619,"2"0"-1079,5 15-540,7-1 0,-8 18 0,22-2-90,-2 3-360,13-5-269,25 3 179,-19-15 270,44 3-90,-30-12 180,24-3 0,-11-3 180,14-1 0,-13-18 90,14-4 0,-25 0 450,-6-15-180,-11 15-90,-6-11 269,0 6 181,-20 9-360,-1-1 179,-17 4-359,5 5-180,16 28 0,3 15 0,14 14-784,0 4 694,0-9-492,0 24 132,19-12-585,-18-8 1,2 0-315,29 8 629,-29-19 1,-3-1 719,14 9 0,-4-3 0,3-3 0</inkml:trace>
+  <inkml:trace contextRef="#ctx0" brushRef="#br0" timeOffset="81950">24318 7881 7353,'12'-12'0,"-9"-3"0,25 0 0,-6-14 0,8 5 0,10-22 0,-17 16 0,6-10 0,-6 1 270,-9 9 179,1-15 1,-11 19 90,-2-8-360,-2 18-90,0-2 0,0 12 1079,-16 2-1169,12 17 90,-12 11-90,16 10 0,16 18 0,-12-18 0,24 24-180,-9-26-180,7 7-179,10-12 269,-13-8-360,37-4 540,-33-27 90,24 8 180,-35-29 0,-4-5 90,3 9 134,-4-14 1,-3-1-45,-5 8 450,-2-20-720,-1 29-90,-17-7 89,13 21-89,-13 20 0,17 14-1709,0 26 810,14-10-180,-10 1-181,24-14 1260,-25-2 0,29-4 0,-10 0 0</inkml:trace>
+  <inkml:trace contextRef="#ctx0" brushRef="#br0" timeOffset="82280">25120 7606 8792,'6'-14'270,"10"0"-270,36-16 0,-10 16-1343,-3-14 1253,-11 16 180,3-22 0,-15 13 1020,10-15-840,-24 14 700,-18-20-520,10 23-271,-41-11-179,19 23 0,-21 1 0,9 25 792,16 3-882,11 21-179,13-9-631,0-1-989,21-2 810,11-9-645,13 4 1724,4-12 0,-4-7 0,1-2 0</inkml:trace>
+  <inkml:trace contextRef="#ctx0" brushRef="#br0" timeOffset="82563">25865 7233 10501,'-22'-5'720,"-14"2"-630,18 2-180,-15 0 90,16 14 90,5 4-90,36 18 0,3 4 89,3-4-89,14 0 0,-18 0 0,3-8 90,4 14 0,-30-19-90,17 6-90,-19-14-89,5-1-1261,-27-6-359,-7-4-269,-24-1 2068,3-21 0,20 14 0,8-14 0</inkml:trace>
+  <inkml:trace contextRef="#ctx0" brushRef="#br0" timeOffset="82763">25985 7020 9961,'12'0'1350,"-2"19"-1350,-2-14 0,-3 34 89,3-23-89,-2 18 0,5-7 0,0 1 0,2 1-449,3 1-811,7 10 721,-3-9-91,5 5-89,-9-12-91,-1-4 0,-4 0 810,-2-5 0,-4 1 0,-1-2 0</inkml:trace>
+  <inkml:trace contextRef="#ctx0" brushRef="#br0" timeOffset="82896">26007 7368 9152,'-13'-22'450,"2"-1"-361,11-2-89,0 1-89,22-2-91,-17 0-540,44 2-179,-26 0-450,26 5 1349,-11 1 0,2 6 0,-1 1 0</inkml:trace>
+  <inkml:trace contextRef="#ctx0" brushRef="#br0" timeOffset="83751">27293 6935 11580,'0'-9'180,"0"1"180,0 3-360,0 21 0,0 39 0,0 1-1442,-6-2 0,-1 2 1442,4 6 0,-4-20 0,0-1 380,7 13-470,0-6 90,0-3-180,0-7-180,0-6 180,0-6-449,0 0 449,17-15 90,-1-40 90,3 1 45,-5-2 0,-2-4-90,-2-2 0,-1 2 1990,16-24-1721,-10 5 1,-3-1 45,-3-11 135,0 10 0,-1 1-374,-5-4 59,0 22 0,1 1-61,-2-12 61,0 18 180,3-1-270,-2 23 314,7 2-224,-4 26-180,12 11 90,-5 12-90,8 5-450,7 10 838,-6-14-838,-2-8 1,0-1-360,2 2-602,6 9 872,-12-20-136,-2-4-44,-3-2-1,-3-3 810,-4-3 0,-2-2 0,-2-1 0</inkml:trace>
+  <inkml:trace contextRef="#ctx0" brushRef="#br0" timeOffset="83898">27388 7293 10231,'-21'0'810,"2"-13"-630,3 9 89,5-17-179,4 9-90,3-4 0,23-1-269,-14 4-361,48-1-1169,3-7 1259,-21 13 1,4 0 383,18-3 0,-1 0 0,-20 7 0,-1 0 0,12 0 0,0 0 0</inkml:trace>
+  <inkml:trace contextRef="#ctx0" brushRef="#br0" timeOffset="85218">23162 9727 10411,'-1'-9'0,"0"1"270,-1 3 180,0 1-91,0 2-359,2 22 0,22 13 0,-16 13-574,13-18 0,0 1 574,-15 21 0,30 4 0,-29 1 0,29-2 90,-30-3-180,24-4 90,-24-7 0,22-8 360,-15-2-270,7-12-180,-4-3 90,-8-11 0,2-21 0,-4-3-90,3-20 0,1-3-90,-3 5 0,1-3 377,0 9 1,0-1-1008,1-26 1,-1 1 314,-2 24 0,0 0-719,-1-17 0,-1 1 1214,-1 0 0,0-7 0,1 26 0</inkml:trace>
+  <inkml:trace contextRef="#ctx0" brushRef="#br0" timeOffset="85532">23732 10016 8162,'10'0'180,"2"0"-90,1-21 0,11-8 90,-5-12 0,6-1 0,-2-5-90,-8 13 449,3-25-449,-11 30-180,-3-16 90,-3 26 360,-23 1-270,-1 12 270,-25 22-450,13 15 90,13-3 0,3 3 0,4 25 0,1-15 0,3-2-440,8 10 80,-5 10-1259,31-9 540,12-19 1079,0-12 0,3-4 0,27-5 0,-29-7 0,1 0 0</inkml:trace>
+  <inkml:trace contextRef="#ctx0" brushRef="#br0" timeOffset="85912">24413 9671 9781,'-52'0'1530,"23"20"-1351,-18-15-89,42 32-180,-36-33 180,36 35-90,-23-24 0,26 20 0,-9-11 0,11 2 0,0 9-269,23-10-721,6 13 630,13-19-179,-1 0 179,-8-11 0,-1-5 90,0-2 90,-1-1 0,-1-17 90,-3 13 90,2-33 180,-15 9 450,5-20-90,-18 7 359,5-4-449,-23 20 359,-2-9-629,-13 22-180,5 19 0,9 23 0,8 13 0,4 5-900,6-9 1,0 1-270,0 14-180,-1-2 0,2-1 1059,15-4 0,-12 13 0,11-21 1</inkml:trace>
+  <inkml:trace contextRef="#ctx0" brushRef="#br0" timeOffset="86396">24720 10194 9602,'3'-21'899,"-1"0"-809,1 3 0,-2-2-90,6-19 0,-2 6 0,3-7 0,0-2 90,0-5-90,1 1 0,-1-1 0,-2 0 0,-2 9 0,0-1 180,-1-6 0,-3 11 0,1 1-1,-1 0-269,0-12 180,0 31 90,-13-2-180,9 35 0,-9 9 0,17 10 0,8 2 0,10 17 0,-4-9 0,2-2 0,13 0-180,-14-12 1,-1-1-1,5 0 0,5 4 0,-9-21 0,-1-6 0,0-5 180,6-5 0,-6-23 0,7-8 90,-13-14 360,0-18-1,-9 24-779,-1-13 600,-2 21-210,0 3-150,0 5 90,0 4 359,0 5-359,0 24 0,0 9-180,0 17-89,0 3-541,17-6 322,-13 2-1850,27 15 1168,-10-15 1138,9 11 1,2-22 0,-7 0 0</inkml:trace>
+  <inkml:trace contextRef="#ctx0" brushRef="#br0" timeOffset="86696">25460 9878 9961,'0'-14'1529,"0"3"-1439,0 1 0,0 3-90,18-8 0,6 1-90,22-15 90,-9 8-756,-2-8 756,-11 7-90,-4-1 0,-1-8 0,-5 6 0,-6-6 90,-3 1 0,-23 8 180,-5-13 90,1 20-360,-33-3 180,27 14 486,-27 24-576,32 8-90,9 14-539,14-3-1170,0 4 719,25-12-269,-19 6 1349,50-24 0,-31 5 0,28-5 0</inkml:trace>
+  <inkml:trace contextRef="#ctx0" brushRef="#br0" timeOffset="86963">26085 9443 10321,'-25'-5'1349,"-16"3"-1259,18 0-180,-16 2 180,10 14-90,13 1 0,27 19 0,12 12 90,22-10-135,-21-9 0,-1-2 45,4 0 180,11 11-180,-27-20-1259,8 5-1979,-12-15 2338,-31 0 900,18-24 0,-36 13 0,19-14 0</inkml:trace>
+  <inkml:trace contextRef="#ctx0" brushRef="#br0" timeOffset="87145">26093 9237 9152,'24'0'1979,"1"-1"-1799,-11 19-91,7-14-89,-13 33 90,14-7-180,-9 8 90,5 4-179,-7-11-541,1 2-269,-1 2-900,5 13 989,-4-13 900,2 10 0,-5-19 0,-2-1 0</inkml:trace>
+  <inkml:trace contextRef="#ctx0" brushRef="#br0" timeOffset="87296">26148 9569 10411,'-17'-21'450,"8"2"-450,-5 1-90,13 2 90,-6-2-180,7-7-270,24 5-2338,28-18 1253,1 21 1381,-17 4 0,-2 1 0,7 2 0,2 2 0</inkml:trace>
+  <inkml:trace contextRef="#ctx0" brushRef="#br0" timeOffset="87884">26823 9098 11041,'-14'-4'899,"10"15"-899,-11 10 0,15 8 0,18 5 0,0 15 0,3-9 0,-2-4 0,0 0 0,-4 7-45,6-10 0,1-1 45,-5 2 0,5 5 0,-9-14-270,-6-11-359,-1-1 539,-6-31 90,-17 14 0,6-31 0,-1-6 0,-31 6-45,19-16 0,5-5-45,-6-1 90,9 17 0,0-6 0,4 4-1692,6-23 1692,-6 13 0,0 3-90,12 5-329,0 6 419,17 7 39,-12 8-39,29 8 90,-9 8 90,15 23-270,0 19 90,-22-6 0,-4 4 1178,5 25-1268,-2 1-180,-16-17-270,6-3 1,-2-4 484,-1 6-125,6-14 172,4 7 8,0-24 0,19 5 270,-9-13 0,13 4 449,6-3-449,-9 1 270,22 7-181,-26-1 868,14 14-1047,-24-6 90,4 7-270,-16 3 0,-3-7-90,-25 13-180,15-17-449,-46 3-451,24-11 1,-30-1-360,19-5 0,-1 0 1183,-27 0 0,23-2 1,0-1-1,-23 0 1</inkml:trace>
+  <inkml:trace contextRef="#ctx0" brushRef="#br0" timeOffset="96464">5170 12895 9062,'-27'0'1529,"-1"0"-1349,10 6-180,0-5 90,8 6 0,0-4-90,1-2 0,-4 6 0,4-3 0,-6 6 0,4-2-90,-5 13 90,3-3-270,-9 24-270,9-11-179,-4 12-631,5 5 541,5-12 809,1 18 0,5-26 0,1 5 0</inkml:trace>
+  <inkml:trace contextRef="#ctx0" brushRef="#br0" timeOffset="96845">5600 12893 7982,'-23'-3'810,"0"20"-720,-28 6-90,15 14-847,-2-1 847,9-5 0,-9 18 0,11-12-45,7-6 0,4-1 45,5 1 184,-4 15-363,38-32 229,4 4-50,33-42-90,-14-9-267,-15 4 0,-2-4 447,3-16 0,7 3 270,-25 20 577,6 5-757,-17 2-90,13 10-180,-15 15-90,3 24-270,-4 1-1079,0 19 359,0-25 1170,18 8 0,-13-14 0,12-2 0</inkml:trace>
+  <inkml:trace contextRef="#ctx0" brushRef="#br0" timeOffset="97020">5993 12921 8702,'-19'18'90,"3"3"-90,16 20-360,0-8-359,0-1-451,0-10 1170,0-1 0,19-10 0,4-3 0</inkml:trace>
+  <inkml:trace contextRef="#ctx0" brushRef="#br0" timeOffset="97196">5983 12323 8432,'-22'-2'0,"-1"1"0,3 1 0,3 23-90,-5 13-719,9 13-1965,-2 7 2774,10-10 0,3 5 0,1 0 0</inkml:trace>
+  <inkml:trace contextRef="#ctx0" brushRef="#br0" timeOffset="97678">6635 12612 8792,'-18'21'180,"4"10"-180,34 13 0,-15 4 0,31-7 0,-17 21 0,0-14 45,-4-10 0,-3-1-45,-10 1 90,10 7-90,-12-21-90,0-4 180,0-2-180,-20-10 180,-2-16-180,-20-19 180,22-7-180,-10-10 90,27 10 0,-10-5 0,13 1 0,0 2 0,0 2-90,18 5 90,-13 5 90,52 3-90,-31 12 45,10 2 0,2 7 45,0 20 0,9-15-597,-20 39 777,-4-27-90,-11 23-90,5-12 0,-15 0 0,7-2-90,-9 9 0,-25-11-90,-5 13-360,-1-19-585,-1-6 1,1-2 135,9-3 899,-31 0 0,38-7 0,4 0 0</inkml:trace>
+  <inkml:trace contextRef="#ctx0" brushRef="#br0" timeOffset="97845">7097 12853 8072,'6'40'450,"2"-9"-450,-8-1 0,2-11 0,-2-1-180,0 0-270,0-2-449,0-1 899,0-2 0,0-6 0,0 0 0</inkml:trace>
+  <inkml:trace contextRef="#ctx0" brushRef="#br0" timeOffset="97996">7075 12531 8612,'0'-5'-540,"-10"2"-269,8 23-271,15-14 1080,-7 35 0,36-37 0,-19 16 0</inkml:trace>
+  <inkml:trace contextRef="#ctx0" brushRef="#br0" timeOffset="98298">7528 12972 8072,'6'0'90,"0"0"-90,3-18 0,1-2 0,8-22 0,-7 10 90,3-13 90,-10 20 90,0-16 90,-4 22-270,0-4-90,-16 17 90,12-4 270,-31 9-360,16 11 0,-3 10 0,8 20 0,14-8-90,0 4-1170,0-1 541,19-9 719,4 12 0,1-26 0,-7 2 0</inkml:trace>
+  <inkml:trace contextRef="#ctx0" brushRef="#br0" timeOffset="98634">7762 12719 9152,'0'41'270,"18"-18"-270,-13 12-90,13-21 90,-3 16 0,-11-6 90,23-12 0,-25 10-90,16-16 0,-16-14 269,4-12-89,-6-15 90,0 0-90,0 6 0,0-8 90,0 10-180,0-3-90,0 15 90,14 7-450,5 39 0,16-9-315,-17 11 1,-1 1-46,12 0 720,-14-1 0,-3 0 0,2-2 0,1 15 0</inkml:trace>
+  <inkml:trace contextRef="#ctx0" brushRef="#br0" timeOffset="98862">7312 12623 8252,'-16'-28'540,"3"2"-360,6 1 90,4 2 359,23-10-449,-16 9 0,36-6-180,-35 13 0,38 2 90,-25 4-90,19 3-90,-10 2-90,-2 3-629,12 2-1,-10 1-1259,18 15 2069,-21 1 0,5 2 0,-11-5 0</inkml:trace>
+  <inkml:trace contextRef="#ctx0" brushRef="#br0" timeOffset="99011">7857 12018 9152,'0'45'-2429,"0"1"2429,0-7 0,0 7 0,0 3 0</inkml:trace>
+  <inkml:trace contextRef="#ctx0" brushRef="#br0" timeOffset="99582">9138 12375 10051,'-32'-2'540,"0"1"-270,8 1-360,-2 0 180,0 16-180,3-12 180,1 30-180,7-29 90,0 47 90,9-30-180,1 38 90,27-32 0,9 10 0,15-22-1542,2-1 1542,-9-12-90,3-3 432,-3 0-342,12-17 0,-18 13 0,6-29 0,-27 10-90,-3-8 90,-9 0-270,-20 8 1,15 1-361,-39 1-90,24 2-269,-24 4 989,-4 1 0,11 9 0,-11 1 0</inkml:trace>
+  <inkml:trace contextRef="#ctx0" brushRef="#br0" timeOffset="99728">9048 13019 9602,'14'7'269,"-3"-2"-898,22-3-181,-11-17-359,11 11 1169,-5-35 0,5 18 0,2-22 0</inkml:trace>
+  <inkml:trace contextRef="#ctx0" brushRef="#br0" timeOffset="100235">9952 12224 9781,'-2'44'-45,"1"-10"0,0-1 135,1 15-585,8-1 1,1 1-226,-5 14-1984,11-11 1,2 0 2703,-5 5 0,-3-22 0,0 0 0,0 7 0</inkml:trace>
+  <inkml:trace contextRef="#ctx0" brushRef="#br0" timeOffset="100362">9857 12570 7982,'0'-26'-809,"0"-9"269,17 8 540,-13-6 0,35 8 0,-11-1 0</inkml:trace>
+  <inkml:trace contextRef="#ctx0" brushRef="#br0" timeOffset="100914">10382 11961 8432,'-25'13'720,"-10"6"-540,31 19-90,-20-4 90,22 6-91,-7-5 1,9 4-90,0 21-90,17-12 135,-16-8 0,3 0-45,33 6 0,-26-9 0,-1 0 0,15 3-931,2 8 841,-24-22-66,19-3-294,-20-6-1619,14-1 2159,-14-33 0,5-5 90,-24-30 0,12 13 818,-12 3-279,17 11-629,0 27 0,16-11-90,-12 42 0,27-29 90,-27 37-180,31-24 90,-7 26 90,10-28-630,17 16 271,-21-28-1,12 9 90,-13-12-90,1 0 90,-4-18 90,10-10 180,-16-9 180,5-18 90,-22 20 134,-13 1 1,-3 1-225,4 2 90,-34-13-90,16 29 89,-17 7-179,6 2-180,14 27 90,10 4-180,10 22-269,0-10-1081,27 9 721,7-21 719,-3-10 0,3-1 0,19 4 0,0-1 0</inkml:trace>
+  <inkml:trace contextRef="#ctx0" brushRef="#br0" timeOffset="101151">10600 12131 8522,'-24'-4'1169,"4"-1"-539,4-1-630,8 0 0,3-3 0,25 4 0,-15-2 0,40 3-90,-25 0-360,25 1 181,-10 2-91,2 1 90,-2 0-899,10 0 629,-16 16 540,11-12 0,-24 12 0,3-16 0</inkml:trace>
+  <inkml:trace contextRef="#ctx0" brushRef="#br0" timeOffset="101295">10918 11860 9332,'0'-30'809,"0"2"-719,17 5-180,-13 4 180,12 2-180,-3 10 0,-1 0-2608,16 64 2698,-12-20 0,-6 7 0,-2 2 0,2 10 0</inkml:trace>
+  <inkml:trace contextRef="#ctx0" brushRef="#br0" timeOffset="101812">11960 12287 11221,'-20'-9'0,"1"3"-180,6 1 270,2 3 0,5-2-90,21 20-90,5 3 90,2 11-90,7-10-450,-26 0-449,15-17 899,-16-13 90,5-15 0,-7-12 0,0 3 0,0 8 269,0 2 181,20-7-360,-2 10-90,18 3 90,-3 11-90,-9 25 90,3-14-495,-9 30 1,-1 5-496,9-9-315,-2 15 1,1 1 1214,1-9 0,9 8 0,-8-19 0</inkml:trace>
+  <inkml:trace contextRef="#ctx0" brushRef="#br0" timeOffset="102145">12563 12137 9602,'-40'0'809,"-1"0"-809,18 21 0,-8-16 0,27 36 0,-20-27 0,22 19 0,-8-10 0,10 1-180,0 4-90,22-14 90,-17 9-89,37-21 179,-13 6 0,10-8 90,7-19 0,-15-5 0,-8-11 90,-10 1 179,-13 9-179,0 0 180,0 1-90,0 3-180,0 4 0,0 0-90,-17 9-449,13 23-91,-13 15 90,38 13-1079,8 12 1619,12-22 0,2 8 0,-9-16 0</inkml:trace>
+  <inkml:trace contextRef="#ctx0" brushRef="#br0" timeOffset="102383">13053 12094 8882,'-23'-7'1079,"-13"5"-899,31-8-90,-30 9 0,19-2 0,-5 19-90,9 1 0,29 15-360,9-6 270,22-4 0,5-10 270,-10-5-1169,0-7-360,-28-15 539,-20 12 810,0-25 0,-39 24 0,15-9 0</inkml:trace>
+  <inkml:trace contextRef="#ctx0" brushRef="#br0" timeOffset="102545">12377 11943 9512,'0'-14'179,"23"0"-179,-18 1-89,44 0-91,-27-1-495,11 4 0,3 2-494,11-6 1005,-13 6 0,1 1 1,19 2-1,3 2 0</inkml:trace>
+  <inkml:trace contextRef="#ctx0" brushRef="#br0" timeOffset="102911">14012 12054 10951,'-34'-14'0,"1"0"0,0 3 0,-10 3 0,11 3 0,-8 3 0,16 2-90,4 23-450,3-17-809,6 51 809,4-35-989,28 38 1529,-15-32 0,48-3 0,-15-15 0</inkml:trace>
+  <inkml:trace contextRef="#ctx0" brushRef="#br0" timeOffset="103611">14122 11617 8882,'-23'-7'540,"-11"2"-450,22 4 269,-5 16-179,9 12-90,8 8-90,0 10-193,22-6 193,-17 6 90,36 3-90,-27-12 0,-2 1 0,5-9 0,2 0-45,4 19 0,-1-2 45,2 5-470,-7-20 0,-3 0 470,-3 3 0,7-5-270,-15-8-360,11-3-179,-12-7-529,2-3 1248,-4-26 1122,0-9-942,0-14 90,0 0-90,0 11 90,0-2 359,0-7 1,0 12-180,0-3-180,0 15-90,12 9-90,1 0 0,2 25 0,8-14 0,-12 30 90,21-11-90,-13-1-720,19 14 540,-17-20-449,30 12 269,-27-13 90,24-8 270,-29-25 0,11-8 90,-17-10 584,-4 3 1,-3 1-315,-1-3 449,-2-28-809,-3 40 180,0-5-180,0 37 0,0 4 0,14 28-269,8-3 89,17 0 90,5-11 0,-9-11 90,-2-10-90,-3-6 180,-10-19 0,7-5 180,-18 0 269,0-26 1,-8 31-180,-1-24 89,0 23-539,0-2-449,0 7-1260,0 17 1079,0 14-269,17 4 989,-13 19 0,32-23 0,-13 19 0</inkml:trace>
+  <inkml:trace contextRef="#ctx0" brushRef="#br0" timeOffset="103911">15377 11716 8882,'-22'-5'270,"-12"0"-270,17 2 180,-13 2 0,10 1-1,8 13 1,7 5-90,25 13-90,-15 5-90,32-8 180,-32 2-90,25 0 0,-15-7 90,9 11-180,-10-16-539,2 4 179,-9-12-180,2-3-179,-2-4-361,-4-3 1170,2 0 0,-2 0 0,0 0 0</inkml:trace>
+  <inkml:trace contextRef="#ctx0" brushRef="#br0" timeOffset="104432">15272 11817 8342,'-19'-15'990,"0"3"-720,0 12 179,-2-6 271,-10 4-360,7-4-91,-19 6-269,19 0 90,-20 18-90,20 3-90,-18 29 90,27-16 0,-4 16 0,18-26 0,18 13-269,16-19-91,-2-7 0,3-2 90,28-3 270,-26-3 0,0-3 0,6-8 0,-2-1-90,21 5 90,-12-11 0,-3-5-476,1-5 476,5 2 90,-28-18-180,-7 27 180,-9-18-90,-3 12 90,-5 1 180,0 0 450,-17-4-630,-6 8 90,-19-4-90,19 13 89,-15-1-179,22 6 386,-4 15-386,9 2 0,11 20-90,16 3-449,9-6-181,-4 1-179,25-12-1,-25-1-179,21-2 1079,3 2 0,-10-7 0,9 1 0</inkml:trace>
+  <inkml:trace contextRef="#ctx0" brushRef="#br0" timeOffset="104805">14520 11618 11490,'-7'-3'-1799,"2"1"1799,0-1 0,3 2 0,-1-1 0</inkml:trace>
+  <inkml:trace contextRef="#ctx0" brushRef="#br0" timeOffset="105544">16547 11645 11940,'-26'-23'0,"1"4"0,1 1 0,-9 0 0,8 8-90,-6 0 0,5 9 90,8 1-539,-5 18 449,15 4 90,2 20 0,27-13 0,4 0 0,-14 14 0,22-9 0,4-2 90,-10 2-135,-3-7 0,-1 0 45,3 2 0,4 14-270,-28-23 0,10 5-899,-12-6 539,-22-5-180,-6 3 541,0-9 89,-20-2 180,23-6 90,-16-20 539,19-2-359,11-20 0,30 21-90,15-12-180,11 14-1158,9-6 1248,-7 4 0,3 8-90,5 2 90,1 0-1,-1 2 1,0 1-286,-19 3 1,-1-1 465,16-3-135,-13 1 0,-2-1-135,-1-3 180,4-3-180,-23 2 90,-7 1 0,-6-2 449,-2-8-449,-29 5 450,-8-13-270,-14 12-180,18 3 0,2 2-90,-8 0-90,-8-2 1169,10 9-1079,10 4 380,5 18-1009,12 5-181,39 0-854,-2 7 0,4-1 1664,1-22 0,1 0 0,9 20 0,-2 1 0,13-11 0</inkml:trace>
+  <inkml:trace contextRef="#ctx0" brushRef="#br0" timeOffset="105765">16763 11105 8972,'0'-16'-90,"0"2"90,24 1 0,-18 4 0,39 2 0,-15 4 0,19 17-180,-5 14-809,-19 11-1141,-11 8 2130,-14-4 0,0 5 0,0 3 0</inkml:trace>
+  <inkml:trace contextRef="#ctx0" brushRef="#br0" timeOffset="106312">18327 11801 11490,'-34'0'0,"1"7"0,3-5-90,2 5 180,4-2-180,5 1 1,3 6 178,3 5-89,5-1-89,2 13 89,5-12-360,20 12 180,6-15-90,-1 1 0,22-10 90,-26-2 90,23-3-269,2-25 269,-10 18 90,-7-23 0,-1-7 0,1 8-45,-7-14 0,-3-3-430,-2-5 475,-8 18 0,-1-2 135,-5-1 0,-1 1 224,-1-19 181,-6 9 0,-5 1-90,-11-4-316,1 12 1,0 2-45,-3 1 180,-27-5-180,43 42-90,-31-8 0,37 50 0,-6 3 0,8 16-863,10-16 1,1 1 142,-6 12 180,13-22 1,2 0-451,-7-4 1,0-3-180,21 14 1163,-11 9 1,8-28 0,-6-2 0</inkml:trace>
+  <inkml:trace contextRef="#ctx0" brushRef="#br0" timeOffset="106467">18263 11546 10411,'-8'-18'-180,"6"-1"0,-6 5-269,8-2-721,25-4 630,-19 6-179,52-2-181,-31 10 796,33 1 0,-9 3 0,4 0 1</inkml:trace>
+  <inkml:trace contextRef="#ctx0" brushRef="#br0" timeOffset="106661">19185 11480 9961,'-52'5'1529,"2"1"-1349,12 6 180,-16 3-360,15-3 0,-18 9 0,38-10-1439,-12 15 90,29-11-1080,35 10 2429,-1-11 0,3-7 0,2 0 0,13 1 0</inkml:trace>
+  <inkml:trace contextRef="#ctx0" brushRef="#br0" timeOffset="106805">18967 12172 11580,'-21'14'-269,"9"-4"269,-3-5 0,13-20 0,-5-6 0</inkml:trace>
+  <inkml:trace contextRef="#ctx0" brushRef="#br0" timeOffset="107327">20365 11548 10321,'-33'-21'1349,"2"0"-899,4 4-270,2 3 0,5 3-90,-4 5-90,7 2 0,-6 2 0,9 19 0,0-12 0,4 33 0,5-20-450,2 35-90,2-18-89,1 11-361,21-5 361,3-13-181,23 3 450,-11-17 180,12-6 180,-18-4 0,7-27 990,0-20-181,-20-3-961,11-9 871,-27 26 451,3-7-900,-4 8-270,0 2 180,-14 14-180,10 31-360,-24 21-270,25 13-2204,-8-8 0,0 0 765,9 16 2069,-3-19 0,0 0 0,5 18 0,0-1 0</inkml:trace>
+  <inkml:trace contextRef="#ctx0" brushRef="#br0" timeOffset="107801">20740 11790 11221,'3'-13'-90,"1"-3"0,-2-2 90,3-4 0,-1-3 180,4-3 89,9-17-179,-3 9 0,9-26-90,-11 25 180,4-10 270,-7 5-180,-2 13-180,-2-9-90,-2 21 0,-2 1 0,-1 55 0,0 3 0,0-7 0,0 2-225,0 3 0,0-3-1000,0 9 955,17 9-450,0-8-89,18-20 539,-1 1 270,3-23-90,-5-29 270,3-8 270,-15-13-1,2 0 181,-12 10-180,-3 0-1,-4 1 91,-2-8-540,-1 14 90,0-4-90,0 17 956,-14 7-1316,10 26-90,-11 11-1349,15 29 540,0-14-1350,19 13 2609,10-28 0,12 6 0,2-15 0</inkml:trace>
+  <inkml:trace contextRef="#ctx0" brushRef="#br0" timeOffset="108145">21687 11353 10591,'-24'-8'989,"5"3"-899,-21 2 90,-6 3-180,13 15 0,-22 8 90,28 9-180,-4 15 180,21-15-90,3 22-270,7-24-89,25 8-271,13-11 360,12-10 225,-15-9 0,1-2-45,8-2-1057,12-4 1147,-18-20 0,-6 15 274,-3-35-4,-7 14 270,-2-12 0,-11-8-181,-1 20-89,-8-5-270,-19 9 0,15 8 0,-28 2 423,28 30-1232,-9 15-361,13 14-570,0 6-59,18-10 1799,-14 4 0,34-2 0,-13 2 0</inkml:trace>
+  <inkml:trace contextRef="#ctx0" brushRef="#br0" timeOffset="108544">22512 11448 12120,'-6'0'1079,"0"0"-899,3-10 0,-2 8-90,3-7-90,-1 9 0,0 0 90,1 0-180,0 0 90,-1 0 0,0 0 0,-2 0-450,0 35 1,2-12-1,1 10 0,0 2-179,2 1-990,20 22 719,-15-28 1,35 4-1080,-10-17 1979,10-4 0,4-7 0,-12-2 0</inkml:trace>
+  <inkml:trace contextRef="#ctx0" brushRef="#br0" timeOffset="108917">22928 11471 9691,'-17'-7'1620,"-9"2"-1620,-12 20 0,0 0 0,11 17 0,12-3-450,6 2 90,9-5 0,0 4 180,18-14-179,1 7 269,3-14 90,10 1 90,-10-8 629,14-1-179,-6-1-450,-13-12 629,-3 9-539,-13-17-270,-11 18 0,-7-6 180,-1 24-719,4 0-1,14 14-809,16-6 629,1-11-1259,19 0 2069,-9-12 0,-8 4 0,-9-5 0</inkml:trace>
+  <inkml:trace contextRef="#ctx0" brushRef="#br0" timeOffset="109261">23305 11518 10141,'-15'-11'2699,"-6"3"-2609,-12 8 0,13 15-90,-11-12 0,19 23-90,-14-23 90,12 24-90,6-6-90,3 8-90,5 0-540,0-1 1,25-7-360,-19 2 89,50-12 91,-31-5-271,29-3 1260,-10-3 0,0 0 0,4 0 0</inkml:trace>
+  <inkml:trace contextRef="#ctx0" brushRef="#br0" timeOffset="109431">23285 10985 11221,'-13'-3'-360,"0"1"-540,4 1-449,1 17 1349,-1 13 0,5 11 0,-3 5 0</inkml:trace>
+  <inkml:trace contextRef="#ctx0" brushRef="#br0" timeOffset="109878">24202 11316 13020,'-7'-5'0,"5"1"719,-4-1-719,6 19 90,15-13-180,-11 31 90,27-4 0,-27 7 0,24 17 90,-26-21-90,10 7 90,-4-8-90,-6-10 180,5 1-900,-7-33 361,0-16-91,0-15-270,0 6 1,0-1-361,0-13-134,0 6 0,0 0-1342,0-6 2556,0-9 0,0 26 0,0 4 0</inkml:trace>
+  <inkml:trace contextRef="#ctx0" brushRef="#br0" timeOffset="110161">24695 11502 8972,'17'16'90,"0"-7"90,10-3 90,-4-6 89,6-15-179,-9 11-90,-2-30 0,-1 29-90,-1-48 0,-5 31 90,-3-38 90,-6 31 0,-26-13 180,18 22-90,-41 1-1,12 8-269,-11 10 90,-13 12 0,27-7-135,6 19 0,4 6 45,7-6-90,0 20 0,5 3-719,8-2-181,11-2 1,3-1-450,-5-7 1439,22-12 0,4-4 0,-4 1 0,29-2 0</inkml:trace>
+  <inkml:trace contextRef="#ctx0" brushRef="#br0" timeOffset="110545">25188 11311 11400,'-26'-3'1170,"-10"1"-1260,32 0 0,-20-1 180,22 1-90,-7 21 0,9 8-90,0 14-90,0-2 0,16-7-90,-12-2 0,29-2 91,-28-2-1,32-4 0,-12 0 180,9-11 0,3-3 90,-19-8-90,7-22 270,-18-7 269,0-29-179,-7 12 270,-19-13-360,14 27-270,-31-13 0,32 23 0,-22 5 0,24 28-90,-8 24-225,8-2 0,4 3 45,6-5 0,1 4-1529,0 29 0,2 1 415,7-31 1,1 0 1383,-10 20 0,1-2 0,21-5 0,-11-3 0</inkml:trace>
+  <inkml:trace contextRef="#ctx0" brushRef="#br0" timeOffset="111044">25528 11460 10411,'0'-9'-360,"0"1"360,0-3 0,0-1 90,0-1 0,18-1 90,-13-1-180,12 0 90,4-2-90,-16 2-90,29-9 90,-20 6 90,9-15-90,-10 13 90,-6-7-90,0 9 180,-6 0 180,6 2-180,-7-2-270,0 6 359,0 1-179,0 25 0,0 22-180,19 3-180,-11-6 1,1-1-181,13 2-135,-1-5 1,-1-2 134,-3 2-315,12-8 1,3-3 584,-4 0 180,24-4 180,-29-10 629,7-22-449,-18-5 90,0 0 629,-9-16-359,-2 13 179,-17-9-719,12 1-90,-12 14-180,1 6-629,11 25-990,7 24 809,2 4-1618,26 18 2518,-10-29 0,-3 8 0,-1-14 0</inkml:trace>
+  <inkml:trace contextRef="#ctx0" brushRef="#br0" timeOffset="111394">26373 11258 8072,'13'0'360,"-4"0"-180,45 0-90,-19 0 0,-15-13 270,3 10 90,-21-22 359,7 11-449,-9-11-180,-24 7-90,18 4 180,-39 5-181,39 2 1,-37 0 0,18 4-90,-19 1 0,11 20 0,15 6-629,7 21-91,11-9-179,0 0-1350,24 1 2249,5-12 0,14 6 0,-2-13 0</inkml:trace>
+  <inkml:trace contextRef="#ctx0" brushRef="#br0" timeOffset="111695">26660 11079 11041,'0'-7'270,"-12"2"-270,9 1 89,-9 1-89,29 17 90,4 6-90,23 21-90,-6-8 90,-12-9 0,0-1 0,6 4 90,8 10 90,-17-16-90,-2-2 180,-5-3-90,-4 0-180,-3-7 0,-5 4-450,-24-10-1349,-6 2-449,-27-5 2248,6-21 0,5-1 0,6-19 0</inkml:trace>
+  <inkml:trace contextRef="#ctx0" brushRef="#br0" timeOffset="112061">27080 10894 10681,'8'-6'1709,"-2"2"-1709,3 1 180,-2 3-180,-7 12 0,3 11 0,-3 6-90,0 6 0,0-3-270,0 1 0,0 5-449,0 11 179,16-12-451,-12 8 631,11-17 270,0-5-90,-11-3-449,11-4 179,-15-5 180,0-1 90,0-4 2251,-18-3-1351,-10-21-270,-9 12 269,10-37-89,-9 23 180,20-23-91,-24-7-539,26 9 45,4 7 0,4 0-45,6-5-90,0-22-90,24 29-90,-18-7-270,28 21 1,7 5-361,-6-8-135,14 7 1,5 4-1187,2 4 2131,-19 3 0,0 1 0,12 2 0,-3 0 0</inkml:trace>
+  <inkml:trace contextRef="#ctx0" brushRef="#br0" timeOffset="112189">27827 11109 11850,'11'5'-3058,"-3"-2"3058,-2 1 0,-4-3 0,-1 0 0</inkml:trace>
+  <inkml:trace contextRef="#ctx0" brushRef="#br0" timeOffset="138847">2423 14494 13020,'16'17'0,"9"13"90,-22 13-90,8-5 0,2 2 0,1 14-1631,-4-15 1,1 1 1630,7 19 0,-7 0 951,0-2-951,-6-19 0,-1 0-179,3 14-46,-3-15 0,-2-3-225,0-5-736,1 0 1006,-2-21-269,2-23 269,-2-19-90,6-32 270,-1 8-346,3 16 0,2 1 346,4-6-45,8 8 0,3 2 135,3 5-90,1 10 0,2 4 90,0 11-90,24 2 180,-25 5 0,10 0 1748,-17 18-1568,-2-13 360,2 43-720,-14-21 0,2 17 0,-31-13 0,14-11-90,-40 1 0,23-4-32,-26 0-777,9-5-91,-3-4-89,-2-5 1079,-21-3 0,20 0 0,-14 0 0</inkml:trace>
+  <inkml:trace contextRef="#ctx0" brushRef="#br0" timeOffset="139046">3138 14792 8072,'6'10'450,"-2"1"-450,-4 14-90,0-6 90,0 4 0,0-5-360,0 2-359,0-1 719,0 10 0,0-10 0,0 6 0</inkml:trace>
+  <inkml:trace contextRef="#ctx0" brushRef="#br0" timeOffset="139212">3037 14599 9422,'-4'-2'0,"0"-2"-3149,3 3 3149,16-1 0,-11 1 0,12 1 0</inkml:trace>
+  <inkml:trace contextRef="#ctx0" brushRef="#br0" timeOffset="139560">3458 14825 8612,'0'-6'900,"0"-3"-990,17-5-90,-12-19 180,23 18 0,-25-19 0,8 6-90,-11 8 360,0-9-1,-18 16-89,13-4 180,-26 12-360,28 15 0,-20-7 0,21 27 0,-8-7 0,10 8 0,0 2-899,19 0 269,1-6-989,20 13 450,-11-18 1169,0 1 0,-6-8 0,-1-2 0</inkml:trace>
+  <inkml:trace contextRef="#ctx0" brushRef="#br0" timeOffset="139893">3725 14792 9332,'19'15'180,"12"1"-270,-15 16 90,17-4-630,-8 1 180,-5-8 270,-3-3 0,-9-12-89,0-2 269,-6-26 90,1-7 89,-3-13 181,0 1 0,0 9-180,0 1 360,0 3 269,0 1-809,0 28 0,17 6-180,2 34-1529,16 4 540,-17-6 1169,10-2 0,-24-12 0,10-2 0</inkml:trace>
+  <inkml:trace contextRef="#ctx0" brushRef="#br0" timeOffset="140127">3287 14479 8522,'0'-12'1259,"0"1"-989,0-2 90,19-4-270,6 2-90,22-9 0,-9 12 0,12-2-90,-21 10-180,10 1-1529,-4 3 630,-8 21 1169,6-16 0,-13 33 0,-2-16 0</inkml:trace>
+  <inkml:trace contextRef="#ctx0" brushRef="#br0" timeOffset="140293">3787 14037 8432,'7'18'-90,"7"-14"-270,-8 45-629,8-20 439,-2 31 0,2-7 0,2 4 0</inkml:trace>
+  <inkml:trace contextRef="#ctx0" brushRef="#br0" timeOffset="140599">4822 14379 12120,'-19'-4'-90,"1"0"180,7 2 0,2 1-180,5 16 90,24 14 0,-14 12-180,13-3 0,4 0-944,6 18 269,-5-6 1,2 2-128,-5-20 0,-1-1 442,-1 10 1,-2-1-810,6 12 1349,-3-4 0,-10-4 0,-3-3 0</inkml:trace>
+  <inkml:trace contextRef="#ctx0" brushRef="#br0" timeOffset="140776">4638 14714 10861,'-26'-17'360,"-1"2"-360,9 3-990,2 2-899,34 4 990,13 19-91,17-9 854,8 12 1,-5-1-1,6 4 1</inkml:trace>
+  <inkml:trace contextRef="#ctx0" brushRef="#br0" timeOffset="141088">5397 14690 10411,'-40'0'1709,"0"0"-1709,19 12 180,-14-9-270,14 19 0,-1-5 90,-5 13 0,18-4-450,-3 10 270,5-15-89,7 8-181,24-4 270,3-9 0,29 2 180,-15-13 0,14-2 0,-27-23 0,12-3 0,-27-23 270,0 1-180,-13 8-180,-22-7 90,-4 22-90,-1-5-1349,-11 13 1439,20 2 0,-3 5 0,8 2 0</inkml:trace>
+  <inkml:trace contextRef="#ctx0" brushRef="#br0" timeOffset="141460">5742 14625 10591,'-22'-6'1079,"-9"5"-1169,14-6 90,-14 7 0,4 0-90,12 15-449,6 1-271,9 16 181,19-3 269,3-2 180,22-5 270,-5-11-90,0-5 270,-10-22 809,-12-2 0,-9-15-809,-8 6-360,0 3 0,-14 13-359,10 20-451,-10 13-1079,30 19 810,-12-6 1169,30-1 0,-29-10 0,13-2 0</inkml:trace>
+  <inkml:trace contextRef="#ctx0" brushRef="#br0" timeOffset="141794">6048 14621 9242,'0'28'180,"20"3"-180,-15 1 0,27-6 0,-29 2 0,19-14-360,-20 1 450,8-31 449,-10-22-269,0-5 270,0-17-540,0 32 450,0-7-540,17 43-360,4 6-989,23 33 359,-11-8-1314,4-1 2394,-12-11 0,-3-3 0,-1 0 0</inkml:trace>
+  <inkml:trace contextRef="#ctx0" brushRef="#br0" timeOffset="141976">5638 14329 10321,'-7'-8'90,"2"1"-180,2 4-1529,27 1 720,9 1-271,16 1 895,3 0 0,-6 17 0,4 4 0</inkml:trace>
+  <inkml:trace contextRef="#ctx0" brushRef="#br0" timeOffset="142269">6785 14314 10051,'-33'-2'360,"3"1"-270,4 14-180,6 5 180,8 20-360,6 6 90,6-7-989,19 11 719,3-21-449,20 16 539,-20-22 360,29 8 0,-30-20 0,27 1 0</inkml:trace>
+  <inkml:trace contextRef="#ctx0" brushRef="#br0" timeOffset="142580">6932 14516 9152,'0'4'809,"17"-9"-989,-12 33-89,26-25-631,-11 26 540,-2-11-89,26 9 269,-28-11 90,23-7 90,-19-9 0,-1 0 0,-1 0 90,-3-19 90,-1 14 449,-5-35-89,-4 13-180,-2-9 719,-3-8-629,0 20-90,-18 3-181,14 1-179,-14 11 0,18 14-359,0 11-541,17 16 1,-13 1-1,30-7 91,-29 1 809,41 9 0,-28-11 0,25 6 0</inkml:trace>
+  <inkml:trace contextRef="#ctx0" brushRef="#br0" timeOffset="142760">7695 14329 10231,'-40'0'1529,"4"15"-1889,15 1-269,8 18-361,13-9-359,0 3-90,19-6 1439,-14 0 0,34 1 0,-15-1 0</inkml:trace>
+  <inkml:trace contextRef="#ctx0" brushRef="#br0" timeOffset="142918">7532 15059 10861,'-7'11'-3688,"0"-2"3688,2-3 0,2-4 0,0-1 0</inkml:trace>
+  <inkml:trace contextRef="#ctx0" brushRef="#br0" timeOffset="144109">8657 14175 11041,'0'-6'359,"0"2"-179,-7 1-180,5 20 0,14-13 0,-7 33 90,13-19-180,5 17 90,-18-4 90,34 0-180,-35 1 180,28-3-539,-28 0 179,24-5-180,-25-3 90,17-3 90,-18-5-809,10-3 629,-9-6 270,2-1 1,-2-19-1,0 12 539,0-40-269,2 19-90,1-28-125,2 7 395,-2-1 90,1 0-181,-2 5 181,2-2-90,-3 16 450,2 6-451,-3 15-89,7 7-90,-3 20-180,11 8 90,-4 12 0,5 4-180,-2-10-359,1 3-361,2-1-899,10 13 810,-6-15 905,11 6 1,-10-20 0,2-2 0</inkml:trace>
+  <inkml:trace contextRef="#ctx0" brushRef="#br0" timeOffset="144366">9455 14177 9871,'-42'-8'1170,"18"19"-1170,-11-7 0,32 29 0,-13-11 0,16 7 0,0 1 0,24 1 0,-18-9-45,23-6 0,5-4 45,-9-1 90,34-2-90,-27-9 180,-1 0-90,-5 0-90,-3-15 89,-12-5-178,-3-15-721,-36-2-179,-12 2-181,-15 15-1302,-4-3 2472,15 20 0,-2-14 0,2 7 0</inkml:trace>
+  <inkml:trace contextRef="#ctx0" brushRef="#br0" timeOffset="144543">9617 13566 10951,'0'41'-180,"0"-5"-540,-16 7-1970,12-4 1610,-11 4-359,15 5 1439,0 0 0,0 1 0,0-1 0</inkml:trace>
+  <inkml:trace contextRef="#ctx0" brushRef="#br0" timeOffset="144893">10452 14505 9871,'-40'1'270,"15"-22"-270,11-13 0,5-12-2031,7-5 2121,-7 6-90,9-3 0,0-6-45,0 13 0,0 0 45,0-24 45,0 22 0,0 0 135,0-17 359,0 1 1,0 2-360,-7 20 0,-3 0-90,-10-13 46,4 15 1,0 4-227,-2 6 499,-2 1-319,18 42-90,-7 18 90,9 17-135,10-8 0,1 0-310,-6 18-95,13-7 1,5 1-46,-9-24 0,1 1-525,5 6 1,4 5 0,0-5 434,2-10 1,0-2 616,5 14 0,-1-3 1,6-8-1,-1-6 1</inkml:trace>
+  <inkml:trace contextRef="#ctx0" brushRef="#br0" timeOffset="145215">10900 14122 10501,'-47'0'1079,"20"16"-989,-6-12 0,16 28-180,-1-7 90,-2 18 90,18-6-180,-6-3 90,8-12-359,0-1-1,0-3 0,24 1 270,-2-9-90,21 1 90,-10-10 180,-13-15-90,1 10 90,-18-30 360,5 7-180,-8-9 179,0-9-449,0 20-90,-19-5 90,15 14 0,-15 29 90,37-15-359,-14 48-1530,33-11 809,-10 10 990,2-9 0,3-4 0,12 0 0,-18-10 0,0 1 0</inkml:trace>
+  <inkml:trace contextRef="#ctx0" brushRef="#br0" timeOffset="145392">10727 13699 10771,'-11'-6'-1169,"2"3"-810,21 2 539,15 1 1440,15 15 0,7-12 0,-8 12 0</inkml:trace>
+  <inkml:trace contextRef="#ctx0" brushRef="#br0" timeOffset="145819">11677 13584 10681,'-18'-23'180,"2"6"-180,3 4 90,0 7 270,5 3-360,1 19 89,5 2 1,2 22-180,0 3-420,19 9 510,-14 8-481,12-26 0,0 1 436,-15 0 0,0 2 90,13-1 0,3 2-45,-5 10 0,-2 1-90,0-14 0,1 0-405,11 17 1,-1-2-46,-9-1-45,6-15 1,0-2 224,-6-6-360,2 4-89,-8-20 809,-3-4 0,-2-4 0,-1-2 0</inkml:trace>
+  <inkml:trace contextRef="#ctx0" brushRef="#br0" timeOffset="145999">11880 14031 8792,'38'-7'810,"-15"26"-541,5-13-89,-24 47 90,26-29-180,-19 26 90,6-12-90,1 2-90,-11 9 90,5-13-180,-7 14-180,-5-27-450,0 3 1,-19-18 89,14 0-1169,-30-7 1799,13 3 0,2-22 0,1-4 0</inkml:trace>
+  <inkml:trace contextRef="#ctx0" brushRef="#br0" timeOffset="146192">12258 14069 8882,'16'22'809,"1"-5"-539,1 29-270,-2-18 0,6 16 0,-10-21-539,4 15-1,-8-19-1079,2 8 719,-4-15 900,1 0 0,-3-7 0,-1-2 0</inkml:trace>
+  <inkml:trace contextRef="#ctx0" brushRef="#br0" timeOffset="146337">12178 13852 9871,'-17'-15'90,"2"2"-449,3 2-181,4 5 540,4 0 0,27 5 0,7 0 0</inkml:trace>
+  <inkml:trace contextRef="#ctx0" brushRef="#br0" timeOffset="146642">12705 14248 9602,'3'11'1079,"-1"-3"-899,-2-2-270,0-22-180,0-4 90,0-24 0,0 8 180,12-2 90,-9-5-90,9 12 90,-12-18 0,-21 26 0,16-4 0,-32 19-90,22 21 90,-4 35-90,9-1-360,15-5 0,6 1-939,13 2 580,-2 15-136,8-33 1,0-3 854,-5 12 0,5-14 0,2-4 0,4 4 0</inkml:trace>
+  <inkml:trace contextRef="#ctx0" brushRef="#br0" timeOffset="146979">13262 14124 9422,'-19'14'719,"4"2"-719,15 18-90,0-1 180,0-5-450,0-4 270,0-3 180,17-12-359,-12 7-91,22-14 270,-24-12 90,14-14 90,-16-9-90,10-6 180,-5-10 0,1 9-525,1-12 705,-4 20-91,2 3-179,-2 5 90,3 5-90,-3 5-90,7 8 0,-3 17 0,9 16-270,-5 8-359,5 6-181,-4-7-89,0-1 704,-1 0 195,2 8 0,-5-13 0,0 5 0</inkml:trace>
+  <inkml:trace contextRef="#ctx0" brushRef="#br0" timeOffset="147210">12517 13731 10681,'-17'-21'630,"1"-8"-541,8 7 1,2-14-90,28 14 0,6-13 90,0 16-270,21-4-179,-27 13-181,25 3-270,-13 5-989,17 1 720,-13 1 1079,12 21 0,-17-15 0,0 15 0</inkml:trace>
+  <inkml:trace contextRef="#ctx0" brushRef="#br0" timeOffset="147376">13175 13208 9961,'-34'-7'-899,"0"22"-360,16 17-450,-8 13 1492,23 6 0,-7-6 0,10 5 0</inkml:trace>
+  <inkml:trace contextRef="#ctx0" brushRef="#br0" timeOffset="147710">14527 13631 10501,'-38'0'1439,"3"0"-989,5 0-90,3 18-90,4-14-270,3 29-90,2-30 90,-2 47-90,10-26-405,3 10 0,2 4-494,3 2-1224,2 14 1134,23-17 0,-18-3-540,49-4 1515,-27-5 1,31-8-1,-10-3 1</inkml:trace>
+  <inkml:trace contextRef="#ctx0" brushRef="#br0" timeOffset="147992">15230 13717 11221,'-21'-7'1619,"-6"1"-1529,-27 26-90,11-15-45,15 13 0,1 4 45,-3 7-90,4 9-90,3 0-90,21-11 180,-10-4-360,32 5 450,13-10-90,11-2 0,8-10 180,7-24-90,-13 14 0,-16-14 0,-3-5 0,4-10 0,-5-11 0,-13-15-270,-29 23-180,-3 8 1,-5 2-271,-34-2 88,24 12 1,-3 2-494,-7 5 1,-1 4 847,10-1 1,-1 1 0,-9 2 0,0 1 0,-15-1 0</inkml:trace>
+  <inkml:trace contextRef="#ctx0" brushRef="#br0" timeOffset="148176">15387 13103 11131,'-26'18'-2519,"-9"-13"1080,31 36 1439,-10-19 0,3 24 0,-3-7 0</inkml:trace>
+  <inkml:trace contextRef="#ctx0" brushRef="#br0" timeOffset="148445">16445 13286 12570,'-23'-13'719,"-17"5"-719,18 2-90,-15 28 90,18-3-89,7 25-226,11-10 0,2 1-135,-1 25-1200,8-1 1,6 1 1199,-2-22 1,2-1 59,2 4 0,2 3 1,-1-4 119,-4-5 0,0-2-45,9 8 0,-2 0 315,-5 21 0,7-19 0,-11 7 0</inkml:trace>
+  <inkml:trace contextRef="#ctx0" brushRef="#br0" timeOffset="148560">16225 13991 9152,'-11'-36'-360,"-7"-1"0,16-4-629,-7-23 269,34 13-535,-14 16 0,2 2 1255,10 8 0,2 1 0,18-25 0,-21 24 0,1 0 0</inkml:trace>
+  <inkml:trace contextRef="#ctx0" brushRef="#br0" timeOffset="149094">16763 13155 10231,'-35'0'1349,"4"0"-1259,13 15 90,-3-11-90,18 33-90,-7-17 90,10 23-180,0-4-1028,0 8 1208,0 4-90,22 6 0,-16 3 0,12-17 0,2 0-45,-8-9 0,-1 0-90,8 19 0,1-2-315,3 6 225,-6-23 1,-1-1-1412,-6 13 1546,15-16-1349,-12 1 1439,-4-38 180,-5-30 180,-4-7-135,0 5 0,0 1 44,0-2 91,15-7 0,-11 22-270,24 4 1039,-14 11-1129,19 27 0,-9-11 0,5 44 0,4-12 90,-6 10-449,8 1 179,-8-20-90,0-3 91,1-5-91,14-9 180,-9-5 0,19-7 90,-25-18 0,4 14 90,-15-38-90,-5 22 180,-5-23 179,-5 8 1,-1 0 180,0-3 269,-23-11-539,-2 13-135,1 11 0,0 1-225,-1 2 1174,-12 3-1084,21 13-90,-11 25-90,12 12-1529,8 25 450,28-6 1259,-5-17 0,3-3 0,28 4 0,-21-13 0,0 0 0</inkml:trace>
+  <inkml:trace contextRef="#ctx0" brushRef="#br0" timeOffset="149526">17155 13380 10861,'-3'-19'90,"1"2"-180,2 1 90,0 1 180,24-6-180,-17 5 0,35-4-1080,-19 12-989,17 1 630,1 6 1439,-20 17 0,11-12 0,-14 12 0</inkml:trace>
+  <inkml:trace contextRef="#ctx0" brushRef="#br0" timeOffset="149681">17650 13086 9691,'14'-11'180,"-1"-5"-90,-2 14-270,-3-5-449,-3 7-271,-1 0-89,-1 0 989,-2 21 0,2-16 0,-3 16 0</inkml:trace>
+  <inkml:trace contextRef="#ctx0" brushRef="#br0" timeOffset="150817">18215 13859 9602,'0'-9'1798,"0"0"-1438,0 4-180,0 0 90,0-1-270,0 2-180,0-2 180,-12 4-270,9 15-179,-21 22 179,21 1-90,-17 23 180,19-30 90,-6 6-270,25-14 90,2-11-89,19-19 269,-1-22 90,-16-10 0,-5 6 0,-2-2-206,-2-14 206,-4 3 0,-1 0-638,1-12 683,-8 20 0,-2 1 405,1-17-1,-19 2 1,14 2-270,-31 6-90,32 5-90,-27 8-330,27 2 869,-23 13-449,24 19-90,-9 29 184,12 12-184,14 13 0,2 3-45,-12-24 0,0 1-1287,8 10 1,5 6 0,-3-6 746,-5-11 1,-2-1-1438,7 19 0,-1-3 2022,2 3 0,3 7 0,-9-24 0</inkml:trace>
+  <inkml:trace contextRef="#ctx0" brushRef="#br0" timeOffset="150975">18107 13727 9422,'-5'-26'180,"1"1"-180,4 1 0,28 0 0,-20 3-270,48-1-630,-31 5-1038,27 2 1938,-9 6 0,1 1 0,2 4 0</inkml:trace>
+  <inkml:trace contextRef="#ctx0" brushRef="#br0" timeOffset="151181">18847 13622 10591,'-20'-8'1349,"-9"6"-1349,25-11-90,-17 11-1079,20 18 179,-6 13-89,7 12-90,16 4-270,-12-8 1439,26 3 0,-27-1 0,11 1 0</inkml:trace>
+  <inkml:trace contextRef="#ctx0" brushRef="#br0" timeOffset="151359">18562 14342 9961,'0'5'-1979,"0"-1"1979,23-1 0,8-21 0,25-6 0</inkml:trace>
+  <inkml:trace contextRef="#ctx0" brushRef="#br0" timeOffset="151612">19357 13327 11940,'0'-6'-90,"0"1"450,-10 3-360,8 19 0,33 28-270,-21 4-390,14-13 1,9 6-1,-9-4-372,-14 23 492,6-21 1,6 4-1,-6-4 10,-3 16 530,-4-10 0,-1-1 0,1 2 0,-9 11 0</inkml:trace>
+  <inkml:trace contextRef="#ctx0" brushRef="#br0" timeOffset="151876">19262 13947 9422,'-6'-37'269,"4"-21"-269,-4 10-45,15 7 1,7 1-312,20-7 356,-3 11 0,3 3-352,-7 15 0,1 2 442,1-3 0,-1 2-90,13 3 0,-1 6 0,-4 5 90,-1 2-111,-5 19 111,-3-14 51,2 50 39,-11-31-1,-7 11 1,-3 1 180,-4-1 0,0 8-270,-6-18 19,0-2-649,-15-11 539,11-16-809,-24 1-1169,24-53 720,-19 28 1102,21-38 0,-7 23 0,9-2 0</inkml:trace>
+  <inkml:trace contextRef="#ctx0" brushRef="#br0" timeOffset="152210">19963 13518 9512,'5'30'1169,"3"11"-1169,-3-12 90,5 17-180,-5-22 0,5 14 0,-2-19-360,4 5 180,-2-10 1,1-1 89,1-1-180,1-3 0,0-2 90,3-3 0,4-3 180,-2 0 90,9-14 90,-13 10 360,7-22 360,-13 8 89,-1-10-449,-5-1-450,-2 6 0,0 6-90,-13 9-180,10 19-899,-11 8-1,32 18-629,0-1 1799,22-7 0,-12-13 0,3-9 0</inkml:trace>
+  <inkml:trace contextRef="#ctx0" brushRef="#br0" timeOffset="152643">20513 13527 9781,'-21'19'180,"-8"-14"-90,26 31-90,-9-11-629,12 19 359,21-9-540,4 5 540,26-20 180,4-2 90,-9-10 180,11-23-90,-27 11 630,14-27-180,-27 7 809,3-26-989,-16 14 269,-20-10-359,12 28-270,-33-3 0,19 13 0,-14 2 0,16 27 0,-1-2 0,15 20 0,-6 16 0,26-9-792,-17-13 0,3 1 747,15-7 0,3-1 45,-1 29 0,-1-26 0,3 1 45,2 11 0,-1 0-90,-5-10 0,1 1 90,10 18 0,-1-2-45,2 4 45,-8-16 0,-4-2-45,-6-1 0,5-1 0,-17-18-90,3-7-1349,-33-3 899,-13-3-135,2-8 1,-3-2 86,8-1 1,0-2 2,-3-3 0,1-1 585,-15-16 0,2 4 0,2 0 0</inkml:trace>
+  <inkml:trace contextRef="#ctx0" brushRef="#br0" timeOffset="152963">21867 13355 10321,'-44'-21'1889,"-3"2"-1439,1 1-91,14 6 1,0 1-270,-15-2-135,14 5 0,1 0 45,-1 5 0,-1 1-90,13 21 90,10-15-449,1 51-1,8-29 45,10 11 0,1 2-224,-4 2-1627,32 13 1356,-17-24-89,19-2 321,-1-8 668,24-10 0,-10-4 0,-17-6 0,0 0 0</inkml:trace>
+  <inkml:trace contextRef="#ctx0" brushRef="#br0" timeOffset="153292">22120 13296 11400,'-40'0'720,"17"15"-720,-11-11 0,30 35 0,-27-18 0,27 23 0,-20-9-90,22 17-180,-8-13-359,10 19 359,25-30-270,-19 1-90,55-19 630,-38-5 0,9-15 0,2-5 90,-1-4 90,-8-8 0,-2-4 360,3-5-1,-11 5 1,-2-1-360,-4-3 90,-2-8 360,-7 12-450,0 11-270,-19-5-360,15 36-90,-15 8-89,19 18-1260,0 18 809,19-17-1168,4 18 2248,0-25 0,18-1 0,-13-12 0</inkml:trace>
+  <inkml:trace contextRef="#ctx0" brushRef="#br0" timeOffset="153681">22590 13408 11940,'-13'-10'630,"9"23"-630,-9 6 90,13 23-90,0-5-314,19 7 314,-14 4-455,29 4 455,-30 1-90,30-1 0,-29 0 90,33-4 0,-19 16 0,3-21-101,3 14-168,-18-34 89,4-3-90,-7-39 270,-23-1-180,15-27 135,-16 15 0,0-1-253,15-25 343,-11 0 0,-2-2-369,11 21 0,2 1 369,-3-15 0,0 2-45,3 15 0,1 2 45,4 0 0,0 1-45,0-25 135,0 23 0,0 3-45,0-9 182,20-4-92,1 34-180,19 1 0,-19 32 0,12-2 0,-14 39-270,1-18-90,-7-4 1,-2 1-451,-6 6-45,1-10 1,-2-1 45,0-1 809,-29 11 0,-7-30 0,-24 0 0</inkml:trace>
+  <inkml:trace contextRef="#ctx0" brushRef="#br0" timeOffset="153849">21740 13145 11311,'-20'-14'899,"5"2"-719,6 2-90,4 2-90,23-7 0,-14 6-810,57-7-89,-33 9-707,37 0 77,-22 4 1529,-1 3 0,2 22 0,0 5 0</inkml:trace>
+  <inkml:trace contextRef="#ctx0" brushRef="#br0" timeOffset="154009">22207 14207 11670,'17'20'90,"-3"-4"-270,-14-4 180,10-7 0,1-2 0,10-3 0</inkml:trace>
+  <inkml:trace contextRef="#ctx0" brushRef="#br0" timeOffset="155409">23575 13184 9422,'4'-25'1619,"-1"1"-1080,-3 11-179,0-2 0,0 2-180,0-1-180,-17 2 0,12 3 0,-12 2 180,-3 3-180,-3 2 0,-14 2-90,5 22 180,6-16-180,1 38 0,-4-9 180,10 8-135,8-7 0,2-2-135,5-1-90,23 20 90,13-40 0,0-5 0,2-3 180,23-5 0,-13-6 0,-1-5-1569,10-17 1614,-19 11 0,-1-2 225,-6-7 0,-3 2 89,10 5 91,1-19-540,-24 25 180,-3 13-90,-8 22 0,0 20 0,0-5 0,0 1 0,0 14 0,8-3 0,1 1-658,-5 9 658,11-20 0,2 0 0,-8-5 0,0-1 90,10 15 521,-6-14 1,-3-1-612,-7-4-360,6 9 0,-9-24-1079,-23-1 809,-4-10-719,-24-39 540,25 9 134,4-14 0,4-4-932,3-9 1607,4 16 0,1-1 0,0-20 0,10-2 0</inkml:trace>
+  <inkml:trace contextRef="#ctx0" brushRef="#br0" timeOffset="155929">24053 13034 9602,'31'-11'1709,"7"1"-1260,-14 7 1,9 16-90,-18-9-180,9 45-90,-14-27-90,0 12 0,-2 2 0,1 4 0,-3-4 0,0 1-90,2 4-90,3 11-270,4-10 270,-2-15-809,13 8 359,-8-24 0,8 0 181,-4-10 89,0-15 270,2 10 0,1-33 180,-1 17-90,0-23 360,4-10 0,-8 13 134,-8 6 1,-1 1 315,0-2-91,-1-15-449,-5 26 0,-3-6-180,-1 18-90,-1 19 0,0 12-270,15 2 90,-11 14 0,10-21-180,7 15 90,-16-11-359,45-1 449,-33-8 90,36-2 180,-28-7-90,5-20 90,-11 15 90,-3-35 270,-3 35 89,-4-33-179,-3 33 360,-3-32-361,-2 19-359,0-11 180,-1 9-270,0 32-90,0 11-269,0 17-181,19 3-1079,3 1 540,12-9 89,-3 5 1080,9-19 0,-7-2 0,13-5 0</inkml:trace>
+  <inkml:trace contextRef="#ctx0" brushRef="#br0" timeOffset="156265">25418 13062 10411,'-30'-15'1349,"-12"0"-539,23-1-450,-2 4-91,-7-2-269,25 8 0,-21 1 0,21 19-449,-8 5 269,11 20-180,22-8 90,3 8 270,23-16-90,-12-6 90,-1-8 90,-5-9-90,-10 0 0,-2-17 540,-3-3 179,-13-19-539,7 2-180,-9 2-1079,0 10-180,0 30 269,0 12-179,14 5-1350,6 32 2519,-2-35 0,11 28 0,-14-25 0</inkml:trace>
+  <inkml:trace contextRef="#ctx0" brushRef="#br0" timeOffset="156481">24832 12755 11940,'-13'-16'540,"3"3"-450,3 3-90,4 3 90,1 2-360,2 1-180,15 2-989,-11 18-630,26 1 810,-26 19 1259,24-20 0,-24 14 0,9-13 0</inkml:trace>
+  <inkml:trace contextRef="#ctx0" brushRef="#br0" timeOffset="156676">24942 12507 9602,'14'-12'1439,"-11"1"-1169,27 4-181,-26 1-89,25 4 0,-17 1 90,12 1-269,3 0-451,-4 15-180,7-11-269,-4 11-180,-1-15-450,2 0 1709,0 0 0,2 0 0,1 0 0</inkml:trace>
+  <inkml:trace contextRef="#ctx0" brushRef="#br0" timeOffset="157009">26595 12741 12390,'-41'-11'360,"0"2"-180,-3 9 0,1 0-1,-1 0-179,-12 16-90,17-11-495,8 24 1,4 7-46,9-9-269,2 14 0,9 1-181,31-7-224,-5-7 0,3-3 1304,32-2 0,-21-11 0,-1-3 0,21-4 0</inkml:trace>
+  <inkml:trace contextRef="#ctx0" brushRef="#br0" timeOffset="157342">26892 12835 10771,'-52'0'1529,"2"0"-1529,3 17 0,8 2 0,7 20-90,16-9-360,8 1 180,8-7-359,0-3-1,20 1 90,-16-5-89,36-2 89,-34-4-90,41-5-89,-15-3 629,13-3 810,13-31 269,-31 4 360,4-28-179,-24 16-901,-7 6-89,-18 15-90,14 3-90,-14 29-989,18 2-1,0 25-1078,16 5 808,-12-8 1260,31-3 0,-19-15 0,16-3 0</inkml:trace>
+  <inkml:trace contextRef="#ctx0" brushRef="#br0" timeOffset="157529">27302 12814 10501,'-17'-12'1889,"-2"2"-1799,-12 5-90,3 1-90,15 24-900,2 3 361,11 22-271,0-11 1,24-1-91,-18-11 990,53-1 0,-37-10 0,31-2 0</inkml:trace>
+  <inkml:trace contextRef="#ctx0" brushRef="#br0" timeOffset="157709">27370 12172 11490,'-24'-14'180,"0"6"-180,-7 3 0,7 4-449,-4 22-1980,3 14 810,7 14 1619,-3 7 0,11-8 0,3 2 0</inkml:trace>
+  <inkml:trace contextRef="#ctx0" brushRef="#br0" timeOffset="158081">28162 12735 11311,'-16'13'629,"3"1"-539,13 19 0,0-6-180,0 6 180,0-5-90,17 13 0,-13-10 90,12 15 0,-16-24-90,0 5-90,0-17 90,0-18 0,-14-18-90,10-12-135,-3 5 0,0-2-134,7-13-316,0 3 0,0-1-404,0-8-136,-1 10 1,2 1 1034,18-2 1,-15-5-1,15 22 1</inkml:trace>
+  <inkml:trace contextRef="#ctx0" brushRef="#br0" timeOffset="158381">28467 12939 8522,'9'0'0,"1"0"180,3 0 90,9-18-180,-1-6 0,14-20 0,-13 7 0,9-8 180,-16 18 89,-2-5 181,-8 5-450,-5 8 630,-17-1-451,13 11 1,-32 5-270,11 1 0,1 24 0,-16 2 0,22 2-90,-5 27 0,9-32-1349,14 37 540,19-31-1800,11 12 2699,11-20 0,7 2 0,-10-11 0</inkml:trace>
+  <inkml:trace contextRef="#ctx0" brushRef="#br0" timeOffset="158792">29117 12656 10771,'-54'0'1529,"11"0"-1439,-4 0-90,16 16 0,-2 2-90,17 11 0,6-2-180,10-4-90,0 2-89,0-1 269,22 1-450,8 5 360,11-8-90,18 2 271,-22-16 89,27-2 0,-28-5-309,8-19 399,-17 13 179,-6-30 991,-3-4-900,-9 2 269,-3-24-449,-6 34 90,-24-15-180,2 22-90,-6-2 0,-2 16 0,27-1 270,-21 6-360,13 21 180,-2 12-180,6 15-595,7 2 505,0-6-359,0 3 179,17 1-450,-13 3-269,27-1-91,-28 0 46,9-15 0,2-1 1124,2 15 0,0 13 0,-2-23 0</inkml:trace>
+  <inkml:trace contextRef="#ctx0" brushRef="#br0" timeOffset="159267">29403 13033 10681,'0'-13'0,"0"-8"180,0 6 0,20-17-90,3 10-90,22-18 0,-22 13 45,4 3 0,-3 0-135,-8-7 135,7-2 0,1-2 45,-4-1 179,-9 2 1,-3 1-180,1 6 0,-7-10-90,-2 22 360,0 1-450,0 30 90,0 13 0,0 29 0,0-6 0,10-16 0,1-1-180,-6 6 0,12-9 0,4-1 180,5 0-967,8 5 697,2-17-150,-10-7 240,-1-6-90,10-2 180,-10-4 0,13-18 270,-19-7 180,4-25 90,-15 10 0,-1-4 359,-6 3-539,-1 11 410,0-10-770,-13 21-462,9 21-1157,10 14 900,-2 27-1440,30 2 2249,-6-8 0,7-13 0,5-14 0</inkml:trace>
+  <inkml:trace contextRef="#ctx0" brushRef="#br0" timeOffset="159575">30577 12716 12390,'0'-13'-90,"0"1"90,0 5 0,0 1 0,0 0 0,0-2 0,0 0-180,14-2 90,-11 0 0,25-3-90,-24 2-90,10-6 270,-14 7-90,0-7 270,0 7 0,-24-6 0,-4 10 180,-25 1-270,13 4-180,-5 1 90,29 16 0,-15-12 90,28 25-180,-13-26-899,15 41 179,-4-28-1439,27 29 1080,5-27 1169,15 1 0,0-8 0,-8-2 0</inkml:trace>
+  <inkml:trace contextRef="#ctx0" brushRef="#br0" timeOffset="159875">31093 12484 11400,'-53'-11'720,"0"4"-720,6 5 0,8 2 0,17 17 0,10 4 90,12 10-180,18-1 180,-13-3-90,36-1 0,-36 2-45,23-7 0,2-1 45,-11 10 90,28 7 0,-34-14 180,9-4-90,-19-4-270,11-3 90,-14-3-180,0-3-630,0-1-359,-19-4-450,-5 0 360,-18-17 719,5-2-270,15-13 810,9 2 0,13 3 0,0-1 0</inkml:trace>
+  <inkml:trace contextRef="#ctx0" brushRef="#br0" timeOffset="160079">31127 12323 9871,'21'-9'1889,"8"2"-1349,-17 4-270,9 1 0,-7 22 0,-5-15-270,-3 36 0,0-22 89,1 22-178,-2-9-1,1 3-90,-1 1-450,3 15 360,-2-16-989,3 23 449,-2-32 181,-1 8-1260,0-14 989,-4-6 900,1 0 0,-3-10 0,0-1 0</inkml:trace>
+  <inkml:trace contextRef="#ctx0" brushRef="#br0" timeOffset="160210">31172 12748 10231,'-23'-32'1439,"-6"2"-1169,26 7-180,-9-10-90,12 9 0,0-16 0,20 19-989,13-13 179,12 18-179,8-5 44,-20 13 1,1 3-495,20-4 1311,-17 5 0,0 2 0,17 0 1,1 2-1</inkml:trace>
+  <inkml:trace contextRef="#ctx0" brushRef="#br0" timeOffset="160525">32050 12650 13110,'21'-16'89,"42"-1"-268,-38-2-271,13 8 0,1 2-90,-3 0-1079,23-7 1170,-26 8-91,7 3-180,-18 5-1714,-5 0 2434,-9 18 0,-25-14 0,-12 14 0</inkml:trace>
+  <inkml:trace contextRef="#ctx0" brushRef="#br0" timeOffset="160645">32145 12749 10321,'-42'20'1529,"4"-2"-1529,5-2 270,7-4 180,4-2-720,29-5-630,35-16 91,10-8-1112,-3 2 1,2-1 1020,8-1 900,-8 1 0,-1 0 0,6-2 0,-21 2 0,1-1 0</inkml:trace>
+  <inkml:trace contextRef="#ctx0" brushRef="#br0" timeOffset="160875">32160 12428 11490,'-8'-4'1440,"0"2"-1350,3 15 0,20 12-270,-10 10 0,32 5-90,-32-4-180,23 1 0,-26 5-1349,18 18 630,-8-14-225,-3-7 0,-1 0 1170,3 3 1,1 12 0,-5-19 0</inkml:trace>
+  <inkml:trace contextRef="#ctx0" brushRef="#br0" timeOffset="161725">26562 14413 11940,'7'18'0,"1"-14"0,-1 40 0,0-25 0,2 26 0,4 11 0,-3-12-90,-2-7 0,0 0-539,0 0 89,1 7 0,-5-22-539,-1-6 539,-1-3 450,1-8 90,-1-21 0,2-16 540,0-34-180,1 8 314,0 8 1,0 0-495,-1 0 314,1 10 1,1 3-315,-1 19 0,6-7-180,-1 24 90,4-5-90,-1 24 0,2-13 0,1 37-180,0-22-360,2 23-539,-1-8-270,0 1-90,-1 0-270,0-1 1709,-1-5 0,-2-4 0,0-3 0</inkml:trace>
+  <inkml:trace contextRef="#ctx0" brushRef="#br0" timeOffset="162125">26950 13928 10321,'0'-8'1169,"0"25"-1079,17 4 0,-13 24-90,30-2-887,-29 9 887,13-23 0,1 0 90,-14 36-90,14-32 0,0 1-468,-16 0 0,-1 0 468,13-1 0,2 1 0,-9 10 0,-3 1 0,11 18 0,-6-25 0,-2-1 0,-6 1-341,9-5 251,-10-9-449,5-7-91,-6-6 1294,3-24-664,-3-17 0,0-15 799,0-8-709,0 6 90,9 13 0,0 1 180,-4-16-91,11 12 1,0 2 0,-12 3 835,24-1-1105,-13 23 0,7 4-90,-2 31 180,-6-6-90,-3 12 0,0 2-270,6 9-135,-2-2 1,-1 1-496,4 8-135,-4-10 1,0-2 91,4 4 943,17 10 0,-13-33 0,11-1 0</inkml:trace>
+  <inkml:trace contextRef="#ctx0" brushRef="#br0" timeOffset="162808">27823 14389 11041,'-16'-5'359,"12"-5"271,-31 9-450,11-4-90,-9 5-90,11 17 0,-14 9 90,22 10-135,-5-8 0,0 0 45,9 9-180,-5 12-90,14-17 180,-2-1 0,3-3-180,23 4 91,-18-12-181,35-3 180,-18-12 180,16-25 90,-1-8 0,-16-10 270,3-3-1,-21 11 451,7-11-540,-10 13-180,0-5-180,0 15 90,0 31 0,0 21-90,0 12-180,7-11 0,1-2 0,-4-1 0,27 7-539,-6-19 359,6-3-359,9-7 539,-15-4 180,14-24 90,-15-10-727,5-10 996,-12-4 1,-1 9 270,-6 0 136,-1-11-316,-6 14-90,-1-11-180,-2 22-180,0 23 180,0 12 700,0 31-790,16-13 340,-12 1-520,27-9 0,-12-12 0,8 7 91,10-19 89,-13 5 0,14-24 0,-16-10 0,9-24 89,-15 6 451,2-17-180,-11 26-90,-2-8-90,-3 12-270,-2 12-90,0 18-989,0 33-1,18 7-2068,-1 26 3238,5-31 0,7 9 0,-9-16 0</inkml:trace>
+  <inkml:trace contextRef="#ctx0" brushRef="#br0" timeOffset="162954">28985 14412 14189,'11'0'-990,"-2"0"541,-3 12-91,-3-9 540,0 10 0,-2-13 0,-1 0 0</inkml:trace>
+  <inkml:trace contextRef="#ctx0" brushRef="#br0" timeOffset="463029">8313 2542 7803,'-21'0'1799,"2"0"-810,11 6-1169,-11-4-180,15-7 0,-22 2 181,24-17 89,-19 10 90,19-10 0,-7 6 0,9-2 90,0 8 0,0-1 179,0 1 1,0 2 180,17 2-90,4 3-270,11 16-90,-13 5 0,0 11 0,-17 1 0,6 12 0,-8-8-45,-11-3 0,-1 1-45,6 7-437,-15-15 1,-1 0 256,17 9-90,-36-2-180,35-3-449,-46 6 539,44-14 180,-44 3 270,39-18 0,-14-2 270,19-25 1233,5 3-1143,21-6 0,-13-2 179,28 22-89,-11-9-360,19 12 0,6 17-90,-8-13-630,12 30-629,-19-19 1259,21 5 0,-21 0 0,10-9 0</inkml:trace>
+  <inkml:trace contextRef="#ctx0" brushRef="#br0" timeOffset="463660">9262 2275 9961,'0'-11'1889,"0"1"-1799,2 2 180,0 5 180,4 0-270,0 3-180,6 18 0,0-13 0,3 35 0,-3-19 0,2 23-180,0-3-765,-5-9 1,1 2-136,5 20-134,-5-8 0,0 0 884,2 5 1,3 11-1,-3-23 1</inkml:trace>
+  <inkml:trace contextRef="#ctx0" brushRef="#br0" timeOffset="463861">9683 2401 9871,'-45'0'2519,"20"22"-2339,-17-16-180,27 24 0,0 3 0,-24-5-45,19 12 0,2 2-45,-9 3-450,19-8 1,2-1-91,-7 3-1259,13 20 810,21-32 89,-15 4 990,46-19 0,-25-5 0,27-5 0</inkml:trace>
+  <inkml:trace contextRef="#ctx0" brushRef="#br0" timeOffset="464044">9990 2529 9961,'-18'-10'1889,"14"19"-1889,-14 15-270,18 10-359,0 1-91,0-6 1,18-1-91,-14 0 0,27-1 1,-27-3-180,24-2 989,-24-4 0,24-3 0,-12-3 0</inkml:trace>
+  <inkml:trace contextRef="#ctx0" brushRef="#br0" timeOffset="464194">10115 2384 9062,'-24'-10'0,"5"0"-90,4 3 90,11 1 0,-11 4 0,15-1 0</inkml:trace>
+  <inkml:trace contextRef="#ctx0" brushRef="#br0" timeOffset="464813">10377 2760 9242,'-14'-17'-450,"23"-11"450,-4-9 0,30-6-573,-31 10 663,26-2-90,-27 3 0,11 1 338,-14-4-158,0 10 270,0-3 529,-17 12-619,-9 9-180,-8 18-180,11 17 0,2 10 0,19 5 0,-8-7 0,10 20-90,19-14-295,-14 13-65,35-11 181,-9-15-91,-3-9 0,2-4 0,20-5 135,-16-4 0,-1-5 135,7-18 90,9 11 180,-8-45 90,-14 29 1259,2-38-809,-20 24-360,-4-3-180,-24 12-270,14 28 180,0 13 0,23 15-90,19-9 0,-1-11 0,-4-10 0,-1 0 0,-20-22 0,10 16 629,-19-35-449,7 17 0,-9-9-270,0-2 0,0 16 0,0 25-629,0 15-361,22 19-719,3 12 630,2-21 1169,0-5 0,-1-2 0,-5-8 0,28 4 0</inkml:trace>
+  <inkml:trace contextRef="#ctx0" brushRef="#br0" timeOffset="465043">10435 2265 9062,'-27'-9'719,"-2"-3"-539,14 3-90,2-5-90,30 0 0,-13 2-90,34 0-1169,-11 5 719,20 3-899,1 1 1439,-14 3 0,-3 17 0,-13 5 0</inkml:trace>
+  <inkml:trace contextRef="#ctx0" brushRef="#br0" timeOffset="465213">10658 2069 9512,'36'-3'269,"-7"-1"-269,-3 4-449,-5 15-181,0-12-449,1 31 1079,8 1 0,-8 10 0,5 8 0</inkml:trace>
+  <inkml:trace contextRef="#ctx0" brushRef="#br0" timeOffset="465749">12255 2536 10231,'-34'-3'270,"0"1"270,-10 2-450,10 0-270,-19 15 180,25 0 0,-10 19 0,23-18-450,1 16 270,11-15 90,3 9-270,24-6-89,3-6 269,27-7-90,-15-2 180,2-25 180,-12 15-180,-2-42 90,0 24 45,-11-9 0,-2-4 45,0-11 269,0 3 1,-3 0 90,-9-9 90,2 9 0,0 0-447,-4-3 266,-16-10 1,13 18-360,-26 14 0,25-3 90,-19 21-90,21 21 0,-8 36 0,10 1-180,9-5 0,0 1-629,-4 3-91,10-6 1,4-2-1,7 6-76,-10-18 1,3-2-15,22 6 990,-8-5 0,3-7 0,1-4 0</inkml:trace>
+  <inkml:trace contextRef="#ctx0" brushRef="#br0" timeOffset="466079">12883 2432 11311,'-40'-9'719,"0"2"-719,0 7 0,17 19 0,-11 6 0,21-1 0,-4 25-270,8-33-449,27 31 359,8-26 180,22-3 180,-8-10-90,9-23 90,-22 12 180,10-43 90,-25 26 449,6-36-539,-17 27-270,4-4 270,-5 12-180,0 35-90,0 9-495,10 7 1,0 4-226,-5 15-135,22-15 1,3-5-585,-5-7 1529,3-1 0,2-4 0,8-13 0,3 9 0</inkml:trace>
+  <inkml:trace contextRef="#ctx0" brushRef="#br0" timeOffset="466283">13580 2089 10771,'-29'-21'809,"-9"1"-179,34 11-540,-12 18-90,16 21 90,0 11-90,0 8-1066,0-7 976,0-1-1305,18 22 585,-13-18 180,11-9 1,2-2 89,-4 2-89,5 6 629,-2-12 0,-15-12 0,6 3 0</inkml:trace>
+  <inkml:trace contextRef="#ctx0" brushRef="#br0" timeOffset="466410">13363 2418 9062,'-14'-17'90,"-4"13"90,16-25-630,-4 20 0,6-11-449,28 12 359,4 1-449,18 7 989,-5 0 0,-8 0 0,0 0 0</inkml:trace>
+  <inkml:trace contextRef="#ctx0" brushRef="#br0" timeOffset="466747">13973 2325 9602,'-18'-11'2338,"-9"1"-2068,-13 10-270,-3 16 0,9 9 0,15 9 0,-1 4-90,18 7-270,-5-11 180,7 11-449,24-9 89,-18-11 0,38 1 360,-15-18 180,20-4 0,-8-23 90,-8-10 180,-8-9 90,-13-3 540,-1-5-541,-11 13-89,0-16-360,0 26 180,0-4-630,-14 19-269,11 20-450,9-7-91,-1 33 1350,30-8 0,-8 8 0,18 2 0</inkml:trace>
+  <inkml:trace contextRef="#ctx0" brushRef="#br0" timeOffset="467143">15132 2048 12030,'-16'-15'1619,"0"1"-1349,1 5-270,3 1-90,1 2 180,5 2-90,2 17-540,2 35 91,2 1-893,8-2 1,1 2 802,-5 10 44,4-20 0,1-1-404,11 15-1126,-16-3 1305,27-4-1891,-28 10 2611,17-18 0,-17 4 0,6-20 0</inkml:trace>
+  <inkml:trace contextRef="#ctx0" brushRef="#br0" timeOffset="467294">15007 2455 9871,'-21'-30'90,"-4"0"-90,23 1 0,-7 4 0,9 0 0,0 4-90,23 3-359,11 2-1,13 7 45,-12 5 0,-1 1-44,12 1-271,5 9 0,0 6 203,2 8 228,-10-10 1,-2 2 0,-1 18 0,-1-11 0</inkml:trace>
+  <inkml:trace contextRef="#ctx0" brushRef="#br0" timeOffset="467671">15660 2429 8072,'3'4'810,"2"5"-720,-2-7-90,5 7 0,-2-2 0,3 1-90,1 2-90,1-3-90,1 0-449,11 3 269,-3-2-180,17 2 180,-13-5 91,15-2 449,-18-3 449,5-14 181,-14 11-180,-1-24-181,-5 23 631,-2-24 179,-2 11-449,-2-12-91,-20 7-359,4 10-270,-6 21 90,11 17-180,11 27 90,0-2 45,10-12 0,1 0-135,-6 12-447,5-16 1,1-2 446,5 16 180,-12-1-90,23 1-1459,-20-7 1,-3 0 1458,8 12-45,-7-16 0,-2 1-1738,-3 19 974,0-24-361,0 11-89,0-31 1439,-15-6 1,11-3 0,-12-4 0</inkml:trace>
+  <inkml:trace contextRef="#ctx0" brushRef="#br0" timeOffset="468128">16225 2482 8972,'-18'19'1709,"18"5"-1619,4 12-90,10 0 0,-2-5 90,-9 0-180,9 3 90,-3 14 90,-7-13-90,7 9 90,-9-20-90,0-5 0,0-2-360,0-5 90,0-20 180,0-14 0,0-14 90,-14-10-1043,11 3 1043,-10-6 90,13-5-90,0 14 0,0-2-90,0-22 135,-2 13 0,4 2 135,14-4-84,-16 16 1,4 4 83,31 3 89,-17 2-89,16 19 0,-9 24-90,-10 13 0,-2 27-90,-12-8 0,2-12 0,-1-1-1025,-2 5 306,-18 14-1620,13-6 900,-32-16 1439,33 8 0,-15-22 0,19-1 0</inkml:trace>
+  <inkml:trace contextRef="#ctx0" brushRef="#br0" timeOffset="468429">16532 2366 9242,'11'18'629,"2"-4"-449,-4 0 0,12-11-90,-5 11-90,9-14 0,-5 0 90,4 0 0,1 0 0,13 0 0,-10-15 0,17-2 180,-24-1 359,5-22-539,-18 25 180,-2-21-90,-6 19-90,0-1 90,-22 10-90,0-1-90,-18 25 0,20 7-360,-5 24-90,22-7-1349,11 18 810,-4-25 989,26-5 0,6-2 0,0 1 0,3-10 0,0 1 0</inkml:trace>
+  <inkml:trace contextRef="#ctx0" brushRef="#br0" timeOffset="468815">17807 2370 10681,'-6'-9'630,"2"0"-630,4 2-90,0-1 90,21 0-450,-15 2-675,25 2 1,6 3 315,-13-1 809,11 8 0,1 0 0,-8-2 0,5 10 0</inkml:trace>
+  <inkml:trace contextRef="#ctx0" brushRef="#br0" timeOffset="468943">18008 2657 10681,'0'12'1529,"0"-2"-1529,19-4-450,10-3-2428,34-20 899,-5-6 1589,-23 12 0,-1-1 0,-5-8 0,-1-1 0,31-7 0</inkml:trace>
+  <inkml:trace contextRef="#ctx0" brushRef="#br0" timeOffset="469677">19053 2137 10771,'0'-11'180,"0"4"269,0 2-359,18 19 0,1 21-180,3 3 135,-6-6 0,-4 1-45,-9 4 0,20 22 0,-21-25 0,7 3-180,-6-17 91,-2-4-1441,6-3 1081,-6-20 449,2-15 0,-3-14 0,0-8 90,14 5 179,-10-18 91,28 15 180,-16-20-270,4 33 180,2 0-450,-9 20 89,5 5 91,3 25-90,-8-15-90,3 57 0,-5-37 0,-5 11 0,-1 1 0,1-2 0,1 8 0,-4-20 0,1-5-90,-1-8-629,-1 3 359,0-12 360,1 6 0,0-25-90,2 12 180,3-35-180,1 20 180,4-23-90,-1 7-90,4-2 180,-1 0 360,5-8-270,-4 15 269,5-3-359,-7 23 0,0 4-90,-4 7 0,-1 0 90,2 18-90,-1-13-90,0 39 180,0-22-629,5 40-451,-2-20 90,-1-8 1,1-1-482,7 5-148,10 8 1529,-1-21 0,4-6 0,3-3 0</inkml:trace>
+  <inkml:trace contextRef="#ctx0" brushRef="#br0" timeOffset="470031">20385 2174 9871,'-59'-4'1799,"1"0"-1619,14 4-90,2 0-90,1 16 0,11 7 0,-12 22 90,28-7-360,-8 13 90,21-21 90,-6 6-89,25-13 89,-14-7-90,37-2 180,-21-7-90,20-3 90,-7-4 0,13-15 0,-11 12 180,16-30 0,-26 9 359,2-21-269,-20 9-90,-1 3-90,-6 14-90,0-1-90,0 24-899,0 10 269,0 27-1079,0 4 810,0-9 989,18 1 0,3-24 0,17 2 0</inkml:trace>
+  <inkml:trace contextRef="#ctx0" brushRef="#br0" timeOffset="470365">20643 2216 10951,'-21'-3'629,"4"22"-629,17 2 0,0 23 0,0-11 0,0-3-90,0-11-89,14-8 89,-10 7 90,10-9-180,-5 3 270,1-21-180,6-14 180,-1-24-90,-5 8 180,7-19-180,-9 25 89,10-20 1,-11 35-90,5-9 0,-7 26 0,1 14-539,-2 15-990,3 25 809,1-6-269,3 4 989,11-5 0,-2-13 0,10 8 0</inkml:trace>
+  <inkml:trace contextRef="#ctx0" brushRef="#br0" timeOffset="470781">21240 2192 10411,'-40'-6'450,"3"1"-360,15 20 90,-6-12-180,25 26-90,-9-8-180,12 17 180,26 0-90,10-6 270,12-14-818,0-8 638,-16-10 180,1 0-90,5 0 0,-18-17 90,10 13 450,-27-32-180,8 9 180,-11-21-271,0 10-89,-21-4-180,-2 18 638,-13 5-548,16 30-90,9 21 90,11 13-1076,21 4 986,-15-7 0,37 1 0,-37 1 0,21-13 0,3 1 0,-10 13 0,8-9 0,-1-1 90,-11 1-691,12 11 242,-26-29-2970,9 1 2070,-39-14 1259,-17-17 0,15 1 0,-1-4 0,-3-6 0,0 0 0</inkml:trace>
+  <inkml:trace contextRef="#ctx0" brushRef="#br0" timeOffset="471015">20232 1610 9512,'0'-24'809,"24"1"-449,-18-1-90,39 2 179,-19-3-359,-1 8-269,12 0-1800,-33 27 539,12 18-358,-47 12 1488,4 12 0,-1-29 0,-2 0 0,7 2 0,0 0 0</inkml:trace>
+  <inkml:trace contextRef="#ctx0" brushRef="#br0" timeOffset="472026">8778 2752 7982,'-15'16'2789,"21"-12"-2699,-2 29-90,26-17 0,-27 16 90,20-6-90,-21 1 0,10 1-90,-12 1-180,0 2-270,0 3-89,-20 3-316,-3-5 1,-5 1 336,-2-5 1,-4-1-1,-10 11 1,-1 0-1,6-9 1,1 0 0</inkml:trace>
+  <inkml:trace contextRef="#ctx0" brushRef="#br0" timeOffset="500179">7985 4067 9062,'-1'-11'1349,"-1"-3"-1169,1 9-90,-2-9-90,3 6 270,0-2 0,0 1-270,0 2 90,16-7-180,-12 4 90,31-3 0,-31 3 0,33 1 90,-33 0-180,29 3 90,-29 2 0,26 3 90,-14 0-180,6 1 269,3 14-268,-13-11 178,3 26-89,-8-25 0,-2 28 0,-3-19-89,-1 21-181,-1-13-360,-16 10 360,12-15-449,-13 1 89,17-7 630,17-6-90,5-1 180,11-3 0,1 0 0,6 0 90,-9 0 180,20 0-91,-23 13 181,11 1-180,-23 1-90,3 6-180,-12-19 0,-3 20 90,-3-12 0,-19 18 0,14-9-90,-32 15 0,8-16 0,-8 7-90,-4-12 180,11-2-360,0-2-270,-1-2-449,0-3-1,1-1 990,-8-3 0,9 0 0,-6 0 0</inkml:trace>
+  <inkml:trace contextRef="#ctx0" brushRef="#br0" timeOffset="500533">8700 4304 8162,'-16'-12'2159,"4"21"-2069,27-17 0,-11 31 90,26-20-90,-27 21 0,25-13 0,-25 13 90,21-5-90,-21 2-90,14 1 0,-15 3-180,4 2-810,-28 18 91,0-7-406,-12-3 1,-6 0 1127,11-11 1,-2-2 0,-12 8-1,-3-1 1,10-8 0,0-1-1</inkml:trace>
+  <inkml:trace contextRef="#ctx0" brushRef="#br0" timeOffset="502308">9560 3694 9602,'0'-9'1439,"0"2"-1169,0 1-270,0 1 629,0 3-719,0 17 180,0 14-90,0 12 0,0 10 0,15-5 0,-14-9 0,2 2-169,12-10 0,3 2 34,-8 22 0,-1 0-315,13 7-450,-4-11 1,-2 0 90,-5 4 314,2-20 0,1-1-1124,1 18 1619,-7-15 0,1 2 0,-8-16 0</inkml:trace>
+  <inkml:trace contextRef="#ctx0" brushRef="#br0" timeOffset="502445">9393 4312 7623,'0'-18'0,"19"-1"0,-15-2-135,24 4 0,4 0-225,-5-10 360,14 1 0,3 2 0,4-5 0,-15 9 0,0 0 0</inkml:trace>
+  <inkml:trace contextRef="#ctx0" brushRef="#br0" timeOffset="502865">9962 3718 7533,'-13'17'1709,"2"5"-1709,11 12 90,23 2-90,-18-5 0,32 5 0,-33 4 0,10-10 0,3 1 0,2 17 0,-2-6 0,-1-1 0,2 7-90,-2-10 0,-3 0-906,-5 1 996,11 7 240,-12-23-510,-3-5-180,0-7 180,-3-5 270,1-23-90,-2-25 90,0-4 510,0-11-420,0 22 0,0 2 0,0 2 630,16-1-541,-12 10-89,23 5-90,-10 11 90,-2 21-90,12-12 157,-17 30-157,13-29-270,-5 35-720,10-9 541,-4 10-811,18 9 1260,-13-22 0,7 3 0,-9-11 0</inkml:trace>
+  <inkml:trace contextRef="#ctx0" brushRef="#br0" timeOffset="503143">10800 4044 8702,'-38'-7'1259,"0"1"-1349,6 23 180,4 7-180,13 9 90,6 2 0,9-7-269,0 12 89,22-10-270,8 16 270,-1-24 180,23-2-90,-17-6 180,14-12-90,2 6 0,-25-23-90,2-5 90,-19-19-90,-3 7 180,-28-1-180,17 11-540,-57 1 1,38-2 629,-11 14 0,-2 1 0,5-5 0,-10 7 0</inkml:trace>
+  <inkml:trace contextRef="#ctx0" brushRef="#br0" timeOffset="503359">11410 4109 8972,'0'30'-360,"0"-6"-270,0 4-179,0-7-181,0 3 990,15-1 0,-11 1 0,10 1 0</inkml:trace>
+  <inkml:trace contextRef="#ctx0" brushRef="#br0" timeOffset="503525">11622 3989 8972,'0'-9'-3058,"-17"2"3058,13 23 0,-12-13 0,16 15 0</inkml:trace>
+  <inkml:trace contextRef="#ctx0" brushRef="#br0" timeOffset="503761">10782 3887 8522,'-12'-17'270,"2"3"-270,3 2 180,4 3-90,1 1 0,2 2 0,0 2 0,19 2 0,-15 17-360,35-11 90,-34 29-810,26-5 361,-28 9 629,8 16 0,-11-20 0,0 9 0</inkml:trace>
+  <inkml:trace contextRef="#ctx0" brushRef="#br0" timeOffset="503913">10712 3673 8252,'26'-14'180,"9"3"-270,-31 5-90,31 3-269,-17 1-541,21 2 990,-4 0 0,6 20 0,6 4 0</inkml:trace>
+  <inkml:trace contextRef="#ctx0" brushRef="#br0" timeOffset="504409">12462 3820 9422,'-55'0'-90,"3"0"90,1 0-45,17 7 0,0 4 45,-13 15-45,13-3 0,3 2-45,3 16-360,3 11 180,18-24-359,50 15 359,-15-29 225,14-4 0,3-4 45,0-6 45,-6-6 0,0-5-45,3-13-1541,9 1 1811,-24-18 359,-7 25 630,-3-26-1079,-10 13-180,-1-1 0,-23 14 282,1 24-192,-4 20-90,8 27 90,12-5-45,9-11 0,1-1-418,-5 11 373,15-16 0,-1 0 0,-14 11 90,15-2-90,-6-4 0,-11-1 0,10-6 0,-13-1-134,0 1-856,0-9 990,-16 2 0,12-16 0,-12-1 0</inkml:trace>
+  <inkml:trace contextRef="#ctx0" brushRef="#br0" timeOffset="504609">12858 3764 8612,'14'15'1619,"-2"-13"-1619,-7 29 0,0-27 0,-3 32 0,4-19-180,2 32-359,1-18-361,2 9 180,-2-14 1,-1-1-271,3-3 990,-3-3 0,3-3 0,-3-2 0</inkml:trace>
+  <inkml:trace contextRef="#ctx0" brushRef="#br0" timeOffset="504745">12842 3767 9332,'-14'-24'90,"11"1"-270,-19 6-360,20 2 360,-13 5-1619,14 1 1799,13 6 0,-8 15 0,13 5 0</inkml:trace>
+  <inkml:trace contextRef="#ctx0" brushRef="#br0" timeOffset="505109">13450 3849 9332,'-46'0'1439,"-3"0"-1529,14 0 90,-1 0 0,13 0-90,2 17 90,-1-1-180,11 17-360,1-2 271,34 5 269,-18-12 0,37 1 0,-19-20 89,15 0-89,-6-5 810,-15-15-270,-9-4-450,-9-10-270,0 2-90,0 34-989,0 5 539,14 32 90,-11-13-89,22 0 719,-9-2 0,0-16 0,-3 3 0</inkml:trace>
+  <inkml:trace contextRef="#ctx0" brushRef="#br0" timeOffset="505425">13667 3933 9062,'14'38'270,"-11"1"-270,22-20 0,-22 11-180,19-18 180,-19 9-270,15-10 270,-13-6-90,7-5 90,-5-18 0,-1 13 0,-1-33 90,1 22 360,3-33-360,-3 20 179,2-16-89,-5 30 180,0-12-360,1 24 180,0-7-270,7 30-180,-2-16-1799,10 60 630,-4-34 1350,-4 3 0,-1 3 0,9 8 0,1 2 0</inkml:trace>
+  <inkml:trace contextRef="#ctx0" brushRef="#br0" timeOffset="505799">14548 3610 11580,'-12'-21'270,"2"2"-360,0 5 90,4 2 0,2 5 0,2 2 0,2 19 0,-1 16 90,18 9-270,-13 9-741,25-7 381,-25 5-89,22 1-136,-17-14 1,-2 0 44,9 15-180,-5-10 1,-1-1 899,0 0 0,2 8 0,-5-19 0</inkml:trace>
+  <inkml:trace contextRef="#ctx0" brushRef="#br0" timeOffset="505958">14448 3911 9152,'-12'-26'-90,"10"-1"-90,-10 1-180,12 0-359,21-7 359,-15 9 45,32 5 0,9 4 135,-12 2 0,20 5 0,2 2-179,-4 5-21,-16 1 1,-1 0 0,15 0 0,-1 0 0</inkml:trace>
+  <inkml:trace contextRef="#ctx0" brushRef="#br0" timeOffset="506175">15155 3739 8162,'0'17'1440,"-20"-5"-1440,15 2 0,-30-4 0,31 4 0,-27 2-90,15 15 180,-3-6-90,7 30 0,12-26-180,0 15 0,27-24 90,-20-4-180,47-2 180,-30-3-90,24-4 90,8-3-90,-17-2-180,23-21 91,-34 15 89,-2-31-180,-14 32-719,-11-33 1079,-14 13 0,8-10 0,-12 4 0</inkml:trace>
+  <inkml:trace contextRef="#ctx0" brushRef="#br0" timeOffset="506434">15688 3887 7803,'4'19'269,"-2"13"-179,2-28-90,-2 27 90,4-12-90,-3 7-270,9 6 91,-6-19-541,10 3 270,-8-12 450,11-3 0,-7-1 0,6 0 0</inkml:trace>
+  <inkml:trace contextRef="#ctx0" brushRef="#br0" timeOffset="506575">15902 3788 8792,'7'-11'989,"-1"2"-719,-3 9-90,0 0-180,-1 0 0,2 15 0,0-11 0,1 27 0,4-7-629,-2-3-1440,6 17 719,-4-18 1350,2 2 0,0 4 0,-2-12 0</inkml:trace>
+  <inkml:trace contextRef="#ctx0" brushRef="#br0" timeOffset="506925">15142 3653 9781,'-8'-13'720,"3"-1"-630,2 2-90,2-7-90,1 7 180,19-5-360,-15 10-989,29 1-90,-18 4-270,13 16 1619,-2-10 0,-6 26 0,-2-9 0</inkml:trace>
+  <inkml:trace contextRef="#ctx0" brushRef="#br0" timeOffset="507075">15273 3528 9512,'0'-26'989,"24"6"-989,-18 3 0,41 6-450,-26-1-2068,38-2 775,-16 5 1743,13-1 0,-13 7 0,2 2 0</inkml:trace>
+  <inkml:trace contextRef="#ctx0" brushRef="#br0" timeOffset="507611">15700 3957 9152,'-5'-17'899,"21"-2"-899,-11-11 0,31 13 0,-21 1-1079,15 14 179,-8-5 900,-2 21 0,-11 9 0,-2 16 0</inkml:trace>
+  <inkml:trace contextRef="#ctx0" brushRef="#br0" timeOffset="508061">16527 3437 11131,'0'-9'629,"0"2"-449,0 2-90,0 24-360,0 27-719,18 4-136,-8-6 1,0 1 135,12 6 989,-6-6 0,-2 2 0,2 5 0,-1-17 0,0-1 0</inkml:trace>
+  <inkml:trace contextRef="#ctx0" brushRef="#br0" timeOffset="508197">16487 3817 8882,'0'-23'-1169,"20"1"1169,25-17 0,2 17 0,-17 4 0,1 1 0</inkml:trace>
+  <inkml:trace contextRef="#ctx0" brushRef="#br0" timeOffset="508708">17225 3761 8792,'-24'24'1169,"17"1"-1169,-41-5 0,27 3 90,-33 12-180,23-8 90,-13 19 0,29-19 0,-10 4-270,23-11-89,-7-4 269,9-1-180,0-2 0,20-3 90,-15-5-360,54-1 450,-34-3-45,10 1 1,2-3 134,1-18 0,10 14 0,-20-31 0,-4 32 180,-12-34 719,3 11-539,-13-10 90,5 2-360,-7 14 179,0 3-269,-19 4 0,15 1 90,-29 6-90,30 17 0,-11 9-180,14 15 90,23-17-89,-17 8-91,40-22 90,-27 7-90,33-10 270,-18 0 0,21 0-90,-24-17 180,5 13 90,-15-30 90,-6 30 90,-1-30 89,-6 29 541,-4-29-720,-2 18-360,-2-10-270,0 30-989,0 11-450,18 27 1799,4-5 0,20-1 0,1-5 0</inkml:trace>
+  <inkml:trace contextRef="#ctx0" brushRef="#br0" timeOffset="508891">17443 3298 9781,'-12'-3'-1349,"2"1"-270,5 17 1619,25 5 0,-15 12 0,17 0 0</inkml:trace>
+  <inkml:trace contextRef="#ctx0" brushRef="#br0" timeOffset="509029">17590 4456 8522,'0'5'-270,"0"-1"0,0-3 1</inkml:trace>
+  <inkml:trace contextRef="#ctx0" brushRef="#br0" timeOffset="509910">18347 3591 10231,'0'-18'720,"-17"1"-720,13 7 0,-12-1 0,3 7-180,9 24-720,-9 28 451,13 4 179,12-11 0,2-1-981,-8 0 1116,18-14 1,6-2-747,9 9 701,15-17 45,-19-7 0,0-2 225,5-7-90,23-19 90,-33 14 0,6-37 180,-20 24 180,-3-21 1079,-8-10-1169,0 19-270,-5-14-180,-17 24 1189,13 6-1099,-12 23 582,16 27-672,22 6 90,-9-9 0,1-1-270,13 1-374,18 8 284,-25-18 91,22-4-1,-9-3 0,14-4 270,-11-5-46,17-3 46,-24-19 269,6-4 91,-22 0 270,0-14 89,-11 11-449,1-14 13,-3 8-1542,-15 13-313,11 25-227,-11 9 1799,37 18 0,-17-19 0,17-4 0</inkml:trace>
+  <inkml:trace contextRef="#ctx0" brushRef="#br0" timeOffset="510247">19597 3603 9152,'-47'-8'1889,"2"2"-1619,7 24-360,1-14 180,23 30-90,-10-30 0,22 31 0,-6-20 89,8 24-89,0-15-449,17 13 269,6-18 90,24 3 90,-8-15 0,2-2 0,1-5 0,-11-20 90,12-4 0,-21-1 629,-1-28-449,-14 36-90,-4-28-270,-3 21 90,0 7-719,-13 18-900,10 30 809,-11 6 810,19 2 0,7-1 0,4-2 0,16 20 0</inkml:trace>
+  <inkml:trace contextRef="#ctx0" brushRef="#br0" timeOffset="510474">18913 3194 8522,'0'-18'90,"28"2"-180,-21 4 135,29 2 0,7 4 45,-12-1-90,14 1 0,1 3 0,-6 2-1349,11 17 0,-35 12 1349,-2 10 0,-14 11 0,0-8 0</inkml:trace>
+  <inkml:trace contextRef="#ctx0" brushRef="#br0" timeOffset="510908">20408 3465 10501,'-27'-9'-90,"-11"2"90,14-2-180,-15 6 180,0-1 0,18 23 0,-4-14 0,23 33 90,-8-11-270,10 8 180,22 3 0,7-1-90,12-8 135,-13-6 0,-2-1-45,7 4 0,7 3 0,-12-3 0,-14-10 0,0 9-180,-14-12-899,-20 5 539,14-8-179,-40 0 89,26-3 0,-22-2 630,11-3 0,4 0 0,-1-2 0</inkml:trace>
+  <inkml:trace contextRef="#ctx0" brushRef="#br0" timeOffset="511158">20517 3702 7623,'43'-4'90,"16"0"-180,-19-1 180,21-3 0,-34 5-180,5-4 180,-19 3 89,-3 0-89,-6-1 180,-2-3-90,-2 1 360,-20-7-180,-3 5 359,-23-2-719,24 4 360,-15 3-360,21 2 0,-13 2 0,15 15 0,5 7-90,9 10-450,0 1-1439,19 20 990,-14-21 989,38 17 0,-22-28 0,22-2 0</inkml:trace>
+  <inkml:trace contextRef="#ctx0" brushRef="#br0" timeOffset="511442">21075 3477 9062,'-29'0'0,"3"0"0,-4 0 0,16 15 90,-9-11 0,21 29-90,-6-11 90,31 21-180,-17-10 90,36 10 0,-14-18 0,-3 8 270,15-6-91,-24-9-179,4 9 0,-8-16-359,-12 7-181,-18-11-719,-5 3 629,1-6 630,-17 1 0,16-4 0,-19 1 0</inkml:trace>
+  <inkml:trace contextRef="#ctx0" brushRef="#br0" timeOffset="511745">21492 3609 9602,'-52'0'269,"9"12"-179,-1-9-180,25 20 180,-16-20-449,31 16 179,-11-7 0,15 4 180,0 1 0,21-4 90,11 6-90,11-2-852,5 3 941,-12-5-89,-2-2-316,-1 0 496,-6 0 180,-2-3-180,-13 1-270,7 0 180,-16-3 279,7 1-728,-34-4 258,18-1-439,-44-1 1,29-2-181,-22 0 720,0-1 0,23 0 0,-4 0 0</inkml:trace>
+  <inkml:trace contextRef="#ctx0" brushRef="#br0" timeOffset="511926">21847 3621 9602,'11'14'539,"-3"-11"-539,-1 11 0,-2 1 0,-2-11 0,2 21 0,-3-22 90,-1 23-180,0-15-270,-1 13-1079,0-2 630,0-6 809,0 10 0,0-13 0,0 2 0</inkml:trace>
+  <inkml:trace contextRef="#ctx0" brushRef="#br0" timeOffset="512075">21902 3338 9152,'-18'-14'-810,"-7"4"810,22 4 0,-8 3 0,11 2 0</inkml:trace>
+  <inkml:trace contextRef="#ctx0" brushRef="#br0" timeOffset="512375">22352 3623 9781,'0'5'720,"0"-1"-180,-23 3-360,17-1-90,-33 12-90,18-4 0,-14 13 0,13-8 0,8 3 0,14-7 0,0-3 0,0 0 0,0 1 0,24-6 0,7 1 0,13-6 0,5-2 89,-30-15-178,15 12 89,-30-25-270,9 8 0,-13-14-810,-23 5 361,-9-1-361,-13 20 1080,-12-7 0,25 16 0,-9-5 0</inkml:trace>
+  <inkml:trace contextRef="#ctx0" brushRef="#br0" timeOffset="512723">22565 3621 9332,'5'12'809,"1"-9"-629,-6 20-90,2-13 0,-1 11-90,0-2 0,1-1-90,1-1 90,0-1 90,1-4-180,1 3 90,-1-7-90,2 0 90,-4-6-180,8-1 180,-4-17 0,6 12-90,-1-30 90,3 18 180,1-18 450,8-7-360,-5 13 179,8-9-359,-11 14-90,3 12 90,-6 0-180,-1 11-180,1 23-809,-1 11-2159,3 31 3238,-2-10 0,-2 2 0,-1-17 0</inkml:trace>
+  <inkml:trace contextRef="#ctx0" brushRef="#br0" timeOffset="518594">23773 3233 6273,'-19'-6'-113,"3"2"1,16 2 0,0 1 0</inkml:trace>
+  <inkml:trace contextRef="#ctx0" brushRef="#br0" timeOffset="520273">11023 5317 9062,'0'-8'1799,"0"-1"-1529,0 1 359,0-5-359,0 3 90,-16-7-180,12 7 0,-12-6-180,5 9 0,8-3 0,-8 7-270,2 2 90,7-1 0,-13 1 0,8 0-270,-4 15 181,2-10-91,2 25 180,1-25-90,2 28 180,3-17 90,0 14 0,1-8-90,0-3 90,21 5 0,2-8 0,23 9 90,-23-13-90,11 3 90,-30-7 0,10 0-90,-14-2 0,0-2 90,0 0-180,0-1-540,0 2 91,-24 0-1080,1 0 449,-6-2 1170,-3 0 0,28-1 0,-11-1 0</inkml:trace>
+  <inkml:trace contextRef="#ctx0" brushRef="#br0" timeOffset="520508">11333 5175 10681,'0'36'0,"0"-5"0,0 3-90,0-4-90,0 20-90,0-11-360,7-6 1,0 0-91,-3 3-269,20 17 359,-21-28 1,7 3 629,-10-14 0,0-3 0,0-3 0</inkml:trace>
+  <inkml:trace contextRef="#ctx0" brushRef="#br0" timeOffset="520658">11120 5502 7443,'0'-13'360,"0"-1"-360,17 0 0,-13-1 0,35 0-90,-34-2 0,45 3-540,-11-5 0,13 6 562,-1-2 0,-17 8 1,-2 1-1</inkml:trace>
+  <inkml:trace contextRef="#ctx0" brushRef="#br0" timeOffset="521746">10752 5100 9512,'17'22'269,"-13"14"-179,30-18-90,-30 18 0,28-3 0,-12 19 0,1-11 45,-6-5 0,-1 1-45,-1 3-45,-2-6 0,0-1 45,-1 1 0,1 9 0,-8-20 0,1-2-90,-1-5 0,-3-2 1,1-6-181,0-1-270,1-5 450,1 0 0,-1-17 90,1 12 0,0-28-90,1 15 90,1-16 0,2 2 90,2-2-90,1-1 0,3 0-90,9-11 180,-5 11 180,17-12-270,-14 24 90,8 1-90,-11 12 90,3 4-90,-5 2 180,8 2 0,-9 22 449,6 3-269,-11 1 0,-2 25-450,-5-32 180,-2 25-90,-21-13 0,16-8-90,-35 12-90,14-15-1259,-20 6 539,20-13 900,-22 0 0,41-9 0,-21-2 0</inkml:trace>
+  <inkml:trace contextRef="#ctx0" brushRef="#br0" timeOffset="522110">11458 5495 7803,'6'0'179,"-1"0"-89,1 0-90,-1 0-90,2 0 0,1 0 1,5 0 89,-2 0-450,6-15 450,-7 1 0,2-3-90,-9-6 90,-1 8 0,-2-6 0,0 3 90,0 7 0,-17-3 0,13 7 269,-30-3 1,16 8-90,-16 1-270,17 15 0,-7-10 0,21 24 90,-7-9-90,10 15 0,0-6 0,20 4 0,8-21-180,-3 11-629,41-17 179,-41 5 630,10-8 0,2-1 0,-6-1 0,7 0 0</inkml:trace>
+  <inkml:trace contextRef="#ctx0" brushRef="#br0" timeOffset="522724">11838 5320 8882,'-29'20'0,"12"3"-90,5 12 90,5-5 0,5-8-180,-6 3 180,26-13-180,-13 8 90,29-19 0,-9 5 90,18-20 0,0-4 180,-4-17 0,-12 4 90,-12 0 0,-9 9-90,-6 5-180,0 26 90,-12 14-180,10 14 90,-10 27 0,12-22-1094,0 18 1094,0-20 90,0-1-90,17-4 0,-13 7 90,13-16-90,-17 9-90,0-25-2698,0 2 2788,-14-30 0,10 14 0,-10-15 0</inkml:trace>
+  <inkml:trace contextRef="#ctx0" brushRef="#br0" timeOffset="522864">12258 5432 7083,'8'21'0,"-1"11"0,-1-28 0,-1 27 0,-2-17 0,-1 12 0,-1-6 0</inkml:trace>
+  <inkml:trace contextRef="#ctx0" brushRef="#br0" timeOffset="523024">12145 5191 6633,'0'-3'0,"0"1"0</inkml:trace>
+  <inkml:trace contextRef="#ctx0" brushRef="#br0" timeOffset="523324">12653 5393 7533,'0'16'180,"0"-1"-180,0-1 0,0-1 0,0 6 0,0-6 0,0 6 90,0-10-90,0-2-90,0-4 90,0-21 0,0-2 90,11-22 539,-8 11-359,16-3-270,-10 15 0,17 5 0,-7 24 0,6-6-630,-9 33-449,0-19 1079,0 19 0,2-7 0,1 0 0</inkml:trace>
+  <inkml:trace contextRef="#ctx0" brushRef="#br0" timeOffset="523507">13150 5271 8072,'-8'15'-158,"6"12"1,-6-9 0,8 14 0</inkml:trace>
+  <inkml:trace contextRef="#ctx0" brushRef="#br0" timeOffset="523632">13297 5559 10501,'0'6'-473,"0"-1"1,-14-3 0,-2-1 0</inkml:trace>
+  <inkml:trace contextRef="#ctx0" brushRef="#br0" timeOffset="524507">13982 4969 9062,'0'-9'90,"9"3"-90,-7 21 90,7 19-4342,-9 11 4162,0 10 0,0-7 460,0 1-820,0 1-180,0-3-809,14 10 1439,-10-19 0,25 5 0,-11-21 0</inkml:trace>
+  <inkml:trace contextRef="#ctx0" brushRef="#br0" timeOffset="524708">14297 5029 8612,'-23'-4'2069,"-1"23"-1979,-26 11 0,12 14-2123,2-2 2033,11-9 0,13-1 237,-10-1-507,19-3 308,-9-2-487,12-3-181,0-3-1349,23-1 900,9-8 1079,15-3 0,1-8 0,-8 0 0</inkml:trace>
+  <inkml:trace contextRef="#ctx0" brushRef="#br0" timeOffset="525214">14492 4951 8522,'-11'21'270,"9"16"-270,-9-20 0,11 35 0,0-15 0,10 3 0,0 1 0,-5 2 0,14-4 0,2-2-270,-5-7 90,18 10 0,-21-23-449,6-3 539,-8-11-90,4-3 180,5-18 0,-9-7 90,10-20-90,-12 9 90,9-7 180,-12 28-91,4-14 181,-4 26-360,-2-8 90,4 11 0,-2 0-90,5 21 90,-2 2-90,2 2 0,0 13 0,-1-23 0,2 17 90,3-7-90,1-14-90,8 9 0,-8-19 0,13 6 90,-10-25-90,6 13 90,-7-35 0,0 23 90,-1-20 180,0-1-90,-4 10 0,-4-6 0,-3 14-180,-5 25 0,0 22-270,-1 10-1709,16 23 1979,-2-31 0,4 7 0,-7-14 0</inkml:trace>
+  <inkml:trace contextRef="#ctx0" brushRef="#br0" timeOffset="525360">15005 4878 7533,'-12'15'0,"2"4"0</inkml:trace>
+  <inkml:trace contextRef="#ctx0" brushRef="#br0" timeOffset="525946">15745 4768 10501,'4'-4'450,"2"2"-450,-3 1 0,3 16 90,-1-12-180,5 49 90,-3-25-1483,4 34 584,-3-17-91,-1 1 181,2 3 809,-3-15 0,-1 0 0,5 15 0,1 14 0</inkml:trace>
+  <inkml:trace contextRef="#ctx0" brushRef="#br0" timeOffset="526090">15777 5126 9062,'0'-22'-90,"0"0"-180,0-4-90,0 6-359,20-7-181,6 13 900,13 2 0,0 8 0,-8 2 0</inkml:trace>
+  <inkml:trace contextRef="#ctx0" brushRef="#br0" timeOffset="526425">16265 5077 8612,'0'8'450,"-16"2"-360,13 6-90,-26-3-90,26 6 90,-9-4 180,12 0-270,0 1-270,0 3-90,0-5-179,17 3 89,9-10 360,23-1 180,-10-5 0,2-1 90,-5-18 0,-11-1 809,4-17-269,-20 1 180,-2 3-541,-7 4-89,-16 12 0,13 1-90,-24 14-360,24 13-1079,-8 7-450,32 18 1799,4-7 0,14-12 0,-2-5 0</inkml:trace>
+  <inkml:trace contextRef="#ctx0" brushRef="#br0" timeOffset="526690">16812 5015 9242,'-39'18'1259,"17"2"-1259,6 18 0,16-1-270,21-3 90,8-5 0,12-14 180,1-7 0,-9-8 0,-1 0 0,-2 0 0,-4-20 0,-4 15 0,-10-32 0,2 32 0,-13-30-90,6 12 0,-32-7-449,19 3-181,-43 17 1,29-5-271,-22 13 990,11-6 0,0 8 0,0 0 0</inkml:trace>
+  <inkml:trace contextRef="#ctx0" brushRef="#br0" timeOffset="526830">16500 5539 9602,'0'0'0</inkml:trace>
+  <inkml:trace contextRef="#ctx0" brushRef="#br0" timeOffset="527240">17320 4982 11221,'-10'-7'-270,"8"0"270,-12 3 90,13 0 0,-4 18-90,25 5 0,-15 22 90,32 4-180,-21-8 90,13 7 0,-14-21 269,2 8 1,-10-20-180,4 4-450,-6-28-539,-2-19 269,-3-7-179,0-14 89,0 16 91,0-1-181,0-1 810,0 3 0,19 2 0,4 2 0</inkml:trace>
+  <inkml:trace contextRef="#ctx0" brushRef="#br0" timeOffset="527620">18018 4991 8702,'-21'-14'1349,"-12"10"-989,11-21-360,-16 22 0,1-7 0,5 10 0,16 17 0,0 4 0,15 19 0,-4-8-450,28 6 270,-1-15 1,23-4 179,-6-10 0,-1-9 89,-9-32 1,-5 24 810,-14-41-360,-4 29-630,-6-13 180,0 7-450,0 28-319,19 61 1,5-15-1,-2-3 1,0-1 0</inkml:trace>
+  <inkml:trace contextRef="#ctx0" brushRef="#br0" timeOffset="529630">18878 4905 10141,'-3'13'720,"0"8"-720,3 10 0,17 4 0,-13-2 0,13 4 0,-6 2 0,-8-1 0,8 1 0,-11-2 0,7-4 90,-5-2-180,6-7 270,-8-4-180,0-4-90,0-3-1439,0-3 1349,0-22 0,-17-11 270,13-31-90,-12 7-45,15 8 0,2-1-280,-1-10 325,0 16 0,0 0 90,0-13-90,0 4 180,0 4-90,0 6 62,0 4 208,0 8-90,16 1-360,-12 11 180,26 2-90,-17 6 410,12 20-410,-8 2 212,-5 18-662,-5-3-89,-6-7-271,-1-4 810,-19 1 0,15-15 0,-15 5 0</inkml:trace>
+  <inkml:trace contextRef="#ctx0" brushRef="#br0" timeOffset="529856">19412 4318 8972,'13'-11'1079,"0"4"-899,-2 5 270,1 2-360,-2 21-90,-2-16 90,-1 43-90,-4-26 0,1 26 0,-1 11-90,-2-11-405,0-7 0,1 0-494,0 6 134,1-9 1,0-1-225,2 3 1079,1 8 0,-3-20 0,0-2 0</inkml:trace>
+  <inkml:trace contextRef="#ctx0" brushRef="#br0" timeOffset="530006">19295 4797 8162,'-8'-27'90,"1"6"-90,7 3 0,24 5-90,-17 0-180,45 3-179,-29 2-91,27 4-449,-12 1 791,2 3 1,-1 0 0,0 0 0</inkml:trace>
+  <inkml:trace contextRef="#ctx0" brushRef="#br0" timeOffset="530294">19800 4916 7803,'0'20'0,"0"0"0,0-2 89,0-4-89,0-3 0,0-4 90,0 0-449,0-2-271,21-3 0,21-17 450,2 10 225,-10-9 0,-2-4 135,-1-2 360,5 1 0,-23-14-91,6 29-89,-16-25 630,11 16-631,-13-8-898,2 26-721,-3 4-538,0 21 1798,0-7 0,19-10 0,4-3 0</inkml:trace>
+  <inkml:trace contextRef="#ctx0" brushRef="#br0" timeOffset="530527">19885 4566 8162,'0'-5'360,"24"1"-360,-18 0 90,42 1-90,-28 0 0,23 1 0,-11 0 0,0 2-90,9 0 90,-12 0-899,5 17-181,-16 0 1080,-9 15 0,-2-6 0,-7-1 0</inkml:trace>
+  <inkml:trace contextRef="#ctx0" brushRef="#br0" timeOffset="530695">20270 4141 8342,'13'-3'450,"-3"1"-360,5 18-90,-4-12-270,-10 51-539,2-27 809,-2 14 0,-2 4 0,1 8 0,0-17 0,0 1 0</inkml:trace>
+  <inkml:trace contextRef="#ctx0" brushRef="#br0" timeOffset="530974">21020 4807 9961,'-41'-6'-90,"3"-4"90,10 9 0,0-4 0,1 5 0,1 0 0,-4 18 0,12 7-539,-3 19-91,16 1 90,21-19-89,-11 5-181,41-27 810,-22 8 0,26-12 0,-9 0 0</inkml:trace>
+  <inkml:trace contextRef="#ctx0" brushRef="#br0" timeOffset="531374">21147 4477 8792,'-14'-13'899,"2"1"-359,-3 6 180,6 1-630,9 27-90,0 9 90,14 33-90,-11-8-45,12-16 0,-1-1 135,-10 10-90,10-9 0,0-1-90,-11 2-450,10-6 0,0-3 1,-11-5-721,14 8 721,-12-28-361,5-2 360,0-5 181,1-22 339,2 17 20,0-38 110,1 38 429,2-40-89,-1 29-90,2-20 449,2 11-539,-2 12 270,8 0-450,-12 13 180,5 0-180,-8 16 0,1-11-90,-3 32 90,2-3-180,-3 9-720,7 16 360,-4-26-809,9 16 270,-3-26 989,5-2 0,-1-11 0,1-6 0</inkml:trace>
+  <inkml:trace contextRef="#ctx0" brushRef="#br0" timeOffset="531623">21798 4768 8432,'-19'-6'450,"-1"2"-450,-3 24 90,-6 4-180,25 13 90,-9 5-90,13-16-90,0 6-270,22-12 180,5 0 1,26-11 179,-12 0 0,11-9 90,-23-18 0,8-5 0,-25-19 0,0 9 0,-12 0-360,-24 10-899,-11-9 1259,-12 9 0,-4-4 0,11 11 0</inkml:trace>
+  <inkml:trace contextRef="#ctx0" brushRef="#br0" timeOffset="532340">22882 4406 9062,'0'-16'899,"0"1"-719,-20 2-180,16 1 270,-31 3-270,13 3 0,-19 3-90,8 24 90,-1-16 0,7 51 0,12-31-180,4 9 0,3 2 90,7 4 45,12-7 0,2 0 45,-6 8 0,18-15 0,6 0-90,8 21 180,14-11-90,-20-11 0,-1 1 0,6 0 90,12 8-90,-32-17 0,8 2 0,-24-11 0,7 0 0,-32-1 0,18-3-719,-61 3-1,39-3-604,-12-2 0,-2 0 1108,-1 0 1,-9-2 0,17 0-1</inkml:trace>
+  <inkml:trace contextRef="#ctx0" brushRef="#br0" timeOffset="532826">22772 4200 9152,'-5'-7'1709,"2"3"-1529,0 15-90,17 11-90,-10 11 0,30 22 45,-26-15 0,0 1-843,10-6 1,0 0 842,-10 7 0,-1 1-90,5-7 0,0-3 45,-1 21-315,0-10 1,0 0-676,0 8-719,-3-2 0,-1-1 1709,-3 1 0,1-14 0,0-2 0,1-2 0</inkml:trace>
+  <inkml:trace contextRef="#ctx0" brushRef="#br0" timeOffset="533193">23305 4998 9781,'-4'9'450,"0"1"-540,21-9-809,20-15-91,7 10 990,-4-13 0,0 0 0,9 12 0,-15-3 0,0-1 0</inkml:trace>
+  <inkml:trace contextRef="#ctx0" brushRef="#br0" timeOffset="533640">24265 4284 10051,'-30'-13'90,"2"0"-90,3 6 0,0 0 0,-5 5 0,0 0 0,-3 1 0,1 1 0,2 0 0,-7 16-90,13 1 180,-2 20-90,18-8 0,4 4-90,23-8 90,-15 3 0,44 1-311,-22 2 311,26 1 0,-8 0 0,-11-8 0,0 1 0,15 11 0,-10-3 0,-2 0 90,1 4 90,2 12 270,-19-3-360,-10-11 0,-3 18-90,-27-24-70,-9 10-200,-11-21-1618,-15 3 628,19-14-359,-9-2 1619,16-5 0,2 0 0,4 0 0</inkml:trace>
+  <inkml:trace contextRef="#ctx0" brushRef="#br0" timeOffset="533959">24572 4298 10501,'-10'-2'1169,"3"15"-1169,7 10 0,0 11 0,0 7 0,0 17 0,0-11 0,7-6 0,0 0-1637,-3 8 738,20 10-990,-13-7 900,1-18 989,7 13 0,-14-26 0,9 1 0</inkml:trace>
+  <inkml:trace contextRef="#ctx0" brushRef="#br0" timeOffset="535207">24660 4382 9062,'0'18'1889,"0"0"-1799,0-4 0,0-1 0,0 2 0,0 2-90,0 4 0,0 1 0,12 5 89,-9 14-89,9-4 0,-11-4 0,-2 1-89,1 7-631,0 3 0,0-1 1,0-2-1,0-3 1,0-1-91,0-8 810,0 5 0,0-15 0,0-2 0</inkml:trace>
+  <inkml:trace contextRef="#ctx0" brushRef="#br0" timeOffset="535509">24543 4221 9691,'-1'-12'810,"0"1"-720,0-1 0,1 2 0,0-4 0,25 0-90,-19-2 0,28 2 0,6 2 0,-7-9-397,4 7 0,3 2-52,11-4-271,3 2 90,1 1 90,-18 7 1,0 2 89,19-2 450,-15 3 0,0 2 0,-2 1 0,8 0 0</inkml:trace>
+  <inkml:trace contextRef="#ctx0" brushRef="#br0" timeOffset="535724">24787 4568 7803,'46'0'-1709,"1"0"1709,-10 0 0,-1-13 0,-9-2 0</inkml:trace>
+  <inkml:trace contextRef="#ctx0" brushRef="#br0" timeOffset="535927">24753 5064 10141,'47'2'-360,"-8"0"-449,0-17-1,-5 11 1,2-26 809,21 12 0,-12 0 0,15 3 0</inkml:trace>
+  <inkml:trace contextRef="#ctx0" brushRef="#br0" timeOffset="536479">25820 4141 8882,'0'-11'540,"0"-1"-1,0-6-449,0 3 360,-18-11-180,14 12 0,-31-4-270,31 11 90,-29 1-90,17 4 90,-13 0-90,3 2-90,0 0 180,-15 21-180,11 7 135,5-1 0,1 2-135,-1 18-990,-4 4 1170,15-12-90,7 0-180,3 2-539,2 18 269,27-14 270,-8-7 0,4-2-26,3-14 1,4-2 205,13 14 0,-1 0-642,13 5 642,-18-15 0,1 0 0,-4-1 0,-2-1 180,15 10 90,-15-7 0,-2 0-1,-1 0 956,-3 12-1225,-17-20 270,-27 11-180,13-18-90,-24 1 0,-6-4-270,7-2-270,-12-3 1,-2 0-361,-2-1-503,-12-1 414,22 0 989,3-18 0,7 13 0,2-13 0</inkml:trace>
+  <inkml:trace contextRef="#ctx0" brushRef="#br0" timeOffset="537006">26447 4189 9332,'0'-12'719,"0"0"-449,0 6-180,0-2 90,-16 4 180,12-2-180,-24 3-90,13 1 0,-13 2-180,-2 15 90,6 2 0,0 1-90,2 13 180,5-9-360,-3 20 180,12-10-180,1 9 90,6-19 180,39 21 0,-28-23 0,26 0 0,5-1 0,-16-1 0,10-2 0,1 0 0,-1 4 90,20 15 0,-27-14 0,5 9 90,-14-8-180,-2 0 0,-4 1 360,4 9-270,-7-7-1,0 13-89,-7-16 90,-2 2-180,-1-9 180,0-3-90,-24-1-90,17-3 90,-38 0-269,40-3-901,-54-3 361,35 0-91,-9-2 1,-1 0-630,1 0 1529,-6-18 0,14 13 0,1-13 0</inkml:trace>
+  <inkml:trace contextRef="#ctx0" brushRef="#br0" timeOffset="537356">27073 3937 8072,'36'-9'0,"-1"1"0,6-6-269,-8 6-451,24-6 0,-26 8 720,9 1 0,-18 3 0,-2 1 0</inkml:trace>
+  <inkml:trace contextRef="#ctx0" brushRef="#br0" timeOffset="537575">27252 4109 9781,'0'9'1080,"0"2"-900,12-1 0,-10 9-180,10-2 90,-2 20-90,-8-11 0,8 13-630,-10 5-90,4-7-989,-3 27 810,2-27 899,-3 27 0,0-30 0,0 10 0</inkml:trace>
+  <inkml:trace contextRef="#ctx0" brushRef="#br0" timeOffset="537757">27182 4994 10231,'-3'5'720,"24"-19"-810,7-5-180,15-2-1079,13-12 359,-17 10-1625,13-8 2615,-14 3 0,-2 17 0,-1 3 0</inkml:trace>
+  <inkml:trace contextRef="#ctx0" brushRef="#br0" timeOffset="538273">28295 4018 9871,'-38'-11'540,"-11"-6"-270,14 6 360,-21-4-271,26 11-269,-23-1 0,21 5 0,-8 18-90,0 7 0,12 13 0,5-8 0,1 2-608,0 13 608,8-12 0,2 1 0,0 16 0,4 5-90,4-1 180,4 1-90,0-5 0,24-2 0,11 8-90,16-18 90,-13-13 0,2-3-180,17-5-619,-18-8 0,1-3 799,21-3 0,1-3-83,1-16 128,-21 5 0,-1-3-90,-11-1 0,0-3 45,15-7 0,-4-2 0,-2-8 0,-14-8 0,-5-2 0,-7-3-43,-4 8 0,-8 2-407,-30-3 1771,4 4-1726,-12 13 0,-6 3-225,-11-7-977,2 10 0,-1 2 1607,-12 5 0,24 6 0,1 1 0,-14 2 0</inkml:trace>
+  <inkml:trace contextRef="#ctx0" brushRef="#br0" timeOffset="538839">28767 4067 10141,'0'37'990,"0"-5"-721,14 6 1,-10-1-180,11 4-45,-7-8 0,0 1-45,7 18 0,-1-8 0,1 1 90,-2 6-90,-3-11 0,-2-1 0,0 1-90,1 15-90,-4-30-90,-5-2-1259,0-12 1439,0-22 90,0-10 0,0-12 0,0-6 0,0-19 0,0 9 135,0 1 0,0-2-105,0-13 419,0 8 1,0 1-1633,0-8 1273,6 24 0,0 1 90,-3-5-397,9 9 217,-12 7 450,9 6-90,-7 8 355,12 6-625,-7 4 1429,4 2-1429,-1 20-90,3-15-90,0 34 90,4-21 0,0 18 485,1-4-485,7 20 0,-4-11-360,-3-5 1,-1 0-443,4 6 172,7 11-90,-10-19-539,3-3 180,-2-2-1176,8 5 2255,-8-10 0,6 1 0,-10-10 0</inkml:trace>
+  <inkml:trace contextRef="#ctx0" brushRef="#br0" timeOffset="539073">29395 4007 11940,'-10'-12'900,"2"1"-271,-4 5-449,3 2-180,6 24 0,-3-15 0,1 45 0,0-24 0,-1 29-90,1-3-360,0-9 1,1 0-51,2-9 0,0 1-985,-2 26 1,2-1-8,1-24 1,1-1 1491,-1 11 0,1-1 0,0 15 0,0-2 0</inkml:trace>
+  <inkml:trace contextRef="#ctx0" brushRef="#br0" timeOffset="542122">11122 6782 6723,'16'-41'-180,"12"-2"180,-25-1-1999,25-1 2089,-25 1 90,21 4 141,-21 4-141,15 6 443,-16 4-623,4 8 809,-6 6-629,-15 26-90,11 18 90,-29 14-90,31-9 0,0 0 0,-29 14-136,28-17 1,2 0 45,-13 13 0,14-2 455,0-4-725,0 13-269,0-16-1260,0 16 1799,18-26 0,-13 3 0,12-12 0</inkml:trace>
+  <inkml:trace contextRef="#ctx0" brushRef="#br0" timeOffset="542289">11080 7105 8702,'0'-40'180,"18"17"-90,-14-16-180,24 23 0,3 1-270,-2-29-1276,1 21 0,3 2 917,7-11-271,0-1 907,1 0 0,-3 2 0,0 1 1</inkml:trace>
+  <inkml:trace contextRef="#ctx0" brushRef="#br0" timeOffset="542424">11533 6622 8072,'-17'39'720,"12"-7"-720,-13 1 90,4-1-180,11-7 90,-20 6-270,21-11-360,-7-1-89,9-2 719,0-3 0,0-3 0,0-1 0</inkml:trace>
+  <inkml:trace contextRef="#ctx0" brushRef="#br0" timeOffset="542606">11353 6381 8072,'-9'-23'450,"6"4"-450,-12 6 0,13 4 0,-7 1 0,8 22 0,-3 5 0</inkml:trace>
+  <inkml:trace contextRef="#ctx0" brushRef="#br0" timeOffset="543982">10767 6982 8342,'55'0'1260,"-8"-18"-1081,-3 13-754,-7-31 665,1 20-90,3-16 0,3 5-1474,1-2 1564,1-1-90,-2-2 0,-2 0-26,-16 11 0,0 0 26,9-10 0,7-15 0,-26 23 0,-4-13 0,-9 17 0,-3-4 0,0 7 275,-22 2-185,-2-6 0,-23 10 0,-1-3 0,9 11 360,-12 23-450,22-16 658,-6 39-658,16-25 180,4 22-270,8-8 180,3 32-90,20-23 0,-4-4 0,3-3 0,21-6-270,5 5-270,-7-17 1,0-4-856,1-8 1,2-1 1394,9 0 0,-9-2 0,-1-1 0,3-1 0</inkml:trace>
+  <inkml:trace contextRef="#ctx0" brushRef="#br0" timeOffset="544342">11635 6559 8162,'-19'16'2519,"3"3"-2519,16 20 180,0-8-180,0 3-90,0-10 90,0 13 90,0-11-180,16 18-180,-13-22-90,13 10 270,-7-18-180,-7 0-629,7-8 899,-9-23 0,0-7 0,0-13 90,0-12-180,0 18 180,0-9 450,0 7-181,0 8-179,16 5-90,4 31-180,13 16 90,-13 12-1439,5 16 450,-11-19 989,14 23 0,-7-26 0,0 6 0</inkml:trace>
+  <inkml:trace contextRef="#ctx0" brushRef="#br0" timeOffset="544723">11988 6691 7803,'-39'0'899,"16"18"-449,-5 7-450,12 10 0,-9 16 0,11-18-90,6 22 180,8-26-90,0 5-90,0-15 90,20-5-90,2-7 90,22-2 0,-3-20 0,-17-13 0,11-25 90,-22 4-1244,5-5 1244,-10 12-90,-8 1 180,0-3-181,0-14 271,-20 14-1,15-20-358,-33 35-8,34-8 277,-14 24 449,8 2-629,7 26 1060,9 15-1060,-2 10 0,14-5 0,0 1-450,-14 15-454,14-16 0,-2 0-445,-12 17-91,24 0 1367,-25-1 0,23-1 0,-8-2 0</inkml:trace>
+  <inkml:trace contextRef="#ctx0" brushRef="#br0" timeOffset="545048">12650 6823 10591,'-24'-7'-90,"11"1"0,3 6 0</inkml:trace>
+  <inkml:trace contextRef="#ctx0" brushRef="#br0" timeOffset="545189">12725 7052 11221,'-20'-14'-1650,"3"12"1,17-14 0</inkml:trace>
+  <inkml:trace contextRef="#ctx0" brushRef="#br0" timeOffset="547233">13378 6728 11490,'42'-35'270,"-5"5"-180,11-1-2935,-4 3 2845,8-4 0,4-3-180,-25 15 0,1 0-180,-1 1 1,1 0-46,2-1 0,-1 0 45,0 1 0,0 0 0,-1 0 1,0 1-91,0 1 0,-1 1-809,25-13 1259,-4 7 0,-8 6 0,-2 2 0</inkml:trace>
+  <inkml:trace contextRef="#ctx0" brushRef="#br0" timeOffset="547622">14657 6016 9602,'0'-10'1529,"0"23"-1529,0 9 0,11 17-90,-8 26-90,8-20-405,-6-5 0,-2 0 46,-1 7-631,10-5 1,1-3 163,-5-6 1006,14 12 0,-15-34 0,-1-2 0</inkml:trace>
+  <inkml:trace contextRef="#ctx0" brushRef="#br0" timeOffset="547806">14607 6240 8432,'-21'-13'900,"2"5"-810,12-1 90,-1 5 89,7-3-269,-2 3-359,22 2-91,8 1-450,29 1 91,-8 0 10,-11 7 1,-1 1 528,9-5 1,13 21 0,-19-11 0</inkml:trace>
+  <inkml:trace contextRef="#ctx0" brushRef="#br0" timeOffset="548330">15158 6220 9242,'-19'-13'1349,"-13"5"-1259,18 3-90,-5 20-90,8 5 90,11 20 0,0-8-450,0 1 90,19-5 91,2-4 359,20-6-180,0-7 90,-1-11 0,-15-21 0,4 16 90,-26-35 89,17 14-89,-18-9 180,6 1-180,-8 12 90,0 2-180,0 1-180,0 1 360,0 5-180,0 18 0,18 9-180,-13 20-270,45-2 271,-29-13-1,41 3 90,-29-20 180,30 7-90,-34-25 0,19-5 180,-34 1 179,0-31-179,-10 32 180,-4-38-180,0 32 0,-16-5-90,12 13-180,-12 2 180,2 4 0,11 19-180,-10 13-180,13 12-1079,15 20 629,-11-19-989,25 23 1709,-15-27 0,2 4 0,-6-14 0</inkml:trace>
+  <inkml:trace contextRef="#ctx0" brushRef="#br0" timeOffset="548477">15565 6240 8342,'-26'-15'630,"5"2"-1530,12 3-179,24 4 1079,-10 3 0,37 2 0,-16 0 0</inkml:trace>
+  <inkml:trace contextRef="#ctx0" brushRef="#br0" timeOffset="548710">14967 5897 8702,'-15'14'180,"4"0"-270,34 2-270,-17 6-269,46-19-91,-28 16-624,26-18 1159,-9 7 1,2-8 0,2 0 0</inkml:trace>
+  <inkml:trace contextRef="#ctx0" brushRef="#br0" timeOffset="548856">15433 5813 8522,'-14'20'-383,"2"5"1,12 12 0,0-1 0</inkml:trace>
+  <inkml:trace contextRef="#ctx0" brushRef="#br0" timeOffset="549476">16142 5995 8972,'0'-8'989,"0"3"-899,0 22-90,15 7 0,-11 13 0,12-2 0,-2 4 0,-11-11 0,22 7 90,-22-14-90,8-3-90,-4-9-449,-5 5-91,8-12 630,-9-13 0,3-12 0,-4-26 0,0 12 0,0-14 270,15 24 180,-11-5-271,12 14-89,-5 9-90,1 20 90,8 10-90,-3 18 0,-6-18 0,-5 11-90,0-28 180,-5 23-180,2-24-179,-2 17-91,1-19 360,1 7-90,5-22 90,-2 11 90,4-26-180,-2 26 90,3-30 0,0 28 90,6-28 0,-5 21-90,9-5 0,-10 8 0,3 9 0,-3 0 0,-1 19 0,2-15-180,1 39-540,-1-24-89,2 24 809,8 3 0,-2-11 0,7 9 0</inkml:trace>
+  <inkml:trace contextRef="#ctx0" brushRef="#br0" timeOffset="549839">16910 6030 8702,'-37'-4'900,"3"0"-900,17 21 89,-2 4-178,17 20 89,-6-9 0,8-2-90,0-10-450,20-2 360,0 2 180,18-4-90,-5-5 180,-5-5-90,-12-25 0,-6-4 90,-10-20 90,0 11 629,0-7-629,0 15-180,-15 5 90,11 3-180,-12 31-899,36 2 179,1 25-1438,24 0 2248,-11-7 0,1-13 0,-10-14 0</inkml:trace>
+  <inkml:trace contextRef="#ctx0" brushRef="#br0" timeOffset="550457">17347 6103 9602,'-14'19'539,"3"7"-539,11 13 0,16 1 0,-12-8-90,12 2 0,-4-2-90,-9-1-269,19-3 89,-20-3 0,17 0 270,-6-10-90,11 0 90,-4-12 0,0-1 180,-5-22-90,-1 15-90,-2-36 180,0 24 90,-3-21 0,-1 10 720,-5-12-271,-1 11 1,-2-12-630,0 20 0,-12 4 0,9 31 0,-10 14 0,13 12 90,0 0-90,0-9 0,0 1-90,17-3 90,-13 0 90,13 3-90,-6-8-90,-8 4 0,8-17-900,-11 1-539,-22-9 630,-4 0-270,-16-3 1169,2-18 0,5 13 0,-1-13 0</inkml:trace>
+  <inkml:trace contextRef="#ctx0" brushRef="#br0" timeOffset="550626">17015 5805 9602,'10'11'-3508,"-7"5"3508,13 13 0,-14 2 0,4-5 0</inkml:trace>
+  <inkml:trace contextRef="#ctx0" brushRef="#br0" timeOffset="550890">18215 5739 10051,'-57'0'0,"26"18"180,-17-14-90,43 28 0,-43 9-90,42-1-315,-7-2 0,1 0-494,12 4-1,10-4 1,1 0-361,-6 6 956,14-16 0,-1 0 0,-14 5 0,12-1 0</inkml:trace>
+  <inkml:trace contextRef="#ctx0" brushRef="#br0" timeOffset="551056">17997 6114 9422,'-10'-23'-90,"3"1"0,7-11 0,23 10-90,-17-8-630,51 8 361,-36 8-811,41 1 1260,-33 10 0,9 2 0,-14 2 0</inkml:trace>
+  <inkml:trace contextRef="#ctx0" brushRef="#br0" timeOffset="551205">18338 6008 8522,'0'13'1439,"0"-3"-1259,0 0-270,0-3 180,0 8-90,0-2-539,0 14-91,0-10-719,0 15 269,19-12 1080,-15 5 0,29-8 0,-15-1 0</inkml:trace>
+  <inkml:trace contextRef="#ctx0" brushRef="#br0" timeOffset="551376">18272 5969 10411,'-18'-19'810,"8"4"-810,-7 3-360,11 1-2968,-5 5 3328,25 0 0,8 22 0,17 5 0</inkml:trace>
+  <inkml:trace contextRef="#ctx0" brushRef="#br0" timeOffset="551710">18552 6096 9152,'3'11'539,"-1"-3"-449,2 9-180,-1-7 90,5 10-179,-4-7-361,5 2-180,-1-1 450,-1-5-359,6 3 539,-7-9 180,4-1-180,-3-2 90,1-22 270,4-4 179,-2-14-89,2 6 270,0-2-450,-5 12 719,6-7-539,-10 21-270,4 1-90,-4 9 90,2 0-90,1 0 90,2 20-180,1-15 90,1 35-720,8-10 91,-3 8-721,13 12 901,-11-24-91,6 4-90,-8-19 630,2 0 0,-3-9 0,0 3 0</inkml:trace>
+  <inkml:trace contextRef="#ctx0" brushRef="#br0" timeOffset="551858">19015 6108 9152,'2'-22'1349,"0"-10"-1349,1 29 720,-2-16-630,1 18-90,-1-4 89,4 5-89,-2 16-89,5-12 89,0 27-360,3-28-1619,6 31 989,-2-10 990,11 15 0,-9-16 0,4-8 0</inkml:trace>
+  <inkml:trace contextRef="#ctx0" brushRef="#br0" timeOffset="552264">18993 5697 8612,'-4'-10'90,"3"2"180,-7 2-180,8 2-90,-3 19-90,22-12 90,-1 47 0,5-29-726,2 29 726,-22-17 0,21 0 0,-21 2 90,29 10-90,-22-12 0,23 14 0,-18-24-270,9 7 90,-12-18 90,3 2-90,-8-11 0,-1 0 90,-1-2 726,2-1-636,-1 0 0,11-17 0,-5-2 630,24-18-270,-17 1 359,18 4-539,-21 13 90,5 2-270,-9 15 0,4-4 0,-7 6 0,1 18-719,-3 4-91,-2 0-1978,-1 25 2788,-2-30 0,-2 14 0,0-22 0</inkml:trace>
+  <inkml:trace contextRef="#ctx0" brushRef="#br0" timeOffset="552606">18418 5398 11400,'-12'0'-89,"2"0"-1081,1 18-89,3 1 1259,-3 28 0,3-9 0,-2 8 0</inkml:trace>
+  <inkml:trace contextRef="#ctx0" brushRef="#br0" timeOffset="553356">13488 6812 11041,'29'15'0,"25"-12"-630,-24 26-2902,34-26 3127,-34 12 1,0 1-46,5-9 0,0-1-180,3 8 1,0 1 629,3-4 0,1-1 0,0 0 0,0 1 0,2-1 0,-1 1 0</inkml:trace>
+  <inkml:trace contextRef="#ctx0" brushRef="#br0" timeOffset="556441">14767 6883 9961,'0'-6'450,"0"1"-450,0 23 0,0 5 0,0 13 0,0-1-270,0-8-449,14 0-2250,1 17 2969,13-17 0,-14 11 0,-4-21 0</inkml:trace>
+  <inkml:trace contextRef="#ctx0" brushRef="#br0" timeOffset="556622">14665 7101 8612,'-3'-3'180,"1"0"-90,21-1-360,-15-1-180,44 0-179,-19-2-181,30-2 338,-4 0 0,4-3 1,3 1-1</inkml:trace>
+  <inkml:trace contextRef="#ctx0" brushRef="#br0" timeOffset="556980">15440 6986 8072,'-27'10'630,"-19"-7"-360,27 7-180,-34 0 0,23 0-180,-7 11 90,13-8 0,12 1 0,-7 2 0,18-2 90,-6 11-270,7-11-450,19 10 540,1-12-180,18 2 360,-19-8-90,12-3 0,-16-2 180,4-16 360,-8-5 0,-11-12-181,-17 3-448,12 8 89,-25 10 0,27 0 0,-11 28-810,35-3 90,-16 22-1528,30-4 2248,-12-14 0,-4 2 0,0-11 0</inkml:trace>
+  <inkml:trace contextRef="#ctx0" brushRef="#br0" timeOffset="557222">15572 6865 8342,'0'-8'1080,"0"3"-811,-13 0 1351,10 3-1620,-10 14 0,13 9 89,16 22-89,-12-4-858,31 4 768,-31-8-270,32 0-90,-32 1-989,27 13 900,-15-12-541,11 18 450,-12-28 630,-1 7 0,-13-21 0,5 0 0</inkml:trace>
+  <inkml:trace contextRef="#ctx0" brushRef="#br0" timeOffset="557344">15582 7207 7892,'-19'-15'90,"-5"12"0,17-31-90,-4 24-90,7-19-179,4 16-1530,25-7 1799,5 10 0,14-2 0,-3 6 0</inkml:trace>
+  <inkml:trace contextRef="#ctx0" brushRef="#br0" timeOffset="557562">15057 6868 8432,'-30'0'0,"5"0"0,7 0 90,6 0-809,6 10-181,32-7 900,-19 17 0,50-17 0,-21 7 0</inkml:trace>
+  <inkml:trace contextRef="#ctx0" brushRef="#br0" timeOffset="557722">15312 6687 7173,'0'32'-1400,"0"-5"1400,0-1 0,0-2 0,0 0 0</inkml:trace>
+  <inkml:trace contextRef="#ctx0" brushRef="#br0" timeOffset="558338">16178 6633 10141,'0'-4'0,"-12"1"-90,10 24 180,-10-2 0,12 21-180,0-3 180,0 5-90,7-7 0,1 2 0,-4 20 0,11-9 0,2-1-544,-3 5 454,5 11 90,-8-28 0,-3-6 0,-6-5-1015,6-3-694,-8-10 1709,0-25 0,-13-12 90,10-31-180,-9 13 180,12-15 0,0 28 360,0-5-180,0 19 389,12 7-569,5 27-90,8 11 90,1 27-180,-14-11 180,6-1-180,-5-3 0,5-14-539,10 5 449,-8-16 0,19-8 180,-14-3 0,17-22 0,-19-7 0,4 2 90,-12-30 0,-6 34 449,-3-35-89,-5 31 0,-21-7-360,15 14 90,-31 4-180,21 6 0,-4 21 0,8 9 0,11 20 0,0-6 0,0 0-450,0-12 0,0 0 0,23-3-359,-17-1-270,38-5 1079,-27-7 0,19 2 0,-7-5 0</inkml:trace>
+  <inkml:trace contextRef="#ctx0" brushRef="#br0" timeOffset="558540">16910 6929 9422,'0'34'180,"0"4"-180,0-8-90,16 3-270,-13-8-270,30 0-89,-29 1-91,31-3 810,-21 0 0,16-3 0,-8 0 0</inkml:trace>
+  <inkml:trace contextRef="#ctx0" brushRef="#br0" timeOffset="558742">16750 7137 7982,'46'0'-1259,"-7"-15"1259,7 11 0,-7-27 0,1 12 0</inkml:trace>
+  <inkml:trace contextRef="#ctx0" brushRef="#br0" timeOffset="559026">16473 7042 9062,'-10'-13'1439,"5"-1"-899,0-16-360,25 4-180,-16 4-90,31 5 180,-31 7-90,30 5-90,-11-2-180,10 6-270,-4-2-809,2 3 449,-9 17 900,16-13 0,-18 28 0,7-12 0</inkml:trace>
+  <inkml:trace contextRef="#ctx0" brushRef="#br0" timeOffset="559189">16955 6665 8882,'0'-9'450,"-15"4"-1170,11 20-179,-10 11-271,14 12 1170,0 3 0,0-5 0,0 1 0</inkml:trace>
+  <inkml:trace contextRef="#ctx0" brushRef="#br0" timeOffset="559758">18018 6828 8972,'-53'-4'270,"12"0"-180,0 4-90,17 0 0,0 0 0,2 16-90,9 0 180,3 17-180,10-2 180,24 3-90,1-7-180,23 5 270,-24-14-90,9 2 90,-29-6-180,10-4 0,-5 1 90,-7-4 0,7 0-360,-9-2-1349,-17 1 1439,-4-2 270,1-18 90,20-4 90,25-11-180,11 13 0,14 0 90,-18 7 90,8 0 90,-4-9-270,-11 12 90,10-14-90,-25 9 0,8-8 0,-17 6 0,5-4 90,-6 4 89,0 0-89,-18 0 270,13 2-180,-13 1 0,-3 3 180,2 0-360,-16 4 0,12 0 0,10 20 0,5 3 0,8 22-270,17-10-180,-13 1-359,31 1 179,-8-11 630,24 10 0,-8-22 0,0 0 0</inkml:trace>
+  <inkml:trace contextRef="#ctx0" brushRef="#br0" timeOffset="560072">18405 6848 8432,'-16'-7'450,"4"4"-540,12-7 270,0 8 0,0-2-180,0 22 90,0 2-90,17 25-90,-12-12 180,13 3-90,-4-10-90,-11-2 180,11-1 449,-4 3 91,-8-9-720,12 2 90,-12-31 0,2-12 0,-4-15 0,0-6 0,0-18-90,16 14-939,-16 5 1,3 0 398,29-6-179,-28-11 137,22 27 222,-23 7-629,14 6 1079,-15 8 0,12 7 0,-6 3 0</inkml:trace>
+  <inkml:trace contextRef="#ctx0" brushRef="#br0" timeOffset="560430">18765 6759 10231,'-11'-8'900,"8"-3"-810,-8 32-90,11 1 0,17 19 0,-13-3 90,28-8-90,-28-2 0,30-1 0,-29-4 0,33-4-180,-23-9-90,25 4 180,-17-12-360,5 6 180,-10-8-90,-1-15-449,5-6 359,-8 2 180,3-19-269,-8 10 269,-5-8-900,0-8 1170,-4 22 0,0-5 0,0 11 0</inkml:trace>
+  <inkml:trace contextRef="#ctx0" brushRef="#br0" timeOffset="560689">19243 6820 11850,'0'39'-2428,"14"3"1618,-11-9-629,23 6 629,-9-25 810,-1 13 0,12-25 0,-10 9 0</inkml:trace>
+  <inkml:trace contextRef="#ctx0" brushRef="#br0" timeOffset="560840">19283 6567 10321,'-17'-22'270,"-6"3"-990,21 1-2608,-13 8 3328,13 17 0,20-6 0,12 14 0</inkml:trace>
+  <inkml:trace contextRef="#ctx0" brushRef="#br0" timeOffset="561055">19670 6763 11400,'-24'-11'630,"-11"8"-630,21-8 0,-4 32-90,-2-16-180,17 35-359,-13-22-181,14 16 1,-4-6-990,6 12 449,0-12 1350,21 8 0,-15-15 0,15-2 0</inkml:trace>
+  <inkml:trace contextRef="#ctx0" brushRef="#br0" timeOffset="561361">19752 6991 8882,'17'-14'0,"8"0"0,-3 6-90,31-5 0,-46 6 0,52-9 180,-52 7-90,30-6-90,-34 4 90,13-1 0,-15-2 0,3 0 0,-4-2 180,0-1 450,-19-6-181,-2 5-179,-17-7-90,18 13 270,-7 0-450,14 9 0,-2 17 0,5 8-450,10 10-629,0 2-1350,19 8 2429,-14-10 0,34 12 0,-14-14 0</inkml:trace>
+  <inkml:trace contextRef="#ctx0" brushRef="#br0" timeOffset="562105">20285 6736 9871,'-5'0'180,"-1"0"180,3 0-360,0 0 90,1 18 0,1 3-180,-1 23-360,2-12-179,20 11 359,6-21-360,24 4 450,-8-12-90,2-7 90,2-2 180,-9-5 0,16-19 0,-25 1 180,5-22 90,-20 22 540,-4-15 179,-6 16-269,-20-14-630,12 9-90,-26 5 90,28 28-180,-11 2-180,14 22-90,14-19-270,8 7 361,21-21 269,-8 7-90,3-9 180,-13 0-90,8-17 0,-10 12 539,5-26-89,-18 12 450,1-12-721,-11 4-179,3 5 0,-3 28-1439,0 11 270,0 28-630,17 0 1799,9-8 0,11-14 0,1-15 0</inkml:trace>
+  <inkml:trace contextRef="#ctx0" brushRef="#br0" timeOffset="562422">21305 6661 8972,'-42'0'1169,"-7"0"-1079,18 0 0,-3 16-90,17-2 90,8 16-270,9-7 180,24-9 0,-18 2-90,35-14 90,-21 6 90,14-8-90,-5 0 0,-13-18 270,1 0 180,-15-16-630,4 9-720,-6 4-359,0 28-360,0 7 1619,18 27 0,-13-21 0,12 0 0</inkml:trace>
+  <inkml:trace contextRef="#ctx0" brushRef="#br0" timeOffset="562640">20973 6087 10141,'0'-17'90,"19"0"-90,-15 7-90,33 1 180,-13 5-180,18 2-539,-17 20-361,5-13-179,-27 43 1169,8-24 0,-11 29 0,0-11 0</inkml:trace>
+  <inkml:trace contextRef="#ctx0" brushRef="#br0" timeOffset="563247">21940 6352 11400,'-9'-3'90,"4"0"270,1 3-180,3 19-90,0 7-90,19 13 0,-14 4 90,14-6-180,-5 2 180,-9 2-90,9-2 0,-1 0-90,-9 8 90,18-13 0,-18 11-90,11-25-180,-13 0-359,3-14-900,-1-2 1169,-3-21 360,2-10 0,-2-10 0,0-19 0,0 22-344,16-13 614,-12 20-1,25 5-179,-26 4 270,24 9 180,-12 2-180,12 7-270,-13 21 179,3 6-89,-15 10 344,4 1-524,-6-1 0,0-9 90,-17 14-180,-1-21-1169,-18 2 449,18-11-1438,-14-6 2248,14-1 0,-10-26 0,4-4 0</inkml:trace>
+  <inkml:trace contextRef="#ctx0" brushRef="#br0" timeOffset="563523">22417 6589 8612,'4'17'810,"4"-13"-361,-6 27-269,3-15 0,-2 16-90,-2-7-180,1 6 180,-2-11-90,1 4-90,0-1 0,2-7 0,1 5 90,-2-11 0,2-1 0,-2-6-90,0-18 90,0-7-270,-1-9-89,0-4-811,0-9 451,0 9 719,0-23 0,0 25 0,0-9 0</inkml:trace>
+  <inkml:trace contextRef="#ctx0" brushRef="#br0" timeOffset="563856">22772 6624 10951,'-34'0'0,"-2"0"0,18 16 0,-16-12 0,30 26 0,-25-27 0,26 29 0,-16-10 0,17 9 0,-4 3-360,23-15 450,5 3 0,22-14-90,2-2 0,-1-6 0,-17-16 90,-2 12-90,-24-29-270,6 17-989,-32-15-720,3 9 1979,-23 5 0,14 5 0,1 3 0</inkml:trace>
+  <inkml:trace contextRef="#ctx0" brushRef="#br0" timeOffset="564062">22882 6643 11131,'0'34'-1619,"20"4"899,-15-10 90,32 1-89,-33-9-181,32-1 900,-21 0 0,18-3 0,-7 0 0</inkml:trace>
+  <inkml:trace contextRef="#ctx0" brushRef="#br0" timeOffset="564272">23378 6559 10231,'-38'-7'90,"4"2"-90,17 20 0,-5-12 0,19 28 0,-20-27-180,12 48-449,-3-31 89,0 30-629,9-15 629,-3-11-899,2 11 1439,2-20 0,0-2 0,1-10 0</inkml:trace>
+  <inkml:trace contextRef="#ctx0" brushRef="#br0" timeOffset="564440">23123 6594 8882,'-1'-21'1349,"1"-3"-1169,0 11-90,20 17-90,0 16 0,25 29-360,-14-7-449,3 7-720,5 1-767,-7-12 2296,12 8 0,-13-20 0,-1-3 0</inkml:trace>
+  <inkml:trace contextRef="#ctx0" brushRef="#br0" timeOffset="564608">23773 6549 9691,'-20'-7'0,"1"4"0,-19 15 0,6 9-539,14 9-271,-8 3-179,23-4-540,-17 1 1529,18 0 0,-6-2 0,8 0 0</inkml:trace>
+  <inkml:trace contextRef="#ctx0" brushRef="#br0" timeOffset="564888">23982 6543 9512,'-25'-7'90,"6"2"-90,-22 0-90,-3 4 90,12 0 90,-8 1-180,15 16 180,5-12-720,4 26 270,7-10 180,5 15-90,4-6 90,25-2-89,2-2 179,3-7 0,12 4-180,-37-10 0,31-1 0,-32-1-270,24 2 130,-26-5 410,10 3 0,-12-6 0,0 0 0</inkml:trace>
+  <inkml:trace contextRef="#ctx0" brushRef="#br0" timeOffset="565171">24147 6759 7443,'24'-11'270,"0"-1"-270,-5 7 0,-2-5 0,-4-5 0,-7 2 90,-3-5 179,-3-6 181,-18 6 360,-8-14-451,3 14 1,-20-9-180,16 15-90,0-2-90,-7 10 90,22 1 0,-4 18 0,3-11-90,12 43-180,-4-27-450,5 27 181,22-20-91,-17 0-180,40-3-629,-11 5 1349,10-9 0,4 2 0,-12-10 0</inkml:trace>
+  <inkml:trace contextRef="#ctx0" brushRef="#br0" timeOffset="565488">24423 6574 9422,'-20'-10'269,"4"0"-269,16 5 360,0 1-360,0 19 0,15 4 0,-11 21 0,26-20 0,-27 16 180,11-18 270,-4 2 0,-8 1-181,8-33-269,-10-6 90,0-17-90,0-26 0,18 19 0,-17 5 0,2-1-438,34-6 348,-32-10-360,28 22-449,-29 5 89,24 3-1079,-10 5 1889,6 8 0,-2 3 0,-7 8 0</inkml:trace>
+  <inkml:trace contextRef="#ctx0" brushRef="#br0" timeOffset="565643">24953 6752 11940,'6'0'-180,"-2"-13"0,-4-2 0</inkml:trace>
+</inkml:ink>
+</file>
+
+<file path=ppt/ink/ink2.xml><?xml version="1.0" encoding="utf-8"?>
+<inkml:ink xmlns:inkml="http://www.w3.org/2003/InkML">
+  <inkml:definitions>
+    <inkml:context xml:id="ctx0">
+      <inkml:inkSource xml:id="inkSrc0">
+        <inkml:traceFormat>
+          <inkml:channel name="X" type="integer" min="-2.14748E9" max="2.14748E9" units="cm"/>
+          <inkml:channel name="Y" type="integer" min="-2.14748E9" max="2.14748E9" units="cm"/>
+          <inkml:channel name="F" type="integer" max="32767" units="dev"/>
+        </inkml:traceFormat>
+        <inkml:channelProperties>
+          <inkml:channelProperty channel="X" name="resolution" value="1000" units="1/cm"/>
+          <inkml:channelProperty channel="Y" name="resolution" value="1000" units="1/cm"/>
+          <inkml:channelProperty channel="F" name="resolution" value="0" units="1/dev"/>
+        </inkml:channelProperties>
+      </inkml:inkSource>
+      <inkml:timestamp xml:id="ts0" timeString="2021-07-28T05:13:44.572"/>
+    </inkml:context>
+    <inkml:brush xml:id="br0">
+      <inkml:brushProperty name="width" value="0.09071" units="cm"/>
+      <inkml:brushProperty name="height" value="0.09071" units="cm"/>
+      <inkml:brushProperty name="color" value="#FF0000"/>
+    </inkml:brush>
+  </inkml:definitions>
+  <inkml:trace contextRef="#ctx0" brushRef="#br0">1443 706 8432,'-12'-25'1799,"10"3"-1529,-21 11 0,21-4-90,-16 8 0,16-6 89,-10 4 91,7-2-270,0 4 0,-2-3-90,6 5 0,-2 0 630,1 3-630,1 18 0,0 15 0,17 26 0,2 7 45,-13-23 0,-1 0-160,7 2 1,2 3 0,-2 1-291,-3 18 0,-1-5-222,0-21 0,0 0 297,0 6 0,1 4 1,-1-7-31,4 10 90,-3 7-1332,-4-24 433,1-16 1259,-2-18-90,-3-52-180,-18-2-1078,17-2 1,-3-2 1257,-12 22 0,-2 0 135,9-25 0,3-2-41,-4 26 1,0 1-50,-1-10 0,3-1-62,7 8 1,0 2 286,-15-15-210,14 16 1,2 3 29,-8 4 270,8-1 359,0 12-629,0 8 2762,0 0-2133,16 8 585,3 0-1214,24 1-90,-8 20 0,6-15 90,12 33-90,-11-14-492,-2-3 0,1 1 492,9 15 0,-15-19 0,-1-1 0,15 10-179,-1-1-234,-4 0-576,10 10 269,-16-9-359,10 14 629,-29-19 180,-2 6 90,-14-10 90,-3 1-89,0-1 268,-29 8-89,-9-6-45,3-5 1,-3-1-867,-21 2 1090,-1 2 181,-4-7-90,16-4-225,8-2 0,0-2 972,-3-1-927,-10 0 360,10-2-360,13 0 90,-11 0-90,22 0 0,-7-14-90,16 11 1100,0-11-1100,6 4 841,4-6-841,18-8 0,-13-3 0,34 0 0,-8-21 0,10 7-1028,-11 4 1,-2-2 937,8-7 90,-13 16 0,0-2-1476,0 2 1,0 2 1565,10-15-135,-12 15 0,0 0-210,5-6 165,-5 3 180,-1 0 0,-3-4 1086,-7 9-996,-2-7 3092,-7 17-3002,-1 0 543,-19 7-723,15 3-90,-27 2 0,18 3 0,-1 24 90,-6-18 0,18 61-180,-11-34-699,11 14 0,3 4 789,-6 9 45,5-19 0,0 2-90,1 3 0,-2 0-50,0-10 0,-1 1 50,-1 25 0,-2-1-468,0-23 1,-1-1 467,-2 10 0,-1 2-495,-3-4 1,-1-2 179,2-9 0,-1 0 360,-6 16 0,-2-1 0,-4 1 0,-5 10 0</inkml:trace>
+  <inkml:trace contextRef="#ctx0" brushRef="#br0" timeOffset="1129">2600 1394 7443,'20'-18'809,"-15"-28"-629,21 22 0,4 0-634,-19-8 0,0-3 499,21-17 0,1-1-598,-16 18 0,-2 0 508,5-13 0,0-1 225,-3 0 0,-2 2-90,-3 11 0,-1-1 134,3-20 1,-2 1 275,-3-2-410,-5 16 0,-1 1-180,-3 3 90,0-2 180,-20 23-90,-1 8 393,-21 31-393,22 3-90,-20 28 45,32-13 0,1 2-45,-11-8 0,0 3-86,11 7 0,4 5 0,0-3 131,-4-2 0,1 1-45,3 3 0,3 5 0,3-5 0,7-5 0,0-2-45,-10 12 0,5-3 90,16-19 0,2-3-135,-2 26 52,24-10-97,-18-21 0,-1-2-135,18 5-90,-9-14 1,1-3 179,6-5 90,8-22 0,-18 14 90,-7-41 90,-2 24-90,-2-41 90,-8 25 359,-3-25-89,-8 31-180,-2-5-270,0 15 180,-18 12-90,13 18 0,-13 14 1372,18 19-1822,0-2-224,22-6-135,0-15 359,21-9 450,-6-32 270,-7-5 269,-11-22-269,-9 6 90,-10 7-360,-16 37 90,13 10-180,-13 27 90,16-5-180,17-6-90,4-11 180,18-7 90,1-9 90,-7-17 90,1-5 180,-12-17-90,-3 4-90,-9 6-180,-7 31 0,17 10 0,1 10-90,22-7 0,-10-15 180,0 0-90,-9 0 0,-3-15 0,-1 11 90,-4-28 359,0 10 91,-8-16-270,-1 8-270,-7 28-360,0 15-90,0 29-1528,0 7 718,15-10 1260,-11-4 0,24-16 0,-12-2 0</inkml:trace>
+  <inkml:trace contextRef="#ctx0" brushRef="#br0" timeOffset="1345">3377 831 8162,'-2'-9'90,"0"0"0,2 3 180,0-3-90,0 2-90,21 0 0,-16 1-630,32 3-539,-22 26-450,4-2 1529,-7 23 0,-12-5 0,0 3 0</inkml:trace>
+  <inkml:trace contextRef="#ctx0" brushRef="#br0" timeOffset="1846">4163 1240 9062,'-37'0'90,"14"17"-90,10 0-180,13 18-270,22-7-90,8-11 271,24-6 179,-10-11 90,-4 0 269,-7-17 91,-8-5 450,-5-17-360,-11-1-450,-9 6 90,0 8 629,-16 12-719,12 29 0,9-9 0,1 44 0,34-25-311,-36 27 311,37-10 0,-35 2 0,34-2 0,-35-2 90,30 11-90,-22-16 0,4 15-90,-8-26-450,-9 8-360,-21-19 91,15 1-1080,-56-9 1889,36-3 0,-36-17 0,26-4 0</inkml:trace>
+  <inkml:trace contextRef="#ctx0" brushRef="#br0" timeOffset="2003">4432 611 9422,'-15'20'-90,"11"17"0,-11-19-2519,1 38 2609,11-17 0,-11 16 0,14-13 0</inkml:trace>
+  <inkml:trace contextRef="#ctx0" brushRef="#br0" timeOffset="2185">4988 1208 10591,'-14'3'-60,"11"0"0,-11-3 0</inkml:trace>
+  <inkml:trace contextRef="#ctx0" brushRef="#br0" timeOffset="2305">5058 1425 11940,'0'4'-90,"-17"-1"0,12-2 0,-13-1 0</inkml:trace>
+  <inkml:trace contextRef="#ctx0" brushRef="#br0" timeOffset="5747">6512 1124 11490,'0'-50'180,"20"8"-180,-14 1 0,14 6 90,-20 0 0,17-3-90,-13 4 90,12-1-90,-6 4 90,-8 3-180,8 4 90,-10 5 0,0 5 0,0 4-90,0 4-449,0 21-271,0 6-89,0 14-91,0-1-899,0 13 933,0-9 891,0 18 0,0-13 0,0 3 0</inkml:trace>
+  <inkml:trace contextRef="#ctx0" brushRef="#br0" timeOffset="5880">6450 1414 10231,'-10'5'1080,"19"-18"-1080,28-14 0,10-12-1530,-1 5 0,2-1 990,-14 12 1,1-2 539,6-3 0,5-3 0,-3 3 0,-1 3 0,-2 0 0,15-7 0,-1 0 0</inkml:trace>
+  <inkml:trace contextRef="#ctx0" brushRef="#br0" timeOffset="8696">7812 655 10591,'0'-7'1619,"0"0"-1349,-14 4-180,10-1-90,-10 17 0,14 12 90,0 12-90,0 8 0,7-12 0,0 0 0,-3 20-361,11-16 1,0 0 360,-11 15 0,12-2 0,-7-4 0,-7 10 0,7-19 0,-9 12 0,0-29-90,0-1 0,-18-15 0,13-24 0,-27-1 45,28-11 0,4-3 45,-24-17-291,22-1 1,2-3 290,-5 20 0,0-2 0,9-13 0,3-6 0,-1 6 0,-4 12 0,1 0-30,5-5 0,4-4 0,1 8-84,9-6 159,-4 15 0,3 5-45,11 5 180,-1 3-180,-1 14 0,-6 22 0,15 16 0,-17 10 827,5 9-738,-10-8-178,-2 3 89,-4 3 0,-7-14 0,-1 1-360,1 20-180,-2-10 0,-4-1-269,-15 7 404,16-19 0,-3-2-224,-33 11-1,32-3 90,-38-3-179,8 8 359,-11-17 405,14-9 0,0-3 45,-7-6 180,-12-1-90,15-9-1,4-1 36,1-20-215,5 15 90,4-32 0,5 32 0,6-45 0,6 30-90,23-38 0,-13 26-45,27 3 0,7 2-2026,-3-7 1666,3 11 0,2 1 405,17-7 0,2 3 0,-29 13 0,1 1 0</inkml:trace>
+  <inkml:trace contextRef="#ctx0" brushRef="#br0" timeOffset="9029">8500 1186 7713,'-18'3'359,"4"0"-449,31-1 180,10-18-180,-5-3 180,29-1-90,-14-21 0,12 25 135,-19-5 0,-4-2 45,1 4 0,-3-3 90,-8 8-180,-14 2 0,7 0 449,-9 0 1,-26 5 0,-6 0-540,-26 22 0,13-12 0,16 31 0,-4-29 90,18 46-90,-7-31-270,12 36-270,29-31-1439,8 11 540,-3-19 1439,30-2 0,-30-7 0,28-4 0</inkml:trace>
+  <inkml:trace contextRef="#ctx0" brushRef="#br0" timeOffset="9246">8543 831 8432,'-10'-16'90,"-5"0"90,14-2-180,-6 2 90,31-2-180,-18 8 90,39 0 0,-16 7 90,12 1-360,9 2 0,-19 20-989,9 1 360,-17 3 899,-7 10 0,-4-29 0,-6 14 0</inkml:trace>
+  <inkml:trace contextRef="#ctx0" brushRef="#br0" timeOffset="9399">8918 604 7713,'22'-4'269,"-3"21"-448,0 14-361,-7 14-450,0 6 990,-5-8 0,1 5 0,0 1 0</inkml:trace>
+  <inkml:trace contextRef="#ctx0" brushRef="#br0" timeOffset="9713">9847 906 9332,'-29'-11'539,"-18"-3"-539,40 7 270,-45-4-360,30 7 90,-25 0 0,5 2 0,11 2 0,-5 19 0,24 2 0,2 22 0,36-9 0,4 11 0,2-19 0,15 15 90,-23-22-90,4 7-90,-10-15 90,-18 6-90,0-9-449,-29 2-1260,-10-1 629,-15-3 1170,1-1 0,19-2 0,1-3 0</inkml:trace>
+  <inkml:trace contextRef="#ctx0" brushRef="#br0" timeOffset="10529">10235 913 8612,'-17'-11'360,"-8"4"-360,9 4 0,-6 3 90,0 0 0,9 0-90,0 21 0,2-15 0,2 47 90,4-32-180,1 37 180,4-29-180,23 5-90,2-10 180,26-12-90,-14-1 90,1-11-90,-4-18 180,-10-14-90,4-27 0,-11 3 45,-12 5 0,-1 0 315,4-7-1,-17 4 1,-3 0 0,7 5-135,-12 14 0,-3 2-225,2-1 0,-1 0 180,-5 17-180,21 26 180,-7 20-180,10 16 0,0 14-116,0-7 116,9-10 0,5 1-230,-2-10 1,3 1 184,10 21 0,3-1 0,-7-24 0,0-1-180,5 13 0,0-2-45,7-2-269,6 2-579,-3-24 759,-11-7 89,13-5 270,-17-23 90,6-8 0,-14-10 0,1 0 733,-8 2-733,-3 4 1272,0-1-1272,-3 34 46,0 12-136,0 29-180,20-7-90,0-14-809,18 1 629,-5-21 180,-7 7 270,-2-9-90,-8-15 270,3-5-90,-5 0 450,1-15-90,-8 14-270,-2-15 179,-4 8-359,-1 29-89,0 15-91,0 17-1170,14 13-359,-10-17 1709,28 11 0,-28-26 0,14 0 0</inkml:trace>
+  <inkml:trace contextRef="#ctx0" brushRef="#br0" timeOffset="10997">11140 966 8702,'2'-8'1079,"2"1"-899,2 7-180,6 17 90,-2-12-90,10 28-90,-8-11 180,5 8-90,-6-10-180,0 6 180,-2-23-539,6 22 179,-6-22-270,9 6 540,-7-9 0,9-19 90,-8 14 0,9-32 90,-10 17-90,3-2 360,-6-5-180,-1 24-180,0-8 90,-3 11 90,2 23-270,0-17 90,2 37 90,0-27-180,3 18 90,2-10-450,13-2 180,-2-1-269,21-10 269,-17-1 90,19-25 180,-22 12 90,3-30 449,-12 5 91,-10-11 450,-1-11-721,-5 18 181,-17-12-450,12 21 360,-31-1-360,19 16 0,-4 24-270,9 14 180,12 12-450,0 2-360,0-8 1,25 0-91,-19-1-1004,41-3 1904,-29-3 0,18-3 0,-10-2 0</inkml:trace>
+  <inkml:trace contextRef="#ctx0" brushRef="#br0" timeOffset="11196">10922 1688 9871,'-9'11'-90,"0"-1"-3058,7-4 3148,17-4 0,-11-14 0,13-5 0</inkml:trace>
+  <inkml:trace contextRef="#ctx0" brushRef="#br0" timeOffset="11913">12475 1004 9602,'-1'-39'1259,"0"0"-720,1 4-179,0-1-180,0 6 0,0 2-90,0 6 0,0 6-180,-15 3 180,-1 6-270,-17 20 180,3 15-180,12 11-145,-7 5 235,23-4 90,-7 0-179,9 1 268,18 17-89,-14-16-45,22-8 1,5-1 44,-8 1 0,5-12 0,0-1 0,3 2 0,-2-1-90,-4-5 0,-1 1-90,-11-7-180,-3 1 180,-10-7-395,-20-2-54,-4-2 359,-16-1 180,6-14 90,15-2 0,8-16 90,34 16-90,-17-15 0,48 18 90,-6-22-90,14 15 45,-18 4 0,-1 1-45,9-1 45,-11 2 0,0 1 45,2-1 89,-11 1 1,-2 1-180,-2-2 0,2-3 270,-17 2 0,-8 3-270,0-6 270,-25 8 180,-4-5-360,-1 9-90,-19 1-90,24 4 270,-19 1-180,11 0 0,-2 19 0,15 5-180,-7 24 0,20-11-270,-4 1-539,35-12-361,-21-3-359,55-2 1604,-35-4 1,32-8-1,-13-4 1</inkml:trace>
+  <inkml:trace contextRef="#ctx0" brushRef="#br0" timeOffset="12229">13317 924 9512,'-15'-3'90,"-7"1"89,15 0-179,-10 2 90,4 0 0,-1 0-90,2 17 0,0-13 0,-2 28 0,5-8 0,0 19-90,8-6 180,22 19-180,1-27 180,19 19-180,-21-28 180,8 7-90,-25-15 90,19 3-180,-20-10 90,7 1-629,-9-3-2070,-19-2 2699,-4 1 0,-1-2 0,7 0 0</inkml:trace>
+  <inkml:trace contextRef="#ctx0" brushRef="#br0" timeOffset="12529">13605 930 9602,'-21'-3'1079,"-2"0"-1079,-21 21 0,7-1-90,14 19 90,8-7 0,15 4 0,28-9 0,-6-3 90,25-8-90,-10 1-90,-4-3 90,4 0 90,4 3 90,-12-4-90,5 7-90,-24-9 0,0 13 0,-10-11-810,-25 16-269,-5-13-1350,-25 10 2429,25-11 0,-11-1 0,19-7 0</inkml:trace>
+  <inkml:trace contextRef="#ctx0" brushRef="#br0" timeOffset="12679">13830 1109 8342,'8'14'180,"-1"4"-450,-7 19-90,0-7-89,0 1-271,0-9 720,0-3 0,0-9 0,0-2 0</inkml:trace>
+  <inkml:trace contextRef="#ctx0" brushRef="#br0" timeOffset="12831">13768 746 8432,'-7'-15'-809,"5"3"179,-5 5 630,7 4 0,0 2 0,0-1 0</inkml:trace>
+  <inkml:trace contextRef="#ctx0" brushRef="#br0" timeOffset="13129">14137 1068 10051,'0'7'270,"-17"1"-270,13 0 0,-12 8 90,5-2-180,8 14 180,-8-9-180,11 5 90,18-2 90,-14-7-270,30 5 360,-12-11-270,13-3 90,-4-4-180,-15-20-539,-6 1 89,-10-17-1259,-19 5 1889,1 12 0,-4-2 0,8 10 0</inkml:trace>
+  <inkml:trace contextRef="#ctx0" brushRef="#br0" timeOffset="13462">14403 1070 8972,'5'26'540,"0"-11"-450,-3 9-90,1-12 0,0 13 89,0-2-89,2 0 0,1 11-89,0-10 89,1 6 0,0-13 0,-1-4 0,1-1 0,4-6-90,-3-1 180,8-20-180,-5 12 90,9-50 90,-7 27 179,3-35 451,-6 5-450,-2 15 0,0-18 719,-5 33-1079,-2 26 180,-1 15-180,17 30-675,-16-12 1,2 1-1125,32 23 1609,-33-18 1,0 1 0,15-10-1,2-2 1,4 30 0</inkml:trace>
+  <inkml:trace contextRef="#ctx0" brushRef="#br0" timeOffset="13946">15637 1116 11131,'-40'-1'90,"18"17"-270,-10-12 90,28 32-180,-24-19-360,25 17-1529,-10 7 990,13-11 1169,0 10 0,25-17 0,7-2 0</inkml:trace>
+  <inkml:trace contextRef="#ctx0" brushRef="#br0" timeOffset="14362">15863 813 8432,'-18'-40'1259,"13"0"-809,-33 3-90,19-9-360,-4 18 0,0-10 899,21 26-809,-6 23-90,25 7 0,-12 25-382,31-4 382,-31 8-324,15-21 1,1 0 413,-15 32-135,15-28 0,0 0 45,-6 31 0,-1-30 0,2-1 0,-2 10 0,-3-1 0,1 16-175,2-18 0,-1-2 175,-6-4-19,10 2-341,-12-21 703,-1-22-432,-1-11 733,-1-1-644,6-34 0,-2 35 0,5-28 479,-3 26-389,1 11-68,0-8-22,5 18 0,-1-9 90,7 11-180,-4 23 180,10 5-360,-9 14-1451,7-1 372,-5-8-180,1 0 1503,3-1 0,1-4 0,1-1 1</inkml:trace>
+  <inkml:trace contextRef="#ctx0" brushRef="#br0" timeOffset="14629">16608 1075 10051,'-49'-13'2069,"1"6"-1889,6 1-180,8 22 0,16 5 0,9 17 0,29 0-90,8-3 90,11-15 0,3-8 0,-11-6-90,11-4-90,-12 4-180,8-19 180,-25-5-719,-30-9-90,-18 1-181,-14 13 1170,-11 5 0,26 8 0,-9 0 0</inkml:trace>
+  <inkml:trace contextRef="#ctx0" brushRef="#br0" timeOffset="14979">17102 1485 8792,'9'0'270,"0"-17"0,2 13 0,0-35 89,3 17-359,1-22-292,4 3 472,-2-4 4,3-2-4,-10 11 0,-1 0-90,4-21 224,-5 9 1,-2 1-135,-2-8 45,-2 13 0,-1 1-225,-1 1 90,0-5-90,-16 25 270,13 6-72,-13 33-108,6 19-90,7 20-422,-2-23 1,0-1 421,5 24-180,0 5 45,7-31 0,3 1-360,-1 12 0,0 0 135,1-11 1,1 1-406,3 19 1,-2-1 224,-9 5-90,9-15 1,-1 0-271,-8-1 900,7 8 0,-10-23 0,0-3 0</inkml:trace>
+  <inkml:trace contextRef="#ctx0" brushRef="#br0" timeOffset="15079">17132 1667 8522,'0'-35'-180,"0"0"90,0 6-449,18-3-1170,17-21 1709,9 11 0,-17 14 0,-1-1 0,14-10 0</inkml:trace>
+  <inkml:trace contextRef="#ctx0" brushRef="#br0" timeOffset="15245">17612 1082 9152,'-23'37'629,"-7"-18"-539,27 12-90,-8-20 0,11 12 0,0-5 0,0-1-269,21 1-361,-15-2-360,32-1-89,-33-2 1079,29-3 0,-29-2 0,13-2 0</inkml:trace>
+  <inkml:trace contextRef="#ctx0" brushRef="#br0" timeOffset="15397">17627 800 9781,'-23'-42'1170,"-12"5"-900,25 7-270,-7 5 0,2 6-1080,13 4-2518,-6 26 3598,26 12 0,-13 15 0,13 4 0</inkml:trace>
+  <inkml:trace contextRef="#ctx0" brushRef="#br0" timeOffset="15715">17958 1431 9242,'8'0'809,"1"0"-719,5-21 0,-2-10 180,12-28-270,-8 6-455,-1 13 0,1 1 455,2-14 45,-3 7 0,-1-2-45,0-11 45,-6 20 0,-1-1 135,-4 1 0,-2 1 179,0-21-224,1 21 0,-4 2 225,-15-10 0,13 3-221,-27-13 131,12 26 90,1-6-360,-7 30 0,22 42 0,-6-7-225,5 26 0,8 7-90,5-29 0,3 1-1107,-3 11 0,-2 6 1,3-6 656,1-9 0,4-2 765,14 24 0,1-1 0,-7 3 0,5-22 0,0 0 0</inkml:trace>
+  <inkml:trace contextRef="#ctx0" brushRef="#br0" timeOffset="15998">18435 1250 10411,'36'-23'450,"-17"4"-450,20-1 0,-22 2 180,21 0-180,-11-3 0,0 0 0,-1-2 180,4-11-90,-9 6-1,-2-21 1,-14 20 0,-2-10 90,-22 14 0,15 0-90,-39 4 0,9-2 90,-10 9-90,-10 3-90,18 32-90,1 12 90,17 13-343,10 3-107,8-8-989,0 1 1439,20 20 0,11-17 0,-4-15 0,0-1 0</inkml:trace>
+  <inkml:trace contextRef="#ctx0" brushRef="#br0" timeOffset="16532">19698 504 10861,'-17'-16'1439,"12"5"-989,-34 0 179,7 5-539,-10 3 90,-18 32-90,22-4-1115,6 13 0,1 6 980,13-15 0,2 2-450,-6 30 1,4 2-136,10-22 1,3 0-496,-4 13 1,10 2 1124,25-1 0,9-4 0,-12-12 0,2-1 0,9-6 0,0 1 0,0-1 0</inkml:trace>
+  <inkml:trace contextRef="#ctx0" brushRef="#br0" timeOffset="17096">19758 997 9152,'0'-7'1169,"12"2"-989,-9 21 270,17 11-360,-18 13 0,12 17-90,-9-19 0,3 20 90,-2-28-90,3 10 0,-4-28-90,9 1 0,-6-34-90,11-10-450,-6-14-225,-2 10 1,1-1-315,3-10 1169,-3 5 0,0 2 0,0-4 0,3-12 0</inkml:trace>
+  <inkml:trace contextRef="#ctx0" brushRef="#br0" timeOffset="17379">20328 1134 8432,'5'-36'1080,"-1"-7"-901,-4 10 1,0-3 0,-31-5 0,5 15-180,-32-3 0,13 20 90,9 28-90,-3 11-90,21 10 180,2 5-180,11 6-270,5-11-899,11-7 0,6-3 1259,23 1 0,-13-12 0,2-2 0,31 1 0</inkml:trace>
+  <inkml:trace contextRef="#ctx0" brushRef="#br0" timeOffset="17579">20618 1008 9242,'-51'0'180,"22"13"-180,-8-9 0,26 24 0,-7-6 0,11 8-90,7 0-180,19-6-720,6 8 451,-1-8 179,8-6 0,0-3-90,-5-1 450,11-7 0,2-2 0,-3-2 0,11-2 0</inkml:trace>
+  <inkml:trace contextRef="#ctx0" brushRef="#br0" timeOffset="17747">20865 1193 8252,'0'-36'990,"0"4"-451,0 10 181,-24 2-180,3-2-181,-23 4-269,13 4 0,2 27-180,15 17 90,4 13 90,10 6-270,0 14-179,0-12-541,9-7 1,2 1-1002,-6 7 1181,12-20 1,0 0 719,-14 9 0,11-3 0,-14-3 0</inkml:trace>
+  <inkml:trace contextRef="#ctx0" brushRef="#br0" timeOffset="18084">21010 1344 8972,'1'-6'90,"0"1"0,-1-2-180,4-1 90,4-9 0,1 1 0,3-7 0,4-10 0,-4 7 90,6-24 0,-9 18 270,2-22-1,-9 21 631,2-22-990,-4 30 449,0-9-179,0 26-90,-13 2-180,10 20 0,-10 13 0,13 7 0,9 7 0,0 0-90,-4 6-360,12 1 1,0-1-900,-12-4-1,9-11 1,3-1 1349,1-2 0,9 4 0,0-16 0</inkml:trace>
+  <inkml:trace contextRef="#ctx0" brushRef="#br0" timeOffset="18396">21447 1112 9512,'24'-5'0,"12"1"0,13 4 90,2 0-90,-14-13 0,1 9 0,-4-22 0,-3 22 0,-5-24 179,-6 8 91,-10-13-90,-3 4 180,-34 9-180,-6 8-90,-14 8 0,-10 4-90,24 20 90,-7 4-90,15 12-90,11 11-90,3-16-3238,31 29 1874,11-30 1478,13 13 0,7-26 1,-8-3-1</inkml:trace>
+  <inkml:trace contextRef="#ctx0" brushRef="#br0" timeOffset="18662">22022 985 9602,'-44'-7'269,"17"2"-179,1 3 0,23 19-180,9 6 90,19 0 0,-4 16 0,36-13 180,-48 11-180,18-15 0,2-3 90,-11 4-90,5 3 0,-10-10 90,-13-3-180,0-1 90,0 1-450,-25-4-2698,-3-2 3148,-22-4 0,24-3 0,7 0 0</inkml:trace>
+  <inkml:trace contextRef="#ctx0" brushRef="#br0" timeOffset="18912">22358 747 9871,'2'-4'1080,"0"21"-990,-2 7-180,16 28 90,-12-10-1168,24 6 1168,-25-13-180,18 1 9,-19-2-908,13 14 449,-14-13-809,5 16 450,-6-26 989,0 3 0,0-16 0,0-3 0</inkml:trace>
+  <inkml:trace contextRef="#ctx0" brushRef="#br0" timeOffset="19028">22300 1085 9602,'-5'-23'89,"4"1"-89,-5-11 0,6 9-449,0-7-1350,18 4 450,8 7 1349,-3-1 0,24 10 0,-16 4 0</inkml:trace>
+  <inkml:trace contextRef="#ctx0" brushRef="#br0" timeOffset="19545">21272 1031 10591,'0'-5'1169,"0"1"-809,0 2-360,18 1 0,-13 16 0,30-11-360,-18 43-809,3-25-675,-7 9 0,-4 4 1844,-7 6 0,7 13 0,-9-13 0</inkml:trace>
+  <inkml:trace contextRef="#ctx0" brushRef="#br0" timeOffset="20250">22763 827 10051,'-14'-6'900,"2"2"-451,12 1 91,0 20-360,0 7-90,0 13-180,0 4 180,0 9-90,0-13-90,0 23 0,0-29 0,10 17-180,-7-26-989,12 3 1169,-14-34 90,5-13 0,-6-11 0,0-4 0,15-4-90,-11 10 180,12-15-90,-3 24 0,-10-4 90,22 18-90,-14 1 0,8 7-90,-4 17 0,5 8-450,-4 9-629,16 19 450,-11-18-958,8 10 778,-6-14 899,2-6 0,2-1 0,0-5 0</inkml:trace>
+  <inkml:trace contextRef="#ctx0" brushRef="#br0" timeOffset="20597">23380 1050 9961,'-60'-11'720,"10"1"-630,5 10-180,-5 0 90,14 16 0,-9-11 0,19 31-90,13-20 90,-7 32 0,17-18-90,-7 20 90,36-24 0,-20 5 0,30-20 0,7-5 0,-10 3 0,17-4 0,2-3 90,0-2-90,-10-8 0,-1-4 180,0-11 134,-12-3 1,-5-2-45,-3-8 0,-5-13-90,-12 27-270,-21-4 180,13 12-180,-32 5 0,19 5 0,-5 23 0,-2-15-719,21 31-181,-7-14-899,28 15 1080,12-15-91,10 5 842,9-23 1,-10 13 0,3-10 0</inkml:trace>
+  <inkml:trace contextRef="#ctx0" brushRef="#br0" timeOffset="20835">23857 1151 10231,'-20'-30'1799,"-4"3"-1799,-20 7 90,5 9-90,7 5-90,14 21 180,34-11-180,18 22 90,14-23 90,15 8-90,-26-11 0,10 0-1619,-17 0-630,-40-11 2249,-34 9 0,-16-9 0,21 11 0,0 0 0</inkml:trace>
+  <inkml:trace contextRef="#ctx0" brushRef="#br0" timeOffset="21000">23223 768 9691,'15'-9'0,"1"0"0,2 4-179,27 0-541,-23 4-269,30-1-181,-15 2 1170,5 0 0,1 0 0,2 0 0</inkml:trace>
+  <inkml:trace contextRef="#ctx0" brushRef="#br0" timeOffset="21248">24063 425 9512,'5'-15'989,"0"-1"-629,1 5 269,11-4-269,-2 8 180,31-3-540,-20 28 0,26 15 0,-30 16-893,-6-3 0,-2 2 848,-8-13 0,-1 0 0,0 14 0,0 4-765,-3 7 1,-4-2-1,-7-12 1,-4 1 462,4 4 1,1 4 0,-4-6 0,-8-4-1,-2-3 1,1 13 0,0 0 0</inkml:trace>
+  <inkml:trace contextRef="#ctx0" brushRef="#br0" timeOffset="23372">25025 1035 8612,'52'0'-1619,"-1"0"402,-8-17 993,5 13 1,2-27 0,3 14 0</inkml:trace>
+  <inkml:trace contextRef="#ctx0" brushRef="#br0" timeOffset="23564">25067 1219 7623,'52'0'269,"-7"-17"-269,6 13 90,-5-29-359,1 30-451,5-28 720,-14 21 0,0 1 0,20-10 0,-20 12 0,0-1 0</inkml:trace>
+  <inkml:trace contextRef="#ctx0" brushRef="#br0" timeOffset="23815">25463 801 8072,'-48'-28'900,"17"8"-630,-4-13 90,25 17 899,4-5-989,6 14 449,20 0-719,10 6 270,9 0 0,20 17-270,-22 10 45,-6-1 0,-2 3-626,2 22 581,-12-22 0,-3 3-45,-5 4 0,-3 1-225,1 24-720,-3-7 1,-6 0 224,-10-20 1,-4 0 764,0 23 0,-3-1 0,-5-22 0,-1-2 0,1 11 0,1-1 0</inkml:trace>
+  <inkml:trace contextRef="#ctx0" brushRef="#br0" timeOffset="24595">26455 908 8522,'1'-5'1439,"0"-2"-989,0 2 90,-1-2-180,1 1-181,-1-1-89,1 1 180,-1-2-90,0 2-180,0-3-90,0 6 180,0-2-180,-18 4 90,-2 0-90,-22 17 90,10-12-180,-12 27 180,19-8-90,-4 18 90,18-8 0,5 1-90,6-10 180,0 1-90,26 1 0,12 15-90,14-10-335,-14-4 1,0 0 424,10 5 45,-3 0 0,0 0-135,-4-1-27,-8-4 1,-5-1 26,-15-7 68,-1 5-248,-12-13-1169,-24 0 540,18-6-1170,-39-2 2069,18-1 0,-12-17 0,3-2 0</inkml:trace>
+  <inkml:trace contextRef="#ctx0" brushRef="#br0" timeOffset="24930">26782 1210 8522,'0'-36'450,"18"16"-270,-13-14-90,13 20 270,-4-16-91,-11 3-179,10 7 90,-13-12-180,0 19 270,-21-2-270,-4 12 90,-1 18-90,-13-11 0,24 33 0,-7-19 0,-2 21-90,20-8 0,-16 2 180,18 0-180,-5-1-1349,29 9 270,-17-13 1169,27-10 0,7-4 0,-3 2 0,3-9 0,0-1 0</inkml:trace>
+  <inkml:trace contextRef="#ctx0" brushRef="#br0" timeOffset="25212">27417 972 8432,'-30'-11'630,"-20"3"-360,31 2 0,-24 3-181,13 2 1,2 1 0,2 0-90,-4 0 0,15 16 0,-8 3 0,21 21 0,-6-9 0,8 4 0,25-9 0,-2 15 90,6-10-90,5 20 0,-18-24 180,4 15-180,-8-22-180,-12 12-179,0-18-1890,-20 6 2249,-2-15 0,-2 0 0,8-5 0</inkml:trace>
+  <inkml:trace contextRef="#ctx0" brushRef="#br0" timeOffset="25502">27678 996 8432,'-49'0'1170,"21"12"-1081,-17-9-89,15 25 90,-12-25-180,6 25 90,23-17 0,-10 12-89,20-4 89,-9 1 89,12 2-89,0 0 0,0 3 0,20-2 0,-14 1 0,37 9 0,-11-10 90,18 11 0,-19-18 0,6 2-90,-34-9 90,13-2-90,-16-1-989,0-2 89,0-1 900,-22-2 0,2 0 0,-20-1 0</inkml:trace>
+  <inkml:trace contextRef="#ctx0" brushRef="#br0" timeOffset="25678">27925 1157 8252,'9'18'720,"-2"-14"-720,-4 28 0,-2-11-90,-1 7 0,0 2-1889,0 0 1979,0-6 0,0 4 0,0-10 0</inkml:trace>
+  <inkml:trace contextRef="#ctx0" brushRef="#br0" timeOffset="25832">27912 937 8432,'-14'-29'90,"10"1"-180,-21 4-180,22 4-359,-17 1-1,18 8 630,-7 1 0,9 8 0,0 1 0</inkml:trace>
+  <inkml:trace contextRef="#ctx0" brushRef="#br0" timeOffset="26129">28313 1130 8342,'-20'6'1080,"14"1"-91,-34 10-809,13-3-180,-17 17 0,17-12-90,-8 18 90,24-15-90,-6 17 180,9-15-90,56 18 0,-22-22 0,14-5 0,3-2 0,-7-5 90,23-3-90,-30-4-180,7-18-360,-25-4 91,-2-19-91,-30 8-809,-7-7 269,2 16 1080,-23-3 0,30 11 0,-21 2 0</inkml:trace>
+  <inkml:trace contextRef="#ctx0" brushRef="#br0" timeOffset="26486">28507 1157 8072,'6'26'720,"-1"-11"-630,-3 9 0,0-1-180,-2 6 90,0 17 0,0-18-90,0 9 90,0-15 90,0-1-90,0-6 90,0 1-90,0-7 0,0-20 0,14 8 0,-11-37 0,25 21 180,-12-38 0,0 18-1,-3 7 1,-1 1 0,-4-5-180,10-10 0,-11 26 90,-1 3-90,-5 12 90,2 5-180,1 17 90,-1 11-180,5 26-809,-1-7-226,0-13 1,1-1 1214,4 6 0,7 10 0,-4-19 0</inkml:trace>
+  <inkml:trace contextRef="#ctx0" brushRef="#br0" timeOffset="26679">29035 1470 9691,'3'-11'180,"0"4"-180,7-1-90,0 5 180,18-5-180,-6 5-2158,23-4 2248,-14 5 0,11 0 0,-11 1 0</inkml:trace>
+  <inkml:trace contextRef="#ctx0" brushRef="#br0" timeOffset="27048">29952 1010 9961,'-26'-19'720,"5"2"-720,-24 4 180,-5 1-270,9 7 90,-24-1 90,28 6-180,-10 15 90,26 3 0,3 21 90,14-9-180,4 5 180,25 4-90,9-7 0,-2-4 0,1-2 0,20 5 45,-18-6 0,-2 0 45,2 0 0,7 6 449,-20-7-629,-4-9 90,-9 8 90,-2-14-270,-28 6 180,-8-9-539,3 0-2699,-40-4 3238,33-1 0,-27-19 0,22-4 0</inkml:trace>
+  <inkml:trace contextRef="#ctx0" brushRef="#br0" timeOffset="27282">30272 947 9691,'2'-9'1080,"1"0"-990,-3 3-90,0 0 0,0 4 270,1 0-270,-1 24-90,0 33 0,0 2-653,0-17 1,0-1 652,0 13 90,16 1-1684,-12 1 874,11-3-857,1-2 678,-12-5 945,22 10 1,-24-17 0,9 6-1</inkml:trace>
+  <inkml:trace contextRef="#ctx0" brushRef="#br0" timeOffset="27478">30277 1312 9602,'-9'-22'-90,"3"-4"90,6 7-90,22-7 90,-17 12 0,35-2-450,-19 11-540,16 1 1,-1 20 359,-3 2 51,-9 2 579,0 11 0,-9-27 0,1 14 0</inkml:trace>
+  <inkml:trace contextRef="#ctx0" brushRef="#br0" timeOffset="27616">30610 1425 9512,'0'-37'0,"0"5"0,-13 2-720,9-8-90,-9 9 1,13-9-450,0 12 1259,0 1 0,0 2 0,0 0 0</inkml:trace>
+  <inkml:trace contextRef="#ctx0" brushRef="#br0" timeOffset="27932">30810 1203 8162,'-6'0'180,"1"0"-90,0 0-180,2 0 90,-2 0-90,2 0-90,-1 0 90,1 0-89,-1-10-271,1 7 450,1-7 0,1 10 0,0 0 0</inkml:trace>
+  <inkml:trace contextRef="#ctx0" brushRef="#br0" timeOffset="28429">30672 1147 8972,'-9'0'719,"-8"-7"-449,4 5 180,-16-5-360,14 7 270,-17 0-180,15 18-90,-12 0-90,12 3 0,-3 12-180,5-7 270,6 9-90,2 14-90,6-20 180,23 17-90,-17-23-90,41 5 180,-40-13-90,43-4 0,-29-3 90,20-2-180,-5-3-90,-7-1 270,-7-16-90,-10-4 0,-11-16 0,-17 15 90,13-12-180,-27 14 0,28-10 90,-20 8 0,21 27-1080,9 7-809,14 23 1889,10-2 0,-2-1 0,-7-1 0</inkml:trace>
+  <inkml:trace contextRef="#ctx0" brushRef="#br0" timeOffset="28746">30867 1333 10051,'-17'-16'1080,"12"1"-1170,-12 2 90,17 24 0,0 8 0,0 16-90,0 1 90,0-10 90,0 1-180,0-2 270,0-2 179,0 2-179,0-7-180,8-3 0,-5-26 0,10-13 0,-8-12 0,4-4 0,2-11 0,-3 11-270,0 5 1,-1 0-451,3-1-1079,4-18 720,-7 31-360,3-2 1439,-4 18 0,3 1 0,2 3 0</inkml:trace>
+  <inkml:trace contextRef="#ctx0" brushRef="#br0" timeOffset="29078">31222 901 11041,'0'-8'989,"0"2"-989,0 25 90,0 10-90,0 17-45,0-12 0,0 1 45,0 11 0,0-4 0,0 1-682,0 8 592,0 16-809,14-7 89,-11-16-135,10-11 1,-1-2 315,-10-1-554,12 11 643,-13-26 540,3 2 0,-4-12 0,0-3 0</inkml:trace>
+  <inkml:trace contextRef="#ctx0" brushRef="#br0" timeOffset="29186">31252 1577 9152,'0'-41'1709,"-11"17"-1529,8-22-270,-8 28 180,11-24-90,0 20 0,0 2-180,15 0-630,3-5 91,1 7-1620,12-3 2339,-10 14 0,7 2 0,0 4 0</inkml:trace>
+  <inkml:trace contextRef="#ctx0" brushRef="#br0" timeOffset="29495">31855 766 12210,'0'-16'540,"-18"1"-540,14 2 90,-25 3-90,18 24 0,-2 1-90,-1 26 180,13-2-1185,-4 8 1095,5 6-90,0 5-315,-2-15 1,4 1-46,7-12 0,3 1-899,0 21 0,2-2-180,13 2 1529,-4-19 0,0-2 0,-4 3 0,22-3 0</inkml:trace>
+  <inkml:trace contextRef="#ctx0" brushRef="#br0" timeOffset="29728">32253 846 11490,'0'-23'0,"0"1"0,0 0 0,0 7 180,21 2-90,0 10-90,19 20 0,-10 17 45,-19-3 0,-4 3-135,3 29-74,-9-28 1,-2 1 163,3 4 0,-4 0-180,-21 22-450,10-9 1,-4-1-136,-3-23 1,-2-1 764,-7 17 0,2-1 0,-5 2 0,10-18 0,1 0 0</inkml:trace>
+  <inkml:trace contextRef="#ctx0" brushRef="#br0" timeOffset="38667">6432 3213 10231,'-18'-12'-270,"-7"9"270,22-20-90,-15 20 0,17-14-179,-9 6-181,9-3 450,-2-2 90,3 1-180,0 2 0,0-3 180,0 3-180,14 1 90,-10 1 90,10-1-180,-14 5 90,10 2 180,0 4-90,10 19-90,-6 4 0,-2 11 90,-4-1 90,-4 6-180,-3-8 90,0 21-180,-1-22 90,0 7 0,0-15 0,-21 0 0,15-1 0,-15-3 0,2 0 0,15-5 0,-28 4-180,18-7-180,-9 3 90,4-9 270,4 0 0,4-3 0,2 0-90,4 0 360,1 0-270,26 0 0,1 0 0,29 0 0,-13 0-1709,19 0 1709,-21 12 0,14-10 0,-15 10 0</inkml:trace>
+  <inkml:trace contextRef="#ctx0" brushRef="#br0" timeOffset="38965">6698 3308 9152,'33'16'1079,"1"-12"-989,-8 27-90,-9-11 0,-7 10-90,-10 1 180,0-4-809,-26 22-1,2-7-791,0-13 1,-3 0 925,3-5 1,0-2 584,-3 3 0,-2-1 0,-2 1 0,0 0 0,-2 0 0,0 0 0</inkml:trace>
+  <inkml:trace contextRef="#ctx0" brushRef="#br0" timeOffset="41377">7492 2700 9602,'0'-15'1349,"0"2"-989,0 3 359,0 3-179,0 3-540,20 2 0,2 1 90,3 16-180,20-11 180,-21 29-558,25-17 378,-9 19-270,1-2 0,0 6-1077,-1 4 628,0 3-91,-2 1-269,-3 0 0,-3-1 861,-2-1 1,-4-5 0,-1 0-1</inkml:trace>
+  <inkml:trace contextRef="#ctx0" brushRef="#br0" timeOffset="41594">7978 2634 9422,'-25'0'719,"-17"23"-629,7-2-45,3 11 0,-1 5-1048,-8 14 958,6 0 0,1 2-579,14-19 1,3 0 173,-7 10 1,3 1-1080,6-3 0,4-2 1529,-3 19 0,8-23 0,1-2 0,5 10 0</inkml:trace>
+  <inkml:trace contextRef="#ctx0" brushRef="#br0" timeOffset="41944">8360 3030 10141,'-44'-2'450,"-2"20"-360,6 5-90,3 20 0,17-11 0,9-1 90,11-12-180,0 0 0,0-3 90,20-6-90,-14 5 90,39-13-90,-24 7 90,21-9-90,9 0 0,-13-19-646,11 14 736,-19-36 90,-5 24-180,-12-19 180,2-5-180,-14 10 65,-20-20-64,13 25-271,-44-10-360,20 24 90,1-3-1438,-16 14 2068,29-2 0,-8 18 0,13 5 0</inkml:trace>
+  <inkml:trace contextRef="#ctx0" brushRef="#br0" timeOffset="42297">8925 3061 8882,'-26'10'90,"-15"-7"-90,18 21 0,-13-11 0,16 13 0,9-6-270,37-1 90,7-10-90,30-2 270,-11-7-90,11-15 180,-28-5 450,10-19-90,-26-1 89,-4 7-269,-11 0 90,-24 14-360,-5 5 0,-16 29 0,16 14-1079,10 26 89,15-11 990,0 10 0,26-24 0,6 6 0</inkml:trace>
+  <inkml:trace contextRef="#ctx0" brushRef="#br0" timeOffset="42483">9040 2521 9961,'-30'0'0,"2"0"0,1 18-90,4-13-629,2 34-541,6-19-179,5 22 1439,5-5 0,4 5 0,1 1 0</inkml:trace>
+  <inkml:trace contextRef="#ctx0" brushRef="#br0" timeOffset="42829">10068 3209 8432,'-15'-50'0,"2"9"45,12 8 0,2-1 315,-1-11-90,0 7 0,0-1-90,0-6 269,0-11 1,0 8-360,0 16-90,0-12 0,-18 26 90,14 0 0,-14 29-90,18 17 0,0 10 0,0-2 0,0 0-180,0 14-675,-2-4 1,4 0-846,18 10 1700,-10-8 0,0-2 0,14 7 0,-17-20 0,0 0 0</inkml:trace>
+  <inkml:trace contextRef="#ctx0" brushRef="#br0" timeOffset="42978">10062 3472 9422,'0'-34'-720,"21"16"-359,-15-17-723,41 20 1331,-24-19 1,26 10 0,-9-2 0</inkml:trace>
+  <inkml:trace contextRef="#ctx0" brushRef="#br0" timeOffset="43677">10925 3023 10051,'0'43'90,"0"-7"-90,0 6-90,0-7 90,0 2 0,14-1 90,-10 1-180,20 7 90,-21-12 90,7 3-90,-10-15 0,7-6 0,-6-2-90,6-4 0,-28-3-90,0-24 90,-4-10-89,-5-17 134,21 11 0,2-2 45,-11-17 0,10 2 0,4-1 0,3 19 0,2 0-433,-3-22 0,4 0 343,15-3 405,-9 12 0,4 4-225,25 9 180,-7-3-270,-2 32 0,-13 30 0,1-6 0,-14 21 0,4-8 0,-6 0 0,0 5-540,0 16-539,0-13-1350,-19 19 2429,14-31 0,-14 3 0,19-17 0</inkml:trace>
+  <inkml:trace contextRef="#ctx0" brushRef="#br0" timeOffset="43894">11333 2518 8342,'10'0'540,"-1"18"-270,1-14-90,-1 37-90,1-20 0,1 24 0,6 13-90,-5-10 0,-2-7 0,0 2-1093,0 8 1183,0 13-180,-4-21 0,-2-3-629,-1-4-720,-1 9 449,0-15 1063,-1 2 1,0-18 0,-1-4 0</inkml:trace>
+  <inkml:trace contextRef="#ctx0" brushRef="#br0" timeOffset="44294">11290 2917 8252,'0'-17'90,"0"1"-180,0 5 90,0 2 0,24 5 0,6 1 90,29 22-180,-13 1 90,4 3 0,1 8 0,-12-12 0,-8-2 0,-1 0-90,3 0 90,15 12 90,-26-22-90,4 12 0,-13-11-90,-2-2 180,-2-1-90,-2-2 0,0-1 0,-2 0-270,3-2 1,-3 0-181,7 0 450,-4-16 0,6-1 0,-4-2 180,1-11 269,1 13-179,-6-3 0,1-5 1349,-5 15-1619,-1 14 0,-1 7 0,20 28-270,-15-10 91,29 1-1800,-12-2 629,7-15 1350,5 11 0,-9-22 0,2 7 0</inkml:trace>
+  <inkml:trace contextRef="#ctx0" brushRef="#br0" timeOffset="44529">11808 2679 8792,'-8'0'450,"2"-2"-1,4-2-269,2-1 90,21 1-270,2 2 90,20 2-270,-6 18-269,-3-2-361,-16 21-269,2-20 1079,-18 14 0,6-14 0,-8 15 0</inkml:trace>
+  <inkml:trace contextRef="#ctx0" brushRef="#br0" timeOffset="44681">11987 2240 8522,'14'-7'180,"1"1"-1619,10 27 1439,-4 13 0,-10 16 0,-2 5 0</inkml:trace>
+  <inkml:trace contextRef="#ctx0" brushRef="#br0" timeOffset="45015">12883 2627 12300,'0'-18'-90,"-10"1"90,7 6 0,-7 3 0,6 4 0,2 24 0,-2 17 0,4 11-270,0-9 0,0 1-1691,0 10 1511,-1-16 0,2 0-449,16 9-770,-13-4 769,13-4 860,0 1 1,2-14 0,17 2 0</inkml:trace>
+  <inkml:trace contextRef="#ctx0" brushRef="#br0" timeOffset="45194">13057 2633 9781,'0'-15'1080,"-18"5"-900,2 6-90,-14 25-90,17 13-90,3 11-294,10 4-65,0-11-91,0 1-360,18-2-1168,11 6 2068,11-15 0,6-4 0,-9-16 0</inkml:trace>
+  <inkml:trace contextRef="#ctx0" brushRef="#br0" timeOffset="45561">13320 2398 9062,'0'-10'989,"-13"2"-809,10 31 90,-9-1 0,12 28-90,0-5-1858,20 5 1768,-15 8-46,11-30 1,1 2-45,-7 11 0,-2 2 0,9 18-45,-2-22 1,-2-2 44,-9 9 0,19-6-29,-20-7 209,15-6 218,-16-7-488,9-5-90,-10-7 0,5-3 477,-4-20-387,2 12 472,-3-33-382,2 18 0,-1-19 0,3 5 0,0 0 0,2 1 0,0 4 90,2-1 0,-2 14 90,5 1-90,-3 13-90,2 18 0,-2-13-90,2 37 90,1-22 0,8 38-450,-5-21-495,1-7 1,0 0-225,5 3 1169,10 4 0,-6-18 0,2-3 0</inkml:trace>
+  <inkml:trace contextRef="#ctx0" brushRef="#br0" timeOffset="45813">13935 2858 9512,'-22'-4'629,"-13"3"-359,15-4-180,-13 21-90,7 3 0,11 18-270,8-4-90,32 0 91,4-8 179,26-12 0,-14-6 90,6-7 0,-30-16-90,13 12 90,-27-25 0,8 11-540,-11-11-1349,-21 2 1889,2 6 0,-5 10 0,10 6 0</inkml:trace>
+  <inkml:trace contextRef="#ctx0" brushRef="#br0" timeOffset="46015">14222 2820 10501,'0'-11'180,"0"17"-2429,0 11 810,0 21 1439,0-7 0,14 1 0,5-9 0</inkml:trace>
+  <inkml:trace contextRef="#ctx0" brushRef="#br0" timeOffset="46177">14452 2680 9422,'0'-9'-180,"0"1"180,0 3 0,0 2 0,0 2 0</inkml:trace>
+  <inkml:trace contextRef="#ctx0" brushRef="#br0" timeOffset="46378">14003 2209 8972,'20'-12'270,"-16"2"-360,31 6 0,-20 2-1349,4 35 89,-8-9 1350,-11 33 0,0-11 0,0 4 0</inkml:trace>
+  <inkml:trace contextRef="#ctx0" brushRef="#br0" timeOffset="47197">14953 2956 9242,'-5'-2'719,"-1"-1"361,3 3-990,0 12 0,21 8-90,-14 18 0,15-4 0,-5 3-90,-10-9 90,21 0-270,-23 7 0,17-9-180,-12 7-269,4-18-361,-7-1 900,-4-27 180,0-13-90,0-34 90,0 6-665,9 11 0,0 0 755,-4-11-45,9 19 0,3 0 133,1-25 92,0 22 360,8-10-271,-12 34-89,9 1-180,-4 37 0,-2 12-90,-6 13 45,-6-13 0,-1 0-135,-1 9 90,-2-8 0,0-2 90,-1 3-90,0 13-180,0-30 917,0 0-1007,0-33 270,20-26 0,-14-7-374,12 15 1,1-1 373,-15-7 0,29-2 0,-29 3 180,29-6 0,-17 14 270,10 0-360,-8 20-90,-2 4 0,-9 27 90,2-17-90,-4 45-90,-1-25 90,2 25-1260,4 9 181,0-15 1079,2-9 0,3-1 0,8-2 0,13 8 0</inkml:trace>
+  <inkml:trace contextRef="#ctx0" brushRef="#br0" timeOffset="47544">16018 2878 9602,'-27'-11'1079,"6"5"-539,-26-3-91,12 7-269,-2-3-180,1 5 0,2 0 90,3 0-90,6 0 0,-5 18 0,16 1 0,-4 16 0,17-2 90,16-7-270,-11-2 90,38-9 90,-9-1-90,11-7 90,14 0 0,-24-7 90,16-19 0,-26 0 90,5-18 180,-20 3-180,-1 4-180,-8 5-180,-17 12-540,12 22-89,-12 14-1350,17 23 720,20-10 1439,-16 1 0,35-16 0,-15-1 0</inkml:trace>
+  <inkml:trace contextRef="#ctx0" brushRef="#br0" timeOffset="47910">16300 2933 10321,'-16'-13'900,"12"0"-810,-13 25-180,17 4 180,0 25-180,14-6 0,-11-3 90,10-9-270,-5-12 270,-5-26 0,5-11 0,-8-13 90,0 2-90,19 8 0,-14-12 90,26 13 269,-28-4-359,9 15 0,-2 9 0,2 22 0,8 15-89,-5 11-271,-2 2-1079,5 6 539,-1-12-1079,17 18 1979,-7-36 0,12 13 0,-6-19 0</inkml:trace>
+  <inkml:trace contextRef="#ctx0" brushRef="#br0" timeOffset="48279">16883 2904 9602,'-22'-14'1079,"17"-3"-719,-37 15-180,18-4-1,-16 6-179,6 15 0,15 2 90,9 17-180,10-3 90,24-3-89,7-12 178,25-7-89,-12-9-505,-3 0 595,-17-15-90,3-6 90,-8-17 0,-5 6 539,-8-11-449,-6 18 0,-17-14-180,12 20 0,-33-3 90,19 15 416,-4 21-506,9 4 0,14 41 0,0-14-896,9 0 1,1 0 895,-5 13-45,13-21 0,4 0-613,-9-4 1,0-2 387,13 15 19,-7-15 0,-2-1-559,-5-1-1079,6 3 720,-10-20 1544,-32-2 0,18-8 0,-18 0 1</inkml:trace>
+  <inkml:trace contextRef="#ctx0" brushRef="#br0" timeOffset="48494">15857 2167 8432,'45'-23'180,"1"1"90,-3 5-90,-4 2-90,-5 6 0,-5 4-180,-6 3 90,-5 22-1349,-8 16-540,-25 13 1523,10 12 1,-18-33 0,-4-1 0,8 3 0,1 0 0</inkml:trace>
+  <inkml:trace contextRef="#ctx0" brushRef="#br0" timeOffset="49161">17957 2504 9332,'10'-28'2068,"0"2"-1348,-1-1-180,-1 3-180,-3-2-1,1 3 451,-4-5-540,0 9-180,-1-7-90,-1 14 0,-20-3 0,-2 11-90,-25 16 0,11-8-90,11 20 0,2 4 0,-5-4-45,10 9 0,3 4 45,4 1-90,15 2 1,4 0 89,-3 2 135,24-3 0,5-1 45,-7-4-45,12-5 0,4-2 45,-3 1 0,-8-5 0,-3-1 90,-8 0-180,14 2 180,-32-11-90,10-3 0,-13-2-90,-26 2 0,19-3-495,-26-1 1,-6-2-406,9-1 237,-4-1 1,-2-1-417,-5-1 89,1 0 1080,2-17 0,6 12 0,3-12 0</inkml:trace>
+  <inkml:trace contextRef="#ctx0" brushRef="#br0" timeOffset="49410">17892 2153 10681,'0'10'2608,"0"10"-2608,0 12 0,0 4 0,0 19 45,-2-3 0,4 2-990,13 10 900,-7-6 1,1 1-579,0-23 0,0 0 488,5 11 0,-4 0-404,-7 18 134,7-34 0,1 2-2024,-5 21 1,-2 0 2428,5-21 0,1 0 0,-5 17 0,-2-2 0,3-2 0</inkml:trace>
+  <inkml:trace contextRef="#ctx0" brushRef="#br0" timeOffset="49877">18425 2917 12480,'-3'-24'1259,"19"11"-1259,-12-3-270,47 10-449,-28-2-766,11 3 1,3 2-764,6 2 1860,18-3 0,-15 4 0,2 0 0</inkml:trace>
+  <inkml:trace contextRef="#ctx0" brushRef="#br0" timeOffset="50497">19545 2275 9422,'1'-20'2158,"1"0"-1528,1-8-540,-2 8 0,0-3 90,-1 8-180,-20 6 0,-2 1 0,-26 6 0,14 16 0,-3-10 0,13 31 0,2-18 0,11 21-180,-7-5-90,16 22 180,-8-11 90,18-5 0,9-1-855,24 9 855,-15-17 0,2-2 0,2-7 0,0-2 0,17 16 0,0 0 0,-2-3 0,-4-3 0,-7-2 78,-5 4-78,-5-10 0,-12 9 0,-3-15 90,-29 2-90,14-7 0,-42-1 0,24-2-720,-11-2 1,-3-2-630,-9 0 1349,5-1 0,0-1 0,0-1 0,-14 0 0</inkml:trace>
+  <inkml:trace contextRef="#ctx0" brushRef="#br0" timeOffset="50944">19987 2220 9781,'-11'0'2879,"4"18"-2879,3 0 0,4 22 0,16-21 0,-13 17 0,13-23 0,-16 13 90,9-10-180,-7-2 90,7-2 0,-2 2 0,-6 0 0,9-4 0,-6 6 0,1-6 90,1 17-180,-1-5 90,1 12 90,1 13-90,1-8-45,-3-5 0,1 0-45,3 6-450,5 21 180,-5-32-359,0 5-91,-2-20-719,-2-3-180,1-4 1709,0-4 0,-2-2 0,2-1 0</inkml:trace>
+  <inkml:trace contextRef="#ctx0" brushRef="#br0" timeOffset="51410">20085 2215 8612,'0'-6'990,"9"-4"-990,3 0 89,13-6-89,-2 5-179,15-7-811,-10 9-89,9-2-91,-8 6 1170,-2 3 0,-1 1 0,0 1 0</inkml:trace>
+  <inkml:trace contextRef="#ctx0" brushRef="#br0" timeOffset="51594">20095 2583 8882,'47'-17'-2159,"5"13"2159,-14-13 0,2 17 0,-14 0 0</inkml:trace>
+  <inkml:trace contextRef="#ctx0" brushRef="#br0" timeOffset="51760">20247 2858 10141,'27'-14'-270,"13"11"-719,-10-11-450,9 1 1439,5 10 0,-9-10 0,1 13 0</inkml:trace>
+  <inkml:trace contextRef="#ctx0" brushRef="#br0" timeOffset="52176">21110 2234 9781,'-20'-24'585,"-12"2"0,1 1-585,12-2 45,-13 4 0,0 4 45,14 10-90,-6 2 0,9 3 0,-4 18 0,7-13 0,3 28 0,5 7 90,1-14-90,8 16 0,5 0-90,12-12 180,0 10-90,16-13 0,-14 2 0,0 0 90,15 3-90,-11-4 0,-5-1 179,-13-7-3391,3 14 3212,-12-16-90,-22 16-765,-8-22 1,-7-5 854,-7 2 0,-3-1 0,3 0 0,1-3 0,8-3 0,1-1 0</inkml:trace>
+  <inkml:trace contextRef="#ctx0" brushRef="#br0" timeOffset="52632">21590 2226 10501,'0'-5'270,"0"1"-180,-16 1 0,13 0-90,-34 2 90,20-1-180,-21 2 180,9 0-90,-2 19-90,-18 1-270,15 4 135,8-3 0,1 1 135,4-6 0,2 32 90,16-25 0,23 5 0,-14-9 0,45-1-90,-26 1 135,11-5 0,2-1 45,9 7-90,-8-3 0,-1 0 90,2 2 450,16 15-360,-37-14-90,8 6 90,-25 0-90,5-8-180,-27 13 90,-17-15-315,3-3 0,-4-2-2170,-27 1 2035,29-5 1,-2-1 449,0-3 0,0 0 0,-18-1 0,21-1 0,-1 0 0</inkml:trace>
+  <inkml:trace contextRef="#ctx0" brushRef="#br0" timeOffset="52944">21908 2138 10051,'20'-2'90,"3"-2"-90,0 1-90,3-1 90,0 0-90,4-1-90,1 2-629,1-1-720,10 2 539,-13 1 990,6-1 0,-18 2 0,-2 0 0</inkml:trace>
+  <inkml:trace contextRef="#ctx0" brushRef="#br0" timeOffset="53148">22045 2300 9512,'-2'6'1259,"1"1"-1079,1 2 0,0 2-180,0 8 90,0-2-90,16 18-180,-12-9-180,12 9-540,-16-5-179,10 0 0,-8 3-1,8 1 1080,-10 1 0,0 0 0,0-1 0</inkml:trace>
+  <inkml:trace contextRef="#ctx0" brushRef="#br0" timeOffset="53316">22000 2938 9062,'17'-10'809,"4"-1"-1978,12-5-90,-2-7-360,-2 19 1619,-1-23 0,4 17 0,-1-12 0</inkml:trace>
+  <inkml:trace contextRef="#ctx0" brushRef="#br0" timeOffset="53682">22815 2274 9871,'0'-21'2249,"0"-1"-1889,0 3-90,-18-1 0,14 4-91,-28 1-89,28 2 180,-30 3-90,-8 3-90,0 4-90,9 10 0,2 6 0,0 21 0,9-2 0,1 3-602,0 26 602,10-27 0,2 0-90,2 19 90,4 0-90,3 0 0,0-6 90,28-2-90,-21-8 45,29-16 0,6-3 45,-11 6 0,14-11 0,3-4 0,-2-4 0,14-2 0,-24-3 0,-3-16-392,-6 12 212,-5-28 90,-5 17-270,-10-16-450,-2-13 271,-5 7-316,-6 1 1,-6 0 44,-17-8 315,11 15 1,-3 0 494,-8 3 0,1 2 0,-8-11 0,-10-7 0</inkml:trace>
+  <inkml:trace contextRef="#ctx0" brushRef="#br0" timeOffset="54248">23247 2131 12120,'14'49'1079,"-10"-6"-989,11 2-805,-2-4 715,-10 6 0,9 3 0,-7-12 0,-2 0-90,0 19 90,1-11 0,0-2 0,-4 1 0,5 8 0,-4-28 143,6-5-143,-6-5-62,3-5 152,-2-4-90,1-3-90,-2-20 180,2-8-90,-2-14-90,2-5 90,-2-18 0,0 9-245,-1 4 1,0 0 244,0-13 0,0 12 0,0 1 90,0-4-291,0 12 1,0 2 380,0 8 540,0-4-720,0 47 0,15 32 0,-11 2 0,9-14 0,3 1-180,-6-1 0,-1 0-270,10 16-90,2-7 1,-2-1-181,-13 2-315,15-10 1,0-2 45,-13 0-1,13 3-269,-13-19 1482,-1-2 1,-2-7-1,-1-2 1</inkml:trace>
+  <inkml:trace contextRef="#ctx0" brushRef="#br0" timeOffset="54444">23752 2083 11400,'6'-24'1530,"-2"1"-991,-1 8-89,-2 3 270,0 5-720,-1 23 0,0 17 0,-17 16-270,15-6 0,-1 1-557,-11-13 0,-1 0 332,12 11 1,3 3-1710,-12 1 0,1-1 2204,9-11 0,1 0 0,-4 11 0,0-2 0,5 15 0</inkml:trace>
+  <inkml:trace contextRef="#ctx0" brushRef="#br0" timeOffset="72633">9808 4805 10141,'0'-9'1529,"-16"3"-1349,12-1 0,-12 3 0,16-2-90,0 3 899,-10-1-989,8 18 0,-8 10 0,10 11 0,0 25 0,17-16 0,-16-5 0,2-1-1089,28 7 1089,-28 12-381,23-13 291,-10-13-90,13 8 90,-4-24-270,6-1 180,-9-11 90,4-1 0,4-22 90,-10-7 0,11-26 0,-17 7 0,0-16 90,-10 24-90,-2-20 90,-2 28 0,0-6 0,0 14 954,-14 8-1044,10 1 427,-10 24-427,34 6-450,-2 24-809,5-7-2519,6 16 3778,-9-20 0,-1 10 0,-3-14 0</inkml:trace>
+  <inkml:trace contextRef="#ctx0" brushRef="#br0" timeOffset="73026">10423 4903 9152,'0'16'989,"20"3"-989,0 26 0,3-13 90,8 2-180,-27-10 90,24-3 0,-25 0 360,28 1-360,-27-7-90,19-2 180,-20-9-180,4-26 180,-4-8-90,1-14 180,0-1 360,6-20-450,-4 25 89,8-23 181,-9 47 0,7 1-180,-9 15-180,10 0 0,-6 16 90,4-12-90,1 34-90,7-4 90,-4 12-1350,-1-13 1,2-2-1259,1 8 2608,12 11 0,-7-20 0,4-1 0</inkml:trace>
+  <inkml:trace contextRef="#ctx0" brushRef="#br0" timeOffset="73794">11458 4882 10681,'-20'-12'1439,"14"1"-1259,-46-6-180,33 7 0,-36-4 0,28 10-90,-18 2 90,22 2 0,-9 15 0,21-12 0,1 25 0,9-7 0,18 7 0,9 16 0,-2-17-225,6-3 0,0 1 45,-8 3-936,31 8 757,-28-12-253,-11-2 342,8 0-180,-19 4 270,9-7 0,-12 9 1,0-16 732,-25 5-643,19-11 275,-37 0-365,38-4-90,-30 0 270,19-1 0,-5-18 0,27 1 0,25-18 90,10 19-1050,10-14 870,-8 19 135,-11-4 0,0-1-45,19 0 135,-11 2 0,-1 1-45,4-2 0,18-9 0,-32 10 90,2-4 0,-15-2-180,-8 5 180,-3-10-90,-5 10-90,-20-5 179,-4 10-179,-1 1 0,-15 5 0,23 2 0,-19 1 0,3 15 0,9-11 0,-5 25 0,20-5 0,0 7 0,9 3 0,0-6 90,22 1-180,-17-1 90,42 0 870,-26-4-2039,40 2 360,-21-11-181,-4-7 1,1-2 771,5-3 0,15-21 0,-20-5 0</inkml:trace>
+  <inkml:trace contextRef="#ctx0" brushRef="#br0" timeOffset="73992">12117 4713 9691,'-16'-21'810,"12"1"-630,-29 4 450,14 5-181,-12 4-359,13 24-90,9 12 90,9 11-90,0-7 0,0 1 0,0 13-45,8-3 0,4 0 135,10 8-180,-2-8 0,1-1 90,0 5-1754,2-6 0,-3-1 585,-14-5 1169,26 13 0,-31-33 0,6-3 0</inkml:trace>
+  <inkml:trace contextRef="#ctx0" brushRef="#br0" timeOffset="74143">11888 5176 9602,'-9'-5'1349,"-6"4"-1349,12-10 0,-5 5 0,34-5-90,-20 1-360,52-2-809,-29-1-741,32-3 2000,-10 0 0,1-1 0,0 2 0</inkml:trace>
+  <inkml:trace contextRef="#ctx0" brushRef="#br0" timeOffset="74794">12963 4246 9871,'-28'-4'1260,"-2"1"-901,-4 2 91,-1 16-678,-4-11 498,0 36-180,-5-15-90,13 11 0,1 5 0,6-13 0,1 3-532,1 6 1,-1 5 0,4-3 576,3-2 0,4 3-105,-1 13 0,3 8 0,8-7-390,14-10 1,6-1-781,-1 8 1,4 5 0,5-10 1104,14-13 0,4-5 1,8 9-1,-1-3 0,-8-14 1,-1 0-1</inkml:trace>
+  <inkml:trace contextRef="#ctx0" brushRef="#br0" timeOffset="75392">13917 4351 9691,'-20'-16'810,"1"1"-540,-30 4-270,14 4 0,-28 4 0,25 21-1623,-13-14 1623,20 32 0,3-32 90,5 36-25,7-8-155,8 11 180,31 17-90,-16-22 0,29-4 0,7 0 0,-9 7-548,4-13 0,3-1 548,4 10 0,-3-2-854,-3-1 944,-5-3 247,-8-3-247,-11-2 270,-1 5-360,-13-9 1503,-16 9-1503,-17-15-90,-31 4-539,6-12 930,-2-2-2370,0-5 719,15-16 1202,-9 11 1,22-34 0,2 10 0</inkml:trace>
+  <inkml:trace contextRef="#ctx0" brushRef="#br0" timeOffset="75759">13675 4074 10141,'8'-6'3418,"-1"15"-3148,-7 18 90,0 32-1400,0 0 1085,0-22 0,0 0-45,0 26 0,0-29 0,0 1 0,0 1 0,0 0 0,0 1 0,0 0 0,0 1 0,0 0-45,-1-2 0,2 1-180,5 15 1,0-1-136,-5-14 0,1 1-900,10 23 1,0-2-629,-9 3 763,8-23 1,1-2 1124,-2 7 0,7-4 0,-4-4 0</inkml:trace>
+  <inkml:trace contextRef="#ctx0" brushRef="#br0" timeOffset="76143">14293 5028 12120,'4'-7'1529,"4"1"-1439,1 1-90,13-3-90,-5 1-1259,25-5-630,-12 3-719,18-4 2574,-7 4 0,4-1 1,3 1-1</inkml:trace>
+  <inkml:trace contextRef="#ctx0" brushRef="#br0" timeOffset="76699">15290 4146 10051,'13'-10'990,"-3"0"-990,-30 5 90,-6 18-180,-14-8 90,2 35-976,6-21 886,-1 22 90,1-6 0,-7 18 0,13-11 0,4 13 90,15-17-180,7 1 96,25 14-6,-19-12 0,19-13 0,7-1-90,-8-1 0,2-2 90,4-4 0,4 0 0,11 11 0,-1-1 0,7 4 45,-14-9 0,-2 0-45,-2 0 0,-6 5 0,-13-13 90,-13-2-90,5-2 0,-27 5-180,-13-6-135,2-2 1,-2-1-676,-24-2 84,-3 1-713,19-7 1619,2-1 0,2 0 0,2 0 0</inkml:trace>
+  <inkml:trace contextRef="#ctx0" brushRef="#br0" timeOffset="77145">16018 4238 10951,'-25'-14'809,"-13"0"-629,33 7 0,-37 0-90,22 5-90,-21 0 0,-8 2 90,13 18-180,-25 4 180,31 1-90,-9 25-180,27-28 180,2 27 0,10-19-90,21 0 0,-15 1 45,27-6 0,7 0 45,-5 11-703,16-4 1,2-2 702,4 5 45,-11-5 0,-2 0-45,3 2 0,-18-10 0,-3 0 0,0 4 332,-11 1-332,-2-2 90,-12 12 0,-16-10-90,-20 16 0,-12-19-45,8-4 0,-2-1-569,-13-1 344,19-5 0,-1-3-764,0-4 0,2-2-495,-14 2 1529,12-12 0,3-1 0,4 4 0,-3-13 0</inkml:trace>
+  <inkml:trace contextRef="#ctx0" brushRef="#br0" timeOffset="77642">15713 4010 10501,'-4'-4'1619,"-1"1"-1259,2 2 270,1 16-541,1 14 136,0 13 0,2 5-180,8-12 0,2 2-1206,-4 7 1,-2 6-1,2-6 1161,5-5 0,0 0 30,-2 5 0,0 4 0,0-3-436,0-4 0,0-2 406,-1 13 0,1-1 0,5-16 0,-1-2-90,-5 31 90,4-5-360,-6-22 0,-2-1-270,1 12-866,-2-13 1,0-2-573,0-7 2068,-3 3 0,-1-21 0,0-3 0</inkml:trace>
+  <inkml:trace contextRef="#ctx0" brushRef="#br0" timeOffset="77883">15738 4346 10591,'0'-26'1079,"0"-1"-899,0 2-90,0-2 0,24 3 0,-18 0-90,39 2 0,-24-1 0,19 3-180,14-6-360,-12 8-315,-4 5 1,1 2-315,6 2-206,-8 4 1,0 1 1374,3 3 0,4 1 0,-19 0 0</inkml:trace>
+  <inkml:trace contextRef="#ctx0" brushRef="#br0" timeOffset="78092">15887 4580 10501,'-4'6'540,"1"-1"-540,23-3-540,4-1-180,25-1-179,-11 0-1,3 0-89,-11 0 989,-2 0 0,1 0 0,-1 0 0</inkml:trace>
+  <inkml:trace contextRef="#ctx0" brushRef="#br0" timeOffset="78293">15902 4989 10231,'13'0'1439,"8"0"-2248,30-13-361,-7 10-449,-11-2 0,0-2 1619,10-4 0,14 8 0,-16-7 0</inkml:trace>
+  <inkml:trace contextRef="#ctx0" brushRef="#br0" timeOffset="78745">16738 4185 11400,'-15'-16'990,"11"2"-990,-31 0 180,18 1-180,-17 2 180,6 2-180,-3 6 0,-3 0-90,-3 3 90,-1 0 90,-11 15-90,14 6-90,-6 21 0,28-7 90,3 6-90,10-8 90,29 2-235,-5 4 190,13-9 0,3 0-232,-14-7 1,0 0 321,24 17 0,1-2-90,-21-15 0,1-1 45,18 13 0,0 0 0,3 3 0,-21-15 0,-2 0 90,10 13-90,-17-11 90,-3 12-180,-15-18 0,-26 11-270,-14-16-269,-12 5-496,11-12 1,0-3-405,-10 2 1529,9-3 0,2-1 0,-4-2 0,-7 0 0</inkml:trace>
+  <inkml:trace contextRef="#ctx0" brushRef="#br0" timeOffset="79125">17242 4134 11760,'-19'-6'720,"15"0"-720,-32-1 0,32 1-90,-29 1 180,29 1-180,-20 3 180,16-1-90,-3 24-90,5 7 90,6 14-90,21 20 0,8-21-602,-9-12 1,1-1 691,21 14 90,-10 0-323,2 1 233,-11-16 0,1 1 90,9 14-90,-9-10 0,-3-1 0,-2 2 0,-3 6 0,-11-17 90,-5-4-180,0 1 90,-20 2 0,-14-5-45,2-5 0,-3-2-315,-26 1-854,15-5 0,-1-1-1287,-12-3 2501,20-1 0,1 0 0,-14-1 0,3 0 0</inkml:trace>
+  <inkml:trace contextRef="#ctx0" brushRef="#br0" timeOffset="79609">17682 4023 10231,'27'-13'450,"18"0"-450,7-6-450,-1 7-720,-8 3 1,-1 0-540,-2 3 1709,13 1 0,-22 4 0,-2 1 0</inkml:trace>
+  <inkml:trace contextRef="#ctx0" brushRef="#br0" timeOffset="79825">17870 4231 10501,'18'14'1529,"-4"9"-1529,-14 10-90,0 7-270,0-2-2213,0 6 1044,0 5-1,0 2 1530,0 4 0,0-3 0,0 0 0</inkml:trace>
+  <inkml:trace contextRef="#ctx0" brushRef="#br0" timeOffset="80009">17812 5031 12210,'-2'-27'0,"23"12"-540,-15-6-269,41 11-2249,-9-18 1079,14 6 1865,7-6 1,-11 3 0,1 1 0</inkml:trace>
+  <inkml:trace contextRef="#ctx0" brushRef="#br0" timeOffset="80430">18647 4034 10231,'0'-9'720,"0"1"-1,-8 4-449,-1 2-180,-5 1 0,1 1-90,2 14 0,-2-11 180,1 24-90,-8-3-90,4 9 0,-8 24 90,11-15-90,6-2 0,1 1-516,2 12 516,2-19 0,2 2 0,9-1 0,1-1 0,-5 14 0,13-10 0,5-3 0,10 0 0,-5-11 0,4-3 0,19-4 0,-7-8 0,-1-2 0,0-4 0,0-9 0,-3-6 0,-6-12 45,-10 1 0,-2-3-45,-3-15-90,-4-22 90,-11 20-90,-25-15 45,5 25 0,-3 2-180,-3 7 0,-4 1-405,-10-14 1,-1 1-541,-13-2 405,18 17 1,-1 2-945,-9 0 1709,3 9 0,7 4 0,4 2 0</inkml:trace>
+  <inkml:trace contextRef="#ctx0" brushRef="#br0" timeOffset="80909">19440 4051 11311,'-25'-9'539,"-10"4"-269,23 23-270,-5 1 90,8 45-90,9-15-1770,0-1 0,0 2 1860,0 15-90,0-23 0,0 2 0,0-3 0,0-1-90,0 18 90,6-15 0,2-2 0,-5-2 816,11 9-1175,-14-30 551,0-3-282,0-56 0,0 13 90,0-17 0,0-3-213,0-10 348,-1 2 0,2 0-119,8 18 1,-1 1 118,-6-11 0,1-1 89,14 1 1,0 4-135,-13-19 180,11 18 0,-1 4 0,-11 8-90,16 2-180,-10 25 0,7 4 0,-2 27 0,1-4 90,0 24-90,12 15-90,-7-10-965,0-4 1,-1 1 244,5 10 270,-9-21 1,1 0 131,8 8-1031,-3-3-90,2-7 1529,-2-5 0,2-7 0,-1-4 0</inkml:trace>
+  <inkml:trace contextRef="#ctx0" brushRef="#br0" timeOffset="81095">19987 3997 11041,'-16'-18'1349,"12"5"-1349,-21 5 0,23 30 0,-8 2 0,1 27 0,7-2-1718,-8-3 1,0 1 728,6-8 0,1 1 989,-3 7 0,-1 5 0,0-4 0,2-1 0,-1-2 0,-1 15 0,0 0 0</inkml:trace>
+  <inkml:trace contextRef="#ctx0" brushRef="#br0" timeOffset="82775">20842 3841 9062,'-3'0'3778,"-10"0"-3868,-19 0 90,-3 0 0,-7 13 0,8-9 0,-22 19-270,25-21-450,-14 16 540,24-16-359,-4 9 629,15-10-90,3 6 0,6-6-90,1 5 90,0 2 0,0 3 90,0 4-90,0 0-90,0 3 90,0 3 0,-17 18 90,12-5-135,-12-1 0,0 1 45,12 9 45,-4-2 0,0 0-651,9 8 426,0 17 180,0-20 0,0-2 0,23-2-90,7 13 90,12-16 45,-14-9 0,-1-1-45,8 0-45,-7-8 0,0-1 135,4 0-180,6 2 180,-16-9 0,-1-3-90,-3-1 0,3 0 0,-5-2-180,3 0-180,-10-4-3441,0 1 3801,-5 0 0,-1 0 0,-1-1 0</inkml:trace>
+  <inkml:trace contextRef="#ctx0" brushRef="#br0" timeOffset="84425">20725 4067 8702,'0'-13'900,"0"0"-631,0 6-179,0 0-90,0 4 90,-11-1-90,8 2 180,-8-3 90,1 1-270,8-1 0,-13 1-90,14 0 360,-13 1-450,7-2 540,-14 0-360,8 0 0,-13-2 0,9 4-90,-15-1 180,11 2-90,-25 2 0,21-1-90,-23 1 0,26 15 90,-10-11 0,18 11 0,-3-5 0,11-8 90,2 8-180,3-1 180,0 2-90,1 8 0,0 4 0,0-5 0,15 10-90,-11-10 180,10 9-90,-3-9 0,-9 3 0,9-5 0,-11 0 0,6 0 0,-5 11 0,5-8 0,-6 19 0,0-16 0,0 22 90,0-17-90,0 13 0,0 3 0,0-9 0,0 28 0,16-28 0,-13 28 0,27-29-626,-26 11 626,21-17-308,-22-1 308,18-2 0,-9 4 0,0-9 270,4 6-90,-10-14 876,5-1-966,-6-7 237,-1-1-327,-1-2 90,-2-17-180,0-2 90,-1-13 90,0 8-180,0 6 180,21 9-90,6 3-270,14 4-359,2 0-361,-4 1-269,6 0-1471,4 1 2730,6-1 0,3 1 0,4 0 0</inkml:trace>
+  <inkml:trace contextRef="#ctx0" brushRef="#br0" timeOffset="85509">21085 3841 9602,'-15'-2'449,"1"1"-449,0 0 0,0 1 0,2 0 0,-1 0 0,2 0-270,0 15-539,2-12-271,2 12 1080,2-1 0,2-1 0,3 13 0</inkml:trace>
+  <inkml:trace contextRef="#ctx0" brushRef="#br0" timeOffset="85659">21215 3851 9871,'-25'13'0,"-8"-10"-359,29 27-1171,-23-14-640,23 17 2170,-10-3 0,3 3 0,-3 0 0</inkml:trace>
+  <inkml:trace contextRef="#ctx0" brushRef="#br0" timeOffset="86259">21740 4450 10411,'-19'-10'360,"14"-11"-360,-37 18-90,24-18 90,-20 20 0,10-7 0,0 8 0,-7 15 0,10-11 0,-6 27-90,21-7 0,1 8-90,9 0 90,0-10-90,27-10 90,9 6 90,15-16 0,-16 4 0,-1-3 90,10-22-45,-9 7 0,-1-2 135,0-23 90,7-1 450,-22 0-541,-8 8 271,-4-15-450,-7 23 0,-19-4 90,15 12-90,-30 7 0,30 20 0,-23 11-90,24 13-180,-8 14-89,11-17-1,0 7-90,20-14 0,-16-5-359,36-3 629,-9-9 90,9-4 0,17-6 90,-24-18 90,19-7 180,-26-11-842,4-1 1111,-15 9-471,-7-2 471,1 2 181,-8-10-450,3 11 0,-4-10-180,0 21 0,-12 2-180,10 25 0,-10 13-90,12 10 366,0 4-2615,20 9 990,-14-11 1439,11-7 0,5-1 0,7 0 0,20 6 0</inkml:trace>
+  <inkml:trace contextRef="#ctx0" brushRef="#br0" timeOffset="86509">22592 4094 10681,'-14'-16'1349,"10"0"-1259,-10 7 90,-1 2 719,11 3-899,-10 24 0,14 28 0,0 5-691,-2-17 0,4-1 691,15 13-180,-13 2-293,28-1-157,-21-15 0,-2 0-179,10 15-46,-5-12 1,0-1-136,-1-2-179,2 6 1169,1-22 0,-15-5 0,5-2 0</inkml:trace>
+  <inkml:trace contextRef="#ctx0" brushRef="#br0" timeOffset="86630">22375 4478 8882,'0'-20'-270,"0"2"-270,0 0-449,29 2-338,-22-4 1327,56 3 0,-34-5 0,31 1 0</inkml:trace>
+  <inkml:trace contextRef="#ctx0" brushRef="#br0" timeOffset="87092">22735 3964 9781,'0'-6'1080,"0"1"-990,0 1 1079,0 1-1169,0 19 0,10-13 90,-7 39-180,16-1 90,-17 12 45,8-10 0,0 0-296,-2 13 206,3-7 0,1 0-436,1 6 436,-4-20 0,0 0-225,8 20 90,-4-19-89,6 11 179,-10-30-270,6-2 270,-9-12 327,10-26-237,-5 17 675,7-45-136,6 8-179,-2-15-135,-5 19 0,2 2 45,3-6-180,10-13 0,-18 32 0,4 4-90,-9 15 0,-2 5 0,2 19-180,-3-14-540,1 36-629,-1-21-270,0 20-180,2-8 1799,0 0 0,2-2 0,1 0 0</inkml:trace>
+  <inkml:trace contextRef="#ctx0" brushRef="#br0" timeOffset="87360">23380 3686 11041,'21'28'-270,"10"-13"-1079,-27 11-270,23-7 899,-23 9 720,14-10 0,-17 2 0,5-9 0</inkml:trace>
+  <inkml:trace contextRef="#ctx0" brushRef="#br0" timeOffset="87492">23497 3701 10681,'36'-11'180,"-3"2"-810,-10 32-809,-3 7-360,-11 15 1799,-2 2 0,-2-7 0,2 3 0</inkml:trace>
+  <inkml:trace contextRef="#ctx0" brushRef="#br0" timeOffset="88158">23655 3482 10231,'0'-9'1529,"0"1"-1169,0 3-270,0 1 0,14 1 180,-10 1-270,19 1 0,-11 0 90,5 1-90,12 0 0,-6 13 0,15-9 0,-2 9 0,6 0-1227,6-10 1227,4 19 0,4-20 0,5 15 0,-17-12 0,0 0-45,-11 2 0,1 2 0,18-1 0,0 0 225,-1 3-135,-11 0 0,-4 1-45,-10 1 0,3 17 0,-27-12 0,-24 18 0,-2-12 0,-21 23 0,22-16-698,-8 11 698,28-8 0,-10 0 0,13 4 0,0 19 0,0-11 0,6-5 0,5 0 0,11 7 0,-1-5 0,0 1-90,2 7 135,-2-18 0,-1 0-45,-6 12 0,17-1 0,-20-3 0,10-2 0,-19-2 1050,16-5-1050,-16 8 0,4-13 90,-26 11-180,15-21 90,-30-4 0,-7-4-180,8-2-225,-14-2 1,-2-2-766,2-3-89,11-10 0,0 0-450,-4 5 1727,-7-34 1,23 22-1,3-17 1</inkml:trace>
+  <inkml:trace contextRef="#ctx0" brushRef="#br0" timeOffset="88608">24697 3331 11940,'13'-4'1170,"5"2"-1081,17 2 91,-5 0-90,4 17-90,-3-12 0,-5 18 0,2 3 0,18-1 0,-5 12 0,1 4-695,-16-14 1,0 0 694,7 10 0,-2 3 0,-9-7 0,-2 0 0,-2 2 0,-2 1 90,-1 2 0,-2 2-45,-2 1 0,-2 2-45,-3 1 0,-1 1 0,0 1 0,-5 2 0,-8-3 0,-4 3 0,0-2-45,-1 7 0,-3 1 45,-10 4 0,-5 5 0,0-6-882,1-7 1,-1-2 641,3-7 0,-2 1 0,1-4-390,-2 0 1,1-3-451,-2-2 1,-1-2-225,4-3 0,0-1 1221,1-3 0,0-2 1,-23 13-1,2-6 1</inkml:trace>
+  <inkml:trace contextRef="#ctx0" brushRef="#br0" timeOffset="88896">25795 3955 14369,'12'-3'0,"-3"-2"-180,-2 3-360,-2-2 540,-1 2 0,-2 0 0,-1 1 0</inkml:trace>
+  <inkml:trace contextRef="#ctx0" brushRef="#br0" timeOffset="92974">6630 6914 6993,'0'28'270,"0"0"-270,0-2 0,0-2 0,0-3 0,0-3 540,0 1-361,16-10 181,6-15-270,17 2 540,3-11-1,-7 15-269,-7 0 630,-14 14-900,-7 5 90,-7 12-180,-19-2 0,-6-14-90,-24 6-90,8-13-1437,-1 4 447,11-6-457,0-6 1627,1 0 0,0 0 0,0 0 0</inkml:trace>
+  <inkml:trace contextRef="#ctx0" brushRef="#br0" timeOffset="93258">7077 7234 9242,'11'-19'1979,"5"-7"-1800,-1 23 91,6-20-180,-8 20 90,5-16-90,-11 17 90,1-4-90,-5 21-90,-2 6 0,-24 10-90,-8 21 90,-15-15-873,22-11 0,0 1-386,-19 11-1080,-2 2-642,-3-2 2981,-2 0 0,-1-3 0,-1-1 0</inkml:trace>
+  <inkml:trace contextRef="#ctx0" brushRef="#br0" timeOffset="94158">7930 6668 10861,'-3'-4'719,"21"17"-629,7 15-90,0 10-90,25 6-1889,-27-4 1979,26 5-1259,-11 6-91,0 1 630,-18-24 1,0 0-175,0-1 0,0 1 894,1 0 0,-1 0 0,1-1 0,0-2 0,20 27 0</inkml:trace>
+  <inkml:trace contextRef="#ctx0" brushRef="#br0" timeOffset="94380">8517 6679 10771,'-27'-17'450,"0"2"-360,0 8-1,2 3-178,-5 4 89,-12 18 0,7 15-2831,4-2 1,0 3 2830,12-4 0,1 1-45,-7 4 0,1-1 521,-7 19-2005,5 1 50,11-18 0,3 2 1479,-1 18 0,6-22 0,1-1 0,5 11 0</inkml:trace>
+  <inkml:trace contextRef="#ctx0" brushRef="#br0" timeOffset="94714">8915 6986 10051,'-58'0'270,"25"15"-270,-17-11 0,30 30 0,-20-18 0,24 18 0,-12-7-90,23 1 360,-12 10-270,17-10 0,43 9 90,-14-24-311,4-3 1,2-2 130,12-7 90,2 4 0,3-5 45,-18-8 0,-1-5-45,17-15-45,-16 3 0,-4-4 45,-8-15-90,-1-15 180,-21 23-135,-21 1 0,-6 2-135,-1 2-405,-13 6 1,-3 4-226,5 11 810,-22 0 0,27 10 0,-6 0 0</inkml:trace>
+  <inkml:trace contextRef="#ctx0" brushRef="#br0" timeOffset="95075">9562 6940 9871,'-49'0'540,"1"0"-540,23 18 0,-12-13 0,33 26 0,-24-28 90,26 24 0,-9-9-90,31 10-90,10-4 90,13-11 0,21-6 90,-22-7-45,-8-8 0,-1-1-135,3 5 90,4-26 270,-19 10 90,-6 3-91,-7-12-179,-4 14-90,-4-8-90,-20 11 90,3 5 0,-5 46-90,10-18-1619,12 45-90,0-37 1799,0 9 0,16-17 0,4-1 0</inkml:trace>
+  <inkml:trace contextRef="#ctx0" brushRef="#br0" timeOffset="95244">9708 6373 9781,'-31'-9'90,"-15"2"-90,11 25-90,-20 16-1259,25 14 1349,13-7 0,3 2 0,3 18 0,9-20 0,0 0 0</inkml:trace>
+  <inkml:trace contextRef="#ctx0" brushRef="#br0" timeOffset="95528">10477 6568 12390,'-24'-12'180,"11"2"-270,-9 6 90,13 24 0,-4 1 0,8 11 0,4 4 0,1 16-739,0-1 1,0 1 18,0 13-314,7-10 0,5-1-136,8 6 675,-9-23 1,1-1 494,18 22 0,-26-19 0,10 7 0</inkml:trace>
+  <inkml:trace contextRef="#ctx0" brushRef="#br0" timeOffset="96266">10368 7087 9512,'0'-29'90,"-7"1"-180,5-7 90,-5 9-90,28-9-90,-15 20-360,53 2 180,-33 10 90,11 0 1,3 6 269,6 17 0,15-15 0,-27 20 0,-2 1 0,19-7 0,-10 7 0,-1 2-399,4-3 399,7 6 90,-22-14 89,-5 0 361,-7-4 0,-3-2-540,-5-2 270,-5-2-1,-2-1-89,-23-3 219,-5-1-489,0-18 90,-5 12 0,28-28-90,-20 28 90,20-21 0,-9 16 0,29-1 0,3 3 0,1 22 0,13 1-89,-11 2-271,17 6 180,-8-21-360,2 17 360,-14-18 90,14-11 90,-19-16 360,7-23-180,-16 7 540,-2-20-271,-3 23-744,-1-12 745,0 17-270,0 2-180,-15 5 0,11-1 90,-12 11-90,16 19 90,0 22-180,21 12 90,-16 6-727,37-7 817,-24 0-180,6-10 0,2-2-180,7 12-45,-5-10 0,2-2-44,6-1 89,10-3 0,-14-10 612,-2-9-342,-1 3 0,-2-4 0,-2-23 0,-4 17 180,0-53 180,-10 35-90,-5-10 0,-2-3 180,-4-1-91,-9 5 1,-2 1-90,6-4 0,-29-9-360,31 13 90,-28 11 540,26 0-450,-12 34-90,17 15-90,18 32 90,-13-4-810,10-16 1,3-1-271,1 10-269,-1-11 0,-1-1 1474,3 5 1,6 4 0,-12-18 0</inkml:trace>
+  <inkml:trace contextRef="#ctx0" brushRef="#br0" timeOffset="96412">11588 7026 9781,'0'-18'180,"0"1"-180,0 3-180,0 0-89,17 4-451,-12-2-180,34 2-539,-34-1 1439,45 2 0,-29 1 0,24 1 0</inkml:trace>
+  <inkml:trace contextRef="#ctx0" brushRef="#br0" timeOffset="96778">10710 6636 8702,'0'-15'1529,"21"-7"-1079,-3 5 359,19-13-719,-21 11 90,15-6-180,-17 5 90,16 0-90,-6 0-90,10-8 180,-8 9-90,12-7 0,-20 17 0,3-1 0,-11 8 90,-1 1-270,0 1-449,-2 0-811,1 21-269,2-16 1709,7 33 0,-1-12 0,5 18 0</inkml:trace>
+  <inkml:trace contextRef="#ctx0" brushRef="#br0" timeOffset="96958">11675 6069 10051,'-17'-15'180,"13"1"-90,-31 5-180,13 4 90,-20 24-1259,11-14-270,1 44 1529,14-23 0,0 26 0,2-7 0</inkml:trace>
+  <inkml:trace contextRef="#ctx0" brushRef="#br0" timeOffset="97424">11292 6977 8342,'-8'0'720,"1"0"-450,0 0 0,1 0 89,-1 0 541,-5 0-450,2 0-91,-6-8-269,8 6 90,-3-5 0,3 1-90,0 5 0,1-10 0,-6 5-90,3-2 90,-9-1-90,6 5-90,-8 0 90,5 2 0,-25 17 0,13 10 0,-3-2 0,1 4-360,-4 18-854,8-12 0,0-1-1300,3 8 2514,0 9 0,18-19 0,4-2 0</inkml:trace>
+  <inkml:trace contextRef="#ctx0" brushRef="#br0" timeOffset="98008">12497 6828 9781,'0'-19'1350,"-20"1"-1081,15 4-269,-32 4 180,33 2 180,-27 4-270,13 2-90,-8 19 0,-4 10 0,13 9-180,-1 20-359,11-21-1154,3 12 164,4-18 0,29-2 1529,-5-5 0,30-10 0,-11-4 0</inkml:trace>
+  <inkml:trace contextRef="#ctx0" brushRef="#br0" timeOffset="98330">12888 6862 9691,'-46'0'1440,"16"16"-1350,-7-13 0,20 29-1,-22-9 1,26 7 0,0 11 0,13-18-180,0 6 90,25-6-90,7-13-45,-1 0 1,3-1 44,18-8 90,-15-5 0,0-2 90,7 2-135,-7-22 0,-1-5 225,-4 8-46,-12-12 1,-5-1 45,-8 5 0,-7-16-90,0 22-180,-21-1 90,16 12 0,-32 7-450,34 17-1708,-13 10-1080,16 18 3238,21 0 0,-16-15 0,16-6 0</inkml:trace>
+  <inkml:trace contextRef="#ctx0" brushRef="#br0" timeOffset="98557">12898 6087 9512,'28'-23'179,"-20"3"-89,44 11-90,-22 4 0,18 30 0,-20 16-539,0 14-1793,-25-9 1,-3 1 2331,10 18 0,-9-20 0,-2 2 0,1-13 0,0 0 0</inkml:trace>
+  <inkml:trace contextRef="#ctx0" brushRef="#br0" timeOffset="99141">14033 6726 11041,'-7'-24'359,"0"3"-359,1 5 180,1 3-90,2 24-90,1 21 0,12 13 0,1 6 0,-9-14 0,1 2-1131,8 5 1,4 2-1,-1-4 1131,-6-8 0,1-1 0,7 20 0,0-2-28,-1 3 28,-6-15 0,0-2 0,-3-2 90,3 4-809,-2-19-91,-6-9 181,2-18 3827,-3-18-3198,-18-13-270,13-9-136,-12 2 496,0-6-180,13-6 180,-9 11 0,-1-2 0,12 11 0,1-1 135,-5-26 0,1 0-580,5 28 0,0 2 445,-2-10 0,4 3 0,17-3 90,-15 9 90,29 12 90,-16 9-270,10 23-90,-11 15 90,4 25-180,-18-5 79,7 2-79,-9-16 811,0-1-811,0-3-2969,-18-3 3059,13-2 0,-28-11 0,14-2 0</inkml:trace>
+  <inkml:trace contextRef="#ctx0" brushRef="#br0" timeOffset="99358">14552 6122 9871,'8'-1'1170,"0"0"-631,-1 22-359,-2-16-90,1 36 0,-1 9-90,1-7 45,1 20 0,-1 3-749,1-1 704,-1-6 0,0 0 0,-1-25 0,0 1-600,2 11 1,0 6-1,-1-6 150,0-11 1,0 0-496,3 26 1,-2-2-315,0-12 1296,-2 4 0,-4-26 1,-1-3-1</inkml:trace>
+  <inkml:trace contextRef="#ctx0" brushRef="#br0" timeOffset="99592">14480 6745 8882,'0'-36'-90,"0"7"90,0-3 90,21 13 0,2 1-90,27 13 0,-14 22 90,5-13-90,-10 34 0,16-10 0,-10 9 45,-7-13 0,1-1-45,4 3 0,-7-5 0,1-3 0,3-4-90,8 9-360,-13-21 90,-1 7-269,0-9-631,9 0 673,-6-17 587,4 12 0,-9-33 0,-3 11 0</inkml:trace>
+  <inkml:trace contextRef="#ctx0" brushRef="#br0" timeOffset="99741">15268 6640 9332,'0'-28'899,"0"5"-539,0 2 629,-18 4-809,-2 8-90,-2 16-90,7 12 0,15 19-180,0 2-1259,22 4 180,-17-11 0,40-6-540,-26-18 1799,22 6 0,-10-13 0,3 6 0</inkml:trace>
+  <inkml:trace contextRef="#ctx0" brushRef="#br0" timeOffset="99973">15073 6381 9961,'-7'-12'540,"2"0"-450,4 4-90,1 0 90,27 4-90,-21-2 0,51 3 0,-34 1 90,26 1-270,1 1 180,-15 25-360,17 4-180,-36 14-269,10-3-181,-24-10 1,5 0 989,-7-4 0,0-1 0,0-3 0</inkml:trace>
+  <inkml:trace contextRef="#ctx0" brushRef="#br0" timeOffset="100142">15398 5794 10501,'16'-12'270,"-4"5"-360,13 4 90,-3 29-180,-6-4-899,2 30-849,-7-6 39,-4 10 1775,-2 8 0,-2-28 0,-1 0 0,0 1 0,-1 0 0</inkml:trace>
+  <inkml:trace contextRef="#ctx0" brushRef="#br0" timeOffset="100424">16440 6258 10951,'-45'-14'-90,"1"5"90,0 5 0,1 3 90,2 17-180,2-12 90,6 32 0,-5-6 0,16 9-540,1 13 0,16-23-1079,26 15 540,-16-21 1079,38 3 0,-38-13 0,16-1 0</inkml:trace>
+  <inkml:trace contextRef="#ctx0" brushRef="#br0" timeOffset="100840">16115 5957 10321,'0'-8'1439,"0"0"-89,0 2-991,0 19-359,0 42-90,0 1-860,4-9 1,2 9 0,0-5 949,1-10 0,1 1 0,-2 13 0,0 7 0,1-7-45,3-13 0,0-1-405,-8 3 0,-3 3 1,2-4-46,6-5 0,0-3-90,-6 9 1,-1-1-158,5 9-518,-5-10 1260,0-6 0,0-8 0,0-5 0</inkml:trace>
+  <inkml:trace contextRef="#ctx0" brushRef="#br0" timeOffset="101024">15955 6493 8972,'0'-22'0,"0"0"0,19-10 0,-15 8-90,32-18-180,-9 18-989,22-15 269,-6 18 865,1-3 1,-10 8-1,2 2 1</inkml:trace>
+  <inkml:trace contextRef="#ctx0" brushRef="#br0" timeOffset="101508">16530 6592 9332,'0'-4'1619,"0"17"-1080,17 7-539,1 23 0,2-7 90,1 3-90,-18-12 270,11 1 90,-12-4 0,11-1 359,-5-4-719,0-3 0,-1-8 0,-5-2 0,-1-28-90,0-9-89,-1-15-91,0-3-90,0 8-719,0-24 179,0 16-180,9 8 1,1 1-1038,-6-2 2117,29-6 0,-30 24 0,11 5 0</inkml:trace>
+  <inkml:trace contextRef="#ctx0" brushRef="#br0" timeOffset="101791">17140 6563 10231,'-46'0'1619,"-3"0"-1619,11 0 90,1 0-90,11 15 0,2 1-90,-2 2 180,13 17-90,0-22 0,33 35 0,-15-28 0,23-3 0,5-3 0,-8-4 0,11-5 0,1-3 0,-3 0 0,8-2 90,-19-15-180,-4-2-719,-9-17-91,-3-1-359,-34 6-180,20 2 1439,-24 17 0,-4 3 0,11-11 0,-34 2 0</inkml:trace>
+  <inkml:trace contextRef="#ctx0" brushRef="#br0" timeOffset="102141">17477 6594 9332,'16'0'629,"-1"0"-539,0 0 0,-4 15-90,1 4 0,-8 10-90,0 9 180,-3-13-90,-1 24 0,-14-27-1259,10 12 809,-19-27 270,20-17 180,-6-15 0,9-9 360,0-20 0,19 19 90,-14-27-360,29 29 269,-30-6-359,21 20 0,-14 9-180,10 51-449,-7-15-226,-4 13 1,1 1-675,3-6 1529,8 9 0,-1-28 0,3-4 0</inkml:trace>
+  <inkml:trace contextRef="#ctx0" brushRef="#br0" timeOffset="102524">18008 6478 8972,'-17'-10'630,"-3"3"-541,-1 22 181,-8-12-270,27 31 0,-10-6 0,12 10-90,18 10 90,-13-19-90,22-9 0,5-3 180,-8-4-90,12-6 0,2-2 180,-4-5-90,10 0 270,-19-17-90,-2 13 90,-11-31-1,-2 11-89,-29-17-180,-4 5-90,-24 15 0,9 9 0,-12 12 0,21 23 0,-10 14 0,25 13-135,5-9 0,4 1-671,5 14 671,-2-16 0,4-1-135,17 20 180,-14-1-90,13-31 0,3 1 0,-9 8 0,-1 0-269,13 15-168,-13-13 0,-4-1 78,-7 0-810,0 13 213,-19-27 1136,15 2 0,-48-16 0,10-2 0</inkml:trace>
+  <inkml:trace contextRef="#ctx0" brushRef="#br0" timeOffset="102957">18827 6273 10141,'-49'0'0,"5"0"-90,14-1 180,3 1-90,2 18 0,4-13-90,0 30 90,11-8-90,0 19 90,10-6 0,29-3-90,-22-13 180,53-2-90,-35-1-45,8-9 0,3 0 135,5 4-90,9 6 0,-17-13 0,-17 5 90,-1-8-180,-15 3-629,-29-2-1,22-2-225,-27 0 1,-5-3 944,14 1 0,-37 0 0,30-3 0</inkml:trace>
+  <inkml:trace contextRef="#ctx0" brushRef="#br0" timeOffset="103227">19063 6589 8522,'38'0'90,"-3"0"-90,0 0 0,-6 0 0,-3 0 0,-5 0-90,-4-13 180,-4 9-90,-3-23 0,-5 9 90,-2-17-90,-22 8 270,-8-7 90,3 15-180,-25 3 179,29 1-89,-26 13 0,17-10 270,-12 11-360,12-2-90,-3 21 0,12 6-90,12 26-180,0-9-841,8 4 391,22-13-270,-17 2-89,43-4 989,-5 6 0,14-13 0,-26-11 0,0 1 0</inkml:trace>
+  <inkml:trace contextRef="#ctx0" brushRef="#br0" timeOffset="103508">19583 6353 9422,'-24'-4'359,"-8"2"-269,28 17-90,-9 2 0,31 3 0,5 21 0,0-25 0,18 34 0,-15-24 90,1 6 0,8-4-90,-22-9 0,4 8 0,-8-15-449,-31 3 89,17-11-900,-37 0-539,13-4 1799,-18 0 0,18-14 0,9-4 0</inkml:trace>
+  <inkml:trace contextRef="#ctx0" brushRef="#br0" timeOffset="103841">19972 6408 7982,'-24'-9'630,"18"3"-450,-35 0-90,36 1-180,-33 0 90,32 1 0,-29-1 90,22 3-90,-5 15 0,33 5 0,15 20 90,14-9 90,-5 1 180,3 2-181,-14-8 451,9 16-450,-13-20 360,-13 12-450,0-19-180,-34 7 90,18-15-630,-54 2 90,37-6-269,-32 1-1,26-2 91,1 0 719,3-15 0,-1 11 0,2-12 0</inkml:trace>
+  <inkml:trace contextRef="#ctx0" brushRef="#br0" timeOffset="104024">20203 6469 9152,'10'0'899,"-1"0"-899,-4 16 0,0-1-90,-5 18-269,0-3-271,0-5-1079,0 4 1709,0-14 0,0 5 0,0-7 0</inkml:trace>
+  <inkml:trace contextRef="#ctx0" brushRef="#br0" timeOffset="104191">20222 6121 10411,'-18'-21'0,"4"3"-90,14 9-1259,0 19 539,0 13-269,15 11 1079,-11 3 0,27-6 0,-11 1 0</inkml:trace>
+  <inkml:trace contextRef="#ctx0" brushRef="#br0" timeOffset="104474">20588 6419 10411,'-44'-13'720,"-1"3"-540,24 29-180,-17-14-90,33 35 180,-27-8-180,28 10 0,-10 12-90,14-25 90,18 6 0,-14-15 0,38-9 90,-22 4 0,20-14 0,-10 7 90,-1-8-360,9-14 0,-10-6 90,-4-19-269,-14 7-1,-10-2-90,-20 11 90,15-2-359,-40 4-361,25 1 1170,-9 4 0,-10 8 0,7 3 0</inkml:trace>
+  <inkml:trace contextRef="#ctx0" brushRef="#br0" timeOffset="104811">20838 6427 9332,'3'38'90,"-1"0"0,-16-5-180,10-5 90,-11-2 0,15-3 0,0-1 0,15-10 0,2-23 0,1-12 809,23-22-359,-24 8 0,21 0 269,-7 2-539,-11 11-90,12-4-90,-15 18 0,3 4 0,-10 29-360,0-3-269,-3 24-361,-1-9-269,1 4 1259,2 19 0,0-13 0,2 12 0</inkml:trace>
+  <inkml:trace contextRef="#ctx0" brushRef="#br0" timeOffset="104963">22182 6528 10051,'12'-4'-1170,"-4"-2"1,-3 1 0</inkml:trace>
+  <inkml:trace contextRef="#ctx0" brushRef="#br0" timeOffset="106441">10597 8628 9422,'-28'-9'809,"-19"2"-809,27 2 90,-23 3 0,10 1-180,-3 1 90,1 0-90,-2 19 90,-13 5 90,13-1-45,10 3 0,2 0-135,7-6 180,-1 29-180,19-23 180,0 1-90,27-1-90,21 12 135,-19-24 0,4-1-530,17 10 1,1-1 484,-19-9 0,1-2 0,22 9 0,0-1 0,4 2 45,-22-8 0,-3 0 645,11 7-510,-19-6-90,-5 7-90,-16-10 90,-22 8-180,12-9-90,-49 6-449,29-8 785,-31 1-2225,7-6 989,13-1 1088,-11-2 0,21-14 1,2-4-1</inkml:trace>
+  <inkml:trace contextRef="#ctx0" brushRef="#br0" timeOffset="106728">10703 9029 8612,'45'0'900,"-2"0"-631,-2 0 361,11 0-360,-13 0-90,15 0-90,-25 0-90,3 0 0,-13 0 0,-3-14 0,-1 11 0,-3-25 90,-2 24-180,-2-27 180,-3 7-180,-2-7 270,-2-9-270,-18 17 180,12-4-180,-29 11 180,30 2-180,-34 5 90,33 4 0,-37 2 90,26 2-90,-26 23-90,17 6 90,5 14 90,9 0-90,11-9-180,0 0-540,18 0-629,-13 0 1349,23-12 0,7-2 0,-6 10 0,6-13 0,-1 1 0</inkml:trace>
+  <inkml:trace contextRef="#ctx0" brushRef="#br0" timeOffset="107040">11543 8793 9152,'-27'14'0,"1"-10"0,0 27 360,13-9-270,-6 20-90,17-9 0,18 11 89,-11-18-89,44 6-403,-27-10 403,25-1 90,-12 0-90,-1-3 0,-3 0 180,-4-2 797,0 2-977,-14-7 90,-1 2-810,-31-9-1168,-9 0 628,-22-18 1260,8 10 0,2-23 0,13 9 0</inkml:trace>
+  <inkml:trace contextRef="#ctx0" brushRef="#br0" timeOffset="107358">11990 8828 9602,'-40'0'1349,"-3"0"-1349,2 0-90,3 0 90,17 10 90,7 3-180,14 10 90,17-2 90,-12 1-180,49 8 90,-32-5 45,11-3 0,0-1-135,-5 5 180,9 16 0,-16-18-90,-9 11-90,-2-16 180,-10 1-90,-20-4-540,15-6-1709,-35 1 2249,14-8 0,-18-1 0,-1-2 0</inkml:trace>
+  <inkml:trace contextRef="#ctx0" brushRef="#br0" timeOffset="107511">12235 8969 8342,'15'18'720,"0"10"-540,-3-6-180,-3-3 0,1 25-90,-6-28-630,1 21 720,1-12 0,-3-7 0,3 4 0</inkml:trace>
+  <inkml:trace contextRef="#ctx0" brushRef="#br0" timeOffset="107691">12302 8526 9602,'-11'-14'-90,"-6"1"-1619,15 7 89,-5 17 1620,24-8 0,-13 28 0,13-11 0</inkml:trace>
+  <inkml:trace contextRef="#ctx0" brushRef="#br0" timeOffset="107993">13088 8864 9422,'-21'6'1259,"-14"2"-1079,31 3-90,-35 2 0,33 3-180,-37 1 180,38 2 90,-34 0-90,35 1-1,-23 0-89,25 6-89,-8-8 178,38 8-89,-21-16 0,24-3 0,6-3 0,-13-1 0,34-3 0,-18-16 90,-8-4-269,-6-16 89,-14-3-90,-41 10-90,6-1-495,-11 16 1,-3 4-406,-8-7 1170,3 7 0,-1 2 0,-7 2 0,-15 2 0</inkml:trace>
+  <inkml:trace contextRef="#ctx0" brushRef="#br0" timeOffset="108359">13408 8909 9602,'-18'32'89,"13"4"-178,-13-6 178,4 1 1,10-7-180,-10-2 90,14-1 0,0-2-89,0-2 89,0-3 0,0-2 89,0-3-628,0-3 629,14-2-90,-10-25-90,24 16 540,-16-54-91,4 35 271,2-32 539,-10 8-989,2 15-90,0-14 0,-6 31 90,4-6-180,-4 20 0,0 17-90,-1-10-2069,4 49 540,0-31 1619,9 41 0,-3-30 0,6 10 0</inkml:trace>
+  <inkml:trace contextRef="#ctx0" brushRef="#br0" timeOffset="108560">13955 9184 13289,'51'0'0,"-10"0"-449,0-15-1440,9 12 270,-7-12 1619,-5 8 0,1 3 0,8 1 0,15-7 0</inkml:trace>
+  <inkml:trace contextRef="#ctx0" brushRef="#br0" timeOffset="109256">15368 8839 10141,'0'-27'630,"0"-1"-180,-18 4-181,-8-10-359,3 14 315,-16 5 0,-2 3-225,10 4 0,-17 12 0,-3 3 0,6-3 0,9 21 0,1 5 0,-3-5 0,11 15 0,4 5 0,9-7-270,2-4 1,8-3-181,33-7 270,11 1 0,16-17-1072,1-3 1252,-13-5 0,0-21-653,15-9 743,-18-13-90,-15 22 0,-2-3 90,7-32-202,-15 10 291,-4 5 1,-3-1 90,-8-7-650,4 15 0,-4 1 830,-19-12-180,13-1 931,-29 4-1111,12-8-180,1 18 1443,-9-7-1353,19 28 213,-4 17-123,7 27-90,8 9 92,0 15-92,20-5-450,-11-9 0,0 1-135,2-9 1,1 2-1395,2 23 0,-1 0 1979,-2-24 0,0-2 0,2 9 0,2 0 0,14 11 0</inkml:trace>
+  <inkml:trace contextRef="#ctx0" brushRef="#br0" timeOffset="109558">15622 9040 11490,'0'-13'0,"0"2"0,0-2 0,20-5-90,-15 2 180,29-18-90,-12 13 0,-3-9 0,15 10 0,-30 2-90,23 0 90,-24-4 0,7 7 0,-10-7 0,0 13 90,-25-2 90,-7 8-90,-14-1 0,-12 21-90,23-13 90,-18 29 0,27-5-180,-3 20 0,20-5-449,2-4-541,7-13-359,24-3 0,-18-2 1439,48-5 0,-26-8 0,28-3 0</inkml:trace>
+  <inkml:trace contextRef="#ctx0" brushRef="#br0" timeOffset="110060">16182 8735 8162,'-45'-1'1440,"2"0"-721,4 15-449,8-11 0,13 27-270,5-27 360,12 23-181,-3-14-179,23 10 0,1-4 0,20-3 0,-3-6 0,-16-2 0,8-4 0,-27-2 0,21 1 90,-21 0-629,13-1 539,-28-11 899,7 7-899,-10-13 0,8 15 0,8-3 0</inkml:trace>
+  <inkml:trace contextRef="#ctx0" brushRef="#br0" timeOffset="110447">16260 8731 10771,'-41'-2'1169,"-2"0"-1079,13 2 0,-11 16-90,14 0 90,-18 19-180,19-20 180,-8 18-90,7-11 0,10 7-180,2 7 90,12-17-90,29 10 0,-20-14 135,30-3 0,7-3 45,-10-1 0,25-1 0,3-2 0,-6-1 135,-7-1 0,-3 0-45,-10-1-90,1 4 90,-26-2-90,-3 2 90,-7 0-90,-23-1 0,17 2-45,-25 0 0,-7 0 45,7 3-540,-13 0 1,-3-1-541,-3 1-269,10-3 0,0-1 1349,-3-2 0,-5-1 0,22-3 0</inkml:trace>
+  <inkml:trace contextRef="#ctx0" brushRef="#br0" timeOffset="110695">16693 8358 10951,'0'-4'1619,"-16"1"-1529,-6 2 0,1 23 0,-7 8-90,25 16 0,-8 1 0,3 15-90,5-13-1168,-2-5 1,2 0 627,23 6-359,-19-8 0,2-3-743,34 3 833,-32 9 840,25-15 0,-27-12 0,10 3 0</inkml:trace>
+  <inkml:trace contextRef="#ctx0" brushRef="#br0" timeOffset="110993">16420 8870 10591,'-10'-18'90,"7"0"-180,-7 1 90,10-2 0,0-1 0,28 1 0,-5 1 0,10 6 0,4 2-90,10-5 90,-3 6 0,1 1-571,11 3 571,-19 3 0,-1 0 0,11 2 0,-2 16 90,-5-12-180,7 30 180,-18-9-4,6 21-86,-25-9 180,-1-4 450,-9-13-540,0 0 0,-17-10-90,-6 0 295,-12-29-654,3-9-361,16-11-405,6 2 1,2-1 225,6-6 899,-4 2 0,5 2 0,22 4 0,5-8 0</inkml:trace>
+  <inkml:trace contextRef="#ctx0" brushRef="#br0" timeOffset="111313">17492 8712 10231,'-18'12'1439,"13"-2"-1349,-35 0 0,34-1-180,-47 1 90,29 2 90,-26 2-448,14 2 358,2 2 88,3 1-178,5 1 90,4 8 0,12-6 0,3 4 0,7-10-89,26-2-1,-3-4 90,22-4 0,-5-4 179,1-1-89,25-1-90,-16-20 45,-11 10 0,-1 0-45,-1-15 0,3-6-90,-28 17 90,-6-14-90,-6 8-449,-30-8 89,5 9-135,-10 3 1,-3 2-226,-9-1 74,14 7 1,1 1-345,-13-1 1080,2 3 0,6 2 0,2 2 0</inkml:trace>
+  <inkml:trace contextRef="#ctx0" brushRef="#br0" timeOffset="111511">17770 8740 9961,'10'0'720,"0"17"-720,-6 1-90,-1 12 90,-3-6-180,0 7-90,-16-9-90,12 9-989,-11-7 540,15-7 809,16 1 0,7-12 0,16-3 0</inkml:trace>
+  <inkml:trace contextRef="#ctx0" brushRef="#br0" timeOffset="111811">18082 8726 9691,'-20'-11'1080,"1"5"-990,-5 20-90,1-9 0,21 29 0,-7-9 0,9 9 0,0 1 0,18-8 0,2 13 0,1-7 0,14 22 90,-12-21-45,-3-6 0,1 0 225,1 4 269,8 21-179,-18-24-180,4 7 90,-2-15-90,-13-2-180,4-3 90,-5 3-180,-20-6 0,-12 5 0,-13-9-540,10-3 0,-1-2-539,-14 0-206,16-3 1,0 1-155,-16-2 1529,3 0 0,2 0 0,3 0 0</inkml:trace>
+  <inkml:trace contextRef="#ctx0" brushRef="#br0" timeOffset="112157">18573 8101 12300,'-2'46'180,"-1"-4"-180,3 2 0,0-3-1856,0 6 1766,0 3-90,0-11 0,0 1-360,0 19 90,10-19 1,0-2-720,-6 10 179,34-4-269,-21-7 1359,19-7 0,-4-7 0,1-6 1</inkml:trace>
+  <inkml:trace contextRef="#ctx0" brushRef="#br0" timeOffset="112429">18943 8299 10591,'0'-18'360,"0"1"-90,0 2 89,0 2-89,0 3 90,0 2 90,20 2-180,11 3-270,10 1 90,17 21-90,-21 12 89,-7-2 1,-1 4-1416,2 23 1326,-12-24 0,-3 1 45,-5 4 0,-3 1-210,0 22 165,-2-8 0,-6-1 0,-22 7-630,9-12 1,-2-2-1198,-13 0 972,2-17 1,4-2-1215,16 1 2069,-38-7 0,39-6 0,-15-3 0</inkml:trace>
+  <inkml:trace contextRef="#ctx0" brushRef="#br0" timeOffset="112597">19597 8667 11580,'5'0'-2518,"0"0"2518,-3 0 0,0 0 0,-1 0 0</inkml:trace>
+  <inkml:trace contextRef="#ctx0" brushRef="#br0" timeOffset="113008">19633 8755 12390,'0'5'1709,"13"0"-1079,-10 0-181,10 2-269,-4 0-180,-7 11 0,14-3 90,-9 17-90,2-10-90,0 19-180,-5-14-89,3 9-451,5 6 450,-3-8-179,14 26 359,-8-23 45,-1-6 0,0 0 45,2 4 90,-2-1 0,-2-1-630,-3 0-2068,1 20 539,-39-35 2159,3 3 0,-33-13 0,10 0 0</inkml:trace>
+  <inkml:trace contextRef="#ctx0" brushRef="#br0" timeOffset="124098">1758 11157 9871,'-7'-16'1709,"0"0"-1079,2-1-180,1-1-90,3 2-181,0-1-89,1 3-90,0-1 0,0 3 0,0 0 90,0 5 0,0 1-90,16 18 0,-1 16 0,3 11-90,4 14-117,-20-2 207,19 8-384,-19-25 0,-1 1 384,7 0 0,1 0-90,-8 3 0,-1 0-90,5-1 0,0 0 0,-3-1 0,-1 1-315,2 10 1,0-1-316,1 19 450,-2-27 0,-1-3-359,2 2-346,-2-8 76,2-9 989,-2-8 0,1-29 0,-1-10 0</inkml:trace>
+  <inkml:trace contextRef="#ctx0" brushRef="#br0" timeOffset="124624">1782 11277 8342,'-5'-34'630,"1"0"0,2-16-271,-7-5-449,9 24 450,0-2-360,0 11 270,0 1-90,0 12-180,19 6 90,4 0-90,0 25-90,20-17 270,-8 51-180,11-33-914,-13 11 0,-2 3 825,7 7 89,-3-5 0,0 2-1560,4 10 1245,-12-17 1,0 0-226,8 12-180,-2-2 271,0-4-487,2 7 486,-10-17 360,-3 8 90,-15-25 90,-5 0 90,-31-10 90,3-2-90,-28-1-46,17 0 1,0 0-45,-22 0 197,6-7 0,-1 0 72,-10 3-314,25-2 0,0-2 507,-25-4-282,22 9-90,-15-18-90,35 13 33,0-3-213,17-6 180,3 10-90,25-21 0,-18 10-135,27-4 0,6 1-135,-4-8 949,3 9 0,4-1-904,0-1 0,-2 1 135,-8 5 0,2 0 45,21-10 1,0 1 44,-22 11 0,-2 0 0,18-7 0,-2 0 1031,1 0-851,-13 4 0,-4 1-90,-7 4-90,1-4 90,-45 14-180,-3 14 90,-27-8 0,14 23 0,-2-24 0,8 31 0,-4-14-135,7 10 0,0 5-649,5-10 0,0 1 244,-8 11 0,0 1 540,7-5 0,1 0 0,0 3 0,0 0 0,-1 3 0,1 0 0</inkml:trace>
+  <inkml:trace contextRef="#ctx0" brushRef="#br0" timeOffset="125390">3285 11105 10051,'-19'-30'1529,"-7"1"-1529,15-3-180,-3 11 360,0-5-180,12 44 0,-4 18 0,24 24 0,-16-26 0,1 2 0,11 9 0,3 1-383,-8-10 1,-1 2 382,8 25 0,0-1 0,-8-25 0,2-2 45,9 21 0,0-3-135,-6 1 45,2-22 0,2-2 45,3 4-180,-5-14 6,6-4 174,-10-13 0,4-44 0,-9 12 0,-2-2 0,-1-5 45,-2 1 0,-1 0 225,0-20-135,0 10 0,0 0-135,0 0-90,-14-14 180,10 33 579,-11 21-669,15 26-90,14 33-269,-10-3-766,8-13 1,3 0-1341,5 8 1385,8 11 1080,2-22 0,-6-6 0,-1-3 0</inkml:trace>
+  <inkml:trace contextRef="#ctx0" brushRef="#br0" timeOffset="125728">3727 11522 8792,'-11'-18'0,"8"22"0,-8 15 0,11 16 0,17 20 0,2-18-393,2 15 33,7-19 75,-24 0-345,24 5 271,-14-13-271,10 2 540,-6-20 450,-6-22-90,-2-18 449,-4-31-359,-1 8 45,-4 16 0,1 2 183,0-6-498,0 6 0,-1 1-180,1 7 180,1-10-180,-2 33 90,3 3 90,1 20-270,6 13-450,-1 8 630,3 1 0,2 1 0,4 2 0,-4-8 0,1 1 0</inkml:trace>
+  <inkml:trace contextRef="#ctx0" brushRef="#br0" timeOffset="126089">4292 11445 8612,'-36'0'0,"16"22"0,-7-17 0,24 41 0,-8-7 90,11 9-1802,0 4 1802,0-19-180,0-2 600,22-3-600,10-6 90,10-5 0,17-8 90,-27-3 270,22-30 90,-36-10-636,16-13 546,-31-3 0,8 12 90,-11-1-91,0-11-359,0 14 675,-22-11-585,3 28-90,-5 24 0,10 26 0,14 15-45,0-8 0,0 1 45,0 12-585,8-6 1,0-1 577,-4 6-1691,4-7 0,-1 0 1698,-7-5 0,-15 13 0,-5-32 0</inkml:trace>
+  <inkml:trace contextRef="#ctx0" brushRef="#br0" timeOffset="126306">3427 11132 8612,'-6'-30'540,"2"2"-450,2 3-90,2 3 90,0 5-180,17 4 90,-13 4 90,13 4 0,0 2-270,1 18-270,2 11-2069,2 36 2519,-20-16 0,6 13 0,-8-26 0</inkml:trace>
+  <inkml:trace contextRef="#ctx0" brushRef="#br0" timeOffset="126472">3688 10739 8522,'9'17'-180,"-2"-12"-180,0 42-629,-1-20 989,3 31 0,4-9 0,1 4 0</inkml:trace>
+  <inkml:trace contextRef="#ctx0" brushRef="#br0" timeOffset="127240">5413 11421 9062,'-23'-20'270,"2"8"-360,-22-8 270,7 17-180,-1-15 0,-4 17 0,-17-5-90,13 22 90,13-7 0,0 1 90,-1 9-90,0 12-90,23-14 90,4 14 90,24-15 0,-13 3-90,34-17 0,-7 5 0,22-30 0,-8 17-305,-7-44 305,-15 27 0,-11-25 180,6 9 359,-16-23-179,7 14-90,-7 7 0,-6 0 180,-20-4-406,12 9 1,-1 1-45,-15 2-89,-4-17 178,15 35-89,-1 14 0,4 32 0,33 11 0,-15 9-330,34-8 330,-35 2 0,38 2 0,-26-13 0,-1 0-180,28 16-1726,-17-11 1,-1 0 1455,6 0 90,3 6 377,-10-21-107,-4-8 1,0-4-1,1-7 90,-7-3 317,3-17 133,-11-8-180,-1-20 180,-4 6 3212,-1-7-3752,0 15 0,0 1 180,-13 13-90,10 25-720,8 10 270,15 18 1,19-5 449,-3-13 0,-3-7 0,-3-13 90,-14-15 179,0 11 271,-15-28-180,4 10-90,-5-16-360,0 6 90,0 6 0,-12 13-450,10 23-270,7-6 1,0 28-181,26-29 1,-28 30-1,28-28 900,-26 29 0,31-30 0,-13 12 0</inkml:trace>
+  <inkml:trace contextRef="#ctx0" brushRef="#br0" timeOffset="127888">5955 11316 9961,'0'-22'540,"0"24"-540,0 8-90,18 9 180,-14 15-180,27-8-90,-18 7-90,2-3 0,5-13 1,-10-2 179,7-7 90,-6-1 0,1-27 0,-7 15 90,5-54 179,-5 34-89,1-32 180,-1 10-270,-3 15 180,3-15-180,-4 27-90,3 2 0,0 13 0,7 25 0,-2-15-270,13 49-90,-9-31-270,2 8 1,1 1 179,7-2-629,25 7 809,-15-16-180,14-10 1,4-1 449,-13-10 1169,22-16-540,-29-6 1,3 1-90,-18-19 0,-7 24 89,-3-18-269,-5 12-180,0 2 90,-1 2-180,-22 2-90,17 1 90,-31 3-90,33 22-90,-11 2 90,34 22-180,3-19 180,23 11 0,-12-23 90,1 9 0,-11-12 179,-1 0 1,-2 0 720,5-19-540,-7 14 89,3-31-449,-13 19-90,0-4 0,-7-2-629,0 35 179,-14 1-270,9 20-269,-9 5-1620,3 13 1080,7-10 1347,-7 16 0,0-16 0,-2-1 0</inkml:trace>
+  <inkml:trace contextRef="#ctx0" brushRef="#br0" timeOffset="128060">5650 12043 11670,'-2'-38'-3688,"1"4"2429,21 12 1259,-15-3 0,38 22 0,-15-9 0</inkml:trace>
+  <inkml:trace contextRef="#ctx0" brushRef="#br0" timeOffset="128306">7532 11235 11670,'-30'0'-540,"4"0"1,8 0-1</inkml:trace>
+  <inkml:trace contextRef="#ctx0" brushRef="#br0" timeOffset="128420">7577 11382 11221,'0'0'0</inkml:trace>
+  <inkml:trace contextRef="#ctx0" brushRef="#br0" timeOffset="129189">8917 11052 11131,'49'-17'539,"-8"12"-539,1-26 0,-6 28-900,-6-11 1,3-2-1716,18-2 1850,-14 8 0,-1 0 765,16-12 0,1 20 0,-2-7 0</inkml:trace>
+  <inkml:trace contextRef="#ctx0" brushRef="#br0" timeOffset="130024">10367 10553 10141,'0'-11'990,"0"0"-990,0 2 719,0 4-719,0 24 0,0 14 90,0 14-479,16 6 389,-12-10 0,12 2 90,-3 15-90,-10-17 0,10 16-90,-6-33-90,-5 2-719,5-17 899,-7-27-90,-16-12 0,12-36 180,-25 10-180,26-8 90,-4 25 0,1 1-90,6-19 135,0 7 0,0 1 254,0-5-209,10 12 0,6 3 0,16 1 90,15-1-90,-14 29 0,0 3-90,10-1 45,-4 22 0,-1 5-45,5 9-525,-8 11 0,-4 6 525,1 9 0,-14-19 0,-2 2 45,-7 1 0,-3-1-135,1 18-225,-2-13 1,-6-1-316,-20 3-180,7-12 1,-2-2-181,-27-1 1,1 5 989,9-17 0,-2-4 0,-1-2 0</inkml:trace>
+  <inkml:trace contextRef="#ctx0" brushRef="#br0" timeOffset="130176">10162 10844 9152,'0'-9'360,"28"0"-360,-21 0 0,54-1-360,-33-1-1597,33 1 1058,-10-1 899,-10 5 0,1 0 0,23-5 0,-22 6 0,0 0 0</inkml:trace>
+  <inkml:trace contextRef="#ctx0" brushRef="#br0" timeOffset="130422">11328 10315 10951,'-20'-12'449,"4"2"1,16 4-270,-10 3-180,8 26 90,-19 0-180,12 25 45,-8 2 0,-1 2-180,7-18 0,2 3-1476,-3 9 1,-2 6 0,3-5 1250,2-11 1,2 0-1585,-1 22 1,0-2 863,3 6 1119,3-25 0,1-1 1,1 6-1,0-4 1</inkml:trace>
+  <inkml:trace contextRef="#ctx0" brushRef="#br0" timeOffset="130839">11598 10751 10861,'-14'16'360,"3"3"-360,11 21 0,0-9 0,0-1 0,0-9 0,0 5 0,0-8-90,0 7-180,0-14-720,0 2-179,0-9 1169,0-20 0,0-8 0,19-24 0,-15 9 90,15 2 90,-19 11 719,16 5-629,-13 1 0,23 10-270,-15 2 90,10 8-90,-1 20-360,-3 1-1529,6 25 630,-9-14 1259,6 3 0,-5-14 0,2 1 0</inkml:trace>
+  <inkml:trace contextRef="#ctx0" brushRef="#br0" timeOffset="131222">11973 10480 9961,'0'-16'990,"-10"1"-451,7 6-269,-7 2-270,10 21 90,0 12-180,18 12 180,-14 8-135,11-15 0,2 0-135,1 20 0,-3-8 1,1 0-181,2 6 135,-5-12 0,1 0 45,-1 0-90,9 19 180,-6-36 0,-8 4 90,-4-41 0,-3-11 0,-1-11 0,0-2 0,0 10-90,0-10 90,14 12 90,-10-6-180,24 24-179,-15 25-181,10 17-180,-3 14-899,0 14 1529,-3-22 0,5 10 0,-3-17 0</inkml:trace>
+  <inkml:trace contextRef="#ctx0" brushRef="#br0" timeOffset="131539">12485 10894 9602,'-43'-6'449,"18"-2"-449,-6 8 0,21-3-270,-6 23-539,9-1 269,31 20 450,2-10 90,24-11 0,-24 1 180,13-17 540,-21 6-271,10-8 361,-13-17-180,-7-1-181,-8-15-449,0 7-449,0 4-1080,0 27-810,0 10 2339,0 29 0,20-9 0,6 3 0</inkml:trace>
+  <inkml:trace contextRef="#ctx0" brushRef="#br0" timeOffset="131940">12957 11006 10591,'-20'-23'270,"-9"4"-90,26 6-270,-10 24 180,13 10-180,18 13 180,-13 2-180,28-7 90,-29 0-90,23 11 270,-15-12-180,11 17-180,-12-25 180,-3-21 90,-25-46-180,12-6-215,-4 15 1,0 1 754,9-14-180,0-2 0,0-1-180,0 20 0,0 0-90,0-15 180,17-14-180,-13 38 90,30 4 0,-18 16-180,17 25-90,-9 11-630,-3 25 91,-10-8-1260,-4 11 989,-7-25-449,0 6 1439,0-17 0,0-3 0,0-2 0</inkml:trace>
+  <inkml:trace contextRef="#ctx0" brushRef="#br0" timeOffset="132112">12170 10676 9781,'0'-32'630,"0"1"-540,18 4-90,-14 2 90,32 3-90,-32 2-450,35 0-539,-10 9-1620,18 2 2609,-10 9 0,-7 24 0,-12 6 0</inkml:trace>
+  <inkml:trace contextRef="#ctx0" brushRef="#br0" timeOffset="132258">12643 11617 6094,'0'-22'0,"0"5"0</inkml:trace>
+  <inkml:trace contextRef="#ctx0" brushRef="#br0" timeOffset="132879">9045 11313 8612,'-13'-2'1439,"1"0"-539,-4 0-720,6 0-90,-5-1 719,9 2-809,24 17 90,15 8-90,3 0 0,4 1 0,-6-4 0,1 1-1299,3 1 0,2 1 0,-1-1 579,0-1 1,2 1-331,5 5 1,5 2-1,-4-1 1050,-2-2 0,-1 0 0,-6-4 0,2 3 0,-3-3 0,3 4 0,-1-1 0</inkml:trace>
+  <inkml:trace contextRef="#ctx0" brushRef="#br0" timeOffset="133465">11062 12252 10591,'-17'-29'899,"13"0"-449,-31 1-180,31-1-180,-35 3 90,24 2-180,-19 5-90,2 1 0,-1 10 90,1 0-630,0 27 271,19-14-1,0 35 90,11-23 0,2 18-180,17-8-269,13 8 359,10-18 315,-9 0 0,0-2 45,11-5-699,11 3 969,-18-6 0,-4-7 0,-6 0 360,-5 0 89,-4-16-269,-8 0-90,-2-16-90,-24 16 428,13-9-788,-29 14 0,20-4 90,-5 50 90,9-7-90,8 15 0,4 2-90,-2 3-481,9-16 0,2 0 661,-6 11 0,15-3-90,-20-3 90,12 4-270,-10-12-899,10 5-630,-12-20 1709,-17-3 0,-5-8 0,-17-3 0</inkml:trace>
+  <inkml:trace contextRef="#ctx0" brushRef="#br0" timeOffset="133658">11383 12198 8882,'12'15'899,"-2"-12"-629,0 24-90,0-11-180,-2-1 90,4 11-90,-6-9-90,3 6 90,-4-2-360,2-7-539,0 0-540,4 5 989,-1-7 450,4 6 0,-7-12 0,2 1 0</inkml:trace>
+  <inkml:trace contextRef="#ctx0" brushRef="#br0" timeOffset="133780">11470 12099 9332,'-13'-32'90,"9"3"-180,-9 3-540,6 0 90,5 9 540,-6 0 0,8 13 0,0 1 0</inkml:trace>
+  <inkml:trace contextRef="#ctx0" brushRef="#br0" timeOffset="134073">11905 12156 10951,'-18'4'899,"14"-1"-989,-14 1 90,2-1-90,1 9 0,-4-3 0,7 10-89,12-5-271,0 13 180,0-9 180,23 13 90,-18-14-90,40 3 270,-18-4-90,1-9 540,13 1-451,-25-7-358,6-17-271,-10-2-360,-35-2-1528,-6-21 1078,-14 34 1042,0-35 1,7 31 0,-2-13 0</inkml:trace>
+  <inkml:trace contextRef="#ctx0" brushRef="#br0" timeOffset="134255">11918 11659 9152,'16'-14'180,"-4"3"-270,-1 2 0,-4 3-1080,-2 3 271,-1 24 899,-4-1 0,0 23 0,0-7 0</inkml:trace>
+  <inkml:trace contextRef="#ctx0" brushRef="#br0" timeOffset="134695">12447 11794 11490,'-15'-5'0,"2"2"0,-5 24 0,9 11 0,9 14-310,0 4 310,0-6 0,15 2 0,-14-11 0,2-1 0,27 17 0,-28-8 0,-1-2 0,24 1 0,-22 10-180,8-26-13,-11-4-77,7-6-540,-5-4 721,4-22 89,-6-9 0,0-14 0,0-3 89,15-5 1,-11 12 324,27-12-414,-16 28 180,15-1-180,-3 14-90,-6 19 180,4-14-90,-7 40-989,14-4-1,-8 12-135,-1-15 1,1-1 1029,5 5 0,-9-15 0,2-2 0,10 4 0</inkml:trace>
+  <inkml:trace contextRef="#ctx0" brushRef="#br0" timeOffset="135023">13278 12303 9332,'-27'-8'359,"-16"5"-359,37-9 90,-38 11 0,25-3-90,-33 4 0,22 17 0,-17 5 0,26-1-180,-4 27-89,17-31-91,4 25 90,20-15 180,7-5 90,22-5 90,3-8 90,-8-9 90,-5-15 179,-14 12-89,-9-29 0,6 28 450,-15-28-451,7 12-449,-10-10-989,0 6-540,0 28 719,0 13-89,0 15 989,0 2 0,20-6 0,4-1 0</inkml:trace>
+  <inkml:trace contextRef="#ctx0" brushRef="#br0" timeOffset="135341">13525 12421 11131,'0'-21'90,"0"3"-360,0 27-630,0 5 361,0 22 539,13-4 0,-9-6 0,16-11 90,-18-23 179,9 4 271,-5-30-360,2 6-90,3-7-90,-5-5-180,4 17 180,-5 6 0,3 8-90,-2 9-2159,13 19 1440,-2 7 809,21 25 0,-10-11 0,10 3 0</inkml:trace>
+  <inkml:trace contextRef="#ctx0" brushRef="#br0" timeOffset="135672">14270 12418 10501,'-19'-33'540,"14"6"-630,-36 13 90,36 3-90,-30 10 90,20-3-450,-1 21-90,4-2 360,32 17 180,6-9 90,22-8 0,-22 0 450,14-13 1349,-23 4-1979,5-20 0,-10 31 0,-23-25-629,8 64-1,-8-34-90,1 31-809,7-16 270,-13-10 1349,15 2 0,-11-19 0,4-3 0</inkml:trace>
+  <inkml:trace contextRef="#ctx0" brushRef="#br0" timeOffset="135843">13758 11561 12660,'0'-18'-1260,"23"5"811,6 7 89,13 4-1349,15 19 719,-19 12 990,-6 0 0,0 3 0,-13-4 0,-3 1 0,6 3 0,0 1 0</inkml:trace>
+  <inkml:trace contextRef="#ctx0" brushRef="#br0" timeOffset="136422">8907 11639 8972,'0'-4'1349,"18"0"-899,7 4 179,24 17-539,-6 11-1796,6 10 1706,-9 10 0,2-5 45,-20-19 0,0 3-45,10 18 0,0 2 0,-7-8 0,0 2 30,3 8 0,3 6 0,-3-3-30,-1 1 0,-2-1-831,-2-5 1,0 3 0,-1-3 740,2 8 0,-2-1-135,2 3 0,-1 1-1256,-1 0 1,1 1 940,0 2 1,-1 0-136,0-1 1,0 0-53,0 1 0,-1-1 727,1-1 0,0 0 0,0-3 0,1-1 0,-1 0 0,1-1 0</inkml:trace>
+  <inkml:trace contextRef="#ctx0" brushRef="#br0" timeOffset="137273">10887 13678 8792,'-8'-10'1799,"5"-1"-1259,-5 1 449,2-9-539,0 6 90,-5-11-361,3 12-179,1-5-179,-1 9 179,2 2-90,-8 2-90,3 3-450,-11 1 90,7 19 1,-6-14-271,3 28 630,9-10-180,-1 17 360,9-7 90,27 7-180,11-19-1031,14 6 1211,2-11-180,-14-1 180,-2-1 343,6 4 106,-23-6-89,13 6-360,-31-9 90,9 3-180,-11-5 1097,-28 2-1187,21-3-450,-47 0-359,32-1-1260,-42-1 900,26-2 1314,-12 0 0,21-2 1,4 0-1</inkml:trace>
+  <inkml:trace contextRef="#ctx0" brushRef="#br0" timeOffset="137672">11323 13657 8522,'15'19'450,"-1"16"-180,-2-19 0,-2 18 89,0 4-359,-1-5 0,0 12 90,-2 5-90,-2-9 0,0-8 0,0 1 0,-1 5 0,7 23 0,-8-27 180,6 21-90,-8-30-899,2 6 719,-20-25-90,-1-36 180,-3 3-90,-10-32 90,20 21 0,1-1-144,-1 7 1,0-2 323,-5-27 0,4-3-686,10 26 1,1 0 640,-4-12 0,-1 1 135,6-10 0,0 4-180,0 10-1,0 7-103,22 11 14,-17 6 0,31 9 90,-18 5 0,15 27-90,-14-1 0,8 22 0,-24-7-270,16 4-630,-17 1-179,10 2-180,-10-1-271,2-2 1530,-4-2 0,0-5 0,0-3 0</inkml:trace>
+  <inkml:trace contextRef="#ctx0" brushRef="#br0" timeOffset="138081">11902 13560 9152,'5'0'1169,"-2"19"-1079,-1 6-180,-2 11 180,0 2-90,0-7 0,0 2-90,0 0 180,0 10-90,0-13-270,18 9 270,5-26-90,0 3 90,17-16-90,-23 3 90,20-21 0,-12 14 0,1-39 90,-3 23 540,2-40 0,-10 24 179,2-26-539,-13 30-180,-1-5-180,-3 14 0,0 8 180,0 39-90,0 17 0,0 25-805,-1-31 0,2-2 805,18 19 90,-15 5-254,29-3 164,-25-17 0,-2 1-90,11 14-45,-11-12 0,-2-1-315,-4 0-2248,0 20 1709,-21-37 989,-3 4 0,-20-41 0,5-6 0</inkml:trace>
+  <inkml:trace contextRef="#ctx0" brushRef="#br0" timeOffset="138355">12375 13369 10321,'0'-6'540,"0"19"-540,-14 4 0,10 18-90,-10-1 0,14-3 90,17-7 0,4-11 0,17-7 90,1-24 0,-8-3-180,-12-20 90,-10 11-450,-9 0-899,0 9-630,-16-2 1979,12 5 0,-28 4 0,12 8 0</inkml:trace>
+  <inkml:trace contextRef="#ctx0" brushRef="#br0" timeOffset="138723">12900 13678 11940,'-11'-12'270,"0"-7"-360,3 17-630,0-13 631,6 29-91,14-16-810,-8 30 91,23-24 899,-23 18 0,15-20 0,-12 7 0</inkml:trace>
+  <inkml:trace contextRef="#ctx0" brushRef="#br0" timeOffset="138989">13063 13274 11850,'0'-4'180,"-12"1"-180,9 25 90,-10-2-90,13 46-90,0-19-1603,-1 3 0,2 1 883,15 13 405,-14-20 1,0-1-707,15 15 301,-5-6 361,-9-4-1080,10 9 1529,-13-20 0,0 4 0,0-20 0</inkml:trace>
+  <inkml:trace contextRef="#ctx0" brushRef="#br0" timeOffset="139106">12823 13882 10051,'-10'-22'-90,"-5"0"180,14-1-1259,23-23 539,4 15-494,10-2 0,5 2 919,15 1 0,-17 8 0,0 1 0,-9 6 0,1 0 0</inkml:trace>
+  <inkml:trace contextRef="#ctx0" brushRef="#br0" timeOffset="139638">13438 13145 10051,'-17'-4'270,"-7"2"-180,22 20-90,-8 11 0,10 15 0,0 5 45,9-14 0,3 0-535,10 23 535,-1-5 0,0 0-495,-10-20 0,-1-1 450,8 10 0,-3-1 0,-11 14 90,24-6-180,-25-3-53,17 5 53,-14-18-810,3 7 271,-5-27 954,-4-26-325,0-22 90,0-13 45,0 13 0,0 1-135,0-9 360,18-20-180,-13 32 850,24-2-1030,-17 23 0,15 24 90,-9-9 177,3 39-267,-5-24-90,0 23-90,1-10-179,1 1-1,0-3 90,1-3-180,8-4 360,-7-3 0,15-11 180,-16-2 360,12-30-90,-17-8 359,1-12-89,-9-2 90,-3 12-1,-1 1-359,-1 3-270,-1 4-450,0 1-1079,0 33 360,0 8-1980,18 40 3059,0-11 0,3 1 0,-8-14 0</inkml:trace>
+  <inkml:trace contextRef="#ctx0" brushRef="#br0" timeOffset="139773">14012 13278 9242,'-9'-16'-360,"7"5"0,-7 4 0,9 4 1</inkml:trace>
+  <inkml:trace contextRef="#ctx0" brushRef="#br0" timeOffset="139991">14577 13478 10771,'-43'0'629,"1"0"-629,1 19 0,5 8 90,17 10-90,6 3-269,13 1-451,0-9-899,27 17 629,-6-24 990,11-10 0,3-3 0,10-4 0,17-3 0</inkml:trace>
+  <inkml:trace contextRef="#ctx0" brushRef="#br0" timeOffset="140325">14770 13076 11131,'-19'-15'-90,"3"4"360,6 7-91,7 27-134,16 6 0,4 3-45,-7 31-559,12-26 0,8 3 1,-6-2 468,-2 24 90,8-8 0,1-1 0,-3 3 0,-10-21 0,-2-1 180,4 2 133,-4-7-403,-1-9 180,-2-6 0,-2-7-180,2-25 270,-5 13 1313,1-44-1223,0 26-180,0-24-180,1 12 410,-1 4-410,1 4 180,-3 12-90,2-3 90,-3 15-450,6 10 0,-2 22-180,3 9-359,-3 8-592,0-7 52,-1 1 1439,1 13 0,-5-15 0,1 8 0</inkml:trace>
+  <inkml:trace contextRef="#ctx0" brushRef="#br0" timeOffset="140493">14928 12576 12570,'-23'-14'-3328,"-8"3"2338,7 6 990,-18 19 0,12-10 0,-10 12 0</inkml:trace>
+  <inkml:trace contextRef="#ctx0" brushRef="#br0" timeOffset="141207">9058 12224 10861,'-1'-9'-180,"1"3"630,0 0-450,0 24 180,20 1-180,-14 25 89,36 1-1785,-24 0 0,0 4 1696,4-9 0,2 3 30,0 11 0,0 8 0,-1-4-469,-1 0 1,0 4 456,-5-11 0,3 8 0,0 4 0,-1-2 0,-2-7-412,0 2 0,-3-5 0,3 6 394,0 1 0,2 9 0,0 2 0,0-3 0,-3-8-120,-1-4 0,-3-7 0,3 5-398,2 7 1,2 7 0,0-1 0,-2-6 157,-3-11 0,-1-5 1,1 4 359,3 6 0,2 5 0,0 0 0,-2-7 0,4 12 0,-1-2 0,-2-10 0,0 1 0,0 0 0</inkml:trace>
+  <inkml:trace contextRef="#ctx0" brushRef="#br0" timeOffset="143288">10905 14898 8342,'0'-6'450,"0"0"-360,0 3 180,0 1 180,0-2 629,0 3-1079,0-2 0,0 0 0,0 1 0,0-2 0,-16 0 0,13-1 0,-13 0-90,2-4 90,-5 4 0,-20-2 0,7 5 0,-15 0-90,19 17 0,-15 5 90,21-2-90,-3 18 0,17-9 90,2 11 90,32 10-90,-19-17-429,46 8 519,-27-11-180,21-2 180,-8 0-90,-2-1 0,-4 0 180,-2-3 720,-7 5-900,0-10 0,-13 7 0,-1-14 0,-10 1 0,-20-6 249,15 0-609,-40-1-360,22-1 1,-24-3-271,9 0-1259,-19 0 2249,16-18 0,-11 14 0,22-14 0</inkml:trace>
+  <inkml:trace contextRef="#ctx0" brushRef="#br0" timeOffset="143622">11395 14939 9871,'0'-9'1260,"-21"-3"-1170,-5 5 0,-25-2-90,10 6-90,-9 2 0,21 20 180,-9 7-180,24 11 0,1 3 90,13 9-90,18-12 90,-2-5 0,2-1 0,26 1-1659,8 6 1659,-10-19 0,2-10 387,-1-3-297,17-6 0,-20 0-90,16-19-180,-38-7 0,5-25-179,-22 6-1086,-14-1 815,8 11-90,-40 2 91,19 3-448,-27 5-93,7 5 1170,-1 9 0,-2 5 0,1 6 0</inkml:trace>
+  <inkml:trace contextRef="#ctx0" brushRef="#br0" timeOffset="143975">12238 14906 9512,'-50'-6'719,"1"1"-449,13 5-360,-1 0 180,2 0-180,1 0 90,5 20 0,4-16 0,13 31-90,-3-7 90,13 7 90,24 24-90,-14-21-275,19-12 1,5 0 274,-8 10 0,30 0 0,-17-2 0,2-5 89,-6-1 271,-3-7 810,-6 1-1080,-4-7-180,-10-1 90,-2-8-540,-36-3-180,-7-2-225,2-1 1,-1 0-135,-17 0 1079,-12-16 0,31 12 0,-7-12 0</inkml:trace>
+  <inkml:trace contextRef="#ctx0" brushRef="#br0" timeOffset="144345">12733 15111 9871,'0'-7'1170,"0"0"-900,-19-1-181,14 0 1,-33-3 90,7-1-180,5 4-90,-33 1 0,40 7 0,-26-1 1,21 16-451,11 1-270,2 18 451,11-1 179,23-4-180,6-1 360,13-6 0,10-5 180,-19-5 180,13-5 89,-19-7 990,-6-18-1079,-10-2-2069,-11-11-540,0 27 1350,0 13 899,0 19 0,17 0 0,6-5 0</inkml:trace>
+  <inkml:trace contextRef="#ctx0" brushRef="#br0" timeOffset="144705">12955 15158 9332,'4'0'629,"3"0"-449,-3 14-90,4-11-90,7 42 0,-2-25 90,4 29-180,-4-19 180,-1 1-450,10 23 90,-9-24 1,6 19 89,-12-36-360,0-1 540,-3-10 0,0-16 0,0-13 90,1-9 360,1-29-90,-1 21-91,-2 5 1,1 1-90,0-4-90,2-15 90,-3 39-90,3-8 90,-3 25-180,2-5 90,1 6-90,6 18 0,1 10 0,13 27-360,-8-8-765,0-13 1,0 0-403,3 4 1527,9 11 0,-10-24 0,0-2 0</inkml:trace>
+  <inkml:trace contextRef="#ctx0" brushRef="#br0" timeOffset="145072">13447 14733 10501,'-14'-19'180,"11"4"719,-10 7-899,13 26 90,17 16 0,7 15-460,-1 9 370,6-19 0,0 0 90,-9 24-135,11-8 0,2-1 45,-19-22 0,-1-2-225,8 18 1,-1-2 134,1 1 0,-3 3 181,-3-26-181,-13-9 0,10-6 90,-10-4 0,3-4 90,-2-40 369,0 14-190,0-13 1,0-2-90,3-2-225,-2 8 0,-1 1 45,1 0 0,2 4 0,-5 11 0,2 16 0,-1-8 0,2 26 0,1-12-629,2 46-361,-1-26 45,-2 9 1,0 2-315,0 1 1259,1 10 0,-4-19 0,-1-1 0</inkml:trace>
+  <inkml:trace contextRef="#ctx0" brushRef="#br0" timeOffset="145255">12735 14470 11221,'-12'0'-90,"2"0"-540,1 0-989,5 19 540,1 11-451,3 12 1151,17 10 0,-12-4 1,13 5-1</inkml:trace>
+  <inkml:trace contextRef="#ctx0" brushRef="#br0" timeOffset="145609">14993 14964 9871,'-48'0'360,"1"0"-180,-1 0-270,11 5 0,1 2 180,-7 8-180,-18 9 180,48 2-180,3-7 180,29 5-180,-15-6 180,43 4-180,-25 1 135,17-2 0,2 0 315,-2 5 179,-5-4 1,-3-1-450,-16-7-180,-1 3 180,-14-9-450,-24-1-179,-11-5-1260,-31 0 809,12-2 990,19-9 0,2 0 0,-2 5 0,-8-13 0</inkml:trace>
+  <inkml:trace contextRef="#ctx0" brushRef="#br0" timeOffset="146009">15252 15070 11490,'-17'-24'270,"15"-10"-270,-32 30 0,30-21-90,-27 23 90,10-8-180,-14 10 90,6 20-89,13 8-361,8 23 450,8-8-180,24 8 270,6-22-45,-4-8 0,3-3 135,11-5 0,21 7 0,-34-18 180,15-11-90,-27-15 629,-7-21-539,-2 6-90,-6-4 0,0 15 90,0 0-270,0 5 0,-16 3-990,12 3-269,-12 24-810,16 6 900,17 30 1169,-12-8 0,25 5 0,-14-11 0</inkml:trace>
+  <inkml:trace contextRef="#ctx0" brushRef="#br0" timeOffset="146388">15602 15039 9332,'-20'-3'1349,"5"22"-1349,30-1 90,4 25-90,0-12 0,-4 0 0,-2-11 180,-10 3-180,15-13-450,-16 6 450,4-33 0,-6-4 90,0-15 180,0-17-180,0 20 90,16-19-180,-12 24 0,29 5 90,-20 13-90,15 33-270,-3 11-540,-7 15-179,2 1-810,-4 7 719,-3-16 1080,1 10 0,-6-23 0,-1-2 0</inkml:trace>
+  <inkml:trace contextRef="#ctx0" brushRef="#br0" timeOffset="146577">15327 14459 9961,'17'-22'540,"-12"2"-450,31 4-90,-10 1-90,-2 8 90,18 0-899,-19 6-451,2 22 1350,4 14 0,-26 14 0,10 7 0</inkml:trace>
+  <inkml:trace contextRef="#ctx0" brushRef="#br0" timeOffset="147079">16645 15078 10231,'-31'0'180,"12"20"0,-2 13-90,18 13-1894,-6 4 1804,9-4 0,0-1 0,-2-11 0,4 0 0,15 18 0,-12 12 90,13-24-90,-6-5 653,-9-4-563,10 0-90,-5-10-155,-6-2-204,-8-34 89,-15-31 180,2-6 45,3 3 0,4-2-404,10-11 449,-4 1 0,1 0-488,5 22 1,0 2 577,-1-12 0,2-1 134,8 5 1,4 4-135,18-16 90,-5 19 0,3 5 0,17 8 0,9 6-180,-26 15 180,7 29-180,-24-5 90,10 23-90,-17-9 0,-1 0 0,10 10-405,-7-2 0,-8 0-674,-20-7 1079,-6 13 0,-26-27 0,-1 2 0</inkml:trace>
+  <inkml:trace contextRef="#ctx0" brushRef="#br0" timeOffset="147471">16825 14336 9152,'25'-4'809,"-1"1"-449,-1 3-90,0 24-180,-2-4 90,-5 11 0,-2 3-180,9 13-642,-5 1 1,-1 2 596,-7-17 0,-1-1 45,2 12 0,0 1 90,2 17-180,-1 3 180,-1-4-90,-5-20 0,-1-1 90,2 16 0,-3-17 0,-1-3-90,1-4-305,-2 1 125,-1-42 90,-1-30 180,0-6-135,0 6 0,0-1 45,0-1-539,16-13 628,-12 21 91,25 4-90,-26 6 270,24 3 806,-10 10-1256,15 3 180,-7 22-90,0-11 0,-7 33 0,1-18 0,-1 21-450,-1-6-539,-1 3 511,-1 0-1411,10 15 810,-6-15 1079,10 7 0,-6-20 0,0-2 0</inkml:trace>
+  <inkml:trace contextRef="#ctx0" brushRef="#br0" timeOffset="147805">17747 14996 10681,'-20'-25'899,"16"4"-449,-16 2-90,-3 5-180,18 0-180,-35 5 0,21 2 0,-15 4 0,5 39 0,8-15-180,13 10 0,3 4-180,1-1-179,28 22 269,-18-25 0,37 10 270,-19-28 0,1 5 0,13-17 0,-17 2 90,11-18 360,-13-9-1,-9-21-89,-10 7-90,0-1-90,0 14-90,0 2-270,0-2-450,0 8-269,0 23-271,0 17 1,0 15 0,14 3-1,-10-9 1170,24 1 0,-24-1 0,9-3 0</inkml:trace>
+  <inkml:trace contextRef="#ctx0" brushRef="#br0" timeOffset="148309">18018 14992 11041,'0'-19'90,"-13"9"-90,10 20 90,-11 16-90,34 12-90,-16 1 90,16-7-180,-4-1-90,-12-1 0,23-4 0,-25-4 90,19-1 270,-13-12 0,3-17 0,-4-20-90,-4-8 270,2-6-180,0 10 0,1-2 90,4-4-90,-2 12 0,6-2-90,-6 20 90,8 2-90,-5 27 0,3-16-90,5 49 90,-6-33 0,10 40 0,-12-33-90,6 10 90,-10-25-450,5 5 450,-8-16 0,3 4 0,-1-22 0,1-9 0,7-27 90,-3 6 90,0 12 0,-1 1-90,4-5 180,3-10-181,-5 23-89,-1 5 0,-1 10 0,5 3 0,-3 7 0,9 20 0,-8-16-269,4 39-361,-7-23-449,1 23-91,-3-10-89,0 1 1259,-4-1 0,-3-2 0,0-2 0</inkml:trace>
+  <inkml:trace contextRef="#ctx0" brushRef="#br0" timeOffset="148539">17682 14427 10681,'0'-34'719,"0"3"-629,23-6-90,-3 13 0,24-4 90,-25 18-359,14 3-181,-16 6-450,2 21 1,5-14-181,-21 37 1,18-24 1079,-19 21 0,11-8 0,-8 1 0</inkml:trace>
+  <inkml:trace contextRef="#ctx0" brushRef="#br0" timeOffset="148721">18010 14248 9961,'34'-40'1619,"-1"3"-1529,2 1-621,0 6 621,-2 3-1,-2 6-89,-2 7-179,5 8-181,-10 20-247,2 6-292,-13 21-361,-6 2-1587,-2 10 2847,-4 8 0,-1-26 0,0 0 0,0 2 0,0 0 0</inkml:trace>
+  <inkml:trace contextRef="#ctx0" brushRef="#br0" timeOffset="149139">11753 16456 11041,'-32'0'1439,"2"0"-1169,5 0-180,5 0-90,3 0-180,6 0-360,4 0-4047,3-12 4587,24 10 0,-15-10 0,15 12 0</inkml:trace>
+  <inkml:trace contextRef="#ctx0" brushRef="#br0" timeOffset="149291">12807 16559 11041,'47'2'0,"-3"0"-90,-3-2-270,-5 0-540,0 0-539,0 0 1439,20-13 0,-11 9 0,14-10 0</inkml:trace>
+  <inkml:trace contextRef="#ctx0" brushRef="#br0" timeOffset="149455">15205 16510 12120,'34'0'0,"0"0"0,29 0 0,-10-7 0,-12 5-540,-7-12-809,-7 9-3070,10-10 4419,-11 5 0,10-1 0,-13 4 0</inkml:trace>
+  <inkml:trace contextRef="#ctx0" brushRef="#br0" timeOffset="149610">17373 16195 13110,'39'0'0,"-1"0"0,11 0 0,-2 0 89,16 0-449,-19 0 1,-2 0-810,-3 0-451,8 0-268,-21 0 1888,-4 0 0,-4 0 0,-2 0 0</inkml:trace>
+  <inkml:trace contextRef="#ctx0" brushRef="#br0" timeOffset="149722">18590 16256 13289,'44'20'-4947,"-4"-4"4947,-2-16 0,-7 0 0,-2 0 0</inkml:trace>
+  <inkml:trace contextRef="#ctx0" brushRef="#br0" timeOffset="158621">14672 10593 11221,'0'-4'3058,"-14"1"-1709,4 2-1169,11 1-180,9 15-180,27 2-270,-1 19-89,-15-8-271,11 3-89,-19-7-1350,19 9 720,-11-9-1619,10 12 3148,-11-19 0,2 3 0,-8-10 0</inkml:trace>
+  <inkml:trace contextRef="#ctx0" brushRef="#br0" timeOffset="158755">15042 10605 13110,'-23'-21'809,"-11"3"-719,30 4 90,-30 6-360,18 4-360,-23 4-449,6 0-810,-8 26-2200,-3-4 3999,19 1 0,0 3 0,-2-4 0,1 0 0,-1 3 0,0-1 0</inkml:trace>
+  <inkml:trace contextRef="#ctx0" brushRef="#br0" timeOffset="159722">15370 12221 12390,'8'0'1619,"0"0"-1349,-1 0-180,1 0 0,2 0-90,1 10 0,15-8 0,-5 8-1170,37 3 361,-26-10-1260,32 12 990,-38-14-720,16 4 1079,-24-5-179,5 2 899,-14-2 0,-1 0 0,-4 0 0</inkml:trace>
+  <inkml:trace contextRef="#ctx0" brushRef="#br0" timeOffset="159829">15672 12197 11580,'-35'0'630,"6"0"-630,1 0-90,6 0-719,-2 20-3239,-16 8 4048,8 11 0,-11 5 0,14-9 0</inkml:trace>
+</inkml:ink>
+</file>
+
+<file path=ppt/ink/ink3.xml><?xml version="1.0" encoding="utf-8"?>
+<inkml:ink xmlns:inkml="http://www.w3.org/2003/InkML">
+  <inkml:definitions>
+    <inkml:context xml:id="ctx0">
+      <inkml:inkSource xml:id="inkSrc0">
+        <inkml:traceFormat>
+          <inkml:channel name="X" type="integer" min="-2.14748E9" max="2.14748E9" units="cm"/>
+          <inkml:channel name="Y" type="integer" min="-2.14748E9" max="2.14748E9" units="cm"/>
+          <inkml:channel name="F" type="integer" max="32767" units="dev"/>
+        </inkml:traceFormat>
+        <inkml:channelProperties>
+          <inkml:channelProperty channel="X" name="resolution" value="1000" units="1/cm"/>
+          <inkml:channelProperty channel="Y" name="resolution" value="1000" units="1/cm"/>
+          <inkml:channelProperty channel="F" name="resolution" value="0" units="1/dev"/>
+        </inkml:channelProperties>
+      </inkml:inkSource>
+      <inkml:timestamp xml:id="ts0" timeString="2021-07-28T05:40:13.878"/>
+    </inkml:context>
+    <inkml:brush xml:id="br0">
+      <inkml:brushProperty name="width" value="0.09071" units="cm"/>
+      <inkml:brushProperty name="height" value="0.09071" units="cm"/>
+      <inkml:brushProperty name="color" value="#FF0000"/>
+    </inkml:brush>
+  </inkml:definitions>
+  <inkml:trace contextRef="#ctx0" brushRef="#br0">2410 1320 8882,'7'-14'1709,"-2"1"-1349,0-4 89,-1 1-269,0-3 90,-2-1 90,-1-2-180,-1-2 180,0 1-90,0-8-270,0 9 0,-17-9 0,13 16 90,-33 0-90,14 12 0,-28 0-180,12 24 90,-6-16-135,19 22 0,3 4-45,-11-5-1786,7 10 0,2 2 1787,5 2 179,-1 10-432,16-6 342,4-13 1,28 19 179,8-24-45,-2-5 0,2-2 135,19 2-180,0 4 90,-18-11 0,-3-1 90,-5-3 179,-4 2-179,-3-6 0,-12 4-90,0-7 3268,-9 3-3358,0-2 556,-24 2-646,18-2-1079,-59 9 269,41-4-135,-11 1 1,-2 0 1124,5 0 0,1 3 0,20-6 0</inkml:trace>
+  <inkml:trace contextRef="#ctx0" brushRef="#br0" timeOffset="393">2803 1379 8612,'3'-7'540,"-1"1"-360,-2 0-180,0 2 0,-16 0 0,-1 2 0,-3 14-180,-4-9 0,22 24 0,-9-5 90,11 6-90,0 2-90,17-1 90,-13-9-269,28 4 179,-9-16 90,18-2 180,-2-26 360,-8-6-180,-3 0 359,-18-28-179,0 35 0,-10-38-270,0 33 0,0-6-90,-17 15-90,12 0 180,-13 26-90,18 10-90,0 16-180,18 5-1079,2 8 449,2-11 844,11 11 1,-19-20-1,16-1 1</inkml:trace>
+  <inkml:trace contextRef="#ctx0" brushRef="#br0" timeOffset="733">3248 1324 8162,'-18'9'90,"3"3"-90,33 30 0,-14-12 0,25 8 0,-26-12 0,16-9 0,-17 0 0,13-16 0,-8-11 90,3 6-90,0-33-90,2 3 180,-3-11 90,7-18-90,-9 28-180,2-5 270,-5 27-90,-1-4-90,0 15 0,1-7 0,0 9 0,4 21 90,4 10-180,0 14 45,2-11 0,0 0-495,5 11-584,1-6 0,2 0 988,6 5 0,11 9 1,-10-20-1</inkml:trace>
+  <inkml:trace contextRef="#ctx0" brushRef="#br0" timeOffset="895">3962 1375 9152,'-23'-12'-90,"4"0"90,19 4 0,0-2 0,0 5-630,0-1-359,21 5 989,17 0 0,12 1 0,8 0 0</inkml:trace>
+  <inkml:trace contextRef="#ctx0" brushRef="#br0" timeOffset="1326">4645 1270 8882,'-19'34'360,"3"2"-270,16-6-90,0 2 0,0-2 0,0 1 90,21 3-90,-15 1 0,31 1 0,-33 0-90,28-1 180,-28-2-90,25-2 0,-25-4 90,16 8-90,-18-13 0,6 6 0,-8-16-90,0-3-180,-18-5-270,-4-17 180,-20-21 270,20-9-1009,3-2 0,1-1 1099,9 12 0,2 1 0,-3-14 0,0-2-45,3-2 0,2 2 90,5 14 0,0-1 0,-2-17 0,4 4 135,22 5 0,0 0-90,26 32 0,-16 6 0,0 32 89,-10-5-44,-13 9 0,-1 4 45,14 8-45,-15-4 0,-2 0-45,6 7-135,-8-8 0,-5-1 45,-20 1 0,15 8-1709,-52-17 630,34-14 1079,-31-1 0,23-13 0,1 0 0</inkml:trace>
+  <inkml:trace contextRef="#ctx0" brushRef="#br0" timeOffset="1695">4923 825 7533,'17'17'629,"1"25"-629,-2-18-471,2 28 561,0-10 0,0 2-90,-2 3 183,-1-2-183,4 18 0,-6-20 0,-3-8 0,-1-1 93,0-2-3,0 7 90,-5-21-270,-1-5 195,0-4-105,-2-22 0,0-15-90,-1-30 180,0 6-427,0-5 337,0 18 90,0 3 0,0 5 269,17 1-359,0 15 90,12 17-180,-2 26 90,-9 8 0,-5-5 0,0 0 90,4 10-360,-2-6 1,1 0-541,5 3 810,-2-10 0,2-2 0,5-2 0,8 2 0</inkml:trace>
+  <inkml:trace contextRef="#ctx0" brushRef="#br0" timeOffset="2059">5750 1166 8792,'-41'-12'720,"6"19"-810,-1 23 90,20 9 0,-8 5 90,21-9-90,-7-1-90,10 2 180,0-3-90,0 0 0,0-6 0,18-2 0,3 1-90,0-10 0,31-2 180,-28-35 0,27-11-90,-28-30 179,-10 13 361,-8-13-360,-5 29-90,0-5-90,0 19 0,0 2 90,0 23-90,0 10 0,0 18 0,0 4 0,18-5-360,-13 2-899,28 15 359,-11-15-809,17 15 1709,-6-29 0,-3-3 0,-10-12 0</inkml:trace>
+  <inkml:trace contextRef="#ctx0" brushRef="#br0" timeOffset="2563">6132 1259 8882,'0'9'270,"0"10"-270,17 1 0,-12 24 0,25-23 90,-28 20-90,24-11-90,-13 9 180,3-14 180,4 4-91,-11-14-179,5-7-89,-7-23 89,-5-32 0,-2-1-329,0-14 329,0 24-90,0 2 90,0 3 0,0-3 180,16 13-90,0 4-90,2 31 0,4-8 0,-11 26 0,-2 6 0,9-10 0,-4 12 0,-2 0 90,-4-10 508,3 9-508,-6-25-90,-1 0-90,-2-27 0,4-25 180,-2 2-135,2 3 0,-1 1 135,2 0-180,4-10 90,-3 20 0,0 4 90,0 10 0,3-3-90,-2 12 90,9 10-90,-5-6 0,14 43 0,-9-25-808,7 27 268,-5-16-449,0-1-91,3 0 1013,14 7 0,-7-9 0,10 5 0</inkml:trace>
+  <inkml:trace contextRef="#ctx0" brushRef="#br0" timeOffset="2764">7130 1387 9871,'-10'-9'450,"7"1"-450,-7 5 0,10-1 0,0 2 0,0-1-180,17 0-1979,3 2 990,24-1 1169,-10 2 0,3 0 0,-9 0 0</inkml:trace>
+  <inkml:trace contextRef="#ctx0" brushRef="#br0" timeOffset="4126">7770 1052 9152,'0'-4'2159,"0"22"-1800,0 12-269,0 14-90,0 6-459,0-6 459,0 2 0,0 4 113,0-2-113,0 17 0,13-17 0,-12-13 0,1-2 90,10 1-90,-4 2 90,-5-16-90,5-8 0,-8-1 256,0-27-795,-20-34 539,15-6-1195,-11-3 0,-2-3 1240,9 21 0,1-1-105,-1-7 0,-1-6 0,2 4 60,-1 3 0,2 0 0,3-1 0,0-4 0,2 6-632,2 9 0,0 1 587,0-6 0,0 3-131,0-6 176,0 22 90,19 4-90,-3 41 0,6-1 90,6 25 1723,-24-9-1813,11-5 0,1 1 0,1 18-45,-4-8 0,0 0 1346,2 4-2380,-8-10 0,-2-2-361,-4 0 1440,3 4 0,-4-18 0,0-5 0</inkml:trace>
+  <inkml:trace contextRef="#ctx0" brushRef="#br0" timeOffset="4494">8132 550 8252,'0'33'1260,"0"9"-1170,0-8-90,0 8 0,0-7 0,0 2 0,0 2 0,0-1 0,0 11 0,0-13 89,0 15-178,0-25 89,0 7 89,0-20 1,0 1-90,10-10 0,-7-19 0,7-3 0,-5-19 0,-4 8 180,8 11-90,-6 6-90,4 12 0,4 17 90,-2-13-90,16 57-90,-7-32-521,-3 4 0,-1 2 341,9 7-1079,2 1-1,1-1 1350,4-5 0,3-3 0,1-4 0</inkml:trace>
+  <inkml:trace contextRef="#ctx0" brushRef="#br0" timeOffset="4892">8792 1123 9602,'-41'0'449,"16"19"-449,11 8 0,14 12 0,0 0 90,0-6-90,0 1 0,20-1 0,-14 0 0,28 8-90,-19-12 180,1 10 0,6-22-90,-20 0 0,8-10-180,-10-18 180,-23-30 0,1-5-823,9 12 0,0-2 823,-17-20-90,26-7 135,-3 31 0,0-2-90,6-15 0,2 0-78,-2 14 0,2 0 123,5-18 0,7 4 0,19 5 0,-5 19 0,2 5 0,24 8 90,-2 6 0,-13 27-90,-1-2 0,-4 20 44,-13-12 1,-1 1-45,6 15 45,-12-3 0,-4 2-224,-2 5-766,-18-5 1,-6-1-586,-9 6 1293,-1-16 1,-3-2 0,-22 9-1,24-20 1,-1 0 0</inkml:trace>
+  <inkml:trace contextRef="#ctx0" brushRef="#br0" timeOffset="5568">10093 827 10591,'-21'-11'989,"3"-1"-989,1 2 0,5-3-90,1 3-89,3 3 179,4 1 0,19 5 0,6-1 0</inkml:trace>
+  <inkml:trace contextRef="#ctx0" brushRef="#br0" timeOffset="5726">10242 1150 9242,'0'4'-2969,"0"1"2969,20-5 0,-15 2 0,15-2 0</inkml:trace>
+  <inkml:trace contextRef="#ctx0" brushRef="#br0" timeOffset="6242">11307 727 10231,'0'-17'1080,"-20"3"-1080,16 3 0,-16 0 0,9 4 0,8 25 89,-8 1-89,11 26-89,0 15 178,0-12-774,0-13 0,0-1 685,0 12 0,0 1-522,0-8 522,0-1-83,0-8 83,0-4 0,0-3-180,0-9 0,0-54 0,-17 9 121,15-8 0,0-2-30,-26-14 44,25 8 0,3-1 45,-10 10 0,1 0 45,7-14 0,2 1-90,-4 16 0,0 3-45,4-33 577,0 11-577,22-4 90,-17 23 366,32 1-366,-17 25 90,18 23-90,-7-9 0,0 44 90,-1-1-90,-18-17 0,-1 1 73,3 3 1,-1-1-74,3 18 0,-5 1 0,-2-1-457,-7-16 0,0 0 457,1 17 0,0-13 0,-5-1 0,-16 3 0,14 6-465,-14-20-255,-3-6-381,16-3-249,-28-5 1075,31-3 275,-10-5 0,-1-3 0,-3-2 0</inkml:trace>
+  <inkml:trace contextRef="#ctx0" brushRef="#br0" timeOffset="6493">12053 641 8702,'-27'16'540,"-14"10"-450,36 9-90,-30 6 0,31-3-733,-27 4 733,17 5 0,-14 2 0,7 2 0,8-14 0,0 1-180,-8 20-540,6-12 1,1-1-451,-1 6 1170,0 7 0,9-24 0,3-3 0</inkml:trace>
+  <inkml:trace contextRef="#ctx0" brushRef="#br0" timeOffset="6750">12248 1112 8702,'-20'19'-90,"-13"1"90,29 20 90,-27-20-90,27 14-90,-10-21 90,14 14 0,0-7 0,0 7 0,0-6 0,16 4 0,-12-10 0,12-2 0,-16-3 0,14-2-270,-10-3 270,10 0 0,-14-3 0,0 0 0</inkml:trace>
+  <inkml:trace contextRef="#ctx0" brushRef="#br0" timeOffset="7159">12515 1108 8162,'0'31'360,"0"3"-360,-22-9 0,16 3 0,-32-6 0,20 13-90,-1-10 90,5 6 0,3-5 0,8-8-270,-8 5-89,31-15 179,4 0 180,21-6 0,0-20 0,-10-4 539,1-17-89,-17-2 450,-4 5-721,-9 5-89,-6 11-90,-14 10 0,11 21 0,-11 9 0,14 20-90,0-6 90,0 2-809,20-11-900,5 8 809,11-12 900,0-1 0,-8-6 0,3-4 0</inkml:trace>
+  <inkml:trace contextRef="#ctx0" brushRef="#br0" timeOffset="7342">13012 1243 9242,'-24'-7'180,"-12"5"-180,32-10 90,-27 11-180,27 11 90,-11 11 0,15 20-450,0 4-270,25-8-899,7 4 1619,14-27 0,0 9 0,-11-13 0</inkml:trace>
+  <inkml:trace contextRef="#ctx0" brushRef="#br0" timeOffset="7746">13182 571 8432,'-11'-5'630,"9"21"-540,-9 14 90,11 14 90,0 8-1632,0-4 1452,15 4-90,-11 6-258,9-15 0,3 0 303,-7-10 0,1 1-90,6 21 0,1-1 45,3 7 0,-5-25 0,-1 1 0,-1 18 0,2-18 90,2 8 90,-12-26-180,5-4 0,-5-10 1184,-3-21-1184,1 11-90,3-45 90,-3 28 0,10-39 0,-7 31 1143,5 3-1143,-4 5 90,1 19 90,-1-9-180,6 12 0,-2 19 0,10 10 0,-8 11-815,5 5 815,-7-10 0,1 2-90,-3-2-89,-1-1-721,-2-5-359,-2-5 1259,0-6 0,-3-3 0,2-3 0</inkml:trace>
+  <inkml:trace contextRef="#ctx0" brushRef="#br0" timeOffset="7943">12943 347 9871,'-37'0'0,"-15"18"0,16 10-45,2 8 0,4 5-45,5 17-899,7-4 0,3 1-2505,9 6 3494,2-20 0,5-1 0,22 20 0,7-1 0</inkml:trace>
+  <inkml:trace contextRef="#ctx0" brushRef="#br0" timeOffset="8326">14595 986 10141,'-39'-24'0,"-1"1"90,-3 3-90,0 0 90,-18 3-90,17 6-1085,-13 4 1085,24 7 23,4 0-23,6 0 0,3 18 90,10 2-180,2 21 90,26-10 0,7 11 90,-2-18-90,19 7 180,-17-6 360,1-10-270,4 7-360,-28-14 632,-11-1-1261,-18-5-271,2-15-1349,-20 10 2379,19-21 0,-3 21 0,9-9 0</inkml:trace>
+  <inkml:trace contextRef="#ctx0" brushRef="#br0" timeOffset="8777">14767 973 8882,'-36'16'899,"16"8"-899,-9 11 90,25 5-180,-9-5 90,13 3 90,0 4-90,0 0-1577,0 0 1577,17 0 90,-13-4-90,13 0 158,3 5-158,-4-12 90,6 9-90,0-22 315,-19-1-315,8-11-90,-11-24-180,-19-15 360,-1-13-90,1 6 0,1-2-180,-1-15 225,12 15 0,0-1-135,-4-19 90,8 0 0,-8 3 0,11 24 0,0 0 0,0-12 256,18-9-76,3 37 90,20 4-90,3 27 0,3 14-180,-9 8 0,0 17 90,-24-17-641,6 10 551,-19-13 848,4-1-3186,-27 24 898,-9-21 1440,3 17 0,-27-29 0,19-1 0</inkml:trace>
+  <inkml:trace contextRef="#ctx0" brushRef="#br0" timeOffset="9148">15932 625 11221,'-7'-11'-90,"5"1"180,-9 3-90,10 18 0,-3 19 0,4 10 0,0 12 0,0-7 0,0-10 0,0 1-90,0 21-765,5-10 1,2 1-761,-5 8 1120,5-21 0,-2-1-404,-5 11 899,0-4 0,0-2 0,0-5 0</inkml:trace>
+  <inkml:trace contextRef="#ctx0" brushRef="#br0" timeOffset="9418">15750 1070 7713,'0'-14'179,"21"1"-179,-16 3 90,31 1 0,-14 4-90,18 3-90,-7 17 180,-1-11-90,-10 29 0,-1-29 0,-3 32 0,1-32 0,-4 32 90,1-32 450,-1 25-180,-6-26-450,2 16-180,-8-34-90,1 18-269,-2-39-811,4 1 1440,-2-10 0,4-4 0,-2 12 0</inkml:trace>
+  <inkml:trace contextRef="#ctx0" brushRef="#br0" timeOffset="9726">16527 1137 8522,'0'9'270,"0"3"-270,-20-1 0,1-1 0,-5 2 0,-8 4 0,12-2 0,-10 15 0,13-10 90,9 6-180,8-9 90,0 0 0,0-2 0,18-2 90,-13-2-180,33-3 180,-11-4 0,10-2-90,0-19 90,-4 14-180,-17-34 90,15 22 0,-29-19 0,10 8-450,-12-18 180,0 12-359,-28-26-1,-5 28 630,3 7 0,-3 3 0,-11 0 0,1-2 0</inkml:trace>
+  <inkml:trace contextRef="#ctx0" brushRef="#br0" timeOffset="10109">16765 1150 7533,'10'15'90,"0"2"-90,1 12 0,-2-5 0,1 7 90,0-1-90,-6-8-90,4 9 180,-6-18-630,2 2 360,-4-27 180,0-8 0,0-14-2852,0-18 3122,0 14 89,0-10-179,14 15 90,-11 6-180,10 3 90,-13 4-180,10 9 0,-8 22 0,15-6 3302,-10 36-3212,6-21-270,1 23-270,0-9-269,3 1-1041,17 10 1760,-6-15 0,13 5 0,-9-17 0</inkml:trace>
+  <inkml:trace contextRef="#ctx0" brushRef="#br0" timeOffset="10526">17393 1164 9152,'-23'-12'450,"-14"10"-450,33-13 0,-27 14 0,28 14-90,8 9-90,14 9 90,18-11-90,-4-11 90,-1-9 450,-15-13-90,-7-4 89,-10-12 1,-20 13-270,14-6-180,-27 20 90,30-15 0,-22 16 0,22 8 90,-10 29-90,13 3-296,18 15 296,-14-15-89,34 1 178,-33 1 1,39 0-90,-24 0-90,20-3 180,-3 11-90,-11-14 90,4 15 90,-15-26-180,-7 2 0,-3-12 0,-5-3 0,0-1-449,-22-3-271,-12-4-180,1-1 1,-2-1-450,-25-1 1283,26 1 1,1-2 0,-17-20 0,-2-4 0</inkml:trace>
+  <inkml:trace contextRef="#ctx0" brushRef="#br0" timeOffset="10962">18510 913 9961,'0'-18'1529,"0"2"-1079,0-1-270,0 4-90,-16-8-90,13 9 90,-27-3-90,9 11-90,-16 18 0,5-10 90,2 34-90,10-16-360,5 20-179,2-3-1170,7 20 809,2-13 990,14-10 0,1 0 0,-6 1 0,16 8 0</inkml:trace>
+  <inkml:trace contextRef="#ctx0" brushRef="#br0" timeOffset="11230">18890 979 9062,'-21'-14'180,"4"4"-180,17 2-90,-13 1 180,0 5-180,-9 18 90,10 6 90,5 38-90,7-22 0,0 21 0,16-33 90,-13 9-180,13-18-810,-16 2 181,0-10 719,-21-2 0,16-4 0,-16-2 0</inkml:trace>
+  <inkml:trace contextRef="#ctx0" brushRef="#br0" timeOffset="12128">19467 959 8342,'-29'14'180,"-13"-11"-180,37 24 0,-37-24-90,25 27 270,-19-16-270,11 28 90,-1-14 0,9 25 90,3-28-90,10 16 0,27-30-90,0 1 180,27-10-90,-14-17 0,1 11-90,-12-33 0,9 4 90,-13-11 0,-5 10 0,-4-2 0,-4-11 135,-4 2 0,-1-2-532,-3-11 667,1 19 0,-2-2 269,-8 2 1,0 2 180,4-17-406,-12 14 1,-1 3-225,13 2-155,-23-3 155,26 28 0,-9 21-90,11 20-90,17 13 90,-13 8-902,12-9 902,-1 6 0,-11 0-450,7-13 0,3-1-359,3 17 89,-2-11 1,1-1 679,12 2-545,-10-10 0,0-1 405,5 0 244,5 3-154,-2-12 90,-7-9 450,6 3-360,-11-9 360,-2 0-270,-5-3 1250,-3 0-1250,-2-1-90,-1 0 270,2 0-360,-1-1 90,5 2 0,-3-2 0,4 0-90,-2-2 0,2 0 0,3 0 0,0 0 0,3 0 0,2 0 0,6-17 0,-3-1 0,7-20 0,-12 10 0,2-4 0,-8 8 449,-1-1 1,-2-1 450,1-9-631,-3 9 1,0-11-270,-2 20 0,-1-2-1079,1 29-90,-1 6-91,0 16 1260,16 15 0,1-14 0,15 10 0</inkml:trace>
+  <inkml:trace contextRef="#ctx0" brushRef="#br0" timeOffset="12744">19938 1207 8522,'18'-33'270,"16"5"-270,-29-3 90,31 2-90,-22-3 270,21-20-90,-21 6-1852,13-15 1762,-24 13 0,12-2 569,-14-1-389,1 12 0,-1 0-90,-1-23-146,-9 11 1,-6 1 55,-12-7 180,4 9 0,-4 2-360,-15 6 90,23 10 0,0 5 90,-10 14-90,3 25 1239,10 6-1194,8 11 0,2 3 45,-1 15-90,4 0 0,1 2-390,0 14 390,12-7 0,0 1-108,-8-25 1,1 0 152,16 10 0,3 0-45,-7-2 0,2-2-360,3-10 0,2 0-764,11 17 0,1-3-226,10 3 1350,-2-13 0,1-2 0,11-1 0,-18-13 0,0 0 0</inkml:trace>
+  <inkml:trace contextRef="#ctx0" brushRef="#br0" timeOffset="12909">20658 1551 6273,'19'0'0,"-4"0"0</inkml:trace>
+  <inkml:trace contextRef="#ctx0" brushRef="#br0" timeOffset="39408">2305 3083 7443,'0'24'1169,"0"-4"-1169,0-7 0,0 0 0,0 1 0,18 5 90,-14 4-90,32 2-90,-10 19 90,9-10 0,3 11-90,4-6-90,-12-13 0,23 9 180,-27-21-90,16-3 0,-22-9 180,12-18-90,-21-7-90,3-21 180,-13 8 90,-20-14 0,14 20-180,-28-7 0,29 16-90,-23 3 270,24 1-180,-11 33 0,14 13 90,22 22-754,-17 3 754,34-8 0,-35 1-90,31 0 90,-17 17 0,4-19 0,-9-10 0,-3-2-90,-7 0-287,6 5 287,-9-19 90,0-2-270,0-4-180,0-1-449,-23-1 107,17-5 702,-39-1 0,40-4 0,-16-1 0</inkml:trace>
+  <inkml:trace contextRef="#ctx0" brushRef="#br0" timeOffset="39715">2852 3080 8882,'-24'14'360,"-12"-11"-360,32 22 0,-21-23 90,23 17-90,-7-10-90,25 10 90,26-1 0,0-8-45,-5-5 0,1-2 135,4-3-90,11-16 0,-20 12 0,-4-32 90,-8 11-90,-9-10-90,-6 2 90,-6 5 0,-24 15-1439,-6-12-181,-25 23 1620,3-8 0,21 31 0,10 7 0</inkml:trace>
+  <inkml:trace contextRef="#ctx0" brushRef="#br0" timeOffset="39958">3577 3188 8162,'-38'12'90,"0"5"-90,3 17-180,15-5 270,-2 3-90,19-7-270,-5 1-629,8 10 359,22-10 540,11 11 0,11-21 0,4 1 0</inkml:trace>
+  <inkml:trace contextRef="#ctx0" brushRef="#br0" timeOffset="40581">3923 3233 8522,'-39'-10'630,"-1"1"-630,4 9 90,4 0-90,15 17 0,6 0-90,11 19-90,0-4-90,23-12 0,-18 9 180,38-26 0,-38 20 0,40-21-90,-28 8 180,34-10 90,-23 0-90,8-17 0,-15 12 360,-3-29-270,-2 10 360,-8-7-180,-2-5-360,-6 14 180,-16 6-90,13 24-90,-13 14 180,16 22-450,23-11-450,15 9 720,6-18-89,18-4 89,-30-11 90,22-25 90,-25 13-90,12-31 179,-24 9-89,0 2 180,-13-16-90,-2 19-270,-2-9 90,-14 12 0,11 24 90,5 10-180,16 15-90,21-7 180,-1-9 0,2-8 90,-7-8 0,-13-18 720,-3-3-810,-16-13 90,5 5-90,-6 33-270,18 28-270,7 11-270,-3-7 1,2-2 692,16 2 1,-1 9-1,-9-16 1</inkml:trace>
+  <inkml:trace contextRef="#ctx0" brushRef="#br0" timeOffset="40809">3670 2808 10141,'47'0'0,"-9"0"-180,8 0-989,10-15 359,-12 12-2227,18-12 3037,-19 15 0,1 0 0,-1 0 0</inkml:trace>
+  <inkml:trace contextRef="#ctx0" brushRef="#br0" timeOffset="40959">4267 2640 8972,'-22'-6'630,"5"2"-900,41-3-450,-2 4 720,11 8 0,3 5 0,14 7 0,-14-1 0,0-1 0</inkml:trace>
+  <inkml:trace contextRef="#ctx0" brushRef="#br0" timeOffset="41611">5530 3045 9422,'12'-6'180,"-2"1"179,-10 17-179,18 27-180,-13 3 0,12-2 0,1 2 0,-14 8 45,9-7 0,2 1-45,-2 8 0,-1-12 0,0 0-1122,0 2 1212,2 7 128,-13-15-218,5-13-90,-6 4-180,0-18-180,-21 0 180,-1-29-89,-3 2 179,-11-26 90,32 3 90,-13 2 0,-2-3 134,11 10 0,1-3-134,1-7 0,-1-3 0,1 2 0,0 5 0,1-1 0,3-23 0,4 2 90,16 1-90,-17 25 0,3 3 232,29 1-142,-29 11 0,26 7 180,-13 8 90,12 18-360,-13 9 0,2-1 0,-16 17 0,6-22 0,-8 18-180,0-9-270,-17-1-359,13-1 954,-31 3 1,31-12 0,-14 1 0</inkml:trace>
+  <inkml:trace contextRef="#ctx0" brushRef="#br0" timeOffset="41981">5825 2556 7713,'9'19'1169,"-2"20"-539,12 1-630,-8 9 134,1 1 1,0 0-225,1 4 135,0-2 0,0 0-45,-1-4 0,0-10 0,-1-1-1237,0 1 1147,4 8 90,-6-22 215,-3-4-485,1-5-335,-2-6 605,-3-28 0,1-11 179,-3-16 1,0 1 540,0-5-720,0 15 729,0-15-729,18 58 89,-2 25-178,20 19-541,-19-10 0,0-2-89,13 2 89,-7-10 0,1-1 546,8-1 1,14 3 0,-10-18 0</inkml:trace>
+  <inkml:trace contextRef="#ctx0" brushRef="#br0" timeOffset="42474">6653 3019 8432,'-35'0'900,"15"17"-720,-11-13-180,27 36 179,-22-11-268,23 13 89,-8 9-360,11-21-90,0 4 360,22-14 0,-17-5-450,35-2 360,-11-8 180,6 0-89,12-5 89,-22-23 89,5-7-89,-10-12 180,-11 2 180,-1 10-90,-8 2 0,0 1-270,0-1 0,0 7 270,-14 5-270,10 23 0,-11 17 0,15 8 90,20 3-90,4 6-180,0-9-90,3-7 0,0-3 90,-4-5 45,9-1 0,2-4 45,0-10 0,9 8 180,-14-10-90,-3-18 0,-3 14 180,2-47 90,-11 29 630,1-41-541,-11 32-89,-3-16-360,-1 23 180,-17 4-90,13 29 0,-13 16-360,17 11-269,16 4-1170,3 7 1799,1-11 0,12 8 0,-11-15 0</inkml:trace>
+  <inkml:trace contextRef="#ctx0" brushRef="#br0" timeOffset="42641">7435 2917 9332,'-12'-3'-90,"9"-1"-2699,-9 3 2789,12 14 0,0-10 0,0 11 0</inkml:trace>
+  <inkml:trace contextRef="#ctx0" brushRef="#br0" timeOffset="42841">6873 2401 7982,'17'-4'90,"10"1"-90,-5 18-90,13-11 90,-32 36-1259,22 5 1259,-22 15 0,3-23 0,0 1 0,-6 23 0</inkml:trace>
+  <inkml:trace contextRef="#ctx0" brushRef="#br0" timeOffset="43309">8538 3005 8882,'-28'-10'584,"-10"5"1,0 2-585,4-2-344,-5 3 0,-1 2 344,-6 0 342,0 16-162,-12 6-180,17-2 129,-5 18-219,23-13-270,13 16 360,2-5-90,34-11 90,4-12 0,30-8 90,-18-23-90,12-10-90,-36-11 577,21-5-487,-28-15 0,6 8 0,-12 5 0,-3-2-124,-2-13 484,-9 8 0,-1 1-1684,6-10 1324,-16 24 0,0 2 0,15-4-180,-16 6 180,9 8 90,10 32 0,8 37-90,16 10-365,-2-1 0,0 1 365,1 8 0,-3-20 0,-1 1-450,-7-1 0,-1-1-179,13 20-181,-5-14 0,-2-1-269,-10 3 0,18 6 1442,-22-24 1,4-5-1,-5-3 1</inkml:trace>
+  <inkml:trace contextRef="#ctx0" brushRef="#br0" timeOffset="43458">8045 2917 9242,'0'-36'0,"0"-13"-90,21 15-90,-15-11-601,46 19 602,-24 2-271,30 3-135,-22 11 0,0 0-404,21-1 631,-18 5 1,-1 1-1,17 3 1,1 0-1</inkml:trace>
+  <inkml:trace contextRef="#ctx0" brushRef="#br0" timeOffset="43675">8875 2380 8612,'-15'25'2159,"3"-4"-2069,12 26-90,-4-5 0,3 10-1605,-7 8 1605,7-27 0,0 2-45,-1 2 0,-1 1-225,2-2 0,0 4-750,0 7 1,-1 4 0,2-3 344,-1-3 1,0 0 674,1 1 0,-1 2 0,1-6 0,0 18 0,0-3 0</inkml:trace>
+  <inkml:trace contextRef="#ctx0" brushRef="#br0" timeOffset="44041">9207 2900 9512,'0'-9'899,"0"1"-449,0 28-450,0 23 0,0 3 0,0-9 0,0-2 0,0-1 0,0 19-360,10-29-450,-7 6 631,13-21 179,-10-24 0,5-6-90,-2-24 449,0 5 1,0-1-180,5-11 0,-2 2 0,1 3-90,0 9 0,8-2 0,-10 27-90,9 6 0,-7 24 90,4 3-360,1 42-720,-4-11-1785,-1 0 0,-1 2 2775,-5-18 0,1-1 0,2 12 0,0 1 0,4 18 0</inkml:trace>
+  <inkml:trace contextRef="#ctx0" brushRef="#br0" timeOffset="44524">10367 2602 11400,'-27'-50'270,"3"5"-270,4 7-270,1-3 270,8 19 90,2 0-90,8 39-90,0 2 90,17 24-315,-8-10 1,2 2-136,9 23-603,-4-3 1,-1 2 872,-5-22 1,-1 0-181,1 8 0,1 5 0,-1-5 0,6 19 45,-9-11 1,-2-4 134,-4-15 180,0 3 270,-20-25-180,0-3 180,-4-26-1,-6 14-269,11-50 0,0 32-45,5-12 0,4-2-224,8-1-674,-7-14 494,9 16-91,21 0 540,-15 3 0,40-1 0,-16 2 0</inkml:trace>
+  <inkml:trace contextRef="#ctx0" brushRef="#br0" timeOffset="45074">10578 2394 8792,'-18'-4'270,"3"1"-270,-1 1 809,12 0-629,-13 19-180,17 12 90,0 35-90,25-5-778,-23-23 0,2-2 733,17-6 0,2-1 135,-6 28-176,17-2 41,-15-17 1,0-1 133,10 16-224,-6-13 1,-1-2-46,3-2 90,6 9-270,-17-27-180,-1-2 270,-5-11 1900,-5-18-1630,3-13 0,-3-9 180,3-27-90,-3 22 192,2-14-12,-2 8-450,0 18 360,-1-4 0,-2 19-90,5 8 0,0 19-90,5-8 0,-1 33 0,2-18 0,3 20 89,13 10-268,-7-10-91,0-7 0,2 0 0,2 1-90,20 13 180,-17-32 0,7 7-89,-11-20 269,-1 3 0,-2-4 0,5-21 269,-9-7 361,2-23-180,-13 9 539,0-7-899,-5 22 180,0-6-180,0 41-180,0 9-1169,0 37 359,16-9-809,4 14 1709,0-27 0,12 6 0,-10-16 0</inkml:trace>
+  <inkml:trace contextRef="#ctx0" brushRef="#br0" timeOffset="45219">11418 2679 8432,'-9'-9'-90,"6"2"90,-14 2 0,15 20 0,-5 5 0</inkml:trace>
+  <inkml:trace contextRef="#ctx0" brushRef="#br0" timeOffset="45391">11263 2324 8432,'0'-6'-270,"0"0"-179,24 4-91,7 1-270,16 1 499,0 17 1,-7-13-1,1 14 1</inkml:trace>
+  <inkml:trace contextRef="#ctx0" brushRef="#br0" timeOffset="46057">12325 2627 11311,'-24'-28'-180,"0"3"180,13 7 90,-9 3-180,17 35 90,-8 8 90,25 19-90,-10 1 0,25 5 0,-25-12 90,22 19-90,-23-29-270,17 7-2069,-19-21 2069,6-25 270,-7-13 0,0-17 0,16-11 0,-13 22 180,13-9 180,-2 17-270,-10 3 90,24 7 0,-15 19-270,14 16 180,-11 11-90,1 8 0,-7-5-255,-1 2 255,-3 0 0,3 15 0,-4-17-90,4 16-179,-6-34-361,2-1 180,-4-17-179,1-4 359,2-15 0,1 11 434,1-35-164,7-1 0,-3-13 180,1 15 0,0-1-992,1-7 902,6-13 287,-4 14-17,-1 14-91,7-3-269,-7 24 90,8 3-90,-9 30 0,4-17 90,-4 46-90,1-29 772,1 28-1582,10 9 361,-5-14-46,0-9 0,1-2 330,6 1 1,13 5 0,-9-19-1</inkml:trace>
+  <inkml:trace contextRef="#ctx0" brushRef="#br0" timeOffset="46329">13247 2753 9062,'-53'-10'899,"0"4"-719,1 3-180,14 24 0,7-16 0,12 50 0,9-35-2965,3 16 0,6 1 2965,24-7-90,-17 17 1499,41-28-1319,-13-2-180,10-8 270,0-2 589,-16-7-769,2 0 0,-15-19-90,1-4-179,-16-23 89,0 11 90,-23 0-180,17 14-360,-41 2 3213,41 3-2583,-42 0 0,24 8 0,-22 1 0</inkml:trace>
+  <inkml:trace contextRef="#ctx0" brushRef="#br0" timeOffset="46541">13590 2739 8792,'3'43'90,"-1"-6"-180,-2-2-180,0-4-899,0 14 449,15-10 720,-11 10 0,23-16 0,-11 0 0</inkml:trace>
+  <inkml:trace contextRef="#ctx0" brushRef="#br0" timeOffset="46708">13910 2706 9242,'0'-13'-1080,"-13"6"-179,10 19 1259,-18 5 0,9 21 0,-9-4 0</inkml:trace>
+  <inkml:trace contextRef="#ctx0" brushRef="#br0" timeOffset="46924">13000 2465 8072,'-2'-10'540,"0"2"-540,19 3 0,-13 18 0,30 8 0,-30 11 0,13 1-450,-17-5-179,13 1-271,-10 0 900,11 1 0,-14-2 0,0 0 0</inkml:trace>
+  <inkml:trace contextRef="#ctx0" brushRef="#br0" timeOffset="47093">13465 2083 8792,'-21'25'0,"-13"-19"0,30 46-1510,-31-28 791,30 29 719,-12-19 0,-2-1 0,4 25 0,0-20 0,0 0 0</inkml:trace>
+  <inkml:trace contextRef="#ctx0" brushRef="#br0" timeOffset="47507">14637 2794 12120,'-23'-21'-180,"2"2"270,5-1 360,7 8 0,27 22-360,8 12-45,0 0 0,1 2-45,10 13 0,0-1 0,-4-4 179,-9-16 271,11 15-360,-23-21-180,13 4 90,-21-8-1079,14-46 539,-12 13-315,0-14 1,1-4-45,1-6 141,-2 17 0,-1-1-231,1-14 89,1 4 900,-2 4 0,5 5 0,1 4 0</inkml:trace>
+  <inkml:trace contextRef="#ctx0" brushRef="#br0" timeOffset="47891">15567 2707 9602,'-23'7'1259,"-4"-15"-1259,-27 4 0,14-9 0,2 13 0,14 16 0,-3 7 0,13 10 0,1 1-180,13-6 0,0 10 90,24-10 0,10 13-90,12-28 180,-8 0 0,0-2 0,2-9 45,-3 4 0,-2-4-135,-7-20 180,6-4 90,-23-22 0,-1 9 90,-10-2-270,0 12 90,-18-6-90,13 11-450,-26-5-719,27 38-1,-10 4 541,14 32-1,17-12-848,-13-1 1478,33-12 0,-20-10 0,18-5 0</inkml:trace>
+  <inkml:trace contextRef="#ctx0" brushRef="#br0" timeOffset="48140">15933 2780 9242,'-20'-7'1349,"-14"5"-1169,21-5-90,-7 26 0,11-1-90,26 4 0,-13 6 0,29-25 90,-6 21 0,6-22 0,11 8 0,-19-10-180,10 0-180,-17-14-900,-5-5 361,-7-15-181,-31 14-179,19-11 1169,-46 27 0,28-23 0,-26 11 0</inkml:trace>
+  <inkml:trace contextRef="#ctx0" brushRef="#br0" timeOffset="48311">15267 2451 9332,'29'-9'90,"14"1"-90,-38 0 0,38 4-180,-23-1-270,23 3 270,-10 0-899,24 2 539,-14 0 297,-1 6 1,0 3-1,10 11 1,-16-2-1,-1-1 1</inkml:trace>
+  <inkml:trace contextRef="#ctx0" brushRef="#br0" timeOffset="48790">16875 2768 9691,'14'-17'990,"-4"13"-810,-5-40-180,-4 28 360,-22-28-270,-9 25-1,-26-3-89,10 15 0,-10 2 0,36 23 0,-20-14 0,36 48-179,-11-30 269,15 43-270,0-31 90,26 21 90,8-26-1110,15 5 1110,1-18 90,-11-7-90,1-1-90,18-6 180,-16 2-135,-9-11 0,-2-5-45,-2-17-641,4-13 641,-24-5 0,-4 4 90,-5-4 0,0-6 180,-21-1-180,16-2 180,-14 16 0,-5 0 90,-6-20-45,6 14 0,0 2-225,-6 0-90,-4-3-99,31 24 279,-11 8 998,6 5-1088,6 25 90,12-13-90,-6 39-90,38-2 180,-36 10-90,15-20 0,3 0-270,-11 3 0,-1 0-359,23 17-136,-15-8 1,-2 0 864,4 3-820,-6-10 1,-1-2 179,0 1 570,2 3 0,-10-17 1,-3-4-1</inkml:trace>
+  <inkml:trace contextRef="#ctx0" brushRef="#br0" timeOffset="48974">16840 2391 9512,'-18'-26'90,"1"3"-90,7 1 0,3-4-90,6 9 90,21-4-270,14 9 0,11 7-225,-6 2 0,0 1 46,15 1-472,-16 0 0,0 2 472,20 14-271,2-11 720,-30 11 0,1 0 0,29-12 0,-1 12 0</inkml:trace>
+  <inkml:trace contextRef="#ctx0" brushRef="#br0" timeOffset="49174">17760 2504 8792,'-30'6'1349,"-9"-2"-1079,35 1-90,-28-2-270,28 0 270,-23 1-90,24 1-90,-8 2 90,11 9-180,0-2-450,0 14 180,22-7-629,12 14 539,11-13-90,5 7-719,5-1 1259,-12-6 0,8 7 0,-19-8 0</inkml:trace>
+  <inkml:trace contextRef="#ctx0" brushRef="#br0" timeOffset="49298">17428 3331 10231,'-4'8'-855,"0"-2"1,4-2-1,0-3 1</inkml:trace>
+  <inkml:trace contextRef="#ctx0" brushRef="#br0" timeOffset="56907">2323 4885 10411,'0'-9'1799,"-14"2"-1709,11 1 90,-11 3-270,-1-2 90,11 3 0,-19 0-270,17 1-719,-7 21 359,4 6-180,5 12-1258,1 17 898,3-19 1170,17 13 0,-13-16 0,13-2 0</inkml:trace>
+  <inkml:trace contextRef="#ctx0" brushRef="#br0" timeOffset="57208">2865 4926 9152,'-18'-6'1439,"-1"2"-1349,-20 21-90,3 6 0,15 10 0,-10 2 0,27-7 0,-16 3-90,18 11 180,-5-10-180,7 7 180,24-11 0,6-10-90,29-3 0,-12-11 180,13-4-180,-26-21 0,5 16 0,-16-51 0,-5 33-360,-8-43-90,-4 31-1349,-24-20 810,-8 25-360,-11-5 1349,-3 16 0,6 5 0,-2 1 0</inkml:trace>
+  <inkml:trace contextRef="#ctx0" brushRef="#br0" timeOffset="57401">3125 4408 8162,'-21'21'90,"-17"-16"-360,33 40-1349,-31 0 1619,19 11 0,8-23 0,0-1 0,-4 18 0</inkml:trace>
+  <inkml:trace contextRef="#ctx0" brushRef="#br0" timeOffset="58023">3693 5228 10231,'1'-54'630,"0"10"-540,-1-4 0,0 7 0,18-21 0,-14 13-642,12 18 0,-1 1 642,-11-9 395,9 6-305,-13 5-360,10 2 180,-8 10 0,8 23-270,-10 30-359,-13 7 44,11-5 0,1 0-44,-12 8 134,12-5 0,2 2-331,-1 7 376,0 15 180,0-22 20,0-4 250,0-1 0,0 10 0,0-15 540,-17 10-91,12-23 271,-27 2-540,29-14 1690,-22-1-3399,41-22 720,1 1 809,23-5 0,5-5 0,-7 7 0</inkml:trace>
+  <inkml:trace contextRef="#ctx0" brushRef="#br0" timeOffset="58478">4497 4885 9422,'-11'15'269,"2"3"-358,24 20 178,-11-8-89,12 3 0,-16-11 0,12 0 0,-9-1 90,10-2-90,-13-2-90,7-2 180,-6-4-180,6-2-1978,-7-2 2068,0-19-90,0-6 180,0-22 0,0 8 89,16-2 361,-13 13-360,28-2 90,-16 12 0,14 1-270,-4 23 90,-1 6-90,-6-1 0,-1 16 0,-5-29 90,5 43-360,-4-30-540,9 32 540,-9-28-89,4 2 89,-6-10-180,1-7 0,-2-1 1,4-5 449,-1 1 0,0-2 0,0 0 0</inkml:trace>
+  <inkml:trace contextRef="#ctx0" brushRef="#br0" timeOffset="58824">4998 5033 7892,'5'-19'450,"-1"9"-180,-2-8-270,-1 30 90,-1 1-90,0 18 0,0 3 90,19-5-180,-14 0 90,30 12-180,-12-12-360,22 12 361,-6-28-91,-2-3 0,1-2 90,2-7 90,1-7 0,-2-7 180,-5-18 0,-7 3 0,-2-2 0,-1-19 269,-10 15 1,-1 2 180,-5-8-180,-1-11 0,-7 19 0,0 2-271,0 4 91,-15 0-270,11 9 180,-12 2-90,16 26 0,0 14 0,0 8 0,0 9-90,15-9 90,-11 4-359,25 0-991,-9 11 721,-1-13 629,4-10 0,0-2 0,-3-1 0,24 2 0</inkml:trace>
+  <inkml:trace contextRef="#ctx0" brushRef="#br0" timeOffset="59190">5953 4689 9242,'0'-11'1709,"-17"1"-1260,13 3-449,-13 2 0,7 2 0,8 15 0,-8 12 0,27 24 0,-13-2 0,10-10 0,3 0 0,-1 11-270,-2-8 1,0-1-535,1 3 265,2 10-91,-15-21 0,5-4 91,-7-3-451,0 4 631,0-10 538,-16 4 451,-8-15-96,-21 0-175,8-5 1,0-17-90,12 12 270,3-27-270,-2 7-270,13-17-90,0-6-270,11 10-450,23 1 1,-17 12-91,47 1 827,-27 3 0,29 1 0,-11 2 1</inkml:trace>
+  <inkml:trace contextRef="#ctx0" brushRef="#br0" timeOffset="59412">5693 4167 9781,'-16'0'-1349,"-8"26"360,5-2 989,1 11 0,1 4 0,-5 18 0,8-17 0,-1 0 0</inkml:trace>
+  <inkml:trace contextRef="#ctx0" brushRef="#br0" timeOffset="59880">6778 4715 10951,'-27'-32'-90,"-1"0"0,-11-11 45,15 14 0,2 2-135,3 7 270,4 2 90,11 31-270,23-9 90,-14 42 0,40-20 45,-28 11 0,-1 5-362,6-15 0,1 1 362,6 23 0,-3 1-45,-9-21 0,-3 0 0,4 18 0,-1 0 0,7 3-180,-13 7 313,8-27-223,-17-5 0,9-7-1619,-10-4-360,4-8 1709,-4-28 1,0 0 359,-1-24 0,0 8 0,0-2 0</inkml:trace>
+  <inkml:trace contextRef="#ctx0" brushRef="#br0" timeOffset="60040">7097 4840 7892,'41'-8'900,"-2"1"-630,-16 7-90,-1 0 90,-4 18 629,2 9-809,-7 8 360,-2 16-450,-7-10 0,-4-1 0,-21-5 0,15-14-90,-34-2-270,35-1-629,-37-5-2250,18 0 3239,-20-7 0,21 0 0,7-6 0</inkml:trace>
+  <inkml:trace contextRef="#ctx0" brushRef="#br0" timeOffset="60398">7620 4877 9062,'0'39'1079,"-24"-9"-1079,18 3 90,-34-11-90,35 1 0,-26-2 0,27 1 0,-23-4 0,24-2 0,-9-2-629,12 2 539,0-7-90,0 3-90,20-8 180,3-1 180,22-1-180,-11-17 180,9-4 180,-14-19 269,-7 7 1,-1-1 0,-19 11-540,6-4 0,-8 6-180,0 24-1079,0 11 359,0 30 270,0-13-989,19 10 1619,-15-22 0,31-1 0,-15-13 0</inkml:trace>
+  <inkml:trace contextRef="#ctx0" brushRef="#br0" timeOffset="60910">8028 4926 8792,'0'14'899,"0"5"-809,0 17 0,0-3 0,0-5-90,0-1 0,0 10 0,0-10-359,16 9 269,-12-19-180,20 0-90,-16-12 270,7-2 0,-9-26 90,9-6 0,-10-14 90,10 0 180,-1-6-90,-3 13 0,7-18-90,-10 36 0,8-11-1,-9 27 1,14 12-90,-10-6 90,13 50-180,-11-33 135,-1 10 0,-1 1 45,2-4-180,4 9 90,-6-25 0,-1 10-359,5-15 269,-5 6 0,8-23 180,-8 6-180,9-43 90,-7 25-554,7-28 644,-6 18 90,2-1-90,0 5 0,3-7 0,-5 13-90,10 2 0,-11 13 0,11 23 0,-10-13 90,5 35-90,-3-19-90,0 21-450,1-8-809,6 12 540,-7-13 969,8 13 1,-13-30 0,2 1 0</inkml:trace>
+  <inkml:trace contextRef="#ctx0" brushRef="#br0" timeOffset="61156">7552 4502 8342,'0'-13'810,"0"-5"-720,25 5 90,5-9-180,1 12 90,18-2-180,-30 9 180,31 2-90,-12 22-450,-3-16-720,0 51 271,-19-34 725,5 31 0,-10-21 0,0 1 0</inkml:trace>
+  <inkml:trace contextRef="#ctx0" brushRef="#br0" timeOffset="61323">8368 4189 8792,'-23'17'-630,"-12"15"-89,30 11-2530,-12 13 3249,6-5 0,8 6 0,-8 3 0</inkml:trace>
+  <inkml:trace contextRef="#ctx0" brushRef="#br0" timeOffset="61823">10047 4997 10411,'-34'-11'45,"0"0"0,-19 0 180,15 2 0,1 3-225,-7 5 0,6 8 0,2 2 0,-4-3-822,-7 35 822,21-24 0,7 20 220,9-11-310,4 0-180,6-3 90,0-2 90,26 2-90,7-11 90,-1-6 1,2-1 89,17-5-198,1-15 198,-18 12 0,-2-33-90,-4 17 180,-4-38-180,-2 16 90,-15 4 0,-3-3 0,5-10 269,-16 4 1,-3-1-439,5-11 349,-12 20 0,-3-1 89,8 3 1,0 1-270,-12-17-182,5 17 0,4 1 182,11 4 796,-20 1-796,21 48 90,-6 0-90,25 30 0,-7-16 0,0 1 0,11 22-190,-4-5 0,1 2-125,-7-21 0,2-1-630,6 20 1,2-2 135,10 5 449,-18-22 0,0-1-1445,7 18 1805,-6-18 0,-2 3 0,-7-18 0</inkml:trace>
+  <inkml:trace contextRef="#ctx0" brushRef="#br0" timeOffset="61974">9692 4845 8756,'-19'-40'450,"3"3"175,8 2-625,4 1 0,4 4-180,0 2-180,25 5-719,11 0 449,15 10 0,-13 6 1,1 3-860,11 1 1489,-14 1 0,-1 4 0,14 20 0,2 5 0</inkml:trace>
+  <inkml:trace contextRef="#ctx0" brushRef="#br0" timeOffset="62278">10413 5077 9512,'0'10'989,"0"-1"-449,0-4-540,0-16 90,17-4-90,5-2 90,17-31-180,-4 31 0,-6-35 90,-14 31-90,-7-12 90,-8 15 0,-18-11 0,13 16 0,-27-2 0,13 11-90,1 24 180,4 9-90,14 14-90,0-1-360,0-9-449,18 0 269,-13-3-270,38 0 900,-6 4 0,13-10 0,3 2 0</inkml:trace>
+  <inkml:trace contextRef="#ctx0" brushRef="#br0" timeOffset="62526">10312 4508 10231,'-20'-16'90,"5"2"0,7 4-90,4 0 0,4 2 90,0-1 0,27 3-180,8 1 90,-3 3 0,3 2 0,16 0-306,2 0 37,-18 22-91,-1-17 0,-4 36-809,5-14 269,-13 9 888,4 10 0,-19-19 0,-1 7 0</inkml:trace>
+  <inkml:trace contextRef="#ctx0" brushRef="#br0" timeOffset="62689">10788 4318 9602,'30'-12'629,"-4"5"-629,-5 2 90,-10 25-270,1-15-359,-11 42-631,3-21-1461,-4 28 2631,0-5 0,0 6 0,0 2 0</inkml:trace>
+  <inkml:trace contextRef="#ctx0" brushRef="#br0" timeOffset="63190">12212 4989 11041,'-51'-12'90,"2"-1"-90,3 3-1937,1 1 2027,5 2-90,0 3 485,6 1-575,-23 20 90,24 7-450,7-2 1,3 2 89,12 15 90,2 0-90,9-12 483,26-2-753,11 4 360,17-15 90,2 0 180,-22-13 0,1-2 0,18 1 45,-9-8 0,-1-4 135,3-13 225,-12 3 0,-4-3 44,-4-11 1,-3 1 1059,-17 12-969,-6 1-270,0 1-1,0 4-269,0-3 0,0 9 0,-15 1 0,11 23 90,-10 11-180,14 11-179,15 18-721,-11-19-899,26 24 900,-6-26-966,8 7 1955,4-18 0,-7-2 0,1-4 0</inkml:trace>
+  <inkml:trace contextRef="#ctx0" brushRef="#br0" timeOffset="63640">12870 4933 9961,'-20'-11'720,"-12"3"-540,15-1 0,-15 5-270,2 1 180,1 23-90,6 6 0,9 13 0,2 16 0,10-17-360,-4 23 180,6-26 180,20 14-180,2-25 90,26 0 90,1-17-90,6-25 90,-13 12 0,-17-22 0,-4-6 0,3 6 0,-10-13 0,-3-3 0,3-5 0,-11 16 0,0-2 45,0-2 0,-2 0-83,-1-23 218,-9 10 0,-5 0 180,-10-9-1,0 12 1,-1 1-926,1-2 566,2 19 0,3 0-90,15-1 0,-30 6 90,31 7 90,-19 5-90,20 29 204,-5 0-204,13 14 0,4 4 0,-6 15 159,11-14 1,1 3-160,-4 6 0,-3-1 0,0-9 0,1 2-675,13 20 1,-1 1 179,-13-25 0,0-1-360,16 18 1,1-2-868,1 2 1722,-9-20 0,0-3 0,10 4 0,3-4 0</inkml:trace>
+  <inkml:trace contextRef="#ctx0" brushRef="#br0" timeOffset="64076">13597 4832 9602,'-21'-17'359,"16"3"91,-30-4-270,14 8 90,-15 0-180,5 7 0,-8 17 0,14 14-90,-4 7 45,16-4 0,3 2-135,-3 10 135,7-3 0,1 0-45,2 7-946,3 13 856,22-22 1,-16-5-1,35-2 0,-17 2 90,0-13-90,28 0 90,-34-16-90,37-20 90,-30 12 90,7-42-502,-14 21 412,-2-27 0,-4 6 90,-6 7 0,-1-2 0,0-23-867,-2 4 1,-2-2 956,-1 25 0,0 0-45,1-12 0,-2 3 231,-17-16-187,14 6-179,-14 9-89,4-1 89,10 20 172,-10 4-82,14 37-90,0 4 0,0 23 0,0 0-90,0 9 1357,0 8-1717,18 6-315,-9-14 1,0 1-1,1-13 1,1 1 764,3 26 0,-1-1 0,-4-27 0,1-2 0,7 10 0,0 0 0</inkml:trace>
+  <inkml:trace contextRef="#ctx0" brushRef="#br0" timeOffset="64510">14398 5134 9422,'25'-24'90,"19"-13"89,-15-15-667,-3 13 0,1 0 712,-6 13 1,0-1-45,-2-6 0,-3-1 90,6-15-90,-12 3 90,6 1 70,-14-16-250,7 20 0,-9-20-90,-16 34 329,12 0-329,-13 17 0,5 5 90,10 18 816,-10 19-906,10 0 0,4 4-270,-3-4 1,2 3-1627,6 22 1,3 1 1355,-1-20 1,0-1-46,1 12 0,1 2 585,5-1 0,0-2 0,-5-13 0,0 0 0,9 11 0,0-1 0</inkml:trace>
+  <inkml:trace contextRef="#ctx0" brushRef="#br0" timeOffset="64678">14570 5442 10951,'0'-26'-450,"0"-2"90,20 5-90,-15-2-89,43 4-326,-23 1 236,28-1-573,-9-1 572,6 1 630,-1 0 0,7 1 0,-1 1 0</inkml:trace>
+  <inkml:trace contextRef="#ctx0" brushRef="#br0" timeOffset="64956">15410 4859 9871,'-21'-11'1260,"16"1"-811,-35 1 1,18-2-540,-1 4 0,-7-1 180,20 5-90,-5 20 0,28 8 0,-8 11 0,32 15 0,-15-17 0,-3-6 0,0-1 90,4 5-90,4 6 0,-25-7 0,9-8 0,-11 8-180,-20-16-1259,-7 5 360,-12-11-496,4-4 1,2-2 1574,-4-1 0,-7-1 0,32-1 0</inkml:trace>
+  <inkml:trace contextRef="#ctx0" brushRef="#br0" timeOffset="65361">15625 4930 9781,'20'0'540,"-1"0"-180,2 17-270,-8-12 90,5 38-90,-12-24 0,3 40 0,-6-23-1370,1 15 1280,-1-12 90,-1 1-90,2 0 0,1 14 0,-1-13 86,5 19-86,-4-30 90,4 9-180,-4-22-990,0-2 720,-3-31 271,-18-12-91,12-16-90,-12-4 225,8 14 0,2 0 148,2-24-103,-7 17 0,-1-1 0,10-23 0,-2 31 0,-1 0 0,4 0 0,2-2 90,9-9 0,1-1 180,-6-18 0,13 18 0,4 4-90,6 4 90,19 1-91,-7 27-179,-5 4 229,-3 22-139,-9 10 0,5 22-90,-19-2-360,-2 18-539,-7-22-360,-23 12 1259,-9 2 0,-15-15 0,24-14 0,0-1 0</inkml:trace>
+  <inkml:trace contextRef="#ctx0" brushRef="#br0" timeOffset="65958">16702 4400 11670,'-5'-46'-90,"-3"3"90,5 9 0,-5 0 270,5 16-90,0 18-90,3 34-90,17 12 90,-12 18-691,10-20 0,0 0 601,-12-10 0,-3 2 45,11 25 0,-1-1-45,-8 6 0,2-26 0,0-1-362,2 18 272,-5-22-450,4 8 1,-5-27-1260,0-2 1799,0-50 0,17-1 270,-13-25 134,15 33 1,0 2-135,-14-4 90,31 4-270,-32 8 180,24 17-270,-11-8 1333,6 25-1423,-3-11 590,-5 47-410,-5-28-90,-4 10 0,-3 2 90,-1 0-90,-2 10-90,0-17-180,-21-2-539,15-3-1350,-31 3-269,17-9 2428,-15 1 0,14-14 0,6-1 0</inkml:trace>
+  <inkml:trace contextRef="#ctx0" brushRef="#br0" timeOffset="66540">17493 4678 10231,'5'13'450,"-23"5"-360,-15 16 0,-13-4-1236,-4 4 1146,8-7 0,0 1 0,1-1-785,-3 7 605,15-10-181,5 12 181,17-20 0,25 1 90,17-13 90,30-18-90,-4 11 6,-19-12 0,-2-4 174,7-7 171,-17 9 1,-2-2 638,14-26-540,-22 22-360,12-10 90,-29 18-180,-11 2 90,4 25 767,-27 10-1037,27 21 180,-9 2-180,13-9 91,20-12 179,-15-3-180,40-17 90,-22 15 90,22-17-90,-7 6 90,1-8 90,18-23-90,-13 18 0,-11-22 0,-1-5-464,1 8 509,-14-2 0,-2-3 225,0-7 0,-5-3 0,-7 1 989,-2-19-719,-3 15-181,-16-23-359,12 34-252,-11-9 342,1 24-180,10 2 180,-10 27-90,14 13 0,0 11 0,16 8-545,-13-3 275,27 2-92,-26 3-358,10-15 1,3 0-91,5 15 0,-3-10 1,0-2-180,1 1 1030,6 6 0,-24-21 0,8-3 0</inkml:trace>
+  <inkml:trace contextRef="#ctx0" brushRef="#br0" timeOffset="66674">17940 4870 10231,'-15'-20'-90,"3"1"-180,12 2-629,0-8 449,0 8-629,23-9 449,2 15 630,24 0 0,-24 8 0,-3 1 0</inkml:trace>
+  <inkml:trace contextRef="#ctx0" brushRef="#br0" timeOffset="66928">17155 4469 10501,'-11'-35'360,"3"2"-360,5 1-90,3 0 180,0 3-180,25 3 180,4-2-90,1 13-720,30 0 91,-37 13-849,33 1 939,-24 17-1,2-12-180,0 29-269,-1-29 957,0 30 1,-3-30 0,0 14 0</inkml:trace>
+  <inkml:trace contextRef="#ctx0" brushRef="#br0" timeOffset="67095">17987 3989 9961,'0'-11'-719,"0"29"269,0-4-270,0 30 720,0 14 0,0-5 0,0-17 0,0 1 0</inkml:trace>
+  <inkml:trace contextRef="#ctx0" brushRef="#br0" timeOffset="67424">18825 4231 12750,'-22'-14'270,"-12"1"-360,30 8 90,-13 0 90,4 3 89,10 19-89,-11 14-90,14 35 0,0-3-833,9-26 1,1-1 832,-6 21-135,12-26 0,-1-1-405,-12 28-448,14-18 1,3 0 267,-4 18-225,7-13 1,2-2-45,3 0 989,-3-13 0,2-2 0,8-5 0,11 3 0</inkml:trace>
+  <inkml:trace contextRef="#ctx0" brushRef="#br0" timeOffset="67623">19293 4559 11400,'-33'-17'270,"-1"3"-270,-12-1-90,11 10 90,-11-2 0,5 22 0,10-11-449,-12 46-181,25-26 0,8 9 1,3 2-1,3 1-674,14 0 0,7-2 1304,21-3 0,-12-7 0,3-2 0,28-7 0</inkml:trace>
+  <inkml:trace contextRef="#ctx0" brushRef="#br0" timeOffset="68041">19525 4773 9602,'-16'-10'-90,"0"2"-270,-3 27 90,7 3-270,12 18 270,0-6 1,23-14 179,-17 1 0,42-19 0,-28 7 90,20-9 0,-8 0 0,-4 0 270,13-14-1,-14-4 451,5-17-270,-13 8 179,-9-4 451,2 1-541,-12 6-269,3-8-270,-3 17 0,0-1 0,-13 11 0,10 19 0,-11 14 0,14 11 180,0 28-90,19-22-480,-8-2 1,0 2 389,12 9 0,-2-17 0,4 4 0,-4-3 90,4 22-135,11-4 0,1-3 135,-9-7-90,4 10 90,-15-25-90,-3-5 0,-5-3-90,-5-6-359,-2-2-181,-2-4-2968,-27-2 1889,-10-5 1709,-15-2 0,-1-2 0,11 0 0</inkml:trace>
+  <inkml:trace contextRef="#ctx0" brushRef="#br0" timeOffset="68206">19673 4311 11131,'34'-10'-1799,"3"2"899,3 4-604,6 2 604,2 2 760,4 0 0,1 15 1,-1 3-1</inkml:trace>
+  <inkml:trace contextRef="#ctx0" brushRef="#br0" timeOffset="68674">20715 4674 11850,'0'-39'0,"0"3"-90,0 6 180,18 5-180,-14 6 180,30 6-90,-11 6 0,9 5 0,0 27 270,6 14-270,-9 12-697,-9-22 0,1-1 697,7 16 0,3-1 0,-3 0 270,13 9-91,-12-17 91,13 9-270,-20-31-180,5 0-269,-12-13-271,2-27-809,0-14 540,-6-17-91,0 13 1,-1 0 1079,1-17 0,-4 20 0,0 1 0,1-19 0</inkml:trace>
+  <inkml:trace contextRef="#ctx0" brushRef="#br0" timeOffset="69073">22003 4674 9691,'-22'6'450,"-11"2"-90,-11-3-135,10 0 0,1 1-225,-9 2 45,5 1 0,1 2-45,-5 6 90,-9 7-180,18 4 0,14-6 0,-1 16 90,18-16-90,-3 3 0,33-12 90,-22-4-90,51-5 0,-31-1-879,28-3 969,-10 0 0,-12-8 0,0-3-92,16-13 92,-10 3 0,-2-3 0,-1-14 360,4 0-90,-22 7 0,-10 1-270,-2 0 0,-6-8 0,0 13 0,-17-3-630,-9 20-539,-10 22 809,11 14 780,12 8-1140,13 3-1439,0-3 2159,18-18 0,-14 16 0,14-17 0</inkml:trace>
+  <inkml:trace contextRef="#ctx0" brushRef="#br0" timeOffset="69294">22377 4586 10771,'-17'-11'809,"12"-2"-449,-25 12-180,27 12-90,-11 7-180,14 19-90,21-17 90,-16 16-270,35-19 181,-13 3-91,17 1 90,-17-15 180,5 3 0,-47-20 0,4-8 0</inkml:trace>
+  <inkml:trace contextRef="#ctx0" brushRef="#br0" timeOffset="69426">21673 4123 10231,'0'-8'-1529,"23"3"450,16 2 1079,-3 1 0,3 3 0,-5 6 0,0 1 0,4 2 0,-1-1 0</inkml:trace>
+  <inkml:trace contextRef="#ctx0" brushRef="#br0" timeOffset="69963">23793 4531 9242,'-34'-14'449,"-24"1"91,31-1-1756,-27-2 1666,8 1-271,12 5 1,-1 1-180,-22-2 45,9 4 0,-1 2-135,-6 1 135,13 1 0,1 4-135,1 17-179,-4-14 188,24 34-99,6-33 90,7 38 0,4-15 90,22 10 0,12-3 0,13-22 0,-7-7 0,1-2-280,16-4 235,-18-9 0,1-3 135,-2-1 0,-1-3-90,16-24 180,-15 14 0,-3 0-90,-3-7 141,-3-21-51,-20 22 761,-32-18-851,-5 28-90,-26-2 0,8 52-90,20-4-396,0 33 396,27-14 180,-8 7-180,10 5 135,12-12 0,1 1-45,-10-10 0,0 1 0,20 23 0,4-1 0,-10-23 0,0-2 0,3 10 0,3-2 0,20 10 0,-28-4-511,15-7 511,-25-6-327,23-6-33,-26-8-2159,9-3-89,-40-8 2608,-8-3 0,-16-25 0,2-4 0</inkml:trace>
+  <inkml:trace contextRef="#ctx0" brushRef="#br0" timeOffset="70161">24102 4541 10861,'21'0'0,"-2"0"0,-4 15 0,-3-11 0,-3 23 90,-3-24-180,0 34-90,-4-20-1079,1 33 269,-3-25 91,0 8 899,0-7 0,0-9 0,0 5 0</inkml:trace>
+  <inkml:trace contextRef="#ctx0" brushRef="#br0" timeOffset="70314">24225 4091 9422,'-18'-29'-1350,"0"-2"811,-3 15 539,1 1 0,18 27 0,-6 6 0</inkml:trace>
+  <inkml:trace contextRef="#ctx0" brushRef="#br0" timeOffset="70607">24687 4443 9781,'-51'0'450,"-2"19"-270,6 3-90,4 20-90,18-10 90,3 0 0,20-11 0,-5-1-90,7-3 0,17-3 90,12 1-90,11-7 270,4-1 179,8-7-449,-13 0-502,9 0 502,-20-16-360,-3-3-90,-13-22-179,-1 8-1530,-42-15 540,7 18 1532,-29-11 1,10 17 0,-3-1 0</inkml:trace>
+  <inkml:trace contextRef="#ctx0" brushRef="#br0" timeOffset="70806">24680 3749 9422,'21'-13'90,"-1"1"-90,-3 7-360,-1 0-90,-3 5-1169,1 0 1619,-9 23 0,1-17 0,-6 18 0</inkml:trace>
+  <inkml:trace contextRef="#ctx0" brushRef="#br0" timeOffset="71390">25947 3655 12390,'0'37'0,"0"-4"0,0 2 90,0 20-90,20-8-1406,-18-13 0,1 2 1496,17 20-90,-6 2 0,-10-1 0,10-18 0,0 0 0,-11 19-357,8-16 0,0-1 177,-9-2 87,12 9-447,-12-29-359,2-2 719,-4-32 1505,-14-13-1325,10-33-90,-10 10 369,14-5-189,22 17 0,-17 2 450,34 2 269,-17 0-719,20 16 0,-8 3-90,-2 16 90,0 15-90,-9 18-978,6 7 888,-9 15 0,-2-8-359,-1 4-406,-7-13 1,1 1-46,6 20-270,-2-12 1,0-1 1169,5 0 0,7 6 0,-7-26 0</inkml:trace>
+  <inkml:trace contextRef="#ctx0" brushRef="#br0" timeOffset="71724">26830 4287 10501,'-19'-6'540,"15"-2"-450,-34 7-90,18-2 180,-17 21-91,9 6-89,13 11-89,6-1 89,9-9 0,0 1-270,0 8 270,24-9 0,-18 2 0,35-18 90,-36 3-180,32-10 90,-14 5 180,15-30-90,-9-3 359,-13-29-269,-8 14 90,-8-3-90,0 5-270,0 9 90,0-6-989,-14 19-361,10 26 631,-10 16-990,14 31 629,0-13 934,0 0 1,23-17 0,6-1 0</inkml:trace>
+  <inkml:trace contextRef="#ctx0" brushRef="#br0" timeOffset="72057">27130 4327 10771,'-38'-13'0,"15"22"0,9 16 0,14 10 0,0-2-450,0-1 0,16-18 270,-13 18-179,13-23-181,-6 6 450,-1-9 90,3-20 0,-2 10 90,-1-29-90,1 6 180,3-7 90,-3-2 90,0 14-91,-1 1-179,5 0-90,-5 11-90,7 0-269,-9 10-451,8 20 270,-6 13-89,6 11-253,-2 7 72,1-11 810,4 2 0,1-4 0,2-1 0</inkml:trace>
+  <inkml:trace contextRef="#ctx0" brushRef="#br0" timeOffset="72440">27737 4278 9871,'-20'-6'90,"15"-1"-360,-30 6 360,22 19-90,-5 7-90,9 23 180,27-23-90,-13 16-90,36-36 180,-21 27-90,20-28 180,-9 18 0,-2-20 270,6 6 449,-9-8-269,-6-18-270,-10 1-360,-28-13 0,-1 15 0,-3 21 0,7 26 90,15 9-180,0 12 90,8-20 0,0 1-442,-4 19 397,10-19 0,1 2-45,2 25 0,0-17-805,6 16 85,-20-31-1888,8 1 2698,-28-21 0,-11-19 0,-18-11 0</inkml:trace>
+  <inkml:trace contextRef="#ctx0" brushRef="#br0" timeOffset="72623">27130 3417 12030,'46'0'0,"5"0"-360,7 18-2655,-6-10 1,3 1 2654,-11 0 1,1 3-1,9 3 0,5 2 0,-5-1 45,-2-6 1,-2 2-136,-7 4 0,2 3 1,-4-2 449,1 0 0,-4-1 0,-1 0 0,0 0 0,-4 1 0,1 0 0</inkml:trace>
+  <inkml:trace contextRef="#ctx0" brushRef="#br0" timeOffset="72756">28640 4523 11760,'9'13'-967,"-2"-2"0,-4-5 0,0-2 0</inkml:trace>
+  <inkml:trace contextRef="#ctx0" brushRef="#br0" timeOffset="81763">2438 7055 7713,'-11'-7'989,"2"-1"-539,9 2-90,0-3 89,0 0-89,0-2-180,0 0 0,0-1 0,0 0 0,0-1 90,0 1-181,0 0 1,0 2 180,0 0-270,0 2 90,0-3-90,0 5-90,-14-4 90,11 6 0,-26 0 0,6 3 0,-9 1-90,-11 14-90,16-10-269,-14 25 89,21-7 0,-4-2-180,15 27 181,4-31-451,2 30 360,31-28 270,7 4 180,21-15-308,-4 0 308,-9-7 269,-1 0 1,-4-16 450,13-5-540,-19 2 449,7-15-449,-21 12-270,-8-12 90,-2 6 0,-22 14 0,11 38 0,-10 0 0,13 30 110,0-14-110,0 4 0,0 3 0,8-13 0,4 0 0,5 17 0,-7-10 0,2-2-258,14 2 348,-23 9-90,10-24-90,-13-2 371,0-4-281,0-3-270,0-5-179,0-1-1444,-16-5 364,-9-2 1529,-10-21 0,10 13 0,11-15 0</inkml:trace>
+  <inkml:trace contextRef="#ctx0" brushRef="#br0" timeOffset="81941">2942 6918 7982,'17'-1'450,"-2"1"-270,-2 0-90,-2 0 0,7 31-90,-5-23 0,8 53 0,-11-42-450,6 35-269,-6-26-271,3 8 990,-4-14 0,2-2 0,0-3 0</inkml:trace>
+  <inkml:trace contextRef="#ctx0" brushRef="#br0" timeOffset="82081">3155 6855 8252,'-19'-27'180,"5"3"-180,3 4-450,8 3 1,-8 2 179,4 5 270,5 3 0,-4 4 0,6 2 0</inkml:trace>
+  <inkml:trace contextRef="#ctx0" brushRef="#br0" timeOffset="82457">3557 6925 7982,'0'23'810,"0"1"-630,0 2-180,0-1 0,-17 10 180,13-11-180,-25 13 0,26-18 180,-9 8-90,12-18 179,0 3 1,17-11 0,5 0 0,0-19 180,13-2-360,-14-2-90,1-14 0,6 8 0,-26-9-450,9-9 0,-11 20-899,-21-14 270,16 22-91,-36-4 1170,36 12 0,-36 2 0,15 2 0</inkml:trace>
+  <inkml:trace contextRef="#ctx0" brushRef="#br0" timeOffset="82640">3593 6429 8612,'6'-20'0,"0"7"0,3 2 0,-3 8-2069,-3 16 2069,-1 16 0,0 10 0,-2 11 0</inkml:trace>
+  <inkml:trace contextRef="#ctx0" brushRef="#br0" timeOffset="83079">4415 6225 9242,'4'17'0,"-1"15"0,-3 14-2465,0 12 2375,0-3 90,0-11 0,0 3 45,0-12 0,0 1-90,1 26 0,-2-1 45,-6-26 0,1-2 0,5 20 0,-1-2 238,-11 0-238,13 9 0,-7-31 524,5-6-614,-5-7-449,7-5 539,-4-6 1213,3-18-1213,-3-11 90,4-12-90,0-4 90,22 4 90,-17-2 0,31 2 399,-32 2-669,25-7 180,-14 16 0,11 0-90,-3 19 0,-7 6 0,-2 17 0,-2-13 90,3 52-180,-2-31-270,-2 11 0,-1 2-270,2 2-438,1-6 0,2-1 1068,7 3 0,10 9 0,-5-18 0</inkml:trace>
+  <inkml:trace contextRef="#ctx0" brushRef="#br0" timeOffset="83422">5145 6876 9602,'-23'-18'629,"2"4"-629,-24 9 0,9 3 0,13 17 0,-8-11-90,27 28 90,-19-9-180,21 9-359,-7-1 89,9 1 270,23-10 0,0 4 270,4-11 0,7-8-90,-17-1 180,13-6 539,-15-15 1,1-1-360,-15-14-450,5 3 90,-6 4-720,-14 10-629,10 19-810,-10 10 2159,14 20 0,19-9 0,4 5 0</inkml:trace>
+  <inkml:trace contextRef="#ctx0" brushRef="#br0" timeOffset="83773">5337 6931 8612,'0'33'0,"0"4"0,15-11 0,-11 2 0,12-9 0,-16-1 0,8 4 180,-6-7-1799,6 3 1709,-8-35-180,0-4 180,0-31-90,0 14 180,16-7-90,-1 22-90,15 3 0,-15 27 0,5-3 0,-17 34 0,23-2 0,-17 11-315,5-13 0,1-2-315,1 7 630,4 10 0,-2-21 0,0-3 0</inkml:trace>
+  <inkml:trace contextRef="#ctx0" brushRef="#br0" timeOffset="84106">5842 6970 8972,'-22'-15'-90,"-9"7"90,27 23 0,-11 10-90,15 13-270,0-4 0,0-9 1,19 8 269,-15-11 359,46 8 181,-31-21 899,24 1-89,-24-24-1440,-9-5 0,-6 22-90,-4 0 0,0 33-269,0-6 179,0 1-90,0 1-270,0-1-1438,0 8 2158,0-13 0,0 4 0,0-15 0</inkml:trace>
+  <inkml:trace contextRef="#ctx0" brushRef="#br0" timeOffset="84273">4557 6697 10861,'32'-13'-2519,"0"3"1979,17 3 1,7 1-2351,-15 3 1,2 1 2889,19 0 0,1 0 0,-11 2 0,0 0 0,2 0 0,0 0 0</inkml:trace>
+  <inkml:trace contextRef="#ctx0" brushRef="#br0" timeOffset="84827">7107 6760 8792,'-45'0'270,"0"0"-270,-19 0 0,17 0-481,-12 0 481,26 16 158,5-12-158,13 28 0,-5-28 80,18 31 10,-9-20-180,11 30 90,21-16 90,4 20-90,0-19 153,13 5-153,-34-12 90,30-4-90,-30-3 0,20 1 0,-22-7-900,8 1 91,-34-8 719,0-2 90,-24-17 0,25-2 90,-9-16 359,29 4-269,-10 5 0,59 11-270,-17 1 225,3 11 0,4 3 135,29-6-180,-14 5 0,-8 0 0,0 0 90,4 0 45,-9 0 0,-2 0 44,1 0-89,7 0 0,-20 0 0,-4 0-180,-6-13 0,-1-2 0,-8-16 0,-1 0 90,-23-1 0,14 8-180,-35 4 90,20 10-90,-19 4-630,11 20 1,12 11 269,6 10-180,10 1-269,0-8 899,17 2 0,-12-1 0,12 0 0</inkml:trace>
+  <inkml:trace contextRef="#ctx0" brushRef="#br0" timeOffset="85106">7120 6515 7982,'0'-11'0,"0"3"90,24 3 0,0 4-180,26 20 90,-15-14-723,1 32 723,-11-21 90,-1 15-90,0-6 81,10 5-81,-9-15-180,19 12-90,-18-24-1169,21 6 1439,-18-34 0,9 4 0,-11-21 0</inkml:trace>
+  <inkml:trace contextRef="#ctx0" brushRef="#br0" timeOffset="85572">8163 7346 11221,'-36'-19'179,"3"14"-134,14-26 0,5-5-45,-4 6 0,8-15 0,3-3 0,6-1-936,9 1 1,1-1 935,-5-14 0,6 17 0,3-5 0,-3 5 0,-8 9 0,0 0 119,3-6 1,1-5 0,-2 7-120,-4-9 0,0-14 0,0 41 493,0 3-493,0 34 306,0 16-306,0 2 0,0 3-450,0 25-298,9-25 0,1 1-151,-6 19 539,16-28 0,0 0-269,-15 27 314,17-28 0,2-1-764,-2 24 1079,26-3 0,-6-5 0,2-2 0</inkml:trace>
+  <inkml:trace contextRef="#ctx0" brushRef="#br0" timeOffset="85906">8845 6938 9422,'-55'-7'899,"-1"6"-899,13-5 90,2 6 90,12 0 90,4 16-90,1 3-180,0 2-90,11 12 90,1-19-180,12 17-90,0-10 0,24 11 90,-18-11 135,22-3 0,3-3 135,-10-2-90,41-1 0,-34-9 90,13-21-180,-18 14 630,-5-32-90,-8 12-450,-10-16-180,0 3-1169,-17 8 359,13 35-359,6 21 359,18 12 990,3 4 0,12-20 0,-11-2 0</inkml:trace>
+  <inkml:trace contextRef="#ctx0" brushRef="#br0" timeOffset="86073">8722 6559 9961,'-7'-13'-1259,"2"4"449,24 4 181,13 4-181,11 18 636,10-13 0,-6 38 0,2-12 1</inkml:trace>
+  <inkml:trace contextRef="#ctx0" brushRef="#br0" timeOffset="86373">9883 7119 9062,'5'-24'90,"0"-16"0,0 22 90,3-15 0,1-4-91,-1-5 91,1 0 0,0 0 90,-4 0 0,-1 7 0,-1 0-270,-1-3 0,0-17 0,-2 30 0,0 0 0,-14 15 0,10 30-180,-22 36-270,23 4-672,-2-18 1,-2-1 491,0 15-180,5 3-1151,-5 2 1961,7-1 0,0 1 0,0-2 0</inkml:trace>
+  <inkml:trace contextRef="#ctx0" brushRef="#br0" timeOffset="86523">9768 7403 9332,'-7'-15'629,"2"11"-539,3-28-90,1 16 0,1-16-180,19 7-359,-15-2-181,39 0-1529,-2-11 2249,9 9 0,-20 11 0,-1 1 0,14-5 0</inkml:trace>
+  <inkml:trace contextRef="#ctx0" brushRef="#br0" timeOffset="86747">10675 6444 9871,'-15'48'540,"-6"-4"-450,19 11-1964,-16-3 1964,10 7-180,-9 3-225,6-14 0,0 2-135,4-13 1,-1 1-631,-5 26 1,1-1 1079,6-26 0,2-1 0,-2 9 0,1-1 0,1 13 0</inkml:trace>
+  <inkml:trace contextRef="#ctx0" brushRef="#br0" timeOffset="87105">11373 6862 9512,'-49'-3'0,"-2"0"0,14 3 0,0 13 0,1 2 0,10 1 0,-7 20 0,22-21-90,1 34 0,10-24 180,21 11-90,5 3-90,0-10 90,17 19 90,-19-22 449,16 12 1,-18-20-540,-9 5 0,-13-15 0,0 2-90,-26-8 90,-10 0-630,-17-2-269,-2 0-990,-8-19 1547,18 14 1,-11-28 0,24 17-1</inkml:trace>
+  <inkml:trace contextRef="#ctx0" brushRef="#br0" timeOffset="87372">11488 6956 8252,'-13'0'270,"-6"0"-270,-25 0 0,21 14 0,-15-10 90,33 23-90,-26-24 0,28 29 0,-11-18-90,14 17 180,0-9-180,0 0-270,19 7 90,-15-9-269,35 7 359,-13-16 0,0 0 0,15-7 0,-27-3 90,17 1-449,-8-2 539,-3-14 0,-7 11 0,-4-11 0</inkml:trace>
+  <inkml:trace contextRef="#ctx0" brushRef="#br0" timeOffset="88364">11023 7109 7173,'-23'28'0,"3"0"0,8-2 0,-2 1 90,12-3 0,-5 9-180,7-10 0,19 8 90,7-18 0,28-1 0,-10-10-1120,6-1 1120,-14-22 0,0 16 180,-2-39 0,8 9-180,-14-11 45,-9 10 0,-2 0-135,-3-11 270,-7 2 0,-3-1 90,-1-11-90,-2 18 0,-2 0 269,1-16-89,-20 0 90,14 2-90,-10 18 0,-2 2-93,1-15-357,3 16 1,0 3 89,-2 3 359,6 3-269,10 37-90,0 3 180,0 24 0,0 23-180,14-8-1067,-13-2 0,1 2 1067,12-19 0,0-1 0,-12 11 0,-1 2-641,10 0 1,1-2 145,-6-12 0,1 2-584,3 20 0,2-2 1079,6 5 0,-9-24 0,-1-2 0,4 9 0</inkml:trace>
+  <inkml:trace contextRef="#ctx0" brushRef="#br0" timeOffset="88628">11898 6546 10681,'0'-6'0,"-16"3"450,-1 18-360,-19 15 89,10 13-1118,-3 10 1029,8-1-135,5-10 0,0 3 90,4-11 0,0 3-675,-6 26 0,0 0 180,9-25 1,0-1-766,-3 25 1,1-1 1214,6-25 0,0-2 0,0 9 0,1-2 0,1 14 0</inkml:trace>
+  <inkml:trace contextRef="#ctx0" brushRef="#br0" timeOffset="89023">12130 6949 8522,'-25'-7'0,"5"2"0,5-1 0,11 2 0,-23 1 0,15 3 0,-3 18 0,6 5 0,9 24 0,18-8 540,5 18-180,-1-21-315,-2-4 0,0-1-171,7 5 216,-1 8 539,11-9-89,-22-12-90,4 7-540,-9-17 90,-10 2 0,0-9-1079,-50 0 89,22-4 45,-14-1 1,-1-1-225,5 0 1169,-8-15 0,29 11 0,6-11 0</inkml:trace>
+  <inkml:trace contextRef="#ctx0" brushRef="#br0" timeOffset="89406">12478 7094 8342,'-44'0'1799,"4"0"-1799,0 0 0,9 15 0,14 3 0,0 1-90,16 14-90,-5-18-89,6 15-1,0-9 180,17-2 0,-12-1 90,30-2-90,-11-2 270,9-6-180,1-2 0,-1-6 90,-9 0 0,4 0 629,-12-18 451,-3-5-631,-6-20-179,-1 9-180,-6-5-270,0 14 0,-14 5-720,10 5-809,-10 33 630,14 2-900,16 29 742,9-13 1096,11 1 0,3-15 0,-7-1 0</inkml:trace>
+  <inkml:trace contextRef="#ctx0" brushRef="#br0" timeOffset="89622">13288 6896 9602,'-23'-15'899,"17"3"-449,-45 6-270,30 2-180,-23 4 180,2 19-180,12-14 44,11 23 1,3 5-45,-6-6 0,12 36-784,1-25 244,9 0 83,28-3-532,9 12 269,14-15 135,-17-10 1,0-3-986,7-5 1570,12-2 0,-18-12 0,-3 0 0</inkml:trace>
+  <inkml:trace contextRef="#ctx0" brushRef="#br0" timeOffset="89983">13415 6697 9961,'-17'-33'270,"13"5"-270,-13 6 270,17 7 540,0 4-810,18 62 89,-13-19-89,10 18 0,2 4-789,3 1 789,-11-20 0,0 1 0,22 15 0,-27-3 0,14-10 0,0 0 0,-12 4 45,7-7 0,0-4-135,-10-15-1619,4 3 1619,-5-32 629,0-7-269,-2-24 180,0 10-450,15-7 180,-11 19 610,21 19-700,-23 34-180,12 8-45,-11-4 0,-1-1-765,4 2 181,0 9-271,-6-20 990,3-2 0,-3-5 0,0 0 0</inkml:trace>
+  <inkml:trace contextRef="#ctx0" brushRef="#br0" timeOffset="90172">12845 5906 11400,'-41'29'-1888,"9"-3"628,4 11 1,1 4 982,11-11 1,1 0 0,-5 13 0,1 1 0,7-8 0,-1 0 0</inkml:trace>
+  <inkml:trace contextRef="#ctx0" brushRef="#br0" timeOffset="90589">14198 6975 9871,'-34'0'270,"-2"15"-630,3 2-179,1 20-451,14-8-89,6 5-270,12-11 1349,0 2 0,0-3 0,0 1 0</inkml:trace>
+  <inkml:trace contextRef="#ctx0" brushRef="#br0" timeOffset="90955">14723 7002 9781,'-61'0'1979,"14"0"-1619,2 14-180,16-10-270,2 10 90,3-4 0,0-8 0,4 18 0,2-17 0,8 16-360,-4-5 0,12 4-449,-5 8 629,25-10-90,-14 5 270,35-8-90,-33-3 90,41-3 90,-28-3-90,22-2 0,-14-2 0,-1-15 90,-3 11 720,-10-25-271,-3 8-179,-10-15-270,-19 2-90,14 6 0,-29 12-630,30 5-1258,-10 25 988,14 3 90,17 2-1168,9 34 1978,12-34 0,6 28 0,-6-24 0</inkml:trace>
+  <inkml:trace contextRef="#ctx0" brushRef="#br0" timeOffset="91114">15190 7102 10411,'-43'-10'180,"2"4"-630,6 2-809,8 18-360,15 4 1619,31 17 0,16-2 0,-5-15 0,1-1 0</inkml:trace>
+  <inkml:trace contextRef="#ctx0" brushRef="#br0" timeOffset="91291">15493 6412 10231,'-23'-20'-90,"-6"3"180,-10 9-1799,-10 24 720,23 4 989,3 11 0,2 4 0,1 17 0,7-15 0,0 0 0</inkml:trace>
+  <inkml:trace contextRef="#ctx0" brushRef="#br0" timeOffset="91689">16523 6817 11041,'-30'-12'539,"-21"0"-629,28 5 180,-35-1-180,21 5 0,-15-1 1,19 4 89,9 16 0,11 2 0,13 23 0,24-8 0,7 16 0,13-18 0,-16-5 0,-1 0-847,5 4 937,8 6 627,-13-8-537,-14-9-90,1 6-90,-14-14 0,0 3 0,-24-6-899,-7 3-91,-12-3-449,2-1-899,13-3 2338,-5-2 0,17-2 0,-2 0 0</inkml:trace>
+  <inkml:trace contextRef="#ctx0" brushRef="#br0" timeOffset="92106">16735 7003 9691,'8'35'720,"-1"0"-720,-7-8 90,0 2-90,0-3 90,0 5 0,0 4-180,0 20 90,0-12 0,0-7 0,0 0 0,0 5 0,16 22 0,-13-31 0,29 6 0,-28-14-360,22-9-629,-24 0 629,7-27 180,-9-13 90,-18-13 90,13-8-270,-12 0 180,7 7 0,3-4 180,5 9 0,0-3-60,-6-6 0,-3-6 0,3 4-356,6 2 1,1-2 445,-2-3 0,-2-5 0,2 5-930,2 5 0,2 3 899,7-11 1,4 1 270,-2 13 0,1 4 0,13-10 180,13-3-91,-16 35-359,20 3 0,-20 31 90,8-17-180,-27 40 90,19-26 0,-19 22-180,7 8 180,-9-10-855,-7-6 1,-5 1-855,-20 6 23,12-14 1,-2-1 1595,-26 11 0,9-4 0,-2 0 0</inkml:trace>
+  <inkml:trace contextRef="#ctx0" brushRef="#br0" timeOffset="93289">18243 6212 9422,'-17'-46'1978,"13"3"-1258,-13 2-1368,17 6 828,0 3 172,0 6-442,-9 1 271,7 28-271,-7 52 1,27 8-1010,-16-18 1,-4 6 0,6-4 1098,15 0 0,-1-2 0,-15 17 0,-1 0-563,14-17 0,-1-2 518,-13-2 0,-1-1-370,11-2 1,0-2 414,-9 29-660,17-10 660,-18-11 2133,10-3-2133,-7-16-1349,0-3 1927,-2-38-937,-19-24 269,12-7 0,-4 11 0,1 0 0,7-2-90,0-20 180,15 31 0,-11-3 0,26 21 1530,-10 3-1530,12 6 90,-12 22 1513,3 2-1514,-20 22-89,6-13 90,-9 0-90,0-11-179,0 5-451,-22-9-1979,2 4 2609,-6-8 0,-3-7 0,11-1 0</inkml:trace>
+  <inkml:trace contextRef="#ctx0" brushRef="#br0" timeOffset="93639">18893 6619 9781,'-20'15'270,"14"11"-270,-31-22 0,33 23 0,-29-15 0,29 13-90,-27-3-269,28 2 179,-10 0-90,13 1-180,0-1 270,0 1-450,17 4 541,11-9 178,27 5-89,-3-18-1064,3 0 1154,-14-7 90,-1 0 77,-4-21 13,-4 16 89,-5-36 181,-7 24 450,-4-31-811,-8 18 181,-4-17-270,-4 23 973,0-5-2232,-17 13 464,0 7-1094,-4 20 809,8 14 990,13 11 0,0 3 0,0-7 0</inkml:trace>
+  <inkml:trace contextRef="#ctx0" brushRef="#br0" timeOffset="93922">19707 6736 9422,'0'-18'719,"-18"6"-719,13 27 90,-12 5-90,34 4-90,-13 7 90,54-15 90,-30 3 135,11-11 0,2-5-45,0-3-90,20 0 0,-33 0-90,-3-20-90,-17-6 90,-8-12-180,-18-14-180,-20 18-1069,5 3 1,-3 2 708,2 12 1,-1 1 719,-3-5 0,1 2 0,-20-1 0,-1 2 0</inkml:trace>
+  <inkml:trace contextRef="#ctx0" brushRef="#br0" timeOffset="94676">20738 6680 10141,'10'-7'540,"-8"15"-540,15 13 0,-12 21 0,3-6 0,-1 3 0,-5-12 0,4-1 0,-3-4 0,-1-1 90,0-11-180,0 6-360,0-14 0,0 7 91,0-9 269,1-22-90,0 16 180,2-39-90,1 25 90,1-24 0,12-6-90,-5 10 90,16-19 90,-13 31 180,9-3-180,-11 23-90,1 3 0,-2 26 90,-2-16 0,5 57-90,-6-35 0,-4 11 0,0 1 0,-1 0 0,3 24 89,-6-41-898,0 14 359,0-34 90,-1 6 91,3-8-91,0-20 180,2 15 90,2-38 0,2 22 180,7-39 0,-2 19-45,-5 6 0,-1-1 135,3-5 0,0-22-90,-7 31-180,0-4-180,-4 20 90,0 4 180,-2 5 0,1 4 0,-1 1 0</inkml:trace>
+  <inkml:trace contextRef="#ctx0" brushRef="#br0" timeOffset="95222">20910 6633 8432,'-13'0'90,"0"0"0,2 0-90,-1 0 270,-6 0-270,3 0 0,-11 17 90,10 7-90,-10 37 90,16-19-135,3-8 0,2-1 135,5-2-180,23 15 180,-18-24-180,37 1 90,-13-16 90,10-3-90,14-20 0,-20 12 135,-7-19 0,-2-3 135,2 4 269,3-30-359,-15 22 180,-3 0 90,-6 1-360,0 2-90,-3 3-90,0 3 0,-1 6 180,-1 2-90,0 54 90,0-14-135,0 9 0,0 3-427,0 13 472,0 4 0,18 4 45,-8-16 0,0-1-90,1-11 0,1 1 90,4 18 0,-4-1-45,-9 1 90,22 10 0,-23-30-180,10-5 90,-12-6-180,0-4-1709,-20-8 90,-3-2 719,-22-28 1080,22 3 0,-14-23 0,17 8 0</inkml:trace>
+  <inkml:trace contextRef="#ctx0" brushRef="#br0" timeOffset="95539">21640 6554 10591,'-19'27'540,"-1"6"-630,-3-9 180,-10 9-90,28-6-90,-25 3 90,27 16 0,-11-12-540,14 22 630,28-27-270,8 11 270,15-23-1396,-1-2 1306,-14-11 90,1-3 220,-4-1-400,9-19 180,-15 14-180,3-32 90,-21 11-630,-3-22 91,-6 9-271,-23 0 1,18 14-541,-40 0 1350,40 4 0,-39 3 0,16 1 0</inkml:trace>
+  <inkml:trace contextRef="#ctx0" brushRef="#br0" timeOffset="96084">22017 6705 8972,'5'5'540,"1"1"-540,-3-1 90,5 10-1,-2-1-89,8 18 0,-7-9 0,6 20 0,-7-16-89,4 14-1,-6-20 90,3 3 0,-4-10-270,1-6-90,-1-2 450,-1-4-90,1-2 0,-1-18 0,2 14-90,1-34 90,0 20 180,1-20 0,1 6 90,2-12-270,-3 13 0,3-5 90,-7 17 89,3 9 1,-4 1-90,2 9-90,-1 17 90,2-13-90,-1 34 0,2-20 0,4 35 0,-4-19 0,8 19 0,-8-26 90,4-3-180,-5-4 90,1-17 0,-1 8-180,1-11 180,2 0 0,7-16 0,-3 12 0,14-46 0,-8 28 0,6-31 0,0 10 90,-5 11 90,10-13-90,-14 26-90,8 1 90,-11 14-90,5 4 0,-2 21 0,-3-16-809,7 47 179,-9-33-989,3 32 1619,-5-27 0,-2 8 0,-3-9 0</inkml:trace>
+  <inkml:trace contextRef="#ctx0" brushRef="#br0" timeOffset="96322">21437 6241 9512,'0'-10'90,"25"1"-90,-19 0 0,45 0 89,-29 3-178,25-2 178,-9 4-898,18 0-91,-13 2 0,-8 1 1,0 2 899,4 13 0,12-10 0,-16 10 0</inkml:trace>
+  <inkml:trace contextRef="#ctx0" brushRef="#br0" timeOffset="96474">22110 6006 9512,'0'-26'359,"0"4"-359,19-5 0,6 15-1169,25-3 359,-8 14 810,20 23 0,-22 12 0,-14-5 0,0 1 0</inkml:trace>
+  <inkml:trace contextRef="#ctx0" brushRef="#br0" timeOffset="96858">23797 6489 10681,'-18'0'540,"1"0"-91,6 0-359,3 0 0,5 18-90,1 9 0,2 11 0,0 4-180,0-4-1619,17 23 1080,-13-11 44,3-8 1,2-1-136,1 7 810,-8-10 0,-1-1 0,9 2 0,-10 9 0</inkml:trace>
+  <inkml:trace contextRef="#ctx0" brushRef="#br0" timeOffset="96989">23498 7016 8972,'-9'-33'450,"2"0"-450,7-6 0,0-1-913,28-5 823,-1 1-1024,0 20 1,3 2 843,-3 0 0,1-1-450,18-7 1,2 0 359,-10 7 0,1 1 360,12-5 0,1 1 0,-15 9 0,-1 2 0,0 0 0,0 0 0</inkml:trace>
+  <inkml:trace contextRef="#ctx0" brushRef="#br0" timeOffset="97206">24402 6033 8162,'-28'-14'540,"-14"5"-180,38 1 629,-27 6-899,20 0 0,-2 27-90,5-1 0,5 11 0,2 5 0,0 16 0,-1 2 0,1 1-351,1-20 0,0 1 201,-1 4 0,0 5 0,3-4-165,6-5 0,1 1-375,-8 8 1,-2 5 0,5-6 104,10-11 0,-1-2 585,-10 17 0,-3-3 0,10-7 0,-10-5 0</inkml:trace>
+  <inkml:trace contextRef="#ctx0" brushRef="#br0" timeOffset="97443">24088 6883 9062,'28'-23'-810,"12"-14"1,15 9-170,-26 10 0,-1-2 979,14-16 0,2 22 0,-1 4 0</inkml:trace>
+  <inkml:trace contextRef="#ctx0" brushRef="#br0" timeOffset="97655">24612 6711 9512,'0'37'-1889,"0"-5"1079,14-4 810,-10-3 0,11-1 0,-15 2 0</inkml:trace>
+  <inkml:trace contextRef="#ctx0" brushRef="#br0" timeOffset="97805">24602 6408 8252,'0'-24'-1799,"0"3"1799,0 8 0,0 3 0,0 5 0</inkml:trace>
+  <inkml:trace contextRef="#ctx0" brushRef="#br0" timeOffset="98171">25017 6725 8342,'0'13'810,"0"1"-540,0-1-270,0 1 90,0 2 0,0 12-90,0-5 0,0 9 89,0 4-178,0-9-811,0 17 810,0-22-180,0 9-180,0-18 450,20-17-89,4-21 178,13-12 181,-14 6 0,-2-1 90,6-15 45,-4 7 0,-2-1-716,2-4 491,4-12-180,-14 27 90,0 5 0,-6 12-1,2 5-89,-4 8 90,1 0-539,3 26-271,-2-4-180,0 10 1,1 3-630,4 11 1502,-3-13 1,1-1 0,8 18 0,3 0-1</inkml:trace>
+  <inkml:trace contextRef="#ctx0" brushRef="#br0" timeOffset="98508">25788 6419 10861,'-25'-27'0,"2"3"0,-1 6 0,4 6-90,-1 7 90,3 2 0,1 2-90,-3 21-90,7 13 90,0 31 90,9-8-1223,2 6 1313,27-20-180,-19 0 90,47-4-432,-29-3 432,25-3 0,-12-5 14,7 5 256,-11-13 360,5 8-630,-25-18 0,-3 2-90,-10-9 962,0 1-1412,0-2-1169,-20 1-1169,-6 0 2998,-24 0 0,23-1 1,2-1-1</inkml:trace>
+  <inkml:trace contextRef="#ctx0" brushRef="#br0" timeOffset="98924">26168 6654 9512,'17'0'90,"-3"18"89,0-14 1,-4 34-90,-2-3-90,-3 11 0,0-9 0,0 0 90,-3 11-90,1-7 0,0 1 0,-2 4-1652,2 13 1562,0-24-90,0-4 519,2 3-429,-1-11 361,1-1-721,1-12 450,-3-6-360,3-19 863,-2 10-863,3-54 180,-3 28-465,-1-2 0,1-3 735,1-17 89,2-7 91,-1-5 135,-2 15 0,1 0-180,-2 12 0,1 0 134,2-25 1,2 3-334,1-4-71,-1 20 0,-1 3 45,2 5 180,1 1-90,-2 22 0,-2 6-90,5 3 1180,-3 24-1180,4 6 265,-5 11-265,1 18-90,-6-19-360,-2 13-1079,0-5 360,-21-11 1169,-1 13 0,-3-23 0,8 3 0</inkml:trace>
+  <inkml:trace contextRef="#ctx0" brushRef="#br0" timeOffset="99242">27447 6093 13110,'0'-10'0,"0"1"0,-17 4 0,-2 64 0,-1-21-1127,5 20 1,2 4 406,1 1-404,2-7 0,-1 1 134,1 8 540,7-24 1,1 1 449,2-4 0,0-1 0,0 15 0,0 13 0</inkml:trace>
+  <inkml:trace contextRef="#ctx0" brushRef="#br0" timeOffset="99372">27168 6694 10501,'-6'-30'-450,"4"-12"-629,-5 8-720,33-17 720,12 25 521,12-2 0,6 17 1,-14 3-1</inkml:trace>
+  <inkml:trace contextRef="#ctx0" brushRef="#br0" timeOffset="99739">28310 6363 11041,'-56'-9'0,"15"3"-360,-23 0 180,34 5 180,-10-1 0,28 23 0,0 4 90,12 12-90,0-2 0,27 7 0,7-10 0,-3-3 0,3-2 90,15 2 225,-18-5 0,-2 0-46,0-2 91,-3 5-450,-7-12 0,-17-5-989,9 1 269,-36-7-1888,-9 0 2698,-13-3 0,-2 0 0,12-1 0</inkml:trace>
+  <inkml:trace contextRef="#ctx0" brushRef="#br0" timeOffset="100022">28713 6487 11400,'8'-2'0,"-2"0"90,-6 0-90,-25 0 90,-8 1-90,-13 1 0,-18 14 0,26 4 0,-10 0 0,17 14 90,16-10-180,1 16 90,14-9 0,25 2 90,10-22-1001,15 8 1001,1-16 90,-10 3 0,-3-4-906,9 0 96,-16-17-899,8-1 899,-28-18-89,0 10-361,-30 1-379,15 6 1459,-42 2 0,20 2 0,-24-1 0</inkml:trace>
+  <inkml:trace contextRef="#ctx0" brushRef="#br0" timeOffset="100172">28492 6258 8342,'37'-12'0,"0"1"-90,0 0 0,-1 4-359,9 1-1,-12 3 450,13 16 0,-25-9 0,3 11 0</inkml:trace>
+  <inkml:trace contextRef="#ctx0" brushRef="#br0" timeOffset="100355">29270 5957 8882,'-15'-3'-90,"11"0"-450,-24 2-899,11 15 1439,-1 13 0,-7 8 0,10 7 0</inkml:trace>
+  <inkml:trace contextRef="#ctx0" brushRef="#br0" timeOffset="100739">29878 6918 8072,'-20'-17'810,"4"-6"-360,16-12-1,0-2-179,0 4-90,0-4 180,0-4-135,7 9 0,2-2 45,-5-20-351,4 18 1,0-2 349,0-2 1,-2 0-90,-3-24 225,4 9 0,-1-1-45,-6-9-136,2 13 1,-4 2-225,-18-3-90,18 15 0,-2 4 90,-30 4 171,30-1-171,-10 22 86,4 5-805,7 48 269,-7-9-560,8 17 0,4 6 650,-2-21 1,0 0-46,-2 14 0,4 3-405,10 5 1,1-2 449,-12-13 0,4 0-150,14 2 1,7 2-1,-3-5 510,-9-6 0,1-2 0,16 7 0,2-2 0,5 8 0</inkml:trace>
+  <inkml:trace contextRef="#ctx0" brushRef="#br0" timeOffset="101123">30410 6528 10681,'-21'-30'270,"-10"4"-360,27-3 90,-26 10 0,27 0 0,-21 12 0,22 23-180,-6 9-360,8 27 360,0-9 180,24 13-90,4-25 135,-3-8 0,3-3-45,11-6 0,-1 9 90,-4-21 90,-12 6 90,6-24 0,-14 12 449,-7-31-179,-1-3-360,-6 0-90,0-8-180,-15 17 90,11 7 0,-21 5 90,23 23-90,-9 20-90,11 9 180,0 9-90,0-5-90,21 22-90,-16-13-90,12-8 0,2-1-89,-1 4-541,-10-9 1,2-1-361,14 0 1,-21 8 1259,7-18 0,-10-3 0,0-2 0</inkml:trace>
+  <inkml:trace contextRef="#ctx0" brushRef="#br0" timeOffset="101244">29972 7195 10771,'-2'4'-742,"21"-1"0,17-2 0,24-1 0</inkml:trace>
+  <inkml:trace contextRef="#ctx0" brushRef="#br0" timeOffset="101608">31767 6331 10411,'-26'-23'90,"-10"-3"-270,-13 8 225,15 7 0,2 2-135,-7 2 90,-11 1 0,21 6 0,1 0-90,8 0 90,0 20 90,12 2-90,2 21 180,25-11 0,10 10-180,-4-17 90,27 5 0,-17-3-90,13-9 450,-6 8-271,-12-15 1,-8 3-270,-5-9-1799,-9 0-539,-28-4 2428,-11 0 0,5-1 0,1 0 0</inkml:trace>
+  <inkml:trace contextRef="#ctx0" brushRef="#br0" timeOffset="102026">31973 6388 11041,'14'16'0,"1"-1"90,-14 18-180,3-8 180,-4 6-180,0-4 180,0 5-90,-15 2 0,11 2 0,-23 16-180,25-11-180,-10 23 360,12-30-90,0 6 90,0-19 90,0-4-180,0-5-630,0-4 720,0-25 0,0-25-179,0-7-1,0 7 0,0-1 90,0-10 90,0-10 0,0-4-239,-1 31 0,2-1 359,3-10 0,2-5 0,-1 6 15,-4 11 0,2 1 0,11-18 0,0 2 135,-11 1 89,18-5 181,-11 26-450,6 15 270,2 2-270,-5 27 180,9 8-180,-11-4-90,6 24 0,-11-8-90,0 11-720,-5 19-1685,-22-26 1236,15 15 1259,-24-25 0,-6-1 0,1 16 0,-3-14 0,1-1 0</inkml:trace>
+  <inkml:trace contextRef="#ctx0" brushRef="#br0" timeOffset="102688">20613 8777 10411,'0'-9'1169,"0"0"-899,0 2-90,0-1-180,0 4-1349,0 19 90,0 15-1080,0 33 2339,0-7 0,13 10 0,3-17 0</inkml:trace>
+  <inkml:trace contextRef="#ctx0" brushRef="#br0" timeOffset="102972">20438 9100 9512,'0'-24'269,"19"-1"-359,-15 1 180,44-3 90,1-11-225,-20 23 0,2 2-1293,15-7 0,-2 2 1428,7 3-90,13 3 600,-27 10-600,-3 2 90,-4 19-90,-3-14 0,-6 37-90,-1-24 180,-2 35 90,-5-21 0,-4 17 90,-6-24 206,-3 5-1106,-17-20-1079,-2-18 630,-2-16 1079,6-11 0,15-2 0,0 7 0</inkml:trace>
+  <inkml:trace contextRef="#ctx0" brushRef="#br0" timeOffset="103289">21533 8891 9422,'-21'15'539,"15"-2"-539,-31-4 0,17 7 0,1-4 0,-9 6-90,25-2-90,-8-1 91,11 1-1,0 6 0,0-4 180,23 8-180,5-13 180,24-3-90,-11-6 0,-4-4 90,-13 0 89,-12-16-179,10 12 90,-19-27-90,9 7 0,-12-19-180,-19 6-899,-11-7 359,-10 20-752,-4-3 1472,10 12 0,0 7 0,0 3 0</inkml:trace>
+  <inkml:trace contextRef="#ctx0" brushRef="#br0" timeOffset="103671">21845 8907 8432,'11'11'540,"-2"1"-360,2 12-90,-5-4 0,3 24-90,-6-15 0,0 14 0,-3-13 0,0 1 0,0-3-90,0 7 0,0-12-360,0 6-629,0-20 1079,0-42 180,21-5-1,-11 7 1,0-2 180,10-1 0,0 4 0,-2-6 89,6-19-449,-15 30 270,2-2 0,-1 15-360,-9 25-270,3 9-449,-1 13-181,-1 1-1191,10 6 2181,-1-11 0,7 9 0,-1-15 0</inkml:trace>
+  <inkml:trace contextRef="#ctx0" brushRef="#br0" timeOffset="104105">22488 8983 8522,'-35'0'360,"16"16"-270,-9-12 180,26 25-270,-10-11 0,12 14 90,0 1-270,15-15 180,-11 4 0,34-20 0,-8 7 90,20-9-180,-10 0 180,-1-33-90,-19 25 360,-5-55-91,-8 46 271,-7-35-360,0 29-180,-18-10 0,14 18 90,-27 0-90,27 25 0,-9 14 90,13 30-180,0-3-1186,21 11 1186,-15-13 180,30 5 90,-32 0-135,11-14 0,2-1 45,1 20-45,-3-13 0,1-2 314,1 2 1,-1 15-360,-15-34 0,5 0-90,-6-16-180,0-4-1798,-26-3 808,-11-3 1,-17 0 1315,-1-1 1,8-21-1,0-4 1</inkml:trace>
+  <inkml:trace contextRef="#ctx0" brushRef="#br0" timeOffset="104626">23378 8933 9422,'-54'-22'180,"3"3"-180,12 3-90,1 3 90,-14 3 0,15 4 0,-19 2 90,31 20-180,-5 5 90,22 17-90,19-16-180,-6 13 360,42-31-90,1 20-90,15-21-372,-16 2 1,0-1 551,10-4-90,-10-6 0,-2-4 90,-1-7 90,7-3 90,-30-7 0,-9 8 90,-7-14-360,-29 3 90,0 5-90,-19 12 1012,8 6-1012,18 23 90,4 14-90,13 28 90,0-1-45,9-15 0,5 0-675,15 13 675,-16-19 0,3-1-45,8-9 0,-3-3 180,-15 24-180,35-5 270,-22 10-270,3-16 90,-1 10-90,-20-26-1349,6 3-990,-33-15 2339,-4-2 0,-26-26 0,3-6 0</inkml:trace>
+  <inkml:trace contextRef="#ctx0" brushRef="#br0" timeOffset="104838">23908 8921 10321,'6'13'450,"-2"4"-900,-4 17-449,0-4 269,0 2 90,0-9 1,0 0-721,17 5 1260,7-8 0,-2 3 0,-1-10 0</inkml:trace>
+  <inkml:trace contextRef="#ctx0" brushRef="#br0" timeOffset="104982">24048 8647 9062,'-11'-20'-720,"8"3"540,-8 4 180,4 6 0,5 3 0,-5 2 0</inkml:trace>
+  <inkml:trace contextRef="#ctx0" brushRef="#br0" timeOffset="105526">24275 8828 1949,'-31'0'540,"0"0"2171,3 19-2711,1-14 90,10 48 0,6-33 90,16 15 0,4 1-180,-5-5 90,21-5 0,5-4 90,-4-9-180,33 4 90,-21-16-90,-1 3 180,11-18-90,-14 10 1409,5-26-1410,-20 6-178,-9-8-1,-5-13-90,-5 16-450,-22-19-269,-13 22 387,-12-6-117,-6 15-181,11 3 2517,-1 3-3146,0 6 1439,4 0 0,0 5 0,4-2 0</inkml:trace>
+  <inkml:trace contextRef="#ctx0" brushRef="#br0" timeOffset="105740">24298 8289 8972,'19'-26'1079,"1"1"-719,4 2 0,26-11-360,-19 18 90,27-6-180,-36 20-1259,4 35 269,-17-9 1080,-4 14 0,-3 3 0,-1 11 0,-1-16 0,0 0 0</inkml:trace>
+  <inkml:trace contextRef="#ctx0" brushRef="#br0" timeOffset="106306">24907 8288 11490,'-14'-36'0,"2"4"90,3 3-90,4 7 360,2-1 90,2 10-450,1 28 0,18 27 0,-13 17-1044,11-9 1,2 0 1088,-10-16 0,-2 0-90,4 13 0,0-1-189,0-12 1,-1-2 233,-7 30 90,14-5-90,-12-23 0,-1-1-90,8 14-509,0 11 239,-6-33-540,4 0 181,-6-18 2132,2-1-1773,-1-6 761,1 0-581,2-19 360,8-6-180,1-11 315,3 7 0,0 0-45,3-2 90,11-7-180,-18 16 79,-1 19 101,8-9-270,-7 12-90,14 0 90,-10 23-90,13 7-450,-11 15-495,-3-14 1,0-1 45,3 9-585,13 14 1484,-11-19 0,5-2 0,-1-3 0</inkml:trace>
+  <inkml:trace contextRef="#ctx0" brushRef="#br0" timeOffset="106655">25977 8801 9781,'-21'-15'540,"16"2"-450,-38 3 180,25 5-90,-20 2-180,-3 3 0,11 0 90,-20 18-90,25 3 0,-4 18-90,20-2 90,3-4 0,26-14 0,6-7 0,21-12 0,-4-17 180,-2-6 90,-12-19 269,-13 0-359,-8 8-90,-8-2-180,0 18 90,0-4-180,-14 15-1169,10 22 360,-10 12 89,14 13-989,21 13 1889,-16-20 0,35 11 0,-16-16 0</inkml:trace>
+  <inkml:trace contextRef="#ctx0" brushRef="#br0" timeOffset="106996">26223 8773 10231,'-14'-8'-90,"0"1"270,-3 24-360,1 5 270,15 20-180,-5-10-360,6 0-89,0-12 539,18 2-90,-14-5-90,25-4 180,-26-25 0,18 8-90,-11-30 180,7 7 180,3-20-270,-8 7 360,7-5-181,-9 23-179,9 3 0,-11 13-89,8 26-271,-8-15-630,7 52 451,-3-32-775,4 30 415,-1-24 899,1-3 0,5-2 0,0-4 0</inkml:trace>
+  <inkml:trace contextRef="#ctx0" brushRef="#br0" timeOffset="107388">26692 8723 9062,'-18'-5'270,"-9"4"-270,24 14 0,-9 3-90,34 4-90,-17 4 270,38-21 0,-21 9 270,19-12-181,-10 0 631,-13-13 89,-9-3-539,-9-13-450,0 4 90,-15 11 0,11 22 90,-12 10-90,16 19 0,0 0 0,0 7 0,0 4 0,8 0 0,3 1 0,8 11-457,-7-5 0,-1-3 457,3-12-1259,-14 12 450,0-32-3059,0-1 3868,-24-14 0,18-3 0,-19-2 0</inkml:trace>
+  <inkml:trace contextRef="#ctx0" brushRef="#br0" timeOffset="107572">25808 8049 11670,'41'-8'90,"4"2"-270,7 4-661,3 1 76,-11 0 1,1 2-238,-9 9 0,-1 1 462,12-10 0,-1 4-225,-14 16 1,-3 2 764,30-3 0,-31 1 0,-2 3 0,26 12 0</inkml:trace>
+  <inkml:trace contextRef="#ctx0" brushRef="#br0" timeOffset="107721">27647 9046 13469,'22'4'-2608,"-5"-1"539,-4-2 2069,-7-1 0,-2-17 0,-3-5 0</inkml:trace>
+</inkml:ink>
+</file>
+
+<file path=ppt/ink/ink4.xml><?xml version="1.0" encoding="utf-8"?>
+<inkml:ink xmlns:inkml="http://www.w3.org/2003/InkML">
+  <inkml:definitions>
+    <inkml:context xml:id="ctx0">
+      <inkml:inkSource xml:id="inkSrc0">
+        <inkml:traceFormat>
+          <inkml:channel name="X" type="integer" min="-2.14748E9" max="2.14748E9" units="cm"/>
+          <inkml:channel name="Y" type="integer" min="-2.14748E9" max="2.14748E9" units="cm"/>
+          <inkml:channel name="F" type="integer" max="32767" units="dev"/>
+        </inkml:traceFormat>
+        <inkml:channelProperties>
+          <inkml:channelProperty channel="X" name="resolution" value="1000" units="1/cm"/>
+          <inkml:channelProperty channel="Y" name="resolution" value="1000" units="1/cm"/>
+          <inkml:channelProperty channel="F" name="resolution" value="0" units="1/dev"/>
+        </inkml:channelProperties>
+      </inkml:inkSource>
+      <inkml:timestamp xml:id="ts0" timeString="2021-07-28T05:42:14.333"/>
+    </inkml:context>
+    <inkml:brush xml:id="br0">
+      <inkml:brushProperty name="width" value="0.09071" units="cm"/>
+      <inkml:brushProperty name="height" value="0.09071" units="cm"/>
+      <inkml:brushProperty name="color" value="#FF0000"/>
+    </inkml:brush>
+    <inkml:brush xml:id="br1">
+      <inkml:brushProperty name="width" value="0.12095" units="cm"/>
+      <inkml:brushProperty name="height" value="0.12095" units="cm"/>
+      <inkml:brushProperty name="color" value="#FF0000"/>
+    </inkml:brush>
+  </inkml:definitions>
+  <inkml:trace contextRef="#ctx0" brushRef="#br0">1985 1460 9961,'-27'-18'1350,"6"0"-991,4 4-89,12 1-180,-12 2 270,8 4-360,6 26 0,-6 8 90,9 16-90,0-2-90,0-4-540,0 18-89,16-11-425,-14-5 1,0-1 153,14 8 1,-7 14 989,-7-2 0,7-15 0,-9 12 0</inkml:trace>
+  <inkml:trace contextRef="#ctx0" brushRef="#br0" timeOffset="363">1620 1807 11311,'16'-15'-180,"-13"-6"-540,33 19-449,-18-20-1,20 12-89,-3-14 1259,5 8 0,5 0 0,2 2 0</inkml:trace>
+  <inkml:trace contextRef="#ctx0" brushRef="#br0" timeOffset="700">2432 1226 9512,'0'16'899,"0"13"-899,0 15-90,0 8-1823,0-5 1913,0 5-89,14 2-451,-10 2-540,11-1-89,-15-1 1169,0-16 0,0-1 0,0 18 0,0-20 0,0 0 0</inkml:trace>
+  <inkml:trace contextRef="#ctx0" brushRef="#br0" timeOffset="968">2800 1306 9691,'-46'18'720,"-2"7"-630,14 15-809,-1 1 719,10-8 0,-5 18 0,11-13 0,-4 24 0,17-29-306,0 16-593,6-25-181,25 5 1080,6-11 0,16-7 0,-1-1 0</inkml:trace>
+  <inkml:trace contextRef="#ctx0" brushRef="#br0" timeOffset="1382">3082 1663 7353,'-7'6'1439,"25"-1"-1349,-1-5-90,31 0 0,-9 0 0,1 0 90,-10 0 0,-3 0 180,-2-14 0,2 11-270,-10-21 179,-2 11-89,-11-6 0,-26 7 0,-3 0 0,-25 11-90,1-5 0,10 21 0,0 2 90,19 14-180,5 0-719,9 0-91,29-13 91,-17 7 809,39-13 0,-15 4 0,22-3 0</inkml:trace>
+  <inkml:trace contextRef="#ctx0" brushRef="#br0" timeOffset="1614">3223 1268 8072,'-6'-5'990,"4"1"-540,-5-1-181,7 2 1,24-5-90,-18 4-270,36-5 180,-16 6-450,18-1-89,0 3-1350,-4 1 180,-12 16 1619,-6-12 0,-9 23 0,-2-14 0</inkml:trace>
+  <inkml:trace contextRef="#ctx0" brushRef="#br0" timeOffset="1780">3663 873 8252,'-20'18'180,"4"15"-270,16 13-1823,0 11 114,0-7 1799,0 7 0,0 2 0,0 2 0</inkml:trace>
+  <inkml:trace contextRef="#ctx0" brushRef="#br0" timeOffset="2263">4610 1446 8882,'-50'0'-90,"1"0"90,-15 16 0,18-12 90,-5 25-90,22-12 0,16 13-180,26-2 270,21-5-180,13-12 180,1-5 0,-2-6 450,-12-15 89,11-3 1,-29-18-270,0 2-450,-16 2 0,0 5 90,-15 8 90,11 29-90,-11 19 0,15 17 0,0 10-386,0-8 296,0 4 90,20 1 0,-10-17 0,-1 0 90,15 15-45,-10-12 0,-3-1-45,-8-4-90,8 9 180,-11-25-180,0-1 0,0-5 0,0-3-1619,-21-5-540,-8-2 2249,-23-23 0,9 16 0,3-16 0</inkml:trace>
+  <inkml:trace contextRef="#ctx0" brushRef="#br0" timeOffset="2447">5005 1466 8162,'6'18'1350,"3"-14"-1171,-6 30-179,3-17 0,-4 17 90,-1-9-269,2 12 179,-1-14-1889,6 18 1079,-1-20 810,9 14 0,-6-22 0,5 5 0</inkml:trace>
+  <inkml:trace contextRef="#ctx0" brushRef="#br0" timeOffset="2596">5035 1259 8882,'-14'-40'720,"10"6"-810,-20 6-540,15 2 270,-2 10-1889,5 2 2249,23 24 0,-13-7 0,13 12 0</inkml:trace>
+  <inkml:trace contextRef="#ctx0" brushRef="#br0" timeOffset="2880">5567 1404 8252,'-20'6'1350,"16"-1"-1081,-31 4 1,17 5-90,-1 1-180,-19 20 90,32-14-90,-18 16 0,24-18 90,23 8-180,-18-11 270,40 6 90,-15-13 90,11-1 179,-4-6-449,-8-1 0,-8-20-180,-4-3-180,-10-22-1259,-24-3 180,-9 8-458,2 2 1807,-24 13 0,27 3 0,-24 1 0</inkml:trace>
+  <inkml:trace contextRef="#ctx0" brushRef="#br0" timeOffset="3063">5523 881 8612,'19'-11'720,"-3"-1"-630,1 4-90,1-1-90,-2 5-1529,10 25-270,-15 1 1889,3 25 0,-11-3 0,-3 3 0</inkml:trace>
+  <inkml:trace contextRef="#ctx0" brushRef="#br0" timeOffset="3581">6118 917 11041,'-3'-15'-90,"0"4"90,3 29 0,0 20 0,16 16 0,-15-11 0,2 1-291,25 15 291,-26-8 0,-1 0-764,23 7 629,-22-23 0,-1 0-405,18 19 270,-17-20-1708,10 8 1438,-7-30 90,6-18-180,21-45 810,-8 2-344,5 1 0,2 0 614,4-2-181,-3 11 1,-1 2 0,5 2 633,16-4-633,-25 28-90,4 3 269,-10 25-449,-7 13 90,3 27-90,-10-4-45,-4-14 0,0-1-44,0 8-811,0 13 1,2-24 89,2-2-449,5-5 1259,3-5 0,4-6 0,3-3 0</inkml:trace>
+  <inkml:trace contextRef="#ctx0" brushRef="#br0" timeOffset="3918">7187 1187 9242,'-23'-8'1349,"-3"3"-1079,-26 2-180,12 3-90,-11 19 0,20 3 0,-3 22 0,13-11-586,12 1 586,1-12-184,8 2-176,18-3-269,11 7 449,10-9 180,22 0 90,-23-13 0,2-11 0,-1-3 179,-4 4 732,17-29-641,-33 9 449,-10-17-629,-2 0 117,-7 6-1286,-16 11-888,12 34 797,-12 6-89,33 21 1169,-13-6 0,29-8 0,-14 0 0</inkml:trace>
+  <inkml:trace contextRef="#ctx0" brushRef="#br0" timeOffset="4236">7520 1309 9781,'0'33'0,"0"1"-269,14-4-451,-10-4 540,20-7 0,-14-9 180,8-5 0,-7-26 90,0 16 180,-3-36-90,1 26 90,0-18-90,-1 10-90,-1 10 179,-1-10 1,-1 20-270,-1-11 0,0 14 0,-1 0 0,4 0 90,-2 22-899,7 7-91,-2 12 1,4-1-1,-1-11 900,3-2 0,3-1 0,3-2 0</inkml:trace>
+  <inkml:trace contextRef="#ctx0" brushRef="#br0" timeOffset="4546">8112 1313 8972,'0'33'-270,"16"-5"450,6-14 180,19-5 809,-2-9-359,-3 0-361,-16-19-269,-2 15-180,-12-28 0,4 46 0,0 4 0,-4 21-90,4 9-270,0-9-179,-1 2-91,2 0-809,0 10 90,-2-16 1349,-1 5 0,-5-20 0,-2-3 0</inkml:trace>
+  <inkml:trace contextRef="#ctx0" brushRef="#br0" timeOffset="4713">7778 585 12570,'26'-27'90,"-20"4"0,50 7-3491,-28 1 3131,29 5-855,-20 5 1,1 0-973,23 0 973,-20 3 0,0 1 1161,21 1 1,-5 20 0,2 6-1</inkml:trace>
+  <inkml:trace contextRef="#ctx0" brushRef="#br0" timeOffset="6180">1965 4425 8882,'0'-3'4587,"0"-3"-4677,14-22 180,-10 5-90,10-3 0,-2 3 0,-9 0 0,10 0 0,-3-6 0,-8 9 0,12-7-90,-10 14 90,1 1-180,0 7 1,-3 2-271,0 16 270,-1 6-630,-1 25 271,0-4-868,0 8 1047,0-7-269,0 1-181,0 3-539,0 19 1169,0-15 90,1-11 0,-2 0 90,-15 2 0,13 8-153,-27-10 513,26-12 450,-24 7-450,25-19-181,-11-1 1441,3-10 843,5-1-2643,19-14-899,17 9-810,18-23-433,6 23 2322,-5-21 0,9 15 0,5-8 0</inkml:trace>
+  <inkml:trace contextRef="#ctx0" brushRef="#br0" timeOffset="7146">4120 4215 9242,'-31'-3'0,"-15"2"0,14-1 0,-9 2 0,-1 13 0,15-9 0,2 24 0,5-24 90,8 42-90,5-28-180,7 35 90,21-30-90,13 11 90,10-22 90,-9-5 0,-1-2 0,11-5 90,14 0 180,-5-18 90,-16-8 89,-10 4 1,-3-2 180,-4-15 89,3-6-539,-18 21-90,-3-5-90,-3 10 0,-17 4-90,12 23 90,-13 17-450,18 17-719,0 7-737,18-5 197,-13 3 1557,32 6 1,-18-1 0,17 1 0</inkml:trace>
+  <inkml:trace contextRef="#ctx0" brushRef="#br0" timeOffset="8213">2148 5984 8522,'-19'-4'720,"3"1"-720,16 0 0,-14 0 0,11 1 0,-21 1 0,11-2 0,-5 0 90,-6-3-180,9 2-180,-14-9 360,14 5-360,-9-14 270,17 8 0,0-15 0,5 9-90,2-6 90,23 0 0,3 9 90,21-8 0,-22 17 0,11 1 0,-17 7 90,2 20-90,4 10 90,-16 12-90,3 23-1,-6-23-89,-14-3 0,-1 0-371,4 5 416,-10-15 0,-4-1-45,-3 19-180,0-14 180,-3-10 0,0-1 0,7-4 0,-25 4-540,23-15 181,0-2 269,3-4 0,-3-1 90,5-16 0,1 12-90,7-31 641,5 9-191,23-21-180,-15 11-848,43 1 938,-26 15 0,25 9-180,-9-5 0,21 14 0,-10-6-90,-8 16 0,0 2-90,11-6-675,-8 10 1,0 4-675,8 5 1439,-16-14 0,-1 2 0,14 26 0,2-14 0</inkml:trace>
+  <inkml:trace contextRef="#ctx0" brushRef="#br0" timeOffset="8836">3790 5661 11400,'-3'-5'810,"1"0"-720,0 2 0,1-1-90,1 20 0,0 5 0,17 0 0,-13 32 0,28-32-526,-28 30 526,10-22-285,-3 0 285,-8-2 0,14 10 90,-15-13 0,4 10-180,-6-20-180,0 0-269,0-10 959,0-22-330,0-23-180,0-2 45,7 9 0,6 3 45,13 0 0,14-5 0,-1 25 90,-8-4-90,3 13 300,-1-5-300,2 7 0,1 15 180,10 7-90,-10-2 90,-10 7 0,-2 0 0,0-7-90,1 29-90,-17-25-90,-5-2 90,-3 0-90,-26 6 0,4-7-720,-12-5 1,-5-2-450,-12 2-1387,1-6 1,-1-3 2645,-13-1 0,21-4 0,1-1 0,-17-1 0</inkml:trace>
+  <inkml:trace contextRef="#ctx0" brushRef="#br0" timeOffset="9654">1752 7309 9062,'16'-5'1349,"3"-2"-1259,1 0 0,22-5-90,-25 4 0,43-3 90,-33 8 180,20-1-180,-28 4 0,4 18-180,-14 3 180,-2 20-90,-7-9 0,-17 1-90,-4 1-90,0-9-90,-11 6-719,16-7 719,-1-9-270,5 6 450,12-11 0,0 2 90,26 1-90,-2-1 90,11-1 0,5 1 90,12 4-1696,-3-1 0,1 2 1876,10 3-90,-22-6 0,-2 0 301,9 6 239,-11-2-181,-6-1-179,-10 4-90,-8-8-90,-5 7-180,-30-11 3363,19 2-3363,-50-5 0,25-1-90,-31-2-270,21-2 1,-1-1-1137,-22 0-79,6-5 1,0-5 1432,25-1 1,1 0-1,-11 1 1,2 0-1,-12-8 1</inkml:trace>
+  <inkml:trace contextRef="#ctx0" brushRef="#br0" timeOffset="10266">4343 7417 11311,'5'-17'1978,"-2"2"-1348,-1-5-450,-2 4 180,-23-6-360,17 11 0,-39-1 0,10 9-90,-9 2 90,10 10 0,0 2-180,-6-7-360,7 23 1,2 4-181,2-6-809,10 18 0,11 4 89,27-5 1440,8-3 0,8-4 0,2-19 0,4-5 0,10 5 0,0 0 0</inkml:trace>
+  <inkml:trace contextRef="#ctx0" brushRef="#br0" timeOffset="12364">6735 3851 8972,'-6'0'360,"1"0"-180,1 0 89,1 0-269,2 16 0,0 3 0,1 20 0,0-6 0,0 1-90,0-4-89,0 1-901,0 3-449,0 1 1529,0 3 0,0 1 0,0 1 0</inkml:trace>
+  <inkml:trace contextRef="#ctx0" brushRef="#br0" timeOffset="12979">6783 3702 9332,'0'-8'270,"0"2"-181,0 1-89,0 3 90,20 0-90,-15-1 0,42 1 0,-23 0 0,15 0 0,3 1 0,17-1-729,0 1 1,3 1 728,-23 0 0,1 0 0,5 0 0,5 0 0,-3 0-135,-4-1 0,0 2 135,11 6 0,2 1-45,-3-8 0,-3 4 45,-14 10 0,1 3-45,19-8 0,-2 0 39,3 19-39,-19-11 0,-3-1 135,1 5-180,6 25 90,-27-21 0,1 25 0,-14-27 0,-1 17 90,-1-18-180,0 14 180,0-16-180,0 5 1532,0-3-1532,16-5 0,-13 11 90,23-12 22,-23 11-22,15-9 0,-15 2-90,5-5 180,-8-2-90,0 2 0,0 3 90,0-3-90,-20 6 0,-3-10 0,-1 0-90,-21-4 180,21-4-90,-24 1 0,-16-2 0,12 1-590,1-1 0,-2 1 680,-13 0-90,4 2 0,-1 1 0,24-2 0,1 0 0,-13 1 0,0 1 0,14-1 0,1 0-45,1 0 0,0-1 45,0 1 0,-1-1-90,-9 2 0,0 0-360,-20 2-360,16-2 1,3 0 622,1-2 1,-8 1 0,25-4-1</inkml:trace>
+  <inkml:trace contextRef="#ctx0" brushRef="#br0" timeOffset="13518">7173 4165 7803,'-21'0'0,"-1"0"0,1 0 0,0 0 0,0 16 0,1-12 0,4 13 0,2-4 0,3 0-360,5 12 90,22-3 180,8-5 90,23-6 0,1-6 0,-7-21 360,2-2 0,-19-1 89,-4-8-89,-5 23 180,-13-21-270,10 23 179,-11-19-1168,3 12-810,-4 14 1529,0 5 0,19 23 0,5-2 0</inkml:trace>
+  <inkml:trace contextRef="#ctx0" brushRef="#br0" timeOffset="13880">7555 4157 7803,'-30'0'269,"1"0"-179,15 14-360,4 0 181,30 12 89,4-13 0,13-5 89,-15-27-89,-1 14 450,-19-30 180,13 13-270,-14-16 179,5 0-179,-6 9-360,-17 2-90,13 15 90,-13-2-1079,17 26-450,0 6 629,14 25 900,-10-10 0,24 1 0,-11-10 0</inkml:trace>
+  <inkml:trace contextRef="#ctx0" brushRef="#br0" timeOffset="14213">7820 4136 7892,'-20'-9'720,"4"2"-630,-18 7-90,20 12 90,3 4-180,11 7 90,16 0 90,4-13-180,16-3 180,-7-27 270,-11-5 90,-2-21-1,-14 11-89,4 1 90,-6 2-270,0 10-180,0-5 0,-16 12-90,12 5-720,-12 18-1528,16 25 898,0 5 1440,0 15 0,15-15 0,5 2 0</inkml:trace>
+  <inkml:trace contextRef="#ctx0" brushRef="#br0" timeOffset="14846">6900 5172 10501,'0'24'450,"0"-4"-360,0 1-90,0-3 0,12 5 90,-9 15-180,9-5 180,-2 24-270,-7-22-180,13 10-809,-15-2 359,9-13-899,-6 16 1709,1-25 0,-2 4 0,-2-14 0</inkml:trace>
+  <inkml:trace contextRef="#ctx0" brushRef="#br0" timeOffset="15350">6910 5316 8252,'0'-10'450,"0"0"-450,0 2 0,19-1 0,-15 0 0,37 1 0,-21 0 0,41-1-90,-17 3 45,-2 1 0,1 1-365,15 0 410,-8 0 0,1 1-593,10 0 548,-23 1 0,1 1 45,27 0 90,-20 1 90,16 0-90,-33 17 0,5-2-90,-19 4 0,3 20 90,-12-25-90,4 33 0,-7-26 0,6 19 90,-3-15-180,5 10 90,-1-8 90,4 1-180,1 3 90,12 16 90,-5-11-90,-2-4 0,0 0 0,3 6 9,9 11-9,-14-17 683,-1-2-593,-2 7-90,-6-11 180,-2 3 0,-5-10 89,-2-9 91,-21 0-360,-5-7 221,-14-2-131,0-1-180,4-14 90,-4 10-302,-4-22 302,-4 23 0,-3-24-45,11 17 0,-2 2 45,-21-10-90,7 4 0,0 1-270,-9-1-90,11 2 1,0 0-921,-4-4 965,23 9 1,-1 2 404,-20-3 0,20 3 0,-7-1 0</inkml:trace>
+  <inkml:trace contextRef="#ctx0" brushRef="#br0" timeOffset="15880">7123 5671 9961,'-32'-2'90,"3"0"-90,13 14 0,-1-9 0,15 23-719,-5-12 359,7 9-90,19-4 540,5-9-180,13-4 360,-3-22 360,-11 0-91,-10-14-179,-6 4-2968,-7 6 809,0 25 1799,0 5 0,20 10 0,5-9 0</inkml:trace>
+  <inkml:trace contextRef="#ctx0" brushRef="#br0" timeOffset="16246">7452 5654 9422,'-22'-11'359,"-9"5"-359,19 2 0,-5 22-449,9-3 179,8 17 180,14-18 0,-10 7 0,28-18 90,-28 12-90,24-14 90,-15 5 0,9-21 180,-11-4 0,2-19 0,-12 6 449,3-13-359,-4 19 90,0-8-360,0 15 0,-17 2 0,12 1 0,-13 5 0,18 25 0,0 9-810,0 17-89,0-3 269,17-7-989,0 12 1619,3-9 0,9 4 0,-10-13 0</inkml:trace>
+  <inkml:trace contextRef="#ctx0" brushRef="#br0" timeOffset="16530">7710 5713 9242,'-6'-18'449,"2"0"-449,22-21 180,-9 11 0,-9-1 180,0 8 0,0 2-270,0-1-90,0 4-270,-17-3-719,12 7-900,-12 21 180,17 15 1709,0 16 0,0 4 0,0-7 0</inkml:trace>
+  <inkml:trace contextRef="#ctx0" brushRef="#br0" timeOffset="17596">7075 6627 10141,'0'-4'1259,"0"1"-1169,0 20 90,0 9-270,0 11 180,0 8-90,0 13 0,0-8 0,0-7 0,0 1-617,0 8 617,0-17 0,0-1 0,0 11 0,0-1 151,14-3-511,-10 10-90,10-16-539,-7 13 539,-5-27-899,11 4 360,-12-17 1365,4-19-286,-5-16-90,0-14 135,-8 9 0,-1-1-45,5-14 45,-5 16 0,1-2 44,7-2 1,2 2 90,-1-20-135,-2 11 0,4 1-135,15-5 135,-6 13 0,3 3-135,23-1 0,-9 10 0,1 3 0,11 2-326,15 1 326,-12 11 0,3 2 0,3 2 0,-12 0 0,0 0 90,22 0-135,-9 7 0,1 0 45,9-3-662,-21 3 0,-1 0 752,13 3-180,-3-7 90,-3 7 0,11-4 90,-19-4 90,16 10-91,-32-11 374,4 8-283,-18-6 1188,-1 5-1368,-5-1 0,-1 2 0,0 3 0,0 11 89,0-1-89,0 21-89,0-12 89,0 24 0,0-21 0,0 12-90,17 0 90,-13-12 0,18-4 0,4-2 0,-6 5 0,8-6 0,2-1 0,-3 3 134,-3-3 1,-3 0 225,-6-2-90,4 15-90,-19-24 90,-18 3-180,14-7 90,-53 4-180,28-6 90,-35 1-90,-2-4 0,13-1 0,4-2 0,0-1-343,-13-2 298,8 1 0,0 0-488,20-1 0,1 0 443,-12 0 0,1 0-449,-19 0-1,-1 0-270,0-14-90,19 12 1,0 1 359,10-6 1,0 0 539,-8 7 0,0 0 0,-13-8 0,2-2 0</inkml:trace>
+  <inkml:trace contextRef="#ctx0" brushRef="#br0" timeOffset="18152">7333 7244 11041,'0'-4'719,"0"-1"-809,0 4 90,0-2 0,-14 2-270,-3 1-1528,-1 30 1258,6-11 360,29 25 90,4-23 90,19-9 90,-2-5 90,-5-7 90,-13-20 89,0 15 451,-17-26 0,5 16-541,-8-10-449,0 3-1888,0 4 449,0 26 1619,15 3 0,-11 20 0,12-3 0</inkml:trace>
+  <inkml:trace contextRef="#ctx0" brushRef="#br0" timeOffset="18500">7810 7210 8792,'-43'0'899,"7"0"-809,1 0-180,12 14-179,11 0-1,4 14 90,25-15 90,-12 10 0,30-14 180,-16 3-90,16-6 90,-9-6-90,-12-17 180,2 12 359,-14-31-179,4 9 0,-6-9-90,0 1 90,0 11-1,0 3-269,0 2-90,0 1-90,-14 10 90,11-6 0,-11 10-629,14 14-361,0 9-89,0 15 180,17-2 899,0 8 0,3-12 0,-8 10 0</inkml:trace>
+  <inkml:trace contextRef="#ctx0" brushRef="#br0" timeOffset="18880">8072 7279 9242,'-33'0'809,"26"0"-809,10-20 0,12-4 180,-5-11 180,-10 3 0,0 7-90,0 0 269,0-10-539,0 11-90,0-10 90,0 20 0,0 20-90,0 13 90,0 15-180,0-4-179,0-5 89,15-1 90,-11-1-989,22 10 449,-23-11-449,18 13 629,-12-18 540,7 6 0,-9-12 0,-1 1 0</inkml:trace>
+  <inkml:trace contextRef="#ctx0" brushRef="#br0" timeOffset="19336">8055 7251 8972,'-14'5'-270,"3"0"0,11 2 270,0-2 0,0-3 0,0-1 0</inkml:trace>
+  <inkml:trace contextRef="#ctx0" brushRef="#br0" timeOffset="23063">19348 1370 8072,'-26'-3'180,"-8"1"-270,10 0 180,-5 2-90,-5 0 0,9 0-90,0 15 180,-1-11-90,2 11-90,2 2 180,3-12-90,4 23-90,2-17 0,7 9 180,19-9-90,12-4 360,12-24 450,1-5-1,-9-17-449,-6 2-540,-12 5 180,-5 8 90,-6 29-90,0 18 0,0 17 45,7-4 0,3 1-45,9 15 0,-1-3 0,0 0-780,1 10 825,-6-21 0,-1-1-135,-10 10 180,9-6-90,-11-6 0,0 6 0,0-15-630,-25 8-179,-3-21-990,-29-2 809,14-9 863,1-2 0,15-22 0,2-5 0</inkml:trace>
+  <inkml:trace contextRef="#ctx0" brushRef="#br0" timeOffset="23230">19638 1386 7803,'6'20'809,"2"-15"-809,-7 33 0,3-13 0,-4 22 0,0-8-630,-15 9-269,11-21 899,-11 12 0,15-21 0,0 4 0</inkml:trace>
+  <inkml:trace contextRef="#ctx0" brushRef="#br0" timeOffset="23396">19710 1201 7623,'-19'-32'0,"3"10"0,16-7-270,0 19-630,22 2 900,3 6 0,2 24 0,-8 5 0</inkml:trace>
+  <inkml:trace contextRef="#ctx0" brushRef="#br0" timeOffset="23680">20128 1375 7982,'-15'8'540,"11"6"-540,-27-6 0,27 7 90,-24 5-90,26-1 0,-10 14 180,12-11-360,0 7 270,17-10 0,-12-1-90,34-2 90,-33-2 180,39-3 180,-25-2 179,30-5-89,-22-1-360,10-3-90,-25-18-90,7-2-90,-19-21-1080,5 0 181,-29 6-1440,1-4 2429,-5 19 0,-8-4 0,12 11 0</inkml:trace>
+  <inkml:trace contextRef="#ctx0" brushRef="#br0" timeOffset="23862">20232 862 8252,'28'-3'270,"4"1"-270,-17 2 0,4 22-90,-10-16-360,0 40-449,-4-24-445,-1 23 1344,-2-4 0,-1 0 0,0 3 0</inkml:trace>
+  <inkml:trace contextRef="#ctx0" brushRef="#br0" timeOffset="24254">20925 706 9242,'0'45'360,"0"-6"-271,-13 4-178,9-2 178,-9 4-89,12-10 0,2 2 90,-1 20-135,0-8 0,0 0-134,0 7 89,0-7 0,0 0 180,0-5-720,0 19 90,0-47 540,0-21 0,12-21 0,-9-13 0,21-18 0,-21 21 90,27-22 90,-21 29 90,20-5-270,-15 23 90,4 3-90,-3 25 0,-3-13-90,4 54-540,-7-29-180,-2 12 1,1 3 708,2 5 1,6 16 0,-1-21 0</inkml:trace>
+  <inkml:trace contextRef="#ctx0" brushRef="#br0" timeOffset="24604">21648 1285 8162,'-27'-7'1170,"-13"6"-811,16-6-359,-20 22 0,5 7 90,5 19-90,17-6-90,7 1-449,10-1 539,0-11-90,25 11 90,1-24 0,23 7 0,-6-16 450,-7-19 179,-5-7-269,-16-24 0,-6 13-450,-9-6 90,0 16 0,-13 7-360,10 28-449,-10 19-1,13 12 180,0 1-809,17 4 1439,-13-11 0,29 8 0,-12-17 0</inkml:trace>
+  <inkml:trace contextRef="#ctx0" brushRef="#br0" timeOffset="25196">21913 1384 7892,'0'11'990,"0"6"-990,0 25 0,0-8 0,0 2 0,0-11 90,11 7 0,-8-10-270,8 3 90,-5-17 180,0-18-180,9-13 180,-5 1-135,2-11 0,1 1 135,-1 11 90,15-39-180,-15 48 0,4 0 0,-7 12 90,2 20-180,-4-14 90,1 39-270,1-8-180,-1 9 90,8 15 91,-2-30-451,16 6 450,-7-16 0,8-11 0,-7-1 1,0-9 179,0-17 719,5-11-269,-8-9 719,3-20-539,-13 21 90,-3-25-630,-7 29-90,0-5 90,-1 18 90,0 6-90,0 28 0,0 11 90,0 38-90,0-12 0,20 6-90,-2-2 180,5-15-90,1 19 90,-13-34-450,3 7-450,-22-39 181,-12-8-810,-21-29 1439,9 5 0,-3-2 0,8 7 0</inkml:trace>
+  <inkml:trace contextRef="#ctx0" brushRef="#br0" timeOffset="25313">21972 720 9242,'28'-22'90,"-21"7"-810,31 7 0,8 6-539,-8 0 928,5 0 1,2 3 0,13 14 0,2 4 0</inkml:trace>
+  <inkml:trace contextRef="#ctx0" brushRef="#br0" timeOffset="26547">17295 2949 7353,'-8'-4'1889,"2"21"-1529,5 1-91,1 23-179,0-3 180,0 11-1521,8-5 1,2 4 1385,-8-9 0,0 2 0,14 16 0,0 1-90,-13-12 0,-2 0 45,5 3 0,2 1-1,-2 2 1,-2 2 0,-3 2 0,1 2-90,2 4 0,2 1 60,-3-20 0,0 1 0,-1 3-38,0 5 1,0 5 0,-1 0-1,1-2-22,1 4 0,1-3 0,-1 6 36,-1-3 0,1 7 0,0 2 0,-1-2 0,0-5-711,0 7 1,-2-5 0,2 2 674,0-2 0,1 3 0,0 0 0,-1-4-496,0 1 1,0-3 0,-1 0 495,0 2 0,1 0 0,-1 1 0,0-1 0,0 1 0,0 4 18,-1-12 0,0 4 0,1 2 0,-1 0 0,0-4-18,0 0 0,0-2 0,0 0 0,0 6 0,1 0 0,-1 6 0,1 3 0,0 0 0,0-3 0,0-6 22,0 0 1,0-6 0,1 0-1,1 6-97,-1-1 0,1 5 0,0 3 0,1 0 0,0-3 1,0-6-329,0-1 0,1-6 0,0 0 0,0 2 349,0-1 0,0 1 0,1 2 0,-1-1 0,1 0-216,2 9 0,1 0 0,0-1 0,-1-3 111,1 1 0,-1-2 1,0 3-40,0-7 0,1 4 0,0 2 0,0-3 0,-2-6 108,0 0 0,0-6 0,0 3-129,1 4 1,1 5 0,-1-1 0,0-7 218,-1 6 0,1-3 0,2 13 0,0-4 0,-5-23 0,1-2 0,-1-2 0,0 1 0</inkml:trace>
+  <inkml:trace contextRef="#ctx0" brushRef="#br0" timeOffset="27612">17300 3247 6993,'-2'-4'0,"1"-1"180,1 2-180,0-1 270,0 1 359,22-3-629,15 1 135,1 0 0,4 1-1086,-5 0 1,1 0 950,9 1 0,0-1 45,-6 2 0,-1 0 0,5 1 0,0 0-90,3 1 0,4 0 75,-1-1 0,4 1 0,-2 1 15,10-2 0,3 2-45,-11 2 0,6 2 0,1 1 0,-6-2-687,-5-2 1,-4-1 0,3 1 686,-1 1 0,2 2 0,0 0 0,-2 0 0,2 2 0,-2-1 0,1-1-30,1-4 0,2-1 0,-1 3 60,2 7 0,1 3 0,-1-3-30,2-8 0,-1-3 0,1 3 30,2 7 0,-1 2 0,1-2-30,-1-4 0,1-2 0,3 0 22,3 3 1,3 1-1,2 0 1,-3-1-476,-13-3 0,-2 0 1,0-1-1,7 0 453,1 0 0,6 1 0,3-1 0,0 1 0,-1-1 0,-7-1-348,5 0 0,-5-1 1,-1 0-1,4 0 333,-9 1 0,2 0 0,2 0 0,0 0 0,-2-1 0,-2 1-76,11-1 1,-3 1 0,-1-1 0,1-1 67,2-2 1,0-1-1,0 0 1,1 1 67,0 2 0,-1 1 0,2 0 0,4-2-45,-8-2 0,5 0 0,1-2 0,1 1 0,-1 0 0,-4 1-44,0 3 1,-4 0-1,0 1 1,2 0 0,6-1 43,-14-1 0,5 0 0,3-1 0,1-1 0,2 1 0,-1 0 0,-2 0 0,-3 0 0,-4 1-37,14 1 1,-6 0 0,-2 1-1,2 0 1,6-1 56,-13 0 0,5-1 0,2 0 0,2 0 0,1-1 0,-1 1 0,-1 0 0,-4 0 0,-4 0-2,15 0 0,-7 0 0,-2 0 0,1 0 0,4 0-18,-9 1 0,4 0 0,0 0 0,1 0 0,0-1 0,-3 1 0,-4-1-18,6-1 0,-4 0 0,-2 0 0,0 0 0,0 1 36,1 1 0,-1 1 0,1 1 0,-1-1 0,0-1-6,-1-1 0,-1 0 0,0-1 0,2 0 0,2 2-12,3 0 0,4 0 0,1 2 0,0-1 0,-1 0 0,-4-1 36,-2 1 0,-3-2 0,-1 1 0,2 0 0,4 0-36,0 1 0,5-1 0,3 0 0,1 1 0,-2 0 0,-3 1 0,-6 0 0,8 3 0,-8 1 0,0 1 0,6-1 15,-3-2 0,6 0 0,2 0 0,-1 0 0,-3 0 0,-6 1-38,-2 2 1,-5-1-1,-2 1 1,3 0 40,-2 1 0,3-1 0,0 1 0,0 0 0,-2-1-18,10-1 0,0 0 0,-2 0 0,-3 1 155,3 4 0,-4 1 1,5-1-192,-7-3 0,4 1 0,2-1 0,-2-1 0,-6 0-144,0 1 0,-4-1 0,4 0 67,7 0 1,5 1 0,1 0-1,-8-2 259,-9-2 1,-5-1-1,1 1-146,14 1 0,1 0 0,-3-2-45,3-1 0,-3-1 90,0 1 0,0 1-45,-2-2 0,-1 0 0,-1 0 0,0 0-90,-3 0 0,-1 0-135,-2 0 1,0 0-64,14-7 0,-1 0 288,-17 6 0,-1-1 0,9-5 0,-1 1 0,10 6 0</inkml:trace>
+  <inkml:trace contextRef="#ctx0" brushRef="#br0" timeOffset="28384">30500 3709 7623,'0'37'989,"-14"4"-764,12-5 0,0 1 45,-12 27-3056,13 0 1,2 3 2875,-1-22 0,0 1 30,0 10 0,0 7 0,0-4 106,0-1 1,0 2-205,3-10 1,1 6-1,1 0 1,-2-4 67,-2 13 0,2 2 107,3-15 1,4 6 0,1 3 0,-1-1 0,-3-7-138,-3-2 0,-3-4 0,2 5-6,3 2 0,4 6 0,0 2 0,0-2 0,-3-7 36,-1-4 0,-3-5 0,2 5-90,0 10 0,1 7 0,0 0 0,-1-6-37,-1-7 1,0-5 0,-1 6 54,-1-4 0,-1 6 0,1 2 0,-2-1 0,1-6-512,-1 7 0,0-5 1,0 2 515,0-3 1,0 2-1,0 1 1,0 0-1,0 0 1,0 1-1,0-2 1,0-1 254,0 2 0,1-2 0,-2 4-223,-1-4 0,-1 5 0,-1 2 0,1-2 0,0-6-113,2 5 0,1-6 1,-3 6 130,-1-5 0,-2 6 0,-1 2 0,1-3 0,1-4-177,3 5 0,2-5 0,-1 2 150,-2-2 0,-1 2 0,0 0 0,2-4-15,1 0 0,2-2 0,-1-1-30,-2 0 0,-1 1 0,0-1 0,2-1 0,1 1 0,-1-2 30,-1 1 0,-1-1 0,1 0-30,1-1 0,2-1 0,-1 0-45,-1 20 0,2 2-135,4-9 0,2 2 1,-1-2-34,-5 7 1,2 0-238,4-16 0,2 4 0,0 0 1,0-6-226,0 7 0,0-2-135,0 13 1,2-3 348,4-23 1,-2-4 460,-9 30 0,18-11 0,-12-3 0</inkml:trace>
+  <inkml:trace contextRef="#ctx0" brushRef="#br0" timeOffset="34648">9135 3571 7892,'0'-31'540,"0"-2"-630,0 9 180,0-3-90,0 6 180,0-10 90,0 7-90,0-14-90,0 19 90,0-8-270,0 16 90,0 1 90,0 25-90,0 7 0,0 25-990,0 5-89,0-6 1079,0 9 0,0-24 0,0 8 0</inkml:trace>
+  <inkml:trace contextRef="#ctx0" brushRef="#br0" timeOffset="35096">9095 3073 7533,'-26'-9'1169,"-9"1"-1079,7 4 0,-20 2-90,19 2 360,-21 18-180,21-14-90,-8 31 0,13-20-90,1 17 89,3-3-89,-5 16 90,11-8-90,5-5 0,1 1 90,3 5 0,2 26-90,3-30 90,17 9-90,8-6 90,11-11-90,20 9 0,-15-19 45,-1-7 0,2-3-45,12-2 0,4-8 0,0-5 0,0-12 0,-5 2 0,-4-3 180,-11-12-225,-12 9 0,-3 0 45,-3-6 0,-4-26 90,-12 22-180,-3-10 0,-27 2-180,-8 12-675,2 7 1,-3 3-315,-22 1 1006,-2-1 0,14 15 1,1 3-1</inkml:trace>
+  <inkml:trace contextRef="#ctx0" brushRef="#br0" timeOffset="48030">18182 4573 7803,'0'-10'2158,"15"-2"-2068,-11-23 0,24 8 90,-26-3-90,10 5-90,-3 1 180,-7 0 0,13 0-90,-13 2 360,7-8-361,-6 10 451,3-9-450,-3 17 180,-1-3-90,0 9-90,-1 1-90,0 18 0,-1 4-90,0 10-360,0 0-90,0-3-809,0 16 450,0-9-1350,0 30 1004,0-24 1245,0 15 0,0-13 0,0 2 0</inkml:trace>
+  <inkml:trace contextRef="#ctx0" brushRef="#br0" timeOffset="48211">18118 4958 8882,'29'-18'540,"17"14"-540,-25-29-681,21 20 591,-6-15-719,20 1-451,-12 7 1260,13 3 0,-18 6 0,-2 4 0</inkml:trace>
+  <inkml:trace contextRef="#ctx0" brushRef="#br0" timeOffset="49163">21115 4337 8612,'-19'-7'630,"5"2"-450,-4 4-90,-5 0 89,-10 1-89,3 0-90,7 18 0,1-14 0,-11 29 0,11-9 0,-11 18 0,19-6 0,-3 17 0,12-26 0,-1 18 0,6-29 0,21 7 90,1-16-90,20 1-90,-11-7 180,16-16-180,-22 11 90,15-24 90,-24 10-90,2-15 270,-9 4 0,-3 3-180,-3 6 180,-2 5-180,0-1-90,-1 3 719,0 0-719,16 58-90,-12-23-720,13 19 1,3 3-630,0-8-820,5 12 2259,8-17 0,-18 1 0,17-2 0</inkml:trace>
+  <inkml:trace contextRef="#ctx0" brushRef="#br0" timeOffset="52449">18097 3540 7623,'0'14'539,"0"-2"-449,0-1-90,0-1 0,0 0 0,0-1 0,0 2 0,0-3 0,0 0 0,0-2 0,0-1 0,0 0-449,0 1-181,0-2 630,0 1 0,0-4 0,0 0 0</inkml:trace>
+  <inkml:trace contextRef="#ctx0" brushRef="#br0" timeOffset="52615">18048 3346 7353,'-10'0'0,"3"14"0,0-11 0,4 26 0,0-26 0,2 12 0</inkml:trace>
+  <inkml:trace contextRef="#ctx0" brushRef="#br0" timeOffset="53000">18260 3620 7263,'0'6'450,"-14"2"-271,10 2-179,-10 0 0,3 8 0,8-6 0,-8 10 0,11-11 0,0 6 90,0-11 270,0 2-360,0-21 180,0-5 360,11-21-450,-8 6 0,8-1 0,-3 8-90,-5 4 180,5-1-180,-5 4 90,-2 1 89,5 10 1,-2-6-90,-1 10-90,5-4 0,-4 5 0,4 17-90,-3-10-269,2 28-721,1-28 1080,4 49 0,0-32 0,2 29 0</inkml:trace>
+  <inkml:trace contextRef="#ctx0" brushRef="#br0" timeOffset="53829">20278 3593 8612,'-4'-3'630,"1"1"-360,-1 1-91,1 0 91,-3 1-270,0 14 90,-2 6-90,0-3 0,-3 29 0,5-28 0,-1 24-90,3-20 180,2-3-180,0-1-269,0 1 269,1-5-90,0 0-180,1-8-270,0-3 540,0-17 180,13 11-90,-10-27 0,19 8 180,-11-11 90,8 3-180,-2 14 0,-5 7-90,2 9 90,-4 0-90,-1 14 0,3 7 0,-6-3 0,3 28-270,-6-29-270,3 23-359,-1-29-271,1 11 1170,0-19 0,1 20 0,0-10 0</inkml:trace>
+  <inkml:trace contextRef="#ctx0" brushRef="#br0" timeOffset="54179">20537 3707 7533,'-23'15'539,"-8"-12"-539,27 26-90,-22-8 180,23 15-90,-15-14 0,16 11 0,-5-23-90,7 18 0,0-12 90,0-1-269,16-8 359,0-5-90,2-19-90,4-2 180,-19-16-90,15 16 90,-16-8 449,5 16-539,-4-4 0,2 24 0,1-5-90,4 25-90,-5-14-359,4 1-1,-2 7-180,0-20 720,0 15 0,2-16 0,-2 4 0</inkml:trace>
+  <inkml:trace contextRef="#ctx0" brushRef="#br0" timeOffset="54496">20673 3807 7892,'6'17'180,"-2"9"-180,-1-23 0,0 21 0,1-21 90,0 23-90,0-13-90,-1 11 90,0-12-90,-2-5 180,0-20-180,0-6 90,-1-13 90,0 0 540,0 5-630,12 31-90,-9 8-360,15 24-1349,-12-8 1799,9-4 0,-6-11 0,1-5 0</inkml:trace>
+  <inkml:trace contextRef="#ctx0" brushRef="#br0" timeOffset="54781">20863 3825 7263,'18'18'0,"1"-5"0,20-13 0,-10 0 0,1 0 90,-8 0-90,-2 0 0,0 0-90,-3 0 360,-4 0 359,0-13 181,-8-4-91,-17-9-629,7 3 180,-35 12-90,23 1-180,-18 9 0,21 13-90,4 9-1079,10 20 1169,24 4 0,13-9 0,-6-19 0,0 0 0</inkml:trace>
+  <inkml:trace contextRef="#ctx0" brushRef="#br0" timeOffset="55363">23420 3792 7623,'-24'0'180,"0"0"-91,-14 0-89,10 15 0,-17-11 90,25 25-180,-4-14 90,19 10 0,25-13 90,-14 2-180,55-13 90,-37 6 180,42-7-270,-34-14 270,6 10 270,-11-24 360,-14 14-361,0-12-179,-13 7-180,0 5 0,-17 7-90,12 24 90,-12 11-270,17 12-719,0 14-451,0-19 1350,14 24 0,-10-26 0,10 10 0</inkml:trace>
+  <inkml:trace contextRef="#ctx0" brushRef="#br0" timeOffset="55836">23812 3856 7443,'4'-23'719,"1"1"-89,-1-12-360,0 10-90,0-19 0,-2 26 179,-1-7-269,1 20-90,-1 18 0,2 10 90,0 10-90,0 0 0,1 4 0,0-10 0,4 15 0,-3-21 0,3-3-180,-1-2-89,0-15-91,2 6 0,0-8 270,2 0-90,2 0 180,7-20-90,-3 15 180,11-33-90,-12 14 180,2-7 90,-8 9-90,-3-2 90,0 20-180,-5-20 359,1 17-359,-3 10-90,1 9 0,-1 22-989,0 1 359,0 0-179,17-14 809,0 3 0,4-16 0,-8 8 0</inkml:trace>
+  <inkml:trace contextRef="#ctx0" brushRef="#br0" timeOffset="56179">24327 3726 8432,'-16'-4'1889,"0"1"-1799,-3 18-90,-3 0-90,20 16 90,-7-6 0,9 2-270,0-7 270,17-8 0,-1-6 0,4-24 0,3 14 0,-21-27 0,9 16 90,-11-10-90,0 26-450,0 9-1259,0 27-449,15-1 2158,-11-1 0,24-15 0,-14-7 0</inkml:trace>
+  <inkml:trace contextRef="#ctx0" brushRef="#br0" timeOffset="56483">24485 3768 8072,'0'36'270,"0"1"-360,0 0 180,0-1 0,0-8-90,0-8-90,12-11 90,0-24 0,10-5 0,0-22 0,-5 12-90,0 8 90,-4-2 180,-3 20 0,6-22-180,-6 24 0,6-9 0,-8 11 0,0 0-90,-3 22 0,0-16-539,0 35 629,3-16 0,2 9 0,1-1 0</inkml:trace>
+  <inkml:trace contextRef="#ctx0" brushRef="#br0" timeOffset="56715">24988 3700 9781,'0'40'450,"-12"-18"-450,10 18 0,-10-22 0,12 20 0,0 2-90,0-11-1889,0 27 1080,0-33 899,12 14 0,-10-27 0,10 0 0</inkml:trace>
+  <inkml:trace contextRef="#ctx0" brushRef="#br0" timeOffset="56862">24898 3814 8072,'0'-5'-269,"0"0"-1261,19 4 1530,3 0 0,1 1 0,-5 0 0</inkml:trace>
+  <inkml:trace contextRef="#ctx0" brushRef="#br0" timeOffset="57019">25237 3866 7533,'0'28'270,"0"-1"-270,0 1-270,0-7-540,0-5 810,0-5 0,17-2 0,4 1 0</inkml:trace>
+  <inkml:trace contextRef="#ctx0" brushRef="#br0" timeOffset="57175">25318 3681 7263,'0'-3'0,"0"-1"0</inkml:trace>
+  <inkml:trace contextRef="#ctx0" brushRef="#br0" timeOffset="57763">25593 3637 10501,'-14'-6'1169,"10"18"-1169,-11 11-90,15 9 180,0 2-270,0 8-269,0-9-990,13 23 719,-9-23-719,21 16 719,-13-25 1,2 5 719,-5-15 0,-9-4 0,0-2 0</inkml:trace>
+  <inkml:trace contextRef="#ctx0" brushRef="#br0" timeOffset="57896">25552 3969 8972,'-13'-20'1349,"-7"7"-1349,17-4-540,-13 10-2878,14-7 3418,14 9 0,-7 2 0,13 3 0</inkml:trace>
+  <inkml:trace contextRef="#ctx0" brushRef="#br0" timeOffset="58262">25740 3985 7982,'7'10'0,"7"4"0,-3-5 0,16 3 0,-11-9 0,19-1 0,-18-2 0,8 0 90,-8 0 0,-6-14 720,2 11 89,-11-26-89,0 13-450,-2-13-450,0 8 90,-15 9 90,11 3-180,-11 26 90,15 5 90,0 13-90,0 2 0,0-7 90,0 1-180,0-1 180,0 10-90,15-10 0,-11 12 0,11-22-180,-15 1-90,0-13-2788,0-2 3058,-22-5 0,-8 0 0,-22-1 0</inkml:trace>
+  <inkml:trace contextRef="#ctx0" brushRef="#br0" timeOffset="63181">24377 4938 8882,'0'6'2608,"0"-2"-2158,0-19 90,0-5-360,16-23 0,-12 9 0,12-1-90,-16 10 359,11-8-269,-8 11-180,8-6 90,-11 15-90,0 2 0,0 3-90,0 3-450,0 1-179,0 20 269,0 3 90,0 12 1,0-2-721,14 8 271,-11-8-91,10 12 1,-13-13 179,8 2 720,-6 10 0,5-9 0,-7 7 0</inkml:trace>
+  <inkml:trace contextRef="#ctx0" brushRef="#br0" timeOffset="63317">24422 5110 9871,'-20'2'1440,"8"-12"-2520,21 8-359,-5-16-360,28 16 1799,-16-11 0,16 12 0,-3-5 0</inkml:trace>
+  <inkml:trace contextRef="#ctx0" brushRef="#br0" timeOffset="67479">8847 5500 9781,'-24'0'-90,"8"-10"90,-1 7 0,10-14 0,-8 15-179,5-12 269,-1 7-270,1-6 90,2 2 0,1-1 90,2-1-90,2 3 0,2-3 180,1-4-180,0 5 90,17-5 0,-13 12-90,12-3 90,-16 6 0,15 0 90,-1 2-90,11 0 0,-7 13 90,-6 4-180,-5 11 90,-3 0 90,-4 1-90,0-7-90,0 8 90,-19-11-90,14 7-180,-27 2 0,13-6-90,-12 14 270,11-16-269,-5 10 269,15-16 0,-3 2 0,0-8 0,12-3 0,-6-2 270,5-2 0,0-14 179,21 10-359,5-10 90,28 4-90,-16 7 0,16-11 0,-26 12 0,8-3-269,-11 4-361,-2-3-449,1 2 1079,-3-2 0,0 1 0,-4 1 0</inkml:trace>
+  <inkml:trace contextRef="#ctx0" brushRef="#br0" timeOffset="68063">8443 5254 6723,'-17'25'180,"0"-1"-180,2 2 180,-7 14-180,6-7 90,-4 11-90,0 1 90,8-8 90,-6 23 0,12-27-90,0 8-90,5-13 90,1-1-180,0 1 180,20-2-90,-15-2 0,38-1 179,-5 7-179,13-11 45,-8-5 0,0-3-45,16-4 45,-4-3 0,2-2-730,-21 0 1,-1-3 684,12-8 0,0-1 0,18 5 0,-33-13 0,0-2 0,29 3 0,-22-5 0,-1-3 73,15-6-73,-15 4 0,-5 0 0,-4-6-90,1-24 180,-23 23-90,-3-10 0,-22-2 0,-10 10 90,3 7 0,-4 1-90,-18-6 0,13 9 0,-1 2 0,-8-2-90,-15-4-809,-2 16 179,13 5 720,-15 3 0,18 5 0,-1 0 0</inkml:trace>
+  <inkml:trace contextRef="#ctx0" brushRef="#br0" timeOffset="80946">18400 6114 7803,'-16'-14'2518,"-13"11"-2518,9-11-90,-1 4-180,-5 7 180,23-16 0,-16 17 0,17-18 1,-7 9 89,2-9 0,6 0 0,-6 4 0,7-2 0,0 7 0,0 1 0,23 3 0,-17 0 0,35 1 0,-36 2 0,34 2 0,-14 1 0,17 15 89,-19 8-89,3 22-89,-18-4 89,4 4 0,-7 6 89,-5-12-89,-10-4 0,-4-1-89,-12 3 89,2-6 0,-3-1-180,-9 0-90,7-6 0,2-2 90,-1-5 0,-20 3 90,31-17 0,-4-18 90,15-6 90,1-17 0,28 18 270,1-10-90,23 20-180,-12-5-90,-1 9 90,7 7-90,-10 18 0,11-14 0,-11 27 0,0-28-180,1 24-2339,16-10 2519,-9 1 0,10 5 0,-15-11 0</inkml:trace>
+  <inkml:trace contextRef="#ctx0" brushRef="#br0" timeOffset="81796">21092 5704 9332,'0'-3'809,"0"19"-809,0 9 0,0 12 0,0 4 0,0-7 90,0 1-90,0 2 0,0-3 0,0 13 0,0-15-180,0 14 90,0-26-359,0 4-991,0-15 1260,12-23 270,2-12-180,16-27 180,-9 9-309,6 1 309,-7 14 179,1 5-179,4 4 90,9 2 0,-3 8 270,22 3-360,-22 7 90,22 18-90,-26-14 0,7 31-90,-11-13 0,-7 9 90,-2 7-180,-10-15 180,-3 13-180,-23-14 90,17 2 0,-42-7-90,23-4 40,-20-1-1569,-14-4 719,17-3 900,-16-3 0,22-2 0,0 0 0</inkml:trace>
+  <inkml:trace contextRef="#ctx0" brushRef="#br0" timeOffset="82762">24352 6138 8702,'12'0'989,"-2"-13"-539,2-4-180,-4 1 90,7-22-270,-6 23 0,3-20 0,-4 15 90,-2 0-1,-1 1 181,0 1 0,0-1-180,-1 4 0,-1-4-180,0 9 90,0-3-90,-1 28-90,-1 1-90,-1 23-720,0-1 271,0-4-1440,-13 9 990,10-17-91,-9 7 1170,12-10 0,-8-1 0,-3 0 0</inkml:trace>
+  <inkml:trace contextRef="#ctx0" brushRef="#br0" timeOffset="82929">24343 6408 9961,'45'-17'-1889,"-20"-11"630,17 25 1259,-22-22 0,19 22 0,-11-7 0</inkml:trace>
+  <inkml:trace contextRef="#ctx0" brushRef="#br0" timeOffset="87645">10333 3554 7713,'-3'-10'1169,"0"0"-1079,3-8 0,0 4 0,14 2 0,-10 1 0,11 1 0,-2 0 0,-10 0-90,21 0 0,-14 0 0,11 1 90,-3-1-180,0 2 180,3 1-90,-1 1-90,1 1 90,-2 2 90,-1 1-180,-1 1 90,4 1 0,-7 0 90,6 14-1,-12-10-89,2 10 0,-7-2 90,-2 2-90,-1 11-90,0-4 1,-21 4 89,0-8-360,-20 15 180,7-16-180,7 11 270,11-15 90,8 1 0,8-2 90,0 0-90,0 0 0,20 2-90,3-2 180,12 4-180,-14-3 90,-10-1 90,0-5 0,-8 0-180,8-1 90,-11-1 0,0 0 0,0 0 0,0 1 0,0 0 90,-20 4-180,-3-4 0,-1 0 180,-13 0-180,33-3-1169,-34 0 269,17-2 990,-9 0 0,3 0 0,9 0 0</inkml:trace>
+  <inkml:trace contextRef="#ctx0" brushRef="#br0" timeOffset="88201">10338 3247 6903,'-32'-1'270,"0"0"-270,6 17 180,3-12 0,5 25-90,0-26 0,-2 30-90,2-18 179,-8 32-89,7-16 0,-10 28 0,15-23-303,-3 15 213,9-15 90,3 2 0,3-1-90,1 15 0,1-12 90,11-9 0,2 0 0,-7 4 0,37 7-90,-25-15 0,21-4 0,-4-3 90,7-4-90,5-6 90,6-3 89,-10-4 1,2-2-431,-10 0 0,1-2 296,27-5 0,-1-5-576,-24 0 1,-1-1 530,11-4 0,-2-2 0,-14 1 0,-3 0 0,29-11-93,-7-3 138,-20 8 0,-2-1-45,9-16 135,-15 8 0,-4-3-135,-7-6 0,-5 4 0,-6 1 0,-26-9 0,19-12 45,-30 27 0,-5 2-135,6-12 135,-17 7 0,-5 4-223,26 13 0,-2 3-182,-26-7 0,-3 5 0,24 8 1,-2 4 359,-14 2 0,-8 2 0,7 5 0,9 8 0,1 3 0,-1-1 0,-1 0 0,0 0 0</inkml:trace>
+  <inkml:trace contextRef="#ctx0" brushRef="#br0" timeOffset="108184">24955 4709 7533,'0'-6'270,"0"0"-270,0 3 179,0-1-89,0 1 0,0 1 2249,0 0-1979,0 11-360,0 5 0,0 6 90,0 7-180,0-9 180,0 14-90,11-12 0,-8 6-180,8 2-180,-4-8-809,-6 19 539,10-19-1169,-6 17 1799,0-19 0,-1 6 0,-4-10 0</inkml:trace>
+  <inkml:trace contextRef="#ctx0" brushRef="#br0" timeOffset="108395">24825 5011 8072,'20'-11'90,"-15"-1"-90,34 1-629,-10-8-271,11 3 900,2-4 0,-8 5 0,-1 0 0</inkml:trace>
+  <inkml:trace contextRef="#ctx0" brushRef="#br0" timeOffset="108778">25503 4884 7353,'8'0'180,"-1"-14"-90,1 11 179,2-29-179,-4 21 270,4-21-180,-6 16 720,2-12-720,-4 15-1,-1-5 451,-1 13-630,0 19 0,0 7 0,0 12 0,0 11 90,0-13-270,0 8-270,0-9-89,0-3-181,0 1 90,0-2 1,16 0-181,-13-4 810,13 0 0,-6-3 0,2 0 0</inkml:trace>
+  <inkml:trace contextRef="#ctx0" brushRef="#br0" timeOffset="109381">26007 5011 9961,'-5'0'360,"1"0"-990,3-9-1708,32 7 2338,-6-7 0,28 9 0,-14 0 0</inkml:trace>
+  <inkml:trace contextRef="#ctx0" brushRef="#br0" timeOffset="109528">26083 5114 8342,'10'1'-840,"-12"-16"1,19-4 0</inkml:trace>
+  <inkml:trace contextRef="#ctx0" brushRef="#br0" timeOffset="110095">26688 4821 8072,'-32'0'630,"5"0"-450,1 0-90,5 0-180,4 0-90,3 0 0,5 0 180,3 0-180,1 0 0,3-13 180,0-4 0,2-16 0,18 6 0,-13-1 0,27 7 0,-28 0 0,26 4 360,-14-3 0,11 11-90,-6 0-270,-11 22 0,-3 10 90,-7 7-180,0 5 180,0-7-90,-17 13 0,13-9 0,-27 18 0,27-23 0,-21 11 0,15-19 0,-3 2 0,-2-11-90,13-1 90,-12-2-270,6-3 0,-2-1 0,1 0 90,4-2 360,1 0-90,18-1 0,2 0-180,19 0 90,-3 14 0,-3-10-180,-3 10-269,-7-14-361,0 9-359,2-7 1169,0 7 0,0-9 0,-2 0 0</inkml:trace>
+  <inkml:trace contextRef="#ctx0" brushRef="#br0" timeOffset="110250">27035 5033 6633,'0'0'0</inkml:trace>
+  <inkml:trace contextRef="#ctx0" brushRef="#br0" timeOffset="112116">12045 3557 7173,'-7'0'360,"1"3"-270,1-2 90,0 2-91,1-3 1,1 2 0,-2-2-90,3 2 0,-2-1 0,1-1 0,0 1 0,-1 1 0,-2 0 0,-1 3 0,-1 0 0,-1 2 0,-2 1 0,-2 2 0,0 4 0,-4 0 0,0 3 0,-15 10 0,8-5 0,-19 16 0,19-17 0,-10 12 0,18-17 0,-1 1 270,11-7-90,4-5-90,0 1-90,26-5 0,6 0 0,13-16 0,-5 9 0,-2-3 0,6-21 0,-2 16 0,-2 1-90,-3-3-90,15-4-90,-27 18-539,13-12 359,-22 13 90,4-5 360,-10 6 0,-2 0 0,-2 0 0</inkml:trace>
+  <inkml:trace contextRef="#ctx0" brushRef="#br0" timeOffset="112312">12073 3683 7623,'-13'-7'1169,"4"5"-989,2-5-180,5 7 630,-1 0-630,1 15-90,2 7 0,0 9-1350,13 21 181,-10-17 1080,11 16 0,-14-14 0,0 1 0</inkml:trace>
+  <inkml:trace contextRef="#ctx0" brushRef="#br0" timeOffset="112828">11755 3593 7083,'-18'0'180,"0"12"-90,0-9-90,0 9 90,0 0 90,-1-9-180,2 22 180,-6-7-180,8 6 89,-4 16-178,12-13 89,1 27 0,5-20 0,1 15 89,22 0-89,4-13 45,-1-7 0,2-2-135,14 3 135,-11-9 0,0-2-45,8-1-765,14 0 675,-14-13 180,1-2-90,1-2 0,18-24 90,-14 17-45,-7-24 0,-1-5-45,1 7 224,-7-13 1,-4-4 45,-2-4-135,-11 15 0,-1 0-45,-5-17 180,-3 0-90,-3 0-135,-10 15 0,-1 0-135,6-15 45,-12 10 0,-5 3-225,-7-1 0,-9-4-955,-2 22 595,9 8-922,-2 7 1552,-3 3 0,-2 3 0,-2 0 0</inkml:trace>
+  <inkml:trace contextRef="#ctx0" brushRef="#br0" timeOffset="118828">26510 4786 8972,'-4'0'450,"0"0"-91,2 0-179,0 0-90,0-7 180,-1 5-180,2-4 180,0 2-90,-1 4 90,1-5-90,0 4-180,1-3 0,0 3 0,0-2-90,0 1 90,17-3 90,-12 0-180,44-8 90,-32 7 90,33-6-270,-29 10 270,8-1-90,-15 3 0,2 0 0,-8 0 90,-1 0-90,-1 15 0,-2-12 0,-2 24 89,-1-15-89,-1 14-89,0-7 89,-19 3 0,14-6 0,-14-1 89,3 0-178,13 0 89,-25-1 0,25-1 0,-19 0-90,10 3 90,0-4-360,-7 5 270,13-10-180,-7 2 0,7-5 90,3 1 270,3-2-180,0 4 90,0-2 0,17 3 0,-12-3 0,30 3 0,-30-2 0,23 1-90,-16 0 90,1-1 0,3 3 90,-10-4 0,5 3-90,-6-5 90,-2 2-90,-3-2-90,0 0 180,0 2-90,0-1 0,0 3-90,-21 0 180,15 0-90,-34 2 0,36-2 0,-51 5-180,33-5-180,-13-1 1,-1-1-631,0 0 990,-29-2 0,28-1 0,-11-2 0</inkml:trace>
+  <inkml:trace contextRef="#ctx0" brushRef="#br0" timeOffset="119738">24492 4731 6453,'0'0'0</inkml:trace>
+  <inkml:trace contextRef="#ctx0" brushRef="#br0" timeOffset="120945">25652 4948 7443,'-11'0'270,"2"0"-91,1 0-179,1 0 90,-2 0-90,-6 0 90,3 0-90,-11 0 90,8 0-90,-14 0-90,9 0 90,-12 0 90,12 0-90,-16-14 0,17 11 0,-7-21 0,17 11 0,3-11 90,3 4-180,3-5 90,20 10 0,-16-2 0,30 3 0,-13 8 270,15-2-270,-3 7 0,-4 16 0,-15 6 90,-5 20-90,-9 4 90,0-5-90,-23 9 0,18-20 0,-36 7 0,36-13 0,-31-3-90,32 2 90,-33-6 0,33 1 0,-28-3-630,18 1 181,-3-5-1,0 0 450,33-8 90,-19-14 360,40 8-91,-14-10-359,19 14 0,-9 0 90,-1 0-90,7 0-90,-13 0 180,20 12-180,-25-9-989,12 22 5,-15-14 1074,4 4 0,-10-1 0,0-6 0</inkml:trace>
+  <inkml:trace contextRef="#ctx0" brushRef="#br0" timeOffset="122666">26107 4903 8612,'-15'27'180,"3"1"-270,12-6 180,0 2-90,0-8 0,0 2 0,0 0 0,0-1-90,0-1 0,16-1-899,-13 3 449,13-4 540,-16 5 0,0-9 0,0 1 0</inkml:trace>
+  <inkml:trace contextRef="#ctx0" brushRef="#br0" timeOffset="122828">26085 5145 6273,'19'0'0,"-5"0"0</inkml:trace>
+  <inkml:trace contextRef="#ctx0" brushRef="#br0" timeOffset="1.44613E6">29447 5053 10141,'21'0'540,"-8"-19"0,7-6-450,-10-10 179,10-2-179,-6 6 0,-1-1-90,3-10-185,-4 7 1,0 0 364,-5-3 89,-2-18-179,-2 14 180,-3-25-270,0 33 151,0-10-151,0 25-104,0 0 104,0 28 0,0 12 0,0 11-719,0 24-1,0-17 91,0 15-1080,0 2 809,0-14-90,0-8 1,0 0 989,0 2 0,0 9 0,0-17 0</inkml:trace>
+  <inkml:trace contextRef="#ctx0" brushRef="#br0" timeOffset="1.44654E6">29610 4550 8972,'-43'-33'630,"3"1"-361,10 0-373,1 1 464,-4-1-180,5 2-91,-5 3 91,5 3-180,-4 2-90,-10 1 90,10 7 90,-18 4-90,20 7 90,-7 29-180,11 0 90,2 27 90,1-2-135,8-6 0,2 3-309,4-10 0,1 2 354,2 4 0,1 4 0,1-3 0,0-3 0,4-1-90,6 24 0,7-1 0,1-27 1,4-3 44,1 9 0,5-2-45,13-6 0,1-4 45,-12-8 0,1-3-90,25 8 0,3-5-297,-20-12 0,1-5 432,12 2 0,1-2-45,-12-4 0,-2-4 45,1-6 0,1-4 0,13-4 0,-1-4 0,-13-4 0,-1-3 45,9-2 0,-2-4-45,-10-10 0,-6-2 0,-6 10 0,-3-3 0,-3-5 0,-3-6 0,-3 4-45,-1 3 0,-5-1-15,-4-3 0,-3-4 0,-5 5-30,-9 5 0,-5 3 0,-2-10 0,-5 3 0,-5 17 1,-3 4-91,4 2 0,0 1-45,-2 3 0,-3 3-585,-21 0 1,-3 4 809,15 4 0,-1 1 0,-16 0 0,0 2 0,21 3 0,-1 0 0</inkml:trace>
+  <inkml:trace contextRef="#ctx0" brushRef="#br0" timeOffset="1.45618E6">29388 4719 8252,'16'-8'1170,"14"6"-1170,-25-12 0,25 13 180,-15-5-91,7 6-89,-10 13 90,-1-10-90,-10 23 0,6-23 0,-5 27 0,3-16 90,-3 18-90,-1 1 0,0-5 90,-1 14-90,0-19 0,0 4 0,-15-10 0,11-5 0,-12 0 0,7-3-90,7-1-90,-16-1-359,9-5 359,-7 0 0,6-2 180,-2 0 0,5-19 0,-4 1 0,7-4-90,-2-8 90,4 12-90,2-10 450,0 7-180,16 11-180,3 5 90,1 19-90,7-11 180,-10 23-90,0-10-90,20 13 0,-25-12 90,26 16-180,-22-22 90,5 16-90,-7-14-270,0-1-360,-3 0-1259,5 4 1979,-8-5 0,4 3 0,-6-7 0</inkml:trace>
+  <inkml:trace contextRef="#ctx0" brushRef="#br0" timeOffset="1.45707E6">29348 4870 7353,'11'11'899,"-16"-8"-1079,-8-6 180,-3-14 0,6-15 0,10 7 0,0-8 0,0 14-90,17-12 90,-13 15 0,30-5 90,-19 12-180,16-3 270,-17 7-180,18 0 0,-22 3 0,21 1 0,-21 1 90,8 0-90,-8 14 90,8-10-90,-7 10 90,2-1 90,-1-3-90,-4 4-90,3 10 0,-7-12 0,0 15-90,-4-8 180,0-1-90,0 4 0,0-2 0,0 0 90,-16-1-270,12 6 270,-23-7-90,15 8 0,-2-13 0,-3 2 0,15-6-90,-15-2 180,15-1-90,-15-1 0,12-1 0,-8-1-90,4 1 0,2-3-90,2 0 90,22-11 180,-2 7-90,23-14 0,-12 15 0,4-9-719,4 6 89,-5-2 630,18 1 0,-16 2 0,7 1 0</inkml:trace>
+  <inkml:trace contextRef="#ctx0" brushRef="#br1" timeOffset="1.50204E6">29148 4933 3977,'11'7'6594,"-2"-2"-5102,-3-5-2592,0 0 315,-1 0 291,1 0 77,3 0 104,0-13 2160,3 10-2392,-1-24 1725,3 12 413,1-13 628,0 0-126,1-2 92,6-21 182,-4 10-1836,3-14 1172,0 1-1533,-6 17 450,7-20-481,-11 32-3,1-5 86,-5 18-516,-3 3 288,-1 5-70,-2 1-309,1 19 1031,0-12-964,6 50 877,-1-27-377,3 35 485,-2-17-120,-1 3 169,-1 2-294,-2-15 1,0 0-531,3 18 539,-2-11 0,1 0-611,2 3-298,4 12-146,-2-23-152,1-2-225,0-3-46,3-4-302,-1-3-222,4-4 1191,6 2 0,-4-7 1,6 0-1</inkml:trace>
+  <inkml:trace contextRef="#ctx0" brushRef="#br1" timeOffset="1.50232E6">29310 5175 3077,'36'0'360,"-1"0"-360,-3 0 0,4-15 1231,4 11-1285,5-22 872,3 23-1166,-11-8 0,1-1 422,22-1 16,-21 6 0,-1 0 0,13-11 0,-3 8 0</inkml:trace>
+  <inkml:trace contextRef="#ctx0" brushRef="#br0" timeOffset="1.52002E6">30610 4853 8252,'3'0'1799,"12"0"-1709,21 0-270,2 0 180,-6 0-359,0 0-1,0 0 180,0 0-360,-2 0 90,-1 0-179,-4 0 89,-2 10 540,1-8 0,-9 18 0,1-9 0</inkml:trace>
+  <inkml:trace contextRef="#ctx0" brushRef="#br0" timeOffset="1.52035E6">30625 4843 7353,'0'-6'0,"0"2"0,0 0 0,0 2 0,19-2 0,-14 2 0,31-2 90,-32 1-90,34 1 0,-21 1 180,19 0 89,-11 1-269,9 0 90,-8 0-90,12 16 0,-18-12 0,3 23 90,-10-24-180,-2 21 180,-2-21-90,-2 33 90,-4-22-180,0 31 90,-3-23-719,-20 19 179,15-16-480,-15 6 1020,2-8 0,13-2 0,-12 0 0</inkml:trace>
+  <inkml:trace contextRef="#ctx0" brushRef="#br0" timeOffset="1.52103E6">31598 4744 8342,'-37'0'90,"5"0"-180,5 0 90,14-12-180,-5 9 90,12-19 180,-4 19-270,6-19 180,1 13 0,3-13 0,0 5 0,21-14 0,-16 6 0,30-19 0,-14 20 0,-3-6 0,13 8 0,-17 9 90,9-1 0,-6 10 0,-9 26 0,-4 12-90,-4 14-90,-21 5 135,8-22 0,0 1-45,-14 19 45,-1-10 0,0 1-641,8 5 551,-5-18 0,0-2 45,0 7 0,1-5 90,3-3-90,2-5-90,3-4 90,2-4-90,3-4 90,3-5-90,2-1 686,4-18-326,18-3 0,2 0-90,22-6-90,-9 21-90,21-14 0,-19 16-45,6-3 0,2 1-315,2 3-810,-1 6 1,0 2 1169,-4-5 0,8 24 0,-16-11 0</inkml:trace>
+</inkml:ink>
+</file>
+
+<file path=ppt/ink/ink5.xml><?xml version="1.0" encoding="utf-8"?>
+<inkml:ink xmlns:inkml="http://www.w3.org/2003/InkML">
+  <inkml:definitions>
+    <inkml:context xml:id="ctx0">
+      <inkml:inkSource xml:id="inkSrc0">
+        <inkml:traceFormat>
+          <inkml:channel name="X" type="integer" min="-2.14748E9" max="2.14748E9" units="cm"/>
+          <inkml:channel name="Y" type="integer" min="-2.14748E9" max="2.14748E9" units="cm"/>
+          <inkml:channel name="F" type="integer" max="32767" units="dev"/>
+        </inkml:traceFormat>
+        <inkml:channelProperties>
+          <inkml:channelProperty channel="X" name="resolution" value="1000" units="1/cm"/>
+          <inkml:channelProperty channel="Y" name="resolution" value="1000" units="1/cm"/>
+          <inkml:channelProperty channel="F" name="resolution" value="0" units="1/dev"/>
+        </inkml:channelProperties>
+      </inkml:inkSource>
+      <inkml:timestamp xml:id="ts0" timeString="2021-07-29T03:49:40.062"/>
+    </inkml:context>
+    <inkml:brush xml:id="br0">
+      <inkml:brushProperty name="width" value="0.09071" units="cm"/>
+      <inkml:brushProperty name="height" value="0.09071" units="cm"/>
+      <inkml:brushProperty name="color" value="#FF0000"/>
+    </inkml:brush>
+  </inkml:definitions>
+  <inkml:trace contextRef="#ctx0" brushRef="#br0">16560 5783 8972,'19'-17'1439,"-15"-7"-1079,34 21-270,-33-15 449,31 8-359,-13-5 0,10 2-90,-2 2 0,-4 1-90,11-7 90,-6 5 0,24-8-180,-21 8-614,13-3 704,-14 5 0,6-1 0,-4 2-629,24-4-271,-17 6-693,-8 1 1,0 2 1592,3 1 0,4 0 0,-17 3 0</inkml:trace>
+  <inkml:trace contextRef="#ctx0" brushRef="#br0" timeOffset="716">18182 5261 10141,'-23'-6'1619,"-11"0"-1259,12 3-90,-12 0 90,-26 24-270,25-15-292,7 15 0,1 4 202,-3-5 0,3 23-90,-5 6 90,14-11-270,2 25-719,13-28-1799,27 18 1168,16-27 1304,13 4 0,10-15 0,-13-3 0</inkml:trace>
+  <inkml:trace contextRef="#ctx0" brushRef="#br0" timeOffset="1268">18418 5605 7353,'44'-35'0,"1"-7"0,-22 5-1564,18-3 1564,-36 9 0,30-2 404,-31-1-134,21-3-90,-23 0 90,8 1 90,-10-2 89,0-9-269,0 10 567,-17-12-567,12 24-270,-29-2 180,16 18 712,-3 19-712,-3-6 180,21 54-180,-7-28-45,9 13 0,2 2-45,-1 5 45,-2-6 0,4-1-340,15 7 295,-13 13 0,32-9 0,-32-14-221,28 16 311,-14-30-90,13 8 0,-5-20-270,12-3 270,-16-8 0,16-18-90,-20-5 180,7 1-180,-8-17 616,-2 31-436,4-33 320,-8 20-230,3-10-180,-9 13 0,0 8 0,-2 7 0,6 17 0,-3-13 90,15 29-90,-8-11-90,9 7-1259,4 7 179,-3-23 1170,17 14 0,-14-20 0,8 10 0</inkml:trace>
+  <inkml:trace contextRef="#ctx0" brushRef="#br0" timeOffset="1435">19148 5288 8162,'-17'12'-585,"3"3"1,34 2-1,6-4 1</inkml:trace>
+  <inkml:trace contextRef="#ctx0" brushRef="#br0" timeOffset="1625">19505 5333 8972,'-44'0'809,"-1"0"-719,22 18-180,-13-14 180,32 28-90,-23-29 0,25 28 0,-9-17 0,11 24 0,0-15-899,25 13-1,-19-17-253,24-7 1,4-3 1152,-8-3 0,35-1 0,-24-5 0</inkml:trace>
+  <inkml:trace contextRef="#ctx0" brushRef="#br0" timeOffset="1883">19717 4836 7892,'-15'16'630,"3"8"-270,12 8-180,0 5 180,0 11-270,22-9-45,-12-3 0,1 1-823,15 7 778,3 13 0,-12-2 0,1-15 0,-5-7 0,-2-2 0,-1 2 163,2 16-523,-1-28-2840,-10 9 3200,3-21 0,-4 0 0,0-8 0</inkml:trace>
+  <inkml:trace contextRef="#ctx0" brushRef="#br0" timeOffset="2087">20117 5214 9871,'-28'14'270,"-10"-10"-270,16 27 0,-12-15 0,4 18 0,14-9 0,7-2 0,9-5 0,18-2-90,-14 0-629,42-2-271,-20 0 990,11-5 0,3-3 0,15 7 0,-17-6 0,0 0 0</inkml:trace>
+  <inkml:trace contextRef="#ctx0" brushRef="#br0" timeOffset="4951">365 10574 7982,'16'11'990,"-4"7"-990,-12 5 90,0 5-90,0-6-90,0 3 180,0 0-90,11 14 90,-9-10-180,9 11 90,-11-4 0,0-8 0,6 15 90,-4-19-360,8 3-1169,-6-4 449,2-9 990,-2 4 0,-2-10 0,-1 0 0</inkml:trace>
+  <inkml:trace contextRef="#ctx0" brushRef="#br0" timeOffset="6487">342 10574 7353,'36'0'629,"-1"0"-629,-4 0 90,-5 0-90,-2 0 90,7 0-90,-7 0 90,9 0-90,3 0 90,-7 0-90,21 0-90,-18-9 180,9 7-180,2-7 90,-7 9 0,23-4 0,-21 3 90,10-3-90,0 4 0,-9-3 0,26 2 0,-24-1 0,11 2 0,3-4 0,-11 1 0,-6-1 0,0-1 0,9-1 0,-6 0 0,-1-1-406,10 0 361,-18 1 0,3 0 90,12-3 0,0 0-45,16-3-442,-14 2 1,0 0 441,5 0 0,-14 2 0,1 0 0,21-2 0,-21 2 0,1 1 0,1 0 0,-1 0 0,-9 2 0,1 0 0,24-3 0,-1 0 0,8-1 0,-9 1 0,-2 0 90,6-1-90,3 0 0,0 0 0,2 0 0,0 0 0,-1 1 0,-1 1 0,-6 0 0,0 1-45,-23 3 0,-1 1 90,25-3 0,0 0-45,-24 3 0,0 0-30,10 1 0,6-1 0,-5 1 75,-9 0 0,0 1-45,8 0 0,5 0 0,-5 0-90,19 0 135,-7 0 0,1 0-45,9 0 45,-22 0 0,0 0-135,17 0 90,2 0 0,-1 0 45,-18 0 0,1 0-90,-11 0 0,1 0 45,23 0 0,0 0 45,-24 0 0,0 0-45,23 1 0,0-2 0,7-11-45,-22 11 0,0 0 135,15-11-90,-2 12 0,2-9 0,-19 8 0,1 0 0,21-17 0,-9 14 0,-1 1-90,8-8 90,-19 7 0,-1 1 90,12-2-90,0 1-42,1 0 42,-16 1 0,1 1 0,20-1 0,-9 0 0,-1 0 0,8 1 0,-10 0 0,1-1-502,6 1 592,16-1-90,-21 0 0,1 0 0,1 2 0,-14-1 0,1 0 0,20 1 0,-9 1 0,-1-1 0,10 1 0,0 0 0,0 0 0,2 0 0,-3 6 0,-1 1 0,-2-4 0,-10 2 0,0 2 0,9 1 0,-10-4 0,-1-1 0,8 7 0,-1 1 0,0 0 0,2-2 0,-3 5 0,-1 0 0,-3-1 0,-6-3 0,0 0 0,6 3 0,-6-3 0,-1 0 0,6 3 0,12 2 0,-17-3 0,1-1 0,0 0 0,15 5 0,-12-4 45,-5-2 0,0 0-135,8 1 180,13 2-180,-15-5 180,2 1 247,2-2-337,-11-1 0,1-1 0,20 2 45,-6-1 0,-1 0 509,12 0-554,-8-1 0,0 0-554,9-1 554,-21 0 0,2 0 0,-1-1 0,-2 0-90,23 2 135,-11 0 0,0 0-45,7-1 0,-8 0 0,-1 0 0,7-1 0,1 2 0,0 0 0,-1 0 0,-4-1 0,-2 1 0,-7-2 0,23 4 0,-33-2 343,17 1-253,-24-2-90,13 3 0,-16-3 0,5 0 232,-1 2-232,-6-2 741,12 4-831,-13-4 180,9 3-90,-13-2 0,3 0-90,-4 0 180,-2-2-90,3 1 0,9 0 0,-4 1 0,22 0-90,-14-3 180,25-1-90,-22-1-90,12 0 90,-5 0 0,-12 0 0,12 0 0,-22 0 0,3 0 0,-10 0 0,-4 0-899,-1 0 899,-2 11 0,-1-8 0,-1 8 0</inkml:trace>
+  <inkml:trace contextRef="#ctx0" brushRef="#br0" timeOffset="6801">10242 10630 8252,'0'43'630,"0"-6"-630,0 6 0,0-7 0,0 3 0,14 1 0,-11 21 90,11-15-450,-9-7 0,-2 1-899,-1 7 916,5 11 0,-7-18 1,0-4-1</inkml:trace>
+  <inkml:trace contextRef="#ctx0" brushRef="#br0" timeOffset="8789">507 11290 7263,'15'11'90,"0"-1"360,12-10-450,-2 0 0,-6 0 0,3 0 0,-3 0 0,0 10 0,19-7 0,-8 7 89,31-10-89,-21 0 0,-2 3 0,2 1-1166,9-3 1166,-15 2 0,1 0 0,2-2 0,0-2-258,24 1 258,-10 0 0,1 0 90,13 0-90,-23-5 0,1-1 0,1 5 0,0-1-45,-9-10 0,1 1 90,24 9 0,1 1-344,-23-9 0,0-1 299,5 6 0,4 3 0,-3-1-914,-2-2 1,-1-1 958,13 0 0,2 0-45,4 2 0,-1 0 113,-15-1 0,3-1-113,3 2 0,6-1 0,-5 0 0,-5 1 0,0 0 0,3-1 0,4 0 0,-4 1 0,-5 0 0,-1 0-579,13-2 0,-1 0 624,-17 2 0,-1 0-45,0 1 0,0-1 101,-1 1 0,1 0-101,13 0 0,0-1 0,-12 2 0,0 0 0,22 0 0,-1-1 0,8 2 0,-13 1 0,0-1 1084,6 1-1084,-21 0 0,0 0-45,0 0 0,-3 0 135,21 0-90,-9 5 0,0 1 0,7-3 0,-6 3 0,0-1 0,7-5 45,4 4 0,1 0-135,1-2 90,-2 3 0,-1-2 90,-1-3-135,-9 0 0,0 0 135,11 0-90,-10 0 0,1 0 0,10 0 0,-23 1 0,2-2 0,1-4 0,-1-1 0,21 3 0,-8-3 0,1 0 0,9 0 0,-10 5 0,1 0 0,11-11 0,-24 11 0,0 1-90,16-9 180,-1 7-90,0-3 0,-15 3 0,0 0 0,21 1 0,-8 0 0,0 1 0,9 0 0,-8 0 0,0 0 0,9 0 0,-22 0 0,1 0 0,15 0 0,1 0 0,0 11 0,-16-10 0,0 1 0,22 9 45,-9-5 0,0-2-135,7-1 135,-7 6 0,-1 0-45,9-2 0,-23-1 0,1 0-45,0-2 0,-2 0 45,22 2 45,-9-2 0,-1-1-45,9 1-45,-11-1 0,1-1 135,8 0-90,2 1 0,1 0-90,3 1 135,-4-1 0,0 0-45,-3 0-45,-8 0 0,0-1 135,11-1-90,-10 0 0,2 0 0,10-1 0,-23 0 0,2 0 0,3 0 0,-1 0 0,-11 0 0,2 0 0,26 0 0,0 0 0,-26 0 0,1 0 0,26 0 0,1 0 0,-28 0 0,0 0 0,25 0 0,-1 0 0,-24 0 0,-2 0 0,9 0 0,2 0 0,-3 0 0,-1 0 0,20 0 0,-12 0 0,-1 0 0,5 0 0,-11 0 0,-1 0 0,5 0 0,12 0 0,-20 0 0,0 0 615,-1 0-615,17 0 0,-14 0 0,-6 4 0,1 1 0,4-3 0,-5 7 0,-1 0 0,5-7 0,9 6 0,-4-4 0,-10-1 0,20 3 0,-21-2 0,20 0 0,-19 0 0,24-1-270,-22-2 1335,11 0-1065,-4 1 0,-11-2 0,8 1 0</inkml:trace>
+  <inkml:trace contextRef="#ctx0" brushRef="#br0" timeOffset="9675">3247 10553 9062,'16'-9'360,"-2"0"-91,0 0-179,-3 2 0,0 0-90,0-1 0,-4 3 0,1 1 0,-4 3 0,1 1 0,-1 19 90,3-14-90,-1 36 0,0-23 0,2 23 0,-3-7 0,2 6-539,-4 0-2160,0 20 2699,-2-13 0,-1 11 0,0-20 0</inkml:trace>
+  <inkml:trace contextRef="#ctx0" brushRef="#br0" timeOffset="10601">843 10858 8522,'0'38'0,"16"-17"0,-12 18 0,11-22 0,-3 18 0,-9-10 0,17-1 0,-10 7 0,1-9 0,1 5 0,-7-7 90,0-7 0,-1 4-180,-4-10-1709,0-1 1439,0-18 1,0-3 179,0-17 180,0 0 0,21 12 0,1-16 90,24 24-90,-3-13 0,-9 17 629,6 4-269,-20 4 719,10 17-899,-19-13-90,1 25-90,-32-14-90,-3 8-1079,-22-2 1169,4-9 0,-1-4 0,2-5 0</inkml:trace>
+  <inkml:trace contextRef="#ctx0" brushRef="#br0" timeOffset="10884">1345 10999 7083,'0'23'180,"0"1"-180,0-8 0,0-2 0,0-3 0,0-2 0,16 7 0,-13-5 180,13 6 269,-16-9-179,0 1-1169,0-21 899,0-5 0,0-20 0,0-2 0</inkml:trace>
+  <inkml:trace contextRef="#ctx0" brushRef="#br0" timeOffset="11218">1678 10932 7982,'-17'14'90,"0"10"-90,-4-11 0,8 14-90,13-14 90,0 10 90,0-11-90,0 6 0,0-8 0,20 1 0,-15-1 90,27-1-90,-17-2 180,0-2 90,8-3-270,-12-2 0,2-15-90,-5-3-450,-8-12-449,-17 2 179,12 8 810,-22 8 0,24 0 0,-7 5 0</inkml:trace>
+  <inkml:trace contextRef="#ctx0" brushRef="#br0" timeOffset="11450">1780 10954 7173,'20'14'90,"14"-10"-90,-30 21 0,26-22 0,-27 20 0,23-20 90,-23 21-90,23-20-630,-11 20 630,6-10 0,-1 1 0,-7-4 0</inkml:trace>
+  <inkml:trace contextRef="#ctx0" brushRef="#br0" timeOffset="11689">2272 10887 8612,'-18'30'0,"-1"-1"90,-17-3-90,18-7 0,-15-1-90,20-7 180,-14-1-180,10-1-899,-1 0 449,4-4-90,0 1-28,3-5 658,4-1 0,1 0 0,2 0 0</inkml:trace>
+  <inkml:trace contextRef="#ctx0" brushRef="#br0" timeOffset="11852">2078 10928 7443,'26'0'90,"-4"0"-90,-3 0 90,-4 14-180,0-11 180,14 27-90,-10-17-630,20 13-359,-19-13 989,7 1 0,-8-13 0,0 5 0</inkml:trace>
+  <inkml:trace contextRef="#ctx0" brushRef="#br0" timeOffset="12021">2540 10883 7533,'0'31'90,"-16"-13"-180,12 11 180,-13-9-180,3 8-450,11-3-180,-11-8 720,14-2 0,0-2 0,0-1 0</inkml:trace>
+  <inkml:trace contextRef="#ctx0" brushRef="#br0" timeOffset="12317">2628 10821 7533,'0'30'90,"0"0"-90,0 0-90,16-5 90,-12-2 0,25-3 0,-12-5 180,13 8-270,-14-11 180,4 4 89,-18-8 1,6 1-270,-8-6-359,0 1-1080,-16-2 1529,-2-1 0,-2-1 0,6 0 0</inkml:trace>
+  <inkml:trace contextRef="#ctx0" brushRef="#br0" timeOffset="12537">2875 11006 7443,'4'-19'90,"-1"4"180,-1 4 179,0 0-179,-1-11-270,-1 6-90,-16 6 180,12 21-1349,-11 7 1259,32 18 0,-13-18 0,13-3 0</inkml:trace>
+  <inkml:trace contextRef="#ctx0" brushRef="#br0" timeOffset="13485">11522 10624 9781,'0'-4'360,"0"20"-450,0 12 180,0 12-90,0 7-713,0-5 713,14 4 0,-13-10 0,1 1 0,26 19 0,-21-9 0,-2 1 0,10 5 0,-6-9 0,-2-1 0,-1 6-1079,-2-4 0,0 0 89,0-3 1048,-4 18 0,0-39 0,0-2 0</inkml:trace>
+  <inkml:trace contextRef="#ctx0" brushRef="#br0" timeOffset="14201">11685 10634 7263,'15'-4'270,"3"-1"-180,4 0-90,22-5 90,-5 2-1465,17-5 1375,-8 3 0,3-1 0,6-1 0,-13 3 0,2 0 0,-10 2 0,2 0 0,4-1 0,5-1 0,-4 1 0,-2 1 0,0 0 0,15-2 0,7-1 0,-7 2 0,-10 1 0,-1 1 30,0-1 0,4 1 0,-7 0-120,22 0 90,-6 1 0,9 1 90,-24 2 256,11 1-257,-34 1 1,1 0-90,-17 14 0,0-1 0,-4 15 1479,0-1-1479,0-3 0,0 4 90,0 8-90,0-3 0,16 30 0,-12-21 0,10-5 0,3 1 0,4 8 0,-3-5 0,0-1-1064,13 6 1064,-4 15 0,-2-3-41,-8-13-4,-6-8 0,0-1 135,-2 4 180,-2 24-180,-5-31-90,-2 10 0,-22-16 0,17-3 90,-41-1 179,10 5-269,-11-8 0,10-6 0,0-1-89,-12 0 223,4-4 1,-2-2-706,-13 2 571,21-5 0,-3-1 0,-4 1 0,1-1-45,11-1 0,-1 0 45,-27 3 0,-1 0 45,27-2 0,-1 0-45,-25 3 0,0 0 0,27-3 0,-1 0 0,-10 2 0,-4 2 0,4-2 0,11-1 0,0 0 0,-29 3 0,2 0 0,8-4 45,12-2 0,2 0-135,-3-1 925,-20-13-1285,32 9-2698,-15-20 3148,30 21 0,-3-18 0,16 7 0</inkml:trace>
+  <inkml:trace contextRef="#ctx0" brushRef="#br0" timeOffset="15589">15338 10796 8792,'0'27'90,"0"6"-90,0-8 0,0 7 0,13-6 0,-10 2 0,10 1 0,-5 14 90,-6-10-360,12 20-450,-9-26-179,2 7-366,0-16 1265,-7-3 0,4-4 0,-3-3 0</inkml:trace>
+  <inkml:trace contextRef="#ctx0" brushRef="#br0" timeOffset="16300">15442 10816 8882,'31'0'90,"6"0"-90,-8 0 0,7 0-90,-8 0 90,3 0 0,2 0 0,1 10 0,-1-8 0,1 8 0,-1-10 0,12 8 0,-12 2-90,16 7 90,-25-3 0,10 4 0,-20-5 0,1 3 0,-8-5 0,-3 0 0,0 0 0,-1 5-90,1-3 90,1 7 0,-1-7-90,7 7 90,-4-9-90,20 11 180,-12-10-90,19 12-90,-18-12 90,12 10 90,-14-11-90,6 11 0,-12-9 0,0 5 0,-4-1 0,-4-3 0,-17 8 0,12-10 0,-30 7 90,6-11-90,-11 2-90,-4-5 90,8-1 0,-2 0 0,-1-2 0,-2 0 0,-1-1 0,-19-1 0,17 0-945,0 0 1,1 0 944,3 0 0,-18-13 0,34-2 0</inkml:trace>
+  <inkml:trace contextRef="#ctx0" brushRef="#br0" timeOffset="16817">15492 11111 8972,'16'16'270,"-12"7"-180,27-20-90,-27 15-90,22-16 0,-12 14-450,0-5-809,14 7 269,-20-4 1080,16-3 0,-14-5 0,1 0 0</inkml:trace>
+  <inkml:trace contextRef="#ctx0" brushRef="#br0" timeOffset="17000">15665 11101 7803,'-13'17'89,"-7"-13"-89,7 29-89,-6-13 178,-4 20-89,11-9-1439,-6 18 1439,13-25 0,-2 9 0,7-18 0</inkml:trace>
+  <inkml:trace contextRef="#ctx0" brushRef="#br0" timeOffset="17293">15790 11178 8162,'-16'12'0,"4"4"90,12 8 0,0-1-90,0-6 0,16-8 0,-12-19 0,21-6-180,-23-13-90,7 6 1,-9 3-361,-14 10 630,10-1 0,-11 10 0,15-3 0</inkml:trace>
+  <inkml:trace contextRef="#ctx0" brushRef="#br0" timeOffset="17589">15947 11230 8162,'0'17'-539,"12"0"449,2-6 180,9-4-90,-10-3 0,1-3 0,-13 3 90,6-2-90,-6 2 0,2-1 0,-1 1 0,-1-1-540,1 1-539,-1-3 1079,0 2 0,0-2 0,1 1 0</inkml:trace>
+  <inkml:trace contextRef="#ctx0" brushRef="#br0" timeOffset="17753">16190 10841 7803,'-20'16'-450,"3"-12"0,17 12 0</inkml:trace>
+  <inkml:trace contextRef="#ctx0" brushRef="#br0" timeOffset="47589">152 5974 7353,'0'-19'1349,"0"19"-1259,0 9-180,0 21 180,0-5-90,0 0 0,14-4 0,-11-1 0,11 2 0,-14-1-360,10 8-269,-8-7-1,8 7 630,-3-5 0,-5-7 0,6 3 0</inkml:trace>
+  <inkml:trace contextRef="#ctx0" brushRef="#br0" timeOffset="47804">97 6231 7263,'46'-32'-720,"1"1"1,-6 16 584,-3-7 0,-13 19 0,-1-7 0</inkml:trace>
+  <inkml:trace contextRef="#ctx0" brushRef="#br0" timeOffset="48201">307 6159 6993,'32'0'0,"-13"14"0,6-10 0,-22 25 0,15-25 90,-16 22-90,12-11-90,-7 0 900,5 12-451,-5-21 91,1 9-450,-6-12 90,1-18-90,-2-6 180,-1-9 0,0-13-270,0 12 90,0-10 0,0-2 90,0 12-270,19-19-90,1 23-1349,19-14 809,-4 23 810,-8-3 0,-3 17 0,-8 2 0</inkml:trace>
+  <inkml:trace contextRef="#ctx0" brushRef="#br0" timeOffset="49336">158 5871 7803,'-6'-3'359,"2"0"-269,3 2-90,17 0 0,3 16 0,11 3 0,-2 20 90,-15-9-180,7 3 180,-13-8-180,7 0 180,-5 1-90,1 8 0,-4-9 0,2 19 90,-6-24-90,1 9 0,-3-22 90,0-1-180,0-20 90,0 0-90,0-18 90,0 10 0,21-9 0,4 13 0,1-5-90,13 5 90,-14 7 0,17-3 0,-10 10 0,4 0 0,-21 4 90,6 15 90,-16-10-180,-1 24 0,-4-12 90,-21 14-90,-2-3 0,-19 0 0,21-7 0,-11 2 0,14-12-1349,-11 3 1349,6-9 0,7-1 0,3-3 0</inkml:trace>
+  <inkml:trace contextRef="#ctx0" brushRef="#br0" timeOffset="49685">837 6054 7623,'-33'0'-90,"14"17"90,-1-3 90,18 18-180,-6-5 90,8-6 90,0-1-90,19-2 0,-15-4 0,34 5 0,-33-10 90,26 1 0,-19-6-90,10-1 0,-10-15 0,-5-8-270,-24-10-540,-1 2-89,-18 14 899,18-2 0,-12 14 0,12-4 0</inkml:trace>
+  <inkml:trace contextRef="#ctx0" brushRef="#br0" timeOffset="50318">1195 6075 7083,'-29'0'90,"12"17"-90,-7-13-90,14 24 90,-11-25 90,8 21-180,-1-6 90,5-1 0,1 24 0,5-29 90,3 25-180,19-27-90,-14 1-90,30-7 180,-19-2 0,3-18 0,5 12 90,-21-31 0,19 31 90,-20-38-90,14 24 90,-11-37 0,2 21 270,-4-24-270,-3 26 90,0-9 180,0 9-450,0 11 0,0-8 90,0 20 0,0-2 0,0 25 0,0 5 0,0 23 90,0-8-180,13 18 90,-10-21 90,20 12-90,-20-16-450,20 0-270,-20-5 720,20-2 0,-14-5 0,10-1 0</inkml:trace>
+  <inkml:trace contextRef="#ctx0" brushRef="#br0" timeOffset="50684">1565 6092 6633,'36'0'450,"-3"-20"180,-6 2-271,-8-16-269,-10 8-180,-5 5 90,-20 8 0,12 20 0,-12 16 0,16 9 0,0 2 0,0-6 0,20 12 0,-15-9 0,29 15 90,-30-23-180,22 11 90,-23-20-809,8 5-1,-11-12 810,-24-3 0,18-1 0,-17-2 0</inkml:trace>
+  <inkml:trace contextRef="#ctx0" brushRef="#br0" timeOffset="98652">20112 7384 7263,'0'-5'180,"0"1"-90,0 1 90,0 0-180,0 0 179,0 0-89,0 1-90,0-1 90,0 1 90,0-1 0,0 1-90,0-2 180,0 3-90,0-3-180,0 2 540,0-1-450,0 2-1,0-2 91,0 0-180,0 0 90,0 0-90,0 0 360,0-1-270,0 1 0,0 0 360,0 1-360,0 0 180,0 0-181,0 1 91,0-1-90,0 0 0,0 0 90,0-2-90,0 0-90,0 0 0,0 1 0,0 0-90,0-1 180,0-2-90,0 1 90,-17-3-180,2 4 90,-20-2-90,12 4 90,-23 1 0,19 1 0,-28 20-90,27 1-449,-19 21 269,24-11-346,-3-2 346,14-7-90,7-2 180,2 0-90,3 9 180,25-7 180,6 12-180,16-13 90,10 7 0,-21-11 0,9 2 90,-6-1-90,-14-3 0,6 6 0,-14-9 436,-5 4-436,-3-8 0,-6 3 0,-3-4 0,-20 1 0,15 0 0,-33 0 0,33 1-90,-32 3-809,13-4-990,-18 2 1889,12-7 0,4 0 0,9-3 0</inkml:trace>
+  <inkml:trace contextRef="#ctx0" brushRef="#br0" timeOffset="98939">19853 7073 8162,'0'-7'450,"0"2"-360,0 22 0,15 10 0,-11 15-90,11 23 0,-5-18 0,-7 19 0,5-29 0,1-2 0,-8 23 0,5-9 0,0 0-345,0 11 300,0-9 0,0 0-1270,2 11 820,-3-22 0,-1 0 495,2 15 0,0-2 0,0-1 0</inkml:trace>
+  <inkml:trace contextRef="#ctx0" brushRef="#br0" timeOffset="100677">2278 5998 6993,'0'0'0</inkml:trace>
+  <inkml:trace contextRef="#ctx0" brushRef="#br0" timeOffset="101852">2215 6029 7173,'3'0'1079,"-3"0"-1079,23 0 0,-3 0-270,-6 0-269,19-10 179,-10 8-540,23-15 900,-20 15 0,10-6 0,-12 8 0</inkml:trace>
+  <inkml:trace contextRef="#ctx0" brushRef="#br0" timeOffset="102102">2340 6310 7263,'16'-15'-720,"0"3"1,3 4 719,6 6 0,-22-6 0,10 8 0</inkml:trace>
+  <inkml:trace contextRef="#ctx0" brushRef="#br0" timeOffset="102619">2960 5793 8072,'4'-3'0,"0"1"0,-1 1 0,2 1 0,-3 14 0,2 3 0,0 0 0,4 13-90,0-8 180,2 6-90,-2 0 0,1-9-180,0-1-1169,3 7 1349,-4-9 0,2 5 0,-3-9 0</inkml:trace>
+  <inkml:trace contextRef="#ctx0" brushRef="#br0" timeOffset="102803">2905 5693 7533,'-3'-3'-293,"19"1"1,-13 15 0,16 3-1</inkml:trace>
+  <inkml:trace contextRef="#ctx0" brushRef="#br0" timeOffset="103206">3295 5763 7713,'-29'18'90,"10"4"-90,10 10 0,9-2 0,0-8 0,0-2 89,22 1-89,-17-3 90,31 0 0,-17 0-90,-1-5 0,14-2-269,-12-8-1,15-17 180,-8 10 0,-4-34 90,-9 17 0,-3-22 0,-2 5 180,-4-22 0,-2 12 89,-1 7 1,-4 1 90,-18-8-90,19 12 0,-2 1-90,-32-1-180,31-14 0,-12 33 0,16 18 0,21 39 0,4 6 0,0 14-360,2-31 0,-1-1-449,-5 17 809,10-7 0,3-1 0,2 7 0,-12-16 0,0 0 0</inkml:trace>
+  <inkml:trace contextRef="#ctx0" brushRef="#br0" timeOffset="103603">4057 5702 9422,'43'0'-2699,"5"0"2699,-9 0 0,2 0 0,-11 0 0</inkml:trace>
+  <inkml:trace contextRef="#ctx0" brushRef="#br0" timeOffset="103757">4220 5802 8702,'13'0'-2788,"-18"-16"2788,62 12 0,-31-12 0,26 16 0</inkml:trace>
+  <inkml:trace contextRef="#ctx0" brushRef="#br0" timeOffset="107907">4528 4740 8252,'0'26'0,"0"3"-449,18-9-451,-13 3 900,12-6 0,-3 1 0,4 0 0</inkml:trace>
+  <inkml:trace contextRef="#ctx0" brushRef="#br0" timeOffset="108088">4740 4734 6633,'0'41'90,"0"-8"-90,0 3 0,0 7 0,0-5 0,0 12 0</inkml:trace>
+  <inkml:trace contextRef="#ctx0" brushRef="#br0" timeOffset="108802">5340 5084 7982,'-16'-5'0,"-2"2"-90,-2 22 180,-5 4-90,22 22 0,-8-2 0,11-8 0,0 3 0,15-18 0,3 1-90,1-7-89,22-8 179,-25-1 0,13-20 0,-14-4 179,-14-15-179,5 2 0,-6 2-89,-17 13 89,12 0 0,-12 35 0,34 20 0,5 8-1167,-1 13 1167,15-22 90,-31 0-90,33-1 0,-19 11 90,3-16-90,1 13 0,-20-26-1709,6 5 1709,-32-17 0,18 1 0,-18-7 0</inkml:trace>
+  <inkml:trace contextRef="#ctx0" brushRef="#br0" timeOffset="110403">5708 4972 8702,'-13'11'0,"3"5"0,10 13 90,0-1-180,0-6 180,14-5-90,-10-6 0,10-4 0,-14-3-270,10 0 180,0-3 90,2-15 0,-1 10 0,-11-27 0,3 16-90,-3-13 90,0 9 0,0 27 90,0 5-180,17 9 180,-12 8-450,26-12-89,-15 13 359,16-5-90,-3-9 180,-6-8 0,-3-5 0,-8-4-90,-4 0 180,0-16 0,-2-3 0,-2-20 90,-1 7-90,-3-4 89,0-9 1,0 8-180,-17-15 90,12-4 0,-26 11 0,22 8 0,3-2-90,-12-5 90,2 9 0,2 0 0,2-4 0,-14-7-180,13 19 0,2 5 90,1 4 0,0 5 0,4 5 0,0 3 90,5 23-180,0 10 90,1 10 0,18 24 0,-14-19 0,15-5 0,0 0 0,-14 10 45,11-11 0,4 0-45,2 4 0,1-4 0,2-1 0,10-4 0,-11-5 0,-1-2 0,0-7 0,13 3 0,-14-13-90,11-2 90,-16-6 0,4 0-90,-3-18-90,-6-4 180,5-23-90,-9 9 90,-1-16 0,-5 20 0,-1-11 90,-1 12-90,0 3 0,0-1 90,-18-8 0,14 12 0,-30-10-180,31 20 90,-22 1 0,23 7 90,-7 25-180,9 2 90,19 23 0,-14-12 0,28 0 0,-29-9 0,25 1 0,-8 6-180,7-7-809,13 8 449,-16-15 540,24 4 0,-20-12 0,11 0 0</inkml:trace>
+  <inkml:trace contextRef="#ctx0" brushRef="#br0" timeOffset="111021">6472 4866 7443,'14'-30'0,"-10"1"0,11 4 0,-15 4 0,0-2 90,0 6 90,0-13-180,0 16 0,-19-6 0,15 16 0,-26-1 0,27 23 0,-8 4 0,11 21 90,16-1-90,2-5-180,19 4-450,-18-18 630,29 9 0,-31-17 0,25 2 0</inkml:trace>
+  <inkml:trace contextRef="#ctx0" brushRef="#br0" timeOffset="111319">6688 4666 6993,'14'18'0,"-10"8"0,23-23 0,-23 21 90,22-20-90,-23 24 0,23-25 0,-23 25 0,21-24 270,-17 18 180,8-20-91,-7 14-269,-1-15-180,-4-12 180,-20-14-90,12-10-180,-15-14 0,5 16-629,11-26 269,-11 26 540,15-10 0,0 18 0,0 1 0</inkml:trace>
+  <inkml:trace contextRef="#ctx0" brushRef="#br0" timeOffset="111803">7012 4478 6903,'-13'17'180,"2"-1"-180,32 18 90,1-7-180,18-1 180,-4-4-90,-3-10 0,-6-5 0,-7-7 180,-11-17 90,-5-4-180,-4-18 0,-16 8-1,12 0 91,-29 4-180,29 4-90,-28 5 90,28 4 0,-11 29 90,15 6-180,0 15 180,21 21-90,-15-17 0,12-13 0,4 1 0,5 30 0,8-14 0,-12-10 0,-1 0 90,3-1 180,6 15-90,-12-28-2519,-10 4 2339,-16-18 0,3-19 0,-12-11 0</inkml:trace>
+  <inkml:trace contextRef="#ctx0" brushRef="#br0" timeOffset="111970">7435 4541 7982,'11'-5'-179,"2"-1"-901,12-6 1080,-4 0 0,9-7 0,-7 3 0</inkml:trace>
+  <inkml:trace contextRef="#ctx0" brushRef="#br0" timeOffset="112453">7773 3831 7892,'-3'-4'720,"1"18"-720,1 2 0,18 3 0,-13 10 180,27-6-90,-27 7 0,20 12-90,-10-17-90,9 17 180,-2-16-90,-1 18-90,-7-19 90,11 29 0,-12-27-1619,9 23 539,-13-30 1080,2 4 0,-4-10 0,-2-1 0</inkml:trace>
+  <inkml:trace contextRef="#ctx0" brushRef="#br0" timeOffset="112636">7817 4207 8702,'-3'-9'0,"1"1"0,2-1-270,17-6-180,-13 4-809,30-12 1259,-8 10 0,7-5 0,3 7 0</inkml:trace>
+  <inkml:trace contextRef="#ctx0" brushRef="#br0" timeOffset="113108">8107 3772 9242,'0'-3'539,"-8"0"-179,5 18-360,-5 5 0,43 32 0,-26-15 45,15-7 0,4-2-135,-7-1 90,0 9 90,9-14-90,-27-3 0,19 3 90,-14-9-180,3 3-450,-4-10 271,-7-16 89,-19 8 0,15-28 0,-28 8 180,28-8 0,-9 0 0,13 0 0,0 8 0,19-9 0,4 17 0,26 2 0,-10 9 0,3 3 0,-12 15 0,1-11 0,10 24 90,-11-10 0,11 13-90,-22-13 0,-3 9 90,-11-13-90,-3 8-90,-28-10 90,19 0-540,-44-11-179,18 4 719,0-3 0,-1-4 0,-11-18 0,-3-5 0</inkml:trace>
+  <inkml:trace contextRef="#ctx0" brushRef="#br0" timeOffset="113437">8867 3856 7803,'-21'9'179,"16"6"-179,-35-6 90,35 6 270,-28 5-270,30-7 0,-10 10-90,13-10 0,18 5 90,8-8-90,-2-1 0,23-5 0,-27-2 0,23-2 0,1 0 0,-13-15 90,14-3-90,-24-17 0,-4 1 0,-10 3-270,-24-7-90,-9 17-539,-24-10 269,7 16 436,-3 0 1,14 9-1,-1 2 1</inkml:trace>
+  <inkml:trace contextRef="#ctx0" brushRef="#br0" timeOffset="113875">9205 3570 7713,'-27'-3'90,"-10"1"-90,18 1 359,-1 18-359,-4 2 0,22 19 180,-7-10-270,9 1 90,21-10 90,-15-1-90,35 3 0,-13-11-90,-2 6 180,17-15-90,-20 4 0,16-24 0,-10-5 0,-13-12 0,-8 0 90,-8-23 0,0 20 180,-21-23 0,16 29-180,-31 4-90,19-7 90,-1 14-180,-6-5 90,22 18 90,-9 16-90,11 17 0,23 9 0,-18 6 0,22-15 0,3 0 0,-9 14-360,12-6 0,1-2-180,1 4 540,3-5 0,1-4 0,0-7 0,22 6 0</inkml:trace>
+  <inkml:trace contextRef="#ctx0" brushRef="#br0" timeOffset="114288">9647 3465 7982,'-19'-4'450,"-8"3"-360,24 14-90,-10 3 0,37 16 0,2-17 0,3 9 0,16-21 0,-27 15 90,30-16-90,-22 6 0,12-8 180,-19 0 270,-3-18 89,-8-2-359,-8-15-180,-15 6 0,11 5 90,-22 12-90,23 28 90,9 16 0,15 14-1283,-1 2 1193,20-10 0,-21 2 90,20 1-90,-16-14 0,-2 0-90,12 13-84,-6-10 1,-1-1 353,2 0 0,9 12-90,-24-25-630,0 0-1529,-39-13 2125,-6-3-56,-1-7 0,-1-4 0,-18-9 0,24 0 0,0 1 0</inkml:trace>
+  <inkml:trace contextRef="#ctx0" brushRef="#br0" timeOffset="114523">9770 2700 8612,'40'-28'1079,"-8"8"-944,-1 8 0,2 3 45,9 3-135,-6 10 0,1 6 135,8 11-180,-8 9 0,-2 5-1944,3 20 1944,-14-18 0,-2 6-90,-5 10 0,-3 1-495,-5-12 1,-1 3 584,-2 6 0,-1 7 0,-1-5 0,-1-3 0,-3-1 0,0 17 0,0 0 0</inkml:trace>
+  <inkml:trace contextRef="#ctx0" brushRef="#br0" timeOffset="115908">9965 2659 8702,'6'17'180,"1"-13"-180,-2 24 90,6-8-90,-4 7 0,12 17 0,-8-13-90,14 26-90,-10-19 180,1 3 0,0 0 0,1 2 0,-5-11 0,1 1 0</inkml:trace>
+  <inkml:trace contextRef="#ctx0" brushRef="#br0" timeOffset="120270">20738 6991 8432,'-20'-5'540,"4"0"-360,4 4-90,-6 0-90,-12 1 270,4 19-180,2-14-90,6 31 0,-7-5 0,4 10 0,4-8 0,0 0 0,-2 12 0,4-5 0,1 0 89,2 10-89,5-9 0,2 1-331,2 7 241,2 13 90,26-4 0,-19-14-45,14-8 1,6-1-136,6 4-315,-4-8 0,4-2-224,20 0 719,-15-8 0,0-3 0,10-3 0,16 2 0</inkml:trace>
+  <inkml:trace contextRef="#ctx0" brushRef="#br0" timeOffset="121490">20980 6963 8342,'-7'-1'720,"2"0"-540,2 1-180,1 0 0,0 0 0,-1 0 0,2 0 0,-2 0 0,-1 0 0,0 15 0,1-11 0,2 21-90,-2-10-540,1 11-179,0-4 89,2-1 720,0-3 0,0-4 0,0 2 0</inkml:trace>
+  <inkml:trace contextRef="#ctx0" brushRef="#br0" timeOffset="121652">21053 7027 7083,'0'40'-135,"0"3"0,0-12 0,0 0 0</inkml:trace>
+  <inkml:trace contextRef="#ctx0" brushRef="#br0" timeOffset="122020">21242 7624 9152,'52'0'0,"-8"0"-90,3 0-1990,-8 0 1540,3-11-89,2 9-91,1-9-269,-2 11 989,1 0 0,-3 0 0,-1 0 0</inkml:trace>
+  <inkml:trace contextRef="#ctx0" brushRef="#br0" timeOffset="122287">21340 7730 8972,'41'0'90,"-18"-12"-90,15 9 0,-12-18-270,12 18-1349,23-14 629,-27 9 990,18 0 0,-26-3 0,0 5 0</inkml:trace>
+  <inkml:trace contextRef="#ctx0" brushRef="#br0" timeOffset="122620">21547 7480 7173,'-2'17'0,"-1"0"0,1 3 0,-3 0 0,3 0 90,-2 12-90,2-6-270,0 21-450,2-16 720,0 9 0,0-10 0,0 0 0</inkml:trace>
+  <inkml:trace contextRef="#ctx0" brushRef="#br0" timeOffset="123207">21348 7555 8162,'0'32'0,"0"5"0,0-8 90,14 3-90,-11-6-90,10 0 0,-4 15-899,-7-8-355,7 13 1344,-3-13 0,-4 2 0,4 0 0</inkml:trace>
+  <inkml:trace contextRef="#ctx0" brushRef="#br0" timeOffset="124940">22233 7504 8342,'-35'0'0,"2"0"0,1 19 0,9-14 0,3 33 0,7-34 0,3 35 90,4-4-180,3 0 180,3 11-270,20-31 90,-16 3 0,36-13 90,-23-1 0,18-20 0,-11-3 90,-4-17 0,-11-1 180,-3 0-360,-6 4 180,0 7-90,0 36 0,0 12 0,0 23 0,0 0 0,0-5 0,15 22 0,-11-12 0,9-9 0,0 1 0,-10 4 45,2-11 0,1-2-45,-6 1 0,0 8 0,0-23 0,-16-2 0,12-12 0,-11-4 0</inkml:trace>
+  <inkml:trace contextRef="#ctx0" brushRef="#br0" timeOffset="125337">22550 7558 7803,'-37'0'269,"-2"0"-179,20 16-90,-15-12 0,30 24 0,-28-12 0,19-1 90,-4 20-90,7-22 0,10 16 0,0-10-90,16-6-90,3 2 90,18-10 180,1-16-90,1-7 0,-7-17 180,-6-1 90,-13 0-270,-6 4 0,-7 8 0,-14 11 90,10 24-450,-10 11-359,14 20-361,0-11 1080,0-1 0,17-18 0,4-3 0</inkml:trace>
+  <inkml:trace contextRef="#ctx0" brushRef="#br0" timeOffset="125719">22715 7632 7713,'0'-37'359,"17"5"-179,-13-5 0,30-8-180,-29 9-1514,22-14 1514,-24 15 90,7-3-45,-5 4 0,-2-1 45,-1-9 90,2 2 0,0 0 0,-4 5-345,0-19 75,-17 29 482,13-7-302,-13 24-90,17 23 90,0 18-180,0 14 90,0-11 0,0-1 0,0 11-291,0 17 291,0-19-449,0-1 213,14-2-1653,-10 13 1889,23-14 0,-24 8 0,11-18 0</inkml:trace>
+  <inkml:trace contextRef="#ctx0" brushRef="#br0" timeOffset="126070">22910 7733 8072,'0'9'1080,"0"-3"-1080,17 0 0,-13-19 90,25 10-180,-26-26 90,33 7 0,-21-8 0,28-14 0,-24 13-180,9-23 270,-17 18-135,-4-2 0,-1-1 45,-4-5-1651,1 3 0,-4 0 1651,-19 2 270,16-9-442,-16 19 262,4 4-90,12-2 0,-23 11 90,25-1-90,-9 36 0,11 19 0,0 5 0,15 10 0,-11-22-719,24 0 3172,-25 0-4252,25 8 1799,-8-11 0,8 6 0,1-14 0</inkml:trace>
+  <inkml:trace contextRef="#ctx0" brushRef="#br0" timeOffset="126403">23287 7621 8702,'20'3'90,"-14"-14"-90,34 8 0,-12-30 0,8 29 0,1-32 0,-4 15 0,-10-9-90,3 1 90,-13-1 0,-6 6 90,-3-15-180,-4 18 180,-18-11-90,14 18 90,-35 0-90,21 9 0,-17 3 90,19 39 0,4-8-90,12 23-180,0-20-270,17-9-90,-12-3-89,29-1-271,-29-2 900,33-1 0,-32-4 0,14-2 0</inkml:trace>
+  <inkml:trace contextRef="#ctx0" brushRef="#br0" timeOffset="126703">23693 7371 7982,'0'10'450,"18"1"-450,-13 21 0,26-16 0,-27 14 0,18-27 0,-20 27 360,13-17-90,-8 3 90,1 1-360,-3-35-450,-21-9 90,13-13 0,-13-5-89,16 18-181,0 2-180,0 0 810,0 4 0,16 1 0,3 3 0</inkml:trace>
+  <inkml:trace contextRef="#ctx0" brushRef="#br0" timeOffset="126920">24023 7291 7533,'0'12'0,"0"-2"0,0 3 0,0-1 0,0 1-90,0 3 90,0 7-270,0-3-1136,35 14 1406,-26-18 0,43 6 0,-31-14 0</inkml:trace>
+  <inkml:trace contextRef="#ctx0" brushRef="#br0" timeOffset="127187">24233 7356 7803,'-16'-18'449,"12"-7"-539,-12 16 180,2-3 90,10 3-90,-10 26-90,14 3-90,0 13 90,16 16 90,-12-17-876,27 15 786,-28-12 0,27 0 0,-26 2-34,27 10 34,-16-14 180,11 12 0,-13-24-180,-6 4 0,-7-15 769,0-1-1759,-21-7 502,-2 0-592,-3-19 1080,-5 13 0,27-26 0,-11 12 0</inkml:trace>
+  <inkml:trace contextRef="#ctx0" brushRef="#br0" timeOffset="127387">24613 7462 8162,'19'-7'0,"13"-3"-90,-5 3-449,25-4 179,-18 6-360,12-1 720,-14 5 0,0 0 0,1 1 0</inkml:trace>
+  <inkml:trace contextRef="#ctx0" brushRef="#br0" timeOffset="127886">25322 6911 9781,'0'-11'720,"0"1"-630,0 2 540,0 4-630,-10 1 269,8 22-179,-8 12-90,10 13 0,0 6 0,0-5-387,15 4 387,-11 1 0,10 1 0,3-4-1305,-10-5 1,3-1 494,22 8-134,-16-5 0,-3-2 944,3-11 0,5 6 0,-11-16 0</inkml:trace>
+  <inkml:trace contextRef="#ctx0" brushRef="#br0" timeOffset="128027">25150 7353 9332,'0'-20'-270,"0"0"-450,27-7 270,-21 8-180,31 4 1,6 3 629,-8-1 0,5 5 0,3 2 0,8 0 0</inkml:trace>
+  <inkml:trace contextRef="#ctx0" brushRef="#br0" timeOffset="128476">25965 7188 7623,'-23'0'-270,"8"0"0,8 0 0</inkml:trace>
+  <inkml:trace contextRef="#ctx0" brushRef="#br0" timeOffset="128987">25678 6938 8792,'-4'14'899,"0"9"-809,4 10 0,15 3-180,-11-4 180,10 20-90,0-11 0,-13-5 0,1-1 0,21 4 0,-21 11-90,13-10 180,-8-12 0,1 8-90,-1-21-629,-5 0 359,-1-26 0,-1-5 270,0-22-90,0 6 90,0-2 0,0-2 0,19 10 0,-15-5 90,29 11-90,-13 9 90,15-1 0,-6 11 0,5-2 0,-16 23 0,12 0 0,-18 20-90,2-5 0,-12-1 90,-25-3-90,-3-10-90,-3-2-900,-26-10 361,36-2-271,-29-4 900,27-3 0,8 0 0,5 0 0</inkml:trace>
+  <inkml:trace contextRef="#ctx0" brushRef="#br0" timeOffset="129319">26168 7188 7982,'-18'11'270,"13"7"-270,-25-5 90,27 7 0,-9-2-90,12-2 90,0 0-90,0 7 0,0-5 0,24 9 0,-18-13 0,56 5 90,-42-13-90,39 1 0,-35-7 90,10-16-180,-18 12 90,-1-26-180,-10 11 90,-5-17 0,0 8-359,-24 2-991,-3 5 1440,-23 7 0,24 2 0,5 7 0</inkml:trace>
+  <inkml:trace contextRef="#ctx0" brushRef="#br0" timeOffset="129786">26485 7140 7173,'-37'0'270,"3"0"-180,16 15 0,-2-11 0,18 24-180,-5-10 90,7 13 0,22 1 90,0-6-90,22-6 0,-9-9 0,1-7 90,-7-24-90,-7-2-90,-10-22 269,-6 0-179,-6 6 0,-17-9 0,13 18 270,-31-24-270,30 29 0,-23-13 180,25 27-90,-8 19-180,28-6 90,-13 33 0,31-9 0,-31 9-450,25 14 181,-15-20-1081,10 21 1350,-11-23 0,4 6 0,-8-13 0</inkml:trace>
+  <inkml:trace contextRef="#ctx0" brushRef="#br0" timeOffset="130270">26768 7249 8252,'0'27'0,"14"-12"0,-10 7 0,23-19-90,-11 18 90,0-11-90,8 3 90,-14-1 0,13-10 0,-6 2 0,-2-4 0,-3-18 180,-8-1-90,-1-19 180,-3 4-90,-15 14-90,11-10-180,-12 17 270,16-7-180,0 25 0,0 9 180,0 27-90,0-10-90,12 7 90,-9 2 0,18-6-90,-19 8 0,7-13 0,0-1 0,-7-2 359,7 4-359,-5-10 0,-3 5 0,2-16-539,-3 0-1080,-20-8 629,-7 0 990,1-18 0,-8 13 0,20-12 0</inkml:trace>
+  <inkml:trace contextRef="#ctx0" brushRef="#br0" timeOffset="130636">27152 6627 8342,'4'0'270,"3"0"-180,-3 0-90,4 14 0,-5 4 0,1 0 0,-3 15 0,0-17 0,0 16-90,-1 1 90,0-9-899,0 12 899,0-18 0,0 4 0,0-10 0</inkml:trace>
+  <inkml:trace contextRef="#ctx0" brushRef="#br0" timeOffset="130803">27237 6585 9062,'16'0'0,"-7"19"0,5-14 0,-8 52 0,5-30-855,-6 11 1,-2 4 854,0 5 0,0 17 0,-3-19 0</inkml:trace>
+  <inkml:trace contextRef="#ctx0" brushRef="#br0" timeOffset="131403">27713 6187 7713,'13'-4'899,"7"1"-449,8 3-270,2 23 449,10 13-449,-10 15-1711,-3-11 1,1 1 1710,3 18-180,-4-4 0,0 1 45,-12-19 0,0-1-45,5 13 0,-1 0 0,-6-12 0,-2-1 45,0 0 0,-1 0-45,-1 1 0,-1 1-132,0 13 0,-2 1 132,-2-12 0,-1 1-45,3 23 0,-6 0 45,-10-26 0,-4-2-990,-2 26 1,-4-1 224,-5-24 1,-2-3 764,-3 13 0,0-2 0,4-13 0,-1-3 0,-1 1 0,-1 0 0</inkml:trace>
+  <inkml:trace contextRef="#ctx0" brushRef="#br0" timeOffset="132239">28542 7371 8972,'15'11'90,"-11"-16"-90,-2 2 0,-6-21 0,-10 21 0,14-8 0</inkml:trace>
+  <inkml:trace contextRef="#ctx0" brushRef="#br0" timeOffset="134273">29065 7118 9961,'1'-9'1170,"0"-2"-901,-1 3-179,0-1 90,0 0-90,0 1-90,0-1 0,0 2 0,0 1 0,-16 1 0,2 2 0,-18 2-90,11 1 180,-10 17-90,12-13-90,-9 26 90,17-12-180,-2-2-449,11 10-91,0-10 360,2 9-179,17-10-181,-13 1 360,33-11 180,-14 2 90,19-4 90,-4-17 0,-11 10 90,0-22 90,-18 11 540,5-14-180,-13 2-271,4 2-358,-5 7 268,0 27-358,0 7-1,0 26-1170,16 0 631,-12-9 719,23 5 0,-11-19 0,11 4 0</inkml:trace>
+  <inkml:trace contextRef="#ctx0" brushRef="#br0" timeOffset="134787">29283 7056 8072,'0'42'180,"0"-7"-90,0-1-90,0-6 90,14 3-180,-10 19 180,10-11-135,-8-4 0,-2-1 45,6 5 0,9 24 0,-10-32 0,2 7 90,-6-13-90,1-7 90,-3-1-180,-19-28 90,12-7 0,-26-13 0,27-14-90,-10 12 180,2-29-180,9 20 90,-4 4 0,1 0-924,5-8 924,0-13 0,15 4 0,-11 16 193,28-16-103,-28 28 270,26-4-180,-14 20-90,10 2-90,-6 8 180,-4 17-180,-4 7 0,-4 11 90,2 15-180,-7-15 180,2 24-180,-4-24 90,1 20-270,-2-24-270,0 5-163,0-6-624,-17-8 1327,12 3 0,-12-11 0,17-3 0</inkml:trace>
+  <inkml:trace contextRef="#ctx0" brushRef="#br0" timeOffset="135393">29787 7023 8252,'1'10'1350,"-1"5"-1350,0 14 0,0 1 0,0-3 0,0 1 0,0 17 0,0-11 0,16 26 0,-12-26 0,22 23 0,-24-26 0,9 6 89,-11-14-178,0-4 89,0-2 89,0-1-178,0-7 89,0 0 0,-17-7-90,12-20 90,-26-5 0,27-12-90,-11 1 90,6-13 0,7 10-45,-3 1 0,1-2 45,4-7 45,0 4 0,0 0-135,0-6 90,0-13 0,20 13 0,-15 15 180,28-5 89,-15 25-179,13 3 0,0 24-90,-1 9 180,-8 22-180,-4-7 0,-12 3 0,-2 1-90,-4-13 0,0 20-539,-17-27-1350,12 12 1979,-30-18 0,30-1 0,-13-8 0</inkml:trace>
+  <inkml:trace contextRef="#ctx0" brushRef="#br0" timeOffset="135753">30112 7114 7623,'8'0'449,"2"0"-179,4 0-270,-2 0 0,11 0 90,-10 0-180,13 0 180,-13 0-90,4-12 0,-6 9 0,-1-21 0,-1 21 0,-5-22 0,-1 15 0,-3-12 180,0-1-90,0 8 90,-20-10-90,15 14 360,-45-4-270,33 11-1,-15 17-89,23 8-180,9 20 90,0-7 90,0 1-539,18 1 179,-13-10-360,30 7 90,-31-14-89,30-1-181,-30-3 810,33-2 0,-24-5 0,17-1 0</inkml:trace>
+  <inkml:trace contextRef="#ctx0" brushRef="#br0" timeOffset="136141">30430 7020 8252,'0'9'630,"0"4"-540,0 22-180,13-7 90,-9 0 0,9-8 0,-3-1 0,-7-2 0,14-2 90,-11-3-90,2 0-360,-1-7 180,-6 0 0,1-19 90,-1-4 90,-1-18 0,0-5 0,0 7 180,15-10-90,-11 21 540,22-14-450,-23 22-90,16-1-90,-13 13 0,2 23 0,0-15 0,-3 46 0,2-33-810,3 39 360,-5-30-89,4 7-181,-2-14 720,3-4 0,1-2 0,1-2 0</inkml:trace>
+  <inkml:trace contextRef="#ctx0" brushRef="#br0" timeOffset="136619">30795 6915 8252,'-23'0'630,"9"15"-450,-1 4-180,13 21 0,-6-9 90,8 4-90,0-10 0,0-2 0,0 8-90,20-10 180,-2 9-90,5-18 90,5-1-180,-9-7 180,14-4-90,-9 0-90,-4-20 180,-9 15-90,-2-34 0,-5 12 0,-1-10-90,-3-2 90,0-6 0,-20 8 90,15-27 90,-30 24 89,31-14 271,-21 1-360,23 13-90,-9-19-180,11 30 810,0-9-91,0 26-629,0 20 90,14-4-90,-10 39 0,23-6 0,-24 12 0,9 5 0,-4 8-90,-5-14-675,4-6 1,2-1-495,1 6-270,-1-10 0,0 0 1529,6 3 0,-1 7 0,-3-18 0</inkml:trace>
+  <inkml:trace contextRef="#ctx0" brushRef="#br0" timeOffset="137636">31602 6167 8342,'-20'0'1889,"3"13"-1799,4 0 0,2 2 0,2 10 180,-1-11-270,0 17 90,0-3 224,-1 6 1,0 2-225,-2 14 0,-1 5 0,1 0-510,2 7 465,3-6 0,0 2-564,4-24 0,2 0 564,-2 12 0,2 0-135,1 16 180,1-1-180,0-3 90,0-2 0,0-3-180,0-3-1274,16 13 644,-12-18-315,13-11 1,4-3 1124,3 0 0,13 4 0,-6-16 0</inkml:trace>
+  <inkml:trace contextRef="#ctx0" brushRef="#br0" timeOffset="138103">31880 6346 7982,'2'30'270,"-1"3"-360,-1-5 90,-15-2 0,11-1-270,-12-7-179,16 0-271,-10-3-266,7 0 986,-7-3 0,10-2 0,0-1 0</inkml:trace>
+  <inkml:trace contextRef="#ctx0" brushRef="#br0" timeOffset="138291">31933 6303 9961,'0'43'0,"0"-7"-90,0 1-809,0-7-91,0 3 990,0 18 0,0-10 0,0 12 0</inkml:trace>
+  <inkml:trace contextRef="#ctx0" brushRef="#br0" timeOffset="141353">32793 6322 10141,'2'33'90,"0"4"-270,-2-8 180,-14 12-270,10-18-989,-10 17 540,7-19-451,5 11 285,-6-18 885,8 4 0,0-11 0,0 0 0</inkml:trace>
+  <inkml:trace contextRef="#ctx0" brushRef="#br0" timeOffset="141520">32798 6412 7803,'7'0'0,"1"14"0,-4-10 0,2 24 0,-4-5-630,2 20-270,-4-6 900,1 4 0,-1-12 0,0 1 0</inkml:trace>
+  <inkml:trace contextRef="#ctx0" brushRef="#br0" timeOffset="142437">33150 6037 9242,'17'34'809,"4"-6"-629,-19 2 0,13-3-90,-13 3 0,13 4-90,-8 5 0,7 2 180,-3 6-904,-3-11 1,1 2 723,3 22 45,-3-20 0,0 2 0,-1 3 0,-2-1-45,0-9 0,-1 0 0,3 25 0,-2 0 0,-3-25 0,0 1 0,-1 11 0,0 5 0,-1-5 0,0-8 0,-1-2-30,-6 8 0,-2 5 0,1-6 30,2 18-585,-23-4 1,-1-2-46,21-1-45,-26-7 1,-1-4 44,15-7 630,-8-10 0,-2-2 0,1 0 0,-8 4 0</inkml:trace>
+  <inkml:trace contextRef="#ctx0" brushRef="#br0" timeOffset="143003">33612 7087 12300,'0'-5'360,"0"0"-270,0 0-180,0-1 90,0 2-5577,0-1 5577,0 15 0,0-7 0,0 9 0</inkml:trace>
+  <inkml:trace contextRef="#ctx0" brushRef="#br0" timeOffset="143220">33652 7434 8702,'0'19'360,"0"1"-180,0 0-90,0 3 0,0-5-90,0 8 90,0-10-180,0 10 90,-18-11-90,13 4-630,-31-7-539,20 0 1259,-16-2 0,8 1 0,3-2 0</inkml:trace>
+  <inkml:trace contextRef="#ctx0" brushRef="#br0" timeOffset="155891">32045 7297 10951,'0'-4'1079,"0"19"-1079,9 5 0,-7 12 0,7-1 0,-9-3 90,0-1-270,0 2 360,0-2-180,0-1-90,-16-1 90,13-1 90,-13-4-270,16 4 180,0-8-270,0 5 0,0-11-1528,0-2 1528,0-19 180,0-6 90,0-12 0,0 4 0,0 7 90,16 9-90,3 3 90,12 21-180,-7-11 180,-5 27-90,-7-15-900,1 13 270,-7-16-809,4 3 1439,-4-9 0,1 1 0,-2-3 0</inkml:trace>
+  <inkml:trace contextRef="#ctx0" brushRef="#br0" timeOffset="156153">32265 7465 9871,'12'17'0,"-9"8"-90,9-11-539,-5 10 269,-5 0 90,10-7-90,-11-1 1,3-8-1,-1 0-90,-3-2 90,2-1-179,-2-2 539,0 1 0,0-3 0,0 0 0</inkml:trace>
+  <inkml:trace contextRef="#ctx0" brushRef="#br0" timeOffset="156273">32232 7609 8162,'-7'-12'900,"5"-5"-720,-4 8-270,6-7 90,0 6-90,21-1-810,19-2 91,3 5 809,22-7 0,-34 10 0,10-1 0</inkml:trace>
+  <inkml:trace contextRef="#ctx0" brushRef="#br0" timeOffset="156806">32535 7423 8342,'-9'15'630,"1"5"-630,8 12 0,0 1-90,0-5 180,0-6-180,0-4-90,0-7 90,0-3 0,0-1-989,0-2 1079,0-21 90,0 1 90,0-21 269,0 6-269,0 1 270,0 8-450,0 21-90,0 12 90,16 5-360,-12 7-90,11-14 271,-15 6-1,9-8 180,-1-2 90,2-23 179,-3 13-89,-5-23-90,3 24-90,-4-21 0,4 21-90,-3-10-629,3 13 359,-1 0 360,7 16 0,-4-12 0,4 11 0</inkml:trace>
+  <inkml:trace contextRef="#ctx0" brushRef="#br0" timeOffset="157070">32763 7476 7713,'0'-17'0,"1"-2"-90,-1 2 90,2-4 0,-2 0 0,1-1 90,-1 0-90,1-5 0,0 6 629,1-7-269,-1 15-90,0 1 270,3 9-271,0 3 91,2 14-270,0 10-90,2 22 90,-3-5-180,3 3-989,4 2 359,-2-11-1708,15 19 2428,-7-25 0,9 6 0,-6-12 0</inkml:trace>
+  <inkml:trace contextRef="#ctx0" brushRef="#br0" timeOffset="723250">3122 8099 10771,'0'23'180,"0"-1"-180,0-3-90,0-2 0,13-2-360,-10-1-1079,11 6 360,-7-6 1169,-5 10 0,10-11 0,-7 3 0</inkml:trace>
+  <inkml:trace contextRef="#ctx0" brushRef="#br0" timeOffset="723462">3093 7835 7803,'-4'-3'0,"0"0"0</inkml:trace>
+  <inkml:trace contextRef="#ctx0" brushRef="#br0" timeOffset="723884">3290 7979 7713,'0'7'179,"0"1"1,0-1-180,0 2 0,0 9 0,0-2 0,0 16 90,0-10-180,0 6 90,12 2 90,-9-9 0,19 13-90,-12-18 180,9 5-180,-10-14 90,4 0-90,-9-6 0,9-1 0,-8-21 90,9-6 90,-8-12 90,8-18-90,-11 22 269,3-30-269,-6 29 90,0-8 180,0 8-360,0 15 0,0-2 270,0 14-360,0 34 0,0-2-90,0 23-900,15 3-179,0-16 1169,17 25 0,-9-23 0,2 11 0</inkml:trace>
+  <inkml:trace contextRef="#ctx0" brushRef="#br0" timeOffset="724648">3922 8127 9242,'-6'0'2158,"0"0"-2158,20 0-539,3 0-181,22 0 1,-9 0-181,4 0 1,-8 0-181,1 0 1080,0 0 0,-2 0 0,-1 0 0</inkml:trace>
+  <inkml:trace contextRef="#ctx0" brushRef="#br0" timeOffset="724799">4097 8295 8612,'39'0'-180,"-17"-14"-539,19 11-361,-21-11 1080,19-1 0,-6 12 0,-1-12 0</inkml:trace>
+  <inkml:trace contextRef="#ctx0" brushRef="#br0" timeOffset="725749">4845 8232 9781,'0'-31'0,"0"-4"0,16 9 0,-12-5 0,13 11 90,-5-19 0,-10 18 180,10-18-270,-12 24 180,0-5-180,0 13 0,0-2 90,0 23-90,0 1 0,0 20 0,0-5 0,14-4 0,-10-5-360,10-4-179,-14-4-1260,0 7 719,7-8 1080,-5 1 0,6-2 0,-8-2 0</inkml:trace>
+  <inkml:trace contextRef="#ctx0" brushRef="#br0" timeOffset="726166">5210 7962 8702,'-14'-3'720,"0"0"-540,-3 18 89,0 5-269,11 18 0,-2-7 0,4 1 90,4-10-180,0 0 180,16 14-90,-12-15 0,30 11 90,-29-22-90,27-2 0,-12-6 0,14-17 90,-7 12-180,-4-27 180,-7 7-180,-5-8-359,-2-13 89,-6 17-540,-2-17 271,-1 20-181,-21-4 810,16 13 0,-32 8 0,17 3 0</inkml:trace>
+  <inkml:trace contextRef="#ctx0" brushRef="#br0" timeOffset="726586">5592 7803 7803,'6'-2'179,"-1"1"-89,9 0-90,-5 1 90,10 16-90,-10-12 0,2 28 0,-7-28 0,0 27 0,-4-17 0,0 11 0,0-5-90,0-1-90,-14 6 1,10-5 89,-11 4 0,15-13 90,0-1 0,21-6 0,2-2 180,2 0 89,10 3-179,-16-1 0,11 8-90,-14-2 0,-7 5 0,-9-1 0,0 3-449,-23 3 449,-8 14 0,-14-7 0,-1 12 0</inkml:trace>
+  <inkml:trace contextRef="#ctx0" brushRef="#br0" timeOffset="746399">16245 8684 8612,'22'13'90,"13"-10"0,-17 10 90,9-3-90,-4-8-180,-6 8 90,2-2 90,-1-6-180,11 10 90,-7-4 90,18 5-180,-15-1 180,7 0-90,-9-2 0,-2-3 0,1 2 0,7 1 0,-7-2 0,11 1 0,-17-5 0,5 1 90,-10-3-90,0 0-90,-3-1 90,2 0 0,-4-1-90,2 1 180,-5-1-90,2 1 0,-2 0 0,0 0-90,-2-1-720,-1 1-1438,3 0 2248,-2 0 0,2-1 0,-1 0 0</inkml:trace>
+  <inkml:trace contextRef="#ctx0" brushRef="#br0" timeOffset="747022">16882 8693 8612,'-5'-1'990,"0"0"-631,2 0-89,-2 1-270,2-2 180,0 2-90,0-2-180,0 2 180,2 10-180,16-8 180,-11 17-90,23-10 0,-8 14-90,1-10 180,5 4-180,-2-1 180,-4-3-90,10 9-90,-10-8 90,7 11 90,-11-11-90,2 5 0,-6-6 0,-2 0 0,0 0 0,-4 4 0,-2-4-90,-2 7 180,-1-9-90,0 5 0,-17-6 90,12 2-90,-29-1-90,29 2 90,-39 0 90,22 3-90,-10-5 0,-3 0 90,-8 7-135,5-2 0,-1-1-896,-5 5-408,-10 4-90,22-9 1439,6-1 0,5-2 0,3-1 0</inkml:trace>
+  <inkml:trace contextRef="#ctx0" brushRef="#br0" timeOffset="758283">18348 9401 9961,'27'-15'540,"17"11"-360,-26-11-90,21 1-180,-5 10 90,2-20 0,5 21-408,3-18 318,5 13-1112,1-10 1202,4 6-90,0 2-495,-13 4 1,-1 1-676,22 0 495,-22 1 1,-1 1 764,13 3 0,-2-1 0,-2 1 0</inkml:trace>
+  <inkml:trace contextRef="#ctx0" brushRef="#br0" timeOffset="759717">19910 9068 8162,'0'-8'1170,"0"1"-1080,-19 2-180,14 1 90,-31 1 0,17 1 0,-15 17 0,4 3 0,6 17 0,8-1 90,9 0-90,7-7 0,20 0 90,0-11-90,21-3 0,-4-7 0,2-6 0,-10 0 0,0-14 179,-13-5-89,-1 1-90,-7-9 0,-4 18-90,-4 10-1079,17 8-360,-12 23 450,27-1 1079,-28-6 0,25-1 0,-12-9 0</inkml:trace>
+  <inkml:trace contextRef="#ctx0" brushRef="#br0" timeOffset="759984">20268 9051 7803,'-14'13'89,"2"6"-89,12 11 90,0 2-90,0-4 0,16 2 0,-12 16 0,12-12 0,-2 22 0,-11-25 0,10 6 90,-13-7-90,0-10-269,0 5 269,0-14 0,0-3 0,0-6 0</inkml:trace>
+  <inkml:trace contextRef="#ctx0" brushRef="#br0" timeOffset="760138">20267 8948 6363,'11'0'0,"-2"0"0</inkml:trace>
+  <inkml:trace contextRef="#ctx0" brushRef="#br0" timeOffset="760550">20760 9008 7803,'-22'11'359,"-8"-9"-359,27 18 0,-19-18 0,9 24 0,0-14 0,-3 22 90,15-16-180,-4 14 180,5-15 0,0 6-90,0-11 0,21-1 0,-16-3-180,28-2 180,-15-4 0,11 0 0,-11-20 0,4-1 0,-13-2 180,2-11 180,-5 9-90,-6-7 0,0-3-270,0 14 0,0 1-90,-14 10 180,11 21-180,-10 7 0,13 18-1709,14 2 540,-10-9 1259,28-2 0,-28-20 0,13-2 0</inkml:trace>
+  <inkml:trace contextRef="#ctx0" brushRef="#br0" timeOffset="760737">21020 9047 7443,'17'33'0,"-13"-1"90,32-13-180,-32 12-180,32-20-270,-21 17 540,15-11 0,-6 0 0,0-1 0</inkml:trace>
+  <inkml:trace contextRef="#ctx0" brushRef="#br0" timeOffset="760933">21403 8979 7713,'-32'0'0,"3"18"90,-1 7-90,5 11 0,4-9 0,0 1-360,-6 11 360,5-2 0,0 2 0,0 9 0,8-16 0,-1 1 0</inkml:trace>
+  <inkml:trace contextRef="#ctx0" brushRef="#br0" timeOffset="761849">22042 9078 10411,'22'14'180,"11"-10"-180,-29 25 0,31-25 0,-18 29 0,17-17 0,-5 15-90,-3-6-360,4-1-1978,12 11 1258,-8-10 909,8 6 0,-14-14 0,-1-2 0</inkml:trace>
+  <inkml:trace contextRef="#ctx0" brushRef="#br0" timeOffset="762049">22437 9088 8522,'-27'-5'90,"3"0"-90,8 3 0,2 1 0,0 1 0,0 0 0,-1 16 0,0-12 0,0 29 0,0-17 0,-1 18-720,0-2-1168,-5 20 1888,5-10 0,-3 16 0,7-18 0</inkml:trace>
+  <inkml:trace contextRef="#ctx0" brushRef="#br0" timeOffset="762433">22703 9279 8972,'-16'-4'-90,"-2"15"90,-2 6-90,-4 17 270,21-3-270,-7-3 90,27-3 0,6-13 90,13-4-180,0-26 90,-11-5 0,-10-19 0,-7 8-90,-8-6 90,0 17-180,-20-9 0,-1 21-180,-2-8-629,-9 17 989,15-4 0,-2 6 0,6 0 0</inkml:trace>
+  <inkml:trace contextRef="#ctx0" brushRef="#br0" timeOffset="762822">23027 9218 7892,'-42'0'180,"6"0"-180,16 15 180,-1 3-180,18 18 90,-7-9-90,10 2 90,0-9-180,36 11 0,-28-14-45,25-4 0,4-5 45,-16-4-89,41-4 269,-32-18-90,15-2 0,-22-1 89,1-13 631,-11 13-450,-7-15-360,-1 6 90,-21 7 90,1 12-90,-4 40 0,8 3-90,11 22-270,0-15-1259,21-2 1619,-15-12 0,34-1 0,-16-17 0</inkml:trace>
+  <inkml:trace contextRef="#ctx0" brushRef="#br0" timeOffset="763016">23473 8790 8162,'-32'0'180,"2"17"-180,9-13-90,1 37 180,2-20-90,0 24 0,6-8-180,0 3-719,7 2 899,2 2 0,3-1 0,0-1 0</inkml:trace>
+  <inkml:trace contextRef="#ctx0" brushRef="#br0" timeOffset="763500">24010 8990 9781,'0'35'90,"0"-5"-90,0 0-90,17-3 90,-13 16 90,24-8-1463,-25 13 1283,19-15-90,-20 0-359,21-1-154,-10 9 333,6-12-403,-2 8 403,-10-21 450,-1-2 629,-27-10 502,-3-18-592,-23-3-89,4-17-24,5 1-516,17-1 0,-1 7 104,20 3-644,-6 2-90,28 3-629,8-9 180,13 10 890,3-3 0,-8 7 0,2 0 0</inkml:trace>
+  <inkml:trace contextRef="#ctx0" brushRef="#br0" timeOffset="763901">24385 8914 8882,'-13'-5'450,"9"0"-91,-9 3-269,5 1-90,6 22 0,-6 9 0,8 13 0,0 3-716,0-8 716,16 1 0,-12 18 0,26-15 0,-26 13 0,10-20 0,-1-3-240,-10-5 150,16-2 0,-17-6-90,4-3-449,0-7 359,-3-4 608,7-17-428,-4 8 348,5-44-258,-4 26 45,3-15 0,0-4 45,1 6 180,11-25-90,-11 45-90,6-8-90,-6 21 90,5-7-90,-5 26 0,3-13 90,3 29-180,-4-7 0,9 18-360,-7-6-449,12 6 449,-10-21-90,9 4 540,-7-18 0,1 3 0,2-5 0</inkml:trace>
+  <inkml:trace contextRef="#ctx0" brushRef="#br0" timeOffset="764240">24935 9222 8522,'-34'0'360,"2"0"-360,16 19 90,3 2-180,13 20 180,0-11-90,0 0 0,0-12-90,20 5 0,-15-6-180,33-3 270,-23-8 0,15-6 0,-17-16 90,3-3 270,-15-16-180,6 4-180,-7 3 0,0 7 0,0 26-360,0 8-540,16 23 361,-13-2-900,27-1 1439,-15-14 0,2 0 0,-6-9 0</inkml:trace>
+  <inkml:trace contextRef="#ctx0" brushRef="#br0" timeOffset="764585">25197 9222 7982,'0'29'180,"0"4"-90,12 0-90,-9 2 0,20-8 90,-21-3 0,14-15-450,-14 3 91,8-11 269,-9-15 0,6 9 0,-6-28 0,6 29 0,-2-30-90,3 14 269,1-14-179,-2 15 90,2 2 0,-3 16-180,4-6 180,-4 22-90,10 5 0,-7 18-719,11 2 269,-7-7-180,5-4 630,-2-18 0,1 9 0,0-3 0</inkml:trace>
+  <inkml:trace contextRef="#ctx0" brushRef="#br0" timeOffset="764961">25602 9279 7803,'0'31'179,"0"2"-179,0-1-90,20 0 1,-1-3 89,22-10 0,-8-8 0,0-8 0,-16-19 179,1 12 541,-17-27 90,5 11-91,-6-14-629,0 2-180,0 8 180,-13 10 0,10 26-180,-9 17 90,12 9 90,0 19-270,0-21 180,0 25 90,0-28-360,11 17-629,-8-28-91,8 5 91,-11-15 899,0-3 0,0-5 0,0-2 0</inkml:trace>
+  <inkml:trace contextRef="#ctx0" brushRef="#br0" timeOffset="765201">24727 8980 7803,'16'33'-900,"2"-5"360,23-5 540,-10-12 0,0-5 0,-7-6 0</inkml:trace>
+  <inkml:trace contextRef="#ctx0" brushRef="#br0" timeOffset="765417">24923 8844 8612,'0'-7'810,"0"2"-541,0 0-179,0 3-90,16-2 0,8 4 0,-4 16-90,14 2-179,-20 20-721,2-10-179,-5 4 1169,-11-7 0,0 2 0,0 0 0</inkml:trace>
+  <inkml:trace contextRef="#ctx0" brushRef="#br0" timeOffset="765804">26578 8994 8612,'-5'21'450,"0"4"-450,5 13 45,0-3 0,0 0-135,0 7-221,-1-8 1,2 0-320,15 3-269,-12-2-90,11-1 989,0-3 0,-11-2 0,11-3 0</inkml:trace>
+  <inkml:trace contextRef="#ctx0" brushRef="#br0" timeOffset="766034">26760 9120 9332,'-27'0'629,"4"17"-449,2 2-90,10 21-180,5-10-90,6 1-90,0-11-269,17 0-1,-12-3-719,33 0 539,-9-8 720,10-1 0,2-8 0,-10 0 0</inkml:trace>
+  <inkml:trace contextRef="#ctx0" brushRef="#br0" timeOffset="766433">26988 8933 8522,'-14'-6'1169,"11"17"-899,-11 23-270,14 3 45,-2-2 0,4-1-45,18 6 0,-19-5 0,3 0 0,31 5 0,-21 22 0,4-29 90,-1 15-180,-9-29-1259,0 3 989,-2-37 270,-6-7 90,0-23 0,17-3 90,-12 9 270,24-3 180,-27 21-91,23-2-269,-15 15-180,12 3 0,-9 21 0,3 3 0,-7 1 0,9 14-90,-9-11-179,12 20-181,-9-12-90,8-3 0,-6-19-89,2 6-181,1-13 810,2 9 0,0-10 0,0 3 0</inkml:trace>
+  <inkml:trace contextRef="#ctx0" brushRef="#br0" timeOffset="766705">27588 9187 8522,'-20'17'900,"4"-1"-810,16 18 0,0-4-1,0 1 1,0-7-90,0-2 180,17-10-180,-13-1 0,25-7-90,-18-1-90,3-22-89,-6 1-361,-8-18 270,0 6-180,-17 13-809,13-6 1349,-13 15 0,17-4 0,0 6 0</inkml:trace>
+  <inkml:trace contextRef="#ctx0" brushRef="#br0" timeOffset="766933">27907 9165 10141,'0'34'-1259,"16"-14"-450,-12 7 340,26-11 1369,-27 8 0,21-5 0,-10-7 0</inkml:trace>
+  <inkml:trace contextRef="#ctx0" brushRef="#br0" timeOffset="767100">28145 9088 5824,'0'17'0,"0"-4"0</inkml:trace>
+  <inkml:trace contextRef="#ctx0" brushRef="#br0" timeOffset="767317">27603 8789 8252,'16'-6'180,"1"2"-180,15 2 0,-4 16-899,-4 3 269,-10 19 630,-6-6 0,-8 4 0,0-8 0</inkml:trace>
+  <inkml:trace contextRef="#ctx0" brushRef="#br0" timeOffset="767835">28975 9197 8882,'-57'0'360,"12"0"-360,3 0 90,26 15 0,-13 3 90,11 2-180,-3 9 89,7-9-89,14 8 0,0-2 0,0-9 0,0-2-89,23-2-1,-18-3 0,35-5-90,-16-2 180,15-3-90,-7-17 90,-2-5-180,-11-24 180,-6 8 0,-6-21 0,-7 20 135,0 2 0,0-1 135,0-7 44,-7 6 1,-2 0 45,6-3-270,-12 6 0,-2 2-90,2 6 450,-5-10-450,9 53 90,11 11-90,0 16-90,17 6-118,-13-11 118,12 5-450,0-1-989,2 16 629,1-14 900,0-10 0,-1 0 0,-2 1 0,20 7 0</inkml:trace>
+  <inkml:trace contextRef="#ctx0" brushRef="#br0" timeOffset="768384">29330 8882 10411,'0'39'720,"0"-6"-630,0 5-90,0-5 90,0 21-180,0-12 90,6-7 0,1-1 90,-3 4-90,9 7-90,-1-19-90,-9-4 90,9-4-270,-2 0 180,-1-8-540,8 1 631,-4-10-181,-5 1 180,2-22 0,-2 15 270,5-50-180,0 33 90,9-40 90,-8 34 359,10-15-359,-12 30 540,13-10-720,-14 22 359,11 8-179,-13 13 0,2 17-90,-7-5-90,-1 8-90,-3-16 180,0 3-270,-22-4-359,-10-7-766,2-5 1,-3-2-585,-21 3 1771,-9-2 0,17-4 0,-4-2 0</inkml:trace>
+  <inkml:trace contextRef="#ctx0" brushRef="#br0" timeOffset="780583">18377 9541 7263,'11'13'0,"-9"10"0,22-5 0,-22 6 90,18 2-90,-18-6 0,19 3 0,-4 13 0,8-6 0,2 12 0,6 3 0,-6-8 0,-3-6 0,0 0 0,6 7-45,-4-7 0,0 0 135,4 4-45,-4-5 0,-1 0-135,2 3 90,8 9 0,-5-6 0,-10-8 0,10 13 90,-15-19-90,6 11-630,-9-16 630,2 5 0,-5-9 0,-1 0 0</inkml:trace>
+  <inkml:trace contextRef="#ctx0" brushRef="#br0" timeOffset="782973">19583 10986 9961,'0'-35'360,"17"16"-270,-13-17-180,12 19 90,1-19 0,0-7 0,3 7 0,-2-4 0,-4-2 0,-9-4 0,7 0 0,0 0 0,-11 0 0,2 8 0,0-1 90,-3-4-180,-17-19 90,12 30-90,-12-2 90,17 16 0,-12 8 0,1 22 0,-10 18 0,5 32 0,6-5 0,0 5 45,8-27 0,1 0-45,-2 18 0,3-8 0,0-1 0,0 8 0,8-12 0,1 0-226,-4 5 226,30 9-180,-30-21 91,29-3-181,-30-4-270,37 5 90,-27-13-89,27 6 359,-21-18-90,9 1 180,-11-7 226,1 0-136,-6-16 0,-2 12 90,-1-12 89,1-2 1,-3 2 0,-1-14-180,-3 10 0,-4 26 0,0 6 90,0 24-90,0-1 0,0 1-180,17-6-90,0-7 91,17-12 89,-10-6 0,-1-5 90,-7 0 0,-2 0 0,0-16 180,1-2-90,-4-2 269,0-7 1,-7 12-180,-2-11-180,-2 7 0,0 27 0,0 6 0,0 23-90,17-5-90,-1-13-539,18 3 629,-3-15 0,-5 3 0,-2-5 90,-3-20 90,-6 11 359,7-44-269,-15 39 450,1-42-180,-7 32-450,-1-12 0,-14 8 0,10 26 0,-10 11-180,28 24-720,2-8 1,1 1 899,11-2 0,-8-10 0,15 6 0</inkml:trace>
+  <inkml:trace contextRef="#ctx0" brushRef="#br0" timeOffset="783233">20143 10844 8342,'17'10'-158,"-4"3"1,-13 19 0,0 1 0</inkml:trace>
+  <inkml:trace contextRef="#ctx0" brushRef="#br0" timeOffset="784271">21073 10883 8792,'0'34'0,"0"3"0,0-10 0,0 0 0,0-7-90,0-1-809,0 0-181,0-2 1080,9-2 0,-7-3 0,7-1 0</inkml:trace>
+  <inkml:trace contextRef="#ctx0" brushRef="#br0" timeOffset="784451">21122 10673 6903,'0'21'0,"0"-4"0</inkml:trace>
+  <inkml:trace contextRef="#ctx0" brushRef="#br0" timeOffset="784850">21585 10803 8252,'-41'0'540,"1"18"-450,6 0-90,4 18 0,13-10 0,7-1 180,10-1-180,0-5 180,0 10-90,18-13-90,-13 1 0,26-8 90,-27-4-90,26-3-90,-9-1 0,16-22 90,-4-5 0,-8-27 90,-10 11-90,-9-3 180,-6-5 89,0 11 91,-17-21-270,12 30-180,-29-7 720,30 22-540,-12 22-90,16 19 0,17 33-90,2-7-1113,0-12 1,2-1-57,10 10 1259,-8-8 0,0 0 0,8 5 0,-11-18 0,1 1 0</inkml:trace>
+  <inkml:trace contextRef="#ctx0" brushRef="#br0" timeOffset="785451">22247 10834 9242,'-5'-10'1169,"0"0"-1079,1 4-90,1-1 0,1 20 0,1 5 0,15 1 0,-10 20 0,11-20 0,-2 19 0,-9 3 90,19-11-90,-20 16 0,15-24 0,-15 7-90,8-20-1169,-10 3 1079,5-11 0,-4-14 0,2 9 180,1-30 0,1 5-90,6-22 180,-3 8 90,4 3 270,3 8-450,-4 11 90,7-2 0,-8 17-90,4 2 0,-6 20 0,5 4 0,-7 0 0,3 16 0,-3-20 0,1 16-450,-1-8-809,10 5 629,-4-9 630,15 5 0,-8-17 0,7-1 0</inkml:trace>
+  <inkml:trace contextRef="#ctx0" brushRef="#br0" timeOffset="785817">22785 10853 8522,'-19'-6'540,"-5"0"-630,-12 22 180,4 2 0,17 19-90,6-1 0,9-7 0,0-2-90,0-11-360,16-1 90,3 0 90,16-8 91,1 1 268,-3-25 1,-5 0 360,-12-18-90,-7 3-360,-9 2 0,0 8 0,0 29 0,0 8 90,0 30-180,13-13 0,-10 0-630,24-5 361,-8-15-721,17 11 321,-8-20 759,2 5 0,-10-8 0,0 0 0</inkml:trace>
+  <inkml:trace contextRef="#ctx0" brushRef="#br0" timeOffset="786187">23120 10880 8612,'-17'17'180,"4"1"-90,13 19-90,0-7 0,0 3 180,17-8-90,-13-6 270,13-24-91,-17-10-359,0-14 270,-11 10-90,8 29-180,-8 9 90,29 22 0,-13-5-210,27 4 210,-28 3 0,27 4 90,-27 1-90,28 2 0,-28-5 0,22 1 90,-23-5-90,15-2 0,-16 6-90,4-16-90,-6 3-450,0-18 0,0-5-1169,-20-5 1799,-3-2 0,-3-21 0,9-6 0</inkml:trace>
+  <inkml:trace contextRef="#ctx0" brushRef="#br0" timeOffset="786350">22410 10796 8702,'24'-7'-90,"18"1"-180,-20 1-539,39-2 179,-18 4 428,16-2 1,-14 5 0,1 0 0</inkml:trace>
+  <inkml:trace contextRef="#ctx0" brushRef="#br0" timeOffset="786700">23782 10893 9152,'-14'18'719,"23"4"-719,-4 11-90,29-13 180,-31 11-180,28-16 180,-26 16 270,27-4 270,-14-9-450,12 5-180,-7-16 0,-7-1 0,-6-6-270,-3-23-180,-2-4-719,3-30 449,-3 13-899,6-16 1619,-4 25 0,4-10 0,-2 16 0</inkml:trace>
+  <inkml:trace contextRef="#ctx0" brushRef="#br0" timeOffset="787073">24497 10866 8972,'-38'0'630,"-3"0"-630,4 0 179,1 0 1,10 16-180,11-1 90,8 14-90,24-4-90,2-4 0,19-5 0,1-7 90,-1-6-90,-4-3 90,-15-17-89,-2 13 268,-15-28 271,5 12-450,-7-12-90,0 1 90,-15 9-539,11 28-541,6 8 361,2 27 719,45-7 0,-30-1 0,27-4 0</inkml:trace>
+  <inkml:trace contextRef="#ctx0" brushRef="#br0" timeOffset="787334">24845 10849 9332,'-17'18'989,"-4"-13"-989,19 26 0,-6-13 0,8 12 0,40 1 0,-30-6 180,47-4-180,-40-11-720,12-4-269,-14-20-360,-30-3 449,9-14 900,-40 14 0,27-13 0,-20 9 0</inkml:trace>
+  <inkml:trace contextRef="#ctx0" brushRef="#br0" timeOffset="787475">24250 10596 9691,'47'-2'-269,"-9"0"-451,8 2-449,-7 14-616,4-11 1675,3 11 0,1 1 0,0 3 1</inkml:trace>
+  <inkml:trace contextRef="#ctx0" brushRef="#br0" timeOffset="787917">25652 10979 9781,'-26'0'1440,"1"0"-1261,8 0-89,3 0-90,9-16 0,2 0 0,46-32 0,-32 18 0,20 3 0,3 0 0,-8-2 0,12-20 0,-15 17 90,-4-17-90,-17 18 0,6-4-90,-8 7 90,0 9 90,0 1-90,0 28 0,0 17 0,0 11 0,0 10-90,0-8-1169,0 24 270,0-13 89,6-8 1,0 1-1523,-3 6 2422,10 13 0,-13-19 0,0-1 0</inkml:trace>
+  <inkml:trace contextRef="#ctx0" brushRef="#br0" timeOffset="788051">25623 11320 9602,'0'-33'-1710,"28"2"631,13 1 1079,17 9 0,3 0 0,-12 8 0</inkml:trace>
+  <inkml:trace contextRef="#ctx0" brushRef="#br0" timeOffset="788800">26580 10525 9961,'-4'-4'270,"1"2"360,-2 1-540,3 16 270,-3-11-271,3 31-89,0-17 90,2 40-90,0-19 90,0 16-296,0-14 206,0-3 0,0 0 0,12 12-90,-9-15 180,10 16-180,-13-27 180,0 2-360,7-15-1169,-5-4 989,6-21 270,-8-8 180,0-24 0,0 10 0,0-17 0,0 22 207,0-8 242,14 10-269,6 9 0,13 3 90,-1 29-180,-3 9-90,-9 0 0,-2 17 180,-10-23-180,-1 29 90,-4-20-90,-1 15 0,-2-20 0,-20 10-90,-3-14-1169,-25 2 539,14-11-89,-2-2-1221,0-4 2030,11 0 0,-6-20 0,13-6 0</inkml:trace>
+  <inkml:trace contextRef="#ctx0" brushRef="#br0" timeOffset="789789">26553 10522 9152,'-3'-3'1889,"0"0"-1619,2 22-181,0 7-89,1 11 90,0 2-90,0-8 90,13 4-90,-10 1 0,9 0 0,-12 0 0,8 14 90,-5-13-180,5 23 90,-8-29 0,0 29 0,0-36 90,0 11-1619,0-28 1349,0-45 180,0 17-270,0-38 91,0 9 89,0 10 90,0 4 0,0 0 0,0-6 0,5 7 0,2 1 0,4-5 0,12-17 0,-6 27 0,0-3-90,-2 15 180,2 1 0,1 5 359,11-1-269,-8 6 0,17 0-90,-18 6-90,15 15 90,-16-11 0,1 30-90,-6-17 90,-4 16 0,0-4 0,-4 0-90,-3 3 0,-2 0 90,-1 15-90,0-11 90,-20 23-90,-3-27 0,-2 10-45,-3-23 0,0-2-45,4 9 135,-9-6 0,-3-2-585,1 0-899,-21 3 539,25-13-1078,-16-3 1978,25-4 0,-5-1 0,14 0 0</inkml:trace>
+  <inkml:trace contextRef="#ctx0" brushRef="#br0" timeOffset="790135">27272 10301 9152,'5'16'1169,"0"8"-809,-5 27-360,0-4 90,-9-9 0,-2 1-90,-5 13-710,5-18 0,0 0 710,-15 16 0,22-3 0,-23 0 0,24-3-360,-20-4-269,20-1-569,-16 6 388,17-13 810,-5 9 0,7-23 0,0 1 0</inkml:trace>
+  <inkml:trace contextRef="#ctx0" brushRef="#br0" timeOffset="790441">27442 10749 8882,'-17'-3'450,"12"14"-360,-12 4-90,17 16 0,0 2 90,0-4-90,0 0 90,0-8 89,20 1 1,-16 0 0,16 2 0,-6-2 360,-11 12-360,22-10 0,-23 14-1,9-21-89,-28 8-90,12-16-90,-29 1-899,8-8-450,-17-1-270,1-16 1709,10-3 0,14-18 0,10 0 0</inkml:trace>
+  <inkml:trace contextRef="#ctx0" brushRef="#br0" timeOffset="790823">27755 10849 10321,'-45'15'450,"0"1"-360,6 16-90,15-9 0,-6 2 0,27-6 0,-9-1-90,12-1 90,0 11-180,17-12 90,9 9-90,17-20 360,3 0-360,-5-24 270,-9-2 90,-14-18 450,-10 2-630,-8 3-90,-18 5 180,13 10-90,-24 9-270,26 25-540,-8 6-449,30 20-180,3-5 539,23-3 900,-11-15 0,2 0 0,-9-11 0</inkml:trace>
+  <inkml:trace contextRef="#ctx0" brushRef="#br0" timeOffset="791017">28032 10844 9691,'-20'-9'630,"16"0"-450,-28 8-180,21-1 90,-3 22-180,5 0-180,26 24-180,-13-14 1,29 3-91,-29-12-585,26-7 1,5-1 1124,-10 9 0,7-13 0,1-1 0,-3 0 0</inkml:trace>
+  <inkml:trace contextRef="#ctx0" brushRef="#br0" timeOffset="791417">28225 10466 9602,'0'-12'2158,"0"2"-1888,0 27-270,19-14 90,-15 42-90,19-18 0,0 0 90,-16 25-135,12-8 0,2-1 45,-8-2 0,-1-7 0,0 0 0,0 1 0,4 19 0,-14-31-180,6 3-1079,-7-20 1079,1-19 180,1 10 0,0-26 0,3 25 0,1-28 0,1 27 90,2-31 90,0 32 180,1-24-180,-3 25-91,6-7 1,-5 10-180,6 14 90,-8-10 0,1 32 90,-3-17-90,0 20-179,-1-7-361,1 13 90,-3-11-1529,2 13 1979,-3-25 0,0 1 0,-1-12 0</inkml:trace>
+  <inkml:trace contextRef="#ctx0" brushRef="#br0" timeOffset="791605">28090 10012 10411,'-20'25'-90,"0"-3"-540,2 26-179,2-10-2277,1 5 1377,2 2 1709,0 5 0,2 2 0,0 1 0</inkml:trace>
+  <inkml:trace contextRef="#ctx0" brushRef="#br0" timeOffset="792105">29205 10723 12030,'-14'14'270,"24"4"-270,10 20 0,4-6-90,11 4-540,-9 2 91,11-9-1290,-2 6 1020,-9-12 154,-1-4-424,-1-3-1,-3-2 1080,-2-5 0,-6-3 0,-1-1 0</inkml:trace>
+  <inkml:trace contextRef="#ctx0" brushRef="#br0" timeOffset="792301">29378 10764 10501,'-9'-1'180,"-3"0"-180,8 0 90,-4 19-90,2-13 0,-1 31 0,0-19-270,-6 33-360,2-16-629,0 3 0,0 0 269,-1 1 990,-1 18 0,10-32 0,2-1 0</inkml:trace>
+  <inkml:trace contextRef="#ctx0" brushRef="#br0" timeOffset="792650">29792 10820 10411,'4'-4'270,"-2"0"-270,0 16 90,-21 6-180,14 16 90,-25-6 0,27 7 90,-8-7-180,28-9 90,-13 4 180,27-18-270,-10 5 180,13-7-180,0-22 0,-4-2 0,-15-19 90,-5 10-90,-10 1-180,0 1 180,-21 8-899,0-3 269,-4 7-359,-7 6 1079,18 2 0,-4 6 0,8 2 0</inkml:trace>
+  <inkml:trace contextRef="#ctx0" brushRef="#br0" timeOffset="793050">30155 10785 9871,'-28'-8'540,"12"19"-540,5 6 0,11 22 90,20-7-90,2 0-90,20-8 90,-3-11-90,-8-7 90,-3-6-90,-12 0 180,-1-16-90,-1-1 180,-6-19 0,-1 3 180,-7 4-450,0 1 270,-17 12-180,13 24-360,-12 8 0,36 26-1169,-15-12-990,34 5 2519,-21-13 0,4-5 0,-8-7 0</inkml:trace>
+  <inkml:trace contextRef="#ctx0" brushRef="#br0" timeOffset="793241">30572 9921 12750,'-16'26'-2069,"12"21"450,-28-21-1221,27 26 2840,-35-4 0,19 2 0,0-23 0,0 0 0</inkml:trace>
+  <inkml:trace contextRef="#ctx0" brushRef="#br0" timeOffset="796011">19358 12760 7892,'-13'-1'540,"-7"1"-450,7-1-90,-10 1-90,6 0 90,2 0 90,7 0-180,1 11 90,0-8 0,3 8 0,-1-11 0,4 8 0,-1 0 0,2 10 0,0-3 90,21 1-90,-16-2-90,32 7 90,-17-4 90,16 13 0,-15-11 540,8 12-450,-19-12 539,4 16-629,-7-17-180,-7 8 90,-18-16 0,-4 1 0,-1-6-809,-12-2-810,13-1 809,-14-2 810,16-14 0,6-1 0,14-14 0</inkml:trace>
+  <inkml:trace contextRef="#ctx0" brushRef="#br0" timeOffset="796719">19737 12762 9242,'-45'-1'180,"1"17"-180,10-1 0,13 16 90,1-16-90,18 12 0,-6-15 90,8 13-90,0-7 0,24 6-90,2-7-180,24 6 0,-13-14 180,-1 0-180,-2-7 270,-8-2 0,10-20 0,-19 15 90,2-29 180,-13 16 0,-2-13-180,-4 2 0,-15 6-90,11 28 0,-12 10 0,16 27 0,20-11 0,-2 5-90,4-16-90,7-3 0,-25-2-180,26-14 90,-18 6 0,11-7 1,-1 0 89,-5-19 180,8-4 0,-11-12 0,1 3 269,-7-2 91,-5 12 0,0-8-360,-3 10 630,0 5-360,0 18-360,0 10 180,0 21-90,0-1 0,0 1 0,13-9-90,0-11 0,10-7 90,-6-23 0,-3 13 0,-1-27 0,-5 15 90,3-11-90,-6 11 0,2 7 0,-5 8 90,5 0-90,-4 0 0,7 0 0,-2 21-720,10 2-180,-3 14 900,15 4 0,-8-15 0,8 6 0</inkml:trace>
+  <inkml:trace contextRef="#ctx0" brushRef="#br0" timeOffset="797183">20913 12808 8162,'-39'19'90,"3"11"-90,14-26 0,2 30 0,0-10 90,10 18 0,1-10-90,9 1 0,17-17-270,4 4-89,20-13 179,3-2 180,-8-23-180,6-8 180,-19-11 0,4-17 90,-9 18 180,-10-30-1,1 26-89,-9-13 630,0 3-360,0 13 269,-17-20-539,12 28-180,-13-4-90,4 18 180,11 4 270,-11 4-360,14 24 0,0 9 0,0 29 0,14-9-45,-13-12 0,2 0-405,24 6-269,-24 14-631,21-10 811,-13-12-721,12 11 1260,-12-23 0,-3-2 0,-8-9 0</inkml:trace>
+  <inkml:trace contextRef="#ctx0" brushRef="#br0" timeOffset="797317">20865 12738 8162,'-6'-13'90,"0"1"-180,6-6 90,25 6-359,-19-2-91,41 8-180,-27 2-269,23 1 899,-7 3 0,4 0 0,0 0 0</inkml:trace>
+  <inkml:trace contextRef="#ctx0" brushRef="#br0" timeOffset="797634">21560 12756 8252,'-35'0'360,"-1"0"-360,2 0 0,15 12 180,-7-9-90,23 24 0,-7-12-90,10 15-90,0-10 180,17-7-90,-12 1 0,31-8 0,-10 3 0,17-5 0,-7-4 450,5-18-270,-26-2-1,9-20-89,-23 12-180,5-9 90,-26 17 0,16-5-269,-32 10-901,11 1 361,-19 5-91,6 3 900,2 4 0,13 2 0,2 0 0</inkml:trace>
+  <inkml:trace contextRef="#ctx0" brushRef="#br0" timeOffset="797817">21687 12298 8972,'-17'-5'-990,"1"22"451,-4 8-271,9 13 810,11-2 0,0-7 0,0 1 0</inkml:trace>
+  <inkml:trace contextRef="#ctx0" brushRef="#br0" timeOffset="798355">22252 12586 8972,'-23'-8'630,"-14"6"-630,10-6 0,-19 8 179,2 0-269,8 15 180,17 4 0,9 19-180,10-7 0,17 2 90,-13-8 0,31 1-89,-30 0 89,32 8-180,-14-8 180,15 8 90,-17-15-630,0 4-90,-19-15 450,5 2-179,-25-8-1,-3-1 360,-16-1-180,17-19 270,-9 4-90,26-18 270,6 8-180,23 0-90,25 2 90,-8 6-966,5 3 966,-13 5 0,1-1-423,-1 1 513,-2-2-90,-3 2 90,-2-2 90,2-6-91,-9 5 91,0-12-180,-14 11 1016,-3-8-836,-4 10 192,0 0-282,-20 5-90,-4 4-90,-1 19 0,-4-13-450,26 29 91,-7-11-271,27 7-180,-13 0 810,30-9 0,-10 2 0,17 1 0</inkml:trace>
+  <inkml:trace contextRef="#ctx0" brushRef="#br0" timeOffset="798634">22462 12359 7623,'37'-1'1079,"-2"-1"-809,0 19-180,-4-1-90,-4 13 90,-8-15-90,-3 4-90,-5-15 90,1 5-270,0-8-270,0 0-269,1 0-271,2 0 1080,0 0 0,1 0 0,1 0 0</inkml:trace>
+  <inkml:trace contextRef="#ctx0" brushRef="#br0" timeOffset="799100">23045 12439 10591,'-1'-10'899,"1"2"-359,-3 3-180,3 3-360,20 1 90,7 18-270,26 0-180,-9 3-1152,0 7 792,-7-23-179,-2 27-1,3-19-1106,19 21 836,-14-16 1170,12 6 0,-18-11 0,-1-1 0</inkml:trace>
+  <inkml:trace contextRef="#ctx0" brushRef="#br0" timeOffset="799267">23623 12439 8702,'-40'-4'270,"1"1"-270,11 3 0,-2 0-90,-11 20 90,9 5-945,3 6 1,2 4-282,2 8 1226,8-13 0,1-1 0,4 4 0,2 1 0</inkml:trace>
+  <inkml:trace contextRef="#ctx0" brushRef="#br0" timeOffset="799633">24025 12502 9062,'-41'0'450,"3"17"-360,6-13-90,1 25 179,-10-10-269,13-3 180,-5 14-90,24-12 0,2 7-449,7-3 89,27-9 90,6-5 180,17-2-45,-8-11 0,-2-5 135,5-11 0,-4 4 0,-3-4 90,-8-13 0,4-9 0,-23 17-180,-4-14 90,-7 18 0,-24-5-90,-3 18-180,-3-3-719,-10 11 989,19-2 0,-3 18 0,9 3 0</inkml:trace>
+  <inkml:trace contextRef="#ctx0" brushRef="#br0" timeOffset="799991">24455 12475 8882,'-44'0'450,"4"0"-360,20 15-90,-5-12 90,22 26-180,-8-15 90,32 12-90,5-13 0,1 0 0,17-11 0,-26 3 90,21-5 0,-13 0 0,-1 0 0,-4-16 0,3 12 540,-13-31-1,0 17-359,-11-14-180,0 9 0,-16 10 90,-1 5-180,-2 28-809,6 3 269,13 21-90,0-11-1596,19-2 2316,1-6 0,3-14 0,-7 2 0</inkml:trace>
+  <inkml:trace contextRef="#ctx0" brushRef="#br0" timeOffset="800170">24680 12021 9781,'-26'0'0,"3"17"-90,5-13-629,-5 50-271,5-27 990,5 11 0,2 4 0,0 5 0,-1 17 0</inkml:trace>
+  <inkml:trace contextRef="#ctx0" brushRef="#br0" timeOffset="800517">25272 12228 11670,'-16'-15'-90,"1"2"90,2 4 90,7 22-270,17 26-449,-7 3-246,13-12 1,-1-1 244,-12 7 0,27 1-766,-10 11 766,10-14-179,-11 7 809,2-18 0,-20-4 0,10-1 0</inkml:trace>
+  <inkml:trace contextRef="#ctx0" brushRef="#br0" timeOffset="800650">25307 12563 8882,'0'-24'-720,"0"-4"361,17 7-91,-12-3 0,37 6-449,-20 0 899,23-2 0,-7 2 0,1-2 0</inkml:trace>
+  <inkml:trace contextRef="#ctx0" brushRef="#br0" timeOffset="801034">25633 12126 8252,'-23'19'1529,"9"4"-1529,6 12 90,8-2-90,19-4 0,-15 2 180,15 2-270,5 3 90,0 18 0,4-14-180,-9-5 1,-1-2-91,3 2-90,1 8 270,9-20-90,-28-4-180,18-6-539,-15-5 719,6-4 180,-8-25 90,-1-3 180,-2-1-90,1-16-1,1 26 91,1-20 0,2 14 540,3-5-810,-1 14 270,7-7-270,-2 17 0,9-4-90,-7 25 180,5-15-180,4 33 90,-5-13-990,15 19 540,-13-9-629,17 1 180,-14-23 899,9 8 0,-11-18 0,-1 6 0</inkml:trace>
+  <inkml:trace contextRef="#ctx0" brushRef="#br0" timeOffset="801573">26267 12468 9242,'-41'0'719,"4"0"-629,19 20-90,-3-16 0,19 31-90,-6-14-90,8 7 1,17 1-91,-13-10-270,29-2 180,-10 1 0,15-6 360,1-3 0,-7-5 0,-15-23 270,-7-2 270,-10-19-180,0 2 0,0 9-181,-14 10-179,10-1-90,-11 9 180,2-2 0,9 19-270,8 12-359,17 18 179,21-1 0,-9-13-90,13 7 181,-18-19 89,10 5 0,-3-7 90,-11-8 180,14-19-90,-20 14 270,5-42 89,-15 28 271,-3-13 0,-2-3-91,-1 4 271,-1-27-810,-1 33 0,0-7 180,0 17 0,0 1-180,0 43 0,0-12-180,15 31-90,-11-19-629,25 9 359,-11-6-450,18 14 541,-9-23-1170,12 7 1619,-19-20 0,6-1 0,-10-9 0</inkml:trace>
+  <inkml:trace contextRef="#ctx0" brushRef="#br0" timeOffset="801834">26637 12394 9512,'45'0'-653,"3"0"1,-11 0 0,1 0 0</inkml:trace>
+  <inkml:trace contextRef="#ctx0" brushRef="#br0" timeOffset="802071">25923 12418 10321,'-4'-28'1079,"0"1"-989,4 6 0,27 0-90,-3-1-1136,26 0 1136,-9 1 0,4 1-270,4 4-630,-15 8 1,0 2-180,18-2 1079,-13 3 0,-2 5 0,3 15 0,8 5 0</inkml:trace>
+  <inkml:trace contextRef="#ctx0" brushRef="#br0" timeOffset="802217">26435 13111 9152,'18'9'-300,"7"-5"0,-11 0 0</inkml:trace>
+  <inkml:trace contextRef="#ctx0" brushRef="#br0" timeOffset="802607">27653 12054 13199,'0'-8'0,"0"0"360,0 3-360,18 2 90,-1 18-90,16 13-90,-18 11-180,10 4-315,-14-5 1,0 0 134,13 9-225,-5-2 1,0-1-45,0-7-451,16 15 451,-14-30-721,14 3 1440,-16-18 0,5-3 0,-10-4 0</inkml:trace>
+  <inkml:trace contextRef="#ctx0" brushRef="#br0" timeOffset="802767">28045 12349 9871,'-22'-11'900,"-17"2"-900,20-4 90,-19 7-180,10 22-450,11 6 90,7 17-899,10-6 180,21 5 269,8-10 900,12-8 0,-1-7 0,-11-13 0</inkml:trace>
+  <inkml:trace contextRef="#ctx0" brushRef="#br0" timeOffset="803301">28212 12004 10501,'0'-16'90,"0"4"270,0 4-180,0 24-90,0 12 0,17 15-1,-12 5-179,9-18 1,3 0 179,0 18-46,-2-7 1,1 0-45,1 4-135,-1-9 1,-2-2-136,-5 0 0,9 7 0,-7-21 0,-8-5-1259,6-1 1439,-7-22 180,3 10 0,-3-33 360,6 18 90,-4-5-271,5 8 1,-4 2-180,2 5-90,0-5 180,1 8 0,1 0-180,2 0 90,6 0-90,-2 16 0,12 0 0,-11 4 0,18 14-180,-16-28-180,16 23 180,-19-27 0,9 5 270,-11-7-180,6-16 180,-8-2 90,-2-1 270,-2-10-180,-2 25 90,-1-23-270,-1 16 89,0-3 91,-1 6-270,0 8 90,1 0-180,1 0-359,4 18-91,-1 4-989,7 18 719,-5-18-269,3 13 1079,-2-31 0,-2 22 0,2-12 0</inkml:trace>
+  <inkml:trace contextRef="#ctx0" brushRef="#br0" timeOffset="803468">28737 12120 9152,'37'19'-780,"-16"-15"1,-4 15-1</inkml:trace>
+  <inkml:trace contextRef="#ctx0" brushRef="#br0" timeOffset="804067">29678 12354 10681,'7'-17'1799,"1"1"-1259,-7 0-1,3-2-269,-4 0 0,0-1-90,0-4-180,-17 6-90,-1-5 180,-3 13-180,-7-2-90,10 10 0,-15-1-180,16 20-89,-4 3 359,19 19 90,-4-2 0,23-7 0,5 4 90,-1-15-180,16 10 180,-14-14-90,1 3 90,5-5-180,-26-5 180,9 4-180,-12-8 180,-23 4-180,17-5-270,-53 2-270,37-4-719,-29 1-990,18-3-89,6 0 2428,7-17 0,9 13 0,11-13 0</inkml:trace>
+  <inkml:trace contextRef="#ctx0" brushRef="#br0" timeOffset="804534">29945 12184 9512,'3'-14'0,"-2"-1"179,0-3 1,-1 3-180,0-3 270,0 9 90,0 2-90,0 22-180,0 9 0,0 25 0,0-8-90,14 16-90,-10-22-135,9-3 0,0-1-135,-10-2 90,19 15 90,-14-30-179,2 2 89,-1-11 270,-8-15 540,2-5-91,-3-16 181,0 4-630,0 1 270,0 6-270,0 24 0,16 5-90,-13 21 90,29-15-630,-20 11 360,5-13-3935,5 9 4205,-19-28 0,10 8 0,-13-19 0</inkml:trace>
+  <inkml:trace contextRef="#ctx0" brushRef="#br0" timeOffset="805185">29958 12243 9242,'0'10'629,"0"0"-179,18 4-180,-13-3-90,29 11-180,-30-9 0,28 13 0,-18-10 0,4 5 0,1-8 90,-17-1-180,15 0 0,-6 0-90,4-3-270,5-1 180,-9-5-179,10-2 359,-9-15-360,7-3 450,-10 0 0,3-14 0,-9 27 0,1-29 540,-4 21-270,0-20-91,0 10 541,0 1-900,0 25-539,14 6 269,-11 20-720,24-4 361,-14-11 809,3 5 0,0-18 0,-6 7 0</inkml:trace>
+  <inkml:trace contextRef="#ctx0" brushRef="#br0" timeOffset="805417">30387 12133 9422,'13'0'989,"-5"17"-899,-1-13 90,-4 28-270,3-28 90,-1 38 90,-1-25-270,1 33-90,-3-26-809,1 13 449,-2-16-2068,1 9 2698,-2-18 0,1 2 0,-1-11 0</inkml:trace>
+  <inkml:trace contextRef="#ctx0" brushRef="#br0" timeOffset="805770">30647 11929 8522,'7'0'900,"1"0"-541,-2 0 1,3 13-180,-2-9-90,6 40 0,-7-25 180,2 40-270,-6-26 90,-2 22-90,0-21 0,0 18 0,0-25 0,0 12 0,-14-21 0,10 1 0,-21-7 0,22-6-1170,-19 1 631,9-6-181,-7 0-179,4-1-181,4 0 1080,1 0 0,0-15 0,1-2 0</inkml:trace>
+  <inkml:trace contextRef="#ctx0" brushRef="#br0" timeOffset="806385">30427 11948 9871,'0'39'1170,"0"-5"-990,0-1-90,0-4-90,0 2 0,0 3 89,0 0-89,0 18 0,0-13 0,0 23 0,0-30-89,0 15-91,0-25-1529,0 5 1529,0-33 0,0-6 180,0-29 0,0 5-90,0-4 90,0 8 0,0 0 0,17 1 0,-12-1 0,28-9 0,-29 10 180,24-11 0,-11 23 0,5-2 269,6 13-179,-12 4 90,11 1-180,-12 3 0,10 18 0,-13 1 0,5 21-91,-9-12-89,0 20 0,-6-22-179,-17 21-361,11-24-1259,-31 13 809,5-16 990,-26 15 0,6-17 0,-1 6 0</inkml:trace>
+  <inkml:trace contextRef="#ctx0" brushRef="#br0" timeOffset="807401">31173 12147 9332,'0'37'1169,"0"5"-899,0-11-180,0 18 90,0-20-270,0 22 90,0-24-90,0 9 90,11-21-90,-9 1-1619,9-10 1349,-11-18 180,0-4 270,6-22-180,-5 10 90,9-5 90,0-16 90,-1 18-180,6-22 360,-8 32 90,4-2-271,-6 16 1,1 1-90,-2 6 0,0 0-90,2 18 0,-3 3 0,3 2 90,-2 12-180,0-13 270,0 15-1349,-2-8 1259,-1-28-180,-1-9 90,0-24 360,0 6 269,0 4-449,13 10-180,1 23 0,10 8-90,-2 20 180,-7-19-90,1 15 0,-6-30-90,0 26-90,-1-28 180,5 20-180,-6-21 180,8 6 0,-9-8 0,7-18-90,-6 13 180,4-31 0,-4 31 90,0-34 90,-2 34 360,2-40-360,-4 39-270,3-30 269,-6 28-179,2-4 0,-2 7-90,2 21-90,2 5 0,2 21-269,1-10-811,5 11 361,-3-29-810,8 19 359,-5-20 1260,2 3 0,-4-2 0,-2-10 0</inkml:trace>
+  <inkml:trace contextRef="#ctx0" brushRef="#br0" timeOffset="807584">31565 11980 8432,'19'17'-563,"9"0"1,-24 3 0,10-7 0</inkml:trace>
+  <inkml:trace contextRef="#ctx0" brushRef="#br0" timeOffset="807800">31918 11982 10591,'0'48'0,"0"-10"90,0 1-360,0-8-180,0-1-89,0 1-91,0-3 0,0-1-809,0 6 1439,14-12 0,-11 5 0,10-12 0</inkml:trace>
+  <inkml:trace contextRef="#ctx0" brushRef="#br0" timeOffset="807935">31740 12247 10141,'17'-17'-90,"-13"3"0,39 2-1079,-3 0 269,14 4 624,-14 2 1,0 1-1,9 1 1,16 0-1</inkml:trace>
+  <inkml:trace contextRef="#ctx0" brushRef="#br0" timeOffset="808633">29783 13629 9422,'28'-15'-270,"-1"-1"-270,-6-22 360,-1 1 180,-6 4 180,2-20-90,-9 27 180,1-15 270,-5 14 809,-2 13-1259,-1 14-90,0 25 0,0 12 0,0 26-90,0-19-495,0-4 0,0 2-405,0 9 270,0 15 1,0-22-181,0-3 900,0-1 0,0-5 0,0-1 0</inkml:trace>
+  <inkml:trace contextRef="#ctx0" brushRef="#br0" timeOffset="808800">29675 13985 9871,'51'-19'-270,"-14"-3"1,-1 0-1,15 3-1309,1-9 1,0-1 1353,-19 14 0,1 0-270,26-12 1,0 0 134,-25 12 0,-1-1 360,11-4 0,-2-1 0,13-6 0,-3 0 0</inkml:trace>
+  <inkml:trace contextRef="#ctx0" brushRef="#br0" timeOffset="809069">30595 13415 8792,'0'-13'989,"0"2"-719,-17 2 90,13 2 0,-13 2 359,-1 3-269,2 1-450,-18 1 0,19 16 90,-9-12 0,21 25-180,-19-25 180,15 28-180,-12-7 90,13 8 0,-3 8-90,9-18 0,-2 8 90,2-18 90,0 2-180,20-9 90,-3-2-180,5-20-179,1-3-181,-21-19 0,9 2-719,-11 5-540,-17-1 1799,12 12 0,-12 1 0,17 6 0</inkml:trace>
+  <inkml:trace contextRef="#ctx0" brushRef="#br0" timeOffset="809367">30678 13425 10771,'1'36'0,"0"-7"0,-1 0 0,0-7 0,0-1 0,0-2 0,0-1 90,0-1-180,0-5-90,0-19-630,0-10 361,0-27-271,0 8 0,0-5-989,0-1 1709,0 10 0,0-9 0,0 14 0</inkml:trace>
+  <inkml:trace contextRef="#ctx0" brushRef="#br0" timeOffset="809907">30937 13336 8972,'6'0'630,"2"0"-451,-3 0-89,3 0 180,-2 0-180,-1 0-90,1 16 0,-2-12 90,0 28-180,2-7 180,-4 8-180,3 1 90,-3-10-90,-1-3 270,1 0-270,-1-1-1169,-1-5 1079,0-18 180,0-13 0,0-24 270,0-6-90,0 8 90,14-8 179,-10 22 721,23-8-1080,-16 21 89,9 17-268,-5 14 89,-5 19-180,-4 0-180,-3-1-90,-2-7 270,1-14 0,1-8 180,1-9 0,3 0 0,0-19 0,3 14 90,3-34 180,6 11 180,-1-8 179,9-6-179,-10 26 0,8-10-360,-11 23-90,4-7 0,-7 10 0,-2 0-90,1 14-899,2 11-91,-3 7-2518,3 22 3598,-7-20 0,2 13 0,-3-15 0</inkml:trace>
+  <inkml:trace contextRef="#ctx0" brushRef="#br0" timeOffset="810050">31693 13518 11490,'19'0'-5576,"-5"0"5576,-3 0 0,-5 0 0,-2 0 0</inkml:trace>
+  <inkml:trace contextRef="#ctx0" brushRef="#br0" timeOffset="853135">19243 10325 7892,'0'-8'900,"0"0"-810,0 2 180,0-1-90,0 2 0,0-2-90,0 3-1,10 1 631,-8 0-810,8 16 90,-28 6 90,14 9-180,-29 3 180,29-3-90,-18-5 0,-3 2 0,6 16 45,-10-4 0,-3 1-881,1 11 881,10-17 0,-2 1-90,-1 5 0,0 0 45,5-9 0,-1 2 45,-15 25 0,0 1-90,13-21 0,0 1 75,-3 7 0,-2 6 0,2-4-30,2-1 0,-1 3 0,1 2 0,-3 9 0,1 1 0,3-6-453,4-11 0,2-4 1,-1 5 474,-5 14 0,-1 8 1,-1 0-1,4-8 23,0 3 0,2-1-45,5-12 0,-1 4 0,0 0 0,2-5 0,-1 10 0,1 0 0,0 2 0,1 6 0,1-6 0,3-5 0,1-3 45,-2 13 0,2 2-90,3-2 0,2-3 45,0-15 0,0 0 30,-1 4 0,1 3 0,3-4-30,7-6 0,3-1-30,-6 3 0,0 3 0,2-4 120,3-6 0,2-1-315,3 21 1,1-2-316,7 4 315,-14-25 0,3-1-630,10-8 1,0-1-315,-8 8 1169,20 3 0,-18-18 0,-2-4 0</inkml:trace>
+</inkml:ink>
 </file>
 
 <file path=ppt/slideLayouts/slideLayout1.xml><?xml version="1.0" encoding="utf-8"?>
@@ -3348,6 +4718,57 @@
           <a:chExt cx="0" cy="0"/>
         </a:xfrm>
       </p:grpSpPr>
+      <mc:AlternateContent xmlns:mc="http://schemas.openxmlformats.org/markup-compatibility/2006">
+        <mc:Choice xmlns:p14="http://schemas.microsoft.com/office/powerpoint/2010/main" Requires="p14">
+          <p:contentPart p14:bwMode="auto" r:id="rId2">
+            <p14:nvContentPartPr>
+              <p14:cNvPr id="4" name="Ink 3">
+                <a:extLst>
+                  <a:ext uri="{FF2B5EF4-FFF2-40B4-BE49-F238E27FC236}">
+                    <a16:creationId xmlns:a16="http://schemas.microsoft.com/office/drawing/2014/main" id="{FC42FA5E-913E-854A-A1E9-E3A72DD18B9C}"/>
+                  </a:ext>
+                </a:extLst>
+              </p14:cNvPr>
+              <p14:cNvContentPartPr/>
+              <p14:nvPr/>
+            </p14:nvContentPartPr>
+            <p14:xfrm>
+              <a:off x="574200" y="108360"/>
+              <a:ext cx="11116080" cy="5376600"/>
+            </p14:xfrm>
+          </p:contentPart>
+        </mc:Choice>
+        <mc:Fallback>
+          <p:pic>
+            <p:nvPicPr>
+              <p:cNvPr id="4" name="Ink 3">
+                <a:extLst>
+                  <a:ext uri="{FF2B5EF4-FFF2-40B4-BE49-F238E27FC236}">
+                    <a16:creationId xmlns:a16="http://schemas.microsoft.com/office/drawing/2014/main" id="{FC42FA5E-913E-854A-A1E9-E3A72DD18B9C}"/>
+                  </a:ext>
+                </a:extLst>
+              </p:cNvPr>
+              <p:cNvPicPr/>
+              <p:nvPr/>
+            </p:nvPicPr>
+            <p:blipFill>
+              <a:blip r:embed="rId3"/>
+              <a:stretch>
+                <a:fillRect/>
+              </a:stretch>
+            </p:blipFill>
+            <p:spPr>
+              <a:xfrm>
+                <a:off x="558000" y="92160"/>
+                <a:ext cx="11148480" cy="5409000"/>
+              </a:xfrm>
+              <a:prstGeom prst="rect">
+                <a:avLst/>
+              </a:prstGeom>
+            </p:spPr>
+          </p:pic>
+        </mc:Fallback>
+      </mc:AlternateContent>
     </p:spTree>
     <p:extLst>
       <p:ext uri="{BB962C8B-B14F-4D97-AF65-F5344CB8AC3E}">
@@ -3378,6 +4799,57 @@
           <a:chExt cx="0" cy="0"/>
         </a:xfrm>
       </p:grpSpPr>
+      <mc:AlternateContent xmlns:mc="http://schemas.openxmlformats.org/markup-compatibility/2006">
+        <mc:Choice xmlns:p14="http://schemas.microsoft.com/office/powerpoint/2010/main" Requires="p14">
+          <p:contentPart p14:bwMode="auto" r:id="rId2">
+            <p14:nvContentPartPr>
+              <p14:cNvPr id="2" name="Ink 1">
+                <a:extLst>
+                  <a:ext uri="{FF2B5EF4-FFF2-40B4-BE49-F238E27FC236}">
+                    <a16:creationId xmlns:a16="http://schemas.microsoft.com/office/drawing/2014/main" id="{8341B299-4A2B-C846-961A-3A707010FF7D}"/>
+                  </a:ext>
+                </a:extLst>
+              </p14:cNvPr>
+              <p14:cNvContentPartPr/>
+              <p14:nvPr/>
+            </p14:nvContentPartPr>
+            <p14:xfrm>
+              <a:off x="484920" y="126360"/>
+              <a:ext cx="11177640" cy="5836680"/>
+            </p14:xfrm>
+          </p:contentPart>
+        </mc:Choice>
+        <mc:Fallback>
+          <p:pic>
+            <p:nvPicPr>
+              <p:cNvPr id="2" name="Ink 1">
+                <a:extLst>
+                  <a:ext uri="{FF2B5EF4-FFF2-40B4-BE49-F238E27FC236}">
+                    <a16:creationId xmlns:a16="http://schemas.microsoft.com/office/drawing/2014/main" id="{8341B299-4A2B-C846-961A-3A707010FF7D}"/>
+                  </a:ext>
+                </a:extLst>
+              </p:cNvPr>
+              <p:cNvPicPr/>
+              <p:nvPr/>
+            </p:nvPicPr>
+            <p:blipFill>
+              <a:blip r:embed="rId3"/>
+              <a:stretch>
+                <a:fillRect/>
+              </a:stretch>
+            </p:blipFill>
+            <p:spPr>
+              <a:xfrm>
+                <a:off x="468720" y="110160"/>
+                <a:ext cx="11210040" cy="5869080"/>
+              </a:xfrm>
+              <a:prstGeom prst="rect">
+                <a:avLst/>
+              </a:prstGeom>
+            </p:spPr>
+          </p:pic>
+        </mc:Fallback>
+      </mc:AlternateContent>
     </p:spTree>
     <p:extLst>
       <p:ext uri="{BB962C8B-B14F-4D97-AF65-F5344CB8AC3E}">
@@ -3408,6 +4880,57 @@
           <a:chExt cx="0" cy="0"/>
         </a:xfrm>
       </p:grpSpPr>
+      <mc:AlternateContent xmlns:mc="http://schemas.openxmlformats.org/markup-compatibility/2006">
+        <mc:Choice xmlns:p14="http://schemas.microsoft.com/office/powerpoint/2010/main" Requires="p14">
+          <p:contentPart p14:bwMode="auto" r:id="rId2">
+            <p14:nvContentPartPr>
+              <p14:cNvPr id="2" name="Ink 1">
+                <a:extLst>
+                  <a:ext uri="{FF2B5EF4-FFF2-40B4-BE49-F238E27FC236}">
+                    <a16:creationId xmlns:a16="http://schemas.microsoft.com/office/drawing/2014/main" id="{1B04ED13-A359-EA41-BB4F-0CF910580BFE}"/>
+                  </a:ext>
+                </a:extLst>
+              </p14:cNvPr>
+              <p14:cNvContentPartPr/>
+              <p14:nvPr/>
+            </p14:nvContentPartPr>
+            <p14:xfrm>
+              <a:off x="734400" y="89280"/>
+              <a:ext cx="10835640" cy="3395160"/>
+            </p14:xfrm>
+          </p:contentPart>
+        </mc:Choice>
+        <mc:Fallback>
+          <p:pic>
+            <p:nvPicPr>
+              <p:cNvPr id="2" name="Ink 1">
+                <a:extLst>
+                  <a:ext uri="{FF2B5EF4-FFF2-40B4-BE49-F238E27FC236}">
+                    <a16:creationId xmlns:a16="http://schemas.microsoft.com/office/drawing/2014/main" id="{1B04ED13-A359-EA41-BB4F-0CF910580BFE}"/>
+                  </a:ext>
+                </a:extLst>
+              </p:cNvPr>
+              <p:cNvPicPr/>
+              <p:nvPr/>
+            </p:nvPicPr>
+            <p:blipFill>
+              <a:blip r:embed="rId3"/>
+              <a:stretch>
+                <a:fillRect/>
+              </a:stretch>
+            </p:blipFill>
+            <p:spPr>
+              <a:xfrm>
+                <a:off x="718200" y="73080"/>
+                <a:ext cx="10868040" cy="3427560"/>
+              </a:xfrm>
+              <a:prstGeom prst="rect">
+                <a:avLst/>
+              </a:prstGeom>
+            </p:spPr>
+          </p:pic>
+        </mc:Fallback>
+      </mc:AlternateContent>
     </p:spTree>
     <p:extLst>
       <p:ext uri="{BB962C8B-B14F-4D97-AF65-F5344CB8AC3E}">
@@ -3438,6 +4961,57 @@
           <a:chExt cx="0" cy="0"/>
         </a:xfrm>
       </p:grpSpPr>
+      <mc:AlternateContent xmlns:mc="http://schemas.openxmlformats.org/markup-compatibility/2006">
+        <mc:Choice xmlns:p14="http://schemas.microsoft.com/office/powerpoint/2010/main" Requires="p14">
+          <p:contentPart p14:bwMode="auto" r:id="rId2">
+            <p14:nvContentPartPr>
+              <p14:cNvPr id="2" name="Ink 1">
+                <a:extLst>
+                  <a:ext uri="{FF2B5EF4-FFF2-40B4-BE49-F238E27FC236}">
+                    <a16:creationId xmlns:a16="http://schemas.microsoft.com/office/drawing/2014/main" id="{6726C40D-B49D-5740-8C9A-F65D888C71BA}"/>
+                  </a:ext>
+                </a:extLst>
+              </p14:cNvPr>
+              <p14:cNvContentPartPr/>
+              <p14:nvPr/>
+            </p14:nvContentPartPr>
+            <p14:xfrm>
+              <a:off x="583200" y="171360"/>
+              <a:ext cx="10868760" cy="3430800"/>
+            </p14:xfrm>
+          </p:contentPart>
+        </mc:Choice>
+        <mc:Fallback>
+          <p:pic>
+            <p:nvPicPr>
+              <p:cNvPr id="2" name="Ink 1">
+                <a:extLst>
+                  <a:ext uri="{FF2B5EF4-FFF2-40B4-BE49-F238E27FC236}">
+                    <a16:creationId xmlns:a16="http://schemas.microsoft.com/office/drawing/2014/main" id="{6726C40D-B49D-5740-8C9A-F65D888C71BA}"/>
+                  </a:ext>
+                </a:extLst>
+              </p:cNvPr>
+              <p:cNvPicPr/>
+              <p:nvPr/>
+            </p:nvPicPr>
+            <p:blipFill>
+              <a:blip r:embed="rId3"/>
+              <a:stretch>
+                <a:fillRect/>
+              </a:stretch>
+            </p:blipFill>
+            <p:spPr>
+              <a:xfrm>
+                <a:off x="567000" y="155160"/>
+                <a:ext cx="10901160" cy="3463200"/>
+              </a:xfrm>
+              <a:prstGeom prst="rect">
+                <a:avLst/>
+              </a:prstGeom>
+            </p:spPr>
+          </p:pic>
+        </mc:Fallback>
+      </mc:AlternateContent>
     </p:spTree>
     <p:extLst>
       <p:ext uri="{BB962C8B-B14F-4D97-AF65-F5344CB8AC3E}">
@@ -3468,6 +5042,87 @@
           <a:chExt cx="0" cy="0"/>
         </a:xfrm>
       </p:grpSpPr>
+      <p:pic>
+        <p:nvPicPr>
+          <p:cNvPr id="2" name="Picture 1">
+            <a:extLst>
+              <a:ext uri="{FF2B5EF4-FFF2-40B4-BE49-F238E27FC236}">
+                <a16:creationId xmlns:a16="http://schemas.microsoft.com/office/drawing/2014/main" id="{B11E9B22-356B-3E4A-9E76-DAEB17C0A200}"/>
+              </a:ext>
+            </a:extLst>
+          </p:cNvPr>
+          <p:cNvPicPr>
+            <a:picLocks noChangeAspect="1"/>
+          </p:cNvPicPr>
+          <p:nvPr/>
+        </p:nvPicPr>
+        <p:blipFill>
+          <a:blip r:embed="rId2"/>
+          <a:stretch>
+            <a:fillRect/>
+          </a:stretch>
+        </p:blipFill>
+        <p:spPr>
+          <a:xfrm>
+            <a:off x="0" y="1895891"/>
+            <a:ext cx="6668530" cy="1881166"/>
+          </a:xfrm>
+          <a:prstGeom prst="rect">
+            <a:avLst/>
+          </a:prstGeom>
+        </p:spPr>
+      </p:pic>
+      <mc:AlternateContent xmlns:mc="http://schemas.openxmlformats.org/markup-compatibility/2006">
+        <mc:Choice xmlns:p14="http://schemas.microsoft.com/office/powerpoint/2010/main" Requires="p14">
+          <p:contentPart p14:bwMode="auto" r:id="rId3">
+            <p14:nvContentPartPr>
+              <p14:cNvPr id="3" name="Ink 2">
+                <a:extLst>
+                  <a:ext uri="{FF2B5EF4-FFF2-40B4-BE49-F238E27FC236}">
+                    <a16:creationId xmlns:a16="http://schemas.microsoft.com/office/drawing/2014/main" id="{D9CD2429-7582-8743-818C-C193FF5DBA1B}"/>
+                  </a:ext>
+                </a:extLst>
+              </p14:cNvPr>
+              <p14:cNvContentPartPr/>
+              <p14:nvPr/>
+            </p14:nvContentPartPr>
+            <p14:xfrm>
+              <a:off x="34920" y="945000"/>
+              <a:ext cx="12080160" cy="4089960"/>
+            </p14:xfrm>
+          </p:contentPart>
+        </mc:Choice>
+        <mc:Fallback>
+          <p:pic>
+            <p:nvPicPr>
+              <p:cNvPr id="3" name="Ink 2">
+                <a:extLst>
+                  <a:ext uri="{FF2B5EF4-FFF2-40B4-BE49-F238E27FC236}">
+                    <a16:creationId xmlns:a16="http://schemas.microsoft.com/office/drawing/2014/main" id="{D9CD2429-7582-8743-818C-C193FF5DBA1B}"/>
+                  </a:ext>
+                </a:extLst>
+              </p:cNvPr>
+              <p:cNvPicPr/>
+              <p:nvPr/>
+            </p:nvPicPr>
+            <p:blipFill>
+              <a:blip r:embed="rId4"/>
+              <a:stretch>
+                <a:fillRect/>
+              </a:stretch>
+            </p:blipFill>
+            <p:spPr>
+              <a:xfrm>
+                <a:off x="18720" y="928800"/>
+                <a:ext cx="12112560" cy="4122360"/>
+              </a:xfrm>
+              <a:prstGeom prst="rect">
+                <a:avLst/>
+              </a:prstGeom>
+            </p:spPr>
+          </p:pic>
+        </mc:Fallback>
+      </mc:AlternateContent>
     </p:spTree>
     <p:extLst>
       <p:ext uri="{BB962C8B-B14F-4D97-AF65-F5344CB8AC3E}">

--- a/lesson10.pptx
+++ b/lesson10.pptx
@@ -12,6 +12,12 @@
     <p:sldId id="260" r:id="rId6"/>
     <p:sldId id="261" r:id="rId7"/>
     <p:sldId id="262" r:id="rId8"/>
+    <p:sldId id="263" r:id="rId9"/>
+    <p:sldId id="264" r:id="rId10"/>
+    <p:sldId id="265" r:id="rId11"/>
+    <p:sldId id="266" r:id="rId12"/>
+    <p:sldId id="267" r:id="rId13"/>
+    <p:sldId id="268" r:id="rId14"/>
   </p:sldIdLst>
   <p:sldSz cx="12192000" cy="6858000"/>
   <p:notesSz cx="6858000" cy="9144000"/>
@@ -110,6 +116,11 @@
       </a:defRPr>
     </a:lvl9pPr>
   </p:defaultTextStyle>
+  <p:extLst>
+    <p:ext uri="{EFAFB233-063F-42B5-8137-9DF3F51BA10A}">
+      <p15:sldGuideLst xmlns:p15="http://schemas.microsoft.com/office/powerpoint/2012/main"/>
+    </p:ext>
+  </p:extLst>
 </p:presentation>
 </file>
 
@@ -390,182 +401,182 @@
   <inkml:trace contextRef="#ctx0" brushRef="#br0" timeOffset="162125">26950 13928 10321,'0'-8'1169,"0"25"-1079,17 4 0,-13 24-90,30-2-887,-29 9 887,13-23 0,1 0 90,-14 36-90,14-32 0,0 1-468,-16 0 0,-1 0 468,13-1 0,2 1 0,-9 10 0,-3 1 0,11 18 0,-6-25 0,-2-1 0,-6 1-341,9-5 251,-10-9-449,5-7-91,-6-6 1294,3-24-664,-3-17 0,0-15 799,0-8-709,0 6 90,9 13 0,0 1 180,-4-16-91,11 12 1,0 2 0,-12 3 835,24-1-1105,-13 23 0,7 4-90,-2 31 180,-6-6-90,-3 12 0,0 2-270,6 9-135,-2-2 1,-1 1-496,4 8-135,-4-10 1,0-2 91,4 4 943,17 10 0,-13-33 0,11-1 0</inkml:trace>
   <inkml:trace contextRef="#ctx0" brushRef="#br0" timeOffset="162808">27823 14389 11041,'-16'-5'359,"12"-5"271,-31 9-450,11-4-90,-9 5-90,11 17 0,-14 9 90,22 10-135,-5-8 0,0 0 45,9 9-180,-5 12-90,14-17 180,-2-1 0,3-3-180,23 4 91,-18-12-181,35-3 180,-18-12 180,16-25 90,-1-8 0,-16-10 270,3-3-1,-21 11 451,7-11-540,-10 13-180,0-5-180,0 15 90,0 31 0,0 21-90,0 12-180,7-11 0,1-2 0,-4-1 0,27 7-539,-6-19 359,6-3-359,9-7 539,-15-4 180,14-24 90,-15-10-727,5-10 996,-12-4 1,-1 9 270,-6 0 136,-1-11-316,-6 14-90,-1-11-180,-2 22-180,0 23 180,0 12 700,0 31-790,16-13 340,-12 1-520,27-9 0,-12-12 0,8 7 91,10-19 89,-13 5 0,14-24 0,-16-10 0,9-24 89,-15 6 451,2-17-180,-11 26-90,-2-8-90,-3 12-270,-2 12-90,0 18-989,0 33-1,18 7-2068,-1 26 3238,5-31 0,7 9 0,-9-16 0</inkml:trace>
   <inkml:trace contextRef="#ctx0" brushRef="#br0" timeOffset="162954">28985 14412 14189,'11'0'-990,"-2"0"541,-3 12-91,-3-9 540,0 10 0,-2-13 0,-1 0 0</inkml:trace>
-  <inkml:trace contextRef="#ctx0" brushRef="#br0" timeOffset="463029">8313 2542 7803,'-21'0'1799,"2"0"-810,11 6-1169,-11-4-180,15-7 0,-22 2 181,24-17 89,-19 10 90,19-10 0,-7 6 0,9-2 90,0 8 0,0-1 179,0 1 1,0 2 180,17 2-90,4 3-270,11 16-90,-13 5 0,0 11 0,-17 1 0,6 12 0,-8-8-45,-11-3 0,-1 1-45,6 7-437,-15-15 1,-1 0 256,17 9-90,-36-2-180,35-3-449,-46 6 539,44-14 180,-44 3 270,39-18 0,-14-2 270,19-25 1233,5 3-1143,21-6 0,-13-2 179,28 22-89,-11-9-360,19 12 0,6 17-90,-8-13-630,12 30-629,-19-19 1259,21 5 0,-21 0 0,10-9 0</inkml:trace>
-  <inkml:trace contextRef="#ctx0" brushRef="#br0" timeOffset="463660">9262 2275 9961,'0'-11'1889,"0"1"-1799,2 2 180,0 5 180,4 0-270,0 3-180,6 18 0,0-13 0,3 35 0,-3-19 0,2 23-180,0-3-765,-5-9 1,1 2-136,5 20-134,-5-8 0,0 0 884,2 5 1,3 11-1,-3-23 1</inkml:trace>
-  <inkml:trace contextRef="#ctx0" brushRef="#br0" timeOffset="463861">9683 2401 9871,'-45'0'2519,"20"22"-2339,-17-16-180,27 24 0,0 3 0,-24-5-45,19 12 0,2 2-45,-9 3-450,19-8 1,2-1-91,-7 3-1259,13 20 810,21-32 89,-15 4 990,46-19 0,-25-5 0,27-5 0</inkml:trace>
-  <inkml:trace contextRef="#ctx0" brushRef="#br0" timeOffset="464044">9990 2529 9961,'-18'-10'1889,"14"19"-1889,-14 15-270,18 10-359,0 1-91,0-6 1,18-1-91,-14 0 0,27-1 1,-27-3-180,24-2 989,-24-4 0,24-3 0,-12-3 0</inkml:trace>
-  <inkml:trace contextRef="#ctx0" brushRef="#br0" timeOffset="464194">10115 2384 9062,'-24'-10'0,"5"0"-90,4 3 90,11 1 0,-11 4 0,15-1 0</inkml:trace>
-  <inkml:trace contextRef="#ctx0" brushRef="#br0" timeOffset="464813">10377 2760 9242,'-14'-17'-450,"23"-11"450,-4-9 0,30-6-573,-31 10 663,26-2-90,-27 3 0,11 1 338,-14-4-158,0 10 270,0-3 529,-17 12-619,-9 9-180,-8 18-180,11 17 0,2 10 0,19 5 0,-8-7 0,10 20-90,19-14-295,-14 13-65,35-11 181,-9-15-91,-3-9 0,2-4 0,20-5 135,-16-4 0,-1-5 135,7-18 90,9 11 180,-8-45 90,-14 29 1259,2-38-809,-20 24-360,-4-3-180,-24 12-270,14 28 180,0 13 0,23 15-90,19-9 0,-1-11 0,-4-10 0,-1 0 0,-20-22 0,10 16 629,-19-35-449,7 17 0,-9-9-270,0-2 0,0 16 0,0 25-629,0 15-361,22 19-719,3 12 630,2-21 1169,0-5 0,-1-2 0,-5-8 0,28 4 0</inkml:trace>
-  <inkml:trace contextRef="#ctx0" brushRef="#br0" timeOffset="465043">10435 2265 9062,'-27'-9'719,"-2"-3"-539,14 3-90,2-5-90,30 0 0,-13 2-90,34 0-1169,-11 5 719,20 3-899,1 1 1439,-14 3 0,-3 17 0,-13 5 0</inkml:trace>
-  <inkml:trace contextRef="#ctx0" brushRef="#br0" timeOffset="465213">10658 2069 9512,'36'-3'269,"-7"-1"-269,-3 4-449,-5 15-181,0-12-449,1 31 1079,8 1 0,-8 10 0,5 8 0</inkml:trace>
-  <inkml:trace contextRef="#ctx0" brushRef="#br0" timeOffset="465749">12255 2536 10231,'-34'-3'270,"0"1"270,-10 2-450,10 0-270,-19 15 180,25 0 0,-10 19 0,23-18-450,1 16 270,11-15 90,3 9-270,24-6-89,3-6 269,27-7-90,-15-2 180,2-25 180,-12 15-180,-2-42 90,0 24 45,-11-9 0,-2-4 45,0-11 269,0 3 1,-3 0 90,-9-9 90,2 9 0,0 0-447,-4-3 266,-16-10 1,13 18-360,-26 14 0,25-3 90,-19 21-90,21 21 0,-8 36 0,10 1-180,9-5 0,0 1-629,-4 3-91,10-6 1,4-2-1,7 6-76,-10-18 1,3-2-15,22 6 990,-8-5 0,3-7 0,1-4 0</inkml:trace>
-  <inkml:trace contextRef="#ctx0" brushRef="#br0" timeOffset="466079">12883 2432 11311,'-40'-9'719,"0"2"-719,0 7 0,17 19 0,-11 6 0,21-1 0,-4 25-270,8-33-449,27 31 359,8-26 180,22-3 180,-8-10-90,9-23 90,-22 12 180,10-43 90,-25 26 449,6-36-539,-17 27-270,4-4 270,-5 12-180,0 35-90,0 9-495,10 7 1,0 4-226,-5 15-135,22-15 1,3-5-585,-5-7 1529,3-1 0,2-4 0,8-13 0,3 9 0</inkml:trace>
-  <inkml:trace contextRef="#ctx0" brushRef="#br0" timeOffset="466283">13580 2089 10771,'-29'-21'809,"-9"1"-179,34 11-540,-12 18-90,16 21 90,0 11-90,0 8-1066,0-7 976,0-1-1305,18 22 585,-13-18 180,11-9 1,2-2 89,-4 2-89,5 6 629,-2-12 0,-15-12 0,6 3 0</inkml:trace>
-  <inkml:trace contextRef="#ctx0" brushRef="#br0" timeOffset="466410">13363 2418 9062,'-14'-17'90,"-4"13"90,16-25-630,-4 20 0,6-11-449,28 12 359,4 1-449,18 7 989,-5 0 0,-8 0 0,0 0 0</inkml:trace>
-  <inkml:trace contextRef="#ctx0" brushRef="#br0" timeOffset="466747">13973 2325 9602,'-18'-11'2338,"-9"1"-2068,-13 10-270,-3 16 0,9 9 0,15 9 0,-1 4-90,18 7-270,-5-11 180,7 11-449,24-9 89,-18-11 0,38 1 360,-15-18 180,20-4 0,-8-23 90,-8-10 180,-8-9 90,-13-3 540,-1-5-541,-11 13-89,0-16-360,0 26 180,0-4-630,-14 19-269,11 20-450,9-7-91,-1 33 1350,30-8 0,-8 8 0,18 2 0</inkml:trace>
-  <inkml:trace contextRef="#ctx0" brushRef="#br0" timeOffset="467143">15132 2048 12030,'-16'-15'1619,"0"1"-1349,1 5-270,3 1-90,1 2 180,5 2-90,2 17-540,2 35 91,2 1-893,8-2 1,1 2 802,-5 10 44,4-20 0,1-1-404,11 15-1126,-16-3 1305,27-4-1891,-28 10 2611,17-18 0,-17 4 0,6-20 0</inkml:trace>
-  <inkml:trace contextRef="#ctx0" brushRef="#br0" timeOffset="467294">15007 2455 9871,'-21'-30'90,"-4"0"-90,23 1 0,-7 4 0,9 0 0,0 4-90,23 3-359,11 2-1,13 7 45,-12 5 0,-1 1-44,12 1-271,5 9 0,0 6 203,2 8 228,-10-10 1,-2 2 0,-1 18 0,-1-11 0</inkml:trace>
-  <inkml:trace contextRef="#ctx0" brushRef="#br0" timeOffset="467671">15660 2429 8072,'3'4'810,"2"5"-720,-2-7-90,5 7 0,-2-2 0,3 1-90,1 2-90,1-3-90,1 0-449,11 3 269,-3-2-180,17 2 180,-13-5 91,15-2 449,-18-3 449,5-14 181,-14 11-180,-1-24-181,-5 23 631,-2-24 179,-2 11-449,-2-12-91,-20 7-359,4 10-270,-6 21 90,11 17-180,11 27 90,0-2 45,10-12 0,1 0-135,-6 12-447,5-16 1,1-2 446,5 16 180,-12-1-90,23 1-1459,-20-7 1,-3 0 1458,8 12-45,-7-16 0,-2 1-1738,-3 19 974,0-24-361,0 11-89,0-31 1439,-15-6 1,11-3 0,-12-4 0</inkml:trace>
-  <inkml:trace contextRef="#ctx0" brushRef="#br0" timeOffset="468128">16225 2482 8972,'-18'19'1709,"18"5"-1619,4 12-90,10 0 0,-2-5 90,-9 0-180,9 3 90,-3 14 90,-7-13-90,7 9 90,-9-20-90,0-5 0,0-2-360,0-5 90,0-20 180,0-14 0,0-14 90,-14-10-1043,11 3 1043,-10-6 90,13-5-90,0 14 0,0-2-90,0-22 135,-2 13 0,4 2 135,14-4-84,-16 16 1,4 4 83,31 3 89,-17 2-89,16 19 0,-9 24-90,-10 13 0,-2 27-90,-12-8 0,2-12 0,-1-1-1025,-2 5 306,-18 14-1620,13-6 900,-32-16 1439,33 8 0,-15-22 0,19-1 0</inkml:trace>
-  <inkml:trace contextRef="#ctx0" brushRef="#br0" timeOffset="468429">16532 2366 9242,'11'18'629,"2"-4"-449,-4 0 0,12-11-90,-5 11-90,9-14 0,-5 0 90,4 0 0,1 0 0,13 0 0,-10-15 0,17-2 180,-24-1 359,5-22-539,-18 25 180,-2-21-90,-6 19-90,0-1 90,-22 10-90,0-1-90,-18 25 0,20 7-360,-5 24-90,22-7-1349,11 18 810,-4-25 989,26-5 0,6-2 0,0 1 0,3-10 0,0 1 0</inkml:trace>
-  <inkml:trace contextRef="#ctx0" brushRef="#br0" timeOffset="468815">17807 2370 10681,'-6'-9'630,"2"0"-630,4 2-90,0-1 90,21 0-450,-15 2-675,25 2 1,6 3 315,-13-1 809,11 8 0,1 0 0,-8-2 0,5 10 0</inkml:trace>
-  <inkml:trace contextRef="#ctx0" brushRef="#br0" timeOffset="468943">18008 2657 10681,'0'12'1529,"0"-2"-1529,19-4-450,10-3-2428,34-20 899,-5-6 1589,-23 12 0,-1-1 0,-5-8 0,-1-1 0,31-7 0</inkml:trace>
-  <inkml:trace contextRef="#ctx0" brushRef="#br0" timeOffset="469677">19053 2137 10771,'0'-11'180,"0"4"269,0 2-359,18 19 0,1 21-180,3 3 135,-6-6 0,-4 1-45,-9 4 0,20 22 0,-21-25 0,7 3-180,-6-17 91,-2-4-1441,6-3 1081,-6-20 449,2-15 0,-3-14 0,0-8 90,14 5 179,-10-18 91,28 15 180,-16-20-270,4 33 180,2 0-450,-9 20 89,5 5 91,3 25-90,-8-15-90,3 57 0,-5-37 0,-5 11 0,-1 1 0,1-2 0,1 8 0,-4-20 0,1-5-90,-1-8-629,-1 3 359,0-12 360,1 6 0,0-25-90,2 12 180,3-35-180,1 20 180,4-23-90,-1 7-90,4-2 180,-1 0 360,5-8-270,-4 15 269,5-3-359,-7 23 0,0 4-90,-4 7 0,-1 0 90,2 18-90,-1-13-90,0 39 180,0-22-629,5 40-451,-2-20 90,-1-8 1,1-1-482,7 5-148,10 8 1529,-1-21 0,4-6 0,3-3 0</inkml:trace>
-  <inkml:trace contextRef="#ctx0" brushRef="#br0" timeOffset="470031">20385 2174 9871,'-59'-4'1799,"1"0"-1619,14 4-90,2 0-90,1 16 0,11 7 0,-12 22 90,28-7-360,-8 13 90,21-21 90,-6 6-89,25-13 89,-14-7-90,37-2 180,-21-7-90,20-3 90,-7-4 0,13-15 0,-11 12 180,16-30 0,-26 9 359,2-21-269,-20 9-90,-1 3-90,-6 14-90,0-1-90,0 24-899,0 10 269,0 27-1079,0 4 810,0-9 989,18 1 0,3-24 0,17 2 0</inkml:trace>
-  <inkml:trace contextRef="#ctx0" brushRef="#br0" timeOffset="470365">20643 2216 10951,'-21'-3'629,"4"22"-629,17 2 0,0 23 0,0-11 0,0-3-90,0-11-89,14-8 89,-10 7 90,10-9-180,-5 3 270,1-21-180,6-14 180,-1-24-90,-5 8 180,7-19-180,-9 25 89,10-20 1,-11 35-90,5-9 0,-7 26 0,1 14-539,-2 15-990,3 25 809,1-6-269,3 4 989,11-5 0,-2-13 0,10 8 0</inkml:trace>
-  <inkml:trace contextRef="#ctx0" brushRef="#br0" timeOffset="470781">21240 2192 10411,'-40'-6'450,"3"1"-360,15 20 90,-6-12-180,25 26-90,-9-8-180,12 17 180,26 0-90,10-6 270,12-14-818,0-8 638,-16-10 180,1 0-90,5 0 0,-18-17 90,10 13 450,-27-32-180,8 9 180,-11-21-271,0 10-89,-21-4-180,-2 18 638,-13 5-548,16 30-90,9 21 90,11 13-1076,21 4 986,-15-7 0,37 1 0,-37 1 0,21-13 0,3 1 0,-10 13 0,8-9 0,-1-1 90,-11 1-691,12 11 242,-26-29-2970,9 1 2070,-39-14 1259,-17-17 0,15 1 0,-1-4 0,-3-6 0,0 0 0</inkml:trace>
-  <inkml:trace contextRef="#ctx0" brushRef="#br0" timeOffset="471015">20232 1610 9512,'0'-24'809,"24"1"-449,-18-1-90,39 2 179,-19-3-359,-1 8-269,12 0-1800,-33 27 539,12 18-358,-47 12 1488,4 12 0,-1-29 0,-2 0 0,7 2 0,0 0 0</inkml:trace>
-  <inkml:trace contextRef="#ctx0" brushRef="#br0" timeOffset="472026">8778 2752 7982,'-15'16'2789,"21"-12"-2699,-2 29-90,26-17 0,-27 16 90,20-6-90,-21 1 0,10 1-90,-12 1-180,0 2-270,0 3-89,-20 3-316,-3-5 1,-5 1 336,-2-5 1,-4-1-1,-10 11 1,-1 0-1,6-9 1,1 0 0</inkml:trace>
-  <inkml:trace contextRef="#ctx0" brushRef="#br0" timeOffset="500179">7985 4067 9062,'-1'-11'1349,"-1"-3"-1169,1 9-90,-2-9-90,3 6 270,0-2 0,0 1-270,0 2 90,16-7-180,-12 4 90,31-3 0,-31 3 0,33 1 90,-33 0-180,29 3 90,-29 2 0,26 3 90,-14 0-180,6 1 269,3 14-268,-13-11 178,3 26-89,-8-25 0,-2 28 0,-3-19-89,-1 21-181,-1-13-360,-16 10 360,12-15-449,-13 1 89,17-7 630,17-6-90,5-1 180,11-3 0,1 0 0,6 0 90,-9 0 180,20 0-91,-23 13 181,11 1-180,-23 1-90,3 6-180,-12-19 0,-3 20 90,-3-12 0,-19 18 0,14-9-90,-32 15 0,8-16 0,-8 7-90,-4-12 180,11-2-360,0-2-270,-1-2-449,0-3-1,1-1 990,-8-3 0,9 0 0,-6 0 0</inkml:trace>
-  <inkml:trace contextRef="#ctx0" brushRef="#br0" timeOffset="500533">8700 4304 8162,'-16'-12'2159,"4"21"-2069,27-17 0,-11 31 90,26-20-90,-27 21 0,25-13 0,-25 13 90,21-5-90,-21 2-90,14 1 0,-15 3-180,4 2-810,-28 18 91,0-7-406,-12-3 1,-6 0 1127,11-11 1,-2-2 0,-12 8-1,-3-1 1,10-8 0,0-1-1</inkml:trace>
-  <inkml:trace contextRef="#ctx0" brushRef="#br0" timeOffset="502308">9560 3694 9602,'0'-9'1439,"0"2"-1169,0 1-270,0 1 629,0 3-719,0 17 180,0 14-90,0 12 0,0 10 0,15-5 0,-14-9 0,2 2-169,12-10 0,3 2 34,-8 22 0,-1 0-315,13 7-450,-4-11 1,-2 0 90,-5 4 314,2-20 0,1-1-1124,1 18 1619,-7-15 0,1 2 0,-8-16 0</inkml:trace>
-  <inkml:trace contextRef="#ctx0" brushRef="#br0" timeOffset="502445">9393 4312 7623,'0'-18'0,"19"-1"0,-15-2-135,24 4 0,4 0-225,-5-10 360,14 1 0,3 2 0,4-5 0,-15 9 0,0 0 0</inkml:trace>
-  <inkml:trace contextRef="#ctx0" brushRef="#br0" timeOffset="502865">9962 3718 7533,'-13'17'1709,"2"5"-1709,11 12 90,23 2-90,-18-5 0,32 5 0,-33 4 0,10-10 0,3 1 0,2 17 0,-2-6 0,-1-1 0,2 7-90,-2-10 0,-3 0-906,-5 1 996,11 7 240,-12-23-510,-3-5-180,0-7 180,-3-5 270,1-23-90,-2-25 90,0-4 510,0-11-420,0 22 0,0 2 0,0 2 630,16-1-541,-12 10-89,23 5-90,-10 11 90,-2 21-90,12-12 157,-17 30-157,13-29-270,-5 35-720,10-9 541,-4 10-811,18 9 1260,-13-22 0,7 3 0,-9-11 0</inkml:trace>
-  <inkml:trace contextRef="#ctx0" brushRef="#br0" timeOffset="503143">10800 4044 8702,'-38'-7'1259,"0"1"-1349,6 23 180,4 7-180,13 9 90,6 2 0,9-7-269,0 12 89,22-10-270,8 16 270,-1-24 180,23-2-90,-17-6 180,14-12-90,2 6 0,-25-23-90,2-5 90,-19-19-90,-3 7 180,-28-1-180,17 11-540,-57 1 1,38-2 629,-11 14 0,-2 1 0,5-5 0,-10 7 0</inkml:trace>
-  <inkml:trace contextRef="#ctx0" brushRef="#br0" timeOffset="503359">11410 4109 8972,'0'30'-360,"0"-6"-270,0 4-179,0-7-181,0 3 990,15-1 0,-11 1 0,10 1 0</inkml:trace>
-  <inkml:trace contextRef="#ctx0" brushRef="#br0" timeOffset="503525">11622 3989 8972,'0'-9'-3058,"-17"2"3058,13 23 0,-12-13 0,16 15 0</inkml:trace>
-  <inkml:trace contextRef="#ctx0" brushRef="#br0" timeOffset="503761">10782 3887 8522,'-12'-17'270,"2"3"-270,3 2 180,4 3-90,1 1 0,2 2 0,0 2 0,19 2 0,-15 17-360,35-11 90,-34 29-810,26-5 361,-28 9 629,8 16 0,-11-20 0,0 9 0</inkml:trace>
-  <inkml:trace contextRef="#ctx0" brushRef="#br0" timeOffset="503913">10712 3673 8252,'26'-14'180,"9"3"-270,-31 5-90,31 3-269,-17 1-541,21 2 990,-4 0 0,6 20 0,6 4 0</inkml:trace>
-  <inkml:trace contextRef="#ctx0" brushRef="#br0" timeOffset="504409">12462 3820 9422,'-55'0'-90,"3"0"90,1 0-45,17 7 0,0 4 45,-13 15-45,13-3 0,3 2-45,3 16-360,3 11 180,18-24-359,50 15 359,-15-29 225,14-4 0,3-4 45,0-6 45,-6-6 0,0-5-45,3-13-1541,9 1 1811,-24-18 359,-7 25 630,-3-26-1079,-10 13-180,-1-1 0,-23 14 282,1 24-192,-4 20-90,8 27 90,12-5-45,9-11 0,1-1-418,-5 11 373,15-16 0,-1 0 0,-14 11 90,15-2-90,-6-4 0,-11-1 0,10-6 0,-13-1-134,0 1-856,0-9 990,-16 2 0,12-16 0,-12-1 0</inkml:trace>
-  <inkml:trace contextRef="#ctx0" brushRef="#br0" timeOffset="504609">12858 3764 8612,'14'15'1619,"-2"-13"-1619,-7 29 0,0-27 0,-3 32 0,4-19-180,2 32-359,1-18-361,2 9 180,-2-14 1,-1-1-271,3-3 990,-3-3 0,3-3 0,-3-2 0</inkml:trace>
-  <inkml:trace contextRef="#ctx0" brushRef="#br0" timeOffset="504745">12842 3767 9332,'-14'-24'90,"11"1"-270,-19 6-360,20 2 360,-13 5-1619,14 1 1799,13 6 0,-8 15 0,13 5 0</inkml:trace>
-  <inkml:trace contextRef="#ctx0" brushRef="#br0" timeOffset="505109">13450 3849 9332,'-46'0'1439,"-3"0"-1529,14 0 90,-1 0 0,13 0-90,2 17 90,-1-1-180,11 17-360,1-2 271,34 5 269,-18-12 0,37 1 0,-19-20 89,15 0-89,-6-5 810,-15-15-270,-9-4-450,-9-10-270,0 2-90,0 34-989,0 5 539,14 32 90,-11-13-89,22 0 719,-9-2 0,0-16 0,-3 3 0</inkml:trace>
-  <inkml:trace contextRef="#ctx0" brushRef="#br0" timeOffset="505425">13667 3933 9062,'14'38'270,"-11"1"-270,22-20 0,-22 11-180,19-18 180,-19 9-270,15-10 270,-13-6-90,7-5 90,-5-18 0,-1 13 0,-1-33 90,1 22 360,3-33-360,-3 20 179,2-16-89,-5 30 180,0-12-360,1 24 180,0-7-270,7 30-180,-2-16-1799,10 60 630,-4-34 1350,-4 3 0,-1 3 0,9 8 0,1 2 0</inkml:trace>
-  <inkml:trace contextRef="#ctx0" brushRef="#br0" timeOffset="505799">14548 3610 11580,'-12'-21'270,"2"2"-360,0 5 90,4 2 0,2 5 0,2 2 0,2 19 0,-1 16 90,18 9-270,-13 9-741,25-7 381,-25 5-89,22 1-136,-17-14 1,-2 0 44,9 15-180,-5-10 1,-1-1 899,0 0 0,2 8 0,-5-19 0</inkml:trace>
-  <inkml:trace contextRef="#ctx0" brushRef="#br0" timeOffset="505958">14448 3911 9152,'-12'-26'-90,"10"-1"-90,-10 1-180,12 0-359,21-7 359,-15 9 45,32 5 0,9 4 135,-12 2 0,20 5 0,2 2-179,-4 5-21,-16 1 1,-1 0 0,15 0 0,-1 0 0</inkml:trace>
-  <inkml:trace contextRef="#ctx0" brushRef="#br0" timeOffset="506175">15155 3739 8162,'0'17'1440,"-20"-5"-1440,15 2 0,-30-4 0,31 4 0,-27 2-90,15 15 180,-3-6-90,7 30 0,12-26-180,0 15 0,27-24 90,-20-4-180,47-2 180,-30-3-90,24-4 90,8-3-90,-17-2-180,23-21 91,-34 15 89,-2-31-180,-14 32-719,-11-33 1079,-14 13 0,8-10 0,-12 4 0</inkml:trace>
-  <inkml:trace contextRef="#ctx0" brushRef="#br0" timeOffset="506434">15688 3887 7803,'4'19'269,"-2"13"-179,2-28-90,-2 27 90,4-12-90,-3 7-270,9 6 91,-6-19-541,10 3 270,-8-12 450,11-3 0,-7-1 0,6 0 0</inkml:trace>
-  <inkml:trace contextRef="#ctx0" brushRef="#br0" timeOffset="506575">15902 3788 8792,'7'-11'989,"-1"2"-719,-3 9-90,0 0-180,-1 0 0,2 15 0,0-11 0,1 27 0,4-7-629,-2-3-1440,6 17 719,-4-18 1350,2 2 0,0 4 0,-2-12 0</inkml:trace>
-  <inkml:trace contextRef="#ctx0" brushRef="#br0" timeOffset="506925">15142 3653 9781,'-8'-13'720,"3"-1"-630,2 2-90,2-7-90,1 7 180,19-5-360,-15 10-989,29 1-90,-18 4-270,13 16 1619,-2-10 0,-6 26 0,-2-9 0</inkml:trace>
-  <inkml:trace contextRef="#ctx0" brushRef="#br0" timeOffset="507075">15273 3528 9512,'0'-26'989,"24"6"-989,-18 3 0,41 6-450,-26-1-2068,38-2 775,-16 5 1743,13-1 0,-13 7 0,2 2 0</inkml:trace>
-  <inkml:trace contextRef="#ctx0" brushRef="#br0" timeOffset="507611">15700 3957 9152,'-5'-17'899,"21"-2"-899,-11-11 0,31 13 0,-21 1-1079,15 14 179,-8-5 900,-2 21 0,-11 9 0,-2 16 0</inkml:trace>
-  <inkml:trace contextRef="#ctx0" brushRef="#br0" timeOffset="508061">16527 3437 11131,'0'-9'629,"0"2"-449,0 2-90,0 24-360,0 27-719,18 4-136,-8-6 1,0 1 135,12 6 989,-6-6 0,-2 2 0,2 5 0,-1-17 0,0-1 0</inkml:trace>
-  <inkml:trace contextRef="#ctx0" brushRef="#br0" timeOffset="508197">16487 3817 8882,'0'-23'-1169,"20"1"1169,25-17 0,2 17 0,-17 4 0,1 1 0</inkml:trace>
-  <inkml:trace contextRef="#ctx0" brushRef="#br0" timeOffset="508708">17225 3761 8792,'-24'24'1169,"17"1"-1169,-41-5 0,27 3 90,-33 12-180,23-8 90,-13 19 0,29-19 0,-10 4-270,23-11-89,-7-4 269,9-1-180,0-2 0,20-3 90,-15-5-360,54-1 450,-34-3-45,10 1 1,2-3 134,1-18 0,10 14 0,-20-31 0,-4 32 180,-12-34 719,3 11-539,-13-10 90,5 2-360,-7 14 179,0 3-269,-19 4 0,15 1 90,-29 6-90,30 17 0,-11 9-180,14 15 90,23-17-89,-17 8-91,40-22 90,-27 7-90,33-10 270,-18 0 0,21 0-90,-24-17 180,5 13 90,-15-30 90,-6 30 90,-1-30 89,-6 29 541,-4-29-720,-2 18-360,-2-10-270,0 30-989,0 11-450,18 27 1799,4-5 0,20-1 0,1-5 0</inkml:trace>
-  <inkml:trace contextRef="#ctx0" brushRef="#br0" timeOffset="508891">17443 3298 9781,'-12'-3'-1349,"2"1"-270,5 17 1619,25 5 0,-15 12 0,17 0 0</inkml:trace>
-  <inkml:trace contextRef="#ctx0" brushRef="#br0" timeOffset="509029">17590 4456 8522,'0'5'-270,"0"-1"0,0-3 1</inkml:trace>
-  <inkml:trace contextRef="#ctx0" brushRef="#br0" timeOffset="509910">18347 3591 10231,'0'-18'720,"-17"1"-720,13 7 0,-12-1 0,3 7-180,9 24-720,-9 28 451,13 4 179,12-11 0,2-1-981,-8 0 1116,18-14 1,6-2-747,9 9 701,15-17 45,-19-7 0,0-2 225,5-7-90,23-19 90,-33 14 0,6-37 180,-20 24 180,-3-21 1079,-8-10-1169,0 19-270,-5-14-180,-17 24 1189,13 6-1099,-12 23 582,16 27-672,22 6 90,-9-9 0,1-1-270,13 1-374,18 8 284,-25-18 91,22-4-1,-9-3 0,14-4 270,-11-5-46,17-3 46,-24-19 269,6-4 91,-22 0 270,0-14 89,-11 11-449,1-14 13,-3 8-1542,-15 13-313,11 25-227,-11 9 1799,37 18 0,-17-19 0,17-4 0</inkml:trace>
-  <inkml:trace contextRef="#ctx0" brushRef="#br0" timeOffset="510247">19597 3603 9152,'-47'-8'1889,"2"2"-1619,7 24-360,1-14 180,23 30-90,-10-30 0,22 31 0,-6-20 89,8 24-89,0-15-449,17 13 269,6-18 90,24 3 90,-8-15 0,2-2 0,1-5 0,-11-20 90,12-4 0,-21-1 629,-1-28-449,-14 36-90,-4-28-270,-3 21 90,0 7-719,-13 18-900,10 30 809,-11 6 810,19 2 0,7-1 0,4-2 0,16 20 0</inkml:trace>
-  <inkml:trace contextRef="#ctx0" brushRef="#br0" timeOffset="510474">18913 3194 8522,'0'-18'90,"28"2"-180,-21 4 135,29 2 0,7 4 45,-12-1-90,14 1 0,1 3 0,-6 2-1349,11 17 0,-35 12 1349,-2 10 0,-14 11 0,0-8 0</inkml:trace>
-  <inkml:trace contextRef="#ctx0" brushRef="#br0" timeOffset="510908">20408 3465 10501,'-27'-9'-90,"-11"2"90,14-2-180,-15 6 180,0-1 0,18 23 0,-4-14 0,23 33 90,-8-11-270,10 8 180,22 3 0,7-1-90,12-8 135,-13-6 0,-2-1-45,7 4 0,7 3 0,-12-3 0,-14-10 0,0 9-180,-14-12-899,-20 5 539,14-8-179,-40 0 89,26-3 0,-22-2 630,11-3 0,4 0 0,-1-2 0</inkml:trace>
-  <inkml:trace contextRef="#ctx0" brushRef="#br0" timeOffset="511158">20517 3702 7623,'43'-4'90,"16"0"-180,-19-1 180,21-3 0,-34 5-180,5-4 180,-19 3 89,-3 0-89,-6-1 180,-2-3-90,-2 1 360,-20-7-180,-3 5 359,-23-2-719,24 4 360,-15 3-360,21 2 0,-13 2 0,15 15 0,5 7-90,9 10-450,0 1-1439,19 20 990,-14-21 989,38 17 0,-22-28 0,22-2 0</inkml:trace>
-  <inkml:trace contextRef="#ctx0" brushRef="#br0" timeOffset="511442">21075 3477 9062,'-29'0'0,"3"0"0,-4 0 0,16 15 90,-9-11 0,21 29-90,-6-11 90,31 21-180,-17-10 90,36 10 0,-14-18 0,-3 8 270,15-6-91,-24-9-179,4 9 0,-8-16-359,-12 7-181,-18-11-719,-5 3 629,1-6 630,-17 1 0,16-4 0,-19 1 0</inkml:trace>
-  <inkml:trace contextRef="#ctx0" brushRef="#br0" timeOffset="511745">21492 3609 9602,'-52'0'269,"9"12"-179,-1-9-180,25 20 180,-16-20-449,31 16 179,-11-7 0,15 4 180,0 1 0,21-4 90,11 6-90,11-2-852,5 3 941,-12-5-89,-2-2-316,-1 0 496,-6 0 180,-2-3-180,-13 1-270,7 0 180,-16-3 279,7 1-728,-34-4 258,18-1-439,-44-1 1,29-2-181,-22 0 720,0-1 0,23 0 0,-4 0 0</inkml:trace>
-  <inkml:trace contextRef="#ctx0" brushRef="#br0" timeOffset="511926">21847 3621 9602,'11'14'539,"-3"-11"-539,-1 11 0,-2 1 0,-2-11 0,2 21 0,-3-22 90,-1 23-180,0-15-270,-1 13-1079,0-2 630,0-6 809,0 10 0,0-13 0,0 2 0</inkml:trace>
-  <inkml:trace contextRef="#ctx0" brushRef="#br0" timeOffset="512075">21902 3338 9152,'-18'-14'-810,"-7"4"810,22 4 0,-8 3 0,11 2 0</inkml:trace>
-  <inkml:trace contextRef="#ctx0" brushRef="#br0" timeOffset="512375">22352 3623 9781,'0'5'720,"0"-1"-180,-23 3-360,17-1-90,-33 12-90,18-4 0,-14 13 0,13-8 0,8 3 0,14-7 0,0-3 0,0 0 0,0 1 0,24-6 0,7 1 0,13-6 0,5-2 89,-30-15-178,15 12 89,-30-25-270,9 8 0,-13-14-810,-23 5 361,-9-1-361,-13 20 1080,-12-7 0,25 16 0,-9-5 0</inkml:trace>
-  <inkml:trace contextRef="#ctx0" brushRef="#br0" timeOffset="512723">22565 3621 9332,'5'12'809,"1"-9"-629,-6 20-90,2-13 0,-1 11-90,0-2 0,1-1-90,1-1 90,0-1 90,1-4-180,1 3 90,-1-7-90,2 0 90,-4-6-180,8-1 180,-4-17 0,6 12-90,-1-30 90,3 18 180,1-18 450,8-7-360,-5 13 179,8-9-359,-11 14-90,3 12 90,-6 0-180,-1 11-180,1 23-809,-1 11-2159,3 31 3238,-2-10 0,-2 2 0,-1-17 0</inkml:trace>
-  <inkml:trace contextRef="#ctx0" brushRef="#br0" timeOffset="518594">23773 3233 6273,'-19'-6'-113,"3"2"1,16 2 0,0 1 0</inkml:trace>
-  <inkml:trace contextRef="#ctx0" brushRef="#br0" timeOffset="520273">11023 5317 9062,'0'-8'1799,"0"-1"-1529,0 1 359,0-5-359,0 3 90,-16-7-180,12 7 0,-12-6-180,5 9 0,8-3 0,-8 7-270,2 2 90,7-1 0,-13 1 0,8 0-270,-4 15 181,2-10-91,2 25 180,1-25-90,2 28 180,3-17 90,0 14 0,1-8-90,0-3 90,21 5 0,2-8 0,23 9 90,-23-13-90,11 3 90,-30-7 0,10 0-90,-14-2 0,0-2 90,0 0-180,0-1-540,0 2 91,-24 0-1080,1 0 449,-6-2 1170,-3 0 0,28-1 0,-11-1 0</inkml:trace>
-  <inkml:trace contextRef="#ctx0" brushRef="#br0" timeOffset="520508">11333 5175 10681,'0'36'0,"0"-5"0,0 3-90,0-4-90,0 20-90,0-11-360,7-6 1,0 0-91,-3 3-269,20 17 359,-21-28 1,7 3 629,-10-14 0,0-3 0,0-3 0</inkml:trace>
-  <inkml:trace contextRef="#ctx0" brushRef="#br0" timeOffset="520658">11120 5502 7443,'0'-13'360,"0"-1"-360,17 0 0,-13-1 0,35 0-90,-34-2 0,45 3-540,-11-5 0,13 6 562,-1-2 0,-17 8 1,-2 1-1</inkml:trace>
-  <inkml:trace contextRef="#ctx0" brushRef="#br0" timeOffset="521746">10752 5100 9512,'17'22'269,"-13"14"-179,30-18-90,-30 18 0,28-3 0,-12 19 0,1-11 45,-6-5 0,-1 1-45,-1 3-45,-2-6 0,0-1 45,-1 1 0,1 9 0,-8-20 0,1-2-90,-1-5 0,-3-2 1,1-6-181,0-1-270,1-5 450,1 0 0,-1-17 90,1 12 0,0-28-90,1 15 90,1-16 0,2 2 90,2-2-90,1-1 0,3 0-90,9-11 180,-5 11 180,17-12-270,-14 24 90,8 1-90,-11 12 90,3 4-90,-5 2 180,8 2 0,-9 22 449,6 3-269,-11 1 0,-2 25-450,-5-32 180,-2 25-90,-21-13 0,16-8-90,-35 12-90,14-15-1259,-20 6 539,20-13 900,-22 0 0,41-9 0,-21-2 0</inkml:trace>
-  <inkml:trace contextRef="#ctx0" brushRef="#br0" timeOffset="522110">11458 5495 7803,'6'0'179,"-1"0"-89,1 0-90,-1 0-90,2 0 0,1 0 1,5 0 89,-2 0-450,6-15 450,-7 1 0,2-3-90,-9-6 90,-1 8 0,-2-6 0,0 3 90,0 7 0,-17-3 0,13 7 269,-30-3 1,16 8-90,-16 1-270,17 15 0,-7-10 0,21 24 90,-7-9-90,10 15 0,0-6 0,20 4 0,8-21-180,-3 11-629,41-17 179,-41 5 630,10-8 0,2-1 0,-6-1 0,7 0 0</inkml:trace>
-  <inkml:trace contextRef="#ctx0" brushRef="#br0" timeOffset="522724">11838 5320 8882,'-29'20'0,"12"3"-90,5 12 90,5-5 0,5-8-180,-6 3 180,26-13-180,-13 8 90,29-19 0,-9 5 90,18-20 0,0-4 180,-4-17 0,-12 4 90,-12 0 0,-9 9-90,-6 5-180,0 26 90,-12 14-180,10 14 90,-10 27 0,12-22-1094,0 18 1094,0-20 90,0-1-90,17-4 0,-13 7 90,13-16-90,-17 9-90,0-25-2698,0 2 2788,-14-30 0,10 14 0,-10-15 0</inkml:trace>
-  <inkml:trace contextRef="#ctx0" brushRef="#br0" timeOffset="522864">12258 5432 7083,'8'21'0,"-1"11"0,-1-28 0,-1 27 0,-2-17 0,-1 12 0,-1-6 0</inkml:trace>
-  <inkml:trace contextRef="#ctx0" brushRef="#br0" timeOffset="523024">12145 5191 6633,'0'-3'0,"0"1"0</inkml:trace>
-  <inkml:trace contextRef="#ctx0" brushRef="#br0" timeOffset="523324">12653 5393 7533,'0'16'180,"0"-1"-180,0-1 0,0-1 0,0 6 0,0-6 0,0 6 90,0-10-90,0-2-90,0-4 90,0-21 0,0-2 90,11-22 539,-8 11-359,16-3-270,-10 15 0,17 5 0,-7 24 0,6-6-630,-9 33-449,0-19 1079,0 19 0,2-7 0,1 0 0</inkml:trace>
-  <inkml:trace contextRef="#ctx0" brushRef="#br0" timeOffset="523507">13150 5271 8072,'-8'15'-158,"6"12"1,-6-9 0,8 14 0</inkml:trace>
-  <inkml:trace contextRef="#ctx0" brushRef="#br0" timeOffset="523632">13297 5559 10501,'0'6'-473,"0"-1"1,-14-3 0,-2-1 0</inkml:trace>
-  <inkml:trace contextRef="#ctx0" brushRef="#br0" timeOffset="524507">13982 4969 9062,'0'-9'90,"9"3"-90,-7 21 90,7 19-4342,-9 11 4162,0 10 0,0-7 460,0 1-820,0 1-180,0-3-809,14 10 1439,-10-19 0,25 5 0,-11-21 0</inkml:trace>
-  <inkml:trace contextRef="#ctx0" brushRef="#br0" timeOffset="524708">14297 5029 8612,'-23'-4'2069,"-1"23"-1979,-26 11 0,12 14-2123,2-2 2033,11-9 0,13-1 237,-10-1-507,19-3 308,-9-2-487,12-3-181,0-3-1349,23-1 900,9-8 1079,15-3 0,1-8 0,-8 0 0</inkml:trace>
-  <inkml:trace contextRef="#ctx0" brushRef="#br0" timeOffset="525214">14492 4951 8522,'-11'21'270,"9"16"-270,-9-20 0,11 35 0,0-15 0,10 3 0,0 1 0,-5 2 0,14-4 0,2-2-270,-5-7 90,18 10 0,-21-23-449,6-3 539,-8-11-90,4-3 180,5-18 0,-9-7 90,10-20-90,-12 9 90,9-7 180,-12 28-91,4-14 181,-4 26-360,-2-8 90,4 11 0,-2 0-90,5 21 90,-2 2-90,2 2 0,0 13 0,-1-23 0,2 17 90,3-7-90,1-14-90,8 9 0,-8-19 0,13 6 90,-10-25-90,6 13 90,-7-35 0,0 23 90,-1-20 180,0-1-90,-4 10 0,-4-6 0,-3 14-180,-5 25 0,0 22-270,-1 10-1709,16 23 1979,-2-31 0,4 7 0,-7-14 0</inkml:trace>
-  <inkml:trace contextRef="#ctx0" brushRef="#br0" timeOffset="525360">15005 4878 7533,'-12'15'0,"2"4"0</inkml:trace>
-  <inkml:trace contextRef="#ctx0" brushRef="#br0" timeOffset="525946">15745 4768 10501,'4'-4'450,"2"2"-450,-3 1 0,3 16 90,-1-12-180,5 49 90,-3-25-1483,4 34 584,-3-17-91,-1 1 181,2 3 809,-3-15 0,-1 0 0,5 15 0,1 14 0</inkml:trace>
-  <inkml:trace contextRef="#ctx0" brushRef="#br0" timeOffset="526090">15777 5126 9062,'0'-22'-90,"0"0"-180,0-4-90,0 6-359,20-7-181,6 13 900,13 2 0,0 8 0,-8 2 0</inkml:trace>
-  <inkml:trace contextRef="#ctx0" brushRef="#br0" timeOffset="526425">16265 5077 8612,'0'8'450,"-16"2"-360,13 6-90,-26-3-90,26 6 90,-9-4 180,12 0-270,0 1-270,0 3-90,0-5-179,17 3 89,9-10 360,23-1 180,-10-5 0,2-1 90,-5-18 0,-11-1 809,4-17-269,-20 1 180,-2 3-541,-7 4-89,-16 12 0,13 1-90,-24 14-360,24 13-1079,-8 7-450,32 18 1799,4-7 0,14-12 0,-2-5 0</inkml:trace>
-  <inkml:trace contextRef="#ctx0" brushRef="#br0" timeOffset="526690">16812 5015 9242,'-39'18'1259,"17"2"-1259,6 18 0,16-1-270,21-3 90,8-5 0,12-14 180,1-7 0,-9-8 0,-1 0 0,-2 0 0,-4-20 0,-4 15 0,-10-32 0,2 32 0,-13-30-90,6 12 0,-32-7-449,19 3-181,-43 17 1,29-5-271,-22 13 990,11-6 0,0 8 0,0 0 0</inkml:trace>
-  <inkml:trace contextRef="#ctx0" brushRef="#br0" timeOffset="526830">16500 5539 9602,'0'0'0</inkml:trace>
-  <inkml:trace contextRef="#ctx0" brushRef="#br0" timeOffset="527240">17320 4982 11221,'-10'-7'-270,"8"0"270,-12 3 90,13 0 0,-4 18-90,25 5 0,-15 22 90,32 4-180,-21-8 90,13 7 0,-14-21 269,2 8 1,-10-20-180,4 4-450,-6-28-539,-2-19 269,-3-7-179,0-14 89,0 16 91,0-1-181,0-1 810,0 3 0,19 2 0,4 2 0</inkml:trace>
-  <inkml:trace contextRef="#ctx0" brushRef="#br0" timeOffset="527620">18018 4991 8702,'-21'-14'1349,"-12"10"-989,11-21-360,-16 22 0,1-7 0,5 10 0,16 17 0,0 4 0,15 19 0,-4-8-450,28 6 270,-1-15 1,23-4 179,-6-10 0,-1-9 89,-9-32 1,-5 24 810,-14-41-360,-4 29-630,-6-13 180,0 7-450,0 28-319,19 61 1,5-15-1,-2-3 1,0-1 0</inkml:trace>
-  <inkml:trace contextRef="#ctx0" brushRef="#br0" timeOffset="529630">18878 4905 10141,'-3'13'720,"0"8"-720,3 10 0,17 4 0,-13-2 0,13 4 0,-6 2 0,-8-1 0,8 1 0,-11-2 0,7-4 90,-5-2-180,6-7 270,-8-4-180,0-4-90,0-3-1439,0-3 1349,0-22 0,-17-11 270,13-31-90,-12 7-45,15 8 0,2-1-280,-1-10 325,0 16 0,0 0 90,0-13-90,0 4 180,0 4-90,0 6 62,0 4 208,0 8-90,16 1-360,-12 11 180,26 2-90,-17 6 410,12 20-410,-8 2 212,-5 18-662,-5-3-89,-6-7-271,-1-4 810,-19 1 0,15-15 0,-15 5 0</inkml:trace>
-  <inkml:trace contextRef="#ctx0" brushRef="#br0" timeOffset="529856">19412 4318 8972,'13'-11'1079,"0"4"-899,-2 5 270,1 2-360,-2 21-90,-2-16 90,-1 43-90,-4-26 0,1 26 0,-1 11-90,-2-11-405,0-7 0,1 0-494,0 6 134,1-9 1,0-1-225,2 3 1079,1 8 0,-3-20 0,0-2 0</inkml:trace>
-  <inkml:trace contextRef="#ctx0" brushRef="#br0" timeOffset="530006">19295 4797 8162,'-8'-27'90,"1"6"-90,7 3 0,24 5-90,-17 0-180,45 3-179,-29 2-91,27 4-449,-12 1 791,2 3 1,-1 0 0,0 0 0</inkml:trace>
-  <inkml:trace contextRef="#ctx0" brushRef="#br0" timeOffset="530294">19800 4916 7803,'0'20'0,"0"0"0,0-2 89,0-4-89,0-3 0,0-4 90,0 0-449,0-2-271,21-3 0,21-17 450,2 10 225,-10-9 0,-2-4 135,-1-2 360,5 1 0,-23-14-91,6 29-89,-16-25 630,11 16-631,-13-8-898,2 26-721,-3 4-538,0 21 1798,0-7 0,19-10 0,4-3 0</inkml:trace>
-  <inkml:trace contextRef="#ctx0" brushRef="#br0" timeOffset="530527">19885 4566 8162,'0'-5'360,"24"1"-360,-18 0 90,42 1-90,-28 0 0,23 1 0,-11 0 0,0 2-90,9 0 90,-12 0-899,5 17-181,-16 0 1080,-9 15 0,-2-6 0,-7-1 0</inkml:trace>
-  <inkml:trace contextRef="#ctx0" brushRef="#br0" timeOffset="530695">20270 4141 8342,'13'-3'450,"-3"1"-360,5 18-90,-4-12-270,-10 51-539,2-27 809,-2 14 0,-2 4 0,1 8 0,0-17 0,0 1 0</inkml:trace>
-  <inkml:trace contextRef="#ctx0" brushRef="#br0" timeOffset="530974">21020 4807 9961,'-41'-6'-90,"3"-4"90,10 9 0,0-4 0,1 5 0,1 0 0,-4 18 0,12 7-539,-3 19-91,16 1 90,21-19-89,-11 5-181,41-27 810,-22 8 0,26-12 0,-9 0 0</inkml:trace>
-  <inkml:trace contextRef="#ctx0" brushRef="#br0" timeOffset="531374">21147 4477 8792,'-14'-13'899,"2"1"-359,-3 6 180,6 1-630,9 27-90,0 9 90,14 33-90,-11-8-45,12-16 0,-1-1 135,-10 10-90,10-9 0,0-1-90,-11 2-450,10-6 0,0-3 1,-11-5-721,14 8 721,-12-28-361,5-2 360,0-5 181,1-22 339,2 17 20,0-38 110,1 38 429,2-40-89,-1 29-90,2-20 449,2 11-539,-2 12 270,8 0-450,-12 13 180,5 0-180,-8 16 0,1-11-90,-3 32 90,2-3-180,-3 9-720,7 16 360,-4-26-809,9 16 270,-3-26 989,5-2 0,-1-11 0,1-6 0</inkml:trace>
-  <inkml:trace contextRef="#ctx0" brushRef="#br0" timeOffset="531623">21798 4768 8432,'-19'-6'450,"-1"2"-450,-3 24 90,-6 4-180,25 13 90,-9 5-90,13-16-90,0 6-270,22-12 180,5 0 1,26-11 179,-12 0 0,11-9 90,-23-18 0,8-5 0,-25-19 0,0 9 0,-12 0-360,-24 10-899,-11-9 1259,-12 9 0,-4-4 0,11 11 0</inkml:trace>
-  <inkml:trace contextRef="#ctx0" brushRef="#br0" timeOffset="532340">22882 4406 9062,'0'-16'899,"0"1"-719,-20 2-180,16 1 270,-31 3-270,13 3 0,-19 3-90,8 24 90,-1-16 0,7 51 0,12-31-180,4 9 0,3 2 90,7 4 45,12-7 0,2 0 45,-6 8 0,18-15 0,6 0-90,8 21 180,14-11-90,-20-11 0,-1 1 0,6 0 90,12 8-90,-32-17 0,8 2 0,-24-11 0,7 0 0,-32-1 0,18-3-719,-61 3-1,39-3-604,-12-2 0,-2 0 1108,-1 0 1,-9-2 0,17 0-1</inkml:trace>
-  <inkml:trace contextRef="#ctx0" brushRef="#br0" timeOffset="532826">22772 4200 9152,'-5'-7'1709,"2"3"-1529,0 15-90,17 11-90,-10 11 0,30 22 45,-26-15 0,0 1-843,10-6 1,0 0 842,-10 7 0,-1 1-90,5-7 0,0-3 45,-1 21-315,0-10 1,0 0-676,0 8-719,-3-2 0,-1-1 1709,-3 1 0,1-14 0,0-2 0,1-2 0</inkml:trace>
-  <inkml:trace contextRef="#ctx0" brushRef="#br0" timeOffset="533193">23305 4998 9781,'-4'9'450,"0"1"-540,21-9-809,20-15-91,7 10 990,-4-13 0,0 0 0,9 12 0,-15-3 0,0-1 0</inkml:trace>
-  <inkml:trace contextRef="#ctx0" brushRef="#br0" timeOffset="533640">24265 4284 10051,'-30'-13'90,"2"0"-90,3 6 0,0 0 0,-5 5 0,0 0 0,-3 1 0,1 1 0,2 0 0,-7 16-90,13 1 180,-2 20-90,18-8 0,4 4-90,23-8 90,-15 3 0,44 1-311,-22 2 311,26 1 0,-8 0 0,-11-8 0,0 1 0,15 11 0,-10-3 0,-2 0 90,1 4 90,2 12 270,-19-3-360,-10-11 0,-3 18-90,-27-24-70,-9 10-200,-11-21-1618,-15 3 628,19-14-359,-9-2 1619,16-5 0,2 0 0,4 0 0</inkml:trace>
-  <inkml:trace contextRef="#ctx0" brushRef="#br0" timeOffset="533959">24572 4298 10501,'-10'-2'1169,"3"15"-1169,7 10 0,0 11 0,0 7 0,0 17 0,0-11 0,7-6 0,0 0-1637,-3 8 738,20 10-990,-13-7 900,1-18 989,7 13 0,-14-26 0,9 1 0</inkml:trace>
-  <inkml:trace contextRef="#ctx0" brushRef="#br0" timeOffset="535207">24660 4382 9062,'0'18'1889,"0"0"-1799,0-4 0,0-1 0,0 2 0,0 2-90,0 4 0,0 1 0,12 5 89,-9 14-89,9-4 0,-11-4 0,-2 1-89,1 7-631,0 3 0,0-1 1,0-2-1,0-3 1,0-1-91,0-8 810,0 5 0,0-15 0,0-2 0</inkml:trace>
-  <inkml:trace contextRef="#ctx0" brushRef="#br0" timeOffset="535509">24543 4221 9691,'-1'-12'810,"0"1"-720,0-1 0,1 2 0,0-4 0,25 0-90,-19-2 0,28 2 0,6 2 0,-7-9-397,4 7 0,3 2-52,11-4-271,3 2 90,1 1 90,-18 7 1,0 2 89,19-2 450,-15 3 0,0 2 0,-2 1 0,8 0 0</inkml:trace>
-  <inkml:trace contextRef="#ctx0" brushRef="#br0" timeOffset="535724">24787 4568 7803,'46'0'-1709,"1"0"1709,-10 0 0,-1-13 0,-9-2 0</inkml:trace>
-  <inkml:trace contextRef="#ctx0" brushRef="#br0" timeOffset="535927">24753 5064 10141,'47'2'-360,"-8"0"-449,0-17-1,-5 11 1,2-26 809,21 12 0,-12 0 0,15 3 0</inkml:trace>
-  <inkml:trace contextRef="#ctx0" brushRef="#br0" timeOffset="536479">25820 4141 8882,'0'-11'540,"0"-1"-1,0-6-449,0 3 360,-18-11-180,14 12 0,-31-4-270,31 11 90,-29 1-90,17 4 90,-13 0-90,3 2-90,0 0 180,-15 21-180,11 7 135,5-1 0,1 2-135,-1 18-990,-4 4 1170,15-12-90,7 0-180,3 2-539,2 18 269,27-14 270,-8-7 0,4-2-26,3-14 1,4-2 205,13 14 0,-1 0-642,13 5 642,-18-15 0,1 0 0,-4-1 0,-2-1 180,15 10 90,-15-7 0,-2 0-1,-1 0 956,-3 12-1225,-17-20 270,-27 11-180,13-18-90,-24 1 0,-6-4-270,7-2-270,-12-3 1,-2 0-361,-2-1-503,-12-1 414,22 0 989,3-18 0,7 13 0,2-13 0</inkml:trace>
-  <inkml:trace contextRef="#ctx0" brushRef="#br0" timeOffset="537006">26447 4189 9332,'0'-12'719,"0"0"-449,0 6-180,0-2 90,-16 4 180,12-2-180,-24 3-90,13 1 0,-13 2-180,-2 15 90,6 2 0,0 1-90,2 13 180,5-9-360,-3 20 180,12-10-180,1 9 90,6-19 180,39 21 0,-28-23 0,26 0 0,5-1 0,-16-1 0,10-2 0,1 0 0,-1 4 90,20 15 0,-27-14 0,5 9 90,-14-8-180,-2 0 0,-4 1 360,4 9-270,-7-7-1,0 13-89,-7-16 90,-2 2-180,-1-9 180,0-3-90,-24-1-90,17-3 90,-38 0-269,40-3-901,-54-3 361,35 0-91,-9-2 1,-1 0-630,1 0 1529,-6-18 0,14 13 0,1-13 0</inkml:trace>
-  <inkml:trace contextRef="#ctx0" brushRef="#br0" timeOffset="537356">27073 3937 8072,'36'-9'0,"-1"1"0,6-6-269,-8 6-451,24-6 0,-26 8 720,9 1 0,-18 3 0,-2 1 0</inkml:trace>
-  <inkml:trace contextRef="#ctx0" brushRef="#br0" timeOffset="537575">27252 4109 9781,'0'9'1080,"0"2"-900,12-1 0,-10 9-180,10-2 90,-2 20-90,-8-11 0,8 13-630,-10 5-90,4-7-989,-3 27 810,2-27 899,-3 27 0,0-30 0,0 10 0</inkml:trace>
-  <inkml:trace contextRef="#ctx0" brushRef="#br0" timeOffset="537757">27182 4994 10231,'-3'5'720,"24"-19"-810,7-5-180,15-2-1079,13-12 359,-17 10-1625,13-8 2615,-14 3 0,-2 17 0,-1 3 0</inkml:trace>
-  <inkml:trace contextRef="#ctx0" brushRef="#br0" timeOffset="538273">28295 4018 9871,'-38'-11'540,"-11"-6"-270,14 6 360,-21-4-271,26 11-269,-23-1 0,21 5 0,-8 18-90,0 7 0,12 13 0,5-8 0,1 2-608,0 13 608,8-12 0,2 1 0,0 16 0,4 5-90,4-1 180,4 1-90,0-5 0,24-2 0,11 8-90,16-18 90,-13-13 0,2-3-180,17-5-619,-18-8 0,1-3 799,21-3 0,1-3-83,1-16 128,-21 5 0,-1-3-90,-11-1 0,0-3 45,15-7 0,-4-2 0,-2-8 0,-14-8 0,-5-2 0,-7-3-43,-4 8 0,-8 2-407,-30-3 1771,4 4-1726,-12 13 0,-6 3-225,-11-7-977,2 10 0,-1 2 1607,-12 5 0,24 6 0,1 1 0,-14 2 0</inkml:trace>
-  <inkml:trace contextRef="#ctx0" brushRef="#br0" timeOffset="538839">28767 4067 10141,'0'37'990,"0"-5"-721,14 6 1,-10-1-180,11 4-45,-7-8 0,0 1-45,7 18 0,-1-8 0,1 1 90,-2 6-90,-3-11 0,-2-1 0,0 1-90,1 15-90,-4-30-90,-5-2-1259,0-12 1439,0-22 90,0-10 0,0-12 0,0-6 0,0-19 0,0 9 135,0 1 0,0-2-105,0-13 419,0 8 1,0 1-1633,0-8 1273,6 24 0,0 1 90,-3-5-397,9 9 217,-12 7 450,9 6-90,-7 8 355,12 6-625,-7 4 1429,4 2-1429,-1 20-90,3-15-90,0 34 90,4-21 0,0 18 485,1-4-485,7 20 0,-4-11-360,-3-5 1,-1 0-443,4 6 172,7 11-90,-10-19-539,3-3 180,-2-2-1176,8 5 2255,-8-10 0,6 1 0,-10-10 0</inkml:trace>
-  <inkml:trace contextRef="#ctx0" brushRef="#br0" timeOffset="539073">29395 4007 11940,'-10'-12'900,"2"1"-271,-4 5-449,3 2-180,6 24 0,-3-15 0,1 45 0,0-24 0,-1 29-90,1-3-360,0-9 1,1 0-51,2-9 0,0 1-985,-2 26 1,2-1-8,1-24 1,1-1 1491,-1 11 0,1-1 0,0 15 0,0-2 0</inkml:trace>
-  <inkml:trace contextRef="#ctx0" brushRef="#br0" timeOffset="542122">11122 6782 6723,'16'-41'-180,"12"-2"180,-25-1-1999,25-1 2089,-25 1 90,21 4 141,-21 4-141,15 6 443,-16 4-623,4 8 809,-6 6-629,-15 26-90,11 18 90,-29 14-90,31-9 0,0 0 0,-29 14-136,28-17 1,2 0 45,-13 13 0,14-2 455,0-4-725,0 13-269,0-16-1260,0 16 1799,18-26 0,-13 3 0,12-12 0</inkml:trace>
-  <inkml:trace contextRef="#ctx0" brushRef="#br0" timeOffset="542289">11080 7105 8702,'0'-40'180,"18"17"-90,-14-16-180,24 23 0,3 1-270,-2-29-1276,1 21 0,3 2 917,7-11-271,0-1 907,1 0 0,-3 2 0,0 1 1</inkml:trace>
-  <inkml:trace contextRef="#ctx0" brushRef="#br0" timeOffset="542424">11533 6622 8072,'-17'39'720,"12"-7"-720,-13 1 90,4-1-180,11-7 90,-20 6-270,21-11-360,-7-1-89,9-2 719,0-3 0,0-3 0,0-1 0</inkml:trace>
-  <inkml:trace contextRef="#ctx0" brushRef="#br0" timeOffset="542606">11353 6381 8072,'-9'-23'450,"6"4"-450,-12 6 0,13 4 0,-7 1 0,8 22 0,-3 5 0</inkml:trace>
-  <inkml:trace contextRef="#ctx0" brushRef="#br0" timeOffset="543982">10767 6982 8342,'55'0'1260,"-8"-18"-1081,-3 13-754,-7-31 665,1 20-90,3-16 0,3 5-1474,1-2 1564,1-1-90,-2-2 0,-2 0-26,-16 11 0,0 0 26,9-10 0,7-15 0,-26 23 0,-4-13 0,-9 17 0,-3-4 0,0 7 275,-22 2-185,-2-6 0,-23 10 0,-1-3 0,9 11 360,-12 23-450,22-16 658,-6 39-658,16-25 180,4 22-270,8-8 180,3 32-90,20-23 0,-4-4 0,3-3 0,21-6-270,5 5-270,-7-17 1,0-4-856,1-8 1,2-1 1394,9 0 0,-9-2 0,-1-1 0,3-1 0</inkml:trace>
-  <inkml:trace contextRef="#ctx0" brushRef="#br0" timeOffset="544342">11635 6559 8162,'-19'16'2519,"3"3"-2519,16 20 180,0-8-180,0 3-90,0-10 90,0 13 90,0-11-180,16 18-180,-13-22-90,13 10 270,-7-18-180,-7 0-629,7-8 899,-9-23 0,0-7 0,0-13 90,0-12-180,0 18 180,0-9 450,0 7-181,0 8-179,16 5-90,4 31-180,13 16 90,-13 12-1439,5 16 450,-11-19 989,14 23 0,-7-26 0,0 6 0</inkml:trace>
-  <inkml:trace contextRef="#ctx0" brushRef="#br0" timeOffset="544723">11988 6691 7803,'-39'0'899,"16"18"-449,-5 7-450,12 10 0,-9 16 0,11-18-90,6 22 180,8-26-90,0 5-90,0-15 90,20-5-90,2-7 90,22-2 0,-3-20 0,-17-13 0,11-25 90,-22 4-1244,5-5 1244,-10 12-90,-8 1 180,0-3-181,0-14 271,-20 14-1,15-20-358,-33 35-8,34-8 277,-14 24 449,8 2-629,7 26 1060,9 15-1060,-2 10 0,14-5 0,0 1-450,-14 15-454,14-16 0,-2 0-445,-12 17-91,24 0 1367,-25-1 0,23-1 0,-8-2 0</inkml:trace>
-  <inkml:trace contextRef="#ctx0" brushRef="#br0" timeOffset="545048">12650 6823 10591,'-24'-7'-90,"11"1"0,3 6 0</inkml:trace>
-  <inkml:trace contextRef="#ctx0" brushRef="#br0" timeOffset="545189">12725 7052 11221,'-20'-14'-1650,"3"12"1,17-14 0</inkml:trace>
-  <inkml:trace contextRef="#ctx0" brushRef="#br0" timeOffset="547233">13378 6728 11490,'42'-35'270,"-5"5"-180,11-1-2935,-4 3 2845,8-4 0,4-3-180,-25 15 0,1 0-180,-1 1 1,1 0-46,2-1 0,-1 0 45,0 1 0,0 0 0,-1 0 1,0 1-91,0 1 0,-1 1-809,25-13 1259,-4 7 0,-8 6 0,-2 2 0</inkml:trace>
-  <inkml:trace contextRef="#ctx0" brushRef="#br0" timeOffset="547622">14657 6016 9602,'0'-10'1529,"0"23"-1529,0 9 0,11 17-90,-8 26-90,8-20-405,-6-5 0,-2 0 46,-1 7-631,10-5 1,1-3 163,-5-6 1006,14 12 0,-15-34 0,-1-2 0</inkml:trace>
-  <inkml:trace contextRef="#ctx0" brushRef="#br0" timeOffset="547806">14607 6240 8432,'-21'-13'900,"2"5"-810,12-1 90,-1 5 89,7-3-269,-2 3-359,22 2-91,8 1-450,29 1 91,-8 0 10,-11 7 1,-1 1 528,9-5 1,13 21 0,-19-11 0</inkml:trace>
-  <inkml:trace contextRef="#ctx0" brushRef="#br0" timeOffset="548330">15158 6220 9242,'-19'-13'1349,"-13"5"-1259,18 3-90,-5 20-90,8 5 90,11 20 0,0-8-450,0 1 90,19-5 91,2-4 359,20-6-180,0-7 90,-1-11 0,-15-21 0,4 16 90,-26-35 89,17 14-89,-18-9 180,6 1-180,-8 12 90,0 2-180,0 1-180,0 1 360,0 5-180,0 18 0,18 9-180,-13 20-270,45-2 271,-29-13-1,41 3 90,-29-20 180,30 7-90,-34-25 0,19-5 180,-34 1 179,0-31-179,-10 32 180,-4-38-180,0 32 0,-16-5-90,12 13-180,-12 2 180,2 4 0,11 19-180,-10 13-180,13 12-1079,15 20 629,-11-19-989,25 23 1709,-15-27 0,2 4 0,-6-14 0</inkml:trace>
-  <inkml:trace contextRef="#ctx0" brushRef="#br0" timeOffset="548477">15565 6240 8342,'-26'-15'630,"5"2"-1530,12 3-179,24 4 1079,-10 3 0,37 2 0,-16 0 0</inkml:trace>
-  <inkml:trace contextRef="#ctx0" brushRef="#br0" timeOffset="548710">14967 5897 8702,'-15'14'180,"4"0"-270,34 2-270,-17 6-269,46-19-91,-28 16-624,26-18 1159,-9 7 1,2-8 0,2 0 0</inkml:trace>
-  <inkml:trace contextRef="#ctx0" brushRef="#br0" timeOffset="548856">15433 5813 8522,'-14'20'-383,"2"5"1,12 12 0,0-1 0</inkml:trace>
-  <inkml:trace contextRef="#ctx0" brushRef="#br0" timeOffset="549476">16142 5995 8972,'0'-8'989,"0"3"-899,0 22-90,15 7 0,-11 13 0,12-2 0,-2 4 0,-11-11 0,22 7 90,-22-14-90,8-3-90,-4-9-449,-5 5-91,8-12 630,-9-13 0,3-12 0,-4-26 0,0 12 0,0-14 270,15 24 180,-11-5-271,12 14-89,-5 9-90,1 20 90,8 10-90,-3 18 0,-6-18 0,-5 11-90,0-28 180,-5 23-180,2-24-179,-2 17-91,1-19 360,1 7-90,5-22 90,-2 11 90,4-26-180,-2 26 90,3-30 0,0 28 90,6-28 0,-5 21-90,9-5 0,-10 8 0,3 9 0,-3 0 0,-1 19 0,2-15-180,1 39-540,-1-24-89,2 24 809,8 3 0,-2-11 0,7 9 0</inkml:trace>
-  <inkml:trace contextRef="#ctx0" brushRef="#br0" timeOffset="549839">16910 6030 8702,'-37'-4'900,"3"0"-900,17 21 89,-2 4-178,17 20 89,-6-9 0,8-2-90,0-10-450,20-2 360,0 2 180,18-4-90,-5-5 180,-5-5-90,-12-25 0,-6-4 90,-10-20 90,0 11 629,0-7-629,0 15-180,-15 5 90,11 3-180,-12 31-899,36 2 179,1 25-1438,24 0 2248,-11-7 0,1-13 0,-10-14 0</inkml:trace>
-  <inkml:trace contextRef="#ctx0" brushRef="#br0" timeOffset="550457">17347 6103 9602,'-14'19'539,"3"7"-539,11 13 0,16 1 0,-12-8-90,12 2 0,-4-2-90,-9-1-269,19-3 89,-20-3 0,17 0 270,-6-10-90,11 0 90,-4-12 0,0-1 180,-5-22-90,-1 15-90,-2-36 180,0 24 90,-3-21 0,-1 10 720,-5-12-271,-1 11 1,-2-12-630,0 20 0,-12 4 0,9 31 0,-10 14 0,13 12 90,0 0-90,0-9 0,0 1-90,17-3 90,-13 0 90,13 3-90,-6-8-90,-8 4 0,8-17-900,-11 1-539,-22-9 630,-4 0-270,-16-3 1169,2-18 0,5 13 0,-1-13 0</inkml:trace>
-  <inkml:trace contextRef="#ctx0" brushRef="#br0" timeOffset="550626">17015 5805 9602,'10'11'-3508,"-7"5"3508,13 13 0,-14 2 0,4-5 0</inkml:trace>
-  <inkml:trace contextRef="#ctx0" brushRef="#br0" timeOffset="550890">18215 5739 10051,'-57'0'0,"26"18"180,-17-14-90,43 28 0,-43 9-90,42-1-315,-7-2 0,1 0-494,12 4-1,10-4 1,1 0-361,-6 6 956,14-16 0,-1 0 0,-14 5 0,12-1 0</inkml:trace>
-  <inkml:trace contextRef="#ctx0" brushRef="#br0" timeOffset="551056">17997 6114 9422,'-10'-23'-90,"3"1"0,7-11 0,23 10-90,-17-8-630,51 8 361,-36 8-811,41 1 1260,-33 10 0,9 2 0,-14 2 0</inkml:trace>
-  <inkml:trace contextRef="#ctx0" brushRef="#br0" timeOffset="551205">18338 6008 8522,'0'13'1439,"0"-3"-1259,0 0-270,0-3 180,0 8-90,0-2-539,0 14-91,0-10-719,0 15 269,19-12 1080,-15 5 0,29-8 0,-15-1 0</inkml:trace>
-  <inkml:trace contextRef="#ctx0" brushRef="#br0" timeOffset="551376">18272 5969 10411,'-18'-19'810,"8"4"-810,-7 3-360,11 1-2968,-5 5 3328,25 0 0,8 22 0,17 5 0</inkml:trace>
-  <inkml:trace contextRef="#ctx0" brushRef="#br0" timeOffset="551710">18552 6096 9152,'3'11'539,"-1"-3"-449,2 9-180,-1-7 90,5 10-179,-4-7-361,5 2-180,-1-1 450,-1-5-359,6 3 539,-7-9 180,4-1-180,-3-2 90,1-22 270,4-4 179,-2-14-89,2 6 270,0-2-450,-5 12 719,6-7-539,-10 21-270,4 1-90,-4 9 90,2 0-90,1 0 90,2 20-180,1-15 90,1 35-720,8-10 91,-3 8-721,13 12 901,-11-24-91,6 4-90,-8-19 630,2 0 0,-3-9 0,0 3 0</inkml:trace>
-  <inkml:trace contextRef="#ctx0" brushRef="#br0" timeOffset="551858">19015 6108 9152,'2'-22'1349,"0"-10"-1349,1 29 720,-2-16-630,1 18-90,-1-4 89,4 5-89,-2 16-89,5-12 89,0 27-360,3-28-1619,6 31 989,-2-10 990,11 15 0,-9-16 0,4-8 0</inkml:trace>
-  <inkml:trace contextRef="#ctx0" brushRef="#br0" timeOffset="552264">18993 5697 8612,'-4'-10'90,"3"2"180,-7 2-180,8 2-90,-3 19-90,22-12 90,-1 47 0,5-29-726,2 29 726,-22-17 0,21 0 0,-21 2 90,29 10-90,-22-12 0,23 14 0,-18-24-270,9 7 90,-12-18 90,3 2-90,-8-11 0,-1 0 90,-1-2 726,2-1-636,-1 0 0,11-17 0,-5-2 630,24-18-270,-17 1 359,18 4-539,-21 13 90,5 2-270,-9 15 0,4-4 0,-7 6 0,1 18-719,-3 4-91,-2 0-1978,-1 25 2788,-2-30 0,-2 14 0,0-22 0</inkml:trace>
-  <inkml:trace contextRef="#ctx0" brushRef="#br0" timeOffset="552606">18418 5398 11400,'-12'0'-89,"2"0"-1081,1 18-89,3 1 1259,-3 28 0,3-9 0,-2 8 0</inkml:trace>
-  <inkml:trace contextRef="#ctx0" brushRef="#br0" timeOffset="553356">13488 6812 11041,'29'15'0,"25"-12"-630,-24 26-2902,34-26 3127,-34 12 1,0 1-46,5-9 0,0-1-180,3 8 1,0 1 629,3-4 0,1-1 0,0 0 0,0 1 0,2-1 0,-1 1 0</inkml:trace>
-  <inkml:trace contextRef="#ctx0" brushRef="#br0" timeOffset="556441">14767 6883 9961,'0'-6'450,"0"1"-450,0 23 0,0 5 0,0 13 0,0-1-270,0-8-449,14 0-2250,1 17 2969,13-17 0,-14 11 0,-4-21 0</inkml:trace>
-  <inkml:trace contextRef="#ctx0" brushRef="#br0" timeOffset="556622">14665 7101 8612,'-3'-3'180,"1"0"-90,21-1-360,-15-1-180,44 0-179,-19-2-181,30-2 338,-4 0 0,4-3 1,3 1-1</inkml:trace>
-  <inkml:trace contextRef="#ctx0" brushRef="#br0" timeOffset="556980">15440 6986 8072,'-27'10'630,"-19"-7"-360,27 7-180,-34 0 0,23 0-180,-7 11 90,13-8 0,12 1 0,-7 2 0,18-2 90,-6 11-270,7-11-450,19 10 540,1-12-180,18 2 360,-19-8-90,12-3 0,-16-2 180,4-16 360,-8-5 0,-11-12-181,-17 3-448,12 8 89,-25 10 0,27 0 0,-11 28-810,35-3 90,-16 22-1528,30-4 2248,-12-14 0,-4 2 0,0-11 0</inkml:trace>
-  <inkml:trace contextRef="#ctx0" brushRef="#br0" timeOffset="557222">15572 6865 8342,'0'-8'1080,"0"3"-811,-13 0 1351,10 3-1620,-10 14 0,13 9 89,16 22-89,-12-4-858,31 4 768,-31-8-270,32 0-90,-32 1-989,27 13 900,-15-12-541,11 18 450,-12-28 630,-1 7 0,-13-21 0,5 0 0</inkml:trace>
-  <inkml:trace contextRef="#ctx0" brushRef="#br0" timeOffset="557344">15582 7207 7892,'-19'-15'90,"-5"12"0,17-31-90,-4 24-90,7-19-179,4 16-1530,25-7 1799,5 10 0,14-2 0,-3 6 0</inkml:trace>
-  <inkml:trace contextRef="#ctx0" brushRef="#br0" timeOffset="557562">15057 6868 8432,'-30'0'0,"5"0"0,7 0 90,6 0-809,6 10-181,32-7 900,-19 17 0,50-17 0,-21 7 0</inkml:trace>
-  <inkml:trace contextRef="#ctx0" brushRef="#br0" timeOffset="557722">15312 6687 7173,'0'32'-1400,"0"-5"1400,0-1 0,0-2 0,0 0 0</inkml:trace>
-  <inkml:trace contextRef="#ctx0" brushRef="#br0" timeOffset="558338">16178 6633 10141,'0'-4'0,"-12"1"-90,10 24 180,-10-2 0,12 21-180,0-3 180,0 5-90,7-7 0,1 2 0,-4 20 0,11-9 0,2-1-544,-3 5 454,5 11 90,-8-28 0,-3-6 0,-6-5-1015,6-3-694,-8-10 1709,0-25 0,-13-12 90,10-31-180,-9 13 180,12-15 0,0 28 360,0-5-180,0 19 389,12 7-569,5 27-90,8 11 90,1 27-180,-14-11 180,6-1-180,-5-3 0,5-14-539,10 5 449,-8-16 0,19-8 180,-14-3 0,17-22 0,-19-7 0,4 2 90,-12-30 0,-6 34 449,-3-35-89,-5 31 0,-21-7-360,15 14 90,-31 4-180,21 6 0,-4 21 0,8 9 0,11 20 0,0-6 0,0 0-450,0-12 0,0 0 0,23-3-359,-17-1-270,38-5 1079,-27-7 0,19 2 0,-7-5 0</inkml:trace>
-  <inkml:trace contextRef="#ctx0" brushRef="#br0" timeOffset="558540">16910 6929 9422,'0'34'180,"0"4"-180,0-8-90,16 3-270,-13-8-270,30 0-89,-29 1-91,31-3 810,-21 0 0,16-3 0,-8 0 0</inkml:trace>
-  <inkml:trace contextRef="#ctx0" brushRef="#br0" timeOffset="558742">16750 7137 7982,'46'0'-1259,"-7"-15"1259,7 11 0,-7-27 0,1 12 0</inkml:trace>
-  <inkml:trace contextRef="#ctx0" brushRef="#br0" timeOffset="559026">16473 7042 9062,'-10'-13'1439,"5"-1"-899,0-16-360,25 4-180,-16 4-90,31 5 180,-31 7-90,30 5-90,-11-2-180,10 6-270,-4-2-809,2 3 449,-9 17 900,16-13 0,-18 28 0,7-12 0</inkml:trace>
-  <inkml:trace contextRef="#ctx0" brushRef="#br0" timeOffset="559189">16955 6665 8882,'0'-9'450,"-15"4"-1170,11 20-179,-10 11-271,14 12 1170,0 3 0,0-5 0,0 1 0</inkml:trace>
-  <inkml:trace contextRef="#ctx0" brushRef="#br0" timeOffset="559758">18018 6828 8972,'-53'-4'270,"12"0"-180,0 4-90,17 0 0,0 0 0,2 16-90,9 0 180,3 17-180,10-2 180,24 3-90,1-7-180,23 5 270,-24-14-90,9 2 90,-29-6-180,10-4 0,-5 1 90,-7-4 0,7 0-360,-9-2-1349,-17 1 1439,-4-2 270,1-18 90,20-4 90,25-11-180,11 13 0,14 0 90,-18 7 90,8 0 90,-4-9-270,-11 12 90,10-14-90,-25 9 0,8-8 0,-17 6 0,5-4 90,-6 4 89,0 0-89,-18 0 270,13 2-180,-13 1 0,-3 3 180,2 0-360,-16 4 0,12 0 0,10 20 0,5 3 0,8 22-270,17-10-180,-13 1-359,31 1 179,-8-11 630,24 10 0,-8-22 0,0 0 0</inkml:trace>
-  <inkml:trace contextRef="#ctx0" brushRef="#br0" timeOffset="560072">18405 6848 8432,'-16'-7'450,"4"4"-540,12-7 270,0 8 0,0-2-180,0 22 90,0 2-90,17 25-90,-12-12 180,13 3-90,-4-10-90,-11-2 180,11-1 449,-4 3 91,-8-9-720,12 2 90,-12-31 0,2-12 0,-4-15 0,0-6 0,0-18-90,16 14-939,-16 5 1,3 0 398,29-6-179,-28-11 137,22 27 222,-23 7-629,14 6 1079,-15 8 0,12 7 0,-6 3 0</inkml:trace>
-  <inkml:trace contextRef="#ctx0" brushRef="#br0" timeOffset="560430">18765 6759 10231,'-11'-8'900,"8"-3"-810,-8 32-90,11 1 0,17 19 0,-13-3 90,28-8-90,-28-2 0,30-1 0,-29-4 0,33-4-180,-23-9-90,25 4 180,-17-12-360,5 6 180,-10-8-90,-1-15-449,5-6 359,-8 2 180,3-19-269,-8 10 269,-5-8-900,0-8 1170,-4 22 0,0-5 0,0 11 0</inkml:trace>
-  <inkml:trace contextRef="#ctx0" brushRef="#br0" timeOffset="560689">19243 6820 11850,'0'39'-2428,"14"3"1618,-11-9-629,23 6 629,-9-25 810,-1 13 0,12-25 0,-10 9 0</inkml:trace>
-  <inkml:trace contextRef="#ctx0" brushRef="#br0" timeOffset="560840">19283 6567 10321,'-17'-22'270,"-6"3"-990,21 1-2608,-13 8 3328,13 17 0,20-6 0,12 14 0</inkml:trace>
-  <inkml:trace contextRef="#ctx0" brushRef="#br0" timeOffset="561055">19670 6763 11400,'-24'-11'630,"-11"8"-630,21-8 0,-4 32-90,-2-16-180,17 35-359,-13-22-181,14 16 1,-4-6-990,6 12 449,0-12 1350,21 8 0,-15-15 0,15-2 0</inkml:trace>
-  <inkml:trace contextRef="#ctx0" brushRef="#br0" timeOffset="561361">19752 6991 8882,'17'-14'0,"8"0"0,-3 6-90,31-5 0,-46 6 0,52-9 180,-52 7-90,30-6-90,-34 4 90,13-1 0,-15-2 0,3 0 0,-4-2 180,0-1 450,-19-6-181,-2 5-179,-17-7-90,18 13 270,-7 0-450,14 9 0,-2 17 0,5 8-450,10 10-629,0 2-1350,19 8 2429,-14-10 0,34 12 0,-14-14 0</inkml:trace>
-  <inkml:trace contextRef="#ctx0" brushRef="#br0" timeOffset="562105">20285 6736 9871,'-5'0'180,"-1"0"180,3 0-360,0 0 90,1 18 0,1 3-180,-1 23-360,2-12-179,20 11 359,6-21-360,24 4 450,-8-12-90,2-7 90,2-2 180,-9-5 0,16-19 0,-25 1 180,5-22 90,-20 22 540,-4-15 179,-6 16-269,-20-14-630,12 9-90,-26 5 90,28 28-180,-11 2-180,14 22-90,14-19-270,8 7 361,21-21 269,-8 7-90,3-9 180,-13 0-90,8-17 0,-10 12 539,5-26-89,-18 12 450,1-12-721,-11 4-179,3 5 0,-3 28-1439,0 11 270,0 28-630,17 0 1799,9-8 0,11-14 0,1-15 0</inkml:trace>
-  <inkml:trace contextRef="#ctx0" brushRef="#br0" timeOffset="562422">21305 6661 8972,'-42'0'1169,"-7"0"-1079,18 0 0,-3 16-90,17-2 90,8 16-270,9-7 180,24-9 0,-18 2-90,35-14 90,-21 6 90,14-8-90,-5 0 0,-13-18 270,1 0 180,-15-16-630,4 9-720,-6 4-359,0 28-360,0 7 1619,18 27 0,-13-21 0,12 0 0</inkml:trace>
-  <inkml:trace contextRef="#ctx0" brushRef="#br0" timeOffset="562640">20973 6087 10141,'0'-17'90,"19"0"-90,-15 7-90,33 1 180,-13 5-180,18 2-539,-17 20-361,5-13-179,-27 43 1169,8-24 0,-11 29 0,0-11 0</inkml:trace>
-  <inkml:trace contextRef="#ctx0" brushRef="#br0" timeOffset="563247">21940 6352 11400,'-9'-3'90,"4"0"270,1 3-180,3 19-90,0 7-90,19 13 0,-14 4 90,14-6-180,-5 2 180,-9 2-90,9-2 0,-1 0-90,-9 8 90,18-13 0,-18 11-90,11-25-180,-13 0-359,3-14-900,-1-2 1169,-3-21 360,2-10 0,-2-10 0,0-19 0,0 22-344,16-13 614,-12 20-1,25 5-179,-26 4 270,24 9 180,-12 2-180,12 7-270,-13 21 179,3 6-89,-15 10 344,4 1-524,-6-1 0,0-9 90,-17 14-180,-1-21-1169,-18 2 449,18-11-1438,-14-6 2248,14-1 0,-10-26 0,4-4 0</inkml:trace>
-  <inkml:trace contextRef="#ctx0" brushRef="#br0" timeOffset="563523">22417 6589 8612,'4'17'810,"4"-13"-361,-6 27-269,3-15 0,-2 16-90,-2-7-180,1 6 180,-2-11-90,1 4-90,0-1 0,2-7 0,1 5 90,-2-11 0,2-1 0,-2-6-90,0-18 90,0-7-270,-1-9-89,0-4-811,0-9 451,0 9 719,0-23 0,0 25 0,0-9 0</inkml:trace>
-  <inkml:trace contextRef="#ctx0" brushRef="#br0" timeOffset="563856">22772 6624 10951,'-34'0'0,"-2"0"0,18 16 0,-16-12 0,30 26 0,-25-27 0,26 29 0,-16-10 0,17 9 0,-4 3-360,23-15 450,5 3 0,22-14-90,2-2 0,-1-6 0,-17-16 90,-2 12-90,-24-29-270,6 17-989,-32-15-720,3 9 1979,-23 5 0,14 5 0,1 3 0</inkml:trace>
-  <inkml:trace contextRef="#ctx0" brushRef="#br0" timeOffset="564062">22882 6643 11131,'0'34'-1619,"20"4"899,-15-10 90,32 1-89,-33-9-181,32-1 900,-21 0 0,18-3 0,-7 0 0</inkml:trace>
-  <inkml:trace contextRef="#ctx0" brushRef="#br0" timeOffset="564272">23378 6559 10231,'-38'-7'90,"4"2"-90,17 20 0,-5-12 0,19 28 0,-20-27-180,12 48-449,-3-31 89,0 30-629,9-15 629,-3-11-899,2 11 1439,2-20 0,0-2 0,1-10 0</inkml:trace>
-  <inkml:trace contextRef="#ctx0" brushRef="#br0" timeOffset="564440">23123 6594 8882,'-1'-21'1349,"1"-3"-1169,0 11-90,20 17-90,0 16 0,25 29-360,-14-7-449,3 7-720,5 1-767,-7-12 2296,12 8 0,-13-20 0,-1-3 0</inkml:trace>
-  <inkml:trace contextRef="#ctx0" brushRef="#br0" timeOffset="564608">23773 6549 9691,'-20'-7'0,"1"4"0,-19 15 0,6 9-539,14 9-271,-8 3-179,23-4-540,-17 1 1529,18 0 0,-6-2 0,8 0 0</inkml:trace>
-  <inkml:trace contextRef="#ctx0" brushRef="#br0" timeOffset="564888">23982 6543 9512,'-25'-7'90,"6"2"-90,-22 0-90,-3 4 90,12 0 90,-8 1-180,15 16 180,5-12-720,4 26 270,7-10 180,5 15-90,4-6 90,25-2-89,2-2 179,3-7 0,12 4-180,-37-10 0,31-1 0,-32-1-270,24 2 130,-26-5 410,10 3 0,-12-6 0,0 0 0</inkml:trace>
-  <inkml:trace contextRef="#ctx0" brushRef="#br0" timeOffset="565171">24147 6759 7443,'24'-11'270,"0"-1"-270,-5 7 0,-2-5 0,-4-5 0,-7 2 90,-3-5 179,-3-6 181,-18 6 360,-8-14-451,3 14 1,-20-9-180,16 15-90,0-2-90,-7 10 90,22 1 0,-4 18 0,3-11-90,12 43-180,-4-27-450,5 27 181,22-20-91,-17 0-180,40-3-629,-11 5 1349,10-9 0,4 2 0,-12-10 0</inkml:trace>
-  <inkml:trace contextRef="#ctx0" brushRef="#br0" timeOffset="565488">24423 6574 9422,'-20'-10'269,"4"0"-269,16 5 360,0 1-360,0 19 0,15 4 0,-11 21 0,26-20 0,-27 16 180,11-18 270,-4 2 0,-8 1-181,8-33-269,-10-6 90,0-17-90,0-26 0,18 19 0,-17 5 0,2-1-438,34-6 348,-32-10-360,28 22-449,-29 5 89,24 3-1079,-10 5 1889,6 8 0,-2 3 0,-7 8 0</inkml:trace>
-  <inkml:trace contextRef="#ctx0" brushRef="#br0" timeOffset="565643">24953 6752 11940,'6'0'-180,"-2"-13"0,-4-2 0</inkml:trace>
+  <inkml:trace contextRef="#ctx0" brushRef="#br0" timeOffset="33532.27">8313 2542 7803,'-21'0'1799,"2"0"-810,11 6-1169,-11-4-180,15-7 0,-22 2 181,24-17 89,-19 10 90,19-10 0,-7 6 0,9-2 90,0 8 0,0-1 179,0 1 1,0 2 180,17 2-90,4 3-270,11 16-90,-13 5 0,0 11 0,-17 1 0,6 12 0,-8-8-45,-11-3 0,-1 1-45,6 7-437,-15-15 1,-1 0 256,17 9-90,-36-2-180,35-3-449,-46 6 539,44-14 180,-44 3 270,39-18 0,-14-2 270,19-25 1233,5 3-1143,21-6 0,-13-2 179,28 22-89,-11-9-360,19 12 0,6 17-90,-8-13-630,12 30-629,-19-19 1259,21 5 0,-21 0 0,10-9 0</inkml:trace>
+  <inkml:trace contextRef="#ctx0" brushRef="#br0" timeOffset="34163.27">9262 2275 9961,'0'-11'1889,"0"1"-1799,2 2 180,0 5 180,4 0-270,0 3-180,6 18 0,0-13 0,3 35 0,-3-19 0,2 23-180,0-3-765,-5-9 1,1 2-136,5 20-134,-5-8 0,0 0 884,2 5 1,3 11-1,-3-23 1</inkml:trace>
+  <inkml:trace contextRef="#ctx0" brushRef="#br0" timeOffset="34364.27">9683 2401 9871,'-45'0'2519,"20"22"-2339,-17-16-180,27 24 0,0 3 0,-24-5-45,19 12 0,2 2-45,-9 3-450,19-8 1,2-1-91,-7 3-1259,13 20 810,21-32 89,-15 4 990,46-19 0,-25-5 0,27-5 0</inkml:trace>
+  <inkml:trace contextRef="#ctx0" brushRef="#br0" timeOffset="34547.27">9990 2529 9961,'-18'-10'1889,"14"19"-1889,-14 15-270,18 10-359,0 1-91,0-6 1,18-1-91,-14 0 0,27-1 1,-27-3-180,24-2 989,-24-4 0,24-3 0,-12-3 0</inkml:trace>
+  <inkml:trace contextRef="#ctx0" brushRef="#br0" timeOffset="34697.27">10115 2384 9062,'-24'-10'0,"5"0"-90,4 3 90,11 1 0,-11 4 0,15-1 0</inkml:trace>
+  <inkml:trace contextRef="#ctx0" brushRef="#br0" timeOffset="35316.27">10377 2760 9242,'-14'-17'-450,"23"-11"450,-4-9 0,30-6-573,-31 10 663,26-2-90,-27 3 0,11 1 338,-14-4-158,0 10 270,0-3 529,-17 12-619,-9 9-180,-8 18-180,11 17 0,2 10 0,19 5 0,-8-7 0,10 20-90,19-14-295,-14 13-65,35-11 181,-9-15-91,-3-9 0,2-4 0,20-5 135,-16-4 0,-1-5 135,7-18 90,9 11 180,-8-45 90,-14 29 1259,2-38-809,-20 24-360,-4-3-180,-24 12-270,14 28 180,0 13 0,23 15-90,19-9 0,-1-11 0,-4-10 0,-1 0 0,-20-22 0,10 16 629,-19-35-449,7 17 0,-9-9-270,0-2 0,0 16 0,0 25-629,0 15-361,22 19-719,3 12 630,2-21 1169,0-5 0,-1-2 0,-5-8 0,28 4 0</inkml:trace>
+  <inkml:trace contextRef="#ctx0" brushRef="#br0" timeOffset="35546.27">10435 2265 9062,'-27'-9'719,"-2"-3"-539,14 3-90,2-5-90,30 0 0,-13 2-90,34 0-1169,-11 5 719,20 3-899,1 1 1439,-14 3 0,-3 17 0,-13 5 0</inkml:trace>
+  <inkml:trace contextRef="#ctx0" brushRef="#br0" timeOffset="35716.27">10658 2069 9512,'36'-3'269,"-7"-1"-269,-3 4-449,-5 15-181,0-12-449,1 31 1079,8 1 0,-8 10 0,5 8 0</inkml:trace>
+  <inkml:trace contextRef="#ctx0" brushRef="#br0" timeOffset="36252.27">12255 2536 10231,'-34'-3'270,"0"1"270,-10 2-450,10 0-270,-19 15 180,25 0 0,-10 19 0,23-18-450,1 16 270,11-15 90,3 9-270,24-6-89,3-6 269,27-7-90,-15-2 180,2-25 180,-12 15-180,-2-42 90,0 24 45,-11-9 0,-2-4 45,0-11 269,0 3 1,-3 0 90,-9-9 90,2 9 0,0 0-447,-4-3 266,-16-10 1,13 18-360,-26 14 0,25-3 90,-19 21-90,21 21 0,-8 36 0,10 1-180,9-5 0,0 1-629,-4 3-91,10-6 1,4-2-1,7 6-76,-10-18 1,3-2-15,22 6 990,-8-5 0,3-7 0,1-4 0</inkml:trace>
+  <inkml:trace contextRef="#ctx0" brushRef="#br0" timeOffset="36582.27">12883 2432 11311,'-40'-9'719,"0"2"-719,0 7 0,17 19 0,-11 6 0,21-1 0,-4 25-270,8-33-449,27 31 359,8-26 180,22-3 180,-8-10-90,9-23 90,-22 12 180,10-43 90,-25 26 449,6-36-539,-17 27-270,4-4 270,-5 12-180,0 35-90,0 9-495,10 7 1,0 4-226,-5 15-135,22-15 1,3-5-585,-5-7 1529,3-1 0,2-4 0,8-13 0,3 9 0</inkml:trace>
+  <inkml:trace contextRef="#ctx0" brushRef="#br0" timeOffset="36786.27">13580 2089 10771,'-29'-21'809,"-9"1"-179,34 11-540,-12 18-90,16 21 90,0 11-90,0 8-1066,0-7 976,0-1-1305,18 22 585,-13-18 180,11-9 1,2-2 89,-4 2-89,5 6 629,-2-12 0,-15-12 0,6 3 0</inkml:trace>
+  <inkml:trace contextRef="#ctx0" brushRef="#br0" timeOffset="36913.27">13363 2418 9062,'-14'-17'90,"-4"13"90,16-25-630,-4 20 0,6-11-449,28 12 359,4 1-449,18 7 989,-5 0 0,-8 0 0,0 0 0</inkml:trace>
+  <inkml:trace contextRef="#ctx0" brushRef="#br0" timeOffset="37250.27">13973 2325 9602,'-18'-11'2338,"-9"1"-2068,-13 10-270,-3 16 0,9 9 0,15 9 0,-1 4-90,18 7-270,-5-11 180,7 11-449,24-9 89,-18-11 0,38 1 360,-15-18 180,20-4 0,-8-23 90,-8-10 180,-8-9 90,-13-3 540,-1-5-541,-11 13-89,0-16-360,0 26 180,0-4-630,-14 19-269,11 20-450,9-7-91,-1 33 1350,30-8 0,-8 8 0,18 2 0</inkml:trace>
+  <inkml:trace contextRef="#ctx0" brushRef="#br0" timeOffset="37646.27">15132 2048 12030,'-16'-15'1619,"0"1"-1349,1 5-270,3 1-90,1 2 180,5 2-90,2 17-540,2 35 91,2 1-893,8-2 1,1 2 802,-5 10 44,4-20 0,1-1-404,11 15-1126,-16-3 1305,27-4-1891,-28 10 2611,17-18 0,-17 4 0,6-20 0</inkml:trace>
+  <inkml:trace contextRef="#ctx0" brushRef="#br0" timeOffset="37797.27">15007 2455 9871,'-21'-30'90,"-4"0"-90,23 1 0,-7 4 0,9 0 0,0 4-90,23 3-359,11 2-1,13 7 45,-12 5 0,-1 1-44,12 1-271,5 9 0,0 6 203,2 8 228,-10-10 1,-2 2 0,-1 18 0,-1-11 0</inkml:trace>
+  <inkml:trace contextRef="#ctx0" brushRef="#br0" timeOffset="38174.27">15660 2429 8072,'3'4'810,"2"5"-720,-2-7-90,5 7 0,-2-2 0,3 1-90,1 2-90,1-3-90,1 0-449,11 3 269,-3-2-180,17 2 180,-13-5 91,15-2 449,-18-3 449,5-14 181,-14 11-180,-1-24-181,-5 23 631,-2-24 179,-2 11-449,-2-12-91,-20 7-359,4 10-270,-6 21 90,11 17-180,11 27 90,0-2 45,10-12 0,1 0-135,-6 12-447,5-16 1,1-2 446,5 16 180,-12-1-90,23 1-1459,-20-7 1,-3 0 1458,8 12-45,-7-16 0,-2 1-1738,-3 19 974,0-24-361,0 11-89,0-31 1439,-15-6 1,11-3 0,-12-4 0</inkml:trace>
+  <inkml:trace contextRef="#ctx0" brushRef="#br0" timeOffset="38631.27">16225 2482 8972,'-18'19'1709,"18"5"-1619,4 12-90,10 0 0,-2-5 90,-9 0-180,9 3 90,-3 14 90,-7-13-90,7 9 90,-9-20-90,0-5 0,0-2-360,0-5 90,0-20 180,0-14 0,0-14 90,-14-10-1043,11 3 1043,-10-6 90,13-5-90,0 14 0,0-2-90,0-22 135,-2 13 0,4 2 135,14-4-84,-16 16 1,4 4 83,31 3 89,-17 2-89,16 19 0,-9 24-90,-10 13 0,-2 27-90,-12-8 0,2-12 0,-1-1-1025,-2 5 306,-18 14-1620,13-6 900,-32-16 1439,33 8 0,-15-22 0,19-1 0</inkml:trace>
+  <inkml:trace contextRef="#ctx0" brushRef="#br0" timeOffset="38932.27">16532 2366 9242,'11'18'629,"2"-4"-449,-4 0 0,12-11-90,-5 11-90,9-14 0,-5 0 90,4 0 0,1 0 0,13 0 0,-10-15 0,17-2 180,-24-1 359,5-22-539,-18 25 180,-2-21-90,-6 19-90,0-1 90,-22 10-90,0-1-90,-18 25 0,20 7-360,-5 24-90,22-7-1349,11 18 810,-4-25 989,26-5 0,6-2 0,0 1 0,3-10 0,0 1 0</inkml:trace>
+  <inkml:trace contextRef="#ctx0" brushRef="#br0" timeOffset="39318.27">17807 2370 10681,'-6'-9'630,"2"0"-630,4 2-90,0-1 90,21 0-450,-15 2-675,25 2 1,6 3 315,-13-1 809,11 8 0,1 0 0,-8-2 0,5 10 0</inkml:trace>
+  <inkml:trace contextRef="#ctx0" brushRef="#br0" timeOffset="39446.27">18008 2657 10681,'0'12'1529,"0"-2"-1529,19-4-450,10-3-2428,34-20 899,-5-6 1589,-23 12 0,-1-1 0,-5-8 0,-1-1 0,31-7 0</inkml:trace>
+  <inkml:trace contextRef="#ctx0" brushRef="#br0" timeOffset="40180.27">19053 2137 10771,'0'-11'180,"0"4"269,0 2-359,18 19 0,1 21-180,3 3 135,-6-6 0,-4 1-45,-9 4 0,20 22 0,-21-25 0,7 3-180,-6-17 91,-2-4-1441,6-3 1081,-6-20 449,2-15 0,-3-14 0,0-8 90,14 5 179,-10-18 91,28 15 180,-16-20-270,4 33 180,2 0-450,-9 20 89,5 5 91,3 25-90,-8-15-90,3 57 0,-5-37 0,-5 11 0,-1 1 0,1-2 0,1 8 0,-4-20 0,1-5-90,-1-8-629,-1 3 359,0-12 360,1 6 0,0-25-90,2 12 180,3-35-180,1 20 180,4-23-90,-1 7-90,4-2 180,-1 0 360,5-8-270,-4 15 269,5-3-359,-7 23 0,0 4-90,-4 7 0,-1 0 90,2 18-90,-1-13-90,0 39 180,0-22-629,5 40-451,-2-20 90,-1-8 1,1-1-482,7 5-148,10 8 1529,-1-21 0,4-6 0,3-3 0</inkml:trace>
+  <inkml:trace contextRef="#ctx0" brushRef="#br0" timeOffset="40534.27">20385 2174 9871,'-59'-4'1799,"1"0"-1619,14 4-90,2 0-90,1 16 0,11 7 0,-12 22 90,28-7-360,-8 13 90,21-21 90,-6 6-89,25-13 89,-14-7-90,37-2 180,-21-7-90,20-3 90,-7-4 0,13-15 0,-11 12 180,16-30 0,-26 9 359,2-21-269,-20 9-90,-1 3-90,-6 14-90,0-1-90,0 24-899,0 10 269,0 27-1079,0 4 810,0-9 989,18 1 0,3-24 0,17 2 0</inkml:trace>
+  <inkml:trace contextRef="#ctx0" brushRef="#br0" timeOffset="40868.27">20643 2216 10951,'-21'-3'629,"4"22"-629,17 2 0,0 23 0,0-11 0,0-3-90,0-11-89,14-8 89,-10 7 90,10-9-180,-5 3 270,1-21-180,6-14 180,-1-24-90,-5 8 180,7-19-180,-9 25 89,10-20 1,-11 35-90,5-9 0,-7 26 0,1 14-539,-2 15-990,3 25 809,1-6-269,3 4 989,11-5 0,-2-13 0,10 8 0</inkml:trace>
+  <inkml:trace contextRef="#ctx0" brushRef="#br0" timeOffset="41284.27">21240 2192 10411,'-40'-6'450,"3"1"-360,15 20 90,-6-12-180,25 26-90,-9-8-180,12 17 180,26 0-90,10-6 270,12-14-818,0-8 638,-16-10 180,1 0-90,5 0 0,-18-17 90,10 13 450,-27-32-180,8 9 180,-11-21-271,0 10-89,-21-4-180,-2 18 638,-13 5-548,16 30-90,9 21 90,11 13-1076,21 4 986,-15-7 0,37 1 0,-37 1 0,21-13 0,3 1 0,-10 13 0,8-9 0,-1-1 90,-11 1-691,12 11 242,-26-29-2970,9 1 2070,-39-14 1259,-17-17 0,15 1 0,-1-4 0,-3-6 0,0 0 0</inkml:trace>
+  <inkml:trace contextRef="#ctx0" brushRef="#br0" timeOffset="41518.27">20232 1610 9512,'0'-24'809,"24"1"-449,-18-1-90,39 2 179,-19-3-359,-1 8-269,12 0-1800,-33 27 539,12 18-358,-47 12 1488,4 12 0,-1-29 0,-2 0 0,7 2 0,0 0 0</inkml:trace>
+  <inkml:trace contextRef="#ctx0" brushRef="#br0" timeOffset="42529.27">8778 2752 7982,'-15'16'2789,"21"-12"-2699,-2 29-90,26-17 0,-27 16 90,20-6-90,-21 1 0,10 1-90,-12 1-180,0 2-270,0 3-89,-20 3-316,-3-5 1,-5 1 336,-2-5 1,-4-1-1,-10 11 1,-1 0-1,6-9 1,1 0 0</inkml:trace>
+  <inkml:trace contextRef="#ctx0" brushRef="#br0" timeOffset="70682.27">7985 4067 9062,'-1'-11'1349,"-1"-3"-1169,1 9-90,-2-9-90,3 6 270,0-2 0,0 1-270,0 2 90,16-7-180,-12 4 90,31-3 0,-31 3 0,33 1 90,-33 0-180,29 3 90,-29 2 0,26 3 90,-14 0-180,6 1 269,3 14-268,-13-11 178,3 26-89,-8-25 0,-2 28 0,-3-19-89,-1 21-181,-1-13-360,-16 10 360,12-15-449,-13 1 89,17-7 630,17-6-90,5-1 180,11-3 0,1 0 0,6 0 90,-9 0 180,20 0-91,-23 13 181,11 1-180,-23 1-90,3 6-180,-12-19 0,-3 20 90,-3-12 0,-19 18 0,14-9-90,-32 15 0,8-16 0,-8 7-90,-4-12 180,11-2-360,0-2-270,-1-2-449,0-3-1,1-1 990,-8-3 0,9 0 0,-6 0 0</inkml:trace>
+  <inkml:trace contextRef="#ctx0" brushRef="#br0" timeOffset="71036.27">8700 4304 8162,'-16'-12'2159,"4"21"-2069,27-17 0,-11 31 90,26-20-90,-27 21 0,25-13 0,-25 13 90,21-5-90,-21 2-90,14 1 0,-15 3-180,4 2-810,-28 18 91,0-7-406,-12-3 1,-6 0 1127,11-11 1,-2-2 0,-12 8-1,-3-1 1,10-8 0,0-1-1</inkml:trace>
+  <inkml:trace contextRef="#ctx0" brushRef="#br0" timeOffset="72811.27">9560 3694 9602,'0'-9'1439,"0"2"-1169,0 1-270,0 1 629,0 3-719,0 17 180,0 14-90,0 12 0,0 10 0,15-5 0,-14-9 0,2 2-169,12-10 0,3 2 34,-8 22 0,-1 0-315,13 7-450,-4-11 1,-2 0 90,-5 4 314,2-20 0,1-1-1124,1 18 1619,-7-15 0,1 2 0,-8-16 0</inkml:trace>
+  <inkml:trace contextRef="#ctx0" brushRef="#br0" timeOffset="72948.27">9393 4312 7623,'0'-18'0,"19"-1"0,-15-2-135,24 4 0,4 0-225,-5-10 360,14 1 0,3 2 0,4-5 0,-15 9 0,0 0 0</inkml:trace>
+  <inkml:trace contextRef="#ctx0" brushRef="#br0" timeOffset="73368.27">9962 3718 7533,'-13'17'1709,"2"5"-1709,11 12 90,23 2-90,-18-5 0,32 5 0,-33 4 0,10-10 0,3 1 0,2 17 0,-2-6 0,-1-1 0,2 7-90,-2-10 0,-3 0-906,-5 1 996,11 7 240,-12-23-510,-3-5-180,0-7 180,-3-5 270,1-23-90,-2-25 90,0-4 510,0-11-420,0 22 0,0 2 0,0 2 630,16-1-541,-12 10-89,23 5-90,-10 11 90,-2 21-90,12-12 157,-17 30-157,13-29-270,-5 35-720,10-9 541,-4 10-811,18 9 1260,-13-22 0,7 3 0,-9-11 0</inkml:trace>
+  <inkml:trace contextRef="#ctx0" brushRef="#br0" timeOffset="73646.27">10800 4044 8702,'-38'-7'1259,"0"1"-1349,6 23 180,4 7-180,13 9 90,6 2 0,9-7-269,0 12 89,22-10-270,8 16 270,-1-24 180,23-2-90,-17-6 180,14-12-90,2 6 0,-25-23-90,2-5 90,-19-19-90,-3 7 180,-28-1-180,17 11-540,-57 1 1,38-2 629,-11 14 0,-2 1 0,5-5 0,-10 7 0</inkml:trace>
+  <inkml:trace contextRef="#ctx0" brushRef="#br0" timeOffset="73862.27">11410 4109 8972,'0'30'-360,"0"-6"-270,0 4-179,0-7-181,0 3 990,15-1 0,-11 1 0,10 1 0</inkml:trace>
+  <inkml:trace contextRef="#ctx0" brushRef="#br0" timeOffset="74028.27">11622 3989 8972,'0'-9'-3058,"-17"2"3058,13 23 0,-12-13 0,16 15 0</inkml:trace>
+  <inkml:trace contextRef="#ctx0" brushRef="#br0" timeOffset="74264.27">10782 3887 8522,'-12'-17'270,"2"3"-270,3 2 180,4 3-90,1 1 0,2 2 0,0 2 0,19 2 0,-15 17-360,35-11 90,-34 29-810,26-5 361,-28 9 629,8 16 0,-11-20 0,0 9 0</inkml:trace>
+  <inkml:trace contextRef="#ctx0" brushRef="#br0" timeOffset="74416.27">10712 3673 8252,'26'-14'180,"9"3"-270,-31 5-90,31 3-269,-17 1-541,21 2 990,-4 0 0,6 20 0,6 4 0</inkml:trace>
+  <inkml:trace contextRef="#ctx0" brushRef="#br0" timeOffset="74912.27">12462 3820 9422,'-55'0'-90,"3"0"90,1 0-45,17 7 0,0 4 45,-13 15-45,13-3 0,3 2-45,3 16-360,3 11 180,18-24-359,50 15 359,-15-29 225,14-4 0,3-4 45,0-6 45,-6-6 0,0-5-45,3-13-1541,9 1 1811,-24-18 359,-7 25 630,-3-26-1079,-10 13-180,-1-1 0,-23 14 282,1 24-192,-4 20-90,8 27 90,12-5-45,9-11 0,1-1-418,-5 11 373,15-16 0,-1 0 0,-14 11 90,15-2-90,-6-4 0,-11-1 0,10-6 0,-13-1-134,0 1-856,0-9 990,-16 2 0,12-16 0,-12-1 0</inkml:trace>
+  <inkml:trace contextRef="#ctx0" brushRef="#br0" timeOffset="75112.27">12858 3764 8612,'14'15'1619,"-2"-13"-1619,-7 29 0,0-27 0,-3 32 0,4-19-180,2 32-359,1-18-361,2 9 180,-2-14 1,-1-1-271,3-3 990,-3-3 0,3-3 0,-3-2 0</inkml:trace>
+  <inkml:trace contextRef="#ctx0" brushRef="#br0" timeOffset="75248.27">12842 3767 9332,'-14'-24'90,"11"1"-270,-19 6-360,20 2 360,-13 5-1619,14 1 1799,13 6 0,-8 15 0,13 5 0</inkml:trace>
+  <inkml:trace contextRef="#ctx0" brushRef="#br0" timeOffset="75612.27">13450 3849 9332,'-46'0'1439,"-3"0"-1529,14 0 90,-1 0 0,13 0-90,2 17 90,-1-1-180,11 17-360,1-2 271,34 5 269,-18-12 0,37 1 0,-19-20 89,15 0-89,-6-5 810,-15-15-270,-9-4-450,-9-10-270,0 2-90,0 34-989,0 5 539,14 32 90,-11-13-89,22 0 719,-9-2 0,0-16 0,-3 3 0</inkml:trace>
+  <inkml:trace contextRef="#ctx0" brushRef="#br0" timeOffset="75928.27">13667 3933 9062,'14'38'270,"-11"1"-270,22-20 0,-22 11-180,19-18 180,-19 9-270,15-10 270,-13-6-90,7-5 90,-5-18 0,-1 13 0,-1-33 90,1 22 360,3-33-360,-3 20 179,2-16-89,-5 30 180,0-12-360,1 24 180,0-7-270,7 30-180,-2-16-1799,10 60 630,-4-34 1350,-4 3 0,-1 3 0,9 8 0,1 2 0</inkml:trace>
+  <inkml:trace contextRef="#ctx0" brushRef="#br0" timeOffset="76302.27">14548 3610 11580,'-12'-21'270,"2"2"-360,0 5 90,4 2 0,2 5 0,2 2 0,2 19 0,-1 16 90,18 9-270,-13 9-741,25-7 381,-25 5-89,22 1-136,-17-14 1,-2 0 44,9 15-180,-5-10 1,-1-1 899,0 0 0,2 8 0,-5-19 0</inkml:trace>
+  <inkml:trace contextRef="#ctx0" brushRef="#br0" timeOffset="76461.27">14448 3911 9152,'-12'-26'-90,"10"-1"-90,-10 1-180,12 0-359,21-7 359,-15 9 45,32 5 0,9 4 135,-12 2 0,20 5 0,2 2-179,-4 5-21,-16 1 1,-1 0 0,15 0 0,-1 0 0</inkml:trace>
+  <inkml:trace contextRef="#ctx0" brushRef="#br0" timeOffset="76678.27">15155 3739 8162,'0'17'1440,"-20"-5"-1440,15 2 0,-30-4 0,31 4 0,-27 2-90,15 15 180,-3-6-90,7 30 0,12-26-180,0 15 0,27-24 90,-20-4-180,47-2 180,-30-3-90,24-4 90,8-3-90,-17-2-180,23-21 91,-34 15 89,-2-31-180,-14 32-719,-11-33 1079,-14 13 0,8-10 0,-12 4 0</inkml:trace>
+  <inkml:trace contextRef="#ctx0" brushRef="#br0" timeOffset="76937.27">15688 3887 7803,'4'19'269,"-2"13"-179,2-28-90,-2 27 90,4-12-90,-3 7-270,9 6 91,-6-19-541,10 3 270,-8-12 450,11-3 0,-7-1 0,6 0 0</inkml:trace>
+  <inkml:trace contextRef="#ctx0" brushRef="#br0" timeOffset="77078.27">15902 3788 8792,'7'-11'989,"-1"2"-719,-3 9-90,0 0-180,-1 0 0,2 15 0,0-11 0,1 27 0,4-7-629,-2-3-1440,6 17 719,-4-18 1350,2 2 0,0 4 0,-2-12 0</inkml:trace>
+  <inkml:trace contextRef="#ctx0" brushRef="#br0" timeOffset="77428.27">15142 3653 9781,'-8'-13'720,"3"-1"-630,2 2-90,2-7-90,1 7 180,19-5-360,-15 10-989,29 1-90,-18 4-270,13 16 1619,-2-10 0,-6 26 0,-2-9 0</inkml:trace>
+  <inkml:trace contextRef="#ctx0" brushRef="#br0" timeOffset="77578.27">15273 3528 9512,'0'-26'989,"24"6"-989,-18 3 0,41 6-450,-26-1-2068,38-2 775,-16 5 1743,13-1 0,-13 7 0,2 2 0</inkml:trace>
+  <inkml:trace contextRef="#ctx0" brushRef="#br0" timeOffset="78114.27">15700 3957 9152,'-5'-17'899,"21"-2"-899,-11-11 0,31 13 0,-21 1-1079,15 14 179,-8-5 900,-2 21 0,-11 9 0,-2 16 0</inkml:trace>
+  <inkml:trace contextRef="#ctx0" brushRef="#br0" timeOffset="78564.27">16527 3437 11131,'0'-9'629,"0"2"-449,0 2-90,0 24-360,0 27-719,18 4-136,-8-6 1,0 1 135,12 6 989,-6-6 0,-2 2 0,2 5 0,-1-17 0,0-1 0</inkml:trace>
+  <inkml:trace contextRef="#ctx0" brushRef="#br0" timeOffset="78700.27">16487 3817 8882,'0'-23'-1169,"20"1"1169,25-17 0,2 17 0,-17 4 0,1 1 0</inkml:trace>
+  <inkml:trace contextRef="#ctx0" brushRef="#br0" timeOffset="79211.27">17225 3761 8792,'-24'24'1169,"17"1"-1169,-41-5 0,27 3 90,-33 12-180,23-8 90,-13 19 0,29-19 0,-10 4-270,23-11-89,-7-4 269,9-1-180,0-2 0,20-3 90,-15-5-360,54-1 450,-34-3-45,10 1 1,2-3 134,1-18 0,10 14 0,-20-31 0,-4 32 180,-12-34 719,3 11-539,-13-10 90,5 2-360,-7 14 179,0 3-269,-19 4 0,15 1 90,-29 6-90,30 17 0,-11 9-180,14 15 90,23-17-89,-17 8-91,40-22 90,-27 7-90,33-10 270,-18 0 0,21 0-90,-24-17 180,5 13 90,-15-30 90,-6 30 90,-1-30 89,-6 29 541,-4-29-720,-2 18-360,-2-10-270,0 30-989,0 11-450,18 27 1799,4-5 0,20-1 0,1-5 0</inkml:trace>
+  <inkml:trace contextRef="#ctx0" brushRef="#br0" timeOffset="79394.27">17443 3298 9781,'-12'-3'-1349,"2"1"-270,5 17 1619,25 5 0,-15 12 0,17 0 0</inkml:trace>
+  <inkml:trace contextRef="#ctx0" brushRef="#br0" timeOffset="79532.27">17590 4456 8522,'0'5'-270,"0"-1"0,0-3 1</inkml:trace>
+  <inkml:trace contextRef="#ctx0" brushRef="#br0" timeOffset="80413.27">18347 3591 10231,'0'-18'720,"-17"1"-720,13 7 0,-12-1 0,3 7-180,9 24-720,-9 28 451,13 4 179,12-11 0,2-1-981,-8 0 1116,18-14 1,6-2-747,9 9 701,15-17 45,-19-7 0,0-2 225,5-7-90,23-19 90,-33 14 0,6-37 180,-20 24 180,-3-21 1079,-8-10-1169,0 19-270,-5-14-180,-17 24 1189,13 6-1099,-12 23 582,16 27-672,22 6 90,-9-9 0,1-1-270,13 1-374,18 8 284,-25-18 91,22-4-1,-9-3 0,14-4 270,-11-5-46,17-3 46,-24-19 269,6-4 91,-22 0 270,0-14 89,-11 11-449,1-14 13,-3 8-1542,-15 13-313,11 25-227,-11 9 1799,37 18 0,-17-19 0,17-4 0</inkml:trace>
+  <inkml:trace contextRef="#ctx0" brushRef="#br0" timeOffset="80750.27">19597 3603 9152,'-47'-8'1889,"2"2"-1619,7 24-360,1-14 180,23 30-90,-10-30 0,22 31 0,-6-20 89,8 24-89,0-15-449,17 13 269,6-18 90,24 3 90,-8-15 0,2-2 0,1-5 0,-11-20 90,12-4 0,-21-1 629,-1-28-449,-14 36-90,-4-28-270,-3 21 90,0 7-719,-13 18-900,10 30 809,-11 6 810,19 2 0,7-1 0,4-2 0,16 20 0</inkml:trace>
+  <inkml:trace contextRef="#ctx0" brushRef="#br0" timeOffset="80977.27">18913 3194 8522,'0'-18'90,"28"2"-180,-21 4 135,29 2 0,7 4 45,-12-1-90,14 1 0,1 3 0,-6 2-1349,11 17 0,-35 12 1349,-2 10 0,-14 11 0,0-8 0</inkml:trace>
+  <inkml:trace contextRef="#ctx0" brushRef="#br0" timeOffset="81411.27">20408 3465 10501,'-27'-9'-90,"-11"2"90,14-2-180,-15 6 180,0-1 0,18 23 0,-4-14 0,23 33 90,-8-11-270,10 8 180,22 3 0,7-1-90,12-8 135,-13-6 0,-2-1-45,7 4 0,7 3 0,-12-3 0,-14-10 0,0 9-180,-14-12-899,-20 5 539,14-8-179,-40 0 89,26-3 0,-22-2 630,11-3 0,4 0 0,-1-2 0</inkml:trace>
+  <inkml:trace contextRef="#ctx0" brushRef="#br0" timeOffset="81661.27">20517 3702 7623,'43'-4'90,"16"0"-180,-19-1 180,21-3 0,-34 5-180,5-4 180,-19 3 89,-3 0-89,-6-1 180,-2-3-90,-2 1 360,-20-7-180,-3 5 359,-23-2-719,24 4 360,-15 3-360,21 2 0,-13 2 0,15 15 0,5 7-90,9 10-450,0 1-1439,19 20 990,-14-21 989,38 17 0,-22-28 0,22-2 0</inkml:trace>
+  <inkml:trace contextRef="#ctx0" brushRef="#br0" timeOffset="81945.27">21075 3477 9062,'-29'0'0,"3"0"0,-4 0 0,16 15 90,-9-11 0,21 29-90,-6-11 90,31 21-180,-17-10 90,36 10 0,-14-18 0,-3 8 270,15-6-91,-24-9-179,4 9 0,-8-16-359,-12 7-181,-18-11-719,-5 3 629,1-6 630,-17 1 0,16-4 0,-19 1 0</inkml:trace>
+  <inkml:trace contextRef="#ctx0" brushRef="#br0" timeOffset="82248.27">21492 3609 9602,'-52'0'269,"9"12"-179,-1-9-180,25 20 180,-16-20-449,31 16 179,-11-7 0,15 4 180,0 1 0,21-4 90,11 6-90,11-2-852,5 3 941,-12-5-89,-2-2-316,-1 0 496,-6 0 180,-2-3-180,-13 1-270,7 0 180,-16-3 279,7 1-728,-34-4 258,18-1-439,-44-1 1,29-2-181,-22 0 720,0-1 0,23 0 0,-4 0 0</inkml:trace>
+  <inkml:trace contextRef="#ctx0" brushRef="#br0" timeOffset="82429.27">21847 3621 9602,'11'14'539,"-3"-11"-539,-1 11 0,-2 1 0,-2-11 0,2 21 0,-3-22 90,-1 23-180,0-15-270,-1 13-1079,0-2 630,0-6 809,0 10 0,0-13 0,0 2 0</inkml:trace>
+  <inkml:trace contextRef="#ctx0" brushRef="#br0" timeOffset="82578.27">21902 3338 9152,'-18'-14'-810,"-7"4"810,22 4 0,-8 3 0,11 2 0</inkml:trace>
+  <inkml:trace contextRef="#ctx0" brushRef="#br0" timeOffset="82878.27">22352 3623 9781,'0'5'720,"0"-1"-180,-23 3-360,17-1-90,-33 12-90,18-4 0,-14 13 0,13-8 0,8 3 0,14-7 0,0-3 0,0 0 0,0 1 0,24-6 0,7 1 0,13-6 0,5-2 89,-30-15-178,15 12 89,-30-25-270,9 8 0,-13-14-810,-23 5 361,-9-1-361,-13 20 1080,-12-7 0,25 16 0,-9-5 0</inkml:trace>
+  <inkml:trace contextRef="#ctx0" brushRef="#br0" timeOffset="83226.27">22565 3621 9332,'5'12'809,"1"-9"-629,-6 20-90,2-13 0,-1 11-90,0-2 0,1-1-90,1-1 90,0-1 90,1-4-180,1 3 90,-1-7-90,2 0 90,-4-6-180,8-1 180,-4-17 0,6 12-90,-1-30 90,3 18 180,1-18 450,8-7-360,-5 13 179,8-9-359,-11 14-90,3 12 90,-6 0-180,-1 11-180,1 23-809,-1 11-2159,3 31 3238,-2-10 0,-2 2 0,-1-17 0</inkml:trace>
+  <inkml:trace contextRef="#ctx0" brushRef="#br0" timeOffset="89097.27">23773 3233 6273,'-19'-6'-113,"3"2"1,16 2 0,0 1 0</inkml:trace>
+  <inkml:trace contextRef="#ctx0" brushRef="#br0" timeOffset="90776.27">11023 5317 9062,'0'-8'1799,"0"-1"-1529,0 1 359,0-5-359,0 3 90,-16-7-180,12 7 0,-12-6-180,5 9 0,8-3 0,-8 7-270,2 2 90,7-1 0,-13 1 0,8 0-270,-4 15 181,2-10-91,2 25 180,1-25-90,2 28 180,3-17 90,0 14 0,1-8-90,0-3 90,21 5 0,2-8 0,23 9 90,-23-13-90,11 3 90,-30-7 0,10 0-90,-14-2 0,0-2 90,0 0-180,0-1-540,0 2 91,-24 0-1080,1 0 449,-6-2 1170,-3 0 0,28-1 0,-11-1 0</inkml:trace>
+  <inkml:trace contextRef="#ctx0" brushRef="#br0" timeOffset="91011.27">11333 5175 10681,'0'36'0,"0"-5"0,0 3-90,0-4-90,0 20-90,0-11-360,7-6 1,0 0-91,-3 3-269,20 17 359,-21-28 1,7 3 629,-10-14 0,0-3 0,0-3 0</inkml:trace>
+  <inkml:trace contextRef="#ctx0" brushRef="#br0" timeOffset="91161.27">11120 5502 7443,'0'-13'360,"0"-1"-360,17 0 0,-13-1 0,35 0-90,-34-2 0,45 3-540,-11-5 0,13 6 562,-1-2 0,-17 8 1,-2 1-1</inkml:trace>
+  <inkml:trace contextRef="#ctx0" brushRef="#br0" timeOffset="92249.27">10752 5100 9512,'17'22'269,"-13"14"-179,30-18-90,-30 18 0,28-3 0,-12 19 0,1-11 45,-6-5 0,-1 1-45,-1 3-45,-2-6 0,0-1 45,-1 1 0,1 9 0,-8-20 0,1-2-90,-1-5 0,-3-2 1,1-6-181,0-1-270,1-5 450,1 0 0,-1-17 90,1 12 0,0-28-90,1 15 90,1-16 0,2 2 90,2-2-90,1-1 0,3 0-90,9-11 180,-5 11 180,17-12-270,-14 24 90,8 1-90,-11 12 90,3 4-90,-5 2 180,8 2 0,-9 22 449,6 3-269,-11 1 0,-2 25-450,-5-32 180,-2 25-90,-21-13 0,16-8-90,-35 12-90,14-15-1259,-20 6 539,20-13 900,-22 0 0,41-9 0,-21-2 0</inkml:trace>
+  <inkml:trace contextRef="#ctx0" brushRef="#br0" timeOffset="92613.27">11458 5495 7803,'6'0'179,"-1"0"-89,1 0-90,-1 0-90,2 0 0,1 0 1,5 0 89,-2 0-450,6-15 450,-7 1 0,2-3-90,-9-6 90,-1 8 0,-2-6 0,0 3 90,0 7 0,-17-3 0,13 7 269,-30-3 1,16 8-90,-16 1-270,17 15 0,-7-10 0,21 24 90,-7-9-90,10 15 0,0-6 0,20 4 0,8-21-180,-3 11-629,41-17 179,-41 5 630,10-8 0,2-1 0,-6-1 0,7 0 0</inkml:trace>
+  <inkml:trace contextRef="#ctx0" brushRef="#br0" timeOffset="93227.27">11838 5320 8882,'-29'20'0,"12"3"-90,5 12 90,5-5 0,5-8-180,-6 3 180,26-13-180,-13 8 90,29-19 0,-9 5 90,18-20 0,0-4 180,-4-17 0,-12 4 90,-12 0 0,-9 9-90,-6 5-180,0 26 90,-12 14-180,10 14 90,-10 27 0,12-22-1094,0 18 1094,0-20 90,0-1-90,17-4 0,-13 7 90,13-16-90,-17 9-90,0-25-2698,0 2 2788,-14-30 0,10 14 0,-10-15 0</inkml:trace>
+  <inkml:trace contextRef="#ctx0" brushRef="#br0" timeOffset="93367.27">12258 5432 7083,'8'21'0,"-1"11"0,-1-28 0,-1 27 0,-2-17 0,-1 12 0,-1-6 0</inkml:trace>
+  <inkml:trace contextRef="#ctx0" brushRef="#br0" timeOffset="93527.27">12145 5191 6633,'0'-3'0,"0"1"0</inkml:trace>
+  <inkml:trace contextRef="#ctx0" brushRef="#br0" timeOffset="93827.27">12653 5393 7533,'0'16'180,"0"-1"-180,0-1 0,0-1 0,0 6 0,0-6 0,0 6 90,0-10-90,0-2-90,0-4 90,0-21 0,0-2 90,11-22 539,-8 11-359,16-3-270,-10 15 0,17 5 0,-7 24 0,6-6-630,-9 33-449,0-19 1079,0 19 0,2-7 0,1 0 0</inkml:trace>
+  <inkml:trace contextRef="#ctx0" brushRef="#br0" timeOffset="94010.27">13150 5271 8072,'-8'15'-158,"6"12"1,-6-9 0,8 14 0</inkml:trace>
+  <inkml:trace contextRef="#ctx0" brushRef="#br0" timeOffset="94135.27">13297 5559 10501,'0'6'-473,"0"-1"1,-14-3 0,-2-1 0</inkml:trace>
+  <inkml:trace contextRef="#ctx0" brushRef="#br0" timeOffset="95010.27">13982 4969 9062,'0'-9'90,"9"3"-90,-7 21 90,7 19-4342,-9 11 4162,0 10 0,0-7 460,0 1-820,0 1-180,0-3-809,14 10 1439,-10-19 0,25 5 0,-11-21 0</inkml:trace>
+  <inkml:trace contextRef="#ctx0" brushRef="#br0" timeOffset="95211.27">14297 5029 8612,'-23'-4'2069,"-1"23"-1979,-26 11 0,12 14-2123,2-2 2033,11-9 0,13-1 237,-10-1-507,19-3 308,-9-2-487,12-3-181,0-3-1349,23-1 900,9-8 1079,15-3 0,1-8 0,-8 0 0</inkml:trace>
+  <inkml:trace contextRef="#ctx0" brushRef="#br0" timeOffset="95717.27">14492 4951 8522,'-11'21'270,"9"16"-270,-9-20 0,11 35 0,0-15 0,10 3 0,0 1 0,-5 2 0,14-4 0,2-2-270,-5-7 90,18 10 0,-21-23-449,6-3 539,-8-11-90,4-3 180,5-18 0,-9-7 90,10-20-90,-12 9 90,9-7 180,-12 28-91,4-14 181,-4 26-360,-2-8 90,4 11 0,-2 0-90,5 21 90,-2 2-90,2 2 0,0 13 0,-1-23 0,2 17 90,3-7-90,1-14-90,8 9 0,-8-19 0,13 6 90,-10-25-90,6 13 90,-7-35 0,0 23 90,-1-20 180,0-1-90,-4 10 0,-4-6 0,-3 14-180,-5 25 0,0 22-270,-1 10-1709,16 23 1979,-2-31 0,4 7 0,-7-14 0</inkml:trace>
+  <inkml:trace contextRef="#ctx0" brushRef="#br0" timeOffset="95863.27">15005 4878 7533,'-12'15'0,"2"4"0</inkml:trace>
+  <inkml:trace contextRef="#ctx0" brushRef="#br0" timeOffset="96449.27">15745 4768 10501,'4'-4'450,"2"2"-450,-3 1 0,3 16 90,-1-12-180,5 49 90,-3-25-1483,4 34 584,-3-17-91,-1 1 181,2 3 809,-3-15 0,-1 0 0,5 15 0,1 14 0</inkml:trace>
+  <inkml:trace contextRef="#ctx0" brushRef="#br0" timeOffset="96593.27">15777 5126 9062,'0'-22'-90,"0"0"-180,0-4-90,0 6-359,20-7-181,6 13 900,13 2 0,0 8 0,-8 2 0</inkml:trace>
+  <inkml:trace contextRef="#ctx0" brushRef="#br0" timeOffset="96928.27">16265 5077 8612,'0'8'450,"-16"2"-360,13 6-90,-26-3-90,26 6 90,-9-4 180,12 0-270,0 1-270,0 3-90,0-5-179,17 3 89,9-10 360,23-1 180,-10-5 0,2-1 90,-5-18 0,-11-1 809,4-17-269,-20 1 180,-2 3-541,-7 4-89,-16 12 0,13 1-90,-24 14-360,24 13-1079,-8 7-450,32 18 1799,4-7 0,14-12 0,-2-5 0</inkml:trace>
+  <inkml:trace contextRef="#ctx0" brushRef="#br0" timeOffset="97193.27">16812 5015 9242,'-39'18'1259,"17"2"-1259,6 18 0,16-1-270,21-3 90,8-5 0,12-14 180,1-7 0,-9-8 0,-1 0 0,-2 0 0,-4-20 0,-4 15 0,-10-32 0,2 32 0,-13-30-90,6 12 0,-32-7-449,19 3-181,-43 17 1,29-5-271,-22 13 990,11-6 0,0 8 0,0 0 0</inkml:trace>
+  <inkml:trace contextRef="#ctx0" brushRef="#br0" timeOffset="97333.27">16500 5539 9602,'0'0'0</inkml:trace>
+  <inkml:trace contextRef="#ctx0" brushRef="#br0" timeOffset="97743.27">17320 4982 11221,'-10'-7'-270,"8"0"270,-12 3 90,13 0 0,-4 18-90,25 5 0,-15 22 90,32 4-180,-21-8 90,13 7 0,-14-21 269,2 8 1,-10-20-180,4 4-450,-6-28-539,-2-19 269,-3-7-179,0-14 89,0 16 91,0-1-181,0-1 810,0 3 0,19 2 0,4 2 0</inkml:trace>
+  <inkml:trace contextRef="#ctx0" brushRef="#br0" timeOffset="98123.27">18018 4991 8702,'-21'-14'1349,"-12"10"-989,11-21-360,-16 22 0,1-7 0,5 10 0,16 17 0,0 4 0,15 19 0,-4-8-450,28 6 270,-1-15 1,23-4 179,-6-10 0,-1-9 89,-9-32 1,-5 24 810,-14-41-360,-4 29-630,-6-13 180,0 7-450,0 28-319,19 61 1,5-15-1,-2-3 1,0-1 0</inkml:trace>
+  <inkml:trace contextRef="#ctx0" brushRef="#br0" timeOffset="100133.27">18878 4905 10141,'-3'13'720,"0"8"-720,3 10 0,17 4 0,-13-2 0,13 4 0,-6 2 0,-8-1 0,8 1 0,-11-2 0,7-4 90,-5-2-180,6-7 270,-8-4-180,0-4-90,0-3-1439,0-3 1349,0-22 0,-17-11 270,13-31-90,-12 7-45,15 8 0,2-1-280,-1-10 325,0 16 0,0 0 90,0-13-90,0 4 180,0 4-90,0 6 62,0 4 208,0 8-90,16 1-360,-12 11 180,26 2-90,-17 6 410,12 20-410,-8 2 212,-5 18-662,-5-3-89,-6-7-271,-1-4 810,-19 1 0,15-15 0,-15 5 0</inkml:trace>
+  <inkml:trace contextRef="#ctx0" brushRef="#br0" timeOffset="100359.27">19412 4318 8972,'13'-11'1079,"0"4"-899,-2 5 270,1 2-360,-2 21-90,-2-16 90,-1 43-90,-4-26 0,1 26 0,-1 11-90,-2-11-405,0-7 0,1 0-494,0 6 134,1-9 1,0-1-225,2 3 1079,1 8 0,-3-20 0,0-2 0</inkml:trace>
+  <inkml:trace contextRef="#ctx0" brushRef="#br0" timeOffset="100509.27">19295 4797 8162,'-8'-27'90,"1"6"-90,7 3 0,24 5-90,-17 0-180,45 3-179,-29 2-91,27 4-449,-12 1 791,2 3 1,-1 0 0,0 0 0</inkml:trace>
+  <inkml:trace contextRef="#ctx0" brushRef="#br0" timeOffset="100797.27">19800 4916 7803,'0'20'0,"0"0"0,0-2 89,0-4-89,0-3 0,0-4 90,0 0-449,0-2-271,21-3 0,21-17 450,2 10 225,-10-9 0,-2-4 135,-1-2 360,5 1 0,-23-14-91,6 29-89,-16-25 630,11 16-631,-13-8-898,2 26-721,-3 4-538,0 21 1798,0-7 0,19-10 0,4-3 0</inkml:trace>
+  <inkml:trace contextRef="#ctx0" brushRef="#br0" timeOffset="101030.27">19885 4566 8162,'0'-5'360,"24"1"-360,-18 0 90,42 1-90,-28 0 0,23 1 0,-11 0 0,0 2-90,9 0 90,-12 0-899,5 17-181,-16 0 1080,-9 15 0,-2-6 0,-7-1 0</inkml:trace>
+  <inkml:trace contextRef="#ctx0" brushRef="#br0" timeOffset="101198.27">20270 4141 8342,'13'-3'450,"-3"1"-360,5 18-90,-4-12-270,-10 51-539,2-27 809,-2 14 0,-2 4 0,1 8 0,0-17 0,0 1 0</inkml:trace>
+  <inkml:trace contextRef="#ctx0" brushRef="#br0" timeOffset="101477.27">21020 4807 9961,'-41'-6'-90,"3"-4"90,10 9 0,0-4 0,1 5 0,1 0 0,-4 18 0,12 7-539,-3 19-91,16 1 90,21-19-89,-11 5-181,41-27 810,-22 8 0,26-12 0,-9 0 0</inkml:trace>
+  <inkml:trace contextRef="#ctx0" brushRef="#br0" timeOffset="101877.27">21147 4477 8792,'-14'-13'899,"2"1"-359,-3 6 180,6 1-630,9 27-90,0 9 90,14 33-90,-11-8-45,12-16 0,-1-1 135,-10 10-90,10-9 0,0-1-90,-11 2-450,10-6 0,0-3 1,-11-5-721,14 8 721,-12-28-361,5-2 360,0-5 181,1-22 339,2 17 20,0-38 110,1 38 429,2-40-89,-1 29-90,2-20 449,2 11-539,-2 12 270,8 0-450,-12 13 180,5 0-180,-8 16 0,1-11-90,-3 32 90,2-3-180,-3 9-720,7 16 360,-4-26-809,9 16 270,-3-26 989,5-2 0,-1-11 0,1-6 0</inkml:trace>
+  <inkml:trace contextRef="#ctx0" brushRef="#br0" timeOffset="102126.27">21798 4768 8432,'-19'-6'450,"-1"2"-450,-3 24 90,-6 4-180,25 13 90,-9 5-90,13-16-90,0 6-270,22-12 180,5 0 1,26-11 179,-12 0 0,11-9 90,-23-18 0,8-5 0,-25-19 0,0 9 0,-12 0-360,-24 10-899,-11-9 1259,-12 9 0,-4-4 0,11 11 0</inkml:trace>
+  <inkml:trace contextRef="#ctx0" brushRef="#br0" timeOffset="102843.27">22882 4406 9062,'0'-16'899,"0"1"-719,-20 2-180,16 1 270,-31 3-270,13 3 0,-19 3-90,8 24 90,-1-16 0,7 51 0,12-31-180,4 9 0,3 2 90,7 4 45,12-7 0,2 0 45,-6 8 0,18-15 0,6 0-90,8 21 180,14-11-90,-20-11 0,-1 1 0,6 0 90,12 8-90,-32-17 0,8 2 0,-24-11 0,7 0 0,-32-1 0,18-3-719,-61 3-1,39-3-604,-12-2 0,-2 0 1108,-1 0 1,-9-2 0,17 0-1</inkml:trace>
+  <inkml:trace contextRef="#ctx0" brushRef="#br0" timeOffset="103329.27">22772 4200 9152,'-5'-7'1709,"2"3"-1529,0 15-90,17 11-90,-10 11 0,30 22 45,-26-15 0,0 1-843,10-6 1,0 0 842,-10 7 0,-1 1-90,5-7 0,0-3 45,-1 21-315,0-10 1,0 0-676,0 8-719,-3-2 0,-1-1 1709,-3 1 0,1-14 0,0-2 0,1-2 0</inkml:trace>
+  <inkml:trace contextRef="#ctx0" brushRef="#br0" timeOffset="103696.27">23305 4998 9781,'-4'9'450,"0"1"-540,21-9-809,20-15-91,7 10 990,-4-13 0,0 0 0,9 12 0,-15-3 0,0-1 0</inkml:trace>
+  <inkml:trace contextRef="#ctx0" brushRef="#br0" timeOffset="104143.27">24265 4284 10051,'-30'-13'90,"2"0"-90,3 6 0,0 0 0,-5 5 0,0 0 0,-3 1 0,1 1 0,2 0 0,-7 16-90,13 1 180,-2 20-90,18-8 0,4 4-90,23-8 90,-15 3 0,44 1-311,-22 2 311,26 1 0,-8 0 0,-11-8 0,0 1 0,15 11 0,-10-3 0,-2 0 90,1 4 90,2 12 270,-19-3-360,-10-11 0,-3 18-90,-27-24-70,-9 10-200,-11-21-1618,-15 3 628,19-14-359,-9-2 1619,16-5 0,2 0 0,4 0 0</inkml:trace>
+  <inkml:trace contextRef="#ctx0" brushRef="#br0" timeOffset="104462.27">24572 4298 10501,'-10'-2'1169,"3"15"-1169,7 10 0,0 11 0,0 7 0,0 17 0,0-11 0,7-6 0,0 0-1637,-3 8 738,20 10-990,-13-7 900,1-18 989,7 13 0,-14-26 0,9 1 0</inkml:trace>
+  <inkml:trace contextRef="#ctx0" brushRef="#br0" timeOffset="105710.27">24660 4382 9062,'0'18'1889,"0"0"-1799,0-4 0,0-1 0,0 2 0,0 2-90,0 4 0,0 1 0,12 5 89,-9 14-89,9-4 0,-11-4 0,-2 1-89,1 7-631,0 3 0,0-1 1,0-2-1,0-3 1,0-1-91,0-8 810,0 5 0,0-15 0,0-2 0</inkml:trace>
+  <inkml:trace contextRef="#ctx0" brushRef="#br0" timeOffset="106012.27">24543 4221 9691,'-1'-12'810,"0"1"-720,0-1 0,1 2 0,0-4 0,25 0-90,-19-2 0,28 2 0,6 2 0,-7-9-397,4 7 0,3 2-52,11-4-271,3 2 90,1 1 90,-18 7 1,0 2 89,19-2 450,-15 3 0,0 2 0,-2 1 0,8 0 0</inkml:trace>
+  <inkml:trace contextRef="#ctx0" brushRef="#br0" timeOffset="106227.27">24787 4568 7803,'46'0'-1709,"1"0"1709,-10 0 0,-1-13 0,-9-2 0</inkml:trace>
+  <inkml:trace contextRef="#ctx0" brushRef="#br0" timeOffset="106430.27">24753 5064 10141,'47'2'-360,"-8"0"-449,0-17-1,-5 11 1,2-26 809,21 12 0,-12 0 0,15 3 0</inkml:trace>
+  <inkml:trace contextRef="#ctx0" brushRef="#br0" timeOffset="106982.27">25820 4141 8882,'0'-11'540,"0"-1"-1,0-6-449,0 3 360,-18-11-180,14 12 0,-31-4-270,31 11 90,-29 1-90,17 4 90,-13 0-90,3 2-90,0 0 180,-15 21-180,11 7 135,5-1 0,1 2-135,-1 18-990,-4 4 1170,15-12-90,7 0-180,3 2-539,2 18 269,27-14 270,-8-7 0,4-2-26,3-14 1,4-2 205,13 14 0,-1 0-642,13 5 642,-18-15 0,1 0 0,-4-1 0,-2-1 180,15 10 90,-15-7 0,-2 0-1,-1 0 956,-3 12-1225,-17-20 270,-27 11-180,13-18-90,-24 1 0,-6-4-270,7-2-270,-12-3 1,-2 0-361,-2-1-503,-12-1 414,22 0 989,3-18 0,7 13 0,2-13 0</inkml:trace>
+  <inkml:trace contextRef="#ctx0" brushRef="#br0" timeOffset="107509.27">26447 4189 9332,'0'-12'719,"0"0"-449,0 6-180,0-2 90,-16 4 180,12-2-180,-24 3-90,13 1 0,-13 2-180,-2 15 90,6 2 0,0 1-90,2 13 180,5-9-360,-3 20 180,12-10-180,1 9 90,6-19 180,39 21 0,-28-23 0,26 0 0,5-1 0,-16-1 0,10-2 0,1 0 0,-1 4 90,20 15 0,-27-14 0,5 9 90,-14-8-180,-2 0 0,-4 1 360,4 9-270,-7-7-1,0 13-89,-7-16 90,-2 2-180,-1-9 180,0-3-90,-24-1-90,17-3 90,-38 0-269,40-3-901,-54-3 361,35 0-91,-9-2 1,-1 0-630,1 0 1529,-6-18 0,14 13 0,1-13 0</inkml:trace>
+  <inkml:trace contextRef="#ctx0" brushRef="#br0" timeOffset="107859.27">27073 3937 8072,'36'-9'0,"-1"1"0,6-6-269,-8 6-451,24-6 0,-26 8 720,9 1 0,-18 3 0,-2 1 0</inkml:trace>
+  <inkml:trace contextRef="#ctx0" brushRef="#br0" timeOffset="108078.27">27252 4109 9781,'0'9'1080,"0"2"-900,12-1 0,-10 9-180,10-2 90,-2 20-90,-8-11 0,8 13-630,-10 5-90,4-7-989,-3 27 810,2-27 899,-3 27 0,0-30 0,0 10 0</inkml:trace>
+  <inkml:trace contextRef="#ctx0" brushRef="#br0" timeOffset="108260.27">27182 4994 10231,'-3'5'720,"24"-19"-810,7-5-180,15-2-1079,13-12 359,-17 10-1625,13-8 2615,-14 3 0,-2 17 0,-1 3 0</inkml:trace>
+  <inkml:trace contextRef="#ctx0" brushRef="#br0" timeOffset="108776.27">28295 4018 9871,'-38'-11'540,"-11"-6"-270,14 6 360,-21-4-271,26 11-269,-23-1 0,21 5 0,-8 18-90,0 7 0,12 13 0,5-8 0,1 2-608,0 13 608,8-12 0,2 1 0,0 16 0,4 5-90,4-1 180,4 1-90,0-5 0,24-2 0,11 8-90,16-18 90,-13-13 0,2-3-180,17-5-619,-18-8 0,1-3 799,21-3 0,1-3-83,1-16 128,-21 5 0,-1-3-90,-11-1 0,0-3 45,15-7 0,-4-2 0,-2-8 0,-14-8 0,-5-2 0,-7-3-43,-4 8 0,-8 2-407,-30-3 1771,4 4-1726,-12 13 0,-6 3-225,-11-7-977,2 10 0,-1 2 1607,-12 5 0,24 6 0,1 1 0,-14 2 0</inkml:trace>
+  <inkml:trace contextRef="#ctx0" brushRef="#br0" timeOffset="109342.27">28767 4067 10141,'0'37'990,"0"-5"-721,14 6 1,-10-1-180,11 4-45,-7-8 0,0 1-45,7 18 0,-1-8 0,1 1 90,-2 6-90,-3-11 0,-2-1 0,0 1-90,1 15-90,-4-30-90,-5-2-1259,0-12 1439,0-22 90,0-10 0,0-12 0,0-6 0,0-19 0,0 9 135,0 1 0,0-2-105,0-13 419,0 8 1,0 1-1633,0-8 1273,6 24 0,0 1 90,-3-5-397,9 9 217,-12 7 450,9 6-90,-7 8 355,12 6-625,-7 4 1429,4 2-1429,-1 20-90,3-15-90,0 34 90,4-21 0,0 18 485,1-4-485,7 20 0,-4-11-360,-3-5 1,-1 0-443,4 6 172,7 11-90,-10-19-539,3-3 180,-2-2-1176,8 5 2255,-8-10 0,6 1 0,-10-10 0</inkml:trace>
+  <inkml:trace contextRef="#ctx0" brushRef="#br0" timeOffset="109576.27">29395 4007 11940,'-10'-12'900,"2"1"-271,-4 5-449,3 2-180,6 24 0,-3-15 0,1 45 0,0-24 0,-1 29-90,1-3-360,0-9 1,1 0-51,2-9 0,0 1-985,-2 26 1,2-1-8,1-24 1,1-1 1491,-1 11 0,1-1 0,0 15 0,0-2 0</inkml:trace>
+  <inkml:trace contextRef="#ctx0" brushRef="#br0" timeOffset="112625.27">11122 6782 6723,'16'-41'-180,"12"-2"180,-25-1-1999,25-1 2089,-25 1 90,21 4 141,-21 4-141,15 6 443,-16 4-623,4 8 809,-6 6-629,-15 26-90,11 18 90,-29 14-90,31-9 0,0 0 0,-29 14-136,28-17 1,2 0 45,-13 13 0,14-2 455,0-4-725,0 13-269,0-16-1260,0 16 1799,18-26 0,-13 3 0,12-12 0</inkml:trace>
+  <inkml:trace contextRef="#ctx0" brushRef="#br0" timeOffset="112792.27">11080 7105 8702,'0'-40'180,"18"17"-90,-14-16-180,24 23 0,3 1-270,-2-29-1276,1 21 0,3 2 917,7-11-271,0-1 907,1 0 0,-3 2 0,0 1 1</inkml:trace>
+  <inkml:trace contextRef="#ctx0" brushRef="#br0" timeOffset="112927.27">11533 6622 8072,'-17'39'720,"12"-7"-720,-13 1 90,4-1-180,11-7 90,-20 6-270,21-11-360,-7-1-89,9-2 719,0-3 0,0-3 0,0-1 0</inkml:trace>
+  <inkml:trace contextRef="#ctx0" brushRef="#br0" timeOffset="113109.27">11353 6381 8072,'-9'-23'450,"6"4"-450,-12 6 0,13 4 0,-7 1 0,8 22 0,-3 5 0</inkml:trace>
+  <inkml:trace contextRef="#ctx0" brushRef="#br0" timeOffset="114485.27">10767 6982 8342,'55'0'1260,"-8"-18"-1081,-3 13-754,-7-31 665,1 20-90,3-16 0,3 5-1474,1-2 1564,1-1-90,-2-2 0,-2 0-26,-16 11 0,0 0 26,9-10 0,7-15 0,-26 23 0,-4-13 0,-9 17 0,-3-4 0,0 7 275,-22 2-185,-2-6 0,-23 10 0,-1-3 0,9 11 360,-12 23-450,22-16 658,-6 39-658,16-25 180,4 22-270,8-8 180,3 32-90,20-23 0,-4-4 0,3-3 0,21-6-270,5 5-270,-7-17 1,0-4-856,1-8 1,2-1 1394,9 0 0,-9-2 0,-1-1 0,3-1 0</inkml:trace>
+  <inkml:trace contextRef="#ctx0" brushRef="#br0" timeOffset="114845.27">11635 6559 8162,'-19'16'2519,"3"3"-2519,16 20 180,0-8-180,0 3-90,0-10 90,0 13 90,0-11-180,16 18-180,-13-22-90,13 10 270,-7-18-180,-7 0-629,7-8 899,-9-23 0,0-7 0,0-13 90,0-12-180,0 18 180,0-9 450,0 7-181,0 8-179,16 5-90,4 31-180,13 16 90,-13 12-1439,5 16 450,-11-19 989,14 23 0,-7-26 0,0 6 0</inkml:trace>
+  <inkml:trace contextRef="#ctx0" brushRef="#br0" timeOffset="115226.27">11988 6691 7803,'-39'0'899,"16"18"-449,-5 7-450,12 10 0,-9 16 0,11-18-90,6 22 180,8-26-90,0 5-90,0-15 90,20-5-90,2-7 90,22-2 0,-3-20 0,-17-13 0,11-25 90,-22 4-1244,5-5 1244,-10 12-90,-8 1 180,0-3-181,0-14 271,-20 14-1,15-20-358,-33 35-8,34-8 277,-14 24 449,8 2-629,7 26 1060,9 15-1060,-2 10 0,14-5 0,0 1-450,-14 15-454,14-16 0,-2 0-445,-12 17-91,24 0 1367,-25-1 0,23-1 0,-8-2 0</inkml:trace>
+  <inkml:trace contextRef="#ctx0" brushRef="#br0" timeOffset="115551.27">12650 6823 10591,'-24'-7'-90,"11"1"0,3 6 0</inkml:trace>
+  <inkml:trace contextRef="#ctx0" brushRef="#br0" timeOffset="115692.27">12725 7052 11221,'-20'-14'-1650,"3"12"1,17-14 0</inkml:trace>
+  <inkml:trace contextRef="#ctx0" brushRef="#br0" timeOffset="117736.27">13378 6728 11490,'42'-35'270,"-5"5"-180,11-1-2935,-4 3 2845,8-4 0,4-3-180,-25 15 0,1 0-180,-1 1 1,1 0-46,2-1 0,-1 0 45,0 1 0,0 0 0,-1 0 1,0 1-91,0 1 0,-1 1-809,25-13 1259,-4 7 0,-8 6 0,-2 2 0</inkml:trace>
+  <inkml:trace contextRef="#ctx0" brushRef="#br0" timeOffset="118125.27">14657 6016 9602,'0'-10'1529,"0"23"-1529,0 9 0,11 17-90,-8 26-90,8-20-405,-6-5 0,-2 0 46,-1 7-631,10-5 1,1-3 163,-5-6 1006,14 12 0,-15-34 0,-1-2 0</inkml:trace>
+  <inkml:trace contextRef="#ctx0" brushRef="#br0" timeOffset="118309.27">14607 6240 8432,'-21'-13'900,"2"5"-810,12-1 90,-1 5 89,7-3-269,-2 3-359,22 2-91,8 1-450,29 1 91,-8 0 10,-11 7 1,-1 1 528,9-5 1,13 21 0,-19-11 0</inkml:trace>
+  <inkml:trace contextRef="#ctx0" brushRef="#br0" timeOffset="118833.27">15158 6220 9242,'-19'-13'1349,"-13"5"-1259,18 3-90,-5 20-90,8 5 90,11 20 0,0-8-450,0 1 90,19-5 91,2-4 359,20-6-180,0-7 90,-1-11 0,-15-21 0,4 16 90,-26-35 89,17 14-89,-18-9 180,6 1-180,-8 12 90,0 2-180,0 1-180,0 1 360,0 5-180,0 18 0,18 9-180,-13 20-270,45-2 271,-29-13-1,41 3 90,-29-20 180,30 7-90,-34-25 0,19-5 180,-34 1 179,0-31-179,-10 32 180,-4-38-180,0 32 0,-16-5-90,12 13-180,-12 2 180,2 4 0,11 19-180,-10 13-180,13 12-1079,15 20 629,-11-19-989,25 23 1709,-15-27 0,2 4 0,-6-14 0</inkml:trace>
+  <inkml:trace contextRef="#ctx0" brushRef="#br0" timeOffset="118980.27">15565 6240 8342,'-26'-15'630,"5"2"-1530,12 3-179,24 4 1079,-10 3 0,37 2 0,-16 0 0</inkml:trace>
+  <inkml:trace contextRef="#ctx0" brushRef="#br0" timeOffset="119213.27">14967 5897 8702,'-15'14'180,"4"0"-270,34 2-270,-17 6-269,46-19-91,-28 16-624,26-18 1159,-9 7 1,2-8 0,2 0 0</inkml:trace>
+  <inkml:trace contextRef="#ctx0" brushRef="#br0" timeOffset="119359.27">15433 5813 8522,'-14'20'-383,"2"5"1,12 12 0,0-1 0</inkml:trace>
+  <inkml:trace contextRef="#ctx0" brushRef="#br0" timeOffset="119979.27">16142 5995 8972,'0'-8'989,"0"3"-899,0 22-90,15 7 0,-11 13 0,12-2 0,-2 4 0,-11-11 0,22 7 90,-22-14-90,8-3-90,-4-9-449,-5 5-91,8-12 630,-9-13 0,3-12 0,-4-26 0,0 12 0,0-14 270,15 24 180,-11-5-271,12 14-89,-5 9-90,1 20 90,8 10-90,-3 18 0,-6-18 0,-5 11-90,0-28 180,-5 23-180,2-24-179,-2 17-91,1-19 360,1 7-90,5-22 90,-2 11 90,4-26-180,-2 26 90,3-30 0,0 28 90,6-28 0,-5 21-90,9-5 0,-10 8 0,3 9 0,-3 0 0,-1 19 0,2-15-180,1 39-540,-1-24-89,2 24 809,8 3 0,-2-11 0,7 9 0</inkml:trace>
+  <inkml:trace contextRef="#ctx0" brushRef="#br0" timeOffset="120342.27">16910 6030 8702,'-37'-4'900,"3"0"-900,17 21 89,-2 4-178,17 20 89,-6-9 0,8-2-90,0-10-450,20-2 360,0 2 180,18-4-90,-5-5 180,-5-5-90,-12-25 0,-6-4 90,-10-20 90,0 11 629,0-7-629,0 15-180,-15 5 90,11 3-180,-12 31-899,36 2 179,1 25-1438,24 0 2248,-11-7 0,1-13 0,-10-14 0</inkml:trace>
+  <inkml:trace contextRef="#ctx0" brushRef="#br0" timeOffset="120960.27">17347 6103 9602,'-14'19'539,"3"7"-539,11 13 0,16 1 0,-12-8-90,12 2 0,-4-2-90,-9-1-269,19-3 89,-20-3 0,17 0 270,-6-10-90,11 0 90,-4-12 0,0-1 180,-5-22-90,-1 15-90,-2-36 180,0 24 90,-3-21 0,-1 10 720,-5-12-271,-1 11 1,-2-12-630,0 20 0,-12 4 0,9 31 0,-10 14 0,13 12 90,0 0-90,0-9 0,0 1-90,17-3 90,-13 0 90,13 3-90,-6-8-90,-8 4 0,8-17-900,-11 1-539,-22-9 630,-4 0-270,-16-3 1169,2-18 0,5 13 0,-1-13 0</inkml:trace>
+  <inkml:trace contextRef="#ctx0" brushRef="#br0" timeOffset="121129.27">17015 5805 9602,'10'11'-3508,"-7"5"3508,13 13 0,-14 2 0,4-5 0</inkml:trace>
+  <inkml:trace contextRef="#ctx0" brushRef="#br0" timeOffset="121393.27">18215 5739 10051,'-57'0'0,"26"18"180,-17-14-90,43 28 0,-43 9-90,42-1-315,-7-2 0,1 0-494,12 4-1,10-4 1,1 0-361,-6 6 956,14-16 0,-1 0 0,-14 5 0,12-1 0</inkml:trace>
+  <inkml:trace contextRef="#ctx0" brushRef="#br0" timeOffset="121559.27">17997 6114 9422,'-10'-23'-90,"3"1"0,7-11 0,23 10-90,-17-8-630,51 8 361,-36 8-811,41 1 1260,-33 10 0,9 2 0,-14 2 0</inkml:trace>
+  <inkml:trace contextRef="#ctx0" brushRef="#br0" timeOffset="121708.27">18338 6008 8522,'0'13'1439,"0"-3"-1259,0 0-270,0-3 180,0 8-90,0-2-539,0 14-91,0-10-719,0 15 269,19-12 1080,-15 5 0,29-8 0,-15-1 0</inkml:trace>
+  <inkml:trace contextRef="#ctx0" brushRef="#br0" timeOffset="121879.27">18272 5969 10411,'-18'-19'810,"8"4"-810,-7 3-360,11 1-2968,-5 5 3328,25 0 0,8 22 0,17 5 0</inkml:trace>
+  <inkml:trace contextRef="#ctx0" brushRef="#br0" timeOffset="122213.27">18552 6096 9152,'3'11'539,"-1"-3"-449,2 9-180,-1-7 90,5 10-179,-4-7-361,5 2-180,-1-1 450,-1-5-359,6 3 539,-7-9 180,4-1-180,-3-2 90,1-22 270,4-4 179,-2-14-89,2 6 270,0-2-450,-5 12 719,6-7-539,-10 21-270,4 1-90,-4 9 90,2 0-90,1 0 90,2 20-180,1-15 90,1 35-720,8-10 91,-3 8-721,13 12 901,-11-24-91,6 4-90,-8-19 630,2 0 0,-3-9 0,0 3 0</inkml:trace>
+  <inkml:trace contextRef="#ctx0" brushRef="#br0" timeOffset="122361.27">19015 6108 9152,'2'-22'1349,"0"-10"-1349,1 29 720,-2-16-630,1 18-90,-1-4 89,4 5-89,-2 16-89,5-12 89,0 27-360,3-28-1619,6 31 989,-2-10 990,11 15 0,-9-16 0,4-8 0</inkml:trace>
+  <inkml:trace contextRef="#ctx0" brushRef="#br0" timeOffset="122767.27">18993 5697 8612,'-4'-10'90,"3"2"180,-7 2-180,8 2-90,-3 19-90,22-12 90,-1 47 0,5-29-726,2 29 726,-22-17 0,21 0 0,-21 2 90,29 10-90,-22-12 0,23 14 0,-18-24-270,9 7 90,-12-18 90,3 2-90,-8-11 0,-1 0 90,-1-2 726,2-1-636,-1 0 0,11-17 0,-5-2 630,24-18-270,-17 1 359,18 4-539,-21 13 90,5 2-270,-9 15 0,4-4 0,-7 6 0,1 18-719,-3 4-91,-2 0-1978,-1 25 2788,-2-30 0,-2 14 0,0-22 0</inkml:trace>
+  <inkml:trace contextRef="#ctx0" brushRef="#br0" timeOffset="123109.27">18418 5398 11400,'-12'0'-89,"2"0"-1081,1 18-89,3 1 1259,-3 28 0,3-9 0,-2 8 0</inkml:trace>
+  <inkml:trace contextRef="#ctx0" brushRef="#br0" timeOffset="123859.27">13488 6812 11041,'29'15'0,"25"-12"-630,-24 26-2902,34-26 3127,-34 12 1,0 1-46,5-9 0,0-1-180,3 8 1,0 1 629,3-4 0,1-1 0,0 0 0,0 1 0,2-1 0,-1 1 0</inkml:trace>
+  <inkml:trace contextRef="#ctx0" brushRef="#br0" timeOffset="126944.27">14767 6883 9961,'0'-6'450,"0"1"-450,0 23 0,0 5 0,0 13 0,0-1-270,0-8-449,14 0-2250,1 17 2969,13-17 0,-14 11 0,-4-21 0</inkml:trace>
+  <inkml:trace contextRef="#ctx0" brushRef="#br0" timeOffset="127125.27">14665 7101 8612,'-3'-3'180,"1"0"-90,21-1-360,-15-1-180,44 0-179,-19-2-181,30-2 338,-4 0 0,4-3 1,3 1-1</inkml:trace>
+  <inkml:trace contextRef="#ctx0" brushRef="#br0" timeOffset="127483.27">15440 6986 8072,'-27'10'630,"-19"-7"-360,27 7-180,-34 0 0,23 0-180,-7 11 90,13-8 0,12 1 0,-7 2 0,18-2 90,-6 11-270,7-11-450,19 10 540,1-12-180,18 2 360,-19-8-90,12-3 0,-16-2 180,4-16 360,-8-5 0,-11-12-181,-17 3-448,12 8 89,-25 10 0,27 0 0,-11 28-810,35-3 90,-16 22-1528,30-4 2248,-12-14 0,-4 2 0,0-11 0</inkml:trace>
+  <inkml:trace contextRef="#ctx0" brushRef="#br0" timeOffset="127725.27">15572 6865 8342,'0'-8'1080,"0"3"-811,-13 0 1351,10 3-1620,-10 14 0,13 9 89,16 22-89,-12-4-858,31 4 768,-31-8-270,32 0-90,-32 1-989,27 13 900,-15-12-541,11 18 450,-12-28 630,-1 7 0,-13-21 0,5 0 0</inkml:trace>
+  <inkml:trace contextRef="#ctx0" brushRef="#br0" timeOffset="127847.27">15582 7207 7892,'-19'-15'90,"-5"12"0,17-31-90,-4 24-90,7-19-179,4 16-1530,25-7 1799,5 10 0,14-2 0,-3 6 0</inkml:trace>
+  <inkml:trace contextRef="#ctx0" brushRef="#br0" timeOffset="128065.27">15057 6868 8432,'-30'0'0,"5"0"0,7 0 90,6 0-809,6 10-181,32-7 900,-19 17 0,50-17 0,-21 7 0</inkml:trace>
+  <inkml:trace contextRef="#ctx0" brushRef="#br0" timeOffset="128225.27">15312 6687 7173,'0'32'-1400,"0"-5"1400,0-1 0,0-2 0,0 0 0</inkml:trace>
+  <inkml:trace contextRef="#ctx0" brushRef="#br0" timeOffset="128841.27">16178 6633 10141,'0'-4'0,"-12"1"-90,10 24 180,-10-2 0,12 21-180,0-3 180,0 5-90,7-7 0,1 2 0,-4 20 0,11-9 0,2-1-544,-3 5 454,5 11 90,-8-28 0,-3-6 0,-6-5-1015,6-3-694,-8-10 1709,0-25 0,-13-12 90,10-31-180,-9 13 180,12-15 0,0 28 360,0-5-180,0 19 389,12 7-569,5 27-90,8 11 90,1 27-180,-14-11 180,6-1-180,-5-3 0,5-14-539,10 5 449,-8-16 0,19-8 180,-14-3 0,17-22 0,-19-7 0,4 2 90,-12-30 0,-6 34 449,-3-35-89,-5 31 0,-21-7-360,15 14 90,-31 4-180,21 6 0,-4 21 0,8 9 0,11 20 0,0-6 0,0 0-450,0-12 0,0 0 0,23-3-359,-17-1-270,38-5 1079,-27-7 0,19 2 0,-7-5 0</inkml:trace>
+  <inkml:trace contextRef="#ctx0" brushRef="#br0" timeOffset="129043.27">16910 6929 9422,'0'34'180,"0"4"-180,0-8-90,16 3-270,-13-8-270,30 0-89,-29 1-91,31-3 810,-21 0 0,16-3 0,-8 0 0</inkml:trace>
+  <inkml:trace contextRef="#ctx0" brushRef="#br0" timeOffset="129245.27">16750 7137 7982,'46'0'-1259,"-7"-15"1259,7 11 0,-7-27 0,1 12 0</inkml:trace>
+  <inkml:trace contextRef="#ctx0" brushRef="#br0" timeOffset="129529.27">16473 7042 9062,'-10'-13'1439,"5"-1"-899,0-16-360,25 4-180,-16 4-90,31 5 180,-31 7-90,30 5-90,-11-2-180,10 6-270,-4-2-809,2 3 449,-9 17 900,16-13 0,-18 28 0,7-12 0</inkml:trace>
+  <inkml:trace contextRef="#ctx0" brushRef="#br0" timeOffset="129692.27">16955 6665 8882,'0'-9'450,"-15"4"-1170,11 20-179,-10 11-271,14 12 1170,0 3 0,0-5 0,0 1 0</inkml:trace>
+  <inkml:trace contextRef="#ctx0" brushRef="#br0" timeOffset="130261.27">18018 6828 8972,'-53'-4'270,"12"0"-180,0 4-90,17 0 0,0 0 0,2 16-90,9 0 180,3 17-180,10-2 180,24 3-90,1-7-180,23 5 270,-24-14-90,9 2 90,-29-6-180,10-4 0,-5 1 90,-7-4 0,7 0-360,-9-2-1349,-17 1 1439,-4-2 270,1-18 90,20-4 90,25-11-180,11 13 0,14 0 90,-18 7 90,8 0 90,-4-9-270,-11 12 90,10-14-90,-25 9 0,8-8 0,-17 6 0,5-4 90,-6 4 89,0 0-89,-18 0 270,13 2-180,-13 1 0,-3 3 180,2 0-360,-16 4 0,12 0 0,10 20 0,5 3 0,8 22-270,17-10-180,-13 1-359,31 1 179,-8-11 630,24 10 0,-8-22 0,0 0 0</inkml:trace>
+  <inkml:trace contextRef="#ctx0" brushRef="#br0" timeOffset="130575.27">18405 6848 8432,'-16'-7'450,"4"4"-540,12-7 270,0 8 0,0-2-180,0 22 90,0 2-90,17 25-90,-12-12 180,13 3-90,-4-10-90,-11-2 180,11-1 449,-4 3 91,-8-9-720,12 2 90,-12-31 0,2-12 0,-4-15 0,0-6 0,0-18-90,16 14-939,-16 5 1,3 0 398,29-6-179,-28-11 137,22 27 222,-23 7-629,14 6 1079,-15 8 0,12 7 0,-6 3 0</inkml:trace>
+  <inkml:trace contextRef="#ctx0" brushRef="#br0" timeOffset="130933.27">18765 6759 10231,'-11'-8'900,"8"-3"-810,-8 32-90,11 1 0,17 19 0,-13-3 90,28-8-90,-28-2 0,30-1 0,-29-4 0,33-4-180,-23-9-90,25 4 180,-17-12-360,5 6 180,-10-8-90,-1-15-449,5-6 359,-8 2 180,3-19-269,-8 10 269,-5-8-900,0-8 1170,-4 22 0,0-5 0,0 11 0</inkml:trace>
+  <inkml:trace contextRef="#ctx0" brushRef="#br0" timeOffset="131192.27">19243 6820 11850,'0'39'-2428,"14"3"1618,-11-9-629,23 6 629,-9-25 810,-1 13 0,12-25 0,-10 9 0</inkml:trace>
+  <inkml:trace contextRef="#ctx0" brushRef="#br0" timeOffset="131343.27">19283 6567 10321,'-17'-22'270,"-6"3"-990,21 1-2608,-13 8 3328,13 17 0,20-6 0,12 14 0</inkml:trace>
+  <inkml:trace contextRef="#ctx0" brushRef="#br0" timeOffset="131558.27">19670 6763 11400,'-24'-11'630,"-11"8"-630,21-8 0,-4 32-90,-2-16-180,17 35-359,-13-22-181,14 16 1,-4-6-990,6 12 449,0-12 1350,21 8 0,-15-15 0,15-2 0</inkml:trace>
+  <inkml:trace contextRef="#ctx0" brushRef="#br0" timeOffset="131864.27">19752 6991 8882,'17'-14'0,"8"0"0,-3 6-90,31-5 0,-46 6 0,52-9 180,-52 7-90,30-6-90,-34 4 90,13-1 0,-15-2 0,3 0 0,-4-2 180,0-1 450,-19-6-181,-2 5-179,-17-7-90,18 13 270,-7 0-450,14 9 0,-2 17 0,5 8-450,10 10-629,0 2-1350,19 8 2429,-14-10 0,34 12 0,-14-14 0</inkml:trace>
+  <inkml:trace contextRef="#ctx0" brushRef="#br0" timeOffset="132608.27">20285 6736 9871,'-5'0'180,"-1"0"180,3 0-360,0 0 90,1 18 0,1 3-180,-1 23-360,2-12-179,20 11 359,6-21-360,24 4 450,-8-12-90,2-7 90,2-2 180,-9-5 0,16-19 0,-25 1 180,5-22 90,-20 22 540,-4-15 179,-6 16-269,-20-14-630,12 9-90,-26 5 90,28 28-180,-11 2-180,14 22-90,14-19-270,8 7 361,21-21 269,-8 7-90,3-9 180,-13 0-90,8-17 0,-10 12 539,5-26-89,-18 12 450,1-12-721,-11 4-179,3 5 0,-3 28-1439,0 11 270,0 28-630,17 0 1799,9-8 0,11-14 0,1-15 0</inkml:trace>
+  <inkml:trace contextRef="#ctx0" brushRef="#br0" timeOffset="132925.27">21305 6661 8972,'-42'0'1169,"-7"0"-1079,18 0 0,-3 16-90,17-2 90,8 16-270,9-7 180,24-9 0,-18 2-90,35-14 90,-21 6 90,14-8-90,-5 0 0,-13-18 270,1 0 180,-15-16-630,4 9-720,-6 4-359,0 28-360,0 7 1619,18 27 0,-13-21 0,12 0 0</inkml:trace>
+  <inkml:trace contextRef="#ctx0" brushRef="#br0" timeOffset="133143.27">20973 6087 10141,'0'-17'90,"19"0"-90,-15 7-90,33 1 180,-13 5-180,18 2-539,-17 20-361,5-13-179,-27 43 1169,8-24 0,-11 29 0,0-11 0</inkml:trace>
+  <inkml:trace contextRef="#ctx0" brushRef="#br0" timeOffset="133750.27">21940 6352 11400,'-9'-3'90,"4"0"270,1 3-180,3 19-90,0 7-90,19 13 0,-14 4 90,14-6-180,-5 2 180,-9 2-90,9-2 0,-1 0-90,-9 8 90,18-13 0,-18 11-90,11-25-180,-13 0-359,3-14-900,-1-2 1169,-3-21 360,2-10 0,-2-10 0,0-19 0,0 22-344,16-13 614,-12 20-1,25 5-179,-26 4 270,24 9 180,-12 2-180,12 7-270,-13 21 179,3 6-89,-15 10 344,4 1-524,-6-1 0,0-9 90,-17 14-180,-1-21-1169,-18 2 449,18-11-1438,-14-6 2248,14-1 0,-10-26 0,4-4 0</inkml:trace>
+  <inkml:trace contextRef="#ctx0" brushRef="#br0" timeOffset="134026.27">22417 6589 8612,'4'17'810,"4"-13"-361,-6 27-269,3-15 0,-2 16-90,-2-7-180,1 6 180,-2-11-90,1 4-90,0-1 0,2-7 0,1 5 90,-2-11 0,2-1 0,-2-6-90,0-18 90,0-7-270,-1-9-89,0-4-811,0-9 451,0 9 719,0-23 0,0 25 0,0-9 0</inkml:trace>
+  <inkml:trace contextRef="#ctx0" brushRef="#br0" timeOffset="134359.27">22772 6624 10951,'-34'0'0,"-2"0"0,18 16 0,-16-12 0,30 26 0,-25-27 0,26 29 0,-16-10 0,17 9 0,-4 3-360,23-15 450,5 3 0,22-14-90,2-2 0,-1-6 0,-17-16 90,-2 12-90,-24-29-270,6 17-989,-32-15-720,3 9 1979,-23 5 0,14 5 0,1 3 0</inkml:trace>
+  <inkml:trace contextRef="#ctx0" brushRef="#br0" timeOffset="134565.27">22882 6643 11131,'0'34'-1619,"20"4"899,-15-10 90,32 1-89,-33-9-181,32-1 900,-21 0 0,18-3 0,-7 0 0</inkml:trace>
+  <inkml:trace contextRef="#ctx0" brushRef="#br0" timeOffset="134775.27">23378 6559 10231,'-38'-7'90,"4"2"-90,17 20 0,-5-12 0,19 28 0,-20-27-180,12 48-449,-3-31 89,0 30-629,9-15 629,-3-11-899,2 11 1439,2-20 0,0-2 0,1-10 0</inkml:trace>
+  <inkml:trace contextRef="#ctx0" brushRef="#br0" timeOffset="134943.27">23123 6594 8882,'-1'-21'1349,"1"-3"-1169,0 11-90,20 17-90,0 16 0,25 29-360,-14-7-449,3 7-720,5 1-767,-7-12 2296,12 8 0,-13-20 0,-1-3 0</inkml:trace>
+  <inkml:trace contextRef="#ctx0" brushRef="#br0" timeOffset="135111.27">23773 6549 9691,'-20'-7'0,"1"4"0,-19 15 0,6 9-539,14 9-271,-8 3-179,23-4-540,-17 1 1529,18 0 0,-6-2 0,8 0 0</inkml:trace>
+  <inkml:trace contextRef="#ctx0" brushRef="#br0" timeOffset="135391.27">23982 6543 9512,'-25'-7'90,"6"2"-90,-22 0-90,-3 4 90,12 0 90,-8 1-180,15 16 180,5-12-720,4 26 270,7-10 180,5 15-90,4-6 90,25-2-89,2-2 179,3-7 0,12 4-180,-37-10 0,31-1 0,-32-1-270,24 2 130,-26-5 410,10 3 0,-12-6 0,0 0 0</inkml:trace>
+  <inkml:trace contextRef="#ctx0" brushRef="#br0" timeOffset="135674.27">24147 6759 7443,'24'-11'270,"0"-1"-270,-5 7 0,-2-5 0,-4-5 0,-7 2 90,-3-5 179,-3-6 181,-18 6 360,-8-14-451,3 14 1,-20-9-180,16 15-90,0-2-90,-7 10 90,22 1 0,-4 18 0,3-11-90,12 43-180,-4-27-450,5 27 181,22-20-91,-17 0-180,40-3-629,-11 5 1349,10-9 0,4 2 0,-12-10 0</inkml:trace>
+  <inkml:trace contextRef="#ctx0" brushRef="#br0" timeOffset="135991.27">24423 6574 9422,'-20'-10'269,"4"0"-269,16 5 360,0 1-360,0 19 0,15 4 0,-11 21 0,26-20 0,-27 16 180,11-18 270,-4 2 0,-8 1-181,8-33-269,-10-6 90,0-17-90,0-26 0,18 19 0,-17 5 0,2-1-438,34-6 348,-32-10-360,28 22-449,-29 5 89,24 3-1079,-10 5 1889,6 8 0,-2 3 0,-7 8 0</inkml:trace>
+  <inkml:trace contextRef="#ctx0" brushRef="#br0" timeOffset="136146.27">24953 6752 11940,'6'0'-180,"-2"-13"0,-4-2 0</inkml:trace>
 </inkml:ink>
 </file>
 
@@ -1227,15 +1238,15 @@
   <inkml:trace contextRef="#ctx0" brushRef="#br0" timeOffset="120945">25652 4948 7443,'-11'0'270,"2"0"-91,1 0-179,1 0 90,-2 0-90,-6 0 90,3 0-90,-11 0 90,8 0-90,-14 0-90,9 0 90,-12 0 90,12 0-90,-16-14 0,17 11 0,-7-21 0,17 11 0,3-11 90,3 4-180,3-5 90,20 10 0,-16-2 0,30 3 0,-13 8 270,15-2-270,-3 7 0,-4 16 0,-15 6 90,-5 20-90,-9 4 90,0-5-90,-23 9 0,18-20 0,-36 7 0,36-13 0,-31-3-90,32 2 90,-33-6 0,33 1 0,-28-3-630,18 1 181,-3-5-1,0 0 450,33-8 90,-19-14 360,40 8-91,-14-10-359,19 14 0,-9 0 90,-1 0-90,7 0-90,-13 0 180,20 12-180,-25-9-989,12 22 5,-15-14 1074,4 4 0,-10-1 0,0-6 0</inkml:trace>
   <inkml:trace contextRef="#ctx0" brushRef="#br0" timeOffset="122666">26107 4903 8612,'-15'27'180,"3"1"-270,12-6 180,0 2-90,0-8 0,0 2 0,0 0 0,0-1-90,0-1 0,16-1-899,-13 3 449,13-4 540,-16 5 0,0-9 0,0 1 0</inkml:trace>
   <inkml:trace contextRef="#ctx0" brushRef="#br0" timeOffset="122828">26085 5145 6273,'19'0'0,"-5"0"0</inkml:trace>
-  <inkml:trace contextRef="#ctx0" brushRef="#br0" timeOffset="1.44613E6">29447 5053 10141,'21'0'540,"-8"-19"0,7-6-450,-10-10 179,10-2-179,-6 6 0,-1-1-90,3-10-185,-4 7 1,0 0 364,-5-3 89,-2-18-179,-2 14 180,-3-25-270,0 33 151,0-10-151,0 25-104,0 0 104,0 28 0,0 12 0,0 11-719,0 24-1,0-17 91,0 15-1080,0 2 809,0-14-90,0-8 1,0 0 989,0 2 0,0 9 0,0-17 0</inkml:trace>
-  <inkml:trace contextRef="#ctx0" brushRef="#br0" timeOffset="1.44654E6">29610 4550 8972,'-43'-33'630,"3"1"-361,10 0-373,1 1 464,-4-1-180,5 2-91,-5 3 91,5 3-180,-4 2-90,-10 1 90,10 7 90,-18 4-90,20 7 90,-7 29-180,11 0 90,2 27 90,1-2-135,8-6 0,2 3-309,4-10 0,1 2 354,2 4 0,1 4 0,1-3 0,0-3 0,4-1-90,6 24 0,7-1 0,1-27 1,4-3 44,1 9 0,5-2-45,13-6 0,1-4 45,-12-8 0,1-3-90,25 8 0,3-5-297,-20-12 0,1-5 432,12 2 0,1-2-45,-12-4 0,-2-4 45,1-6 0,1-4 0,13-4 0,-1-4 0,-13-4 0,-1-3 45,9-2 0,-2-4-45,-10-10 0,-6-2 0,-6 10 0,-3-3 0,-3-5 0,-3-6 0,-3 4-45,-1 3 0,-5-1-15,-4-3 0,-3-4 0,-5 5-30,-9 5 0,-5 3 0,-2-10 0,-5 3 0,-5 17 1,-3 4-91,4 2 0,0 1-45,-2 3 0,-3 3-585,-21 0 1,-3 4 809,15 4 0,-1 1 0,-16 0 0,0 2 0,21 3 0,-1 0 0</inkml:trace>
-  <inkml:trace contextRef="#ctx0" brushRef="#br0" timeOffset="1.45618E6">29388 4719 8252,'16'-8'1170,"14"6"-1170,-25-12 0,25 13 180,-15-5-91,7 6-89,-10 13 90,-1-10-90,-10 23 0,6-23 0,-5 27 0,3-16 90,-3 18-90,-1 1 0,0-5 90,-1 14-90,0-19 0,0 4 0,-15-10 0,11-5 0,-12 0 0,7-3-90,7-1-90,-16-1-359,9-5 359,-7 0 0,6-2 180,-2 0 0,5-19 0,-4 1 0,7-4-90,-2-8 90,4 12-90,2-10 450,0 7-180,16 11-180,3 5 90,1 19-90,7-11 180,-10 23-90,0-10-90,20 13 0,-25-12 90,26 16-180,-22-22 90,5 16-90,-7-14-270,0-1-360,-3 0-1259,5 4 1979,-8-5 0,4 3 0,-6-7 0</inkml:trace>
-  <inkml:trace contextRef="#ctx0" brushRef="#br0" timeOffset="1.45707E6">29348 4870 7353,'11'11'899,"-16"-8"-1079,-8-6 180,-3-14 0,6-15 0,10 7 0,0-8 0,0 14-90,17-12 90,-13 15 0,30-5 90,-19 12-180,16-3 270,-17 7-180,18 0 0,-22 3 0,21 1 0,-21 1 90,8 0-90,-8 14 90,8-10-90,-7 10 90,2-1 90,-1-3-90,-4 4-90,3 10 0,-7-12 0,0 15-90,-4-8 180,0-1-90,0 4 0,0-2 0,0 0 90,-16-1-270,12 6 270,-23-7-90,15 8 0,-2-13 0,-3 2 0,15-6-90,-15-2 180,15-1-90,-15-1 0,12-1 0,-8-1-90,4 1 0,2-3-90,2 0 90,22-11 180,-2 7-90,23-14 0,-12 15 0,4-9-719,4 6 89,-5-2 630,18 1 0,-16 2 0,7 1 0</inkml:trace>
-  <inkml:trace contextRef="#ctx0" brushRef="#br1" timeOffset="1.50204E6">29148 4933 3977,'11'7'6594,"-2"-2"-5102,-3-5-2592,0 0 315,-1 0 291,1 0 77,3 0 104,0-13 2160,3 10-2392,-1-24 1725,3 12 413,1-13 628,0 0-126,1-2 92,6-21 182,-4 10-1836,3-14 1172,0 1-1533,-6 17 450,7-20-481,-11 32-3,1-5 86,-5 18-516,-3 3 288,-1 5-70,-2 1-309,1 19 1031,0-12-964,6 50 877,-1-27-377,3 35 485,-2-17-120,-1 3 169,-1 2-294,-2-15 1,0 0-531,3 18 539,-2-11 0,1 0-611,2 3-298,4 12-146,-2-23-152,1-2-225,0-3-46,3-4-302,-1-3-222,4-4 1191,6 2 0,-4-7 1,6 0-1</inkml:trace>
-  <inkml:trace contextRef="#ctx0" brushRef="#br1" timeOffset="1.50232E6">29310 5175 3077,'36'0'360,"-1"0"-360,-3 0 0,4-15 1231,4 11-1285,5-22 872,3 23-1166,-11-8 0,1-1 422,22-1 16,-21 6 0,-1 0 0,13-11 0,-3 8 0</inkml:trace>
-  <inkml:trace contextRef="#ctx0" brushRef="#br0" timeOffset="1.52002E6">30610 4853 8252,'3'0'1799,"12"0"-1709,21 0-270,2 0 180,-6 0-359,0 0-1,0 0 180,0 0-360,-2 0 90,-1 0-179,-4 0 89,-2 10 540,1-8 0,-9 18 0,1-9 0</inkml:trace>
-  <inkml:trace contextRef="#ctx0" brushRef="#br0" timeOffset="1.52035E6">30625 4843 7353,'0'-6'0,"0"2"0,0 0 0,0 2 0,19-2 0,-14 2 0,31-2 90,-32 1-90,34 1 0,-21 1 180,19 0 89,-11 1-269,9 0 90,-8 0-90,12 16 0,-18-12 0,3 23 90,-10-24-180,-2 21 180,-2-21-90,-2 33 90,-4-22-180,0 31 90,-3-23-719,-20 19 179,15-16-480,-15 6 1020,2-8 0,13-2 0,-12 0 0</inkml:trace>
-  <inkml:trace contextRef="#ctx0" brushRef="#br0" timeOffset="1.52103E6">31598 4744 8342,'-37'0'90,"5"0"-180,5 0 90,14-12-180,-5 9 90,12-19 180,-4 19-270,6-19 180,1 13 0,3-13 0,0 5 0,21-14 0,-16 6 0,30-19 0,-14 20 0,-3-6 0,13 8 0,-17 9 90,9-1 0,-6 10 0,-9 26 0,-4 12-90,-4 14-90,-21 5 135,8-22 0,0 1-45,-14 19 45,-1-10 0,0 1-641,8 5 551,-5-18 0,0-2 45,0 7 0,1-5 90,3-3-90,2-5-90,3-4 90,2-4-90,3-4 90,3-5-90,2-1 686,4-18-326,18-3 0,2 0-90,22-6-90,-9 21-90,21-14 0,-19 16-45,6-3 0,2 1-315,2 3-810,-1 6 1,0 2 1169,-4-5 0,8 24 0,-16-11 0</inkml:trace>
+  <inkml:trace contextRef="#ctx0" brushRef="#br0" timeOffset="157639.81">29447 5053 10141,'21'0'540,"-8"-19"0,7-6-450,-10-10 179,10-2-179,-6 6 0,-1-1-90,3-10-185,-4 7 1,0 0 364,-5-3 89,-2-18-179,-2 14 180,-3-25-270,0 33 151,0-10-151,0 25-104,0 0 104,0 28 0,0 12 0,0 11-719,0 24-1,0-17 91,0 15-1080,0 2 809,0-14-90,0-8 1,0 0 989,0 2 0,0 9 0,0-17 0</inkml:trace>
+  <inkml:trace contextRef="#ctx0" brushRef="#br0" timeOffset="158049.81">29610 4550 8972,'-43'-33'630,"3"1"-361,10 0-373,1 1 464,-4-1-180,5 2-91,-5 3 91,5 3-180,-4 2-90,-10 1 90,10 7 90,-18 4-90,20 7 90,-7 29-180,11 0 90,2 27 90,1-2-135,8-6 0,2 3-309,4-10 0,1 2 354,2 4 0,1 4 0,1-3 0,0-3 0,4-1-90,6 24 0,7-1 0,1-27 1,4-3 44,1 9 0,5-2-45,13-6 0,1-4 45,-12-8 0,1-3-90,25 8 0,3-5-297,-20-12 0,1-5 432,12 2 0,1-2-45,-12-4 0,-2-4 45,1-6 0,1-4 0,13-4 0,-1-4 0,-13-4 0,-1-3 45,9-2 0,-2-4-45,-10-10 0,-6-2 0,-6 10 0,-3-3 0,-3-5 0,-3-6 0,-3 4-45,-1 3 0,-5-1-15,-4-3 0,-3-4 0,-5 5-30,-9 5 0,-5 3 0,-2-10 0,-5 3 0,-5 17 1,-3 4-91,4 2 0,0 1-45,-2 3 0,-3 3-585,-21 0 1,-3 4 809,15 4 0,-1 1 0,-16 0 0,0 2 0,21 3 0,-1 0 0</inkml:trace>
+  <inkml:trace contextRef="#ctx0" brushRef="#br0" timeOffset="167689.81">29388 4719 8252,'16'-8'1170,"14"6"-1170,-25-12 0,25 13 180,-15-5-91,7 6-89,-10 13 90,-1-10-90,-10 23 0,6-23 0,-5 27 0,3-16 90,-3 18-90,-1 1 0,0-5 90,-1 14-90,0-19 0,0 4 0,-15-10 0,11-5 0,-12 0 0,7-3-90,7-1-90,-16-1-359,9-5 359,-7 0 0,6-2 180,-2 0 0,5-19 0,-4 1 0,7-4-90,-2-8 90,4 12-90,2-10 450,0 7-180,16 11-180,3 5 90,1 19-90,7-11 180,-10 23-90,0-10-90,20 13 0,-25-12 90,26 16-180,-22-22 90,5 16-90,-7-14-270,0-1-360,-3 0-1259,5 4 1979,-8-5 0,4 3 0,-6-7 0</inkml:trace>
+  <inkml:trace contextRef="#ctx0" brushRef="#br0" timeOffset="168579.8">29348 4870 7353,'11'11'899,"-16"-8"-1079,-8-6 180,-3-14 0,6-15 0,10 7 0,0-8 0,0 14-90,17-12 90,-13 15 0,30-5 90,-19 12-180,16-3 270,-17 7-180,18 0 0,-22 3 0,21 1 0,-21 1 90,8 0-90,-8 14 90,8-10-90,-7 10 90,2-1 90,-1-3-90,-4 4-90,3 10 0,-7-12 0,0 15-90,-4-8 180,0-1-90,0 4 0,0-2 0,0 0 90,-16-1-270,12 6 270,-23-7-90,15 8 0,-2-13 0,-3 2 0,15-6-90,-15-2 180,15-1-90,-15-1 0,12-1 0,-8-1-90,4 1 0,2-3-90,2 0 90,22-11 180,-2 7-90,23-14 0,-12 15 0,4-9-719,4 6 89,-5-2 630,18 1 0,-16 2 0,7 1 0</inkml:trace>
+  <inkml:trace contextRef="#ctx0" brushRef="#br1" timeOffset="213549.81">29148 4933 3977,'11'7'6594,"-2"-2"-5102,-3-5-2592,0 0 315,-1 0 291,1 0 77,3 0 104,0-13 2160,3 10-2392,-1-24 1725,3 12 413,1-13 628,0 0-126,1-2 92,6-21 182,-4 10-1836,3-14 1172,0 1-1533,-6 17 450,7-20-481,-11 32-3,1-5 86,-5 18-516,-3 3 288,-1 5-70,-2 1-309,1 19 1031,0-12-964,6 50 877,-1-27-377,3 35 485,-2-17-120,-1 3 169,-1 2-294,-2-15 1,0 0-531,3 18 539,-2-11 0,1 0-611,2 3-298,4 12-146,-2-23-152,1-2-225,0-3-46,3-4-302,-1-3-222,4-4 1191,6 2 0,-4-7 1,6 0-1</inkml:trace>
+  <inkml:trace contextRef="#ctx0" brushRef="#br1" timeOffset="213829.8">29310 5175 3077,'36'0'360,"-1"0"-360,-3 0 0,4-15 1231,4 11-1285,5-22 872,3 23-1166,-11-8 0,1-1 422,22-1 16,-21 6 0,-1 0 0,13-11 0,-3 8 0</inkml:trace>
+  <inkml:trace contextRef="#ctx0" brushRef="#br0" timeOffset="-197966.92">30610 4853 8252,'3'0'1799,"12"0"-1709,21 0-270,2 0 180,-6 0-359,0 0-1,0 0 180,0 0-360,-2 0 90,-1 0-179,-4 0 89,-2 10 540,1-8 0,-9 18 0,1-9 0</inkml:trace>
+  <inkml:trace contextRef="#ctx0" brushRef="#br0" timeOffset="-197636.92">30625 4843 7353,'0'-6'0,"0"2"0,0 0 0,0 2 0,19-2 0,-14 2 0,31-2 90,-32 1-90,34 1 0,-21 1 180,19 0 89,-11 1-269,9 0 90,-8 0-90,12 16 0,-18-12 0,3 23 90,-10-24-180,-2 21 180,-2-21-90,-2 33 90,-4-22-180,0 31 90,-3-23-719,-20 19 179,15-16-480,-15 6 1020,2-8 0,13-2 0,-12 0 0</inkml:trace>
+  <inkml:trace contextRef="#ctx0" brushRef="#br0" timeOffset="-196956.93">31598 4744 8342,'-37'0'90,"5"0"-180,5 0 90,14-12-180,-5 9 90,12-19 180,-4 19-270,6-19 180,1 13 0,3-13 0,0 5 0,21-14 0,-16 6 0,30-19 0,-14 20 0,-3-6 0,13 8 0,-17 9 90,9-1 0,-6 10 0,-9 26 0,-4 12-90,-4 14-90,-21 5 135,8-22 0,0 1-45,-14 19 45,-1-10 0,0 1-641,8 5 551,-5-18 0,0-2 45,0 7 0,1-5 90,3-3-90,2-5-90,3-4 90,2-4-90,3-4 90,3-5-90,2-1 686,4-18-326,18-3 0,2 0-90,22-6-90,-9 21-90,21-14 0,-19 16-45,6-3 0,2 1-315,2 3-810,-1 6 1,0 2 1169,-4-5 0,8 24 0,-16-11 0</inkml:trace>
 </inkml:ink>
 </file>
 
@@ -1372,114 +1383,789 @@
   <inkml:trace contextRef="#ctx0" brushRef="#br0" timeOffset="156273">32232 7609 8162,'-7'-12'900,"5"-5"-720,-4 8-270,6-7 90,0 6-90,21-1-810,19-2 91,3 5 809,22-7 0,-34 10 0,10-1 0</inkml:trace>
   <inkml:trace contextRef="#ctx0" brushRef="#br0" timeOffset="156806">32535 7423 8342,'-9'15'630,"1"5"-630,8 12 0,0 1-90,0-5 180,0-6-180,0-4-90,0-7 90,0-3 0,0-1-989,0-2 1079,0-21 90,0 1 90,0-21 269,0 6-269,0 1 270,0 8-450,0 21-90,0 12 90,16 5-360,-12 7-90,11-14 271,-15 6-1,9-8 180,-1-2 90,2-23 179,-3 13-89,-5-23-90,3 24-90,-4-21 0,4 21-90,-3-10-629,3 13 359,-1 0 360,7 16 0,-4-12 0,4 11 0</inkml:trace>
   <inkml:trace contextRef="#ctx0" brushRef="#br0" timeOffset="157070">32763 7476 7713,'0'-17'0,"1"-2"-90,-1 2 90,2-4 0,-2 0 0,1-1 90,-1 0-90,1-5 0,0 6 629,1-7-269,-1 15-90,0 1 270,3 9-271,0 3 91,2 14-270,0 10-90,2 22 90,-3-5-180,3 3-989,4 2 359,-2-11-1708,15 19 2428,-7-25 0,9 6 0,-6-12 0</inkml:trace>
-  <inkml:trace contextRef="#ctx0" brushRef="#br0" timeOffset="723250">3122 8099 10771,'0'23'180,"0"-1"-180,0-3-90,0-2 0,13-2-360,-10-1-1079,11 6 360,-7-6 1169,-5 10 0,10-11 0,-7 3 0</inkml:trace>
-  <inkml:trace contextRef="#ctx0" brushRef="#br0" timeOffset="723462">3093 7835 7803,'-4'-3'0,"0"0"0</inkml:trace>
-  <inkml:trace contextRef="#ctx0" brushRef="#br0" timeOffset="723884">3290 7979 7713,'0'7'179,"0"1"1,0-1-180,0 2 0,0 9 0,0-2 0,0 16 90,0-10-180,0 6 90,12 2 90,-9-9 0,19 13-90,-12-18 180,9 5-180,-10-14 90,4 0-90,-9-6 0,9-1 0,-8-21 90,9-6 90,-8-12 90,8-18-90,-11 22 269,3-30-269,-6 29 90,0-8 180,0 8-360,0 15 0,0-2 270,0 14-360,0 34 0,0-2-90,0 23-900,15 3-179,0-16 1169,17 25 0,-9-23 0,2 11 0</inkml:trace>
-  <inkml:trace contextRef="#ctx0" brushRef="#br0" timeOffset="724648">3922 8127 9242,'-6'0'2158,"0"0"-2158,20 0-539,3 0-181,22 0 1,-9 0-181,4 0 1,-8 0-181,1 0 1080,0 0 0,-2 0 0,-1 0 0</inkml:trace>
-  <inkml:trace contextRef="#ctx0" brushRef="#br0" timeOffset="724799">4097 8295 8612,'39'0'-180,"-17"-14"-539,19 11-361,-21-11 1080,19-1 0,-6 12 0,-1-12 0</inkml:trace>
-  <inkml:trace contextRef="#ctx0" brushRef="#br0" timeOffset="725749">4845 8232 9781,'0'-31'0,"0"-4"0,16 9 0,-12-5 0,13 11 90,-5-19 0,-10 18 180,10-18-270,-12 24 180,0-5-180,0 13 0,0-2 90,0 23-90,0 1 0,0 20 0,0-5 0,14-4 0,-10-5-360,10-4-179,-14-4-1260,0 7 719,7-8 1080,-5 1 0,6-2 0,-8-2 0</inkml:trace>
-  <inkml:trace contextRef="#ctx0" brushRef="#br0" timeOffset="726166">5210 7962 8702,'-14'-3'720,"0"0"-540,-3 18 89,0 5-269,11 18 0,-2-7 0,4 1 90,4-10-180,0 0 180,16 14-90,-12-15 0,30 11 90,-29-22-90,27-2 0,-12-6 0,14-17 90,-7 12-180,-4-27 180,-7 7-180,-5-8-359,-2-13 89,-6 17-540,-2-17 271,-1 20-181,-21-4 810,16 13 0,-32 8 0,17 3 0</inkml:trace>
-  <inkml:trace contextRef="#ctx0" brushRef="#br0" timeOffset="726586">5592 7803 7803,'6'-2'179,"-1"1"-89,9 0-90,-5 1 90,10 16-90,-10-12 0,2 28 0,-7-28 0,0 27 0,-4-17 0,0 11 0,0-5-90,0-1-90,-14 6 1,10-5 89,-11 4 0,15-13 90,0-1 0,21-6 0,2-2 180,2 0 89,10 3-179,-16-1 0,11 8-90,-14-2 0,-7 5 0,-9-1 0,0 3-449,-23 3 449,-8 14 0,-14-7 0,-1 12 0</inkml:trace>
-  <inkml:trace contextRef="#ctx0" brushRef="#br0" timeOffset="746399">16245 8684 8612,'22'13'90,"13"-10"0,-17 10 90,9-3-90,-4-8-180,-6 8 90,2-2 90,-1-6-180,11 10 90,-7-4 90,18 5-180,-15-1 180,7 0-90,-9-2 0,-2-3 0,1 2 0,7 1 0,-7-2 0,11 1 0,-17-5 0,5 1 90,-10-3-90,0 0-90,-3-1 90,2 0 0,-4-1-90,2 1 180,-5-1-90,2 1 0,-2 0 0,0 0-90,-2-1-720,-1 1-1438,3 0 2248,-2 0 0,2-1 0,-1 0 0</inkml:trace>
-  <inkml:trace contextRef="#ctx0" brushRef="#br0" timeOffset="747022">16882 8693 8612,'-5'-1'990,"0"0"-631,2 0-89,-2 1-270,2-2 180,0 2-90,0-2-180,0 2 180,2 10-180,16-8 180,-11 17-90,23-10 0,-8 14-90,1-10 180,5 4-180,-2-1 180,-4-3-90,10 9-90,-10-8 90,7 11 90,-11-11-90,2 5 0,-6-6 0,-2 0 0,0 0 0,-4 4 0,-2-4-90,-2 7 180,-1-9-90,0 5 0,-17-6 90,12 2-90,-29-1-90,29 2 90,-39 0 90,22 3-90,-10-5 0,-3 0 90,-8 7-135,5-2 0,-1-1-896,-5 5-408,-10 4-90,22-9 1439,6-1 0,5-2 0,3-1 0</inkml:trace>
-  <inkml:trace contextRef="#ctx0" brushRef="#br0" timeOffset="758283">18348 9401 9961,'27'-15'540,"17"11"-360,-26-11-90,21 1-180,-5 10 90,2-20 0,5 21-408,3-18 318,5 13-1112,1-10 1202,4 6-90,0 2-495,-13 4 1,-1 1-676,22 0 495,-22 1 1,-1 1 764,13 3 0,-2-1 0,-2 1 0</inkml:trace>
-  <inkml:trace contextRef="#ctx0" brushRef="#br0" timeOffset="759717">19910 9068 8162,'0'-8'1170,"0"1"-1080,-19 2-180,14 1 90,-31 1 0,17 1 0,-15 17 0,4 3 0,6 17 0,8-1 90,9 0-90,7-7 0,20 0 90,0-11-90,21-3 0,-4-7 0,2-6 0,-10 0 0,0-14 179,-13-5-89,-1 1-90,-7-9 0,-4 18-90,-4 10-1079,17 8-360,-12 23 450,27-1 1079,-28-6 0,25-1 0,-12-9 0</inkml:trace>
-  <inkml:trace contextRef="#ctx0" brushRef="#br0" timeOffset="759984">20268 9051 7803,'-14'13'89,"2"6"-89,12 11 90,0 2-90,0-4 0,16 2 0,-12 16 0,12-12 0,-2 22 0,-11-25 0,10 6 90,-13-7-90,0-10-269,0 5 269,0-14 0,0-3 0,0-6 0</inkml:trace>
-  <inkml:trace contextRef="#ctx0" brushRef="#br0" timeOffset="760138">20267 8948 6363,'11'0'0,"-2"0"0</inkml:trace>
-  <inkml:trace contextRef="#ctx0" brushRef="#br0" timeOffset="760550">20760 9008 7803,'-22'11'359,"-8"-9"-359,27 18 0,-19-18 0,9 24 0,0-14 0,-3 22 90,15-16-180,-4 14 180,5-15 0,0 6-90,0-11 0,21-1 0,-16-3-180,28-2 180,-15-4 0,11 0 0,-11-20 0,4-1 0,-13-2 180,2-11 180,-5 9-90,-6-7 0,0-3-270,0 14 0,0 1-90,-14 10 180,11 21-180,-10 7 0,13 18-1709,14 2 540,-10-9 1259,28-2 0,-28-20 0,13-2 0</inkml:trace>
-  <inkml:trace contextRef="#ctx0" brushRef="#br0" timeOffset="760737">21020 9047 7443,'17'33'0,"-13"-1"90,32-13-180,-32 12-180,32-20-270,-21 17 540,15-11 0,-6 0 0,0-1 0</inkml:trace>
-  <inkml:trace contextRef="#ctx0" brushRef="#br0" timeOffset="760933">21403 8979 7713,'-32'0'0,"3"18"90,-1 7-90,5 11 0,4-9 0,0 1-360,-6 11 360,5-2 0,0 2 0,0 9 0,8-16 0,-1 1 0</inkml:trace>
-  <inkml:trace contextRef="#ctx0" brushRef="#br0" timeOffset="761849">22042 9078 10411,'22'14'180,"11"-10"-180,-29 25 0,31-25 0,-18 29 0,17-17 0,-5 15-90,-3-6-360,4-1-1978,12 11 1258,-8-10 909,8 6 0,-14-14 0,-1-2 0</inkml:trace>
-  <inkml:trace contextRef="#ctx0" brushRef="#br0" timeOffset="762049">22437 9088 8522,'-27'-5'90,"3"0"-90,8 3 0,2 1 0,0 1 0,0 0 0,-1 16 0,0-12 0,0 29 0,0-17 0,-1 18-720,0-2-1168,-5 20 1888,5-10 0,-3 16 0,7-18 0</inkml:trace>
-  <inkml:trace contextRef="#ctx0" brushRef="#br0" timeOffset="762433">22703 9279 8972,'-16'-4'-90,"-2"15"90,-2 6-90,-4 17 270,21-3-270,-7-3 90,27-3 0,6-13 90,13-4-180,0-26 90,-11-5 0,-10-19 0,-7 8-90,-8-6 90,0 17-180,-20-9 0,-1 21-180,-2-8-629,-9 17 989,15-4 0,-2 6 0,6 0 0</inkml:trace>
-  <inkml:trace contextRef="#ctx0" brushRef="#br0" timeOffset="762822">23027 9218 7892,'-42'0'180,"6"0"-180,16 15 180,-1 3-180,18 18 90,-7-9-90,10 2 90,0-9-180,36 11 0,-28-14-45,25-4 0,4-5 45,-16-4-89,41-4 269,-32-18-90,15-2 0,-22-1 89,1-13 631,-11 13-450,-7-15-360,-1 6 90,-21 7 90,1 12-90,-4 40 0,8 3-90,11 22-270,0-15-1259,21-2 1619,-15-12 0,34-1 0,-16-17 0</inkml:trace>
-  <inkml:trace contextRef="#ctx0" brushRef="#br0" timeOffset="763016">23473 8790 8162,'-32'0'180,"2"17"-180,9-13-90,1 37 180,2-20-90,0 24 0,6-8-180,0 3-719,7 2 899,2 2 0,3-1 0,0-1 0</inkml:trace>
-  <inkml:trace contextRef="#ctx0" brushRef="#br0" timeOffset="763500">24010 8990 9781,'0'35'90,"0"-5"-90,0 0-90,17-3 90,-13 16 90,24-8-1463,-25 13 1283,19-15-90,-20 0-359,21-1-154,-10 9 333,6-12-403,-2 8 403,-10-21 450,-1-2 629,-27-10 502,-3-18-592,-23-3-89,4-17-24,5 1-516,17-1 0,-1 7 104,20 3-644,-6 2-90,28 3-629,8-9 180,13 10 890,3-3 0,-8 7 0,2 0 0</inkml:trace>
-  <inkml:trace contextRef="#ctx0" brushRef="#br0" timeOffset="763901">24385 8914 8882,'-13'-5'450,"9"0"-91,-9 3-269,5 1-90,6 22 0,-6 9 0,8 13 0,0 3-716,0-8 716,16 1 0,-12 18 0,26-15 0,-26 13 0,10-20 0,-1-3-240,-10-5 150,16-2 0,-17-6-90,4-3-449,0-7 359,-3-4 608,7-17-428,-4 8 348,5-44-258,-4 26 45,3-15 0,0-4 45,1 6 180,11-25-90,-11 45-90,6-8-90,-6 21 90,5-7-90,-5 26 0,3-13 90,3 29-180,-4-7 0,9 18-360,-7-6-449,12 6 449,-10-21-90,9 4 540,-7-18 0,1 3 0,2-5 0</inkml:trace>
-  <inkml:trace contextRef="#ctx0" brushRef="#br0" timeOffset="764240">24935 9222 8522,'-34'0'360,"2"0"-360,16 19 90,3 2-180,13 20 180,0-11-90,0 0 0,0-12-90,20 5 0,-15-6-180,33-3 270,-23-8 0,15-6 0,-17-16 90,3-3 270,-15-16-180,6 4-180,-7 3 0,0 7 0,0 26-360,0 8-540,16 23 361,-13-2-900,27-1 1439,-15-14 0,2 0 0,-6-9 0</inkml:trace>
-  <inkml:trace contextRef="#ctx0" brushRef="#br0" timeOffset="764585">25197 9222 7982,'0'29'180,"0"4"-90,12 0-90,-9 2 0,20-8 90,-21-3 0,14-15-450,-14 3 91,8-11 269,-9-15 0,6 9 0,-6-28 0,6 29 0,-2-30-90,3 14 269,1-14-179,-2 15 90,2 2 0,-3 16-180,4-6 180,-4 22-90,10 5 0,-7 18-719,11 2 269,-7-7-180,5-4 630,-2-18 0,1 9 0,0-3 0</inkml:trace>
-  <inkml:trace contextRef="#ctx0" brushRef="#br0" timeOffset="764961">25602 9279 7803,'0'31'179,"0"2"-179,0-1-90,20 0 1,-1-3 89,22-10 0,-8-8 0,0-8 0,-16-19 179,1 12 541,-17-27 90,5 11-91,-6-14-629,0 2-180,0 8 180,-13 10 0,10 26-180,-9 17 90,12 9 90,0 19-270,0-21 180,0 25 90,0-28-360,11 17-629,-8-28-91,8 5 91,-11-15 899,0-3 0,0-5 0,0-2 0</inkml:trace>
-  <inkml:trace contextRef="#ctx0" brushRef="#br0" timeOffset="765201">24727 8980 7803,'16'33'-900,"2"-5"360,23-5 540,-10-12 0,0-5 0,-7-6 0</inkml:trace>
-  <inkml:trace contextRef="#ctx0" brushRef="#br0" timeOffset="765417">24923 8844 8612,'0'-7'810,"0"2"-541,0 0-179,0 3-90,16-2 0,8 4 0,-4 16-90,14 2-179,-20 20-721,2-10-179,-5 4 1169,-11-7 0,0 2 0,0 0 0</inkml:trace>
-  <inkml:trace contextRef="#ctx0" brushRef="#br0" timeOffset="765804">26578 8994 8612,'-5'21'450,"0"4"-450,5 13 45,0-3 0,0 0-135,0 7-221,-1-8 1,2 0-320,15 3-269,-12-2-90,11-1 989,0-3 0,-11-2 0,11-3 0</inkml:trace>
-  <inkml:trace contextRef="#ctx0" brushRef="#br0" timeOffset="766034">26760 9120 9332,'-27'0'629,"4"17"-449,2 2-90,10 21-180,5-10-90,6 1-90,0-11-269,17 0-1,-12-3-719,33 0 539,-9-8 720,10-1 0,2-8 0,-10 0 0</inkml:trace>
-  <inkml:trace contextRef="#ctx0" brushRef="#br0" timeOffset="766433">26988 8933 8522,'-14'-6'1169,"11"17"-899,-11 23-270,14 3 45,-2-2 0,4-1-45,18 6 0,-19-5 0,3 0 0,31 5 0,-21 22 0,4-29 90,-1 15-180,-9-29-1259,0 3 989,-2-37 270,-6-7 90,0-23 0,17-3 90,-12 9 270,24-3 180,-27 21-91,23-2-269,-15 15-180,12 3 0,-9 21 0,3 3 0,-7 1 0,9 14-90,-9-11-179,12 20-181,-9-12-90,8-3 0,-6-19-89,2 6-181,1-13 810,2 9 0,0-10 0,0 3 0</inkml:trace>
-  <inkml:trace contextRef="#ctx0" brushRef="#br0" timeOffset="766705">27588 9187 8522,'-20'17'900,"4"-1"-810,16 18 0,0-4-1,0 1 1,0-7-90,0-2 180,17-10-180,-13-1 0,25-7-90,-18-1-90,3-22-89,-6 1-361,-8-18 270,0 6-180,-17 13-809,13-6 1349,-13 15 0,17-4 0,0 6 0</inkml:trace>
-  <inkml:trace contextRef="#ctx0" brushRef="#br0" timeOffset="766933">27907 9165 10141,'0'34'-1259,"16"-14"-450,-12 7 340,26-11 1369,-27 8 0,21-5 0,-10-7 0</inkml:trace>
-  <inkml:trace contextRef="#ctx0" brushRef="#br0" timeOffset="767100">28145 9088 5824,'0'17'0,"0"-4"0</inkml:trace>
-  <inkml:trace contextRef="#ctx0" brushRef="#br0" timeOffset="767317">27603 8789 8252,'16'-6'180,"1"2"-180,15 2 0,-4 16-899,-4 3 269,-10 19 630,-6-6 0,-8 4 0,0-8 0</inkml:trace>
-  <inkml:trace contextRef="#ctx0" brushRef="#br0" timeOffset="767835">28975 9197 8882,'-57'0'360,"12"0"-360,3 0 90,26 15 0,-13 3 90,11 2-180,-3 9 89,7-9-89,14 8 0,0-2 0,0-9 0,0-2-89,23-2-1,-18-3 0,35-5-90,-16-2 180,15-3-90,-7-17 90,-2-5-180,-11-24 180,-6 8 0,-6-21 0,-7 20 135,0 2 0,0-1 135,0-7 44,-7 6 1,-2 0 45,6-3-270,-12 6 0,-2 2-90,2 6 450,-5-10-450,9 53 90,11 11-90,0 16-90,17 6-118,-13-11 118,12 5-450,0-1-989,2 16 629,1-14 900,0-10 0,-1 0 0,-2 1 0,20 7 0</inkml:trace>
-  <inkml:trace contextRef="#ctx0" brushRef="#br0" timeOffset="768384">29330 8882 10411,'0'39'720,"0"-6"-630,0 5-90,0-5 90,0 21-180,0-12 90,6-7 0,1-1 90,-3 4-90,9 7-90,-1-19-90,-9-4 90,9-4-270,-2 0 180,-1-8-540,8 1 631,-4-10-181,-5 1 180,2-22 0,-2 15 270,5-50-180,0 33 90,9-40 90,-8 34 359,10-15-359,-12 30 540,13-10-720,-14 22 359,11 8-179,-13 13 0,2 17-90,-7-5-90,-1 8-90,-3-16 180,0 3-270,-22-4-359,-10-7-766,2-5 1,-3-2-585,-21 3 1771,-9-2 0,17-4 0,-4-2 0</inkml:trace>
-  <inkml:trace contextRef="#ctx0" brushRef="#br0" timeOffset="780583">18377 9541 7263,'11'13'0,"-9"10"0,22-5 0,-22 6 90,18 2-90,-18-6 0,19 3 0,-4 13 0,8-6 0,2 12 0,6 3 0,-6-8 0,-3-6 0,0 0 0,6 7-45,-4-7 0,0 0 135,4 4-45,-4-5 0,-1 0-135,2 3 90,8 9 0,-5-6 0,-10-8 0,10 13 90,-15-19-90,6 11-630,-9-16 630,2 5 0,-5-9 0,-1 0 0</inkml:trace>
-  <inkml:trace contextRef="#ctx0" brushRef="#br0" timeOffset="782973">19583 10986 9961,'0'-35'360,"17"16"-270,-13-17-180,12 19 90,1-19 0,0-7 0,3 7 0,-2-4 0,-4-2 0,-9-4 0,7 0 0,0 0 0,-11 0 0,2 8 0,0-1 90,-3-4-180,-17-19 90,12 30-90,-12-2 90,17 16 0,-12 8 0,1 22 0,-10 18 0,5 32 0,6-5 0,0 5 45,8-27 0,1 0-45,-2 18 0,3-8 0,0-1 0,0 8 0,8-12 0,1 0-226,-4 5 226,30 9-180,-30-21 91,29-3-181,-30-4-270,37 5 90,-27-13-89,27 6 359,-21-18-90,9 1 180,-11-7 226,1 0-136,-6-16 0,-2 12 90,-1-12 89,1-2 1,-3 2 0,-1-14-180,-3 10 0,-4 26 0,0 6 90,0 24-90,0-1 0,0 1-180,17-6-90,0-7 91,17-12 89,-10-6 0,-1-5 90,-7 0 0,-2 0 0,0-16 180,1-2-90,-4-2 269,0-7 1,-7 12-180,-2-11-180,-2 7 0,0 27 0,0 6 0,0 23-90,17-5-90,-1-13-539,18 3 629,-3-15 0,-5 3 0,-2-5 90,-3-20 90,-6 11 359,7-44-269,-15 39 450,1-42-180,-7 32-450,-1-12 0,-14 8 0,10 26 0,-10 11-180,28 24-720,2-8 1,1 1 899,11-2 0,-8-10 0,15 6 0</inkml:trace>
-  <inkml:trace contextRef="#ctx0" brushRef="#br0" timeOffset="783233">20143 10844 8342,'17'10'-158,"-4"3"1,-13 19 0,0 1 0</inkml:trace>
-  <inkml:trace contextRef="#ctx0" brushRef="#br0" timeOffset="784271">21073 10883 8792,'0'34'0,"0"3"0,0-10 0,0 0 0,0-7-90,0-1-809,0 0-181,0-2 1080,9-2 0,-7-3 0,7-1 0</inkml:trace>
-  <inkml:trace contextRef="#ctx0" brushRef="#br0" timeOffset="784451">21122 10673 6903,'0'21'0,"0"-4"0</inkml:trace>
-  <inkml:trace contextRef="#ctx0" brushRef="#br0" timeOffset="784850">21585 10803 8252,'-41'0'540,"1"18"-450,6 0-90,4 18 0,13-10 0,7-1 180,10-1-180,0-5 180,0 10-90,18-13-90,-13 1 0,26-8 90,-27-4-90,26-3-90,-9-1 0,16-22 90,-4-5 0,-8-27 90,-10 11-90,-9-3 180,-6-5 89,0 11 91,-17-21-270,12 30-180,-29-7 720,30 22-540,-12 22-90,16 19 0,17 33-90,2-7-1113,0-12 1,2-1-57,10 10 1259,-8-8 0,0 0 0,8 5 0,-11-18 0,1 1 0</inkml:trace>
-  <inkml:trace contextRef="#ctx0" brushRef="#br0" timeOffset="785451">22247 10834 9242,'-5'-10'1169,"0"0"-1079,1 4-90,1-1 0,1 20 0,1 5 0,15 1 0,-10 20 0,11-20 0,-2 19 0,-9 3 90,19-11-90,-20 16 0,15-24 0,-15 7-90,8-20-1169,-10 3 1079,5-11 0,-4-14 0,2 9 180,1-30 0,1 5-90,6-22 180,-3 8 90,4 3 270,3 8-450,-4 11 90,7-2 0,-8 17-90,4 2 0,-6 20 0,5 4 0,-7 0 0,3 16 0,-3-20 0,1 16-450,-1-8-809,10 5 629,-4-9 630,15 5 0,-8-17 0,7-1 0</inkml:trace>
-  <inkml:trace contextRef="#ctx0" brushRef="#br0" timeOffset="785817">22785 10853 8522,'-19'-6'540,"-5"0"-630,-12 22 180,4 2 0,17 19-90,6-1 0,9-7 0,0-2-90,0-11-360,16-1 90,3 0 90,16-8 91,1 1 268,-3-25 1,-5 0 360,-12-18-90,-7 3-360,-9 2 0,0 8 0,0 29 0,0 8 90,0 30-180,13-13 0,-10 0-630,24-5 361,-8-15-721,17 11 321,-8-20 759,2 5 0,-10-8 0,0 0 0</inkml:trace>
-  <inkml:trace contextRef="#ctx0" brushRef="#br0" timeOffset="786187">23120 10880 8612,'-17'17'180,"4"1"-90,13 19-90,0-7 0,0 3 180,17-8-90,-13-6 270,13-24-91,-17-10-359,0-14 270,-11 10-90,8 29-180,-8 9 90,29 22 0,-13-5-210,27 4 210,-28 3 0,27 4 90,-27 1-90,28 2 0,-28-5 0,22 1 90,-23-5-90,15-2 0,-16 6-90,4-16-90,-6 3-450,0-18 0,0-5-1169,-20-5 1799,-3-2 0,-3-21 0,9-6 0</inkml:trace>
-  <inkml:trace contextRef="#ctx0" brushRef="#br0" timeOffset="786350">22410 10796 8702,'24'-7'-90,"18"1"-180,-20 1-539,39-2 179,-18 4 428,16-2 1,-14 5 0,1 0 0</inkml:trace>
-  <inkml:trace contextRef="#ctx0" brushRef="#br0" timeOffset="786700">23782 10893 9152,'-14'18'719,"23"4"-719,-4 11-90,29-13 180,-31 11-180,28-16 180,-26 16 270,27-4 270,-14-9-450,12 5-180,-7-16 0,-7-1 0,-6-6-270,-3-23-180,-2-4-719,3-30 449,-3 13-899,6-16 1619,-4 25 0,4-10 0,-2 16 0</inkml:trace>
-  <inkml:trace contextRef="#ctx0" brushRef="#br0" timeOffset="787073">24497 10866 8972,'-38'0'630,"-3"0"-630,4 0 179,1 0 1,10 16-180,11-1 90,8 14-90,24-4-90,2-4 0,19-5 0,1-7 90,-1-6-90,-4-3 90,-15-17-89,-2 13 268,-15-28 271,5 12-450,-7-12-90,0 1 90,-15 9-539,11 28-541,6 8 361,2 27 719,45-7 0,-30-1 0,27-4 0</inkml:trace>
-  <inkml:trace contextRef="#ctx0" brushRef="#br0" timeOffset="787334">24845 10849 9332,'-17'18'989,"-4"-13"-989,19 26 0,-6-13 0,8 12 0,40 1 0,-30-6 180,47-4-180,-40-11-720,12-4-269,-14-20-360,-30-3 449,9-14 900,-40 14 0,27-13 0,-20 9 0</inkml:trace>
-  <inkml:trace contextRef="#ctx0" brushRef="#br0" timeOffset="787475">24250 10596 9691,'47'-2'-269,"-9"0"-451,8 2-449,-7 14-616,4-11 1675,3 11 0,1 1 0,0 3 1</inkml:trace>
-  <inkml:trace contextRef="#ctx0" brushRef="#br0" timeOffset="787917">25652 10979 9781,'-26'0'1440,"1"0"-1261,8 0-89,3 0-90,9-16 0,2 0 0,46-32 0,-32 18 0,20 3 0,3 0 0,-8-2 0,12-20 0,-15 17 90,-4-17-90,-17 18 0,6-4-90,-8 7 90,0 9 90,0 1-90,0 28 0,0 17 0,0 11 0,0 10-90,0-8-1169,0 24 270,0-13 89,6-8 1,0 1-1523,-3 6 2422,10 13 0,-13-19 0,0-1 0</inkml:trace>
-  <inkml:trace contextRef="#ctx0" brushRef="#br0" timeOffset="788051">25623 11320 9602,'0'-33'-1710,"28"2"631,13 1 1079,17 9 0,3 0 0,-12 8 0</inkml:trace>
-  <inkml:trace contextRef="#ctx0" brushRef="#br0" timeOffset="788800">26580 10525 9961,'-4'-4'270,"1"2"360,-2 1-540,3 16 270,-3-11-271,3 31-89,0-17 90,2 40-90,0-19 90,0 16-296,0-14 206,0-3 0,0 0 0,12 12-90,-9-15 180,10 16-180,-13-27 180,0 2-360,7-15-1169,-5-4 989,6-21 270,-8-8 180,0-24 0,0 10 0,0-17 0,0 22 207,0-8 242,14 10-269,6 9 0,13 3 90,-1 29-180,-3 9-90,-9 0 0,-2 17 180,-10-23-180,-1 29 90,-4-20-90,-1 15 0,-2-20 0,-20 10-90,-3-14-1169,-25 2 539,14-11-89,-2-2-1221,0-4 2030,11 0 0,-6-20 0,13-6 0</inkml:trace>
-  <inkml:trace contextRef="#ctx0" brushRef="#br0" timeOffset="789789">26553 10522 9152,'-3'-3'1889,"0"0"-1619,2 22-181,0 7-89,1 11 90,0 2-90,0-8 90,13 4-90,-10 1 0,9 0 0,-12 0 0,8 14 90,-5-13-180,5 23 90,-8-29 0,0 29 0,0-36 90,0 11-1619,0-28 1349,0-45 180,0 17-270,0-38 91,0 9 89,0 10 90,0 4 0,0 0 0,0-6 0,5 7 0,2 1 0,4-5 0,12-17 0,-6 27 0,0-3-90,-2 15 180,2 1 0,1 5 359,11-1-269,-8 6 0,17 0-90,-18 6-90,15 15 90,-16-11 0,1 30-90,-6-17 90,-4 16 0,0-4 0,-4 0-90,-3 3 0,-2 0 90,-1 15-90,0-11 90,-20 23-90,-3-27 0,-2 10-45,-3-23 0,0-2-45,4 9 135,-9-6 0,-3-2-585,1 0-899,-21 3 539,25-13-1078,-16-3 1978,25-4 0,-5-1 0,14 0 0</inkml:trace>
-  <inkml:trace contextRef="#ctx0" brushRef="#br0" timeOffset="790135">27272 10301 9152,'5'16'1169,"0"8"-809,-5 27-360,0-4 90,-9-9 0,-2 1-90,-5 13-710,5-18 0,0 0 710,-15 16 0,22-3 0,-23 0 0,24-3-360,-20-4-269,20-1-569,-16 6 388,17-13 810,-5 9 0,7-23 0,0 1 0</inkml:trace>
-  <inkml:trace contextRef="#ctx0" brushRef="#br0" timeOffset="790441">27442 10749 8882,'-17'-3'450,"12"14"-360,-12 4-90,17 16 0,0 2 90,0-4-90,0 0 90,0-8 89,20 1 1,-16 0 0,16 2 0,-6-2 360,-11 12-360,22-10 0,-23 14-1,9-21-89,-28 8-90,12-16-90,-29 1-899,8-8-450,-17-1-270,1-16 1709,10-3 0,14-18 0,10 0 0</inkml:trace>
-  <inkml:trace contextRef="#ctx0" brushRef="#br0" timeOffset="790823">27755 10849 10321,'-45'15'450,"0"1"-360,6 16-90,15-9 0,-6 2 0,27-6 0,-9-1-90,12-1 90,0 11-180,17-12 90,9 9-90,17-20 360,3 0-360,-5-24 270,-9-2 90,-14-18 450,-10 2-630,-8 3-90,-18 5 180,13 10-90,-24 9-270,26 25-540,-8 6-449,30 20-180,3-5 539,23-3 900,-11-15 0,2 0 0,-9-11 0</inkml:trace>
-  <inkml:trace contextRef="#ctx0" brushRef="#br0" timeOffset="791017">28032 10844 9691,'-20'-9'630,"16"0"-450,-28 8-180,21-1 90,-3 22-180,5 0-180,26 24-180,-13-14 1,29 3-91,-29-12-585,26-7 1,5-1 1124,-10 9 0,7-13 0,1-1 0,-3 0 0</inkml:trace>
-  <inkml:trace contextRef="#ctx0" brushRef="#br0" timeOffset="791417">28225 10466 9602,'0'-12'2158,"0"2"-1888,0 27-270,19-14 90,-15 42-90,19-18 0,0 0 90,-16 25-135,12-8 0,2-1 45,-8-2 0,-1-7 0,0 0 0,0 1 0,4 19 0,-14-31-180,6 3-1079,-7-20 1079,1-19 180,1 10 0,0-26 0,3 25 0,1-28 0,1 27 90,2-31 90,0 32 180,1-24-180,-3 25-91,6-7 1,-5 10-180,6 14 90,-8-10 0,1 32 90,-3-17-90,0 20-179,-1-7-361,1 13 90,-3-11-1529,2 13 1979,-3-25 0,0 1 0,-1-12 0</inkml:trace>
-  <inkml:trace contextRef="#ctx0" brushRef="#br0" timeOffset="791605">28090 10012 10411,'-20'25'-90,"0"-3"-540,2 26-179,2-10-2277,1 5 1377,2 2 1709,0 5 0,2 2 0,0 1 0</inkml:trace>
-  <inkml:trace contextRef="#ctx0" brushRef="#br0" timeOffset="792105">29205 10723 12030,'-14'14'270,"24"4"-270,10 20 0,4-6-90,11 4-540,-9 2 91,11-9-1290,-2 6 1020,-9-12 154,-1-4-424,-1-3-1,-3-2 1080,-2-5 0,-6-3 0,-1-1 0</inkml:trace>
-  <inkml:trace contextRef="#ctx0" brushRef="#br0" timeOffset="792301">29378 10764 10501,'-9'-1'180,"-3"0"-180,8 0 90,-4 19-90,2-13 0,-1 31 0,0-19-270,-6 33-360,2-16-629,0 3 0,0 0 269,-1 1 990,-1 18 0,10-32 0,2-1 0</inkml:trace>
-  <inkml:trace contextRef="#ctx0" brushRef="#br0" timeOffset="792650">29792 10820 10411,'4'-4'270,"-2"0"-270,0 16 90,-21 6-180,14 16 90,-25-6 0,27 7 90,-8-7-180,28-9 90,-13 4 180,27-18-270,-10 5 180,13-7-180,0-22 0,-4-2 0,-15-19 90,-5 10-90,-10 1-180,0 1 180,-21 8-899,0-3 269,-4 7-359,-7 6 1079,18 2 0,-4 6 0,8 2 0</inkml:trace>
-  <inkml:trace contextRef="#ctx0" brushRef="#br0" timeOffset="793050">30155 10785 9871,'-28'-8'540,"12"19"-540,5 6 0,11 22 90,20-7-90,2 0-90,20-8 90,-3-11-90,-8-7 90,-3-6-90,-12 0 180,-1-16-90,-1-1 180,-6-19 0,-1 3 180,-7 4-450,0 1 270,-17 12-180,13 24-360,-12 8 0,36 26-1169,-15-12-990,34 5 2519,-21-13 0,4-5 0,-8-7 0</inkml:trace>
-  <inkml:trace contextRef="#ctx0" brushRef="#br0" timeOffset="793241">30572 9921 12750,'-16'26'-2069,"12"21"450,-28-21-1221,27 26 2840,-35-4 0,19 2 0,0-23 0,0 0 0</inkml:trace>
-  <inkml:trace contextRef="#ctx0" brushRef="#br0" timeOffset="796011">19358 12760 7892,'-13'-1'540,"-7"1"-450,7-1-90,-10 1-90,6 0 90,2 0 90,7 0-180,1 11 90,0-8 0,3 8 0,-1-11 0,4 8 0,-1 0 0,2 10 0,0-3 90,21 1-90,-16-2-90,32 7 90,-17-4 90,16 13 0,-15-11 540,8 12-450,-19-12 539,4 16-629,-7-17-180,-7 8 90,-18-16 0,-4 1 0,-1-6-809,-12-2-810,13-1 809,-14-2 810,16-14 0,6-1 0,14-14 0</inkml:trace>
-  <inkml:trace contextRef="#ctx0" brushRef="#br0" timeOffset="796719">19737 12762 9242,'-45'-1'180,"1"17"-180,10-1 0,13 16 90,1-16-90,18 12 0,-6-15 90,8 13-90,0-7 0,24 6-90,2-7-180,24 6 0,-13-14 180,-1 0-180,-2-7 270,-8-2 0,10-20 0,-19 15 90,2-29 180,-13 16 0,-2-13-180,-4 2 0,-15 6-90,11 28 0,-12 10 0,16 27 0,20-11 0,-2 5-90,4-16-90,7-3 0,-25-2-180,26-14 90,-18 6 0,11-7 1,-1 0 89,-5-19 180,8-4 0,-11-12 0,1 3 269,-7-2 91,-5 12 0,0-8-360,-3 10 630,0 5-360,0 18-360,0 10 180,0 21-90,0-1 0,0 1 0,13-9-90,0-11 0,10-7 90,-6-23 0,-3 13 0,-1-27 0,-5 15 90,3-11-90,-6 11 0,2 7 0,-5 8 90,5 0-90,-4 0 0,7 0 0,-2 21-720,10 2-180,-3 14 900,15 4 0,-8-15 0,8 6 0</inkml:trace>
-  <inkml:trace contextRef="#ctx0" brushRef="#br0" timeOffset="797183">20913 12808 8162,'-39'19'90,"3"11"-90,14-26 0,2 30 0,0-10 90,10 18 0,1-10-90,9 1 0,17-17-270,4 4-89,20-13 179,3-2 180,-8-23-180,6-8 180,-19-11 0,4-17 90,-9 18 180,-10-30-1,1 26-89,-9-13 630,0 3-360,0 13 269,-17-20-539,12 28-180,-13-4-90,4 18 180,11 4 270,-11 4-360,14 24 0,0 9 0,0 29 0,14-9-45,-13-12 0,2 0-405,24 6-269,-24 14-631,21-10 811,-13-12-721,12 11 1260,-12-23 0,-3-2 0,-8-9 0</inkml:trace>
-  <inkml:trace contextRef="#ctx0" brushRef="#br0" timeOffset="797317">20865 12738 8162,'-6'-13'90,"0"1"-180,6-6 90,25 6-359,-19-2-91,41 8-180,-27 2-269,23 1 899,-7 3 0,4 0 0,0 0 0</inkml:trace>
-  <inkml:trace contextRef="#ctx0" brushRef="#br0" timeOffset="797634">21560 12756 8252,'-35'0'360,"-1"0"-360,2 0 0,15 12 180,-7-9-90,23 24 0,-7-12-90,10 15-90,0-10 180,17-7-90,-12 1 0,31-8 0,-10 3 0,17-5 0,-7-4 450,5-18-270,-26-2-1,9-20-89,-23 12-180,5-9 90,-26 17 0,16-5-269,-32 10-901,11 1 361,-19 5-91,6 3 900,2 4 0,13 2 0,2 0 0</inkml:trace>
-  <inkml:trace contextRef="#ctx0" brushRef="#br0" timeOffset="797817">21687 12298 8972,'-17'-5'-990,"1"22"451,-4 8-271,9 13 810,11-2 0,0-7 0,0 1 0</inkml:trace>
-  <inkml:trace contextRef="#ctx0" brushRef="#br0" timeOffset="798355">22252 12586 8972,'-23'-8'630,"-14"6"-630,10-6 0,-19 8 179,2 0-269,8 15 180,17 4 0,9 19-180,10-7 0,17 2 90,-13-8 0,31 1-89,-30 0 89,32 8-180,-14-8 180,15 8 90,-17-15-630,0 4-90,-19-15 450,5 2-179,-25-8-1,-3-1 360,-16-1-180,17-19 270,-9 4-90,26-18 270,6 8-180,23 0-90,25 2 90,-8 6-966,5 3 966,-13 5 0,1-1-423,-1 1 513,-2-2-90,-3 2 90,-2-2 90,2-6-91,-9 5 91,0-12-180,-14 11 1016,-3-8-836,-4 10 192,0 0-282,-20 5-90,-4 4-90,-1 19 0,-4-13-450,26 29 91,-7-11-271,27 7-180,-13 0 810,30-9 0,-10 2 0,17 1 0</inkml:trace>
-  <inkml:trace contextRef="#ctx0" brushRef="#br0" timeOffset="798634">22462 12359 7623,'37'-1'1079,"-2"-1"-809,0 19-180,-4-1-90,-4 13 90,-8-15-90,-3 4-90,-5-15 90,1 5-270,0-8-270,0 0-269,1 0-271,2 0 1080,0 0 0,1 0 0,1 0 0</inkml:trace>
-  <inkml:trace contextRef="#ctx0" brushRef="#br0" timeOffset="799100">23045 12439 10591,'-1'-10'899,"1"2"-359,-3 3-180,3 3-360,20 1 90,7 18-270,26 0-180,-9 3-1152,0 7 792,-7-23-179,-2 27-1,3-19-1106,19 21 836,-14-16 1170,12 6 0,-18-11 0,-1-1 0</inkml:trace>
-  <inkml:trace contextRef="#ctx0" brushRef="#br0" timeOffset="799267">23623 12439 8702,'-40'-4'270,"1"1"-270,11 3 0,-2 0-90,-11 20 90,9 5-945,3 6 1,2 4-282,2 8 1226,8-13 0,1-1 0,4 4 0,2 1 0</inkml:trace>
-  <inkml:trace contextRef="#ctx0" brushRef="#br0" timeOffset="799633">24025 12502 9062,'-41'0'450,"3"17"-360,6-13-90,1 25 179,-10-10-269,13-3 180,-5 14-90,24-12 0,2 7-449,7-3 89,27-9 90,6-5 180,17-2-45,-8-11 0,-2-5 135,5-11 0,-4 4 0,-3-4 90,-8-13 0,4-9 0,-23 17-180,-4-14 90,-7 18 0,-24-5-90,-3 18-180,-3-3-719,-10 11 989,19-2 0,-3 18 0,9 3 0</inkml:trace>
-  <inkml:trace contextRef="#ctx0" brushRef="#br0" timeOffset="799991">24455 12475 8882,'-44'0'450,"4"0"-360,20 15-90,-5-12 90,22 26-180,-8-15 90,32 12-90,5-13 0,1 0 0,17-11 0,-26 3 90,21-5 0,-13 0 0,-1 0 0,-4-16 0,3 12 540,-13-31-1,0 17-359,-11-14-180,0 9 0,-16 10 90,-1 5-180,-2 28-809,6 3 269,13 21-90,0-11-1596,19-2 2316,1-6 0,3-14 0,-7 2 0</inkml:trace>
-  <inkml:trace contextRef="#ctx0" brushRef="#br0" timeOffset="800170">24680 12021 9781,'-26'0'0,"3"17"-90,5-13-629,-5 50-271,5-27 990,5 11 0,2 4 0,0 5 0,-1 17 0</inkml:trace>
-  <inkml:trace contextRef="#ctx0" brushRef="#br0" timeOffset="800517">25272 12228 11670,'-16'-15'-90,"1"2"90,2 4 90,7 22-270,17 26-449,-7 3-246,13-12 1,-1-1 244,-12 7 0,27 1-766,-10 11 766,10-14-179,-11 7 809,2-18 0,-20-4 0,10-1 0</inkml:trace>
-  <inkml:trace contextRef="#ctx0" brushRef="#br0" timeOffset="800650">25307 12563 8882,'0'-24'-720,"0"-4"361,17 7-91,-12-3 0,37 6-449,-20 0 899,23-2 0,-7 2 0,1-2 0</inkml:trace>
-  <inkml:trace contextRef="#ctx0" brushRef="#br0" timeOffset="801034">25633 12126 8252,'-23'19'1529,"9"4"-1529,6 12 90,8-2-90,19-4 0,-15 2 180,15 2-270,5 3 90,0 18 0,4-14-180,-9-5 1,-1-2-91,3 2-90,1 8 270,9-20-90,-28-4-180,18-6-539,-15-5 719,6-4 180,-8-25 90,-1-3 180,-2-1-90,1-16-1,1 26 91,1-20 0,2 14 540,3-5-810,-1 14 270,7-7-270,-2 17 0,9-4-90,-7 25 180,5-15-180,4 33 90,-5-13-990,15 19 540,-13-9-629,17 1 180,-14-23 899,9 8 0,-11-18 0,-1 6 0</inkml:trace>
-  <inkml:trace contextRef="#ctx0" brushRef="#br0" timeOffset="801573">26267 12468 9242,'-41'0'719,"4"0"-629,19 20-90,-3-16 0,19 31-90,-6-14-90,8 7 1,17 1-91,-13-10-270,29-2 180,-10 1 0,15-6 360,1-3 0,-7-5 0,-15-23 270,-7-2 270,-10-19-180,0 2 0,0 9-181,-14 10-179,10-1-90,-11 9 180,2-2 0,9 19-270,8 12-359,17 18 179,21-1 0,-9-13-90,13 7 181,-18-19 89,10 5 0,-3-7 90,-11-8 180,14-19-90,-20 14 270,5-42 89,-15 28 271,-3-13 0,-2-3-91,-1 4 271,-1-27-810,-1 33 0,0-7 180,0 17 0,0 1-180,0 43 0,0-12-180,15 31-90,-11-19-629,25 9 359,-11-6-450,18 14 541,-9-23-1170,12 7 1619,-19-20 0,6-1 0,-10-9 0</inkml:trace>
-  <inkml:trace contextRef="#ctx0" brushRef="#br0" timeOffset="801834">26637 12394 9512,'45'0'-653,"3"0"1,-11 0 0,1 0 0</inkml:trace>
-  <inkml:trace contextRef="#ctx0" brushRef="#br0" timeOffset="802071">25923 12418 10321,'-4'-28'1079,"0"1"-989,4 6 0,27 0-90,-3-1-1136,26 0 1136,-9 1 0,4 1-270,4 4-630,-15 8 1,0 2-180,18-2 1079,-13 3 0,-2 5 0,3 15 0,8 5 0</inkml:trace>
-  <inkml:trace contextRef="#ctx0" brushRef="#br0" timeOffset="802217">26435 13111 9152,'18'9'-300,"7"-5"0,-11 0 0</inkml:trace>
-  <inkml:trace contextRef="#ctx0" brushRef="#br0" timeOffset="802607">27653 12054 13199,'0'-8'0,"0"0"360,0 3-360,18 2 90,-1 18-90,16 13-90,-18 11-180,10 4-315,-14-5 1,0 0 134,13 9-225,-5-2 1,0-1-45,0-7-451,16 15 451,-14-30-721,14 3 1440,-16-18 0,5-3 0,-10-4 0</inkml:trace>
-  <inkml:trace contextRef="#ctx0" brushRef="#br0" timeOffset="802767">28045 12349 9871,'-22'-11'900,"-17"2"-900,20-4 90,-19 7-180,10 22-450,11 6 90,7 17-899,10-6 180,21 5 269,8-10 900,12-8 0,-1-7 0,-11-13 0</inkml:trace>
-  <inkml:trace contextRef="#ctx0" brushRef="#br0" timeOffset="803301">28212 12004 10501,'0'-16'90,"0"4"270,0 4-180,0 24-90,0 12 0,17 15-1,-12 5-179,9-18 1,3 0 179,0 18-46,-2-7 1,1 0-45,1 4-135,-1-9 1,-2-2-136,-5 0 0,9 7 0,-7-21 0,-8-5-1259,6-1 1439,-7-22 180,3 10 0,-3-33 360,6 18 90,-4-5-271,5 8 1,-4 2-180,2 5-90,0-5 180,1 8 0,1 0-180,2 0 90,6 0-90,-2 16 0,12 0 0,-11 4 0,18 14-180,-16-28-180,16 23 180,-19-27 0,9 5 270,-11-7-180,6-16 180,-8-2 90,-2-1 270,-2-10-180,-2 25 90,-1-23-270,-1 16 89,0-3 91,-1 6-270,0 8 90,1 0-180,1 0-359,4 18-91,-1 4-989,7 18 719,-5-18-269,3 13 1079,-2-31 0,-2 22 0,2-12 0</inkml:trace>
-  <inkml:trace contextRef="#ctx0" brushRef="#br0" timeOffset="803468">28737 12120 9152,'37'19'-780,"-16"-15"1,-4 15-1</inkml:trace>
-  <inkml:trace contextRef="#ctx0" brushRef="#br0" timeOffset="804067">29678 12354 10681,'7'-17'1799,"1"1"-1259,-7 0-1,3-2-269,-4 0 0,0-1-90,0-4-180,-17 6-90,-1-5 180,-3 13-180,-7-2-90,10 10 0,-15-1-180,16 20-89,-4 3 359,19 19 90,-4-2 0,23-7 0,5 4 90,-1-15-180,16 10 180,-14-14-90,1 3 90,5-5-180,-26-5 180,9 4-180,-12-8 180,-23 4-180,17-5-270,-53 2-270,37-4-719,-29 1-990,18-3-89,6 0 2428,7-17 0,9 13 0,11-13 0</inkml:trace>
-  <inkml:trace contextRef="#ctx0" brushRef="#br0" timeOffset="804534">29945 12184 9512,'3'-14'0,"-2"-1"179,0-3 1,-1 3-180,0-3 270,0 9 90,0 2-90,0 22-180,0 9 0,0 25 0,0-8-90,14 16-90,-10-22-135,9-3 0,0-1-135,-10-2 90,19 15 90,-14-30-179,2 2 89,-1-11 270,-8-15 540,2-5-91,-3-16 181,0 4-630,0 1 270,0 6-270,0 24 0,16 5-90,-13 21 90,29-15-630,-20 11 360,5-13-3935,5 9 4205,-19-28 0,10 8 0,-13-19 0</inkml:trace>
-  <inkml:trace contextRef="#ctx0" brushRef="#br0" timeOffset="805185">29958 12243 9242,'0'10'629,"0"0"-179,18 4-180,-13-3-90,29 11-180,-30-9 0,28 13 0,-18-10 0,4 5 0,1-8 90,-17-1-180,15 0 0,-6 0-90,4-3-270,5-1 180,-9-5-179,10-2 359,-9-15-360,7-3 450,-10 0 0,3-14 0,-9 27 0,1-29 540,-4 21-270,0-20-91,0 10 541,0 1-900,0 25-539,14 6 269,-11 20-720,24-4 361,-14-11 809,3 5 0,0-18 0,-6 7 0</inkml:trace>
-  <inkml:trace contextRef="#ctx0" brushRef="#br0" timeOffset="805417">30387 12133 9422,'13'0'989,"-5"17"-899,-1-13 90,-4 28-270,3-28 90,-1 38 90,-1-25-270,1 33-90,-3-26-809,1 13 449,-2-16-2068,1 9 2698,-2-18 0,1 2 0,-1-11 0</inkml:trace>
-  <inkml:trace contextRef="#ctx0" brushRef="#br0" timeOffset="805770">30647 11929 8522,'7'0'900,"1"0"-541,-2 0 1,3 13-180,-2-9-90,6 40 0,-7-25 180,2 40-270,-6-26 90,-2 22-90,0-21 0,0 18 0,0-25 0,0 12 0,-14-21 0,10 1 0,-21-7 0,22-6-1170,-19 1 631,9-6-181,-7 0-179,4-1-181,4 0 1080,1 0 0,0-15 0,1-2 0</inkml:trace>
-  <inkml:trace contextRef="#ctx0" brushRef="#br0" timeOffset="806385">30427 11948 9871,'0'39'1170,"0"-5"-990,0-1-90,0-4-90,0 2 0,0 3 89,0 0-89,0 18 0,0-13 0,0 23 0,0-30-89,0 15-91,0-25-1529,0 5 1529,0-33 0,0-6 180,0-29 0,0 5-90,0-4 90,0 8 0,0 0 0,17 1 0,-12-1 0,28-9 0,-29 10 180,24-11 0,-11 23 0,5-2 269,6 13-179,-12 4 90,11 1-180,-12 3 0,10 18 0,-13 1 0,5 21-91,-9-12-89,0 20 0,-6-22-179,-17 21-361,11-24-1259,-31 13 809,5-16 990,-26 15 0,6-17 0,-1 6 0</inkml:trace>
-  <inkml:trace contextRef="#ctx0" brushRef="#br0" timeOffset="807401">31173 12147 9332,'0'37'1169,"0"5"-899,0-11-180,0 18 90,0-20-270,0 22 90,0-24-90,0 9 90,11-21-90,-9 1-1619,9-10 1349,-11-18 180,0-4 270,6-22-180,-5 10 90,9-5 90,0-16 90,-1 18-180,6-22 360,-8 32 90,4-2-271,-6 16 1,1 1-90,-2 6 0,0 0-90,2 18 0,-3 3 0,3 2 90,-2 12-180,0-13 270,0 15-1349,-2-8 1259,-1-28-180,-1-9 90,0-24 360,0 6 269,0 4-449,13 10-180,1 23 0,10 8-90,-2 20 180,-7-19-90,1 15 0,-6-30-90,0 26-90,-1-28 180,5 20-180,-6-21 180,8 6 0,-9-8 0,7-18-90,-6 13 180,4-31 0,-4 31 90,0-34 90,-2 34 360,2-40-360,-4 39-270,3-30 269,-6 28-179,2-4 0,-2 7-90,2 21-90,2 5 0,2 21-269,1-10-811,5 11 361,-3-29-810,8 19 359,-5-20 1260,2 3 0,-4-2 0,-2-10 0</inkml:trace>
-  <inkml:trace contextRef="#ctx0" brushRef="#br0" timeOffset="807584">31565 11980 8432,'19'17'-563,"9"0"1,-24 3 0,10-7 0</inkml:trace>
-  <inkml:trace contextRef="#ctx0" brushRef="#br0" timeOffset="807800">31918 11982 10591,'0'48'0,"0"-10"90,0 1-360,0-8-180,0-1-89,0 1-91,0-3 0,0-1-809,0 6 1439,14-12 0,-11 5 0,10-12 0</inkml:trace>
-  <inkml:trace contextRef="#ctx0" brushRef="#br0" timeOffset="807935">31740 12247 10141,'17'-17'-90,"-13"3"0,39 2-1079,-3 0 269,14 4 624,-14 2 1,0 1-1,9 1 1,16 0-1</inkml:trace>
-  <inkml:trace contextRef="#ctx0" brushRef="#br0" timeOffset="808633">29783 13629 9422,'28'-15'-270,"-1"-1"-270,-6-22 360,-1 1 180,-6 4 180,2-20-90,-9 27 180,1-15 270,-5 14 809,-2 13-1259,-1 14-90,0 25 0,0 12 0,0 26-90,0-19-495,0-4 0,0 2-405,0 9 270,0 15 1,0-22-181,0-3 900,0-1 0,0-5 0,0-1 0</inkml:trace>
-  <inkml:trace contextRef="#ctx0" brushRef="#br0" timeOffset="808800">29675 13985 9871,'51'-19'-270,"-14"-3"1,-1 0-1,15 3-1309,1-9 1,0-1 1353,-19 14 0,1 0-270,26-12 1,0 0 134,-25 12 0,-1-1 360,11-4 0,-2-1 0,13-6 0,-3 0 0</inkml:trace>
-  <inkml:trace contextRef="#ctx0" brushRef="#br0" timeOffset="809069">30595 13415 8792,'0'-13'989,"0"2"-719,-17 2 90,13 2 0,-13 2 359,-1 3-269,2 1-450,-18 1 0,19 16 90,-9-12 0,21 25-180,-19-25 180,15 28-180,-12-7 90,13 8 0,-3 8-90,9-18 0,-2 8 90,2-18 90,0 2-180,20-9 90,-3-2-180,5-20-179,1-3-181,-21-19 0,9 2-719,-11 5-540,-17-1 1799,12 12 0,-12 1 0,17 6 0</inkml:trace>
-  <inkml:trace contextRef="#ctx0" brushRef="#br0" timeOffset="809367">30678 13425 10771,'1'36'0,"0"-7"0,-1 0 0,0-7 0,0-1 0,0-2 0,0-1 90,0-1-180,0-5-90,0-19-630,0-10 361,0-27-271,0 8 0,0-5-989,0-1 1709,0 10 0,0-9 0,0 14 0</inkml:trace>
-  <inkml:trace contextRef="#ctx0" brushRef="#br0" timeOffset="809907">30937 13336 8972,'6'0'630,"2"0"-451,-3 0-89,3 0 180,-2 0-180,-1 0-90,1 16 0,-2-12 90,0 28-180,2-7 180,-4 8-180,3 1 90,-3-10-90,-1-3 270,1 0-270,-1-1-1169,-1-5 1079,0-18 180,0-13 0,0-24 270,0-6-90,0 8 90,14-8 179,-10 22 721,23-8-1080,-16 21 89,9 17-268,-5 14 89,-5 19-180,-4 0-180,-3-1-90,-2-7 270,1-14 0,1-8 180,1-9 0,3 0 0,0-19 0,3 14 90,3-34 180,6 11 180,-1-8 179,9-6-179,-10 26 0,8-10-360,-11 23-90,4-7 0,-7 10 0,-2 0-90,1 14-899,2 11-91,-3 7-2518,3 22 3598,-7-20 0,2 13 0,-3-15 0</inkml:trace>
-  <inkml:trace contextRef="#ctx0" brushRef="#br0" timeOffset="810050">31693 13518 11490,'19'0'-5576,"-5"0"5576,-3 0 0,-5 0 0,-2 0 0</inkml:trace>
-  <inkml:trace contextRef="#ctx0" brushRef="#br0" timeOffset="853135">19243 10325 7892,'0'-8'900,"0"0"-810,0 2 180,0-1-90,0 2 0,0-2-90,0 3-1,10 1 631,-8 0-810,8 16 90,-28 6 90,14 9-180,-29 3 180,29-3-90,-18-5 0,-3 2 0,6 16 45,-10-4 0,-3 1-881,1 11 881,10-17 0,-2 1-90,-1 5 0,0 0 45,5-9 0,-1 2 45,-15 25 0,0 1-90,13-21 0,0 1 75,-3 7 0,-2 6 0,2-4-30,2-1 0,-1 3 0,1 2 0,-3 9 0,1 1 0,3-6-453,4-11 0,2-4 1,-1 5 474,-5 14 0,-1 8 1,-1 0-1,4-8 23,0 3 0,2-1-45,5-12 0,-1 4 0,0 0 0,2-5 0,-1 10 0,1 0 0,0 2 0,1 6 0,1-6 0,3-5 0,1-3 45,-2 13 0,2 2-90,3-2 0,2-3 45,0-15 0,0 0 30,-1 4 0,1 3 0,3-4-30,7-6 0,3-1-30,-6 3 0,0 3 0,2-4 120,3-6 0,2-1-315,3 21 1,1-2-316,7 4 315,-14-25 0,3-1-630,10-8 1,0-1-315,-8 8 1169,20 3 0,-18-18 0,-2-4 0</inkml:trace>
+  <inkml:trace contextRef="#ctx0" brushRef="#br0" timeOffset="-135743.46">3122 8099 10771,'0'23'180,"0"-1"-180,0-3-90,0-2 0,13-2-360,-10-1-1079,11 6 360,-7-6 1169,-5 10 0,10-11 0,-7 3 0</inkml:trace>
+  <inkml:trace contextRef="#ctx0" brushRef="#br0" timeOffset="-135531.46">3093 7835 7803,'-4'-3'0,"0"0"0</inkml:trace>
+  <inkml:trace contextRef="#ctx0" brushRef="#br0" timeOffset="-135109.46">3290 7979 7713,'0'7'179,"0"1"1,0-1-180,0 2 0,0 9 0,0-2 0,0 16 90,0-10-180,0 6 90,12 2 90,-9-9 0,19 13-90,-12-18 180,9 5-180,-10-14 90,4 0-90,-9-6 0,9-1 0,-8-21 90,9-6 90,-8-12 90,8-18-90,-11 22 269,3-30-269,-6 29 90,0-8 180,0 8-360,0 15 0,0-2 270,0 14-360,0 34 0,0-2-90,0 23-900,15 3-179,0-16 1169,17 25 0,-9-23 0,2 11 0</inkml:trace>
+  <inkml:trace contextRef="#ctx0" brushRef="#br0" timeOffset="-134345.46">3922 8127 9242,'-6'0'2158,"0"0"-2158,20 0-539,3 0-181,22 0 1,-9 0-181,4 0 1,-8 0-181,1 0 1080,0 0 0,-2 0 0,-1 0 0</inkml:trace>
+  <inkml:trace contextRef="#ctx0" brushRef="#br0" timeOffset="-134194.46">4097 8295 8612,'39'0'-180,"-17"-14"-539,19 11-361,-21-11 1080,19-1 0,-6 12 0,-1-12 0</inkml:trace>
+  <inkml:trace contextRef="#ctx0" brushRef="#br0" timeOffset="-133244.46">4845 8232 9781,'0'-31'0,"0"-4"0,16 9 0,-12-5 0,13 11 90,-5-19 0,-10 18 180,10-18-270,-12 24 180,0-5-180,0 13 0,0-2 90,0 23-90,0 1 0,0 20 0,0-5 0,14-4 0,-10-5-360,10-4-179,-14-4-1260,0 7 719,7-8 1080,-5 1 0,6-2 0,-8-2 0</inkml:trace>
+  <inkml:trace contextRef="#ctx0" brushRef="#br0" timeOffset="-132827.46">5210 7962 8702,'-14'-3'720,"0"0"-540,-3 18 89,0 5-269,11 18 0,-2-7 0,4 1 90,4-10-180,0 0 180,16 14-90,-12-15 0,30 11 90,-29-22-90,27-2 0,-12-6 0,14-17 90,-7 12-180,-4-27 180,-7 7-180,-5-8-359,-2-13 89,-6 17-540,-2-17 271,-1 20-181,-21-4 810,16 13 0,-32 8 0,17 3 0</inkml:trace>
+  <inkml:trace contextRef="#ctx0" brushRef="#br0" timeOffset="-132407.46">5592 7803 7803,'6'-2'179,"-1"1"-89,9 0-90,-5 1 90,10 16-90,-10-12 0,2 28 0,-7-28 0,0 27 0,-4-17 0,0 11 0,0-5-90,0-1-90,-14 6 1,10-5 89,-11 4 0,15-13 90,0-1 0,21-6 0,2-2 180,2 0 89,10 3-179,-16-1 0,11 8-90,-14-2 0,-7 5 0,-9-1 0,0 3-449,-23 3 449,-8 14 0,-14-7 0,-1 12 0</inkml:trace>
+  <inkml:trace contextRef="#ctx0" brushRef="#br0" timeOffset="-112594.46">16245 8684 8612,'22'13'90,"13"-10"0,-17 10 90,9-3-90,-4-8-180,-6 8 90,2-2 90,-1-6-180,11 10 90,-7-4 90,18 5-180,-15-1 180,7 0-90,-9-2 0,-2-3 0,1 2 0,7 1 0,-7-2 0,11 1 0,-17-5 0,5 1 90,-10-3-90,0 0-90,-3-1 90,2 0 0,-4-1-90,2 1 180,-5-1-90,2 1 0,-2 0 0,0 0-90,-2-1-720,-1 1-1438,3 0 2248,-2 0 0,2-1 0,-1 0 0</inkml:trace>
+  <inkml:trace contextRef="#ctx0" brushRef="#br0" timeOffset="-111971.46">16882 8693 8612,'-5'-1'990,"0"0"-631,2 0-89,-2 1-270,2-2 180,0 2-90,0-2-180,0 2 180,2 10-180,16-8 180,-11 17-90,23-10 0,-8 14-90,1-10 180,5 4-180,-2-1 180,-4-3-90,10 9-90,-10-8 90,7 11 90,-11-11-90,2 5 0,-6-6 0,-2 0 0,0 0 0,-4 4 0,-2-4-90,-2 7 180,-1-9-90,0 5 0,-17-6 90,12 2-90,-29-1-90,29 2 90,-39 0 90,22 3-90,-10-5 0,-3 0 90,-8 7-135,5-2 0,-1-1-896,-5 5-408,-10 4-90,22-9 1439,6-1 0,5-2 0,3-1 0</inkml:trace>
+  <inkml:trace contextRef="#ctx0" brushRef="#br0" timeOffset="-100710.46">18348 9401 9961,'27'-15'540,"17"11"-360,-26-11-90,21 1-180,-5 10 90,2-20 0,5 21-408,3-18 318,5 13-1112,1-10 1202,4 6-90,0 2-495,-13 4 1,-1 1-676,22 0 495,-22 1 1,-1 1 764,13 3 0,-2-1 0,-2 1 0</inkml:trace>
+  <inkml:trace contextRef="#ctx0" brushRef="#br0" timeOffset="-99276.46">19910 9068 8162,'0'-8'1170,"0"1"-1080,-19 2-180,14 1 90,-31 1 0,17 1 0,-15 17 0,4 3 0,6 17 0,8-1 90,9 0-90,7-7 0,20 0 90,0-11-90,21-3 0,-4-7 0,2-6 0,-10 0 0,0-14 179,-13-5-89,-1 1-90,-7-9 0,-4 18-90,-4 10-1079,17 8-360,-12 23 450,27-1 1079,-28-6 0,25-1 0,-12-9 0</inkml:trace>
+  <inkml:trace contextRef="#ctx0" brushRef="#br0" timeOffset="-99009.46">20268 9051 7803,'-14'13'89,"2"6"-89,12 11 90,0 2-90,0-4 0,16 2 0,-12 16 0,12-12 0,-2 22 0,-11-25 0,10 6 90,-13-7-90,0-10-269,0 5 269,0-14 0,0-3 0,0-6 0</inkml:trace>
+  <inkml:trace contextRef="#ctx0" brushRef="#br0" timeOffset="-98855.46">20267 8948 6363,'11'0'0,"-2"0"0</inkml:trace>
+  <inkml:trace contextRef="#ctx0" brushRef="#br0" timeOffset="-98443.46">20760 9008 7803,'-22'11'359,"-8"-9"-359,27 18 0,-19-18 0,9 24 0,0-14 0,-3 22 90,15-16-180,-4 14 180,5-15 0,0 6-90,0-11 0,21-1 0,-16-3-180,28-2 180,-15-4 0,11 0 0,-11-20 0,4-1 0,-13-2 180,2-11 180,-5 9-90,-6-7 0,0-3-270,0 14 0,0 1-90,-14 10 180,11 21-180,-10 7 0,13 18-1709,14 2 540,-10-9 1259,28-2 0,-28-20 0,13-2 0</inkml:trace>
+  <inkml:trace contextRef="#ctx0" brushRef="#br0" timeOffset="-98256.46">21020 9047 7443,'17'33'0,"-13"-1"90,32-13-180,-32 12-180,32-20-270,-21 17 540,15-11 0,-6 0 0,0-1 0</inkml:trace>
+  <inkml:trace contextRef="#ctx0" brushRef="#br0" timeOffset="-98060.46">21403 8979 7713,'-32'0'0,"3"18"90,-1 7-90,5 11 0,4-9 0,0 1-360,-6 11 360,5-2 0,0 2 0,0 9 0,8-16 0,-1 1 0</inkml:trace>
+  <inkml:trace contextRef="#ctx0" brushRef="#br0" timeOffset="-97144.46">22042 9078 10411,'22'14'180,"11"-10"-180,-29 25 0,31-25 0,-18 29 0,17-17 0,-5 15-90,-3-6-360,4-1-1978,12 11 1258,-8-10 909,8 6 0,-14-14 0,-1-2 0</inkml:trace>
+  <inkml:trace contextRef="#ctx0" brushRef="#br0" timeOffset="-96944.46">22437 9088 8522,'-27'-5'90,"3"0"-90,8 3 0,2 1 0,0 1 0,0 0 0,-1 16 0,0-12 0,0 29 0,0-17 0,-1 18-720,0-2-1168,-5 20 1888,5-10 0,-3 16 0,7-18 0</inkml:trace>
+  <inkml:trace contextRef="#ctx0" brushRef="#br0" timeOffset="-96560.46">22703 9279 8972,'-16'-4'-90,"-2"15"90,-2 6-90,-4 17 270,21-3-270,-7-3 90,27-3 0,6-13 90,13-4-180,0-26 90,-11-5 0,-10-19 0,-7 8-90,-8-6 90,0 17-180,-20-9 0,-1 21-180,-2-8-629,-9 17 989,15-4 0,-2 6 0,6 0 0</inkml:trace>
+  <inkml:trace contextRef="#ctx0" brushRef="#br0" timeOffset="-96171.46">23027 9218 7892,'-42'0'180,"6"0"-180,16 15 180,-1 3-180,18 18 90,-7-9-90,10 2 90,0-9-180,36 11 0,-28-14-45,25-4 0,4-5 45,-16-4-89,41-4 269,-32-18-90,15-2 0,-22-1 89,1-13 631,-11 13-450,-7-15-360,-1 6 90,-21 7 90,1 12-90,-4 40 0,8 3-90,11 22-270,0-15-1259,21-2 1619,-15-12 0,34-1 0,-16-17 0</inkml:trace>
+  <inkml:trace contextRef="#ctx0" brushRef="#br0" timeOffset="-95977.46">23473 8790 8162,'-32'0'180,"2"17"-180,9-13-90,1 37 180,2-20-90,0 24 0,6-8-180,0 3-719,7 2 899,2 2 0,3-1 0,0-1 0</inkml:trace>
+  <inkml:trace contextRef="#ctx0" brushRef="#br0" timeOffset="-95493.46">24010 8990 9781,'0'35'90,"0"-5"-90,0 0-90,17-3 90,-13 16 90,24-8-1463,-25 13 1283,19-15-90,-20 0-359,21-1-154,-10 9 333,6-12-403,-2 8 403,-10-21 450,-1-2 629,-27-10 502,-3-18-592,-23-3-89,4-17-24,5 1-516,17-1 0,-1 7 104,20 3-644,-6 2-90,28 3-629,8-9 180,13 10 890,3-3 0,-8 7 0,2 0 0</inkml:trace>
+  <inkml:trace contextRef="#ctx0" brushRef="#br0" timeOffset="-95092.46">24385 8914 8882,'-13'-5'450,"9"0"-91,-9 3-269,5 1-90,6 22 0,-6 9 0,8 13 0,0 3-716,0-8 716,16 1 0,-12 18 0,26-15 0,-26 13 0,10-20 0,-1-3-240,-10-5 150,16-2 0,-17-6-90,4-3-449,0-7 359,-3-4 608,7-17-428,-4 8 348,5-44-258,-4 26 45,3-15 0,0-4 45,1 6 180,11-25-90,-11 45-90,6-8-90,-6 21 90,5-7-90,-5 26 0,3-13 90,3 29-180,-4-7 0,9 18-360,-7-6-449,12 6 449,-10-21-90,9 4 540,-7-18 0,1 3 0,2-5 0</inkml:trace>
+  <inkml:trace contextRef="#ctx0" brushRef="#br0" timeOffset="-94753.46">24935 9222 8522,'-34'0'360,"2"0"-360,16 19 90,3 2-180,13 20 180,0-11-90,0 0 0,0-12-90,20 5 0,-15-6-180,33-3 270,-23-8 0,15-6 0,-17-16 90,3-3 270,-15-16-180,6 4-180,-7 3 0,0 7 0,0 26-360,0 8-540,16 23 361,-13-2-900,27-1 1439,-15-14 0,2 0 0,-6-9 0</inkml:trace>
+  <inkml:trace contextRef="#ctx0" brushRef="#br0" timeOffset="-94408.46">25197 9222 7982,'0'29'180,"0"4"-90,12 0-90,-9 2 0,20-8 90,-21-3 0,14-15-450,-14 3 91,8-11 269,-9-15 0,6 9 0,-6-28 0,6 29 0,-2-30-90,3 14 269,1-14-179,-2 15 90,2 2 0,-3 16-180,4-6 180,-4 22-90,10 5 0,-7 18-719,11 2 269,-7-7-180,5-4 630,-2-18 0,1 9 0,0-3 0</inkml:trace>
+  <inkml:trace contextRef="#ctx0" brushRef="#br0" timeOffset="-94032.46">25602 9279 7803,'0'31'179,"0"2"-179,0-1-90,20 0 1,-1-3 89,22-10 0,-8-8 0,0-8 0,-16-19 179,1 12 541,-17-27 90,5 11-91,-6-14-629,0 2-180,0 8 180,-13 10 0,10 26-180,-9 17 90,12 9 90,0 19-270,0-21 180,0 25 90,0-28-360,11 17-629,-8-28-91,8 5 91,-11-15 899,0-3 0,0-5 0,0-2 0</inkml:trace>
+  <inkml:trace contextRef="#ctx0" brushRef="#br0" timeOffset="-93792.46">24727 8980 7803,'16'33'-900,"2"-5"360,23-5 540,-10-12 0,0-5 0,-7-6 0</inkml:trace>
+  <inkml:trace contextRef="#ctx0" brushRef="#br0" timeOffset="-93576.46">24923 8844 8612,'0'-7'810,"0"2"-541,0 0-179,0 3-90,16-2 0,8 4 0,-4 16-90,14 2-179,-20 20-721,2-10-179,-5 4 1169,-11-7 0,0 2 0,0 0 0</inkml:trace>
+  <inkml:trace contextRef="#ctx0" brushRef="#br0" timeOffset="-93189.46">26578 8994 8612,'-5'21'450,"0"4"-450,5 13 45,0-3 0,0 0-135,0 7-221,-1-8 1,2 0-320,15 3-269,-12-2-90,11-1 989,0-3 0,-11-2 0,11-3 0</inkml:trace>
+  <inkml:trace contextRef="#ctx0" brushRef="#br0" timeOffset="-92959.46">26760 9120 9332,'-27'0'629,"4"17"-449,2 2-90,10 21-180,5-10-90,6 1-90,0-11-269,17 0-1,-12-3-719,33 0 539,-9-8 720,10-1 0,2-8 0,-10 0 0</inkml:trace>
+  <inkml:trace contextRef="#ctx0" brushRef="#br0" timeOffset="-92560.46">26988 8933 8522,'-14'-6'1169,"11"17"-899,-11 23-270,14 3 45,-2-2 0,4-1-45,18 6 0,-19-5 0,3 0 0,31 5 0,-21 22 0,4-29 90,-1 15-180,-9-29-1259,0 3 989,-2-37 270,-6-7 90,0-23 0,17-3 90,-12 9 270,24-3 180,-27 21-91,23-2-269,-15 15-180,12 3 0,-9 21 0,3 3 0,-7 1 0,9 14-90,-9-11-179,12 20-181,-9-12-90,8-3 0,-6-19-89,2 6-181,1-13 810,2 9 0,0-10 0,0 3 0</inkml:trace>
+  <inkml:trace contextRef="#ctx0" brushRef="#br0" timeOffset="-92288.46">27588 9187 8522,'-20'17'900,"4"-1"-810,16 18 0,0-4-1,0 1 1,0-7-90,0-2 180,17-10-180,-13-1 0,25-7-90,-18-1-90,3-22-89,-6 1-361,-8-18 270,0 6-180,-17 13-809,13-6 1349,-13 15 0,17-4 0,0 6 0</inkml:trace>
+  <inkml:trace contextRef="#ctx0" brushRef="#br0" timeOffset="-92060.46">27907 9165 10141,'0'34'-1259,"16"-14"-450,-12 7 340,26-11 1369,-27 8 0,21-5 0,-10-7 0</inkml:trace>
+  <inkml:trace contextRef="#ctx0" brushRef="#br0" timeOffset="-91893.46">28145 9088 5824,'0'17'0,"0"-4"0</inkml:trace>
+  <inkml:trace contextRef="#ctx0" brushRef="#br0" timeOffset="-91676.46">27603 8789 8252,'16'-6'180,"1"2"-180,15 2 0,-4 16-899,-4 3 269,-10 19 630,-6-6 0,-8 4 0,0-8 0</inkml:trace>
+  <inkml:trace contextRef="#ctx0" brushRef="#br0" timeOffset="-91158.46">28975 9197 8882,'-57'0'360,"12"0"-360,3 0 90,26 15 0,-13 3 90,11 2-180,-3 9 89,7-9-89,14 8 0,0-2 0,0-9 0,0-2-89,23-2-1,-18-3 0,35-5-90,-16-2 180,15-3-90,-7-17 90,-2-5-180,-11-24 180,-6 8 0,-6-21 0,-7 20 135,0 2 0,0-1 135,0-7 44,-7 6 1,-2 0 45,6-3-270,-12 6 0,-2 2-90,2 6 450,-5-10-450,9 53 90,11 11-90,0 16-90,17 6-118,-13-11 118,12 5-450,0-1-989,2 16 629,1-14 900,0-10 0,-1 0 0,-2 1 0,20 7 0</inkml:trace>
+  <inkml:trace contextRef="#ctx0" brushRef="#br0" timeOffset="-90609.46">29330 8882 10411,'0'39'720,"0"-6"-630,0 5-90,0-5 90,0 21-180,0-12 90,6-7 0,1-1 90,-3 4-90,9 7-90,-1-19-90,-9-4 90,9-4-270,-2 0 180,-1-8-540,8 1 631,-4-10-181,-5 1 180,2-22 0,-2 15 270,5-50-180,0 33 90,9-40 90,-8 34 359,10-15-359,-12 30 540,13-10-720,-14 22 359,11 8-179,-13 13 0,2 17-90,-7-5-90,-1 8-90,-3-16 180,0 3-270,-22-4-359,-10-7-766,2-5 1,-3-2-585,-21 3 1771,-9-2 0,17-4 0,-4-2 0</inkml:trace>
+  <inkml:trace contextRef="#ctx0" brushRef="#br0" timeOffset="-78410.46">18377 9541 7263,'11'13'0,"-9"10"0,22-5 0,-22 6 90,18 2-90,-18-6 0,19 3 0,-4 13 0,8-6 0,2 12 0,6 3 0,-6-8 0,-3-6 0,0 0 0,6 7-45,-4-7 0,0 0 135,4 4-45,-4-5 0,-1 0-135,2 3 90,8 9 0,-5-6 0,-10-8 0,10 13 90,-15-19-90,6 11-630,-9-16 630,2 5 0,-5-9 0,-1 0 0</inkml:trace>
+  <inkml:trace contextRef="#ctx0" brushRef="#br0" timeOffset="-76020.46">19583 10986 9961,'0'-35'360,"17"16"-270,-13-17-180,12 19 90,1-19 0,0-7 0,3 7 0,-2-4 0,-4-2 0,-9-4 0,7 0 0,0 0 0,-11 0 0,2 8 0,0-1 90,-3-4-180,-17-19 90,12 30-90,-12-2 90,17 16 0,-12 8 0,1 22 0,-10 18 0,5 32 0,6-5 0,0 5 45,8-27 0,1 0-45,-2 18 0,3-8 0,0-1 0,0 8 0,8-12 0,1 0-226,-4 5 226,30 9-180,-30-21 91,29-3-181,-30-4-270,37 5 90,-27-13-89,27 6 359,-21-18-90,9 1 180,-11-7 226,1 0-136,-6-16 0,-2 12 90,-1-12 89,1-2 1,-3 2 0,-1-14-180,-3 10 0,-4 26 0,0 6 90,0 24-90,0-1 0,0 1-180,17-6-90,0-7 91,17-12 89,-10-6 0,-1-5 90,-7 0 0,-2 0 0,0-16 180,1-2-90,-4-2 269,0-7 1,-7 12-180,-2-11-180,-2 7 0,0 27 0,0 6 0,0 23-90,17-5-90,-1-13-539,18 3 629,-3-15 0,-5 3 0,-2-5 90,-3-20 90,-6 11 359,7-44-269,-15 39 450,1-42-180,-7 32-450,-1-12 0,-14 8 0,10 26 0,-10 11-180,28 24-720,2-8 1,1 1 899,11-2 0,-8-10 0,15 6 0</inkml:trace>
+  <inkml:trace contextRef="#ctx0" brushRef="#br0" timeOffset="-75760.46">20143 10844 8342,'17'10'-158,"-4"3"1,-13 19 0,0 1 0</inkml:trace>
+  <inkml:trace contextRef="#ctx0" brushRef="#br0" timeOffset="-74722.46">21073 10883 8792,'0'34'0,"0"3"0,0-10 0,0 0 0,0-7-90,0-1-809,0 0-181,0-2 1080,9-2 0,-7-3 0,7-1 0</inkml:trace>
+  <inkml:trace contextRef="#ctx0" brushRef="#br0" timeOffset="-74542.46">21122 10673 6903,'0'21'0,"0"-4"0</inkml:trace>
+  <inkml:trace contextRef="#ctx0" brushRef="#br0" timeOffset="-74143.46">21585 10803 8252,'-41'0'540,"1"18"-450,6 0-90,4 18 0,13-10 0,7-1 180,10-1-180,0-5 180,0 10-90,18-13-90,-13 1 0,26-8 90,-27-4-90,26-3-90,-9-1 0,16-22 90,-4-5 0,-8-27 90,-10 11-90,-9-3 180,-6-5 89,0 11 91,-17-21-270,12 30-180,-29-7 720,30 22-540,-12 22-90,16 19 0,17 33-90,2-7-1113,0-12 1,2-1-57,10 10 1259,-8-8 0,0 0 0,8 5 0,-11-18 0,1 1 0</inkml:trace>
+  <inkml:trace contextRef="#ctx0" brushRef="#br0" timeOffset="-73542.46">22247 10834 9242,'-5'-10'1169,"0"0"-1079,1 4-90,1-1 0,1 20 0,1 5 0,15 1 0,-10 20 0,11-20 0,-2 19 0,-9 3 90,19-11-90,-20 16 0,15-24 0,-15 7-90,8-20-1169,-10 3 1079,5-11 0,-4-14 0,2 9 180,1-30 0,1 5-90,6-22 180,-3 8 90,4 3 270,3 8-450,-4 11 90,7-2 0,-8 17-90,4 2 0,-6 20 0,5 4 0,-7 0 0,3 16 0,-3-20 0,1 16-450,-1-8-809,10 5 629,-4-9 630,15 5 0,-8-17 0,7-1 0</inkml:trace>
+  <inkml:trace contextRef="#ctx0" brushRef="#br0" timeOffset="-73176.46">22785 10853 8522,'-19'-6'540,"-5"0"-630,-12 22 180,4 2 0,17 19-90,6-1 0,9-7 0,0-2-90,0-11-360,16-1 90,3 0 90,16-8 91,1 1 268,-3-25 1,-5 0 360,-12-18-90,-7 3-360,-9 2 0,0 8 0,0 29 0,0 8 90,0 30-180,13-13 0,-10 0-630,24-5 361,-8-15-721,17 11 321,-8-20 759,2 5 0,-10-8 0,0 0 0</inkml:trace>
+  <inkml:trace contextRef="#ctx0" brushRef="#br0" timeOffset="-72806.46">23120 10880 8612,'-17'17'180,"4"1"-90,13 19-90,0-7 0,0 3 180,17-8-90,-13-6 270,13-24-91,-17-10-359,0-14 270,-11 10-90,8 29-180,-8 9 90,29 22 0,-13-5-210,27 4 210,-28 3 0,27 4 90,-27 1-90,28 2 0,-28-5 0,22 1 90,-23-5-90,15-2 0,-16 6-90,4-16-90,-6 3-450,0-18 0,0-5-1169,-20-5 1799,-3-2 0,-3-21 0,9-6 0</inkml:trace>
+  <inkml:trace contextRef="#ctx0" brushRef="#br0" timeOffset="-72643.46">22410 10796 8702,'24'-7'-90,"18"1"-180,-20 1-539,39-2 179,-18 4 428,16-2 1,-14 5 0,1 0 0</inkml:trace>
+  <inkml:trace contextRef="#ctx0" brushRef="#br0" timeOffset="-72293.46">23782 10893 9152,'-14'18'719,"23"4"-719,-4 11-90,29-13 180,-31 11-180,28-16 180,-26 16 270,27-4 270,-14-9-450,12 5-180,-7-16 0,-7-1 0,-6-6-270,-3-23-180,-2-4-719,3-30 449,-3 13-899,6-16 1619,-4 25 0,4-10 0,-2 16 0</inkml:trace>
+  <inkml:trace contextRef="#ctx0" brushRef="#br0" timeOffset="-71920.46">24497 10866 8972,'-38'0'630,"-3"0"-630,4 0 179,1 0 1,10 16-180,11-1 90,8 14-90,24-4-90,2-4 0,19-5 0,1-7 90,-1-6-90,-4-3 90,-15-17-89,-2 13 268,-15-28 271,5 12-450,-7-12-90,0 1 90,-15 9-539,11 28-541,6 8 361,2 27 719,45-7 0,-30-1 0,27-4 0</inkml:trace>
+  <inkml:trace contextRef="#ctx0" brushRef="#br0" timeOffset="-71659.46">24845 10849 9332,'-17'18'989,"-4"-13"-989,19 26 0,-6-13 0,8 12 0,40 1 0,-30-6 180,47-4-180,-40-11-720,12-4-269,-14-20-360,-30-3 449,9-14 900,-40 14 0,27-13 0,-20 9 0</inkml:trace>
+  <inkml:trace contextRef="#ctx0" brushRef="#br0" timeOffset="-71518.46">24250 10596 9691,'47'-2'-269,"-9"0"-451,8 2-449,-7 14-616,4-11 1675,3 11 0,1 1 0,0 3 1</inkml:trace>
+  <inkml:trace contextRef="#ctx0" brushRef="#br0" timeOffset="-71076.46">25652 10979 9781,'-26'0'1440,"1"0"-1261,8 0-89,3 0-90,9-16 0,2 0 0,46-32 0,-32 18 0,20 3 0,3 0 0,-8-2 0,12-20 0,-15 17 90,-4-17-90,-17 18 0,6-4-90,-8 7 90,0 9 90,0 1-90,0 28 0,0 17 0,0 11 0,0 10-90,0-8-1169,0 24 270,0-13 89,6-8 1,0 1-1523,-3 6 2422,10 13 0,-13-19 0,0-1 0</inkml:trace>
+  <inkml:trace contextRef="#ctx0" brushRef="#br0" timeOffset="-70942.46">25623 11320 9602,'0'-33'-1710,"28"2"631,13 1 1079,17 9 0,3 0 0,-12 8 0</inkml:trace>
+  <inkml:trace contextRef="#ctx0" brushRef="#br0" timeOffset="-70193.46">26580 10525 9961,'-4'-4'270,"1"2"360,-2 1-540,3 16 270,-3-11-271,3 31-89,0-17 90,2 40-90,0-19 90,0 16-296,0-14 206,0-3 0,0 0 0,12 12-90,-9-15 180,10 16-180,-13-27 180,0 2-360,7-15-1169,-5-4 989,6-21 270,-8-8 180,0-24 0,0 10 0,0-17 0,0 22 207,0-8 242,14 10-269,6 9 0,13 3 90,-1 29-180,-3 9-90,-9 0 0,-2 17 180,-10-23-180,-1 29 90,-4-20-90,-1 15 0,-2-20 0,-20 10-90,-3-14-1169,-25 2 539,14-11-89,-2-2-1221,0-4 2030,11 0 0,-6-20 0,13-6 0</inkml:trace>
+  <inkml:trace contextRef="#ctx0" brushRef="#br0" timeOffset="-69204.46">26553 10522 9152,'-3'-3'1889,"0"0"-1619,2 22-181,0 7-89,1 11 90,0 2-90,0-8 90,13 4-90,-10 1 0,9 0 0,-12 0 0,8 14 90,-5-13-180,5 23 90,-8-29 0,0 29 0,0-36 90,0 11-1619,0-28 1349,0-45 180,0 17-270,0-38 91,0 9 89,0 10 90,0 4 0,0 0 0,0-6 0,5 7 0,2 1 0,4-5 0,12-17 0,-6 27 0,0-3-90,-2 15 180,2 1 0,1 5 359,11-1-269,-8 6 0,17 0-90,-18 6-90,15 15 90,-16-11 0,1 30-90,-6-17 90,-4 16 0,0-4 0,-4 0-90,-3 3 0,-2 0 90,-1 15-90,0-11 90,-20 23-90,-3-27 0,-2 10-45,-3-23 0,0-2-45,4 9 135,-9-6 0,-3-2-585,1 0-899,-21 3 539,25-13-1078,-16-3 1978,25-4 0,-5-1 0,14 0 0</inkml:trace>
+  <inkml:trace contextRef="#ctx0" brushRef="#br0" timeOffset="-68858.46">27272 10301 9152,'5'16'1169,"0"8"-809,-5 27-360,0-4 90,-9-9 0,-2 1-90,-5 13-710,5-18 0,0 0 710,-15 16 0,22-3 0,-23 0 0,24-3-360,-20-4-269,20-1-569,-16 6 388,17-13 810,-5 9 0,7-23 0,0 1 0</inkml:trace>
+  <inkml:trace contextRef="#ctx0" brushRef="#br0" timeOffset="-68552.46">27442 10749 8882,'-17'-3'450,"12"14"-360,-12 4-90,17 16 0,0 2 90,0-4-90,0 0 90,0-8 89,20 1 1,-16 0 0,16 2 0,-6-2 360,-11 12-360,22-10 0,-23 14-1,9-21-89,-28 8-90,12-16-90,-29 1-899,8-8-450,-17-1-270,1-16 1709,10-3 0,14-18 0,10 0 0</inkml:trace>
+  <inkml:trace contextRef="#ctx0" brushRef="#br0" timeOffset="-68170.46">27755 10849 10321,'-45'15'450,"0"1"-360,6 16-90,15-9 0,-6 2 0,27-6 0,-9-1-90,12-1 90,0 11-180,17-12 90,9 9-90,17-20 360,3 0-360,-5-24 270,-9-2 90,-14-18 450,-10 2-630,-8 3-90,-18 5 180,13 10-90,-24 9-270,26 25-540,-8 6-449,30 20-180,3-5 539,23-3 900,-11-15 0,2 0 0,-9-11 0</inkml:trace>
+  <inkml:trace contextRef="#ctx0" brushRef="#br0" timeOffset="-67976.46">28032 10844 9691,'-20'-9'630,"16"0"-450,-28 8-180,21-1 90,-3 22-180,5 0-180,26 24-180,-13-14 1,29 3-91,-29-12-585,26-7 1,5-1 1124,-10 9 0,7-13 0,1-1 0,-3 0 0</inkml:trace>
+  <inkml:trace contextRef="#ctx0" brushRef="#br0" timeOffset="-67576.46">28225 10466 9602,'0'-12'2158,"0"2"-1888,0 27-270,19-14 90,-15 42-90,19-18 0,0 0 90,-16 25-135,12-8 0,2-1 45,-8-2 0,-1-7 0,0 0 0,0 1 0,4 19 0,-14-31-180,6 3-1079,-7-20 1079,1-19 180,1 10 0,0-26 0,3 25 0,1-28 0,1 27 90,2-31 90,0 32 180,1-24-180,-3 25-91,6-7 1,-5 10-180,6 14 90,-8-10 0,1 32 90,-3-17-90,0 20-179,-1-7-361,1 13 90,-3-11-1529,2 13 1979,-3-25 0,0 1 0,-1-12 0</inkml:trace>
+  <inkml:trace contextRef="#ctx0" brushRef="#br0" timeOffset="-67388.46">28090 10012 10411,'-20'25'-90,"0"-3"-540,2 26-179,2-10-2277,1 5 1377,2 2 1709,0 5 0,2 2 0,0 1 0</inkml:trace>
+  <inkml:trace contextRef="#ctx0" brushRef="#br0" timeOffset="-66888.46">29205 10723 12030,'-14'14'270,"24"4"-270,10 20 0,4-6-90,11 4-540,-9 2 91,11-9-1290,-2 6 1020,-9-12 154,-1-4-424,-1-3-1,-3-2 1080,-2-5 0,-6-3 0,-1-1 0</inkml:trace>
+  <inkml:trace contextRef="#ctx0" brushRef="#br0" timeOffset="-66692.46">29378 10764 10501,'-9'-1'180,"-3"0"-180,8 0 90,-4 19-90,2-13 0,-1 31 0,0-19-270,-6 33-360,2-16-629,0 3 0,0 0 269,-1 1 990,-1 18 0,10-32 0,2-1 0</inkml:trace>
+  <inkml:trace contextRef="#ctx0" brushRef="#br0" timeOffset="-66343.46">29792 10820 10411,'4'-4'270,"-2"0"-270,0 16 90,-21 6-180,14 16 90,-25-6 0,27 7 90,-8-7-180,28-9 90,-13 4 180,27-18-270,-10 5 180,13-7-180,0-22 0,-4-2 0,-15-19 90,-5 10-90,-10 1-180,0 1 180,-21 8-899,0-3 269,-4 7-359,-7 6 1079,18 2 0,-4 6 0,8 2 0</inkml:trace>
+  <inkml:trace contextRef="#ctx0" brushRef="#br0" timeOffset="-65943.46">30155 10785 9871,'-28'-8'540,"12"19"-540,5 6 0,11 22 90,20-7-90,2 0-90,20-8 90,-3-11-90,-8-7 90,-3-6-90,-12 0 180,-1-16-90,-1-1 180,-6-19 0,-1 3 180,-7 4-450,0 1 270,-17 12-180,13 24-360,-12 8 0,36 26-1169,-15-12-990,34 5 2519,-21-13 0,4-5 0,-8-7 0</inkml:trace>
+  <inkml:trace contextRef="#ctx0" brushRef="#br0" timeOffset="-65752.46">30572 9921 12750,'-16'26'-2069,"12"21"450,-28-21-1221,27 26 2840,-35-4 0,19 2 0,0-23 0,0 0 0</inkml:trace>
+  <inkml:trace contextRef="#ctx0" brushRef="#br0" timeOffset="-62982.46">19358 12760 7892,'-13'-1'540,"-7"1"-450,7-1-90,-10 1-90,6 0 90,2 0 90,7 0-180,1 11 90,0-8 0,3 8 0,-1-11 0,4 8 0,-1 0 0,2 10 0,0-3 90,21 1-90,-16-2-90,32 7 90,-17-4 90,16 13 0,-15-11 540,8 12-450,-19-12 539,4 16-629,-7-17-180,-7 8 90,-18-16 0,-4 1 0,-1-6-809,-12-2-810,13-1 809,-14-2 810,16-14 0,6-1 0,14-14 0</inkml:trace>
+  <inkml:trace contextRef="#ctx0" brushRef="#br0" timeOffset="-62274.46">19737 12762 9242,'-45'-1'180,"1"17"-180,10-1 0,13 16 90,1-16-90,18 12 0,-6-15 90,8 13-90,0-7 0,24 6-90,2-7-180,24 6 0,-13-14 180,-1 0-180,-2-7 270,-8-2 0,10-20 0,-19 15 90,2-29 180,-13 16 0,-2-13-180,-4 2 0,-15 6-90,11 28 0,-12 10 0,16 27 0,20-11 0,-2 5-90,4-16-90,7-3 0,-25-2-180,26-14 90,-18 6 0,11-7 1,-1 0 89,-5-19 180,8-4 0,-11-12 0,1 3 269,-7-2 91,-5 12 0,0-8-360,-3 10 630,0 5-360,0 18-360,0 10 180,0 21-90,0-1 0,0 1 0,13-9-90,0-11 0,10-7 90,-6-23 0,-3 13 0,-1-27 0,-5 15 90,3-11-90,-6 11 0,2 7 0,-5 8 90,5 0-90,-4 0 0,7 0 0,-2 21-720,10 2-180,-3 14 900,15 4 0,-8-15 0,8 6 0</inkml:trace>
+  <inkml:trace contextRef="#ctx0" brushRef="#br0" timeOffset="-61810.46">20913 12808 8162,'-39'19'90,"3"11"-90,14-26 0,2 30 0,0-10 90,10 18 0,1-10-90,9 1 0,17-17-270,4 4-89,20-13 179,3-2 180,-8-23-180,6-8 180,-19-11 0,4-17 90,-9 18 180,-10-30-1,1 26-89,-9-13 630,0 3-360,0 13 269,-17-20-539,12 28-180,-13-4-90,4 18 180,11 4 270,-11 4-360,14 24 0,0 9 0,0 29 0,14-9-45,-13-12 0,2 0-405,24 6-269,-24 14-631,21-10 811,-13-12-721,12 11 1260,-12-23 0,-3-2 0,-8-9 0</inkml:trace>
+  <inkml:trace contextRef="#ctx0" brushRef="#br0" timeOffset="-61676.46">20865 12738 8162,'-6'-13'90,"0"1"-180,6-6 90,25 6-359,-19-2-91,41 8-180,-27 2-269,23 1 899,-7 3 0,4 0 0,0 0 0</inkml:trace>
+  <inkml:trace contextRef="#ctx0" brushRef="#br0" timeOffset="-61359.46">21560 12756 8252,'-35'0'360,"-1"0"-360,2 0 0,15 12 180,-7-9-90,23 24 0,-7-12-90,10 15-90,0-10 180,17-7-90,-12 1 0,31-8 0,-10 3 0,17-5 0,-7-4 450,5-18-270,-26-2-1,9-20-89,-23 12-180,5-9 90,-26 17 0,16-5-269,-32 10-901,11 1 361,-19 5-91,6 3 900,2 4 0,13 2 0,2 0 0</inkml:trace>
+  <inkml:trace contextRef="#ctx0" brushRef="#br0" timeOffset="-61176.46">21687 12298 8972,'-17'-5'-990,"1"22"451,-4 8-271,9 13 810,11-2 0,0-7 0,0 1 0</inkml:trace>
+  <inkml:trace contextRef="#ctx0" brushRef="#br0" timeOffset="-60638.46">22252 12586 8972,'-23'-8'630,"-14"6"-630,10-6 0,-19 8 179,2 0-269,8 15 180,17 4 0,9 19-180,10-7 0,17 2 90,-13-8 0,31 1-89,-30 0 89,32 8-180,-14-8 180,15 8 90,-17-15-630,0 4-90,-19-15 450,5 2-179,-25-8-1,-3-1 360,-16-1-180,17-19 270,-9 4-90,26-18 270,6 8-180,23 0-90,25 2 90,-8 6-966,5 3 966,-13 5 0,1-1-423,-1 1 513,-2-2-90,-3 2 90,-2-2 90,2-6-91,-9 5 91,0-12-180,-14 11 1016,-3-8-836,-4 10 192,0 0-282,-20 5-90,-4 4-90,-1 19 0,-4-13-450,26 29 91,-7-11-271,27 7-180,-13 0 810,30-9 0,-10 2 0,17 1 0</inkml:trace>
+  <inkml:trace contextRef="#ctx0" brushRef="#br0" timeOffset="-60359.46">22462 12359 7623,'37'-1'1079,"-2"-1"-809,0 19-180,-4-1-90,-4 13 90,-8-15-90,-3 4-90,-5-15 90,1 5-270,0-8-270,0 0-269,1 0-271,2 0 1080,0 0 0,1 0 0,1 0 0</inkml:trace>
+  <inkml:trace contextRef="#ctx0" brushRef="#br0" timeOffset="-59893.46">23045 12439 10591,'-1'-10'899,"1"2"-359,-3 3-180,3 3-360,20 1 90,7 18-270,26 0-180,-9 3-1152,0 7 792,-7-23-179,-2 27-1,3-19-1106,19 21 836,-14-16 1170,12 6 0,-18-11 0,-1-1 0</inkml:trace>
+  <inkml:trace contextRef="#ctx0" brushRef="#br0" timeOffset="-59726.46">23623 12439 8702,'-40'-4'270,"1"1"-270,11 3 0,-2 0-90,-11 20 90,9 5-945,3 6 1,2 4-282,2 8 1226,8-13 0,1-1 0,4 4 0,2 1 0</inkml:trace>
+  <inkml:trace contextRef="#ctx0" brushRef="#br0" timeOffset="-59360.46">24025 12502 9062,'-41'0'450,"3"17"-360,6-13-90,1 25 179,-10-10-269,13-3 180,-5 14-90,24-12 0,2 7-449,7-3 89,27-9 90,6-5 180,17-2-45,-8-11 0,-2-5 135,5-11 0,-4 4 0,-3-4 90,-8-13 0,4-9 0,-23 17-180,-4-14 90,-7 18 0,-24-5-90,-3 18-180,-3-3-719,-10 11 989,19-2 0,-3 18 0,9 3 0</inkml:trace>
+  <inkml:trace contextRef="#ctx0" brushRef="#br0" timeOffset="-59002.46">24455 12475 8882,'-44'0'450,"4"0"-360,20 15-90,-5-12 90,22 26-180,-8-15 90,32 12-90,5-13 0,1 0 0,17-11 0,-26 3 90,21-5 0,-13 0 0,-1 0 0,-4-16 0,3 12 540,-13-31-1,0 17-359,-11-14-180,0 9 0,-16 10 90,-1 5-180,-2 28-809,6 3 269,13 21-90,0-11-1596,19-2 2316,1-6 0,3-14 0,-7 2 0</inkml:trace>
+  <inkml:trace contextRef="#ctx0" brushRef="#br0" timeOffset="-58823.46">24680 12021 9781,'-26'0'0,"3"17"-90,5-13-629,-5 50-271,5-27 990,5 11 0,2 4 0,0 5 0,-1 17 0</inkml:trace>
+  <inkml:trace contextRef="#ctx0" brushRef="#br0" timeOffset="-58476.46">25272 12228 11670,'-16'-15'-90,"1"2"90,2 4 90,7 22-270,17 26-449,-7 3-246,13-12 1,-1-1 244,-12 7 0,27 1-766,-10 11 766,10-14-179,-11 7 809,2-18 0,-20-4 0,10-1 0</inkml:trace>
+  <inkml:trace contextRef="#ctx0" brushRef="#br0" timeOffset="-58343.46">25307 12563 8882,'0'-24'-720,"0"-4"361,17 7-91,-12-3 0,37 6-449,-20 0 899,23-2 0,-7 2 0,1-2 0</inkml:trace>
+  <inkml:trace contextRef="#ctx0" brushRef="#br0" timeOffset="-57959.46">25633 12126 8252,'-23'19'1529,"9"4"-1529,6 12 90,8-2-90,19-4 0,-15 2 180,15 2-270,5 3 90,0 18 0,4-14-180,-9-5 1,-1-2-91,3 2-90,1 8 270,9-20-90,-28-4-180,18-6-539,-15-5 719,6-4 180,-8-25 90,-1-3 180,-2-1-90,1-16-1,1 26 91,1-20 0,2 14 540,3-5-810,-1 14 270,7-7-270,-2 17 0,9-4-90,-7 25 180,5-15-180,4 33 90,-5-13-990,15 19 540,-13-9-629,17 1 180,-14-23 899,9 8 0,-11-18 0,-1 6 0</inkml:trace>
+  <inkml:trace contextRef="#ctx0" brushRef="#br0" timeOffset="-57420.46">26267 12468 9242,'-41'0'719,"4"0"-629,19 20-90,-3-16 0,19 31-90,-6-14-90,8 7 1,17 1-91,-13-10-270,29-2 180,-10 1 0,15-6 360,1-3 0,-7-5 0,-15-23 270,-7-2 270,-10-19-180,0 2 0,0 9-181,-14 10-179,10-1-90,-11 9 180,2-2 0,9 19-270,8 12-359,17 18 179,21-1 0,-9-13-90,13 7 181,-18-19 89,10 5 0,-3-7 90,-11-8 180,14-19-90,-20 14 270,5-42 89,-15 28 271,-3-13 0,-2-3-91,-1 4 271,-1-27-810,-1 33 0,0-7 180,0 17 0,0 1-180,0 43 0,0-12-180,15 31-90,-11-19-629,25 9 359,-11-6-450,18 14 541,-9-23-1170,12 7 1619,-19-20 0,6-1 0,-10-9 0</inkml:trace>
+  <inkml:trace contextRef="#ctx0" brushRef="#br0" timeOffset="-57159.46">26637 12394 9512,'45'0'-653,"3"0"1,-11 0 0,1 0 0</inkml:trace>
+  <inkml:trace contextRef="#ctx0" brushRef="#br0" timeOffset="-56922.46">25923 12418 10321,'-4'-28'1079,"0"1"-989,4 6 0,27 0-90,-3-1-1136,26 0 1136,-9 1 0,4 1-270,4 4-630,-15 8 1,0 2-180,18-2 1079,-13 3 0,-2 5 0,3 15 0,8 5 0</inkml:trace>
+  <inkml:trace contextRef="#ctx0" brushRef="#br0" timeOffset="-56776.46">26435 13111 9152,'18'9'-300,"7"-5"0,-11 0 0</inkml:trace>
+  <inkml:trace contextRef="#ctx0" brushRef="#br0" timeOffset="-56386.46">27653 12054 13199,'0'-8'0,"0"0"360,0 3-360,18 2 90,-1 18-90,16 13-90,-18 11-180,10 4-315,-14-5 1,0 0 134,13 9-225,-5-2 1,0-1-45,0-7-451,16 15 451,-14-30-721,14 3 1440,-16-18 0,5-3 0,-10-4 0</inkml:trace>
+  <inkml:trace contextRef="#ctx0" brushRef="#br0" timeOffset="-56226.46">28045 12349 9871,'-22'-11'900,"-17"2"-900,20-4 90,-19 7-180,10 22-450,11 6 90,7 17-899,10-6 180,21 5 269,8-10 900,12-8 0,-1-7 0,-11-13 0</inkml:trace>
+  <inkml:trace contextRef="#ctx0" brushRef="#br0" timeOffset="-55692.46">28212 12004 10501,'0'-16'90,"0"4"270,0 4-180,0 24-90,0 12 0,17 15-1,-12 5-179,9-18 1,3 0 179,0 18-46,-2-7 1,1 0-45,1 4-135,-1-9 1,-2-2-136,-5 0 0,9 7 0,-7-21 0,-8-5-1259,6-1 1439,-7-22 180,3 10 0,-3-33 360,6 18 90,-4-5-271,5 8 1,-4 2-180,2 5-90,0-5 180,1 8 0,1 0-180,2 0 90,6 0-90,-2 16 0,12 0 0,-11 4 0,18 14-180,-16-28-180,16 23 180,-19-27 0,9 5 270,-11-7-180,6-16 180,-8-2 90,-2-1 270,-2-10-180,-2 25 90,-1-23-270,-1 16 89,0-3 91,-1 6-270,0 8 90,1 0-180,1 0-359,4 18-91,-1 4-989,7 18 719,-5-18-269,3 13 1079,-2-31 0,-2 22 0,2-12 0</inkml:trace>
+  <inkml:trace contextRef="#ctx0" brushRef="#br0" timeOffset="-55525.46">28737 12120 9152,'37'19'-780,"-16"-15"1,-4 15-1</inkml:trace>
+  <inkml:trace contextRef="#ctx0" brushRef="#br0" timeOffset="-54926.46">29678 12354 10681,'7'-17'1799,"1"1"-1259,-7 0-1,3-2-269,-4 0 0,0-1-90,0-4-180,-17 6-90,-1-5 180,-3 13-180,-7-2-90,10 10 0,-15-1-180,16 20-89,-4 3 359,19 19 90,-4-2 0,23-7 0,5 4 90,-1-15-180,16 10 180,-14-14-90,1 3 90,5-5-180,-26-5 180,9 4-180,-12-8 180,-23 4-180,17-5-270,-53 2-270,37-4-719,-29 1-990,18-3-89,6 0 2428,7-17 0,9 13 0,11-13 0</inkml:trace>
+  <inkml:trace contextRef="#ctx0" brushRef="#br0" timeOffset="-54459.46">29945 12184 9512,'3'-14'0,"-2"-1"179,0-3 1,-1 3-180,0-3 270,0 9 90,0 2-90,0 22-180,0 9 0,0 25 0,0-8-90,14 16-90,-10-22-135,9-3 0,0-1-135,-10-2 90,19 15 90,-14-30-179,2 2 89,-1-11 270,-8-15 540,2-5-91,-3-16 181,0 4-630,0 1 270,0 6-270,0 24 0,16 5-90,-13 21 90,29-15-630,-20 11 360,5-13-3935,5 9 4205,-19-28 0,10 8 0,-13-19 0</inkml:trace>
+  <inkml:trace contextRef="#ctx0" brushRef="#br0" timeOffset="-53808.46">29958 12243 9242,'0'10'629,"0"0"-179,18 4-180,-13-3-90,29 11-180,-30-9 0,28 13 0,-18-10 0,4 5 0,1-8 90,-17-1-180,15 0 0,-6 0-90,4-3-270,5-1 180,-9-5-179,10-2 359,-9-15-360,7-3 450,-10 0 0,3-14 0,-9 27 0,1-29 540,-4 21-270,0-20-91,0 10 541,0 1-900,0 25-539,14 6 269,-11 20-720,24-4 361,-14-11 809,3 5 0,0-18 0,-6 7 0</inkml:trace>
+  <inkml:trace contextRef="#ctx0" brushRef="#br0" timeOffset="-53576.46">30387 12133 9422,'13'0'989,"-5"17"-899,-1-13 90,-4 28-270,3-28 90,-1 38 90,-1-25-270,1 33-90,-3-26-809,1 13 449,-2-16-2068,1 9 2698,-2-18 0,1 2 0,-1-11 0</inkml:trace>
+  <inkml:trace contextRef="#ctx0" brushRef="#br0" timeOffset="-53223.46">30647 11929 8522,'7'0'900,"1"0"-541,-2 0 1,3 13-180,-2-9-90,6 40 0,-7-25 180,2 40-270,-6-26 90,-2 22-90,0-21 0,0 18 0,0-25 0,0 12 0,-14-21 0,10 1 0,-21-7 0,22-6-1170,-19 1 631,9-6-181,-7 0-179,4-1-181,4 0 1080,1 0 0,0-15 0,1-2 0</inkml:trace>
+  <inkml:trace contextRef="#ctx0" brushRef="#br0" timeOffset="-52608.46">30427 11948 9871,'0'39'1170,"0"-5"-990,0-1-90,0-4-90,0 2 0,0 3 89,0 0-89,0 18 0,0-13 0,0 23 0,0-30-89,0 15-91,0-25-1529,0 5 1529,0-33 0,0-6 180,0-29 0,0 5-90,0-4 90,0 8 0,0 0 0,17 1 0,-12-1 0,28-9 0,-29 10 180,24-11 0,-11 23 0,5-2 269,6 13-179,-12 4 90,11 1-180,-12 3 0,10 18 0,-13 1 0,5 21-91,-9-12-89,0 20 0,-6-22-179,-17 21-361,11-24-1259,-31 13 809,5-16 990,-26 15 0,6-17 0,-1 6 0</inkml:trace>
+  <inkml:trace contextRef="#ctx0" brushRef="#br0" timeOffset="-51592.46">31173 12147 9332,'0'37'1169,"0"5"-899,0-11-180,0 18 90,0-20-270,0 22 90,0-24-90,0 9 90,11-21-90,-9 1-1619,9-10 1349,-11-18 180,0-4 270,6-22-180,-5 10 90,9-5 90,0-16 90,-1 18-180,6-22 360,-8 32 90,4-2-271,-6 16 1,1 1-90,-2 6 0,0 0-90,2 18 0,-3 3 0,3 2 90,-2 12-180,0-13 270,0 15-1349,-2-8 1259,-1-28-180,-1-9 90,0-24 360,0 6 269,0 4-449,13 10-180,1 23 0,10 8-90,-2 20 180,-7-19-90,1 15 0,-6-30-90,0 26-90,-1-28 180,5 20-180,-6-21 180,8 6 0,-9-8 0,7-18-90,-6 13 180,4-31 0,-4 31 90,0-34 90,-2 34 360,2-40-360,-4 39-270,3-30 269,-6 28-179,2-4 0,-2 7-90,2 21-90,2 5 0,2 21-269,1-10-811,5 11 361,-3-29-810,8 19 359,-5-20 1260,2 3 0,-4-2 0,-2-10 0</inkml:trace>
+  <inkml:trace contextRef="#ctx0" brushRef="#br0" timeOffset="-51409.46">31565 11980 8432,'19'17'-563,"9"0"1,-24 3 0,10-7 0</inkml:trace>
+  <inkml:trace contextRef="#ctx0" brushRef="#br0" timeOffset="-51193.46">31918 11982 10591,'0'48'0,"0"-10"90,0 1-360,0-8-180,0-1-89,0 1-91,0-3 0,0-1-809,0 6 1439,14-12 0,-11 5 0,10-12 0</inkml:trace>
+  <inkml:trace contextRef="#ctx0" brushRef="#br0" timeOffset="-51058.46">31740 12247 10141,'17'-17'-90,"-13"3"0,39 2-1079,-3 0 269,14 4 624,-14 2 1,0 1-1,9 1 1,16 0-1</inkml:trace>
+  <inkml:trace contextRef="#ctx0" brushRef="#br0" timeOffset="-50360.46">29783 13629 9422,'28'-15'-270,"-1"-1"-270,-6-22 360,-1 1 180,-6 4 180,2-20-90,-9 27 180,1-15 270,-5 14 809,-2 13-1259,-1 14-90,0 25 0,0 12 0,0 26-90,0-19-495,0-4 0,0 2-405,0 9 270,0 15 1,0-22-181,0-3 900,0-1 0,0-5 0,0-1 0</inkml:trace>
+  <inkml:trace contextRef="#ctx0" brushRef="#br0" timeOffset="-50193.46">29675 13985 9871,'51'-19'-270,"-14"-3"1,-1 0-1,15 3-1309,1-9 1,0-1 1353,-19 14 0,1 0-270,26-12 1,0 0 134,-25 12 0,-1-1 360,11-4 0,-2-1 0,13-6 0,-3 0 0</inkml:trace>
+  <inkml:trace contextRef="#ctx0" brushRef="#br0" timeOffset="-49924.46">30595 13415 8792,'0'-13'989,"0"2"-719,-17 2 90,13 2 0,-13 2 359,-1 3-269,2 1-450,-18 1 0,19 16 90,-9-12 0,21 25-180,-19-25 180,15 28-180,-12-7 90,13 8 0,-3 8-90,9-18 0,-2 8 90,2-18 90,0 2-180,20-9 90,-3-2-180,5-20-179,1-3-181,-21-19 0,9 2-719,-11 5-540,-17-1 1799,12 12 0,-12 1 0,17 6 0</inkml:trace>
+  <inkml:trace contextRef="#ctx0" brushRef="#br0" timeOffset="-49626.46">30678 13425 10771,'1'36'0,"0"-7"0,-1 0 0,0-7 0,0-1 0,0-2 0,0-1 90,0-1-180,0-5-90,0-19-630,0-10 361,0-27-271,0 8 0,0-5-989,0-1 1709,0 10 0,0-9 0,0 14 0</inkml:trace>
+  <inkml:trace contextRef="#ctx0" brushRef="#br0" timeOffset="-49086.46">30937 13336 8972,'6'0'630,"2"0"-451,-3 0-89,3 0 180,-2 0-180,-1 0-90,1 16 0,-2-12 90,0 28-180,2-7 180,-4 8-180,3 1 90,-3-10-90,-1-3 270,1 0-270,-1-1-1169,-1-5 1079,0-18 180,0-13 0,0-24 270,0-6-90,0 8 90,14-8 179,-10 22 721,23-8-1080,-16 21 89,9 17-268,-5 14 89,-5 19-180,-4 0-180,-3-1-90,-2-7 270,1-14 0,1-8 180,1-9 0,3 0 0,0-19 0,3 14 90,3-34 180,6 11 180,-1-8 179,9-6-179,-10 26 0,8-10-360,-11 23-90,4-7 0,-7 10 0,-2 0-90,1 14-899,2 11-91,-3 7-2518,3 22 3598,-7-20 0,2 13 0,-3-15 0</inkml:trace>
+  <inkml:trace contextRef="#ctx0" brushRef="#br0" timeOffset="-48943.46">31693 13518 11490,'19'0'-5576,"-5"0"5576,-3 0 0,-5 0 0,-2 0 0</inkml:trace>
+  <inkml:trace contextRef="#ctx0" brushRef="#br0" timeOffset="-5858.46">19243 10325 7892,'0'-8'900,"0"0"-810,0 2 180,0-1-90,0 2 0,0-2-90,0 3-1,10 1 631,-8 0-810,8 16 90,-28 6 90,14 9-180,-29 3 180,29-3-90,-18-5 0,-3 2 0,6 16 45,-10-4 0,-3 1-881,1 11 881,10-17 0,-2 1-90,-1 5 0,0 0 45,5-9 0,-1 2 45,-15 25 0,0 1-90,13-21 0,0 1 75,-3 7 0,-2 6 0,2-4-30,2-1 0,-1 3 0,1 2 0,-3 9 0,1 1 0,3-6-453,4-11 0,2-4 1,-1 5 474,-5 14 0,-1 8 1,-1 0-1,4-8 23,0 3 0,2-1-45,5-12 0,-1 4 0,0 0 0,2-5 0,-1 10 0,1 0 0,0 2 0,1 6 0,1-6 0,3-5 0,1-3 45,-2 13 0,2 2-90,3-2 0,2-3 45,0-15 0,0 0 30,-1 4 0,1 3 0,3-4-30,7-6 0,3-1-30,-6 3 0,0 3 0,2-4 120,3-6 0,2-1-315,3 21 1,1-2-316,7 4 315,-14-25 0,3-1-630,10-8 1,0-1-315,-8 8 1169,20 3 0,-18-18 0,-2-4 0</inkml:trace>
+</inkml:ink>
+</file>
+
+<file path=ppt/ink/ink6.xml><?xml version="1.0" encoding="utf-8"?>
+<inkml:ink xmlns:inkml="http://www.w3.org/2003/InkML">
+  <inkml:definitions>
+    <inkml:context xml:id="ctx0">
+      <inkml:inkSource xml:id="inkSrc0">
+        <inkml:traceFormat>
+          <inkml:channel name="X" type="integer" min="-2.14748E9" max="2.14748E9" units="cm"/>
+          <inkml:channel name="Y" type="integer" min="-2.14748E9" max="2.14748E9" units="cm"/>
+          <inkml:channel name="F" type="integer" max="32767" units="dev"/>
+        </inkml:traceFormat>
+        <inkml:channelProperties>
+          <inkml:channelProperty channel="X" name="resolution" value="1000" units="1/cm"/>
+          <inkml:channelProperty channel="Y" name="resolution" value="1000" units="1/cm"/>
+          <inkml:channelProperty channel="F" name="resolution" value="0" units="1/dev"/>
+        </inkml:channelProperties>
+      </inkml:inkSource>
+      <inkml:timestamp xml:id="ts0" timeString="2021-07-30T05:05:48.938"/>
+    </inkml:context>
+    <inkml:brush xml:id="br0">
+      <inkml:brushProperty name="width" value="0.09071" units="cm"/>
+      <inkml:brushProperty name="height" value="0.09071" units="cm"/>
+      <inkml:brushProperty name="color" value="#FF0000"/>
+    </inkml:brush>
+    <inkml:brush xml:id="br1">
+      <inkml:brushProperty name="width" value="0.12095" units="cm"/>
+      <inkml:brushProperty name="height" value="0.12095" units="cm"/>
+      <inkml:brushProperty name="color" value="#FF0000"/>
+    </inkml:brush>
+  </inkml:definitions>
+  <inkml:trace contextRef="#ctx0" brushRef="#br0">2928 1650 8342,'4'-17'1439,"-3"2"-989,8-3 90,-6 1-2437,4-1 2789,-3-2 258,1 1-434,-2-2 539,2 0-124,0-1-71,0 1-62,0 0-1105,-1 3 521,0 0-505,-2-3 387,-1 8-272,-1-2 427,-24 11 634,-13 18-1205,-15-10 235,24 14 0,-1 7-415,-18 6 1,0 3-24,17-4 0,0 2-62,-4 1 1,-5 1-1,7-3-817,-7 16 567,18-14 1,4 0-971,5 3 1335,7 17 358,37-23 1111,1 1 0,4-2 69,-2-13 1,2-2-114,24 14 0,-3 1 1219,2-4-1257,-12-5 1,-2 1 1016,1 4-1208,-15-7 1,-2 1 613,-4 1-1560,-4 5 66,-16-1-635,-6-6-820,-28 13-1303,21-14 316,-48 6 108,32-10-333,-25 0 320,14-6-154,3-1 1062,3-4 563,3-1 1529,3-18 0,11-4 1,3-18-1</inkml:trace>
+  <inkml:trace contextRef="#ctx0" brushRef="#br1" timeOffset="282">3082 2090 16520,'25'-4'-952,"2"-2"521,-1 4 769,1-2-441,-2-1-68,1-3-231,-1-1 81,13-13-723,-9 4 319,20-25-261,-21 15 454,-6 1 0,-2 0-448,0-5 796,0-27-35,-13 32 469,-3-14 532,-28 28 1987,1 2-417,-25 7-479,9 19-1151,5 5-412,15 10-748,8 0 134,11 9 390,0-9-2226,21 24 1019,-15-23 245,42 6 1751,-24-16-421,26-3 1,-8-4 0,2-2 0</inkml:trace>
+  <inkml:trace contextRef="#ctx0" brushRef="#br1" timeOffset="591">4140 1503 17869,'-28'-3'1583,"-15"0"-1521,19 2-216,-11 1-18,5 16-1196,6-12 1099,13 28-526,-5-6-568,15 9 864,-4 17-145,28-19 1613,2 23-505,3-23 1660,12 10-609,-15-3 244,1-11 820,8 14-1193,-23-21-398,5 8-1147,-9-15 225,-7 1-1608,0-5-279,-17-3-653,12 0-2152,-30-1 4282,14-2 1,0-2 0,4-2 0</inkml:trace>
+  <inkml:trace contextRef="#ctx0" brushRef="#br1" timeOffset="908">4675 1510 17419,'-40'15'-2504,"4"-12"2876,15 21-3129,-2-21 3523,21 17-703,-8-8-1368,30 5 3378,-15 0-1688,36-3 816,-10 6 211,10-5 971,12 11-1305,-24-12 376,-2 2 1621,-4-5-3286,-19-3 377,9 1 451,-13 4-2009,0-2 410,-20 12-1717,-9-7-515,-11 10-17,-11-10 2885,30 0 0,-22-10 0,20-2 0</inkml:trace>
+  <inkml:trace contextRef="#ctx0" brushRef="#br1" timeOffset="1113">5185 1590 16700,'0'30'-886,"0"-6"531,0 0 178,0-5 70,0 7 36,0-5-879,0 12 940,0-15 1,0 4-1,0-8 1</inkml:trace>
+  <inkml:trace contextRef="#ctx0" brushRef="#br1" timeOffset="1285">5178 1176 16250,'0'0'0</inkml:trace>
+  <inkml:trace contextRef="#ctx0" brushRef="#br1" timeOffset="1608">5697 1502 17689,'-16'12'-4629,"12"2"4241,-11 2-1320,1 13 1289,10-6 962,-10 9-758,14-8 869,0 1-921,0-2 1271,0 8-490,22-10 2387,4 10-651,1-17-760,17 1 131,-26-11-1099,22-2-165,-11-2-181,-1 0 180,-2-17-2888,-2 13 1014,-1-30-960,-11 9 632,-1-21 497,-11 8 812,0 0-179,-23 13 1507,17 1-193,-36 1-215,37 3 1,-34 2 0,14 1 0</inkml:trace>
+  <inkml:trace contextRef="#ctx0" brushRef="#br1" timeOffset="1857">6105 1489 16430,'0'8'-1065,"0"-1"710,0 0 177,0 4 72,0-1 35,0 4 20,13 1 1440,-9-2-1161,22 5 1175,-23-6-1503,20 0 971,-20-6-683,16-2 1,-11-2-1,6-2 1</inkml:trace>
+  <inkml:trace contextRef="#ctx0" brushRef="#br1" timeOffset="1965">6303 1431 17059,'10'0'360,"-3"0"-360,1 0 0,2 0 0,1 15 572,10 7-336,-5 9 1,9 1-1,-6-7 1</inkml:trace>
+  <inkml:trace contextRef="#ctx0" brushRef="#br1" timeOffset="6391">7088 1630 22200,'9'0'809,"0"0"-539,1-8 289,3 6 188,1-13-744,13 5 696,-4-3-415,10-1 395,-7 2 1,1 2-51,13-6-219,-7 5-1544,23-8 711,-21 9 372,10-2 1,-15 6 0,-1 0-1</inkml:trace>
+  <inkml:trace contextRef="#ctx0" brushRef="#br1" timeOffset="10861">8922 709 22920,'0'29'-5936,"0"-4"3807,0 1 1065,0 1 425,12 6-755,-9 6 1221,3-6 1,1 1-405,6 21-347,-13-6 1,3-1 826,19 8-109,-20-21 0,-2 1 82,14 22-343,-9-18 512,4 16-189,-3-31-454,-2 6 368,-1-19-827,4-3 1069,-3-7 632,11-23 991,-3-6-640,17-28 250,-7 11 117,12-3 156,-6 14 401,5 0-84,0 3-790,19-5-229,-14 12 92,-7 10 1,0 2 659,1 3-42,15 3-696,-25 20-1547,1-11 576,-11 31-1947,-4-29 719,-3 40-883,-3-25-132,-1 23 368,-1-11 239,-20 12 2182,15-13-1397,-30 16 2740,15-24-976,1 2 395,-13-14 723,28-4-2344,-25-4 888,12-3 0,0-1 1,5 0-1</inkml:trace>
+  <inkml:trace contextRef="#ctx0" brushRef="#br1" timeOffset="11065">9858 1092 22110,'0'40'-6386,"0"-3"4348,0-8 884,0-3 425,0 3 34,0-4-599,0 9 1237,0-12 0,0 4 0,0-13 0</inkml:trace>
+  <inkml:trace contextRef="#ctx0" brushRef="#br1" timeOffset="11241">9888 699 22110,'-10'-4'-4850,"7"18"4218,-7 6 1,10 12 0,0-1-1</inkml:trace>
+  <inkml:trace contextRef="#ctx0" brushRef="#br1" timeOffset="11545">10335 1394 22380,'5'3'-4302,"0"-1"3889,2-1 1161,0-1 135,0-20-1617,6-2 614,-6-21-609,5 2-262,-9 10 958,-1-5-626,-2 15-306,0-1-451,-13 13 1110,10 18-64,-11 12 1133,14 20-1458,0-7 207,18 2-649,-13-10 352,26-4 526,-28-1 248,36-2 0,-22-1 1,22 1-1</inkml:trace>
+  <inkml:trace contextRef="#ctx0" brushRef="#br1" timeOffset="11880">10817 1169 23279,'0'39'-6025,"0"3"3896,0-13 1065,0 0 425,0-9 124,14-1 16,-10 1-62,11-4-1509,-9-2 1296,1-8 915,4-20 997,-1 9 1182,4-45-1806,-3 27-76,1-9 1,1-1 622,2-1-226,7-7 900,-9 19-861,0 3-877,-2 10-568,4 3 2370,-6 6-910,9 0 4,-11 20-2562,11 6-54,-10 12-510,4-2-595,-6-8 2329,0-1 0,-3 0 1,0-3-1</inkml:trace>
+  <inkml:trace contextRef="#ctx0" brushRef="#br1" timeOffset="12107">10142 944 22110,'0'-12'-6206,"0"1"4078,0 2 1064,0 2 425,22-3 3168,1 5-1050,26 0-1036,-13 4-1129,1 1 923,-8 0 1,0 19-1,2 5 1</inkml:trace>
+  <inkml:trace contextRef="#ctx0" brushRef="#br1" timeOffset="12308">10902 582 23009,'0'46'-6745,"0"-6"3987,0 3 794,0-5 1804,0 5 1,0 3-1,0 1 1</inkml:trace>
+  <inkml:trace contextRef="#ctx0" brushRef="#br1" timeOffset="12557">11952 803 24449,'0'-7'-6476,"0"0"4348,-15 5 3776,11 20-2154,-11 14 552,15 10-846,0-6 0,0 0-513,0 11-283,-1-3 0,2-1 1530,11 8 0,-9 15 0,9-22 0</inkml:trace>
+  <inkml:trace contextRef="#ctx0" brushRef="#br1" timeOffset="12708">11715 1166 22200,'0'-18'-6476,"0"1"4078,0-1 524,21-5 2872,9 5-431,14-4 1,0 10 0,-8 1-1</inkml:trace>
+  <inkml:trace contextRef="#ctx0" brushRef="#br1" timeOffset="13048">12430 1109 23009,'-22'6'2828,"-12"-1"-2422,30 5-2546,-33 5 3337,12-5-534,-14 12-387,16-9-28,0 5-352,21-5-1738,-7 0 1055,9 1-492,0 7-1405,0-5-326,23 9 681,7-14 939,13 0 572,-2-9 1881,-10-2-659,0 0 1193,-2 0-1,-1-19 308,-5 15 253,1-29-1360,-13 16-527,0-15-1138,-11 2-639,-21 12 27,16-3-587,-33 18 1549,19-12 475,-14 13 0,16 10 1,5 10-1</inkml:trace>
+  <inkml:trace contextRef="#ctx0" brushRef="#br1" timeOffset="13777">12937 1103 23549,'-43'0'1169,"6"0"-1169,1 16 1363,10-12-1337,12 27-1590,6-15 646,8 11-789,0-5 21,0-5-270,0-1-1,0 1-680,23-2 732,-18 0-77,34-4 1662,-35-2-595,29-4 2007,-29-1-1339,32-2 1758,-16-1 145,14-14 592,-11 9 618,-5-9-1733,-9-2 905,-1 11-609,-3-22-762,-2 15-1079,-1-8-817,11 26-529,-10 5-590,21 8 508,-21 11-115,20-19 56,-12 18 55,10-10 1247,-5-6 77,5-6 575,-12-8 2005,5 0-703,-8 0 711,0-16-1181,3-4 748,-6-17-1224,7 1 78,-8 15-637,2-4-523,-3 16-731,1-3 264,2 5 1582,1 7 311,6 14-1156,-2 0-419,7 15 1,-3-14 592,1 8-391,-1-20 1430,-1 17-2324,1-18 1182,2 11 798,-2-12 1217,2 3-148,5-4 80,-6 0 404,9-16-1364,-11-3 843,1-1-1670,-6-9 652,-1 25 232,0-22-1284,-1 24 1185,-1-15-1738,-1 15 1461,-1-4-811,3 21-1390,0-11 1709,4 26-3072,6-6 1578,-3 7-2283,5 4 3713,-4-11 0,0-2 0,0-1 0</inkml:trace>
+  <inkml:trace contextRef="#ctx0" brushRef="#br1" timeOffset="13991">12992 801 23729,'-6'-5'-5370,"2"1"1919,23 2 5146,13 1-1875,12 16 128,6-12 1,-8 28-1,2-12 1</inkml:trace>
+  <inkml:trace contextRef="#ctx0" brushRef="#br1" timeOffset="14359">14328 1017 23729,'-9'-12'-6374,"1"2"4515,2 3 1115,0 3 1007,0 1 260,-1 1 238,1 25-1269,-4 24-1059,7 3 1466,0-9 0,1-2-113,2 2-385,6-8 1,5-1-1075,11 2 64,0 3 1484,20-19 0,-22-9 1,22-5-1</inkml:trace>
+  <inkml:trace contextRef="#ctx0" brushRef="#br1" timeOffset="14691">14693 1134 24359,'0'28'-6476,"0"3"4078,19-5 358,1-3 1300,21-11 1602,-10-6 77,0-6 67,-10 0-1095,0-21 1661,-2 16 643,-1-34-1138,1 15 440,-7-9-1691,0 12 156,-9-3-855,-1 12-128,-2-9-572,0 51-1092,14-1 587,5 28-2494,20-10 4442,-8-22 1,4 5 0,-8-13-1</inkml:trace>
+  <inkml:trace contextRef="#ctx0" brushRef="#br1" timeOffset="14879">15502 1084 24179,'-35'0'1079,"15"14"-425,6 2-1495,14 18-2090,0-8 858,0 4 399,0-8 126,24 0-1100,-18 0-448,45-2 2828,-28-2 1,25-2 0,-11-2-1</inkml:trace>
+  <inkml:trace contextRef="#ctx0" brushRef="#br1" timeOffset="15042">15385 1772 20671,'0'0'0</inkml:trace>
+  <inkml:trace contextRef="#ctx0" brushRef="#br1" timeOffset="16741">7185 2054 21750,'10'8'-5129,"-8"1"1344,23 0 4848,-11 2-1499,16 0 932,-2 2-307,19 8-38,-7-3-690,-3-2 0,1 1-314,9 5 1082,-14-6 1,-1 0 0,15 10 0,1 2-1</inkml:trace>
+  <inkml:trace contextRef="#ctx0" brushRef="#br1" timeOffset="17724">8930 2952 21570,'13'-42'-3883,"9"-18"2927,6 19 1017,-6 0 1,-1-2-96,5-12-4,-4 7 1,-2 0 120,2-11-205,-9 22 1,-1 0-685,-2-14 798,-1 4-60,-6 2-427,-1-9-241,-2 18-199,-18-12-636,14 31 404,-27 0 1171,16 28 1400,-1 16-720,5 10-146,11 10-709,0-6 216,0-7 0,0 2 651,0 20-521,7-7 0,5 0-1254,15 12-178,-16-22 1,3-2 513,10-10 0,0-1 249,-4 22-195,23-4 502,-20-17 1,0-1-123,14 8 134,-5-11 1,0-4 995,6-4 319,24-2 303,-29-10-50,8-2 833,-10-19-74,-10-2-8,2-18-920,-13 18-439,-4-11-1437,-3 16-249,-3-11-475,0 28-162,0 9-511,17 25-137,0 0 511,20-1 994,-10-15 351,1 3-19,-5-21 1307,-1 6-800,12-8 383,-8 0 0,8-15 1,-11-5-1</inkml:trace>
+  <inkml:trace contextRef="#ctx0" brushRef="#br1" timeOffset="18042">10037 2732 22110,'0'35'-6386,"14"3"2397,-11-6 3062,26 0 618,-25-11-312,28-3 1244,-6-2-267,8-1-1313,13-7 1961,-17-2 534,19-26 868,-21 14-441,7-35-267,-15 24-593,-3-18-531,-3 6 179,-4-12-1259,-4 8 347,-3-15-1978,-3 24 193,0-3 578,-14 13-123,10 28 1102,5 23-507,2 7 226,32 10-295,-31-22-188,36-1 581,-21-2 641,18-5 0,-6-3 0,-1-3 0</inkml:trace>
+  <inkml:trace contextRef="#ctx0" brushRef="#br1" timeOffset="18899">10527 2817 22380,'19'28'-7376,"3"-3"5370,22-3 2577,-11-10 105,2-5 187,-11-7 278,10 0-352,-11 0-789,5 0 1867,-13 0-182,-3-19-1264,-4 14 739,0-41-2040,-5 29 66,0-37-405,-3 27 73,0-20-451,-15 24-245,11-5 364,-12 10-654,16 8 1707,-9 1 218,6 24 505,11 2-1264,11 20-321,20-1-19,0-3 1482,-6-13 0,0 1 0,-12-10 0</inkml:trace>
+  <inkml:trace contextRef="#ctx0" brushRef="#br1" timeOffset="19241">9817 2620 22650,'0'-21'-6476,"0"1"4438,0-2 973,24-5 2637,3 8 73,23-6-82,-24 16-220,25 2-1793,-35 27-1151,16 14 1497,-23 15 0,-9 8 0,0-8 0</inkml:trace>
+  <inkml:trace contextRef="#ctx0" brushRef="#br1" timeOffset="19958">12065 2262 24808,'-17'13'1067,"4"11"-2908,13 14-1001,0 6 1083,0-5 496,0 5 246,15 2-1027,-11 3-690,10-2 637,-7-13 0,0 0 1734,4 13 1,5 14-1,-8-24 1</inkml:trace>
+  <inkml:trace contextRef="#ctx0" brushRef="#br1" timeOffset="20243">12225 2522 21300,'27'15'-3735,"-1"-12"4291,-2 27-3186,4-9 1815,-7-2 533,10 25-323,-17-37 1702,4 26-3208,-13-31 2445,0 5-1972,-3-7 3272,0-19-1732,0-9-196,1-10-355,3-17-409,-1 20 1290,7-22 1,-5 27 0,3-7 0</inkml:trace>
+  <inkml:trace contextRef="#ctx0" brushRef="#br1" timeOffset="20593">12843 2722 22020,'6'12'-9087,"0"-1"6727,-2-3 984,1-2 1145,0-2 742,-1-2 117,0-1 700,5-1-1418,-1 0 2362,3 0-251,-1 0 98,0 0-373,2-17-905,7 0 252,-4-3-1175,8-17-352,-10 21 614,2-25-827,-7 23-129,-1 2-55,-5 4 126,0 11 525,-2 14-1022,18 7 188,-13 23-1053,28-1 423,-10-7 1515,21 4 0,-5-20 1,1 1-1</inkml:trace>
+  <inkml:trace contextRef="#ctx0" brushRef="#br1" timeOffset="20857">13067 2302 22200,'0'32'-8185,"0"4"7653,0 0 0,0-7 0,0-2 0</inkml:trace>
+  <inkml:trace contextRef="#ctx0" brushRef="#br1" timeOffset="21042">13135 2055 22020,'10'-3'3577,"0"-1"-3015,2 4-1440,0 0 442,4 15-1868,0-12 1395,19 24-1548,-6-10 2229,15-1 0,-8 11 1,2-13-1</inkml:trace>
+  <inkml:trace contextRef="#ctx0" brushRef="#br1" timeOffset="21492">14390 2254 24898,'-8'12'-2005,"0"-8"3794,3 8-6301,1-5 3908,2 2 1,20 3 0,4-1 0</inkml:trace>
+  <inkml:trace contextRef="#ctx0" brushRef="#br1" timeOffset="21625">14595 2824 22740,'0'0'0</inkml:trace>
+  <inkml:trace contextRef="#ctx0" brushRef="#br1" timeOffset="22207">15345 2374 24539,'-26'-5'-1347,"-18"0"1245,26 2-190,-33 1 504,24 2-32,-16 0 102,20 17 97,4-1-296,10 22-953,31-12-604,-16 5 764,22-15 1,5-2-28,-10 12 78,11-6 0,1-1-292,-3 1-402,-3 5-113,-1-13 1918,-24-1-1022,19-4 1864,-22 1-2552,6-4 1274,-7 0-931,-18-3 2097,14-12-2131,5 8 950,31-22 2496,11 21-1878,4-20 1751,-7 21-1298,-4-20 787,3 13-1523,-4-13 2267,14 0-1322,-15 5-821,14-15-308,-26 15-492,2-17-172,-16 17-528,-2-8-420,-6 10-317,0 1-235,-22 1 468,1 0 217,-5 5 313,-3 1 953,14 5 588,0 22 386,3 2-201,31 21-1888,1-10-388,3-2-11,13-8 304,-31-2 1088,35-1 1,-26-3-1,17-3 1</inkml:trace>
+  <inkml:trace contextRef="#ctx0" brushRef="#br1" timeOffset="22524">15973 2387 22920,'-14'-3'-1528,"2"16"1777,29-13 44,-13 25-3132,29-4 2077,-29 4-736,23 4 661,-24-7-903,16-1 518,-17 1-162,7 4-539,-4-8 1879,-4 4-506,5-32 1674,-6-10-1011,0-14 121,0-5-294,0 5 170,0-5 252,15-21 143,-11 15-963,10 8 0,2 2-597,1-2 1350,1-5 1,10 21 0,-10 4 0</inkml:trace>
+  <inkml:trace contextRef="#ctx0" brushRef="#br1" timeOffset="22792">16507 2261 23909,'-15'-12'-5393,"11"20"5117,-11 17 557,15 10-1703,17 3-570,-13-7 1201,12 0-242,3 3-1028,3 9 765,2-12-298,9 6-659,-11-11 1433,7-10 1196,1 1 0,-11-13 0,0-2 0</inkml:trace>
+  <inkml:trace contextRef="#ctx0" brushRef="#br1" timeOffset="22991">16758 2384 22290,'34'12'-2867,"3"-8"3362,-7 20-2642,2-21 2747,-7 9-1173,3-3 191,2-7 604,1 8-975,1-10 1268,-1 0-804,-2 0 1192,7-16-778,-12 12 0,2-25 0,-14 12 1</inkml:trace>
+  <inkml:trace contextRef="#ctx0" brushRef="#br1" timeOffset="23142">17203 2260 22560,'-20'-17'-4584,"14"2"263,-14 4 4907,5 2-303,1 6 606,-4 18 319,8 8-1126,10 11-1679,0-2 1214,20-8 912,-15 0-1778,34-2 847,-35-2-2375,49-1 1061,-34 1 1714,28-10 0,-23 3 0,0-7 0</inkml:trace>
+  <inkml:trace contextRef="#ctx0" brushRef="#br1" timeOffset="23463">17457 2253 22740,'19'19'-6142,"12"-14"7393,-27 30-3544,25-31 3454,-26 28-2509,25-17 1366,-11 25-1364,6-16-234,-3 8 1172,-7-13-1078,-3-2 1639,0-3-978,-2 0 692,-3-8-680,0 0 1392,-3-23-417,1 12 1577,2-34-1148,0 20 315,7-40-252,-2 19-241,0 2 0,0 0 458,5-7-895,-2 8 1,1 2-236,3-1-1873,13-13 2443,-13 30 1,6 0 0,-8 14 0</inkml:trace>
+  <inkml:trace contextRef="#ctx0" brushRef="#br1" timeOffset="24431">7207 2381 21840,'16'16'-5842,"12"10"4002,-25 9 239,27 5 685,-16-7-373,17 5 999,-4 6-178,4 4-1485,4 8 1713,-17-27 1,0 2 13,2 1 0,-1 2 103,1 0 0,0 1-5,1 4 1,0 0 216,-1-2 0,2 4-219,-1-2 0,1 4 1,-1-2 91,2 5 1,2 3-33,2 4 0,2 6 0,-2-5-26,-2-4 1,-2-1-149,-3-6 1,1 2 0,-2-3-174,2 5 0,-2-3 382,0 1 0,-1 1 0,-1-1 0,0 0 0,0 0 0,-1 1 0</inkml:trace>
+  <inkml:trace contextRef="#ctx0" brushRef="#br1" timeOffset="26495">9157 4099 22020,'0'35'-5936,"0"-5"3808,0 0 1063,0 0 517,0 5 122,0 6 122,0 3 76,0 2-1368,16 0 923,-12-2 493,12-3-554,1 10 101,-2-16 22,12 12 147,-15-27 102,-4 2-452,-3-18 1529,0 1-428,4-30 952,6-30-89,-6-2-579,1 10 1,-1 1 296,0-2-545,-1 10 0,0 3 730,-1 0-760,3-3-8,-3 22-126,-1 7 474,2 2 727,5 6-48,-2-2 569,10 21-2029,-9 8-767,6 9-143,-7 2-381,0-9-402,-2 2-391,0-1-44,-2-2-419,1-3 2026,-1 2 705,-2-8 37,2 1-56,-5-13 1,8-43 1123,-4 10-699,2-11 0,2-3 626,2 1-527,-1 7 1,0 1 677,4-3 49,4-5 278,0 16 603,-5 13-921,10 1 755,-11 10-835,11 20-1483,-7-15 676,3 41-1764,-4-25 399,-1 25-919,1-8-630,0 1-874,1 1 550,1-3 2777,15 11 1,-6-17-1,11 6 1</inkml:trace>
+  <inkml:trace contextRef="#ctx0" brushRef="#br1" timeOffset="26873">10367 4234 23189,'-23'-10'-2993,"-16"1"2843,19 4-118,-19 2 746,8 16 1031,3 5-892,8 19-1106,9 4-594,5-5 690,6 10-694,19-20-229,-15 6-422,29-10-112,-14-7 233,14-3 1649,-1-9 861,-1-26 688,-7-15-298,-5-4 465,-7-12-1068,-6 26-777,-5-1-212,-1 29-617,0 15-931,0 26-763,20-4 218,-15 2 394,29-11 1903,-30-2 0,29-1 0,-10-3 0</inkml:trace>
+  <inkml:trace contextRef="#ctx0" brushRef="#br1" timeOffset="27246">10717 4327 21840,'-17'21'-327,"4"3"-735,13 22-1559,0-11 1049,0 1 524,17-11-19,-12-1 186,13-3-726,-5-2 101,-10-4 76,20-1 1809,-16-7-261,3-16 1414,2-28-642,-8 1-574,2 3 1,0 0 257,2-1 5,3-23 234,-2 28-651,3-11 299,0 28-644,-1-2 1090,5 14 326,-4 0 69,12 14-1180,-10 12-999,6 7-161,-6 5-234,2-8-693,0 0-69,3 0-379,1 0-242,2-5 2652,17 5 0,-9-17 0,14 2 0</inkml:trace>
+  <inkml:trace contextRef="#ctx0" brushRef="#br1" timeOffset="27661">11480 4284 23099,'-36'-5'-995,"16"21"1982,4 7-1911,16 21-1300,0-5 592,0-8 620,18-13 340,-13 1-1383,29-17 2210,-12 8-1140,18-10 1628,-4-15 1818,-4-8-148,-10-20-921,-10 7-118,-6-11-481,-6 21-2430,0-10 870,0 17-740,-16 5-620,13 24 1037,3 38 118,4 0 426,13-12 0,0 1-330,-13 12 707,32 2-110,-31 0-39,19-16 0,2-1 51,-8 16-510,2-12 1,1-2 451,1 1 288,-6 12-130,-5-30-621,-5 4-162,-6-17 777,0 0-1334,-20-5 1960,-9 0 0,-13-17 1,0-3-1</inkml:trace>
+  <inkml:trace contextRef="#ctx0" brushRef="#br1" timeOffset="27879">10838 3603 22110,'34'-23'1308,"-1"4"-616,-2 5 98,-5 4-80,-5 5-720,-4 2-257,-9 18-2852,-1 12 2891,-7 10 1,-27 10 0,-8-8-1</inkml:trace>
+  <inkml:trace contextRef="#ctx0" brushRef="#br1" timeOffset="28958">7082 2785 21750,'13'18'-6705,"5"15"3538,-16-4 2569,19 33-713,-11-21 982,4 1 1,1 2-250,5 14 387,-8-17 0,2 1-838,4 7 0,-1 0 843,-3-11 0,0 2 218,3 7 0,1 4 1,0-3-312,-1-2 0,0 0 300,5 17 0,1-1-103,-5-15 0,0-3 99,0 4 1,-1 1-96,2 1 1,0 0 99,-1 2 1,1 1-11,0 2 1,0 1 41,0-1 1,1 4-57,-2-4 1,0 4 0,-1-2 60,-3-13 0,0-1 0,0 3-29,3 7 1,0 5-1,1-1 1,-3-4 12,-1-9 0,-1-3 1,0 1-20,4 11 0,1 1 0,0-4 26,1 2 1,0-3-124,2-3 0,-1 0-95,1-3 1,0 0-25,0-3 0,1-1-155,-1-2 1,0-1-195,1-1 0,1-1 590,-2-2 0,1-1 0,0-2 0,1 0 0,-1-1 0,0-1 0</inkml:trace>
+  <inkml:trace contextRef="#ctx0" brushRef="#br1" timeOffset="31431">8923 5945 22110,'-7'-1'-1120,"1"-2"-191,6-1-1206,30-1 4144,-7-3-952,14 0 0,4-1 55,15-8-1360,0-2 1,1 0 730,-19 5 0,-1 0 0,15-6 1,-2 0-1,-13 6 0,-1-1 1</inkml:trace>
+  <inkml:trace contextRef="#ctx0" brushRef="#br1" timeOffset="31945">8948 5619 22920,'-1'27'-5755,"16"-12"3716,-11 16 420,26-13 1930,-27 19-1089,28-3 387,-27 5-68,30 7-1353,-20 2 1277,16 6 116,-15-11 1,-2 1-158,-1-9 0,-1 2 445,3 28 0,-2 0 1,-4-24-1,-2-1 0,1 12 1,0 1-1</inkml:trace>
+  <inkml:trace contextRef="#ctx0" brushRef="#br1" timeOffset="32291">10063 5470 24808,'0'-4'-6655,"-18"1"7874,2 2-30,-18 0-523,20 24-673,-24 13 478,22 13-694,-1-20 1,-2 0-272,-2 22 1358,2 5-1490,2 6 4,9-30 0,0 1-66,3 1 0,1 1-521,-2 14 1,2 0-10,2-12 0,1 0 230,0 9 0,-1-1 715,2 9 1,0-6 0,0-5 0</inkml:trace>
+  <inkml:trace contextRef="#ctx0" brushRef="#br1" timeOffset="32657">10452 5791 24359,'0'-6'-6206,"-17"0"6511,-9 2 835,-17 18 842,-4 8-603,0 20-1218,13-7-64,5 4-330,20-1 684,2-6-962,7 20-940,26-22-942,9 17-89,15-24 2056,-6-7 0,1-3-64,5-5 561,-2-2 0,-2-3 928,-5-3 196,16-15 813,-31 12-216,2-23-396,-21 13-2349,-1-10-91,-6 1-1991,-20-1 2731,-4 3 0,0 3 0,5 4 0</inkml:trace>
+  <inkml:trace contextRef="#ctx0" brushRef="#br1" timeOffset="33013">10527 5962 22380,'-10'16'-1505,"19"7"-3701,-5 12 3570,13 3-132,0-3 854,-12 3 576,27 6 84,-28 1-664,10-11 0,1 1-760,0 17 1799,-2-9 0,0 0-446,1 4 552,-9-4 1,-2 1 295,-3-4-280,-11-4 0,0-2 697,6-6-428,-37 12 931,16-23-18,-11 0-32,3-12-850,10-3 1,12-2-1,2 0 1</inkml:trace>
+  <inkml:trace contextRef="#ctx0" brushRef="#br1" timeOffset="33257">11113 5867 24269,'0'12'-6296,"0"7"4078,0 25 1153,0-6-113,0 1 33,0-10-149,0-2-193,18-3 1065,-13-2 1,25-4 0,-14-2-1</inkml:trace>
+  <inkml:trace contextRef="#ctx0" brushRef="#br1" timeOffset="33413">11102 5559 23189,'-11'-9'-1098,"9"18"0,-9 10 0,11 17 1</inkml:trace>
+  <inkml:trace contextRef="#ctx0" brushRef="#br1" timeOffset="33824">11718 5916 23549,'-19'5'3146,"14"1"-4200,-35 4 1864,12 0 59,-18 11-385,11-6-79,15 5-840,0-4 591,17 1-1908,-13 0 2028,14 1-2320,-2-1 230,4 1-785,22 5 135,-16-9-275,36 5 1308,-13-14 2274,19-1-921,-9-21 2223,-4 13-801,-14-32-210,2 12 898,-6-10 38,-4-3-2260,-8 13-587,-5 1-643,0 27-843,0 12 421,19 28 128,-14-9-238,28 2 578,-29-15-769,26 0 1480,-9-2-287,18-9 1551,-9-2-251,-2-9 0,-10 0 0,-2 0 0</inkml:trace>
+  <inkml:trace contextRef="#ctx0" brushRef="#br1" timeOffset="34124">12085 5995 23009,'0'6'-5935,"0"6"3806,16 20 4,-13-4 1379,13-7 422,-8-10-56,-2-19 1481,7-15-1671,-6 3 1197,-1-19-391,0 23 1001,4-25-482,-1 26 974,7-11-324,-6 23-530,3-5 1,-4 8 94,3 15-1437,0-11 817,10 45-1492,-4-28-150,-2 11 1,1 3-1810,6 2 2525,10 13 0,-8-16 1,2 1-1</inkml:trace>
+  <inkml:trace contextRef="#ctx0" brushRef="#br1" timeOffset="34442">13282 5451 26068,'-16'0'60,"6"14"-1003,6 9-1170,4 9 248,20 20-333,-3-14 656,6 13-35,6-13-965,-26-1-151,30-2-578,-16 13 1156,3-14 1949,2 8 0,-19-18 1,6-1-1</inkml:trace>
+  <inkml:trace contextRef="#ctx0" brushRef="#br1" timeOffset="34581">13142 5889 23639,'-6'-23'-8398,"4"1"6503,-4 3 112,6-2 1536,21 2 1636,-16-1-1822,40 1 1642,-25 4-1801,24 1 1235,-8 5 0,2 0 1,2 2-1</inkml:trace>
+  <inkml:trace contextRef="#ctx0" brushRef="#br1" timeOffset="34861">13787 5734 23459,'-24'5'2672,"-14"0"-2430,33 3-1719,-25 5 2605,16-5-474,-8 14-893,9-8 170,5 8-984,8-6-852,0 1-37,0 8 1046,17-6-1405,-13 6-145,31-5 1403,-9-4 2,19 1 1288,-8-11 944,4-1 109,-16-5-153,-5-20-175,-10-1-1086,-10-20-129,-20 6 0,-2 2 0,-19 4 0</inkml:trace>
+  <inkml:trace contextRef="#ctx0" brushRef="#br1" timeOffset="35391">14112 5765 22920,'0'17'-6116,"0"-2"3987,0-4 1065,0 1 515,0 7 124,0-2 121,0 7 76,12-7-1717,-9 0 1675,10-1 99,-13-2 171,0-2-90,10-3-178,-8 0-431,14-5 1728,-12-1-368,5-3 1295,-3-17-1140,0 13 1133,0-30-1513,2 30 1675,1-37-1015,-1 25-1164,0-20 376,1 15-1146,-2-4 1113,2 7-904,-5 3 969,1 9-1151,-2 6 2189,2 0-652,0 0 430,5 13-2190,-2-9 1310,10 21-1398,-7-9 242,7-1-181,-5 11-1132,-1-23 1630,1 20-2192,2-14 3320,-4 4-2013,4-3 1971,-8-7 652,-1 1-1059,-4-14 59,-2-2 1,0-1 0,0 4-1</inkml:trace>
+  <inkml:trace contextRef="#ctx0" brushRef="#br1" timeOffset="35663">13662 5470 24898,'-5'-8'-8387,"1"1"5872,1 0 719,1 2 678,1-2 619,1 3 694,20-1 506,6 3-1562,20 0 1294,-3 15 1,-11-10-1,-4 9 1</inkml:trace>
+  <inkml:trace contextRef="#ctx0" brushRef="#br1" timeOffset="35824">13903 5317 23279,'0'-17'-6295,"23"2"9166,-17-1-3758,36 2 2778,-37 1-3648,48-1 1005,-30 7 873,28 0 0,-20 7 0,0 0 0</inkml:trace>
+  <inkml:trace contextRef="#ctx0" brushRef="#br1" timeOffset="36175">15305 5251 25168,'-26'-7'-2223,"3"-1"1175,6 6 1345,3-2-301,8 25-905,0 12-12,6 13 15,17 6-1375,-13-6 1134,27 0-372,-27 4-287,27-3-236,-27 0 789,11-16 0,2-1-252,-1 14 1368,-3-11 1,0-1 0,2 0 0,-8 5 0</inkml:trace>
+  <inkml:trace contextRef="#ctx0" brushRef="#br1" timeOffset="36293">15212 5732 22650,'-7'-26'-8444,"5"0"6103,-4-11 453,26 8 2456,9-16 1,12 21 0,0-4 0</inkml:trace>
+  <inkml:trace contextRef="#ctx0" brushRef="#br1" timeOffset="36813">15818 5521 24089,'-23'9'3326,"18"6"-6576,-38-7 4100,39 8-2532,-34-2 2828,33 0-1897,-31 12 1289,20-5-887,-4 18-918,9-14 1501,11 8-2186,0-11 1280,0-2-1701,0-1 1689,25-2-980,-19-4-370,44-4 1618,-16-3 555,14-3 1163,12-16 711,-24 9-223,7-24 138,-18 24-529,-5-27 340,-4 26-405,-8-28-1854,-3 14-153,-5-8-1340,0 2 133,-17 12 338,13 18 990,6 8-1002,19 5-273,3 3 1558,9-19 1217,-13 5-56,9-7 795,-3 0-477,-15-15-1349,4 0 2358,-14-15-2239,5 6 213,-6 2-1590,0 6 504,0 23-793,0 6-360,18 5 176,-14 12-938,28-26 2817,-14 27 0,0-17 0,-3 14 1</inkml:trace>
+  <inkml:trace contextRef="#ctx0" brushRef="#br1" timeOffset="36991">16262 5272 24359,'-11'-13'-6861,"8"2"3638,-8 2 3079,3 3-2063,6 2 1897,-5 16 0,25 9 0,4 16 1</inkml:trace>
+  <inkml:trace contextRef="#ctx0" brushRef="#br1" timeOffset="37157">16233 6225 24449,'0'4'-2429,"0"-16"1,0 9-1,0-12 1</inkml:trace>
+  <inkml:trace contextRef="#ctx0" brushRef="#br1" timeOffset="37383">17005 5291 25978,'-38'0'-204,"14"11"1,11 5-1,13 11 1</inkml:trace>
+  <inkml:trace contextRef="#ctx0" brushRef="#br1" timeOffset="37525">17187 5748 23549,'0'8'-6385,"0"-1"3806,0-3 166,0-2 2253,0 1 0,0-2 1,0 0-1</inkml:trace>
+  <inkml:trace contextRef="#ctx0" brushRef="#br1" timeOffset="38324">17793 4951 23369,'0'-18'-5576,"10"3"6635,-8 4-1753,8 2 2693,-10 4-3188,0 21 276,0 11 229,0 13-174,8-7 1,0 1 375,-4 12-292,4-11 1,1 0-584,5 17-1503,-10 2 1736,24-1-185,-21-18 0,-2 1 1195,10 17 0,2 9 0,-9-22 0</inkml:trace>
+  <inkml:trace contextRef="#ctx0" brushRef="#br1" timeOffset="38624">17750 5551 22830,'-14'-31'-9012,"6"2"6303,2-6 1761,6 7 910,26-24 1253,-19 20-676,20 12 0,4 0 1051,-6-6-1593,30 3 2923,-12 2-208,19 1-178,-15 9-1549,-10 6 0,-1 1-120,2 3-320,17 18-1532,-28 6-279,4-2-628,-15 17-981,-2-23 623,-2 8-125,-1 3-29,-2-12 1113,-1 11-246,-3-13 542,-2-7 132,0-22 2093,-1 12-502,3-34-1041,3 4 380,1-11 132,3-5 1,-3 13 0,1-1 0</inkml:trace>
+  <inkml:trace contextRef="#ctx0" brushRef="#br1" timeOffset="38957">18803 5454 23279,'7'-14'-2882,"0"10"5243,3-25-4067,-2 7 731,4-19 145,-5 7 6,-2-9 61,-4 18-714,-1-5 624,0 11-1347,0 4 1533,-18 2 327,14 5-669,-30 3 2046,31 19-621,-23 8 1130,24 22-1440,-8-8 311,33 4-1319,-17-12-1649,37 11 2772,-11-11 0,11 7 1,4-15-1</inkml:trace>
+  <inkml:trace contextRef="#ctx0" brushRef="#br1" timeOffset="39295">19318 5218 22020,'0'34'-6385,"0"4"4256,17 0-150,-12-7 1479,12-3 91,-5-12 353,-10 1 108,18-8-556,-18 3 500,10-12 1780,-7 3-404,4-24 55,3-7 72,-3-12-402,6 2 507,-4 8-1213,2 0 1111,-2 3-1911,7-6 1327,-8 18-80,9-10-104,-9 23 1110,4-6-169,-3 22-2237,0-11 1061,-2 30-1641,-1-28 445,-2 37 611,3-10 1,-4 12 0,2-1 0</inkml:trace>
+  <inkml:trace contextRef="#ctx0" brushRef="#br1" timeOffset="39508">18687 4891 23279,'0'-27'-6385,"0"1"4166,29 2 4680,10-6-967,16 13-1680,-18 6 1,-1 3 339,11 3 1,13 3 0,-18 2 0</inkml:trace>
+  <inkml:trace contextRef="#ctx0" brushRef="#br1" timeOffset="39947">20393 5272 24179,'18'-21'-795,"4"-28"-1016,0 27 1824,-3-10 0,-1-2-464,5-2 413,-3 3 1,0 0-28,1-4 83,-7-13-625,-7 5-181,-5 13 184,6-15-452,-8 26-15,-15-4-441,11 39 948,-11 13 194,15 19-484,0-10 0,0 0-364,0 12 570,9-14 0,-1-1-1425,-3 16 1959,12-2 1,-7 1 0,3-3-1</inkml:trace>
+  <inkml:trace contextRef="#ctx0" brushRef="#br1" timeOffset="40107">20450 5546 23999,'-10'-18'-8196,"2"-1"4978,27-22 4607,-14 11-1841,41-2 1366,-21 8-1304,27 2 770,-6-1 1,2 1 0,4 0 0</inkml:trace>
+  <inkml:trace contextRef="#ctx0" brushRef="#br1" timeOffset="40624">21467 5114 25168,'0'-13'-6385,"-14"4"5414,11 25 385,-10 13 979,13 12-1263,0 3 338,0-8-24,16 2-1710,-12 16 2120,12-15-984,-5 21 392,-8-31-118,8 10 313,-11-22 363,0-2-90,0-9 850,0-20-614,-14-26 71,-4-4-161,9 4 1,0-2-305,-16-8 425,22 4 0,3-3 8,-10-11-69,9 20 0,2 1 13,-1-14 51,20 5 1336,-15 4-509,32-1 1026,-16 15-104,16 4 132,-4 19 449,-14 21-2012,6-10 868,-22 33-2021,16-7 252,-14 9-896,3 12-34,-5-23-940,-3 11-1458,-21-19 3132,2 5 1021,-20-17 1,21 0-1,3-8 1</inkml:trace>
+  <inkml:trace contextRef="#ctx0" brushRef="#br1" timeOffset="41191">21902 4425 22650,'6'26'-7264,"2"27"5038,-2-32 730,6 44 858,-3-29 57,10 26 28,-8-24 214,6 10-1914,-4-17 1915,0 0-71,0-4 372,5 6-93,-7-11 32,8 5 371,-11-16-78,3-1 344,-7-7 202,2-2 857,-3-1 406,2 0 101,-1 0 40,3-17-1061,3-2 163,-1-2-543,7-7-208,-5 15-355,1-4-421,-5 8-3,0 9 283,0 0 1258,3 0-609,-1 0 91,5 19-1963,-4 3-733,8 21 128,-7-10-146,15 3 3,-12-12-320,15-7 1141,-14-7-85,12-10 3061,-11-15 286,9-8 180,-13-9-732,2-3-253,-8 7-106,-1 0-961,-2 1-319,-1 1-1249,-1 5 219,0-1-424,-1 29 813,0 8-31,0 20 243,14 14-474,-10-16-1320,27 20 404,-28-24 1720,24 4 1,-24-15 0,8-2 0</inkml:trace>
+  <inkml:trace contextRef="#ctx0" brushRef="#br1" timeOffset="41345">22518 4495 23819,'-7'-16'-8925,"5"3"9237,-5 4 1,7 25-1,0 8 1</inkml:trace>
+  <inkml:trace contextRef="#ctx0" brushRef="#br1" timeOffset="41647">22860 4987 23009,'9'0'270,"-2"-13"-1847,-1 9 2934,-1-24-3197,0 25 2505,0-41-1968,-2 27 390,0-35-593,-3 26 506,0-17 29,-17 21-1213,12-6 1388,-13 14-659,18 3 1207,-11 2 216,8 23 334,-8 11 446,11 13-658,0 23-18,0-22-284,8-4 0,0 0-1343,-4 3-711,25 19 2114,-8-30 0,-3 2 0,-1-14 1</inkml:trace>
+  <inkml:trace contextRef="#ctx0" brushRef="#br1" timeOffset="42007">23130 4831 22830,'0'7'-6476,"0"4"4438,16 6 1037,-12 11-94,25-9 1318,-27 14-768,21-15 759,-21 3-1779,15-19 2902,-12 7-1761,5-9 2078,-2 0 130,-2-17-1558,4-8 795,-4-9-760,7-2 850,-5 7-1736,3-1 1901,-2 1-2277,3-8 116,-2 14 1235,2-6-388,-4 21 1302,3 1 50,-2 7-340,1 21-2270,3 6 95,-3 12-544,8 12-483,-6-18-1413,3 20 3144,-7-25 0,-1 6 0,-4-15 1</inkml:trace>
+  <inkml:trace contextRef="#ctx0" brushRef="#br1" timeOffset="42195">22903 4287 23819,'0'-33'-6386,"0"3"4258,18 3 3371,-13 4-1758,32 3 2436,-32 2-2301,40 6 1041,-27 5-801,32 5 1,-22 23 0,6 5 0</inkml:trace>
+  <inkml:trace contextRef="#ctx0" brushRef="#br1" timeOffset="42724">24115 5018 23099,'47'-47'-231,"-11"10"86,0-5-188,-12 10 36,6-22-318,-10 12 274,-6 6 0,-3-2-381,-4-7-578,3-14 101,-7 18-21,1-3 198,-3 2 5,-1 0 109,0 1 302,0 5-59,0-11 278,0 17 48,0-6 316,0 25-159,0 23 114,0 7 68,0 44 90,0-14-90,0 1 0,0 1 7,0-17 0,0 1-78,6 24 1,4 0-107,-3-25 1,3-1-857,9 19 0,2-3-733,9 1 1730,-12-19 0,1-3 0,10 1 0,2-3 0</inkml:trace>
+  <inkml:trace contextRef="#ctx0" brushRef="#br1" timeOffset="43075">24837 4761 23099,'-41'0'450,"3"20"969,4 4-1271,16 11-1426,0-1 382,17-9-772,-6 1 848,7 0-776,0-3-91,19-1-520,-14-2-202,34-3 2002,-34-4-1333,39-6 2712,-16 0-383,12-7 977,1-16 762,-16-7-623,0-21-39,-12 10-1509,-7-11 890,-6 19-2237,0-15-71,0 22-305,-14 2-908,10 5 398,-10 28 2373,14-1-1254,15 30-1368,-11-1 2259,31-9 0,-15 0 0,20-11 0</inkml:trace>
+  <inkml:trace contextRef="#ctx0" brushRef="#br1" timeOffset="43591">25177 4794 22380,'0'39'-6386,"17"-18"3915,-12 15 1013,13-21 1419,-6 15-1322,-9-9 867,20-3 703,-12-1-2012,2-1 1655,0-8 849,-12 2-805,8-9 1248,-8-12-264,5-8 26,-4-19-1080,4-3 858,0 6-239,2 1-469,-2 13 824,3 1-1408,-2 3 1205,5 4 278,-2 5 689,4 3 390,-7 5-564,5 19-2259,-7 1-164,3 3-479,-2 8 386,1-15-961,0 11 224,-2-12-906,1-7 992,-2-8 3694,1 0 165,-2 0 298,0-15-1604,1-5 276,1 1 61,7-15 147,-4 13-395,3-2-1503,-3-6-371,1 26 1745,0-15-152,5 16 876,-4-4 72,11 21-1838,-8-11 573,7 32-1719,-5-20 984,0 20-2643,0-8 1078,1 0-1213,-1-1-628,0-1 3663,-3-3 0,-1-2 0,-1-3 1</inkml:trace>
+  <inkml:trace contextRef="#ctx0" brushRef="#br1" timeOffset="43790">25002 4340 24808,'20'-15'576,"-14"1"-3916,39 3 4014,-21 3-1214,9 5 1,4 2 539,14-2 0,-15 3 0,-1 0 1,18 0-1</inkml:trace>
+  <inkml:trace contextRef="#ctx0" brushRef="#br1" timeOffset="44124">26425 4687 23639,'2'48'-5783,"-1"-8"3646,-1-1 1442,0-12 115,16 2-468,-12-3 632,11-2 417,-1 7-1878,0-11 2125,13 5-43,-9-17 586,5-1 235,-8-7 797,3-22-1025,-4 16 800,-1-44-1525,-1 26-779,-4-9 1,-1-4 741,1-8 0,0-16 0,-5 20 1</inkml:trace>
+  <inkml:trace contextRef="#ctx0" brushRef="#br1" timeOffset="44291">26817 4589 22920,'8'15'-8162,"-6"8"6237,12-8 1327,-8 5-696,2 4 310,-2-12 312,-4 6 530,0-7-2732,-2 1 2043,3 1 772,-2-2 0,2 1 0,0-1 0</inkml:trace>
+  <inkml:trace contextRef="#ctx0" brushRef="#br1" timeOffset="44463">26738 4113 23999,'-12'-16'-7774,"1"2"7059,5 4 1,2 4 0,4 4 0</inkml:trace>
+  <inkml:trace contextRef="#ctx0" brushRef="#br1" timeOffset="44841">27153 4752 21750,'6'14'-8394,"1"-1"6087,2-2 1853,8 0 1323,-5-6 232,8-1 100,-7-4 89,0 0-1020,1-16 1749,3-1 53,-4-2-773,4-23-1097,-12 23-489,1-24-616,-6 16-603,0-1-1,0 0 350,-20-2-438,16 1 272,-16 1 537,3-5-332,13 11 427,-25-6 974,26 17-721,-9 23 1978,12 11-1181,0 28-29,16-10-736,5 12 210,10-22 555,1 6-816,12-6 922,-8-11-1852,-3-4 1,1-2 592,7-1 1086,12 1 1,-18-9 0,-1-1 0</inkml:trace>
+  <inkml:trace contextRef="#ctx0" brushRef="#br1" timeOffset="45261">27803 4620 23459,'-13'-14'-4982,"10"-1"2180,-11 0 2245,14-2 624,0 0-22,-9-6-1201,0 7 669,-12-4-1153,5 10 2220,-6 2 744,6 5 0,1 3 285,3 0-13,3 15 121,1-11 765,3 29-2234,3-8-697,22 20-1286,-15-9-269,40-2-10,-25-14-439,22-2 1024,-7-2 1176,16-2 1,-12-7 0,12-2 0</inkml:trace>
+  <inkml:trace contextRef="#ctx0" brushRef="#br1" timeOffset="45579">27088 4109 24629,'17'-34'-2810,"-1"9"2369,19-10 1012,-20 21 71,22-4-80,-24 14-1034,19 0-1269,-16 4 1403,-3 21 0,1-16 0,-2 15 0</inkml:trace>
+  <inkml:trace contextRef="#ctx0" brushRef="#br1" timeOffset="45724">27557 5317 22380,'0'5'-2789,"0"-1"1,0-3 0</inkml:trace>
+  <inkml:trace contextRef="#ctx0" brushRef="#br1" timeOffset="52275">2315 7793 23549,'0'-4'-5846,"0"-1"3988,0 3 973,0-1 517,0 0 122,0 0 391,0-2-193,0 1-1368,0-3 1416,0 2 90,-15-2 611,11 3-635,-10-2 629,1 2 338,0 0 58,-16 2 187,8 2 81,-2 0 58,6 0-1061,-13 20 1398,7 1-1438,-18 24-6,18-13-383,5-1 0,3-1-568,4 0-207,-1 29-362,40-34-212,10 14-447,16-19 1474,-7 0 0,-2 1-172,6-2 519,-6 0 0,-1 0 115,-7-2 733,14 11-122,-28-14-66,0 7-442,-16-10-1394,-3 4-37,-4 0 501,-27-1 1855,-2 13-802,-17-10-230,-5 12 301,19-12 295,-9 1-33,16-7 1,0-6 0,3-1 0</inkml:trace>
+  <inkml:trace contextRef="#ctx0" brushRef="#br1" timeOffset="52699">2973 8006 22200,'26'-12'3372,"-3"0"-2568,-11-1-1759,1-4 269,-7 4 235,-1-12-1107,-25 13 1057,-2-6-277,-40 14 797,27 18 1,-1 4-15,-26 6 287,31 1 1,3 5-112,-4 20 127,12-7-198,11-8 0,2 0-568,3 8-446,11-9 1,7-2-2943,21 1 3444,12 9 0,10-24 0,-10 1 0</inkml:trace>
+  <inkml:trace contextRef="#ctx0" brushRef="#br1" timeOffset="53023">3703 7783 23819,'-40'29'920,"5"2"-1164,16 14-1637,8 4 319,11-22 241,20 2 0,7 0 855,-3-6 0,2-1 166,2 2 0,0-2-89,3-1 0,-5-4-878,-11-2-241,5 4 622,-31-1 1179,5-6-265,-53 3 833,36-11-488,-32-1 0,26-2 1,1-1-1</inkml:trace>
+  <inkml:trace contextRef="#ctx0" brushRef="#br1" timeOffset="53390">4228 7783 23549,'-41'0'540,"2"0"-630,5 0 0,17 15 308,-12 3 273,26 16-2233,-7-6 991,10 1-845,29-6 268,-22 3-802,46 0 1244,-31 0 176,6-8 1,1 0-658,5 10 2011,15 16-840,-34-19 74,13 12-360,-26-20 735,9 5-1755,-11-9 1245,-21 0 1426,16-1-1662,-57 4 1736,37-5-1129,-12-3 1,-1-1 393,3-2 0,-7-1 1,18-4-1</inkml:trace>
+  <inkml:trace contextRef="#ctx0" brushRef="#br1" timeOffset="53607">4707 7955 23819,'4'20'-7265,"-1"7"5067,0-8 934,0 7 704,2 15 233,-2-13-486,5 21-143,-2-18-2793,7 14 3687,-3-19 1,4-1 0,-3-11-1</inkml:trace>
+  <inkml:trace contextRef="#ctx0" brushRef="#br1" timeOffset="53791">4708 7625 24089,'-13'-12'-5409,"0"2"3891,5 3 608,1 3-127,2 2 367,3 18 549,18 3 1,9 2 0,17-5 0</inkml:trace>
+  <inkml:trace contextRef="#ctx0" brushRef="#br1" timeOffset="54091">5288 7898 25708,'-23'14'2179,"-12"-11"-2245,31 29-2962,-12-15 3116,6 17-1142,7 8-376,-7-10 824,10 23-1080,20-24-762,-14 8 222,36-16 2529,-23-3-1926,19-5 1822,-8-3 453,0-7-387,23-2 945,-21-22 678,17-5 359,-37-13-3073,0-10 866,-12 18-1538,0-11 5,-27 13-492,21 1 1622,-46 2 0,46 2 0,-20 2 1</inkml:trace>
+  <inkml:trace contextRef="#ctx0" brushRef="#br1" timeOffset="54457">5682 7885 23639,'5'20'-7457,"2"7"4638,-2-10 1355,5 17 464,-4-6 603,6 11-81,-5-17 77,5 13-1797,-7-18 1680,5 5 45,-6-15 266,7-1 1139,-3-25 160,11-11 698,-4-12-1136,-2 9 1,1-1 893,4-11 103,3-13 378,-2 8-686,-8 17-459,6-4-671,-11 22-444,3 7 1113,-5 20-2263,1-8 830,-2 35-756,2-17-796,-1 23-2411,6 19 4283,-3-13 1,-1-16 0,1 0 0,4 15 0</inkml:trace>
+  <inkml:trace contextRef="#ctx0" brushRef="#br1" timeOffset="54759">6813 8193 25798,'40'-2'399,"4"1"-535,-7 1-402,3 0-415,-6 0-161,1 0-531,3 0 1640,2 0 0,1 0 1,2 0-1</inkml:trace>
+  <inkml:trace contextRef="#ctx0" brushRef="#br1" timeOffset="55093">7810 7691 25798,'-39'-4'-333,"-4"1"221,6 22 1455,2-15-1025,11 33-1158,6-32 1477,1 33-1580,9-10-149,2 10-7,27 24-1085,9-29 1094,-4 0 0,2-1-910,17-1 1630,-16-4 0,-3-1-1564,3 4 1160,6 16 52,-16-20 211,-8 17 394,-3-23-1575,-29 11 1576,15-19 565,-35 0 0,17-8 1,-19-2-1</inkml:trace>
+  <inkml:trace contextRef="#ctx0" brushRef="#br1" timeOffset="55340">8468 7428 25168,'0'34'-5216,"0"6"3088,0-7 973,0 9 517,0-6 302,17 5-777,-12 3 798,12 2-2331,-3 2 1727,-7-14 1,0 1-194,9 17-289,-5-10 1,-3 0 1311,-6 1 0,12 11 0,-7-22 0</inkml:trace>
+  <inkml:trace contextRef="#ctx0" brushRef="#br1" timeOffset="55462">8355 7909 23279,'0'-30'-6835,"24"1"7361,24-16 1,2 17-1,-19 8 1,-1 0-1</inkml:trace>
+  <inkml:trace contextRef="#ctx0" brushRef="#br1" timeOffset="55875">9457 7820 24269,'0'6'-5486,"-28"2"9118,20-1-2917,-44 1 431,30 2 28,-21 1-457,10 2-82,-13 9-128,14-6 1629,-17 16-2370,27-15 463,2 9-1004,6-11-217,12 3-1008,-6-3 526,8 1-900,0-3 239,18-3 2,4 2 844,21-7 1344,1 0-110,-18-26 1616,9 16-572,-32-34-817,19 23 1860,-19-28-2387,5 17 801,-8-16-1547,0 22 86,-18-7-746,13 17-762,-12 22 3928,17 21-3617,20 7 684,-11-5 0,4-3-1004,33-1 2615,-12 12 0,0-24 1,-9-3-1</inkml:trace>
+  <inkml:trace contextRef="#ctx0" brushRef="#br1" timeOffset="56240">9507 7806 25168,'0'34'-5396,"16"-14"2844,-12 13 1098,24-4 1042,-25 9-43,19 16-505,-11-21 174,8 22-1469,-4-24 1736,-4 12 232,-4-24 56,-2 2-338,-1-15 273,0-1 888,-2-5 1552,1-24-1406,5-9 141,-2-15-996,3 11 1,0 1 335,3-14-229,-5 16 1,1 0-177,5-13-671,-2 5 599,0 4 1,0 4 0,0 3 0</inkml:trace>
+  <inkml:trace contextRef="#ctx0" brushRef="#br1" timeOffset="56595">10220 7516 23909,'-13'-1'1048,"3"0"-1197,10 15-2549,0 5 1061,0 25 486,17-8-423,-12 6 924,29 10-1454,-30-12 798,9-4 0,1 1-1195,-1 8 1224,0 10 107,7-18-155,-14-3 704,8 0 530,-3 6 1,-4-12 0,2 5 0</inkml:trace>
+  <inkml:trace contextRef="#ctx0" brushRef="#br1" timeOffset="56758">10187 7955 23819,'-17'-40'-9368,"6"8"6425,7-14 2401,4 21 163,18-2 1350,-14 13-1410,31 4 998,-31 2-485,36 4 0,-22 1 0,20 3 1</inkml:trace>
+  <inkml:trace contextRef="#ctx0" brushRef="#br1" timeOffset="57045">11012 7449 24629,'-25'0'1349,"0"15"169,-19 3-320,20 21-2336,-19 9 724,32-4-1023,0 7 341,9-9-758,2 4-372,0 1-524,0 0-445,25 1 573,-19-6 2391,24-16 1,5-1 0,-9 6 0,4-13 0,-1 1 0</inkml:trace>
+  <inkml:trace contextRef="#ctx0" brushRef="#br1" timeOffset="57307">11535 7297 22920,'0'-12'-4677,"15"3"8822,-11 4-3553,21 3 379,-15 25-3614,10 11 1067,-10 14 993,-3-13 0,-1 1-1348,-3 12 1863,0-3 0,0 1-2098,-1 8 989,-9-7 1,-2 0-1339,5 7 2748,-9-10 0,-4-1 0,-7 5 0,5-18 0,-1 1 0</inkml:trace>
+  <inkml:trace contextRef="#ctx0" brushRef="#br1" timeOffset="57919">12490 7560 24898,'0'14'-3193,"0"-2"1</inkml:trace>
+  <inkml:trace contextRef="#ctx0" brushRef="#br1" timeOffset="58064">12623 7993 25258,'0'5'-2219,"0"-1"1,0-3 0</inkml:trace>
+  <inkml:trace contextRef="#ctx0" brushRef="#br1" timeOffset="58873">13597 7490 23189,'-23'20'732,"-18"-15"-174,23 34-2204,-21-22 3031,14 18-1939,9-6 36,-7 14 111,19-9-906,21 24-885,7-31 1474,11-8 1,3-3 751,10-9-463,-5-2 1,0-4 879,7-19 183,-11 7 0,-3-1 618,0-11 531,2-16 284,-26 15-1563,-6-10-1594,-23-4-1288,12 18 761,-22 5 0,-6 1-1188,6-2 2504,-37-1 1,27 7 0,1 2 0</inkml:trace>
+  <inkml:trace contextRef="#ctx0" brushRef="#br1" timeOffset="59090">13677 7227 23639,'9'-4'3822,"0"1"-3102,5 2-1010,-2 1-290,9 0 193,-8 14-1786,4-10 1251,-3 25-1937,-6-8-1938,2 15 1351,-8-5 2961,0-3 0,-2-10 0,0-2 0</inkml:trace>
+  <inkml:trace contextRef="#ctx0" brushRef="#br1" timeOffset="59229">13918 7121 22830,'32'0'-90,"-8"21"-4117,-4-16 3147,-7 40 383,-2-23 0,-1 22 0,0-9 0</inkml:trace>
+  <inkml:trace contextRef="#ctx0" brushRef="#br1" timeOffset="59673">14882 7530 25438,'-55'0'810,"13"17"1038,3-13-1914,14 27-777,-1-7 706,13 7-1257,1 14 49,12-17-1241,25 22-23,10-28 1347,-3-7 1,3-4-31,19-6 1348,-15-14 0,-1-1 339,6 5 363,-8-21 1,-2-5 465,0 7-385,-13-4 0,-3-4 739,3-26-1347,-11 9-233,-4 5 0,-3-2-1176,-3-10 231,-11 18 0,-2 1-1284,7-15 1272,-39 4-88,40 2 382,-16 20 1,-3 1 29,1-8 659,-14-4-92,17 42 2316,10 17-823,10 18-1204,0 11-402,19-5-211,-10-10 1,0 1-824,14 22-149,-7-9 0,-1-1-744,4 7 1564,-9-20 1,2-2 0,17 9 0,-12-2 0</inkml:trace>
+  <inkml:trace contextRef="#ctx0" brushRef="#br1" timeOffset="59841">14805 7389 23459,'0'-24'-6385,"0"0"4166,21-2 3332,8 6-586,28-3 117,-7 13-466,5 1 1,-13 7 0,1 2 0</inkml:trace>
+  <inkml:trace contextRef="#ctx0" brushRef="#br1" timeOffset="60579">15605 7377 24179,'-26'4'2200,"-9"1"-1595,31 1-1925,-25 8 2195,12 0-778,0 17-953,-5-7 582,20 23-1329,-6-16 3,26 11-1143,-14-14 1302,33 0-512,-32-3-336,38-2 1848,-24-3-1176,22-2 2071,4 0-217,-11-8 930,23-1 416,-27-7-460,9-2 843,-19-15-766,-1 12 771,-6-30-1772,-3 9 118,-5-10-459,-2-11-561,-3 21-323,-20-14-1266,15 21-96,-29-4 915,30 32 1161,9 5-1373,18 25 768,22-3 577,3-4 444,-7-15 797,10-8 737,-21-11-456,15 0-280,-20-17 1597,1 13-97,-11-32-1763,-4 20 194,-4-16-402,-3-1-739,-2 9-628,-2-6-571,0 9-2,0 4-322,0 22 1042,0 8-238,15 27-245,3-20 791,17 17 186,-8-18 369,1 2-198,5 3 206,-8-17 681,9 5 27,-12-7 1006,0-5-49,3-15 317,-6 12-540,1-25-455,-7 9-247,-5 1-355,0-14-483,-6 13-486,0-9-756,-2 3-630,0 11 19,1 4 800,2 5 1000,2 5 795,6 19-1953,-2 5-165,4 12-257,-2-3 12,2-6-142,3-1-35,1-2 1498,1 0 0,0-3 1,1 0-1</inkml:trace>
+  <inkml:trace contextRef="#ctx0" brushRef="#br1" timeOffset="60890">15642 7146 24718,'27'-18'2539,"13"1"-957,-36 0-4212,34 0 3867,-14-3-1104,10 6 553,8-1-296,-19 12-1417,20-1-230,-22 22-3001,15 0 4128,-19 3 1,1 7 0,-7-9 0</inkml:trace>
+  <inkml:trace contextRef="#ctx0" brushRef="#br1" timeOffset="61031">16173 6954 25528,'21'-16'727,"1"1"-277,15-4-358,-6 7-2233,29-3 2103,-20 11 0,15 0 1,-14 4-1</inkml:trace>
+  <inkml:trace contextRef="#ctx0" brushRef="#br1" timeOffset="62774">17625 7778 24988,'18'-5'3905,"5"-11"-3665,22-24-645,-21 2-738,20 0 1119,-39 7-1521,32 3 1855,-34-1-1466,23 3 578,-24 0-1078,8 2 857,-10 2-224,0-5-644,0 9 1337,0-4-1469,0 15 1539,0 0-1218,-14 7 2757,11 21-1726,-19 12 754,19 0 0,4 3-776,-10 24-74,8-11 0,2 0-298,-1 14 346,0-20 1,0 1-586,0 19-1639,0 1 2642,0 0 1,0-2-1,0-1 1</inkml:trace>
+  <inkml:trace contextRef="#ctx0" brushRef="#br1" timeOffset="62929">17618 8343 23189,'0'-24'-5935,"19"0"7146,-15-1-1074,22 3 0,4 1 1037,-4-13-1367,2 10 0,3 0 297,0-1 0,-2 1 1,20-14-1,-17 13 1,0 0-1</inkml:trace>
+  <inkml:trace contextRef="#ctx0" brushRef="#br1" timeOffset="63124">18350 7562 25888,'16'35'-9831,"-1"3"5212,4-7 1006,4 12 3402,-8-16 1,-1 9 0,-1-12 0</inkml:trace>
+  <inkml:trace contextRef="#ctx0" brushRef="#br1" timeOffset="63307">18350 7062 23549,'0'-5'-8274,"0"18"7283,16-9 0,-13 34 0,13-11 0</inkml:trace>
+  <inkml:trace contextRef="#ctx0" brushRef="#br1" timeOffset="63679">18827 7838 26068,'6'0'360,"2"0"-360,1-18-1459,12-5 1549,-1-10-498,13-2 593,-5 4-184,3-5-328,-1-3 144,-9 8 1,-2-1-450,9-18 663,-10 5 0,-3-1-913,-5-11 494,-3-3 1,-6-1-595,-19-2 252,9 8 0,-1 2-1015,-12 14 93,-5-10 753,24 31-332,-10 24 2816,13 24-1783,0 16 58,7-6 0,4 0-14,9 16-391,-2-3 0,0 0 224,-8-21 1,0 0-135,6 10 0,-1-1-884,-2 16-2168,15-4 1997,-10-3 1423,-3-18 0,1-1 0,6 14 0,9 10 0</inkml:trace>
+  <inkml:trace contextRef="#ctx0" brushRef="#br1" timeOffset="63974">19412 7776 25168,'6'0'180,"3"0"-90,-2-10-937,7 7 1522,0-15-1005,16 3 1057,-4-2-443,24-14 121,-17 12-21,9-9 41,-15 10 288,-1-2-911,-3-1 460,-1-8-1160,-9 5 86,-3-16-525,-7 16 257,-24-14-1079,16 17-113,-30-1 1436,18 11-234,-11 5 1037,12 23 512,6 11-614,10 11-1756,11-1 0,1 1 3,-6 8 1911,17-10 1,4 0 0,-2 6 0,26-2 0</inkml:trace>
+  <inkml:trace contextRef="#ctx0" brushRef="#br1" timeOffset="64859">20765 7382 24179,'0'-4'-3777,"0"20"1648,0 9 1065,0 13 515,0 4 124,16-5-641,-12 6 748,13 1-1963,-3 7 1751,-11-1 392,22 1-212,-17-15 0,-2 1 46,7 16-7,-2-19 1,-2-1 378,-7 7 9,13-8 112,-13-4-45,9-8-845,-8-5 444,2-5-207,-2-29 1219,-20 16 946,13-50-1834,-25 26 865,25-29-733,-22 7-20,22-5 33,-7 12 0,-2-1 89,7 10 0,1-2-379,-2-24 1,1 0-433,1 24 0,2 1 717,0-21 1,6 1-54,18-5 375,-20 23 0,4 3 590,23 7 0,3 3 1335,-7-7-1038,8 12 1,3 4 1435,-2 5-253,14 3-379,-30 26-2029,10 16-752,-25 3-788,8 20-1260,-36-31 1061,-1 17-586,-4-24 2362,-13 4 1,21-14 0,-21 0 0</inkml:trace>
+  <inkml:trace contextRef="#ctx0" brushRef="#br1" timeOffset="65257">21430 6872 25078,'7'0'1440,"4"20"-7153,-3-15 4984,6 53-1284,-5-31 1398,0 10 1,-1 4-260,4 5 130,4 15-1353,-3-16-65,2 1 2113,-1-3-1269,8 15 884,-4-16-115,10 17 178,-10-29 86,9 5 381,-13-22 418,5-2 485,0-10 1086,-3-18 144,13-11 16,-11-10-1448,-2 7 0,0 0 713,2-9-553,-1-1 0,-1 0-241,-1 2-33,9-22-1229,-15 47 99,3-1 262,-5 15 960,3 0-184,-3 18-2091,2-13 1154,0 37-1972,7-9 82,-3 13-1617,10 14-1,-9-23 3300,5 8 0,-4-16 0,1-3 0</inkml:trace>
+  <inkml:trace contextRef="#ctx0" brushRef="#br1" timeOffset="65689">22387 7307 23999,'1'38'-6148,"0"-4"4038,4 7 698,-1-5 691,8 24-89,-3-13 564,0-6 1,2 0-349,0 6-394,-2-10 1,0-1 583,0 1 82,2 6 47,-4-13 42,-3-13-143,0 1 173,-24-35 833,15-14-567,-32-15 283,32-7-35,-13 8-636,6-6 309,10-6 182,-5 11 1,2-1-85,3 11 1,4-3 277,9-25 1,2 0 24,-11 26 0,2 2 131,19-11 1,3 2 941,-6-9 425,23 10 323,-10 7-132,14 6 208,-12 16-88,20 3-448,-30 27-1750,11 14-678,-26 9-379,-3 4 1,-4 2-1713,-20 6 834,5 3 1,-4-1 1764,-21-1 0,16-19 1,0 0-1,-12 12 1</inkml:trace>
+  <inkml:trace contextRef="#ctx0" brushRef="#br1" timeOffset="66734">23775 7101 23999,'-18'-5'-1539,"14"0"-1996,-28 3 4927,11 1-662,-22 0-112,9 1-143,-2 17 427,15-13-428,1 25-430,3-11 1619,8 12-2595,2-5-110,33-1-422,-20-7-828,49 2 1447,-12 10-513,14-6 1372,-20-3 1,-2 2-906,5 3 910,-11-3 1,-2 0-191,-2 1 334,-3 5 437,-8-15-1439,-12-1 14,5-3-89,-7-2 131,0-2-275,0-2-905,-23-1 1981,-2-1 1234,-18-1-1234,21-14 1,7-7 0,15-15 0</inkml:trace>
+  <inkml:trace contextRef="#ctx0" brushRef="#br1" timeOffset="67277">24150 7233 22650,'20'0'539,"-1"0"-269,4 14-2386,-9-11 2149,3 12-1147,-9-15 1853,-1 0-139,-2 8-2408,-2-6 742,1 6-1128,-1-8 3297,1 0-623,6-14 420,-2-2-1611,5-2 406,0-12 1509,-3 7-920,1-15 833,-8 7-2412,-1 0-211,-2 15 364,0-3 347,0 11 493,0 1-510,-13 4 1391,10 22-489,-10 7 754,29 29-1469,-12-10 389,11-12 1,0 0-387,-11 6 436,24 9-260,-9-4-1446,6-15 1463,9 14-621,-14-24 1540,17 4 414,-13-17 430,19 0 107,-16-6 602,8-23 603,-2-4-839,-8-13-550,11-11-96,-18 21-628,2-11-631,-12 14-694,-2 1-259,-4 1-501,-1 3-36,-1 2 597,0 5-127,0-1 422,0 7-187,0 21 329,0 11-171,0 13 218,0-2-72,20-9-1131,1 9 160,2-11 1640,20 5 0,-28-10 0,22-1 0</inkml:trace>
+  <inkml:trace contextRef="#ctx0" brushRef="#br1" timeOffset="67587">24695 6837 23459,'12'-8'2322,"-9"2"-4143,20-2 3664,-20 4-2153,17 0 836,-11 2-133,9 2-751,-6 20-3474,-3 16 785,-5 4 1070,-4 6-1243,0-20 2942,0-1 0,0-4 1,0 0-1</inkml:trace>
+  <inkml:trace contextRef="#ctx0" brushRef="#br1" timeOffset="67774">24972 6489 24359,'24'-30'206,"-1"5"-22,17 2 1174,-16 13-1101,20 19-1603,-29-5-238,3 43-1972,-10-21-551,-3 30 3741,-2-6 1,0 2 0,0 4-1</inkml:trace>
+  <inkml:trace contextRef="#ctx0" brushRef="#br1" timeOffset="68473">26130 7014 26338,'-47'-7'-725,"1"3"714,11 1 54,-19 3 203,14 0-81,-23 20 634,32 6-692,-4 26-547,24-10-736,5 13 1,6-24-464,27 6-455,13-11 862,16-13 552,-15-5 1,-1-3 222,14-5 682,-10-9 0,-1-2 1165,5 6-406,-19-15 0,-2-2 540,2 3 577,-5-21-1534,-7 6-825,-8-23-873,-4 8 214,-13 3 0,-1-2-1525,5-14 1267,-12 5 1,-3-1 190,7 21 0,0 0-65,1-12 0,0-2 571,-8 0 1,1 1-234,10 13 0,1 0 344,-3-20 1,0 4 64,-1 1 1082,11-9-454,0 58 297,0 6-128,17 36-530,-7-7 0,1 2-58,10 24-35,-5-1 0,-1 2 47,-5-22 0,0 0 88,-2 13 1,3 0-305,5-16 0,-1-1-49,-9 0 0,-1 0-146,20 28 86,-11-22 1,0 0 36,7 15-144,-1-17 0,2-2 83,4-1-700,17 5 1524,-14-25 323,13-3 476,-16-9 990,2-2 271,-10-16 107,-3 12 338,-2-25-1082,0 12-291,-5 1-897,1-7-906,-7 21 757,1-16-1726,-2 15 946,2-5-1270,-1 23 490,1-12-399,0 27 247,2-26 754,2 32-2357,6-9 1562,-1 8-2222,11-3 1775,-8-10 1892,7-11 0,-9-1 0,1-10 0</inkml:trace>
+  <inkml:trace contextRef="#ctx0" brushRef="#br1" timeOffset="68659">26915 6936 22740,'0'-11'-6476,"0"0"4438,0 23 973,0 9 427,0 24 212,15-8-709,-11 0 815,24-13-1147,-25-1 376,24 3 665,-6-13 646,13 7 1,-5-18-1,-3 5 1</inkml:trace>
+  <inkml:trace contextRef="#ctx0" brushRef="#br1" timeOffset="68990">27230 6929 23909,'7'0'630,"1"0"-630,-2 0 0,3 18-3482,-1 2 960,3 17 908,-4-18 241,8 12-1018,-6-16-7,4 3 22,0 0 293,-1-16 3974,10 5-147,-8-7 418,11-16 551,-11-5-940,3 2 242,-5-17-866,-3 31 1422,-1-31-3179,1 32 2149,-5-26-2590,2 27 1807,-3-17-1509,0 19 1433,1-5-276,0 6-894,0 0 1649,5 17-4037,0 4 1571,6 1-2108,10 24 1856,-5-30-2311,24 31 3690,-14-33 0,11 12 1,-10-13-1</inkml:trace>
+  <inkml:trace contextRef="#ctx0" brushRef="#br1" timeOffset="69324">28055 6924 23369,'-19'14'599,"5"5"-1643,14 8-2240,21-9 1783,2-1 632,22-15 1762,-7 7-442,-5-9 89,-15-18-245,-2 13 1865,-15-26-1257,5 15-414,-6-10-555,0 4-1437,0 32 444,0 16-628,0 19 185,17 3-1548,-12-8 2296,12 2-1278,-3-1 133,-11 1-1234,11 15 3096,-14-15 0,0 11 0,0-19 0</inkml:trace>
+  <inkml:trace contextRef="#ctx0" brushRef="#br1" timeOffset="69461">27180 7602 22650,'0'0'0</inkml:trace>
+  <inkml:trace contextRef="#ctx0" brushRef="#br1" timeOffset="69909">29213 6725 26428,'-42'-13'-2392,"11"5"1728,-16-3 473,23 8 316,-7 0 136,15 3 109,1 0-182,4 16-669,3 0 299,5 16-799,20-17 110,-13 15-874,54-11 1278,-32 7-1071,34-1 773,1-1 603,-15-6 126,-7-2 0,1-1 876,2 3-29,17 11 194,-34-11-1568,-3 3 532,-16-7-1401,-6 0 567,0-1-261,-21 4 1545,-12-5-1385,-27 6-70,11-12 1383,-5 2 1,35-7-1,0-1 1</inkml:trace>
+  <inkml:trace contextRef="#ctx0" brushRef="#br1" timeOffset="70257">29978 6684 23639,'-24'-4'-1233,"-8"1"1473,19 1-269,-2 21 219,6 2-880,27 21-1475,-14-11 1560,21-8 0,4-3-442,-8 5 49,29 8 110,-24-12 137,-2 0-226,-11-1-100,10-2 2034,-20-2-753,9-1-656,-12 0 521,0-6-1410,-17 2 1299,-9-9-686,-20 1 1096,0-18 1,19 12 0,8-12 0</inkml:trace>
+  <inkml:trace contextRef="#ctx0" brushRef="#br1" timeOffset="70477">30450 6817 25348,'0'21'-6295,"0"1"4166,0-7 975,0 1 335,0 0 34,0-2-868,0 9 435,0-7 819,0 9 0,0-14 0,0 3 0</inkml:trace>
+  <inkml:trace contextRef="#ctx0" brushRef="#br1" timeOffset="70648">30363 6409 24898,'0'-11'-6745,"0"4"6808,0 1 0,21 19 0,5 5 0</inkml:trace>
+  <inkml:trace contextRef="#ctx0" brushRef="#br1" timeOffset="71065">30763 6905 23549,'12'6'-3283,"0"-2"2847,0-4 1264,3 0 56,-5-20-727,2 0 116,-8-19-799,-1 6-536,-21 1-145,13 5 590,-27 6-305,16 10-233,-11 6 1618,11 19 24,-4-10 1324,17 28-1930,-14-27 2674,12 47-2049,-3-31-259,5 41-504,3-34-984,0 10-491,21-16-84,-16-3 1163,30-3-694,-16-1 1456,15-7 343,1-2 674,-10-23 590,2 13 8,-18-32-1747,7 9 1306,-14-9-2946,4-17 1055,-6 23-1558,-18-20-356,13 24-520,-31-3 160,32 14 2833,-15 4 0,6 3 1,-2 1-1</inkml:trace>
+  <inkml:trace contextRef="#ctx0" brushRef="#br1" timeOffset="71490">31248 6731 25078,'5'-10'-1592,"-2"3"808,-1 21-1952,-2 4 1402,-14-1 2413,11 19-1671,-11-9 789,14 9-1973,0 7 937,0-22-73,0 4 520,0-11 471,14-27 194,1-5 881,2-20-1243,7 5 1381,-7-6-381,7 9 685,0-5 189,-1 12-215,-5 5-1399,10 8 747,-14 2 310,10 25-2148,-13-12 313,6 42-1942,-9-28-378,1 27-2526,-2-6 4983,-1-10 1,1 8-1,-1-13 1</inkml:trace>
+  <inkml:trace contextRef="#ctx0" brushRef="#br1" timeOffset="71632">32137 7027 26607,'24'12'-8646,"-2"-9"8600,-6 9 1,-5-12 0,-4 0 0</inkml:trace>
+  <inkml:trace contextRef="#ctx0" brushRef="#br1" timeOffset="74121">1425 10290 25348,'16'16'-6092,"-4"-3"3604,-4 15 90,4 1 565,4-4 767,3 8 18,-1-4 154,2 0-1815,3 1 1374,2-2 1378,2-1 0,2-3 1,1-1-1</inkml:trace>
+  <inkml:trace contextRef="#ctx0" brushRef="#br1" timeOffset="74331">1765 10321 23639,'-22'0'-90,"1"17"408,-16 12 20,9 9-1143,-17 8 416,22-15 1,1 1-695,-12 21 148,7-6 0,3 1 760,0 8 1,11-22-1,2 0 1,0 8-1</inkml:trace>
+  <inkml:trace contextRef="#ctx0" brushRef="#br1" timeOffset="74690">2405 10322 24359,'-42'0'719,"1"18"989,1 1-953,6 20-1547,14-12 28,7 1-248,13-10-492,0 0-93,0 3-89,0-7-494,18 2 116,5-9 1758,19-2 456,-1-17 1157,-4-7 814,-17-18-1141,-8 6-310,-12-8-2289,-20 9-640,-2-2 2115,-20 10 0,20 11 0,5 7 0</inkml:trace>
+  <inkml:trace contextRef="#ctx0" brushRef="#br1" timeOffset="75063">3022 10219 23999,'-21'-17'-4221,"0"4"2966,-18 6 2290,8 5-277,14 19-45,6 2-1130,11 17-768,20-2-1000,-14-8 1378,36-8 1005,-23 1-1395,19-16 1123,-8 13-932,0-15 1470,-2 4 705,0-5 746,-4 0 151,-1-22-1304,-4 16 1429,-3-37-2477,1 17 1153,-10-9-1621,4 3 23,-11 9-834,2 6-312,-2 24-592,17 30-1412,-13 8 3627,11-9 0,3-1 0,4-2 0,17 10 0</inkml:trace>
+  <inkml:trace contextRef="#ctx0" brushRef="#br1" timeOffset="75257">3175 9520 24269,'-23'18'-214,"0"-13"510,-2 45-2721,-1-24 1116,0 33 1034,2-9 1,3 10-1,2 3 1</inkml:trace>
+  <inkml:trace contextRef="#ctx0" brushRef="#br1" timeOffset="76892">4302 10360 22920,'0'-38'-5487,"0"-5"3449,0 11 1154,0-4 425,10 9 1158,-7-2-756,7 2 693,-10 2-2053,0 2 1687,0 2-180,0 4 0,0 2 0,0 5-619,0 3 442,0 21-633,0 9 810,0 13-630,16 17-583,-12-16-93,12-4 0,2 0 7,-1 7 1070,1-6 0,-1-1 0,0 5 0,-3 12 0</inkml:trace>
+  <inkml:trace contextRef="#ctx0" brushRef="#br1" timeOffset="77073">4332 10723 23549,'25'-17'-563,"33"-1"799,-30-3 1,3 5 0,1 0-1,12-7 1</inkml:trace>
+  <inkml:trace contextRef="#ctx0" brushRef="#br1" timeOffset="77923">5128 10206 24629,'0'55'-5666,"0"-9"3717,0 5 885,0-7 515,0 4 289,6-11 0,1 0-317,-4 21 296,11-9 1,0 0-1774,-10 7 1894,9-11 0,2-1-560,-3 2 107,2 7 195,3-23 59,-16-6 379,10-5-2114,-10-4 2163,2-23 782,-21-16-473,-2-16-515,-3-12-39,-7 2 279,26-6-218,-9 25 1,0-1 136,11-15 0,1-1-30,-4 12 0,-1-2-412,5-21 1,2 2 884,-1-2 177,9 16 0,5 4 888,9 6 318,4-2 84,4 24 1000,-14 5-436,11 20-1664,-3 6-597,-7 19-1598,-8 2-318,-5-7-696,-5-3 273,0-11-1255,0-3 2791,0-1 0,0-3 0,0 0 0</inkml:trace>
+  <inkml:trace contextRef="#ctx0" brushRef="#br1" timeOffset="78144">5718 9739 24898,'7'0'1170,"0"16"-7192,2 10 2975,-2 9 1740,7 19 367,-6-17 446,-1-4 1,0 2-514,1 7-1871,3 14 292,-3-14 2033,-1-2 120,1 1 439,1 15 1,-1-16-1,1 11 1</inkml:trace>
+  <inkml:trace contextRef="#ctx0" brushRef="#br1" timeOffset="78575">5583 10255 23549,'0'-19'-6385,"0"0"4166,19 3 4564,13 3-109,27-4-878,-4 10-776,3 0-226,2 6-316,-12 1 660,-10 8 0,-1 2 504,6-6-1516,-10 10 1,-3 3-1377,3 0 277,4-1 343,-18 12-953,-3-24 1562,-3 21-1485,0-13 952,-5 2-578,0 1 398,-5-10 255,3 5-483,-2-5 1873,11-2-554,-2-3 2041,18 0-575,-8-17 814,19-3 650,-16 0-830,7-16 58,-9 11-331,-7-10-1347,-1-4-865,-11 20 215,-1-6-1285,-3 35-927,-1 6-352,19 28-230,4-9 2685,22 11 1,-11-19-1,2 6 1</inkml:trace>
+  <inkml:trace contextRef="#ctx0" brushRef="#br1" timeOffset="78824">6432 9832 22650,'0'-6'-5396,"18"0"9134,1 4-2720,3 14-2479,-8 4-1078,-14 15-512,0-2 2833,0-4 0,0-11 1,0-6-1</inkml:trace>
+  <inkml:trace contextRef="#ctx0" brushRef="#br1" timeOffset="78974">6625 9342 23279,'23'-12'2974,"8"4"-2211,-8 4-1463,12 24-2485,-17 16-1926,5 13 4587,-8 14 0,0-5 1,-1 4-1</inkml:trace>
+  <inkml:trace contextRef="#ctx0" brushRef="#br1" timeOffset="79657">7632 10019 24449,'-24'0'899,"2"0"-809,3 0-90,3 21-464,1-16 1424,3 39-2268,2-24 703,5 22-748,2-7-67,2-1-584,20 14-492,-15-13 1426,22-9 1,4-2-1273,-5 0 1963,11-9 1,3-3 254,-1-4 902,16-4 394,-20-4 382,0 0 763,-4-19 251,7-3-819,-12-1-359,5-26-1190,-21 30-140,-1-25-716,-8 22-513,0 2-338,0 3-319,-14 2-205,10 26 1077,-11 6 1295,15 28-1333,19-10 72,4-1 528,1-6-84,26-7 1116,-32-4-577,29-9 284,-10-8-148,-10-16 1889,16-8 497,-22-11-1099,7-13-338,-16 16-895,0-10 502,-7 15-1416,-4 0-764,0 5-535,-1 2-37,0 2 836,0 30 40,0 9 47,0 19 82,0 4 125,18-8-1590,10 13 525,11-13 2034,5 4 1,-5-19-1,2-4 1</inkml:trace>
+  <inkml:trace contextRef="#ctx0" brushRef="#br1" timeOffset="79990">8900 10045 24179,'-16'-5'-1530,"12"-2"-2944,-30 6 6199,14-2-1194,-14 18 1236,15 6-1563,6 18-977,13-6-1004,0-1 451,23-3 1366,7-5-1286,24-5 883,-11-9-729,-3-10 1240,-10 0 814,-4-17 967,-8-6-536,-9-19-494,-9 8-754,0-8-1074,-17 18-580,13-9-251,-24 16 185,25 22 127,11 16-1281,-3 15 1124,37 4 429,-24-8 1192,23 1 0,-10-3 0,3-1 0</inkml:trace>
+  <inkml:trace contextRef="#ctx0" brushRef="#br1" timeOffset="80225">8737 9360 22920,'23'-18'1024,"-18"2"-3403,41 3 4167,-41 4-2540,38 4 1175,-19 1-467,14 25-1721,-17-1-939,-8 24 2232,-13-2 0,0 10 0,0 5 0</inkml:trace>
+  <inkml:trace contextRef="#ctx0" brushRef="#br1" timeOffset="80611">10595 9713 24629,'-58'-4'-251,"1"1"230,3 3-1,3 0 117,7 0 58,4 16 687,10-11-546,7 29-726,12-9-308,4 12-305,7 0-551,24 6-500,10-9 1342,-4-6 1,2 0-1430,20 5 1090,-4 6 352,-17-16 725,-16-4-200,11-2 706,-22-3-473,10-3 203,-14-1-688,-20-4 682,-6 1 724,0-4-1973,-20 0 1340,23-3 1,-6-15 0,12-3 0</inkml:trace>
+  <inkml:trace contextRef="#ctx0" brushRef="#br1" timeOffset="80930">11198 9671 24629,'0'-4'-4767,"-23"0"6049,-8 3-124,-24 0-440,2 1-270,23 14 572,-5 1-138,31 18-2273,-10-7 2293,14 4-2181,29-6-15,-22 2-789,54 0 1294,-34 0-136,10-7 1,2-1-615,8 10 1706,-9-5 0,-2 0-643,3 1 1343,12 12-734,-35-18 391,7 2-1108,-21-6-21,5-4-1132,-34 8 2192,-13-7-954,1 0 1,-3 0 742,7-5 1,0 0 0,-4 2 0,1 0 0,-17 1 0</inkml:trace>
+  <inkml:trace contextRef="#ctx0" brushRef="#br1" timeOffset="81357">12243 9785 25888,'0'-6'-1619,"0"0"0,0 24 0,0 6 0</inkml:trace>
+  <inkml:trace contextRef="#ctx0" brushRef="#br1" timeOffset="81471">12325 10209 25978,'0'6'-6386,"0"-1"5854,0-1 0,0-3 0,0 0 0</inkml:trace>
+  <inkml:trace contextRef="#ctx0" brushRef="#br1" timeOffset="84311">14168 9690 22920,'-9'-13'-5778,"6"-1"3767,-6 3 1711,9 0 191,-6 0-965,5 2 680,-4 1 622,5 4-1914,0 23 2051,0 12-35,0 13-196,14 5-778,-10-8 1093,10 0-707,-2 3-43,-10-3-290,21 13-369,-6-16-812,13 15 795,-4-30 1053,2-3-609,7-14 2008,-6-6 98,27-22 871,-22-10-1263,-4 4 0,-2-4 949,4-19-236,5-3-407,-15 18-565,-6 1-888,-3 3 112,-2-5-1523,-5 12 725,-1-6 776,-3 20-923,-1 21-443,-1 11 210,0 23 161,17-11-517,-13 0 31,30 3 270,-30-11-79,26 10 126,-27-13 177,24-1 145,-16-4 828,21 3 1,-12-10-1,4 2 1</inkml:trace>
+  <inkml:trace contextRef="#ctx0" brushRef="#br1" timeOffset="84740">15033 9595 23819,'17'24'-6554,"-13"11"4324,12-11 1016,-3 8-204,-9 1 1146,18 4-179,-20-9 372,15 18-2210,-15-22 2528,9 14-537,-11-20 537,2 3 248,-2-12-295,0-2-404,0-2 190,3-4 1117,-3-20-874,2-5 484,-2-13-734,0 1 328,16 8 595,-12-1-635,11 1 842,4 3 1,-15 3-581,26 3 1896,-14 5-484,-1 1 32,17 8-1022,-20 1 1073,15 4-1342,-9 17-1848,-1-13 1877,0 31-3957,7-9 763,-4 8-1693,12 17 62,-10-20 3492,4 13 0,-2-16 1,0 1-1</inkml:trace>
+  <inkml:trace contextRef="#ctx0" brushRef="#br1" timeOffset="85362">16067 9578 24629,'-22'-8'-2167,"-14"3"2444,9 0-270,-8 4 421,0 1-141,14 14 339,1-10-119,4 24-1470,2-24 1657,7 41-1964,3-26 87,25 37-1213,-16-26 285,36 19-68,-13-21 274,-2 7 595,13-13-174,-34-2 694,23-2 766,-25 2 440,8-7-222,-11 2-103,0-9 49,-16-2 2071,-8-4-1099,-8-13 131,9-2-1108,30-8 736,17 4 1022,25 5 246,-12 7-187,5-4-1943,3 3 320,-11-4 1072,25-7 343,-29 5-72,10-4-1221,-17 3-650,-5-1-75,-1-2-248,-2-9-433,-5 5-278,0-16-589,-8 14 203,-1-11-363,-1 15 401,-17-1-86,13 9-474,-13 1 1656,17 4 190,-13-2 376,10 25 27,-10 7 814,13 16-922,18 18-597,1-20 471,2-4 1,1 0-904,9 2 547,-8-8 1,2-2-763,6-1 272,11-5-147,-10-9 1464,1-9 0,0 3 0,1-4 1</inkml:trace>
+  <inkml:trace contextRef="#ctx0" brushRef="#br1" timeOffset="85610">16863 9370 22920,'0'-14'-5307,"0"3"3898,-13-1 1193,10 5-256,-11 0 1259,14 19-1049,15 5-90,-11 13-1581,11-3 1509,2 14-240,0-10 307,-2 0 1,-1 0 40,0 9-1309,4 11 434,-10-13 267,7-2-246,-5-1 495,1-1-151,-3-5-254,1-2 1117,-2 2 1,-3-10 0,0 1 0</inkml:trace>
+  <inkml:trace contextRef="#ctx0" brushRef="#br1" timeOffset="85773">16668 9639 23909,'0'-22'-5936,"28"1"8732,11-7-1659,17 7-2122,-4 3 1,1 1 1108,7 4 1,-12 3 0,-2 2 0,2 6 0</inkml:trace>
+  <inkml:trace contextRef="#ctx0" brushRef="#br1" timeOffset="85948">17785 9808 25168,'0'-27'-3193,"0"2"1</inkml:trace>
+  <inkml:trace contextRef="#ctx0" brushRef="#br1" timeOffset="87041">18205 9138 24089,'-24'-12'-2324,"1"1"1711,7-1-224,-2 2 944,-7-3-90,7 5 305,-17 2 147,14 5-527,-23 38 1068,16-9-644,8 2 0,0 3 311,-8 16-179,3 9-471,12-28 0,2 3-169,0 17 0,2 2-281,3-13 1,2 1-69,0 4 0,2 5 0,0-5-555,1-5 0,2 0-414,9 25 1,6-1-62,-3-28 0,4-2-119,5 10 1,4-2 1491,-3-15 1,2-4 0,20 20 0,3-6 0</inkml:trace>
+  <inkml:trace contextRef="#ctx0" brushRef="#br1" timeOffset="93198">19322 9262 23639,'0'-14'-4227,"0"0"2549,0 2 1063,0 0 246,0 0 214,0 1 210,0-5-103,-11 6-1467,8-3 1190,-8 5 657,-3 4 731,3 2 27,-15 2 596,3 0-90,-5 19 195,-5-14-85,-3 35 46,-2-21-1295,11 8 1,1 2-187,-11 8-278,10-3 1,4 0-594,4 5-304,3 26-504,15-31-475,23 10-104,11-9 101,14-8 1470,-13-8 1,1-1-358,13 2 611,-9-5 1,1-2 236,5 3 385,9 2 793,-17-1 239,-15-6-719,1 10-1203,-18-9-893,-1 10 232,-27-6 1937,17 4-1336,-46-3 1817,27 1-557,-30 1-412,24-6 1,0-1 730,-20 5-875,10-5 1,1-1 352,-5-3 0,-6 1 0,20-7 0</inkml:trace>
+  <inkml:trace contextRef="#ctx0" brushRef="#br1" timeOffset="93507">19107 8987 23819,'0'-6'-3777,"-10"3"4458,8 16-1475,9-9 886,-3 33-1179,13-16 527,-7 11 0,-1 5-303,9 15-200,-7-14 1,0 1 642,2 26-276,-5-30 0,-2 1 401,-4 1 1,0 3-122,8 19 1,1 0 279,-5-13 0,-1 1-70,0 5 0,1 5 0,-1-5-315,2-6 1,-1 1-542,-1 3 0,0 4 0,-1-4 1104,0-8 1,-1-1-1,3 12 1,0-1 0,-1-19-1,0 1 1</inkml:trace>
+  <inkml:trace contextRef="#ctx0" brushRef="#br1" timeOffset="93894">20125 10006 25888,'0'-9'-4947,"0"1"3089,0-2 1153,18-4 2880,-14 3-2071,52-10 1746,-30 8-1032,35-4-997,-18 4 1435,5 2-1008,3 1 11,1 2-252,2 2 0,0 2 0,1 1 0</inkml:trace>
+  <inkml:trace contextRef="#ctx0" brushRef="#br1" timeOffset="94691">21712 9033 23819,'0'-5'-4766,"0"-1"3177,0 0 794,-18-1 1809,13 0-2097,-24-2 1907,26 3-1825,-26 0 587,4 3 1780,-10 1 126,-13 18 735,18-12-1231,-7 30 1001,8-6-1494,13 10 767,-1 16-1966,14-20-504,22 23-912,17-25 34,10 9 1306,-6-22 1,1-2 7,14 9 361,-7-5 0,-1-1 411,8 1 120,-16-4 1,-2 0 473,2 2 822,-2 3-1039,-20-6-620,-9-1-1179,-3 1 101,-5 6 497,-23-6 1836,-10 12 7,-11-14-646,11-4 1,1 0 617,-7-1-27,-15-1 564,20-6-508,0-2-781,5 0-520,3 0 0,4-20 0,1-5 1</inkml:trace>
+  <inkml:trace contextRef="#ctx0" brushRef="#br1" timeOffset="95191">22352 9056 24629,'0'7'-3328,"12"11"404,-9 13 1664,10 8-79,-13-5 1210,10 4-510,-8 5 438,8 3-1163,-6-11 0,-1 1 452,6 20 460,-4-21 1,2 2-895,0-2 0,0-2 136,-1 17 1151,3 10 0,-6-26 0,0-2 0</inkml:trace>
+  <inkml:trace contextRef="#ctx0" brushRef="#br1" timeOffset="95392">22445 9110 23099,'22'-18'540,"12"0"521,-8-5-1279,7 4 261,21-7-266,-18 12 260,26-2 0,-25 10 1,9 2-1</inkml:trace>
+  <inkml:trace contextRef="#ctx0" brushRef="#br1" timeOffset="95608">22500 9545 22920,'46'0'-90,"2"-17"1594,-6 13-2279,-8-25-521,-3 26 1353,-13-10 0,1 13 0,-4 0 0</inkml:trace>
+  <inkml:trace contextRef="#ctx0" brushRef="#br1" timeOffset="95790">22525 9960 23099,'22'-17'796,"13"12"-383,-31-26-3363,35 27 2436,-7-26-447,11 10 1166,2-8 1,-11 9-1,0 11 1</inkml:trace>
+  <inkml:trace contextRef="#ctx0" brushRef="#br1" timeOffset="96228">23867 8885 24449,'0'-12'-5396,"-20"0"5223,-3 3 609,-27 4 672,12 1-406,-5 4 17,9 23 135,-2-17-634,1 38 991,3-27 78,-2 31-1214,15-19-497,1 21-419,15-21-775,24 17-1111,12-19 979,13 7 1248,-11-16 1,0-1-903,12 8 1107,-9-2 1,0-1-307,6 4 548,-13-3 1,-2 1 54,1 5 306,-13 4 0,-3 2-1184,-4 0 552,-4 1 0,-7-1-171,-24-4 1233,-10 17-68,-13-26 28,15-6 0,1-2 574,-9-1-55,-13-1-589,7-8 0,11-2 0,-6-2 0</inkml:trace>
+  <inkml:trace contextRef="#ctx0" brushRef="#br1" timeOffset="96677">24722 8804 24359,'-23'-16'-4144,"-12"-1"3893,30 4-2523,-35 1 3602,21 1-747,-33 5 789,19 1-362,-11 4-473,3 19 1874,11-14-947,-11 48 791,26-29-1992,5 10 1,3 3-34,4 3-1052,1 14-3,23-16-650,-15 0-573,41-3 577,-10 12 417,15-12 1298,-18-7 0,0-1 194,9 3 193,-10-4 1,-1-1 117,2 3 452,6 10-267,-19-12-923,-4-1 450,-3-1-771,-5-1-91,-3-1-41,-3 0 609,-3 1 161,-17-7 1571,-11 5 628,-10-13-48,-6 0-201,5-6-230,-4 0-455,-4-1-821,12 1 0,0-2 0,-18-13 1,19 6-1,0-1 0</inkml:trace>
+  <inkml:trace contextRef="#ctx0" brushRef="#br1" timeOffset="97024">25248 8719 23099,'23'-2'488,"-1"0"-80,2 0-355,2-1 77,3 0-595,1-1-230,1 1-458,1-1 1182,0 2 1,-1 1 0,-1 0 0</inkml:trace>
+  <inkml:trace contextRef="#ctx0" brushRef="#br1" timeOffset="97226">25372 8913 23459,'-6'12'-2495,"2"2"931,4 1-479,0 3 817,0 0 409,0 13 143,15-5-442,-11 11-1674,12 2 386,-1-6 2149,-11 21 0,12-20 1,-16 10-1</inkml:trace>
+  <inkml:trace contextRef="#ctx0" brushRef="#br1" timeOffset="97414">25192 9843 24449,'39'0'180,"-4"-15"1662,0 12-2011,-1-29-733,26 7 863,-11-9-1174,-4 12 0,2 1 1300,7-2 1,-18 8 0,0 2-1,14-4 1</inkml:trace>
+  <inkml:trace contextRef="#ctx0" brushRef="#br1" timeOffset="97906">26593 8758 23909,'-51'-25'-2142,"10"10"2283,6 6 0,-1 2 386,-7 4 319,-14 2-282,19 21 422,1-15-422,2 39-857,1-21 1485,5 24-1097,4-8-221,4 24-673,10-15 217,4-7 0,6-1-1394,22 4 803,-4-10 1,4-3-540,31 0 1017,-23-12 1,3-2 592,9-7 1,0-3 172,24 4 288,-7-7 1,0-1 850,6-3-396,-12-5 0,-3-5 1634,-2-6-1580,-14 0 0,-5-3-225,-10-17-1777,-20-6-690,-20 8 652,-9 13 1,-5 2-756,-18-2 1800,16 8 0,0 1 0,-21-1 0,1 1 0</inkml:trace>
+  <inkml:trace contextRef="#ctx0" brushRef="#br1" timeOffset="98456">27402 8759 25978,'0'47'-5396,"0"-6"3177,0 6 1155,0-5 425,0 5 214,0 2 273,0-13 0,0 1-76,0 15-571,0-17 1,0-1 798,0 6-90,0-3 0,0-6 0,0-5 180,0-5-449,0-6-811,0-2 1170,0-50-90,0 15 90,0-41 0,0 3 90,0 9-90,0 4 0,0-1 180,0-14 144,6 10 1,1 0 26,-4-7-121,3 24 0,2 1 641,6-15-226,1 21 418,18 2 773,-9 20 221,15 20-1147,-12 11-1066,10 10-11,-9 7-825,2-6-144,-1 3-598,0 2-998,0 0-583,-2-2-175,11 14 3431,-10-17 0,8 7 0,-11-20 1</inkml:trace>
+  <inkml:trace contextRef="#ctx0" brushRef="#br1" timeOffset="98658">28162 8693 25438,'-22'-24'-5184,"5"4"2835,5 4 1002,9 4 100,-19 4 2219,20 21-807,-18 18 683,7 14-1556,2-5 1,-1 2 785,-7 18-777,9-2 0,0 1 188,4-22 1,1 0-213,-2 13 0,1-1 630,2-13 1,0-2 0,0 1 0,0-1 0,0 1-1,1-1 1</inkml:trace>
+  <inkml:trace contextRef="#ctx0" brushRef="#br1" timeOffset="100108">29038 8509 24089,'0'-5'-5216,"0"2"3447,0 0 1154,0 1 247,0-2 122,0 2 122,0-3-14,0 1-1459,-10-2 2227,7 0-1244,-27-1 1640,15 0-267,-29-1 603,15 5-19,-11 0 125,7 2 1,0 1-502,-1 0 1243,1 0-1999,2 13 1231,4-9-1248,-3 9 626,13-1-553,1-9-47,12 20-1669,3-9-44,1 6-193,22-1-333,-1 5 66,5-5 50,7 19-33,-16-11-353,3 24 1242,0-17 657,-17 6 0,-4 2 505,9 5-338,-16-1 0,-6 1 915,-8-1-406,0-6 0,0 1 599,1 6-258,3-16 1,2 0 897,13 10-755,-23-2 330,24 0-1076,-8 9-473,10-14-1552,21 15-542,12-27 2565,27 4 1,-5-18 0,3-1-1</inkml:trace>
+  <inkml:trace contextRef="#ctx0" brushRef="#br1" timeOffset="100490">29417 8554 24718,'0'-4'-5755,"0"1"3716,0 21 885,-11-14 3511,9 32-4024,-15-13 1301,15 16-1472,-5-4-651,27-10 2624,-2-12 0,5-6 1,-9-7-1</inkml:trace>
+  <inkml:trace contextRef="#ctx0" brushRef="#br1" timeOffset="100590">29545 8635 22830,'5'-32'-4140,"-4"3"1826,5 11 1386,-6 0 672,0 31 0,0 8 0,0 31 0</inkml:trace>
+  <inkml:trace contextRef="#ctx0" brushRef="#br1" timeOffset="100944">30428 8429 23909,'0'32'-6925,"-17"-3"7288,12 2-2290,-13-10 2216,4-7-207,11 1 1,-11-9 0,14 8 0</inkml:trace>
+  <inkml:trace contextRef="#ctx0" brushRef="#br1" timeOffset="101090">30515 8421 24359,'7'-9'-683,"-5"18"-4788,6 16 93,-8 24 5181,0-8 0,0 5 0,0-13 0</inkml:trace>
+  <inkml:trace contextRef="#ctx0" brushRef="#br1" timeOffset="101890">30737 8336 24629,'0'-6'-5846,"0"0"3807,0 2 1335,0-2 65,0 2 213,0-1 122,20 1 2049,4 3-1514,24-1 1440,-10 2-74,16 17-606,-18-12 275,9 24-631,-14-25 769,-3 21-3141,-2-22 1619,2 21-1136,-9-12 177,1 9 148,-13-4-1128,-3-4 986,-4-1-333,0 1 1259,0 3-1204,-18 13 2176,14-5-895,-29 25 1160,29-19-335,-19 29 608,21-22-1156,-7 13 42,9 5-341,0-11-587,8-6 1,4 0-264,6 8-59,1-7 0,0 1 76,-2 6 254,-1-15 0,-1-1-159,-12 11 303,29 0 315,-22-1-7,18 14 243,-15-14 18,-2 19 184,-7-30 295,-4 14 97,-22-23 1183,17 3-1139,-40-12 1932,23-3 334,-20-2-545,-5-4-308,12-1-1012,-20-1-278,26-20-3878,-10 2 2222,22-5 193,2-7 0,11 25 1,4-12-1</inkml:trace>
+  <inkml:trace contextRef="#ctx0" brushRef="#br1" timeOffset="102496">31722 8178 23549,'12'-3'2775,"8"1"-2441,-10-1 1054,7 3-1519,-3-2 416,-3 2-217,4 0 73,4 20-1658,-1-15 702,3 38-1324,-4-25 102,1 23-200,4-5 1125,-4-3 0,0 1-936,12 23 1062,-3-1 0,-1 2 668,-9-21 0,-2 0-560,5 12 0,0 3 885,-3 3 0,-1-2-282,-5-13 0,-1 2 370,-1 2 0,0 4 0,-3-4-5,-1-5 0,-3-1 216,-7 24 1,-3 0 52,7-25 0,-3-3 254,-16 11 1,-6 0-46,3 0 0,-1-3 191,-6-9 0,-2-1-355,1 2 0,-2 2 0,3-4 154,1-4 0,-2-2-1137,-18 15 0,-2-4 901,22-17 1,0-3-1,-6 4 1,1-2 0,-11 1-1</inkml:trace>
+  <inkml:trace contextRef="#ctx0" brushRef="#br1" timeOffset="102906">32697 8870 28137,'0'-7'-6296,"0"3"3808,0-4 1154,0 5 1174,0-5 0,0 7 1,0-2-1</inkml:trace>
+  <inkml:trace contextRef="#ctx0" brushRef="#br1" timeOffset="103123">32813 9141 25078,'4'31'-7053,"0"-1"4851,7 17 537,-2-13 691,9 30 327,-6-27 410,-1-3 0,1-1-344,3 6-1658,4 12 1785,0-3-27,-5-12 231,5 19 10,-11-25 139,-1 4-113,-5-6 204,-2-9-1056,-27 6 1752,-8-14-33,-16-1 0,-1-6 0,10-2 0</inkml:trace>
+  <inkml:trace contextRef="#ctx0" brushRef="#br1" timeOffset="104770">12505 11506 21210,'0'0'0</inkml:trace>
+  <inkml:trace contextRef="#ctx0" brushRef="#br1" timeOffset="104958">12490 11923 25348,'0'5'-1349,"0"0"0,0-2 0,0-1 0</inkml:trace>
+  <inkml:trace contextRef="#ctx0" brushRef="#br1" timeOffset="109256">14582 11396 24539,'0'-10'-5127,"-19"3"5439,-2 1 213,-22 3 448,21 19 170,-21-12-409,26 31-1180,-19-17 1023,12 16 619,3-4-854,1-1-128,11 2-1186,-5-2-30,13 0-660,-6 8 1225,26-10-1990,9 16 870,-3-19 470,24 6 456,-29-9 84,23-1 638,-12-2 430,-2 1-196,-2-2 663,-4 0-168,2 8-881,-14-7-798,1 14 114,-12-12-192,0 4 32,-26-5 1255,20 1-1465,-43 0 1814,28-1-760,-20-1 716,10-2 1,3-2-1,0-1 1</inkml:trace>
+  <inkml:trace contextRef="#ctx0" brushRef="#br1" timeOffset="109607">15023 11873 22830,'31'-6'1792,"-2"-1"-1094,0-1-132,0-3 154,-1-4-548,0-2-196,10-15-304,-9 6 816,14-22-670,-23 17-613,2-8 209,-13 0-1150,-5 13 339,-3-15-185,-25 21 613,-4-5-244,-16 15 1329,-7 1 169,18 8 308,-9 1 682,5 18 801,11 6-552,-8 25-646,24-8-525,-1 3-1075,11-11-626,0 2-624,0 0-434,0 0-774,25-1 256,-19-1 702,24-12 1,5-2 2233,-7 10 1,3-12-1,2-2 1,9 3-1</inkml:trace>
+  <inkml:trace contextRef="#ctx0" brushRef="#br1" timeOffset="110092">15908 11603 25708,'-17'-16'-4309,"-11"12"5551,11-22-3869,-16 24 3733,7-9-1033,0 11 700,8 0-125,-1 0-648,-1 0 1414,2 21-1338,0-16 2384,5 36-3270,1-10 669,7 10-1477,21 16-496,-12-22 170,41 8 433,-23-13-22,24-4-89,-8-1 1524,15 6-38,-14-8 479,16 7 772,-36-14-527,11-1 45,-28-8-984,8-2 144,-10-1-1765,-17 1 1632,-9-4 258,-21 1 201,7-2 0,-8-22 1,11-5-1</inkml:trace>
+  <inkml:trace contextRef="#ctx0" brushRef="#br1" timeOffset="110432">16375 11420 25708,'-46'0'270,"20"16"824,-10-12-1015,32 26-2333,-28-27 2713,28 26-2011,-10-9 1393,14 8-1618,0-1 91,0-9-411,22 0 635,7 6 1410,11-6-985,10 15 1269,-18-15-763,5 7 953,-14-8 170,-3-1-90,-10-1-998,6 5 201,-14-6-692,7 10-189,-29-10 2623,-9 12-426,-13-10 582,-1 4-1246,-5-4 930,13-5-746,-15 0 1,33-8 0,0-2-1</inkml:trace>
+  <inkml:trace contextRef="#ctx0" brushRef="#br1" timeOffset="110644">16877 11632 24089,'6'0'1529,"-3"15"-6994,-1 2 3123,-16 20 2546,10-8-642,-11 3 278,15 5-906,0-8-1160,0 7 90,0-11 1779,0-2-105,0 1 108,0 3 1,14-9-1,4 2 1</inkml:trace>
+  <inkml:trace contextRef="#ctx0" brushRef="#br1" timeOffset="110816">16983 11313 23549,'0'13'-2458,"0"8"0,22 23 1,5 6-1</inkml:trace>
+  <inkml:trace contextRef="#ctx0" brushRef="#br1" timeOffset="111123">17440 11586 24539,'-21'-12'-2334,"16"20"2288,-33-3 1584,33 37-3213,-24-5 1994,17 11-687,5-12 1,0-1-264,-2 7-617,9 13 707,0-21-690,23-3-717,-17-6 1100,55 0 194,-39-11 825,11-6 1,1-4 891,-1-2-196,22-22 1316,-25-8-721,3-12 31,-22-2-608,2 9-1263,-12-2-1403,5-15-43,-6 15-1101,-26-19 2455,-4 31 0,-26-4 0,3 14 1</inkml:trace>
+  <inkml:trace contextRef="#ctx0" brushRef="#br1" timeOffset="111507">18080 11603 24359,'0'44'-6116,"0"-9"3988,0 0 1153,0-7 427,0-1 122,0 11 122,0-12-14,0 15-1279,0-22 1687,0 5-359,0-15-91,10-1 687,-8-26-67,16 13 1780,-16-38-1948,22 4 1100,-12-10-749,4 13 0,1 1 820,2-7-467,-2 10 0,0 2 414,2 2 52,6 1-1736,-3 17 2591,-5 8-1495,8 14-763,-11 17-2811,2 27 7,-11-2-322,0 7 2966,-5-11 1,0 2-1,0 1 1</inkml:trace>
+  <inkml:trace contextRef="#ctx0" brushRef="#br1" timeOffset="112477">19140 11885 27687,'35'0'-270,"7"0"-450,-5 0-179,8 0-540,-8 0-270,6 0 1709,-10 0 0,2 0 0,21 0 0,-19 0 0,0 0 0</inkml:trace>
+  <inkml:trace contextRef="#ctx0" brushRef="#br1" timeOffset="112778">20313 11560 25258,'-19'-15'-3495,"14"0"-385,-26 1 4773,28 1-2518,-18-1 1685,12 5-446,-3-1-205,6 21-1381,20-11 1160,-11 23-1397,11-13 1867,-14 10 1,0-11-1,0-1 1</inkml:trace>
+  <inkml:trace contextRef="#ctx0" brushRef="#br1" timeOffset="113324">20427 11527 24089,'0'-16'-4767,"-22"3"4341,17 2-1880,-34 5 3872,13 2-469,-11 3-96,-2 1-129,8 21-573,-3-15 720,9 22 1,2 5-355,-14-9 428,10 12 1,4 4-1348,0-1-50,4 13-596,14-17-408,5-2-767,0-3-233,23 4 651,7-12 180,30 0 1242,-11-16 466,-13-15 0,-1-2 1285,8 5-510,-13-18 0,-2-5 520,8 3 394,0-30-559,-7 11-607,-2-5-693,-4-2-926,-4-5 45,-9 16 0,-2-2-1109,2-22 1284,-5 9 1,-2 1-987,-2-8 1310,-1 22 1,0 2-358,0-11-27,-20 3-689,15 8 586,-30-6 197,31 19 899,-12-2-890,16 44 662,0 34 36,0 10-83,-1-5 0,2 1 83,8-24 1,-1 0-798,-7 28 1,3 0 1,11-24 0,1-1 52,-14 12 0,-1 1-901,15-2 1,0-3 1428,-5 22 1,3-25 0,1-1-1,2 10 1</inkml:trace>
+  <inkml:trace contextRef="#ctx0" brushRef="#br1" timeOffset="113657">20927 11863 23819,'7'0'90,"3"0"-90,1 0 0,3 0 90,4 0-180,2-15 373,3 11 2,3-25-435,3 25 394,12-37-407,-11 23 696,5-22-642,-16 15-123,-5-1-493,-4 0 27,-5 0-159,-2 1-390,-3-1 623,-18-8-1765,13 11 717,-28-10 579,11 21 749,-17 1 802,3 27 1345,6 13-520,15 10-1570,6 21 118,9-22-800,9-3 0,1 0-912,-6 4 1757,17-13 0,5-2 0,1 4 0,26-1 1</inkml:trace>
+  <inkml:trace contextRef="#ctx0" brushRef="#br1" timeOffset="113960">21960 11353 24359,'-25'-10'-2342,"-16"4"2478,12 3 80,-17 2 229,19 22 241,-4-16-111,28 37-1921,-10-24 935,13 20-487,0 10-491,24-11-344,-18 13-66,40-15 345,-40 0-789,40 0 2420,-40-1-1694,37-1 1928,-37-2-645,28 10 666,-31-13-340,10 13-1055,-13-22 1280,-17 3 602,12-11 192,-37-2 306,21-2 684,-23-3-1015,8-1-288,-1-3-242,-12 0 1,14 0 0,-9 0 0</inkml:trace>
+  <inkml:trace contextRef="#ctx0" brushRef="#br1" timeOffset="114376">22578 11014 25528,'-2'-10'-6054,"1"2"3619,0 0 1569,1 3 1074,-1 1-788,1 24 518,0 13 59,-1 14-834,1-7 1,0 1 1197,0 15-454,0-3 1,0 1-269,0 11 146,-2-23 0,4 0-173,15 13-1098,-13-3 384,13-3-1003,-2 12 807,-11-19 1168,21 16 1,-22-30-1,8 4 1</inkml:trace>
+  <inkml:trace contextRef="#ctx0" brushRef="#br1" timeOffset="114690">22462 11704 22650,'0'-41'-6476,"0"8"4258,0-21 1064,25 23 2436,10-17-490,16 24 957,0-3-541,-9 16-721,-1 5 1408,1 4-94,13 17-722,-13-12-1128,-10 19 1,-2 3-499,1-5-837,7 28-720,-19-20 155,-2 0-205,-6 0 111,0-1 588,-6-5 503,1-2 734,-4 1-439,-1-29 1228,0-11-180,-1-22-42,0-8 162,0 8 135,0-7-1003,0 14 0,0-2 59,0-20-416,5 10 1,5 1-460,11-4 1422,-2-10 1,18 29 0,-12 1 0</inkml:trace>
+  <inkml:trace contextRef="#ctx0" brushRef="#br1" timeOffset="115057">23778 11485 24179,'-33'-14'-2179,"-21"11"3071,32-12-2409,-28 4 1719,-8 8 332,11-8-345,10 18 0,0 3 695,-4-6-484,13 20 1,4 5 63,6-5-708,7 11 1,5 3-98,6 2-907,20 14-944,14-7 257,12-14 935,-8-11 0,1-3-598,14-6 1548,-18-6 1,1-2 467,13-5 854,-2 0 324,-3 0 690,-6-19 159,-6 15-1023,-9-33-1038,-7 7-505,-8-7-975,-25-17-989,12 22 762,-24 7 0,-1 1-449,20-3 410,-24 12 0,2 1-506,25-1-532,-41 3 1596,42 2 933,-25 5 0,28 2 1,-8 3-1</inkml:trace>
+  <inkml:trace contextRef="#ctx0" brushRef="#br1" timeOffset="115307">24173 11505 25888,'0'33'-6746,"0"3"4258,0-5 704,17 10-453,2-16 695,21 12 958,-9-18-155,17 0-876,-16-13 1979,9-3 1,-10-3 0,-1 0 0</inkml:trace>
+  <inkml:trace contextRef="#ctx0" brushRef="#br1" timeOffset="115573">24590 11512 23729,'0'-20'-4946,"0"3"3087,-18 1 1218,14 4-1144,-14 1 2480,5 3-178,-1 4 76,-2 23-779,6 14 793,10 32-607,0-7-211,0 7 460,9-25 0,2-1-1376,10 22 549,-1-6 1,0 0-239,-10-22 1,-1-1-115,6 22 0,-1-2-205,2 7 938,-8-23 1,2-1-325,10 7 171,-18-5 734,6-4-31,-8-5 193,0-5-6,0-4-642,-21 0 1646,-11-10-691,-34 2 142,9-9-563,-6-1 0,17-1 0,-1 0 0</inkml:trace>
+  <inkml:trace contextRef="#ctx0" brushRef="#br1" timeOffset="116324">25545 10888 24808,'-44'0'1440,"19"21"-889,-15-16 34,20 44-944,-7-26 0,-2 0 208,11 7 1,1 4-172,-13 17 1,1 0 49,13-16 0,3 1-657,-2 26 0,4 1-7,4-25 0,5 0-808,15 24 0,8-3-75,-7-26 0,5-2 414,14 9 0,5-5 1309,-5-14 0,1-5 0,4-1 0,2-2 1,2-2-1,-1 0 0</inkml:trace>
+  <inkml:trace contextRef="#ctx0" brushRef="#br1" timeOffset="116612">25887 10812 22650,'28'-8'3506,"23"3"-2684,-6 1-649,10 4-149,-16 5 0,-1 4-576,7 14-461,11 8 290,-21 7-956,-5-7-366,-5 7 35,-7 26-265,-7-10 1476,-17-2 1,-3 1 337,9-19 1,-5 0 93,-15 5 1,-8 4 0,2-4-63,9-3 0,-2 0 600,-18 9 0,-9 4 1,6-5-1,11-12 1,2-1-1,-15 16 1,0 1-1</inkml:trace>
+  <inkml:trace contextRef="#ctx0" brushRef="#br1" timeOffset="116891">26957 11213 26428,'7'-1'-553,"-3"0"538,-2 0-394,-2-3-3407,0 1 1062,0-3 286,-16 3 2504,12-1 1,-13 4-1,17-1 1</inkml:trace>
+  <inkml:trace contextRef="#ctx0" brushRef="#br1" timeOffset="117308">26895 11711 20671,'0'-11'-3193,"0"2"0</inkml:trace>
+  <inkml:trace contextRef="#ctx0" brushRef="#br1" timeOffset="118030">26895 11736 27597,'0'29'-6206,"0"5"4078,0-7 1153,0 5 247,0-6 302,0 2 32,0 5-823,-19 17-856,-6-8 1705,-10 12-294,-5-14 1039,8-1 0,-8 0 0,-1-1 1</inkml:trace>
+</inkml:ink>
+</file>
+
+<file path=ppt/ink/ink7.xml><?xml version="1.0" encoding="utf-8"?>
+<inkml:ink xmlns:inkml="http://www.w3.org/2003/InkML">
+  <inkml:definitions>
+    <inkml:context xml:id="ctx0">
+      <inkml:inkSource xml:id="inkSrc0">
+        <inkml:traceFormat>
+          <inkml:channel name="X" type="integer" min="-2.14748E9" max="2.14748E9" units="cm"/>
+          <inkml:channel name="Y" type="integer" min="-2.14748E9" max="2.14748E9" units="cm"/>
+          <inkml:channel name="F" type="integer" max="32767" units="dev"/>
+        </inkml:traceFormat>
+        <inkml:channelProperties>
+          <inkml:channelProperty channel="X" name="resolution" value="1000" units="1/cm"/>
+          <inkml:channelProperty channel="Y" name="resolution" value="1000" units="1/cm"/>
+          <inkml:channelProperty channel="F" name="resolution" value="0" units="1/dev"/>
+        </inkml:channelProperties>
+      </inkml:inkSource>
+      <inkml:timestamp xml:id="ts0" timeString="2021-07-30T05:08:05.996"/>
+    </inkml:context>
+    <inkml:brush xml:id="br0">
+      <inkml:brushProperty name="width" value="0.12095" units="cm"/>
+      <inkml:brushProperty name="height" value="0.12095" units="cm"/>
+      <inkml:brushProperty name="color" value="#FF0000"/>
+    </inkml:brush>
+  </inkml:definitions>
+  <inkml:trace contextRef="#ctx0" brushRef="#br0">2580 1467 23999,'-26'15'2669,"0"3"-2103,-1-3 59,1 3-498,-1 0-79,2 1-134,2 4-265,-1-2 480,5 4-760,-1-1-47,4 2-357,0 2 200,4-1-225,2 1-192,3 0 233,3-1-456,2 0 254,2-2-503,0-2 8,27-1-476,-21-5-787,51-2 3111,-31-3 1,30-5 0,-10-2-1</inkml:trace>
+  <inkml:trace contextRef="#ctx0" brushRef="#br0" timeOffset="332">2965 1765 24359,'-28'28'832,"0"-3"-303,2-8 159,-7 5-266,10-4-373,-2 5-67,14-1-922,6-4 67,2 7-561,23-12 191,13 1 113,10-10 891,0-10 1,1-2 427,3 4 78,-1-11 0,-3-4 932,-9-6-428,5-16 253,-27 6-2035,-6-8-120,-27 28-1358,-8-16-366,1 25 2669,-21-4 1,43 7 0,-19 3 0</inkml:trace>
+  <inkml:trace contextRef="#ctx0" brushRef="#br0" timeOffset="668">3693 1587 23369,'-38'0'1260,"-1"17"460,4 1-1015,14 13-1866,6-5 52,5-3 226,8-1-498,-8 0 605,27 6-1216,-12-9-703,49 6 1244,-29-15 1470,12-5 0,1-2 459,2-2 251,13-1 563,-9-18 264,-15-6 614,4-19-595,-20 8-1709,-6-9-868,-3 19-443,-26-6-1171,-6 14 933,1 0 1413,-34 9 0,40 1 1,-32 7-1</inkml:trace>
+  <inkml:trace contextRef="#ctx0" brushRef="#br0" timeOffset="948">4273 1085 23819,'-32'-1'1516,"11"14"-338,11 10-2792,10 9-743,19 8-37,-15-4 1525,11-6 0,3 2-653,2 19 145,-12-16 1,2 1-1197,20 16-554,-26 1 1534,10 1 373,-7-1 665,-5-1 671,5-3 1,-7-4 0,0-3 0</inkml:trace>
+  <inkml:trace contextRef="#ctx0" brushRef="#br0" timeOffset="1190">4740 1287 23909,'-39'18'4439,"-6"3"-3545,10 2-1012,10 18-1332,-7-21 1661,17 22-1523,-7-10 791,-2 1-7,20 14-1920,-10-12 124,14 19-431,18-27 424,-14 7-974,39-16 3356,-22-3 0,25-3 0,-10-2 0</inkml:trace>
+  <inkml:trace contextRef="#ctx0" brushRef="#br0" timeOffset="1381">5107 1533 24359,'0'30'-6656,"0"1"3808,0-6-375,17 5 3067,-12-12 1,30 4-1,-14-9 1</inkml:trace>
+  <inkml:trace contextRef="#ctx0" brushRef="#br0" timeOffset="1548">5177 1168 22830,'0'-10'-6386,"-7"1"2519,5 3 3852,-4 24 1,6-14-1,0 17 1</inkml:trace>
+  <inkml:trace contextRef="#ctx0" brushRef="#br0" timeOffset="1884">5627 1671 22290,'10'0'360,"0"0"-270,2 0-90,1-19-591,3 15 1431,2-29-1574,0 29 1289,0-25-884,1 11 584,-6 0-257,-2-17-710,-7 23 401,-3-15-1610,-1 14 1296,-18 2-391,14 1-342,-31 4 1109,12 2 486,-16 2 651,17 17 495,-6-11 425,26 25-1635,-9-6-144,11 19 151,0-5-2862,25 13-89,-19-22 2512,21-5 0,5-1 0,-8 0 0,29 5 0</inkml:trace>
+  <inkml:trace contextRef="#ctx0" brushRef="#br0" timeOffset="2165">6187 1319 24089,'-16'-11'-3461,"12"-1"-744,-24 6 5640,25 0-3389,-10 20 3361,13 8-2045,16-1-81,-12 20-1062,31-22 2010,-5 33 25,7-19-771,-12-5 0,-1-1 949,1 5-1798,-1 9 929,-9-16 375,-13-2 105,5-1-1618,-27 6 2474,15-7-1530,-25-4 0,-6-3 1106,7 4 1,-4-8 0,-3-1 0,-7 4 0</inkml:trace>
+  <inkml:trace contextRef="#ctx0" brushRef="#br0" timeOffset="4476">7283 1334 25708,'-17'0'0,"3"0"0</inkml:trace>
+  <inkml:trace contextRef="#ctx0" brushRef="#br0" timeOffset="4662">7327 1723 24539,'-5'3'997,"4"-1"1,-3-2-1</inkml:trace>
+  <inkml:trace contextRef="#ctx0" brushRef="#br0" timeOffset="9620">9212 1200 24089,'0'-6'-4947,"-20"2"6318,16 0-2413,-30 3 2460,15-1-682,-14 16 731,3 4-695,4 14-972,13 3 817,5-6-1251,8 0 185,0-9-1355,0 0 44,19-1-842,-15-1-393,32-1 1968,-31-2-144,26-4 0,6-2 877,-10 0 647,14 0 0,3-7 1,-6-19-1,13-3 1</inkml:trace>
+  <inkml:trace contextRef="#ctx0" brushRef="#br0" timeOffset="10186">9547 695 23189,'0'-9'-5036,"-14"3"5233,2 17 1514,-4 34-2231,8-1 70,7 1 1,2 3-523,-1 8 528,9-16 1,2-1-1656,-6 21 1934,15-3-1331,-3 2-563,-12-4 1132,27-2 122,-29-4 358,14-18 0,0 0-173,-6 10 293,19 16-1,-18-34-51,4 0 512,-8-17 126,2-3 1080,-3-3 648,3-22-854,0 16 1411,6-51-1497,0 36-260,-3-10 0,1-1 270,4 3 214,12-13-800,-14 28-113,8-8 585,-4 21-1184,0-5 1887,9 29-2242,-9-18 847,6 41-1818,-7-27 387,0 20-1070,0-8 124,10 12-23,-8-12-619,18 12 2057,-15-28-346,22 5 2227,-16-19 234,11 4 521,-13-28 275,-2 17 137,-1-43-855,2 14 144,-9-11-636,0-10-813,-14 27-1125,-1-4 390,-3 11-1136,0 30-418,0 5 1196,14 9-920,-10 21 333,23-26 745,-24 21-611,28-13 401,-16-2 1017,17 0 1,-9-5-1,1-1 1</inkml:trace>
+  <inkml:trace contextRef="#ctx0" brushRef="#br0" timeOffset="10434">10368 894 24089,'-9'-3'-2263,"0"1"-232,3 0 1863,20 17 1,-11-12-1,16 12 1</inkml:trace>
+  <inkml:trace contextRef="#ctx0" brushRef="#br0" timeOffset="10816">10957 1316 24898,'-41'3'1855,"2"1"-1467,8 1-107,14 2 417,-3 2-83,17 2-2322,-8 1 1349,10 2-1475,-3 8 238,4-3-671,19 9 0,-15-12-838,34 5 1463,-11-12 2092,9-1-830,1-7 1687,-13 0-91,1-1 379,4-19 631,-9 14 718,1-31-1701,-11 15-1182,-5-14-1014,-2 7-363,-3 26-501,0 17-2030,15 47 304,7-18 3086,-8-13 0,3-3 0,19 2 0,-5-2 1</inkml:trace>
+  <inkml:trace contextRef="#ctx0" brushRef="#br0" timeOffset="11368">12018 1122 23999,'0'-5'-6206,"-17"1"7257,1 2-295,-15 22 723,16 3-1816,4 13-459,11-3-496,0-8-395,0 2 1597,22 18-1810,-17-16 280,34 19-487,-35-30 468,23 4 1246,-25-14-153,8 1 741,-10-7-195,-17 0 2265,1-1-235,-4-11-1189,31 7 1632,19-7-533,27 3 435,-10 6-903,16-11 467,-24 5-1807,10-4 220,-16-2 1373,-2 1-1434,-1-1-158,-3-1 351,-4-1-219,-3-1-109,-3-8-721,-9 5 10,0-12-960,-8 13-533,0-3-33,-19 8 377,15 3-851,-15 3 1563,2 2 925,-1 3 585,-2 15 624,7 10-648,13 19-854,0-4-1238,20 14 586,4-22 886,-1-6 1,2-2 0,11 0 0,1 4 0</inkml:trace>
+  <inkml:trace contextRef="#ctx0" brushRef="#br0" timeOffset="11632">12388 891 22650,'36'0'719,"-5"0"-629,-15 15-3123,5-11 2885,-7 22-2472,10-14 2247,-1 1-341,-2 5-1101,1-16 903,3 12 842,6-13 0,4 3 1,3-4-1</inkml:trace>
+  <inkml:trace contextRef="#ctx0" brushRef="#br0" timeOffset="12348">12367 945 22830,'28'0'1079,"-1"0"-1079,-5 13-1932,-5-10 1705,-3 9-1587,-2 0 70,-2-9 876,4 20-2568,-2-21 3089,4 21 1,0-15 0,1 11 0</inkml:trace>
+  <inkml:trace contextRef="#ctx0" brushRef="#br0" timeOffset="13065">13807 1143 24539,'0'-13'-5756,"0"1"3627,0 3 1065,0 3 425,-22 2 2002,-2 2-358,-25 19 650,12-12-1686,1 33 1435,12-33 497,10 37-1295,-7-25 1044,18 19-2760,-9-1 316,12-10-1386,18 16-334,6-16 994,-1 4-647,19-10 2399,-36 0-2643,37-3 3307,-22 5-1120,5-7 1133,-3 4-12,-20-12-1745,5 4 291,-8-6-820,0 1-202,-18-2 1268,13 0 730,-32-1 1,32-2-1,-15 0 1</inkml:trace>
+  <inkml:trace contextRef="#ctx0" brushRef="#br0" timeOffset="13465">13845 655 25168,'0'43'-5666,"0"-5"3538,0 10 1064,0-4 425,0 6 303,14 7-514,-10 2 625,8-13 0,0 1-782,-10-11 0,-1 0 598,7 26 1,2-1-102,-5-26 0,0-1 42,-1 10 0,2 1-665,4-5 1,1-2 1034,-2 18 1,1-21 0,0-1 0,2 7 0</inkml:trace>
+  <inkml:trace contextRef="#ctx0" brushRef="#br0" timeOffset="13915">14475 1263 23819,'-13'-8'-3788,"9"1"-415,-20 1 5631,21 0-3102,-20 3 2929,7 0-374,-6 2 18,1 1-809,5 19 701,5 6 664,1 24-2178,7-11 1436,2 4-2152,1-4 192,22-9-978,0 10 70,23-20 1526,-13-4 506,1-9 918,-10-6 640,7-21 430,-9 16 193,8-46-765,-16 32 566,1-39-2043,-11 30 268,0-16-943,-3 21-737,0-1-393,0 12-70,0 3 246,0 22 63,0 4-608,21 21 254,4-18 2222,12 11 0,-3-28 1,-7 11-1</inkml:trace>
+  <inkml:trace contextRef="#ctx0" brushRef="#br0" timeOffset="14149">14598 910 23279,'0'-8'-5935,"0"0"4166,0 4 705,17 1 3550,-12 19-3999,24 2 1295,-27 20-886,20-20-874,-20 19 1131,8-23-339,-10 15 1186,0-11 0,0-1 0,0-1 0</inkml:trace>
+  <inkml:trace contextRef="#ctx0" brushRef="#br0" timeOffset="14332">14850 618 23639,'25'-7'3707,"-1"3"-3209,-1 1-412,8 3-530,-5 0 148,19 17-723,-15-13 420,6 13-2403,7 0 108,-11-4 2664,13 6 0,-13-9 0,1-10 1</inkml:trace>
+  <inkml:trace contextRef="#ctx0" brushRef="#br0" timeOffset="15065">16230 1569 23459,'0'-35'-7375,"0"-2"5247,0-7 1153,21-5 1509,-16-8-524,12 29 1,1-2 107,-9-14 1,-3-2-190,3 13 0,-1-2-471,0-22 0,-4 0 962,-4-7-285,0 23 0,0 2 135,0-12-699,0 6 655,0 5-193,-19-1-935,14 15 925,-28-1 138,30 35 708,-10 18 31,13 40-810,0-1-33,-2-12 1,4 0-172,6-19 0,1 0 351,-8 12 1,3-1-339,15-14 0,0-1-491,-14 28-123,15-30 1,4 0-134,-7 7 0,0-1 101,28 14 588,-15-14 1,0-3 132,4-5 223,22 0 1123,-25-19 118,5-4 549,-7-26 116,-9 17 688,8-50-1687,-15 48 1193,-1-45-1738,-8 48 252,-2-31-1775,0 32 857,-1-20-1636,-1 61-340,16-14 875,-12 32-1063,28-31 2076,-7 1-1123,8-13 1952,12 5-884,-18-9 1364,6-8 432,-12-19 426,-3 15 364,-3-35-1934,-3 22 962,-2-20-1587,-5 10 13,-2-9-758,-3 9-628,0-1-700,0 30-1071,0 12 1744,0 25-617,0-7 287,0 3 1710,14-12 1,-10-2-1,11-3 1</inkml:trace>
+  <inkml:trace contextRef="#ctx0" brushRef="#br0" timeOffset="15221">16887 867 24898,'-8'-14'-9831,"-4"2"9269,33 24 1,3 8 0,29 20-1</inkml:trace>
+  <inkml:trace contextRef="#ctx0" brushRef="#br0" timeOffset="15915">17398 1417 24269,'14'-30'-2799,"3"4"2495,15 4 1718,-1 2-601,-13 3-771,3 2 351,-18 3-1791,5-5 708,-8 4-274,0-2-68,0 4-872,-26 2 879,20 1-777,-42 2 1294,42 1 625,-39 3 730,21 1 776,-15 0 32,18 16 320,9 3-1751,12 19-8,0-9-1555,16 12 344,7-16-560,22 14 140,-7-20 218,17 8-36,-20-17 1085,9 0 1185,-2-6 263,-12-3 1020,12-16-57,-22-4-838,1 0-560,-11-14-971,-5 30 1599,-2-43-2308,-2 26-508,-1-18-274,0 16-593,-14 11 788,10 26 404,13 23-9,16 8-108,-1-12 1,3-3 902,11 1 155,-12-7 1,1-3 152,6-6 681,8 10-587,-13-23 752,-2 7 481,-2-9 549,-1 0-295,-5-19-404,-1 14 604,-4-49-2176,-6 33 868,-2-45-1501,-5 32 418,0-11-902,0 17-181,-16 1-410,12 3-485,-12 2 1576,16 32 15,17-15 2306,-12 50-2228,28-26 509,-29 22-950,31-11 350,-30 1 891,32-4 1,-33-1 0,14-2 0</inkml:trace>
+  <inkml:trace contextRef="#ctx0" brushRef="#br0" timeOffset="16131">17072 891 24898,'23'-18'1235,"0"1"-785,22 1 642,-4 3-584,1 2-232,7 2-641,1 5-320,-14 1 0,-1 3-419,18 18 879,-13-4 0,-3 3 1,2 27-1,-16-18 0,1-1 1</inkml:trace>
+  <inkml:trace contextRef="#ctx0" brushRef="#br0" timeOffset="16253">17570 2004 23549,'0'19'-1755,"15"2"0,2-10 1,14-1-1</inkml:trace>
+  <inkml:trace contextRef="#ctx0" brushRef="#br0" timeOffset="17014">19608 866 24269,'-26'-13'-2232,"-2"4"2139,-2 5 790,-5 3 130,-23 22 541,11 14-1158,8-3 0,2 3-266,15-5 0,3 1-200,-7 11 0,3 0 356,7 7-555,2 12-742,14-23-635,30-6-1103,-5-3 1716,13-14 0,5-4 507,14 2 474,0-5 0,1-5 454,-22-10 1,1-4 271,10-3 0,4-1 0,-5-3 391,-12-3 0,-2-4 124,22-14 1,-7-2 980,-23-1-1241,-9 8 1,-4-1-854,-10-5-255,-15-17-1701,-14 27-174,-22-10 416,-1 27 1123,6-2 70,19 32 1702,11 13-764,15 11-452,8-6 0,2 1 98,-5 14-212,17-16 1,5 2-60,-5 6 1,1-2-322,6-9 1,2 1 271,-4 3 1,1 4 0,-3-3-670,-2-3 1,0-2 434,6 10 0,-3 0 497,5 13 167,-7-5-66,-11-2-47,-6-5-45,-7-4 152,0-4-62,-21 5 555,-17-14-581,6-9 0,-3-4 1506,-25-3-892,-1-3 1,23-6 0,1 0 0</inkml:trace>
+  <inkml:trace contextRef="#ctx0" brushRef="#br0" timeOffset="17232">20587 999 23999,'11'0'899,"-3"0"-539,-2 21-4411,-4 4 2052,-1 15 950,-1 0 188,0-6 372,0 4-1198,0 2 349,0-3 1,0 2-709,0 8 1233,8-4 0,4-3-1133,9-9 2017,3 3 0,12-22 0,-12-2 0</inkml:trace>
+  <inkml:trace contextRef="#ctx0" brushRef="#br0" timeOffset="17387">20635 718 23729,'-12'-18'-7487,"9"3"4564,-15 2 2728,17 6 0,-5 0 0,6 5 0</inkml:trace>
+  <inkml:trace contextRef="#ctx0" brushRef="#br0" timeOffset="17931">21188 1057 25888,'0'-4'-5216,"0"19"3087,0 8 795,19 37-246,-15-18 935,28 17-281,-11-34 622,6 0-1156,4-17 2445,-6 1-138,0-8 573,1 3 348,-2-4 132,0-16 447,3-5-286,-6 1-617,5-30-1416,-15 30 38,0-27-1040,-9 23-9,-1 4-542,-1 1-481,0 4-59,0 53 215,0-19 541,8 21 0,5 3-1262,10-6 939,0-7 0,3-1 1659,13 2 1,5 3 0,-8-16 0</inkml:trace>
+  <inkml:trace contextRef="#ctx0" brushRef="#br0" timeOffset="18248">22050 1004 24988,'-19'-12'-3902,"-13"3"4163,10 4 79,-14 3 339,16 25-193,-2 5-453,19 11-1334,-5 12-164,27-22 177,6 18-447,-1-25 500,22-2 452,-27-4-473,22-14 1434,-13 6 732,6-8 376,-17-17 493,15-8 604,-22-9-1439,4-13-701,-8 17-142,-6-7-1593,0 15 482,0 2-586,-15 5-66,11 32-136,-12-3 1721,16 48-1328,0-23-152,0 16 1557,0-15 0,0-3 0,0 0 0</inkml:trace>
+  <inkml:trace contextRef="#ctx0" brushRef="#br0" timeOffset="18498">21407 635 23999,'-5'-10'-8505,"2"1"5481,2 22 3070,18-11 1942,-13 31-2870,12-6-422,-16 6-294,0 17-898,0-22 2078,0 9 585,0-16 0,0-4 0,0-2 0</inkml:trace>
+  <inkml:trace contextRef="#ctx0" brushRef="#br0" timeOffset="18669">21670 504 23369,'22'-24'831,"1"2"-355,-2 6 632,9-1-255,-7 8-49,6 1-347,0 7-626,-6 1-191,21 14-917,-17-11-291,12 11 1397,3-2 1,-7-9 0,11 10 0</inkml:trace>
+  <inkml:trace contextRef="#ctx0" brushRef="#br0" timeOffset="19048">23257 815 26428,'-28'-26'-5491,"3"2"3631,2-1 622,11 9 425,-3 2 666,11 32 302,0 13-581,2 2 0,3 2-1595,15 23 1083,-5-15 0,2-2-592,24 7 324,-7-10 0,2-3-185,15 0 1512,-14-14 1,1-3 0,19-2 0,3-3 0</inkml:trace>
+  <inkml:trace contextRef="#ctx0" brushRef="#br0" timeOffset="19381">23975 903 25798,'-49'0'180,"3"0"-180,14 0 90,1 20 618,3-15-465,1 33-858,14-22 272,-11 17 65,21-6-1167,-11 8 370,14-7-881,0 4-386,18-14 42,-13-4 94,38-6 1638,-21-3 142,24-5 1601,-11 0-550,14-20 1694,-14 15-451,8-36-430,-19 36 1249,-12-39-3327,5 26 1212,-15-21-1696,7 12 685,-9 2-1250,0-5 90,0 10 179,-16-3-1055,12 37 2134,-12 26-728,16 8 178,6-9 1,5-1-1440,14 2 2349,11 6 1,5-19 0,-5-4 0</inkml:trace>
+  <inkml:trace contextRef="#ctx0" brushRef="#br0" timeOffset="19557">24543 913 24718,'-30'0'0,"-8"15"1593,6 5-1403,8 20-1825,10-8-126,14 3-1915,27-3 3454,-4-15 0,26 12 0,-10-15 0</inkml:trace>
+  <inkml:trace contextRef="#ctx0" brushRef="#br0" timeOffset="19732">24618 400 24629,'-31'-3'-1395,"-1"1"342,-14 20 2090,11-13-1674,-11 38 515,16-20 0,2 26 1,1-7-1</inkml:trace>
+  <inkml:trace contextRef="#ctx0" brushRef="#br0" timeOffset="20185">25463 765 26607,'-9'-12'-7279,"7"2"4378,-11 5 4320,12 17-1791,17 13-629,-11 11 351,30 6 409,-31-4-1535,25 4 1637,-17-11 0,-3 2 6,11 19-677,-4-11 0,-1-1-74,0 5 573,2 7 165,3-24-7,-18-5 359,9-6 57,-10-5-32,2-4-279,-3-25 393,0-14-143,0-15-131,0-8-600,0 5-396,0-4 151,0-2 884,8 16 1,2 1 0,8-18-1,-1 21 1,0 0 0</inkml:trace>
+  <inkml:trace contextRef="#ctx0" brushRef="#br0" timeOffset="20497">26217 1134 23009,'11'8'-4724,"0"-1"3260,0-4 2117,0-1-122,1-2 393,0-16-558,2 12 1052,-3-27-1959,8 11 1590,-7 2-176,1-16-1219,-5 21 226,-4-15-957,-1 8 778,-2-8-1447,-1 8 1771,-22-7-1551,-5 15 1139,-25 1 839,4 8-168,5 20 1618,18 8-1052,3 11-4,20 2-1200,-5-6-758,7 12-1001,0-10 1634,22 7 0,-17-17 0,18-2 0</inkml:trace>
+  <inkml:trace contextRef="#ctx0" brushRef="#br0" timeOffset="20898">26807 888 25348,'-58'-1'74,"15"1"-113,1 0 255,16 0-14,2 17 157,-3 7-360,15 11-957,-1 0 57,13 8-1029,0-10 182,18 11-1176,12-7 987,10-9 249,5 3 277,-9-15 1354,0-8 403,14 0 937,-13-7 183,22-11 1175,-34-10-617,2-19-1191,-22 4-131,-5-15-1046,0 18-159,-21-9-1151,16 16-294,-16 2-2,4 6 577,13 4-349,-23 6 2529,24 20-424,-7 21 206,10 9-38,0 14-338,0-6-386,0 5-407,0 2 401,0 1-1797,7-19 1,2 1 1847,-5 19 1,5-23 0,-2-1 0,-7 12 0</inkml:trace>
+  <inkml:trace contextRef="#ctx0" brushRef="#br0" timeOffset="21249">27205 1267 23009,'12'-8'1026,"-1"-1"-757,8-5-40,-4 1-520,14-14 90,-12 7-173,12-18-41,-14 14 152,0-6 1,-1-2-771,-1-1 977,-1-1 1,-2-1-530,-1 2-16,-2-9-305,-5 16-42,0 3 329,-1 0 209,0 9-206,-1 55-75,0-11 412,0 8 1,0 4-321,0 5 86,0 3 62,16 0-1859,-12 17 1084,25-18-689,-21-14 0,1 0 1809,15-2 0,-2 2 0,-5-18 1</inkml:trace>
+  <inkml:trace contextRef="#ctx0" brushRef="#br0" timeOffset="21648">27692 1068 24269,'25'32'-6869,"3"-6"5194,30-11 2868,-14 2-830,5-15 708,-12 6-686,0-8 228,1 0-613,-2 0 1830,0 0-422,-2 0-836,3 0 131,-11-14-83,3 11 25,-18-27-1552,-4 12 85,-6-10-722,-1 3-53,-20-5-347,0 7 649,-21-18-505,21 19 343,-27-16 1233,31 19-456,-26-4 1350,21 13 81,2 3 568,3 4-64,-1 3 295,8 23-857,0 10-438,8 14-17,1 1-1050,0-9 151,21-1-872,-15 0-205,39-2 52,-25-2-178,22-4-280,7 5 1481,-10-11 859,11 0 1,-17-13 0,-3-3 0</inkml:trace>
+  <inkml:trace contextRef="#ctx0" brushRef="#br0" timeOffset="22170">28665 910 25078,'0'-12'-5306,"0"1"3268,-18-5 1480,14 7-1029,-33 0 2738,19 6-99,-17 2-43,18 16-1058,-3-11 2020,18 27-1942,-5-9 433,7 20 90,17-6-2359,5 13-32,0-20 185,17 7 63,-15-3-636,1-9 2335,7 12-891,-28-18 335,9 3 526,-13-10 275,0-3-3554,-24 1 3513,-1-5 0,-23-14 0,3-8 0</inkml:trace>
+  <inkml:trace contextRef="#ctx0" brushRef="#br0" timeOffset="22415">29098 636 24179,'11'0'809,"-4"18"-5827,0 2 2343,-6 23 2033,2-9 3,-3 5 328,0 10 77,-14-9-697,10 14-809,-10 2 2590,14-14-1065,0-7 0,0-1-536,0 1-740,0 18 591,0-29-179,0 3 912,0-14 1,0-3 0,0-4 0</inkml:trace>
+  <inkml:trace contextRef="#ctx0" brushRef="#br0" timeOffset="22548">28820 1010 25528,'0'-21'-6386,"29"2"8895,18-6-1236,15 7-937,-28 7 1,2 1-839,5 3 1,-1 2-889,20-1 1395,-20 4 0,-1 0 0,4 2 0,-2 0 0</inkml:trace>
+  <inkml:trace contextRef="#ctx0" brushRef="#br0" timeOffset="23031">29710 978 27327,'19'-19'-232,"0"2"396,-7 4-471,-3 3 439,-4 4-290,-2 2 25,-2 3 579,2 1-446,-1 0 36,4 23-2140,0 7 363,8 31-188,-3-11 300,6 2-386,-5-16-336,5-1 135,-1-5 100,10 6 2364,-5-14 72,13 0 479,-13-16-169,11-21 1675,-13 11-266,5-43-2202,-2 0 545,-6-14-1244,-5 15 1,0 1 924,-1-10 1,-4 19-1,-1 1 1,2-11-1</inkml:trace>
+  <inkml:trace contextRef="#ctx0" brushRef="#br0" timeOffset="23365">30592 874 24359,'-40'-24'-4283,"8"9"3406,2 7 1312,11 8 546,0 0-327,10 14-699,1 7-420,8 21-1132,29-6 1007,-22 3-499,50-11 707,-34 2-1302,27 0 885,-1 12 126,-11-10 531,4 15 190,-14-23 158,-15 6-803,-1-17-613,-12 0-2391,-26-7 3905,-8-3 1,-14 0 0,3-3 0</inkml:trace>
+  <inkml:trace contextRef="#ctx0" brushRef="#br0" timeOffset="24302">16175 2808 25798,'15'57'-7740,"5"-9"4385,-18 8 3042,10-8-721,-10 1 1026,5 2-182,-4 14 175,2-17-1787,-1 16 2084,0-36 143,-2 1-491,2-18-230,-2-4-167,0-3 540,1-3 873,0-19-455,3-10 53,-1-10-21,2-8-203,-2 9 686,0-1-332,1 3-271,0-5-962,-2 22 829,5-10-30,-2 26 1590,12 12-1521,-4-5 472,8 35-1581,-1-21 630,0 21-1091,3-8-993,12 17 194,-8-15 1676,-3-8 1,2-2 0,6-2 0,13 3 0</inkml:trace>
+  <inkml:trace contextRef="#ctx0" brushRef="#br0" timeOffset="24685">17002 2552 24269,'-18'17'791,"4"16"-2570,14 9-762,0 12 962,0-8 617,0 6 647,-1-12 1,2 0-158,8-7 0,1-1-478,-8 9 0,1 0-109,14 0 0,4-3-531,4 19 1002,-4-14 0,1-2 7,13 0 381,-1 11-533,-17-31-640,3 0 1681,-11-16 813,-2-25 28,-4-8-307,-3-14-440,0 2-203,0 10 235,0 2-123,0 3 224,0 4-905,0 0-83,14 11 2164,3 0 463,17 28-1599,-7-14 709,2 35-1486,-6-19 312,3 20-1018,-2-6-101,2 1-2099,0 0 2578,3-2 0,2-1 1,1-2-1</inkml:trace>
+  <inkml:trace contextRef="#ctx0" brushRef="#br0" timeOffset="25082">18000 3174 24089,'-21'-4'-99,"-8"1"113,-11 3 637,0 20 450,11-14-639,2 35-968,4-24 604,3 33-1043,9-18-119,4 22-354,7-23-988,24 14-702,9-24 1102,12-3 1254,0-9-235,-10-8 1438,-1 2 76,0-3 741,-3-23 575,-3 17-501,-11-22 1,-3-4-755,0 8-224,-3-8 0,-2-3-844,-8 5-361,4-16-263,-23 32 189,13-12-1183,-25 24 1737,27 15 8,-9 14 229,12 27-530,21-14-212,-15 1-511,33-6 608,-14-12 66,20 6-999,-9-20 1923,-2-2 1,-12-7-1,0 0 1</inkml:trace>
+  <inkml:trace contextRef="#ctx0" brushRef="#br0" timeOffset="25381">18403 3251 23999,'0'-19'-5396,"0"39"3267,0 5 1065,18 14-668,-13 2 1102,26-36 1607,-28 29-1817,28-30 238,-16 19-90,16-22 2000,-6 6-402,12-7 1317,-6-23-190,15-6-1366,-21-13 596,4 1-1156,-15 9 1287,-3 0-1775,-6 0 436,1-7-1026,-5 12-410,0-3-305,-1 16 609,0 23-294,0 10 310,0 15-1216,18 21-105,-13-17 2163,26 13 0,-28-14 1,10 0-1</inkml:trace>
+  <inkml:trace contextRef="#ctx0" brushRef="#br0" timeOffset="25531">19860 3333 24449,'11'0'-900,"-3"0"1,-3 0-1,-2 0 1</inkml:trace>
+  <inkml:trace contextRef="#ctx0" brushRef="#br0" timeOffset="27501">7645 5485 26607,'-8'0'2699,"26"-12"-1896,19 8-676,16-18 789,8 20-1208,-8-16-467,-13 14 1,2 1-1143,22-6 1917,-12 5 0,-1 2 0,6 2 0,-22 0 0,0 0 0</inkml:trace>
+  <inkml:trace contextRef="#ctx0" brushRef="#br0" timeOffset="29948">9097 5784 23639,'42'-50'485,"-7"7"-642,4-10-146,-7 6 66,4-4 14,-1-3 131,-11 11 1,0-1-18,-6 11 1,-1-2-156,7-24 1,-3-2-9,-9 24 0,-3 0-8,1-10 0,-4-1-586,0-16-69,-6 0-153,0 5 500,-10 21 0,0 1-1171,6-13 1219,-12 15 1,-2 3-532,-1 5 339,0 4 180,-9 17 1687,10 27 223,-8 3 424,3 25-414,8 3-865,8-8 1,0 3-144,1-9 1,1 2-212,2 4 1,1 5-1,0-4-12,0-3 0,0-1-696,0 13 1,4-1-266,9-18 0,0-2-1413,-5 33 1547,15-36 1,-1 0-65,-15 28 338,15-31 1,1-1 124,-5 23-228,7-18 0,2-2 47,3 14 187,-3-13 0,1-3 639,4 1 149,9 1-130,-12-16 617,0-5-116,-1-3 726,12-4 19,-11-1 207,17-21 459,-20-5-815,9-22-374,-17 23-362,-1-15-450,-8 22-989,-4-10-613,-2 30-624,-1 7-684,19 21 289,6-16 1558,22 4 328,-8-16 1119,0 5-292,-10-7 1038,10-17 854,-12-4-501,13-22 69,-22 9-678,1-13-958,-14 17-900,-1-5-51,-4 12-576,0 4-865,0 2 425,0 2 190,-16 5 1216,12 1-872,-13 22 2587,17 4-1469,0 25 25,20-10-554,3 12-262,2-20 532,24 12 98,-28-24 1037,38 10-1810,-28-21 2266,7 6 30,-2-7 724,-12-20 356,11-1-297,-21-3-478,-2-21-1019,-8 21-961,-3-21-1027,-20 26 149,15 1-587,-26 16 1595,27 10-979,-8 11 760,33 15-578,0-15 735,25 10 643,-12-15 338,14 3 809,-19 0-2304,9-16 1843,-17 5-910,0-6 2005,-5 0-429,1-17 409,-8-1-1178,-2-18-773,-7 1-710,-17 3-1468,12 5 408,-23 14-230,24 22-922,11 12-1697,11 31 4199,23-15 0,-22 7 1,1-22-1</inkml:trace>
+  <inkml:trace contextRef="#ctx0" brushRef="#br0" timeOffset="30215">9920 5127 22920,'0'-6'-5756,"0"-1"3987,0 3 885,20 0 3513,-1 3-1244,20-1-1226,-7 21-1222,0 7-1083,-15 12 239,4 3 1816,-19-4 0,6 5 1,-8 3-1</inkml:trace>
+  <inkml:trace contextRef="#ctx0" brushRef="#br0" timeOffset="30481">11418 5056 25438,'-21'41'-2639,"4"-7"1556,17 2-1292,0-4 734,0 2-172,0 23 441,0-12 217,8-7 1,2-1-2094,-6 5 2839,14 8 0,1-19 1,4-2-1</inkml:trace>
+  <inkml:trace contextRef="#ctx0" brushRef="#br0" timeOffset="30733">11283 5349 22380,'0'-19'-6026,"0"2"3988,16 0 4024,-12 1-2341,31-1 2464,-2-3-928,11 5-572,-10 4 0,0 1-128,11 0 512,-5 3 0,0 0 917,6 2-1365,12 1 1082,-23 3-2033,-3 1-76,-4 0-61,2 0-119,-12 17-2255,3-13 677,-16 27 1715,1-17 1,-6 2-1,0-6 1</inkml:trace>
+  <inkml:trace contextRef="#ctx0" brushRef="#br0" timeOffset="31265">12050 5376 25978,'0'34'-5846,"0"3"3717,0-6 1065,0 0 426,0-7 212,0 0 122,0-3 76,0 1-1369,0-5 1597,0 5 0,0-9 0,0 2 0,11-9 729,-8-17-391,18-11 951,-10-11-1273,13-22 345,-4 15-528,-6 5 1,0 0 272,5-9 47,5-10-1848,2 5 1866,-4 16 1,6-3 0,-7 17 0</inkml:trace>
+  <inkml:trace contextRef="#ctx0" brushRef="#br0" timeOffset="31681">12560 5415 25078,'-19'16'1199,"3"7"-2546,32 10-2746,-12 1 2067,25-10 1240,-27 0-398,26-4 844,-24 1-2163,37-5 1369,-25 1-314,22-9 2992,-14-1-451,0-7 201,0 0 534,0 0-593,0-20 853,-2 15-726,4-34-191,-10 13-650,1-21-335,-12 11-733,-2-4-905,-3 18-54,0 1-306,-14 11 241,11 26 571,9 3-1617,14 21 392,24-8 1284,-12-12-228,3 2 1420,-10-20 0,0 8 0,1-10 0</inkml:trace>
+  <inkml:trace contextRef="#ctx0" brushRef="#br0" timeOffset="31948">12807 5152 23729,'-4'13'-3669,"1"-2"2157,22 14-689,-1-1 543,5-5 709,-10 1-1257,-4-1 651,-7-6 1034,7 4 1,-9-10 0,0 0 0</inkml:trace>
+  <inkml:trace contextRef="#ctx0" brushRef="#br0" timeOffset="32119">12780 4825 23549,'16'-35'-1426,"-1"3"1128,22-1 1625,-11 14-299,17 2 132,-17 12-803,12 3-956,-11 2-210,4 21-727,0-16 1430,-8 20 0,0 3 0,13-6 0,-13 3 0,0 0 0</inkml:trace>
+  <inkml:trace contextRef="#ctx0" brushRef="#br0" timeOffset="32717">14467 5200 25708,'-11'-2'-938,"3"0"1,8 0 0,0 1 0</inkml:trace>
+  <inkml:trace contextRef="#ctx0" brushRef="#br0" timeOffset="32853">14535 5560 25888,'0'11'-7195,"0"-2"313,0-4 6616,0 0 0,0-4 0,0 2 0</inkml:trace>
+  <inkml:trace contextRef="#ctx0" brushRef="#br0" timeOffset="34183">15705 4818 24449,'0'-22'-4317,"0"4"2728,0 0 885,-13 3 21,10 2-234,-9-1 680,12 5 0,0-1-1179,0 5 1416,0 18 90,0 26 0,17 4-820,-13 22 820,11-27 1,0 0-784,-12 26 528,8-9 1,1 2-139,-10 9 208,7-13 1,0-2-237,-7 3 264,8 10 477,-9-29 0,2-6 113,-3-5-284,0-1-26,0-10-833,0 0 770,0-32-83,0-7 247,0-15-363,0 1 250,0-10-201,15 12 642,3-22-81,0 28 554,13-2 325,-17 16-147,16 7 1014,-9 4-48,12 4-571,-8 3-733,14 16-586,-18-12 12,5 29-2013,-16-9-438,-2 7-620,-7 0 427,-1-9 305,0-2 92,-21 1 1993,15-4-2487,-36-1 3842,12-3-727,-8-6-324,-9-2 0,30-20 1,-2-3-1</inkml:trace>
+  <inkml:trace contextRef="#ctx0" brushRef="#br0" timeOffset="34471">16298 5007 23819,'19'21'-5409,"-1"13"2188,-3-30 4840,1 34-3423,-6-22 1270,7 30-426,-8-18 254,7 22-1492,-7-21 1798,2 21 479,-5-21-1528,1 7 1806,-5-14-256,1-2 410,-1-4-53,-2 1 58,0-8-45,0 0-128,0-21-42,0-11-115,0-9-313,0-7 17,0 6-411,0-22-113,18 12 27,-7 7 1,0 0 888,12-4 1,15-6 0,-12 17-1</inkml:trace>
+  <inkml:trace contextRef="#ctx0" brushRef="#br0" timeOffset="34815">17287 5068 25168,'-46'0'990,"-7"0"-900,9 0-90,-4 0 0,12 0-90,-12 18 899,15-13-555,-6 31-312,18-11-184,10 20-977,3-9-121,34 6-656,9-20 893,12 3-653,17-12 1091,-25-3 243,22-5 501,-29-1 862,6-18 895,-25-3-402,-3-15-1585,-29 14-1047,-8-13-820,3 14-610,-21-15 420,20 16 2013,-3-4 0,-5 14 1,17-7-1</inkml:trace>
+  <inkml:trace contextRef="#ctx0" brushRef="#br0" timeOffset="35031">17485 5040 25528,'9'0'810,"0"0"-720,6 15-3225,-2-11 2931,24 43-1710,-15-28 504,1 11 0,-1 2-675,1-2-12,-4-2 1,0 1 1608,2 5 1,8 9 0,-10-13 0</inkml:trace>
+  <inkml:trace contextRef="#ctx0" brushRef="#br0" timeOffset="35249">18158 5107 24629,'-36'21'2273,"-2"5"-2073,21 12-2413,-15-1 1909,27-6-1414,-26 1 1563,20 1-1515,-16 10 655,17-12-1379,-7 10 621,14-22 726,-3 0 853,4-12 0,1-4 1,1-3-1</inkml:trace>
+  <inkml:trace contextRef="#ctx0" brushRef="#br0" timeOffset="35432">17953 5121 22560,'11'-30'-2277,"-9"2"401,18 6 3478,-12 4-1346,9 6 1187,-2 3-114,3 6-492,12 1-627,-3 23-479,23 7 702,-18 11-2068,11 1 585,-14-11-1408,0 4-578,0-1 227,0-1 85,0 0 1170,-1-2 1435,0-2 1,-1-3-1,1-2 1</inkml:trace>
+  <inkml:trace contextRef="#ctx0" brushRef="#br0" timeOffset="35617">18787 5063 24808,'-43'17'3050,"9"-13"-3511,6 34-1925,-5-5 1025,8 10 1144,6-9 0,0-1 0,2 9 0,-4 13 1</inkml:trace>
+  <inkml:trace contextRef="#ctx0" brushRef="#br0" timeOffset="36349">19357 4997 25348,'-8'-11'-6502,"-2"-2"4556,7 3-67,-8-5 1363,3 7 996,-13-3 413,4 8 257,-21 1-1111,15 17 2398,-11-11-386,7 28-16,11-7-631,-1 21-751,13-6-1584,23 13-1124,-14-21 958,33 0 0,6-2-588,-11 1 872,15-3 0,1-2 54,-10-4 294,8 5 462,-32-13-20,8 0 1157,-20-2-1259,9-1-254,-12-1-36,0 0-195,-16 1 1953,-12-2-197,-18 1 850,-1-7-697,19-17 97,11-3-1255,48-3 1932,12-5 90,17 9-1899,-17 1 1,-1-1-43,14-7 58,-8 8 0,0 1 348,8-3 296,-20 6 0,0 0 1320,7-4-1791,-3-1 57,-6 0-63,2-8-524,-14 5-230,0-14-299,-17 13-208,-2-13-802,-28 13-75,19-4-985,-35 6 1366,23 6 378,-12 0 438,13 23 1437,7 11-360,10 26-713,0-4-264,7-10 0,4-1-137,13 8-449,0-6 0,2-1-650,14 4-677,5 7 2040,-11-19 1,0-5-1,1-4 1</inkml:trace>
+  <inkml:trace contextRef="#ctx0" brushRef="#br0" timeOffset="36685">20430 5162 25888,'1'-14'-4705,"0"1"2788,-1 1 605,0 3 488,0 0 515,0 2-130,0 19 177,0 6-1334,20 3 1579,1 16-382,4-16 998,3 2 795,-25 2-1557,10-39 1552,-13 0-1479,0-19 90,0-4-381,0-13 670,17 9-360,-8 3 0,2 0-186,9-8 344,6 9 1,0 0-983,-4-1 899,10 11 1,4 5 1230,-1 3 54,12 3-983,0 13 0,-12 26 0,10 6 1</inkml:trace>
+  <inkml:trace contextRef="#ctx0" brushRef="#br0" timeOffset="40418">7803 7555 26068,'-7'-13'-6643,"0"10"7265,3-10-1695,1 13 3122,20-6-33,6 4-1467,0-8 73,18 9-2908,-11-4 2879,9 5-365,16 0 0,-23 0 0,13 0 0</inkml:trace>
+  <inkml:trace contextRef="#ctx0" brushRef="#br0" timeOffset="40821">9262 7055 25438,'0'-6'-4676,"0"1"2547,0 24 1065,0 14 425,0 14 124,0 9 31,0-5 76,0 5-705,0-12 0,0 2 933,0-12 0,0 1-585,0 26 1,0-1 314,0-26 0,0-1-630,0 22 1,0-2 1079,0 2 0,0 10 0,0-28 0</inkml:trace>
+  <inkml:trace contextRef="#ctx0" brushRef="#br0" timeOffset="41198">9860 7358 25078,'0'-6'-4676,"-25"1"6359,-5 3-546,-30 19-237,28-5 1,1 1 546,-21 10-548,2 20-965,20-26 336,4 21 817,12-13-1692,-2 8-130,13-10-2195,22 9-194,17-16 1370,14-3 1076,0-8-122,-12-5 1219,1 0 196,-2-14 754,-2 11 520,7-24 885,-12 12-733,0 0-650,-12-5-681,-9 18-340,-1-7-697,-3 28-2663,-2-14-363,8 43 57,-3-30-382,6 24-1776,6-8 5056,-2-9 0,8 6 0,-5-13 0</inkml:trace>
+  <inkml:trace contextRef="#ctx0" brushRef="#br0" timeOffset="41369">10220 7178 25078,'-24'-18'-5299,"10"2"1618,-13 2 3612,22 3 737,-21 5 1,24 19-1,-7 8 1</inkml:trace>
+  <inkml:trace contextRef="#ctx0" brushRef="#br0" timeOffset="41999">10523 7635 23639,'0'9'-5846,"1"-2"3482,2-2 1015,1-3 1593,3-1 1160,1-1-56,4-18-966,2 13 216,2-28 283,3 30 1286,0-31-922,8 11 154,-8-10-1810,5-4-88,-16 15 365,-1-4-1202,-6 3 608,-1 8-1339,-18-6 1062,13 13-1095,-12 20 3031,17 14-2027,0 12 285,0 17 312,22-19-229,3 25-150,15-26 990,-5 7-177,-6-17-2050,0-4 2202,0-3-20,0-5 263,0-3 729,0-6 580,10-1-358,-10-3 518,11-20 273,-19-6-913,-1-11-259,-10 2-701,-6 7-289,-2 2-598,-2 1-335,0 1-304,0 4-940,0-1 1111,-16 10 571,12 21 726,25 26-974,-12 2 409,18-10 1,4-4 553,-5-9 264,22 18 36,-11-30 905,-3 10-842,-6-13 343,-9 0 1290,2-17 602,-14-7-2108,-1-21-608,-6 8-82,0 1-1356,-17 13 119,12 2-2480,-12-3 421,17 28 691,0 5 2381,21 11 1,-16 20-1,16-12 1</inkml:trace>
+  <inkml:trace contextRef="#ctx0" brushRef="#br0" timeOffset="42251">10508 7198 23999,'-4'-17'-8389,"0"1"5845,25 1 5835,-16 0-3213,41-2 2134,-12 6-805,26-1-860,-15 8-927,-3 2 1471,-19 2 214,5 0-1547,-6 16 1,4-12 0,-6 12-1</inkml:trace>
+  <inkml:trace contextRef="#ctx0" brushRef="#br0" timeOffset="42403">10993 6970 23369,'26'-13'3193,"6"-2"-2294,-11 13-1699,13-3 319,-13 20-2235,5-12 2127,-1 50 1,-9-26-1,5 33 1</inkml:trace>
+  <inkml:trace contextRef="#ctx0" brushRef="#br0" timeOffset="42915">12877 7512 25798,'-55'-8'-706,"1"6"989,-1-9-885,2 11 951,2-3-184,3 3-2,8 15 625,3-12-600,-2 28 263,14-7-460,3 15-212,16-6-1179,30 1-444,10-16 793,30-3-70,-10-9 1052,-21-14 1,-1-2 512,3 5-194,-9-20 1,-4-4 8,-7 5 18,0-20 1,-4-3 426,-9-1-951,3 1 0,-1-1-720,-4-1 225,-9 9 0,-3-1-1866,-8-6 1163,2 4 0,0 2-476,1 2 1344,-5-14-692,20 64 1537,16 19-973,11 23 441,-12-23 0,2 2 152,14 6 0,-1 0 221,-6 22-657,10-10 1,3 0 192,-2 5-370,-5-13 1,1-1-925,7 0 1385,-13-16 0,0-2 520,9 3 0,0-6 0,1-4 0</inkml:trace>
+  <inkml:trace contextRef="#ctx0" brushRef="#br0" timeOffset="43098">13278 7516 25348,'-18'-4'-1625,"3"18"1976,15-1-3697,0 24 888,16-9-18,-12 1 613,27-9 1124,-27-3-1984,31-7 2647,-20 8 1,17-15 0,-11 8 0</inkml:trace>
+  <inkml:trace contextRef="#ctx0" brushRef="#br0" timeOffset="43635">13597 7392 23819,'-22'-12'-2700,"-8"1"2970,10-2-1195,2 4 637,-18-1 742,21 5-318,-17 1 444,10 2-656,-10 2 1066,8 19-81,-9 7 382,16 13-1322,3 11-517,9-17-32,5 8-945,21-13-258,-15-2-392,39-3 656,-10 1 46,12-12 1499,16 5 454,-26-16 776,21 4 228,-29-19 772,3 10 44,-12-24-1815,-11 7 93,0-18-1125,-9 8-450,0 0-174,0 12-168,0 0-834,0 3 272,-17 2 996,13 3-571,-13 3 1876,17 17-940,21 8 276,2 17-741,14-16 881,-3 15-867,-6-29 1186,20 26 0,-9-27 0,14 9 1</inkml:trace>
+  <inkml:trace contextRef="#ctx0" brushRef="#br0" timeOffset="43882">14263 7007 25528,'0'-10'-5216,"-14"1"5531,11 5-2046,-21 1 3439,22 23-2282,-8 10 589,10 30-701,0-9-340,9-13 0,3 0 142,9 8-123,1-6 1,0 0 204,-2 6-578,-1-17 0,0 0-818,4 19 250,6-14 685,-1 12-29,-21-26 1265,5 2 0,-11-14 0,2-2 0</inkml:trace>
+  <inkml:trace contextRef="#ctx0" brushRef="#br0" timeOffset="44031">14250 7389 24359,'-10'-33'-8422,"2"1"5660,8-10 2320,0 14-398,17-10 1487,-12 23-913,34 1 1861,-4 11-1863,10 3 1928,5 14-672,-11-10-725,2 24 1,3-25-1,1 10 1</inkml:trace>
+  <inkml:trace contextRef="#ctx0" brushRef="#br0" timeOffset="44382">15055 7315 24269,'-24'-16'-3279,"1"-3"1323,-26 17 3463,9 10 77,4 13-424,16 18-1570,9-6-379,11 0-1527,20-5 1262,13-2 816,12-8-545,4 0-324,-10-17 596,2 5 866,0-6 596,-2 0 556,-2-14 1128,-4 10-1123,-3-25-688,-4 26 387,-5-33-884,-4 7-302,-8-9-129,-3-12-871,-6 21-979,0-5 239,0 15 57,-17 5 65,12 3-260,-13 27 2077,18 10-1178,0 14-296,17 2-460,-12-9 194,32-2 559,-32 0 905,39-3 0,-25-3 0,21-2 1</inkml:trace>
+  <inkml:trace contextRef="#ctx0" brushRef="#br0" timeOffset="44564">15995 7096 25438,'0'-11'-7375,"0"2"4887,0 3 794,0 2-834,-17 3 2766,13 14 0,-13 6 0,17 16 0</inkml:trace>
+  <inkml:trace contextRef="#ctx0" brushRef="#br0" timeOffset="44681">16088 7519 24629,'0'12'-5846,"0"1"5313,0-4 1,0-3 0,0-3 0</inkml:trace>
+  <inkml:trace contextRef="#ctx0" brushRef="#br0" timeOffset="48581">18103 7089 24089,'2'-28'-4325,"0"2"2758,-2 0 612,0 1 400,0 4 244,-21 0 60,16 4-605,-31 4 153,12 1 1267,-7 7 614,-4 0 140,9 5 278,0 15 437,-10 5-58,13 0 321,1 26-2313,15-28-76,7 25-1194,18-20-154,-14 0-616,41 1 673,-4 10-339,12-9 1198,-18-5 1,-2 0 165,3 2 286,5 12 317,-16-16 449,-13 4-943,-2-10-490,-10 1 491,0-2-506,-19 4 1660,-11-3-1182,-21 4 695,6-7-49,4-1 1,8-5 0,1-2-1</inkml:trace>
+  <inkml:trace contextRef="#ctx0" brushRef="#br0" timeOffset="48847">18888 6575 24359,'3'-5'-2052,"-1"16"-2484,-2 11 3102,0 9 574,0 8 377,0-5-17,0 6 193,0 25-1289,0-14 1155,0-16 1,0-1 767,0 13-1046,0 0-181,13-3-1973,-10 18 2833,10-18 1,-13 12 0,0-22 0</inkml:trace>
+  <inkml:trace contextRef="#ctx0" brushRef="#br0" timeOffset="49149">18598 7037 22020,'23'-24'-479,"16"3"1211,-12 1 1,2 0-315,23-1 44,-5 2 0,0 2 91,1 8-524,-7 4 1,0 2-193,6 2 151,-9 7 0,-2 3-359,3 11-309,-6 4 0,-2 2-913,-3 9-453,10 18-17,-28-29 380,0 4-609,-8-12 413,-1-30-472,-1-26 736,0-12 235,0-11 1547,0 21 0,21 0 0,6 0 0</inkml:trace>
+  <inkml:trace contextRef="#ctx0" brushRef="#br0" timeOffset="49381">19838 6998 23459,'0'5'-6475,"0"0"4346,0-2 1155,0-1 245,0 6 304,0 0 121,0 11 76,0-4-2538,18 14 1465,-13-12 1264,26 7 0,-27-11 0,10-1 0</inkml:trace>
+  <inkml:trace contextRef="#ctx0" brushRef="#br0" timeOffset="49539">19832 6626 22740,'-2'-7'-1803,"2"20"0,-2 7 0</inkml:trace>
+  <inkml:trace contextRef="#ctx0" brushRef="#br0" timeOffset="49931">20298 6844 22740,'0'28'-6026,"0"-5"3897,0 0 1155,0-4 336,19 12-348,-15-6 350,31 23 341,-32-26-1545,21 13 1530,-22-26-105,11 0 845,-6-7 660,3-24 90,4 16 1584,-1-41-1973,13 10 742,-5-12-922,-1 16 0,1 1 927,2-3-552,15-14-504,-19 34 414,4-7-1555,-11 21 1955,-2-5-240,-2 6-371,3 15-2048,-5 7-365,6 20-287,-5-6-1786,7 18 479,-4-22 2712,6 10 0,0-16 1,1 0-1</inkml:trace>
+  <inkml:trace contextRef="#ctx0" brushRef="#br0" timeOffset="50364">21147 6777 23459,'-21'18'327,"-7"-14"421,25 34-3882,-9-20 2881,12 18-1475,0-7 494,0 2 308,20-3-852,-15 0-315,40-4 907,-13 4 1141,12-16 8,13 8 973,-25-18 665,20-12 361,-26 6 381,5-30-539,-16 30 92,-7-37-1360,-3 23-566,-5-29-727,0 19-844,-19-12-975,15 19 353,-27 5 1384,29 27-822,-10 23 1542,19-2 0,3 3-1016,-5 29 969,10-15 0,3 0-541,5 11 706,-4-9 0,1-2-214,3 4-307,-6-20 0,-1 0-154,-6 17 135,7-16 508,-11 13 175,-6-28 474,-26 5 1213,-9-17-75,-17-1-1917,18-4 1,1-2 617,-11 0 0,-13-16 0,17-4 0</inkml:trace>
+  <inkml:trace contextRef="#ctx0" brushRef="#br0" timeOffset="50565">22442 6993 22560,'4'0'-570,"-1"0"0,-2 0 1</inkml:trace>
+  <inkml:trace contextRef="#ctx0" brushRef="#br0" timeOffset="53716">7790 9460 23999,'-12'0'450,"2"0"-360,0 0-90,3 0-90,2 0 180,1 0-90,28 0 90,10 11-2099,18-8 550,5 9 1379,-4 0 1,8-9 0,3 9 0</inkml:trace>
+  <inkml:trace contextRef="#ctx0" brushRef="#br0" timeOffset="54039">9418 9019 24179,'-20'-2'-253,"3"0"75,6 23-840,6 4-478,2 14 174,3 1 300,0-4 8,0 2-1122,0 4-589,0 22 890,0-14 584,5-6 1,2 0 1131,-5 6 1,5-17 0,-2 0 0,-5 11 0</inkml:trace>
+  <inkml:trace contextRef="#ctx0" brushRef="#br0" timeOffset="54201">9023 9599 22650,'-6'-32'-7629,"1"-13"5473,5 10 1395,20-20 1459,7 23 716,14-4-699,-11 20 0,1 3 138,12-7-764,-3 6 0,2 2 0,10 1 0,-17 5 0,0-1 0</inkml:trace>
+  <inkml:trace contextRef="#ctx0" brushRef="#br0" timeOffset="54419">9902 8974 23549,'-20'15'1884,"5"6"-3321,15 13-1575,0 3 1241,0-2 530,0 5 265,-8 5 477,5 5-1737,-10 5-215,8 2 417,-1 6 2066,-2 3 0,6-32 0,0 1 0,-2 0 1,0-1-1</inkml:trace>
+  <inkml:trace contextRef="#ctx0" brushRef="#br0" timeOffset="54881">10832 9400 23639,'-54'-6'-412,"4"2"271,8 4 401,1 0-21,-8 0-109,16 8 0,0 3 555,-18 12-377,10-2 1,3 3 92,0 12-213,-5 1 56,24 0-921,10-8-496,5 15-506,26-21-601,7 2 292,13-17 1231,0-4 585,3-18 655,-11 11 507,16-28 571,-32 7 335,9-16-881,-25 5-1115,5 37-64,-7 7-1257,0 34-662,0-4 202,0 5-13,16 6-9,-12 3 593,13 1 635,-3-1-901,-11-2 1453,5-16 0,-2 0-163,-6 17 327,-8-11 0,-1-1-63,5 4-68,-34 8 384,33-22-467,-37-6 833,36-5 1,-34-10 0,17-4 0</inkml:trace>
+  <inkml:trace contextRef="#ctx0" brushRef="#br0" timeOffset="55081">11223 9370 22830,'4'36'-7007,"-1"6"4865,-3-6 1304,0 5 335,0 8-102,0-10-1254,0 27 1814,0-29 0,0 7 0,0-16 1</inkml:trace>
+  <inkml:trace contextRef="#ctx0" brushRef="#br0" timeOffset="55231">11340 9102 22650,'0'-17'-6476,"0"3"6633,0 7 0,21 21 1,6 7-1</inkml:trace>
+  <inkml:trace contextRef="#ctx0" brushRef="#br0" timeOffset="55615">12000 9334 23369,'-41'0'630,"-6"0"-630,9 0 0,-14 18 1087,22-13-804,5 18 1,3 4-743,6-6 134,1 8 0,4 3-587,9 1-574,-6 10 226,8-15-246,22-1-915,4 5 126,1-12 1287,17 2 630,-13-16 985,11-2 727,5-4-101,-22-20 629,5-3 268,-18-12-1212,-3 3-481,-9 6-693,0 0-766,0 1-332,0-7-217,0 11-380,0-2 236,0 12 574,0 21-1050,0 7 1112,21 25-502,-16-7 1519,32 1 0,-22-12 1,14 0-1</inkml:trace>
+  <inkml:trace contextRef="#ctx0" brushRef="#br0" timeOffset="55948">12490 9411 23459,'0'39'-6385,"0"1"4346,0-6 975,14 1-553,-10-10 932,17-9 1097,-15-31 82,4-15-1341,-5-11 1174,-2-3-189,0 10 137,0 0 607,3-8-444,-2 14-423,4-2-142,-1 16 398,2 8 1412,0 2 377,3 4-649,1 23-2544,16 9-719,-6 15 1665,13 5 1,-10-7-1,1 3 1</inkml:trace>
+  <inkml:trace contextRef="#ctx0" brushRef="#br0" timeOffset="56682">14090 8776 26428,'-24'-4'-1230,"4"2"1141,3 1 413,8 1-71,3 16-1270,5 11-457,18 10-255,-13 7-137,26 13 56,-12-9 775,-1-7 0,0 2-1294,2 7 589,-2-7 1,0-2-498,0 5 1042,-2-8 1,0-1 519,0 0-493,-1 10 340,-14-12 1335,3-12 674,-27 4 1510,-7-19 292,-27-17-422,13 5-150,1-33-1284,14 18-102,4-22-1335,3 9 294,11-3-2092,-8 0-449,17-15 1137,-9 12-697,39-19 2858,-20 29-376,19 10 1,7 4 2241,13-4-111,16 9-1286,-19 5 0,-1 1 908,11 3-1349,-9 8 0,0 5 871,5 8-1718,-11 0 0,0 0-559,1-1-931,7 11-157,-13-18 1115,-12 4-777,2-1 474,-16-14 1106,0 9-1412,-25-10 2353,-3 3 176,-20-4-125,20 4-171,-14-2 438,20 4 407,-4-1-1052,8 1 1765,11-1-4288,0 1-371,0-1 311,20 2 857,-15-4-457,35 1 328,-12-3 281,18-1-72,-19-15 2516,7 12-776,-30-23-815,10 10 1,-14-12 0,0 0 0</inkml:trace>
+  <inkml:trace contextRef="#ctx0" brushRef="#br0" timeOffset="57081">15135 9207 22380,'16'13'-5237,"0"2"3116,-6-2 589,-1 0 314,-2 3-29,-2-5 463,-3 1 373,0-2-1669,-2-4 1748,0-16 242,0-6 258,19-20 1057,2 6 678,18-11 225,-19 18-331,11-5 417,-19 14-885,16 4 961,-11 4 129,2 3-1473,-4 3-459,7 15-1602,-5 9-574,10 22-370,-10-5-1160,8 18-1302,-10-23 3777,4 11 0,-7-16 1,-1-2-1</inkml:trace>
+  <inkml:trace contextRef="#ctx0" brushRef="#br0" timeOffset="57381">14838 8804 24359,'-46'-9'-1144,"4"0"698,8 1-3,9-1-187,6-3-266,10 2-403,3-1 131,6 2-513,0 2 377,21-7 2146,5 7 144,1-3 456,20 6-305,-25 1-257,24 1 127,-13 2-537,0 0-192,-2 0 0,0 14 1,0 5-1</inkml:trace>
+  <inkml:trace contextRef="#ctx0" brushRef="#br0" timeOffset="57531">15280 8426 22920,'16'-14'-31,"0"0"482,4 5 340,18 1-1711,-4 5 866,15 0 0,-10 3 0,1 0 0</inkml:trace>
+  <inkml:trace contextRef="#ctx0" brushRef="#br0" timeOffset="57948">16648 8554 24089,'-5'-27'-6843,"0"2"4088,1 6 1686,1 2 668,1 5 786,2 4-402,-1 22 154,1 18-1031,9-1 1,2 3 596,-7 29 315,16-13 1,-1-1-562,-14 17-9,9-10 0,2 0-116,-9-22 0,0-1-448,4 20 0,-1-2-289,3 5 1391,-5-22 0,-2-1 1,-4 5-1,5-3 1</inkml:trace>
+  <inkml:trace contextRef="#ctx0" brushRef="#br0" timeOffset="58080">16708 9025 23459,'0'-38'-6385,"0"2"3806,0 1 975,18 4 2212,-13 2-1351,37 5 1355,-2 1-274,11 10 1,9 3 0,-16 8-1</inkml:trace>
+  <inkml:trace contextRef="#ctx0" brushRef="#br0" timeOffset="58581">17623 8896 25078,'-44'-12'-2124,"-6"9"2507,6-10-1035,0 13 1130,0 19 769,11-14-747,-4 31-497,13-12-55,12 21-440,3-10-823,32 9-544,-18-22-592,51 5 339,-6-13 1673,-18-10 0,3-1 326,13 1 1,-2-3 136,13-16 754,-14 6 1,-2-2 861,2-7-321,-14-5 0,-2 0 1081,-6 6-719,-3-41-2286,-15 35-351,-5-13-612,-17 28 208,13 21-117,-12 9 620,16 21-958,0-7-137,20-15 1190,-15 3-302,34-22 2452,-12 8-1200,8-10 817,2 0-653,-12 0 1244,-1-21 96,-2 16 356,1-37-675,-5 26-471,5-30-879,-9 20-857,3-13 145,-10 25-131,-1-7-152,-3 20 1135,3 13-1782,-1 15-1686,8 24 764,-4-8 2135,7 0 1,-4-14 0,2-2 0</inkml:trace>
+  <inkml:trace contextRef="#ctx0" brushRef="#br0" timeOffset="58749">18362 8365 24988,'-17'-10'85,"-7"3"0,22 16 0,-9 9 1</inkml:trace>
+  <inkml:trace contextRef="#ctx0" brushRef="#br0" timeOffset="58917">18088 9776 25528,'-6'10'-3710,"-1"-3"3951,3-3 1,0-4-1,4 1 1</inkml:trace>
+  <inkml:trace contextRef="#ctx0" brushRef="#br0" timeOffset="59198">19100 8742 26517,'5'0'0,"7"0"0</inkml:trace>
+  <inkml:trace contextRef="#ctx0" brushRef="#br0" timeOffset="59315">19257 9054 23909,'0'7'-1642,"0"-2"1,0 0 0,0-2 0</inkml:trace>
+  <inkml:trace contextRef="#ctx0" brushRef="#br0" timeOffset="60381">21102 8698 24179,'-29'-7'-1259,"-12"2"1207,37 1-2533,-38 1 3380,8 2-283,-13 1-169,15 9 0,1 4 650,-9 17-774,-7 10 296,17 2-632,6-11 1300,7 0-1692,5 0-324,8-3-692,3-2-557,29 4 161,-6-16 1361,12-2 0,4-2 291,12-9 359,-14-5 1,0-1 705,20 1-133,-28-15 0,0-2 924,27-3-616,-29 1 1,-1-2 573,23-17-629,-8-4-799,-18 10 1,-4-2-801,5-21 344,-12 5 0,-4 0-1150,-3-11 922,-2 22 0,-4 0-1314,-20-11-296,17 3 311,-17 9-240,2-3 479,15 20 687,-26 0 989,28 46 111,-8-2 952,28 31-1218,-16-15 0,3 1-602,14-6 0,4 2-399,-9 26 1,-1 2 671,7-23 0,1-2 385,-1 12 1,-2-1 0,11 13 0,2-2 0</inkml:trace>
+  <inkml:trace contextRef="#ctx0" brushRef="#br0" timeOffset="60664">21943 8720 23639,'-39'-12'-2357,"-3"3"1980,19 23 1812,-20-10-934,38 31-2009,-34-18 2599,35 19-2225,-20-8 831,21 0-495,-5 13 15,34-12-1155,10 11 16,14-26 2762,0 6-2243,-10-18 2620,-1 3-1285,0-5 1613,11-23 287,-16-6-96,5-14-229,-21 1-1763,-8 7-246,-4-30-1209,-31 24-120,10 3 0,-4 3 1515,-27 8 1,0-3-1,14 15 1</inkml:trace>
+  <inkml:trace contextRef="#ctx0" brushRef="#br0" timeOffset="61480">22793 8812 23819,'30'-42'-585,"18"7"1748,-42-7-3687,44 6 3693,-31-5-1648,23-4 614,-13-4-481,0 0-131,-3-4 271,-1 0-861,-3-1 1423,-13 16 0,-1 0-1337,7-18 847,-11 23 1,-1-1-986,2-20 175,-5 21-175,0-7 302,-14 30 269,11 19 618,-22 45 364,22 0-562,-3-1 1,1 1 148,5 9-116,0-8 1,0 1 94,0 7-155,11-21 1,2-2-937,-7 11-123,18-27 1,3 0-621,-3 21 233,10-18 1,4-1 1687,13 8 1,-16-14-1,1-2 1,20 1-1</inkml:trace>
+  <inkml:trace contextRef="#ctx0" brushRef="#br0" timeOffset="61783">24195 7925 24089,'-14'-6'-2837,"10"0"-983,-10 18 5981,14 2-3600,0 21 419,0-4 382,0 29 92,0-13-252,0 1 0,0 1-22,0 17 983,0-22 0,0 2-1030,0 2 1,0-2 866,0-12 0,0 2-540,0 19 1,0 0-540,0 2 444,5-23 1,0-2 568,-3 4 0,8-5 0,-10-4 1</inkml:trace>
+  <inkml:trace contextRef="#ctx0" brushRef="#br0" timeOffset="61971">23633 8473 23819,'-14'-14'-5785,"4"-1"2460,6 1 1464,33-3 4800,0-1-1808,16 4 1,6 1-771,-14 2 1,2 0-832,10-1 1,6 0 0,-5 2 502,0 1 0,0 2 0,-6 0 0,2 1 0,-3 1 0,2 2 0,0-1 1</inkml:trace>
+  <inkml:trace contextRef="#ctx0" brushRef="#br0" timeOffset="62281">24753 8411 23279,'-6'16'-3310,"1"10"1220,5 9 270,15 4-452,-11-9 1491,12 0-167,1-2 353,-13-2-876,25-3 981,-11-2 99,5-10 1236,15-2 1314,-14-32-308,12 2 654,-7-24-899,2 3-219,0-9-1191,0-6-126,-16 26 1,0-1-632,-2 0 1,0-1 494,1 1 0,-1-1 1,-2 0-1,0 1 0,0 0 1,0 0-1</inkml:trace>
+  <inkml:trace contextRef="#ctx0" brushRef="#br0" timeOffset="63349">26477 8330 23369,'-18'-9'-2410,"13"-3"-2075,-29 0 5219,15-5-1393,-1 7 822,-12 2 433,17 6 198,-16 2-704,6 0 738,-1 24 1432,-2-18-1193,3 44-222,-6-12-231,13 10-831,-1 14-568,15-28-566,2 6-136,26-19 94,7-4-12,31-9 1900,-12-1-417,-14-13 0,0-7 1498,6-18-1006,-5 2 1,-3-4 27,-13 5 0,-3-1-99,6-2 0,-1-3-85,-5-4 0,-3-1-299,5-23-526,-9 7 1,-2-1-259,-6 22 0,-2 0-252,1-21 1,-1 0-569,-1-8 670,-10 26 1,0 1-951,4-6 423,-14 9 231,6 7 824,10 6-301,-10 27 2761,14 44-2207,17 2-93,-16-10 0,2 0 180,13-12 1,-1-1-282,-12 36 226,10-33 0,1 2-129,-7 12 1,-1 1-127,2-13 0,0 0-2102,3 19 1,0-2 797,2 1 288,5 8 1233,-6-30 0,-2-6 0,-3-5 0</inkml:trace>
+  <inkml:trace contextRef="#ctx0" brushRef="#br0" timeOffset="63498">26228 8238 24089,'-14'-35'-9241,"4"-1"6720,30-13 3841,8 11-496,-2 13 1,4 3-150,0 5 1,1 2-262,4 1 0,1 0-439,4 0 1,3 2 86,1 1 1,1 0 0,3 0 0,-1 1-1,2 1 1,0-1 0</inkml:trace>
+  <inkml:trace contextRef="#ctx0" brushRef="#br0" timeOffset="63765">27378 7562 24089,'-12'-1'-829,"1"0"783,2 1-87,4 0 425,1 18-1836,2-14 1080,2 40-764,-3-19-133,0 28 754,-1-15 0,-1 1-641,-1 27 675,-2-6 0,0 2-151,4-23 0,-1-1 410,-1 12 0,-1-1-455,2-14 0,1-2-93,-4 32 852,1-3 1,2-5 0,1-4 0</inkml:trace>
+  <inkml:trace contextRef="#ctx0" brushRef="#br0" timeOffset="64131">27553 8178 23459,'6'0'90,"-1"18"-5758,1-14 4420,0 35-393,1-19-26,3 19 850,4 10-24,-1-12-1334,8 24-64,-8-27 2057,8 15-674,-11-25 881,6 8 210,-12-22-545,3 1 563,-5-11 1139,4-23-152,-2-8-156,9-34 152,-2 10 47,5-4 188,6 2 200,-5 18-405,13-14-866,-12 31 418,13 5 965,-12 12-171,6 5-310,-5 21-2196,-2-16 50,0 41-4170,6-10 4604,-4 12 1,2 2 0,-7-14 0</inkml:trace>
+  <inkml:trace contextRef="#ctx0" brushRef="#br0" timeOffset="64261">28633 8426 25978,'5'-8'-834,"-3"1"0,0 7 0</inkml:trace>
+  <inkml:trace contextRef="#ctx0" brushRef="#br0" timeOffset="89611">2338 10940 24179,'-22'13'1990,"3"-10"-1051,1 11-356,4 0-933,1-11 889,5 28-2051,5-15 384,0 17-248,3-1-650,0 6 188,0 3-34,0 8 314,20 0-1370,-15 5 2235,30 0 1,-31 1 432,27 0-204,-27 0-400,28-3-797,-19 0-163,13-4 945,-9-2-747,0-3 1545,-3-5 0,-2-4 0,-2-2 0</inkml:trace>
+  <inkml:trace contextRef="#ctx0" brushRef="#br0" timeOffset="89751">2063 11603 23549,'-3'-21'-7833,"2"1"5821,-3-4 192,26 6 3473,-16-3-1068,55 2 0,-35 7 0,34-1 0</inkml:trace>
+  <inkml:trace contextRef="#ctx0" brushRef="#br0" timeOffset="89998">2847 11544 23369,'24'16'-4602,"-18"14"803,41-26 5652,-42 34-3535,38-17 1944,-37 21-1111,25-3 140,-28 27-881,8-9 1313,-31-2 0,-9 2 335,13-21 1,-3 0-66,-13 5 1,-8 4 0,3-4 0,5-4-1,1-2 1,-13 12 0,-1 0 0</inkml:trace>
+  <inkml:trace contextRef="#ctx0" brushRef="#br0" timeOffset="91064">4588 10816 25978,'-12'-10'-4992,"-3"3"4351,5 5 1021,0 1 1103,5 1-660,1 15-1617,0 10 94,2 11-795,0 7 1367,1-10 1,0 2-581,0 22 141,0-3 0,1 2-122,0-21 0,0 1-245,0 25 1,0 1 132,0-24 1,0-2 187,-1 11 0,2 1-473,7-4 1,0-1-90,-5 22 383,6-18 1,-2-1 759,-7 0 0,0 2 1,0-25-1</inkml:trace>
+  <inkml:trace contextRef="#ctx0" brushRef="#br0" timeOffset="91172">4372 11657 23459,'-14'-33'-9230,"-7"-16"6140,19 13 2333,12-22 740,-5 26-335,24 6 0,6 2 771,-4-2 0,3 9 0,2 2 0,9-4 0</inkml:trace>
+  <inkml:trace contextRef="#ctx0" brushRef="#br0" timeOffset="91564">5235 11508 23639,'-21'9'3330,"15"0"-5554,-29-2 2886,31-1-2026,-26 3 2131,27-2-1435,-23 5 1314,23-4-1657,-7 9-251,10-6 196,0 6-910,0-3 989,0 1-1527,17 1 644,3 4-736,1-6 2132,27 2 341,-30-12 1359,33-1 546,-29-18 691,3 12 397,-11-26-944,-6 9-479,-2-15-1583,-6 4-909,0 5-172,-16 14 105,12 20-14,-11 11 716,35 18-1031,-14-4-634,34 2 601,-24-6-1141,35 11 2734,-16-13 1,14 5-1,-11-15 1</inkml:trace>
+  <inkml:trace contextRef="#ctx0" brushRef="#br0" timeOffset="91801">6003 11390 24539,'-21'-11'-3664,"-2"4"3335,-2 18 2720,-4-7-1543,26 27-2653,-19-7 2128,19 10-1456,-7-1 126,10-7 371,0-2-266,24-1-1345,-18-2-155,42-3 3133,-14-4-1354,12-7 1578,-1-3-225,-15-4 776,-3 0-449,-13-14-1513,11-5 757,-22-17 1,11 3 0,-14 0-1</inkml:trace>
+  <inkml:trace contextRef="#ctx0" brushRef="#br0" timeOffset="91981">5627 12368 23729,'14'4'927,"3"-16"0,13-6 0</inkml:trace>
+  <inkml:trace contextRef="#ctx0" brushRef="#br0" timeOffset="92547">7200 11327 25168,'0'-7'-6565,"0"2"4436,-11 1 2757,8 19-974,-8 20 292,30 6-528,-17-7 0,1 1-28,32 4-468,-33-5 1,0-1 984,24 3-120,-23 7-715,8-20 164,-3-6-237,-6-4 1611,5-5-548,-7-26-133,0-12-556,0-16 120,0-7-509,0 19 1,0-1 1134,0-21 0,0 20 0,0-1 0,0-13 0</inkml:trace>
+  <inkml:trace contextRef="#ctx0" brushRef="#br0" timeOffset="92947">8163 11298 24179,'-47'-12'-1579,"0"9"1918,-3-10-977,1 13 1086,9 0-150,6 0-85,12 23-81,5-5-222,2 21-397,9 1-589,2-7 137,4 20-567,20-25-367,-15 7-4,38-18 1262,-38-4-1566,42-7 2904,-27-2 208,21-4 403,-11 0 263,11-14 933,-13-11-580,14-23-1417,-24 5 1382,2-5-2202,-14 15-322,-2 1-759,-4 4-498,0-1-297,0 9 493,0 21-625,0 22-116,18 14-1276,-13 8 3519,37-8 0,-20 4 0,21 1 0</inkml:trace>
+  <inkml:trace contextRef="#ctx0" brushRef="#br0" timeOffset="93497">9763 11193 25078,'-18'-15'-4291,"-2"-2"2453,-3 9 2192,-6-1 169,12 9 502,-13 14 289,7 11-903,9 10-1367,7 4 912,7-6-754,0 4-973,0 0-375,24 1-2249,11 10 3952,15-17 1,3 4 0,-10-19 0</inkml:trace>
+  <inkml:trace contextRef="#ctx0" brushRef="#br0" timeOffset="93781">10187 11265 24179,'-23'-13'-3989,"2"3"3092,-23 10 2118,7 16 625,16 4-1596,-3 21-630,22-10-668,-6 4-98,31-3 223,-17-7 524,24-10 0,5-2-175,-7 2-76,10-9 0,3-4 655,1 4 324,11-21 1700,-9-9-364,-12-9 126,0-19-548,-16 18-1434,-9-12-413,-3 15-683,-4 1-290,-40-11-1156,30 17-1882,-50-4 4500,39 22 1,-3 3 0,8 3-1</inkml:trace>
+  <inkml:trace contextRef="#ctx0" brushRef="#br0" timeOffset="94097">11027 11228 24539,'-23'-11'-3740,"2"3"2951,-24 8 1876,12 0-435,12 18-69,-9-14 133,17 40-1653,-7-27 1065,11 22-404,9-6-579,17-7-936,12 8 79,9-21 982,21-1 30,-21-12 1475,-2-17 1,-1-4-604,-3-2 387,-7-11 0,-5-2 426,-11 3-448,-2-24-554,-30 26-2382,-7-13 210,-14 29 122,-2-5 1883,9 18 1,1-3-1,0 5 1</inkml:trace>
+  <inkml:trace contextRef="#ctx0" brushRef="#br0" timeOffset="94371">11553 10765 23459,'0'-5'-6475,"0"17"4346,0 14 1155,0 10 335,0 9 304,17-7-771,-13 3 781,12 3-1959,-3 20 1811,-1-15-1004,0-9 1,1 0 1318,-2 5 1,10 9 0,-8-19 0</inkml:trace>
+  <inkml:trace contextRef="#ctx0" brushRef="#br0" timeOffset="94598">12028 10912 24089,'-38'-1'134,"-1"-1"-198,4 21 1196,4-14-733,8 34-1429,1-22 1214,3 20-896,8-5-128,-1 0-74,11 3-906,-4-2-2064,27 14-330,-17-13 3982,43 7 1,-26-19 0,22-4-1</inkml:trace>
+  <inkml:trace contextRef="#ctx0" brushRef="#br0" timeOffset="94781">12387 11126 24539,'-17'-4'-1754,"12"17"-273,-12 4 2846,17 20-3591,15-20 178,-11 14 67,23-27 2494,-24 24 1,25-25 0,-10 9 0</inkml:trace>
+  <inkml:trace contextRef="#ctx0" brushRef="#br0" timeOffset="94948">12410 10645 23639,'0'-4'-8274,"0"18"7353,18-10 1,-14 33 0,14-11-1</inkml:trace>
+  <inkml:trace contextRef="#ctx0" brushRef="#br0" timeOffset="95265">12930 11311 23729,'11'0'180,"9"-21"-504,-4 16 1842,17-34-2012,-14 14 227,18-22 18,-18 10-267,10-8 44,-17 19 258,0-26-552,-9 23-1109,-19-18-212,-6 27 1001,1 0-88,-11 11 1206,14 5 185,-1 21 447,4 12-164,15 11-714,0 2 684,0 11-1228,23-14-608,-17 13-717,41-20 277,-27-4-1222,23-5 3011,-8-4 1,2-9 0,1-3 0</inkml:trace>
+  <inkml:trace contextRef="#ctx0" brushRef="#br0" timeOffset="95549">13513 10958 24089,'-14'-7'-3516,"-1"2"2808,-2 23 1558,5 1-916,33 19-2145,5-4 992,27 2 937,-12-8-894,3-5 1022,-15-7-36,-1-2-558,-2-1 385,-5-1 1411,-2 0-187,-5-1-866,-6-3-406,1-1 95,-8-1-608,2 1-209,-3 2 463,-23 0 2340,-3 4-777,-2-3-393,-17 1 24,25-1 1,-20-3 0,12 1-1</inkml:trace>
+  <inkml:trace contextRef="#ctx0" brushRef="#br0" timeOffset="96599">2117 13664 22290,'12'-7'2433,"-9"19"-8753,17-10 6920,-19 34-2590,6-18-27,-1 22 953,-2-5 316,5 7-1264,-2 2-411,-1 2 2768,1 3-2017,0-1 1580,1 2 450,-1-2-796,0-2-441,-1-4 395,1-3 474,-2-6 0,0-5 0,-1-4 0</inkml:trace>
+  <inkml:trace contextRef="#ctx0" brushRef="#br0" timeOffset="96747">2060 14209 22920,'-13'-20'-7726,"10"1"5216,-9 1 1317,5 1-324,5 1 1275,-4 2-310,6 2 684,0 1-1728,24 1 4281,-18 2-2608,60 2 864,-37 3-348,37 2 1,-21 1-1,2 0 1</inkml:trace>
+  <inkml:trace contextRef="#ctx0" brushRef="#br0" timeOffset="96965">2715 14083 21480,'15'27'-8204,"-11"-3"6020,24 1 2136,-24-2-369,23 3 564,-23 3-465,19 3-10,-21 2-1315,8 3 1644,-10 18 304,0-12-546,-7-6 0,-4-1-49,-14 5 584,2 13 1,-22-22-1,14 0 1</inkml:trace>
+  <inkml:trace contextRef="#ctx0" brushRef="#br0" timeOffset="98014">4190 14437 22020,'18'-24'-478,"0"-23"-1334,16 20 3140,-3-29-1485,-11 19 1,0-1-74,-5 8 1,-2-1 21,10-26 0,-3-1 0,-13 23 0,-2-1-203,7-26 0,-4-1-128,-6 26 0,-2 1 294,2-12 1,0 1-1349,-2-12 886,-21 5-838,16 8 286,-34 0 427,34 19 168,-26 4 794,28 35 404,-19 6 1117,19 23-1626,-6 2 1117,9 9-920,0 8-173,0-28 1,0 3 181,-2 16 0,4 2-508,7-13 0,1 0-84,-9 12 0,3-2-738,16-16 1,0-2 600,-15 30-304,24-21 1,4-2 149,-6 18 98,3-23 0,4-2 32,-4-6 0,0-2 520,17 6 215,-15-13 0,1-2 1,8-5-1,2-3 0</inkml:trace>
+  <inkml:trace contextRef="#ctx0" brushRef="#br0" timeOffset="98367">4973 14110 24629,'0'-15'-6566,"-20"7"6735,3 3 218,-17 20 1819,20 7-2180,-4 22-380,16-6-640,-4 2-370,6-10 1364,0-3-794,17 1-622,2 3-1227,2-11 1211,8 2 414,-12-13 1273,12-5 731,-4-20 1054,-11-9-1088,-2-11 184,-11-12-691,3 18-282,-4-15-611,-16 28-320,13-9-829,-13 39 1424,16-1-689,21 7 339,-10 13 1,2-1-187,36-11 246,-22 8 1,0 0-243,17-6 990,17-11 0,-25-1 0,12-10 0</inkml:trace>
+  <inkml:trace contextRef="#ctx0" brushRef="#br0" timeOffset="98748">5477 14122 22560,'0'31'-6386,"0"2"4258,17-17 1467,-12 10-574,33-23 2670,-20 18-2383,19-18 1760,18 5-1122,-20-8 1906,27-16 587,-38-6-266,6-22-30,-20 8-1708,-1-14 707,-8 21-1999,-1-8-354,-20 9-475,15 11-703,-15 18 2738,20 28-1297,0 13 665,0 14 210,18-6 22,-7-10 0,0 1 22,0-9 1,1 1 83,6 20 0,1 1 9,1 6-856,-9-23 1,1-1 216,17 10 552,-26-6 208,18-4 322,-19-6-161,5-4-699,-7-6-986,0 1 2174,0-10 0,-23-1 0,-5-9 0</inkml:trace>
+  <inkml:trace contextRef="#ctx0" brushRef="#br0" timeOffset="98964">5082 13816 23009,'-3'-24'-7295,"1"2"5047,2-9 1373,0 9 405,19-12 1420,-14 17-754,32-2 1632,-22 11-1274,19 3 1537,-12 4-1810,18 29-208,-15-21 0,12 36 0,-15-23 0</inkml:trace>
+  <inkml:trace contextRef="#ctx0" brushRef="#br0" timeOffset="99120">5692 13308 23189,'-19'23'-1875,"4"10"-968,15 17 2216,0 4 0,0-6 0,0 3 0</inkml:trace>
+  <inkml:trace contextRef="#ctx0" brushRef="#br0" timeOffset="99567">7108 13918 23459,'-55'0'-180,"-2"17"1824,13-12-1739,3 31-140,13-31 470,5 51-1286,-5-35 1268,16 42-1531,-1-33 633,32 23-2358,12-30 885,28 4 819,-6-22 940,-16-14 0,0-2 1579,6 6-917,-14-17 0,-3-4 821,8 1-86,-6-29 703,-5 8-1471,-13 9 0,-3-3-464,1-23 82,-2 5 1,-6-1-664,-9 22 1,-3 0-164,1-24 0,-2 0 89,1 27 1,-1 2-350,-7-8 1,4 2-479,12-4 692,-26 10 601,26 10-3,-17 8 1095,19 25 150,-6 20 172,24 13-1051,-12 14 697,28-6-856,-20-8 1,0 1-114,3-12 0,1 2-545,8 24 0,0 0-169,-9-26 1,1-1 929,12 19 0,1-4 0,8 0 0,-12-19 0,0 0 0</inkml:trace>
+  <inkml:trace contextRef="#ctx0" brushRef="#br0" timeOffset="99914">7842 13777 24089,'-43'0'-90,"6"20"1488,6 3-1337,16 22-1770,6-12 312,9 0-89,0-9 124,0 5-504,0-8-270,23 2-419,2-11 1374,22-7 1988,-8-19 1229,-4-11 337,-10-23-1064,-13 11-388,-5 0-751,-7 16-242,0-3-672,0 35-627,0 10-902,16 42-212,4-10 518,1-15 1,2-2 1777,14 6 0,5 10 0,-9-22 0</inkml:trace>
+  <inkml:trace contextRef="#ctx0" brushRef="#br0" timeOffset="100151">8720 13283 23999,'-17'16'-30,"-4"16"-966,19 8-1699,-6 12 1406,8-5 25,0 6 362,0 4 225,0 4-919,0-1 119,22-2-591,-17-1 1240,35-4-431,-36-1 289,32-6 825,-18 9 0,4-18 1,-8 8-1</inkml:trace>
+  <inkml:trace contextRef="#ctx0" brushRef="#br0" timeOffset="100302">8447 13694 22200,'0'-13'-6296,"0"2"3898,48 6 4389,-18 2-1880,16 12 0,2 2 0,4-6 0,-17 5 0,1 0 0</inkml:trace>
+  <inkml:trace contextRef="#ctx0" brushRef="#br0" timeOffset="100647">9340 13664 23369,'-32'0'0,"1"0"90,3 14 1134,-1-11-1063,6 27-694,-1-26 980,13 33-1505,-9-7 622,17 10-936,-8 10 206,11-23-998,23 14-265,4-22 1684,1 1-996,19-14 2351,-29-3-689,22-3 1361,-2 0-116,-11-16 769,12-9 725,-26-9-1807,7-18-11,-18 18-1832,5-9 24,-7 15-810,0 6 269,0 1-427,0 27-136,0 10 763,0 34-1058,20-5 2196,-15 7 1,33-13-1,-15 0 1</inkml:trace>
+  <inkml:trace contextRef="#ctx0" brushRef="#br0" timeOffset="101031">10500 13116 24898,'-2'-22'-7289,"-2"5"5360,-2 6 650,0 5 1509,4 25 103,0 17-377,2 14-159,0 12-1393,0-5 1799,0 6 82,0-29 0,0 2-348,8 14 1,0 1-550,-7-13 1,2 2-925,9 22 1,2-2 645,-6-26 1,-2-2 781,0 7 0,2-1 0,14 7 0,-9-5 0</inkml:trace>
+  <inkml:trace contextRef="#ctx0" brushRef="#br0" timeOffset="101198">10275 13661 24269,'-9'-28'-8874,"1"2"6090,32-12 4221,13 15-594,-2 4 0,3 3 691,26 3-1283,-29 7 0,0 2-57,16 1-834,1 3 1194,-2 0 1,2 0 0,-3 0 0</inkml:trace>
+  <inkml:trace contextRef="#ctx0" brushRef="#br0" timeOffset="101482">10997 13645 22830,'0'15'-6296,"0"-1"4257,0-2 975,0 0 426,0 3 302,0-4 32,0 6 76,0-8-1369,0 2 1058,24-6 1473,7-2 124,14-2 215,-3-1 233,-9 0-89,9-18 785,-11-2 38,11-21-144,-28 10-1589,4-4 204,-16-4-1838,2 9-269,-20-15-941,13 24-308,-26 2 1203,25 37 244,-9 25 973,13 3-771,6-10 0,4-3-530,14 0 1491,-2-6 0,1-2 1,17 0-1,0 6 1</inkml:trace>
+  <inkml:trace contextRef="#ctx0" brushRef="#br0" timeOffset="101748">11080 13132 22920,'0'-26'-6386,"25"1"8331,-19 5-1213,26 6 1,5 3 1168,-10-3-571,36-5-587,-28 14-364,-1 0 62,-3 5 1194,8 0-1690,-13 17-1058,11 3-423,-22 1-760,-1 26-534,-10-28-72,-4 28-35,0-23 133,0 1 2609,-16-5 0,13-2 1,-13-2-1</inkml:trace>
+  <inkml:trace contextRef="#ctx0" brushRef="#br0" timeOffset="101873">11473 12821 22290,'33'-14'2796,"0"2"-1978,5 8-2085,0 1 1121,3 3 0,0 0 1,0 0-1</inkml:trace>
+  <inkml:trace contextRef="#ctx0" brushRef="#br0" timeOffset="102248">12838 13422 24898,'-28'-20'-1985,"0"0"0,-24-15 636,4 1 714,7 8 275,10 3-250,4 6 477,8 7 334,5 5-859,2 24 1217,9 1-613,0 19-108,3-1-409,0 5 233,0 6 48,8-12 1,4 1-1292,15 17 239,1-11 1,4-2-786,20-2 1598,-21-16 1,1-3-148,19-2 592,3-10 452,2-4 0,1-5 0,1 0 0</inkml:trace>
+  <inkml:trace contextRef="#ctx0" brushRef="#br0" timeOffset="102398">13282 13303 23369,'-48'0'-90,"5"0"90,10 19 982,1-14-691,1 42-1089,5-23 758,11 25-1027,-6-10 334,18 0-1705,-9 13 648,42-15-1106,-5 5 2634,33-24 0,-8-7 1,6-6-1</inkml:trace>
+  <inkml:trace contextRef="#ctx0" brushRef="#br0" timeOffset="102514">13685 13332 22380,'-39'-21'-2401,"8"9"1,-2 2 2458,-20-3 0,16 7 1,0 2-1,-16 2 1</inkml:trace>
+  <inkml:trace contextRef="#ctx0" brushRef="#br0" timeOffset="103218">13668 13432 22020,'6'18'-8313,"-1"-1"6127,-4 3 1725,-1-2 494,0 1-40,0 0 117,-23 2 1499,17-1-2578,-40 0 3876,11 9-837,-12-8 328,-3 5-162,13-11-276,0-4-692,3-2-1912,-1-2 961,4-4 0,1 0 0,3-3 0</inkml:trace>
+  <inkml:trace contextRef="#ctx0" brushRef="#br0" timeOffset="103680">14257 13262 23999,'-34'14'2678,"2"-11"-3086,0 27-118,-8-5 811,12 9-839,-7 18-128,24-17-381,0 12-104,10-14-1009,1-1 375,26-4 188,13 3-136,14-11 1583,-14-10 1,1-2 301,13-3 331,-7-12 1,0-3 1103,8 5-532,-21-14 1,-1 0 1058,6 14-230,-7-38-901,-7 24-383,-8-33-1213,-8 20-793,-28-19-1659,13 22 1352,-26 8 0,-7 2-252,9 1 1853,-5 9 0,-1 2 1,-7 3-1,1 4 0</inkml:trace>
+  <inkml:trace contextRef="#ctx0" brushRef="#br0" timeOffset="103997">14810 12728 24808,'0'-14'-6565,"0"2"4616,16 8 5091,2 19-4227,1 4 75,12 19 260,-27 0-115,29 8-225,-25-7 0,-1 2 896,2-7 0,0 0-50,2 11 1,-2 2-980,-4 1 0,0 0 937,2-12 1,1 1-1106,1 21 0,0-2-569,2 6 1911,-4-26 0,1-1 0,4 4 0,0-4 0</inkml:trace>
+  <inkml:trace contextRef="#ctx0" brushRef="#br0" timeOffset="104237">15547 13089 24269,'-48'-3'211,"-5"0"-195,11 23 1325,-2-15-1144,10 32-532,2-20 829,2 16-771,3-3 171,7 0-206,8 3-493,5-3-884,7 2-305,0-3 80,20 0-2127,17 2 2004,11-12 1059,-6-8 1,2-3 1041,14-4 1,-18-2 0,0-2 0,18 0-1</inkml:trace>
+  <inkml:trace contextRef="#ctx0" brushRef="#br0" timeOffset="104398">15860 13303 24359,'0'39'-6386,"0"-7"4258,0-3 1063,0-6 67,0-4-327,16 0-110,-13-3-591,30-8 1877,-29 5 1,32-11-1,-13 5 1</inkml:trace>
+  <inkml:trace contextRef="#ctx0" brushRef="#br0" timeOffset="104564">15963 12774 24898,'0'-15'-6475,"0"3"4256,0 6-1993,0 2 4038,17 24 1,-12-15-1,12 16 1</inkml:trace>
+  <inkml:trace contextRef="#ctx0" brushRef="#br0" timeOffset="104888">16312 13448 23099,'11'3'-1614,"2"-1"1497,0-1 572,4-1 88,11-16 502,-6-4-769,8 0 315,-9-17-850,1 22 1085,-3-19-1036,4-2-71,-9 8-318,1-21-613,-11 19 601,-1-19-1157,-24 19 422,16-5-847,-33 7 1559,17 13-251,-11-1 747,3 30 1728,15 27-1318,4 1 201,10 15-1814,23-5 0,-17-12-116,23-9 1,5-2 1465,-10 1 1,5-13 0,1-2 0,6 2 0</inkml:trace>
+  <inkml:trace contextRef="#ctx0" brushRef="#br0" timeOffset="105152">17072 13064 24629,'0'-12'-5936,"0"2"3807,0 2 1065,-16 1 1685,12 20-403,-11 6 665,15 25-1588,17-6-1425,-12 4 1769,19-13 1,2 1 368,-19 5-346,15-2 1,-1-1-798,-19-9 259,9 13-1106,-11-19 1353,-21 9 1588,-15-13 764,-10 2-1396,8-9 0,0-2 0,-11 1 0,15-3 0,1 1 0</inkml:trace>
+  <inkml:trace contextRef="#ctx0" brushRef="#br0" timeOffset="105714">18142 12942 25888,'0'-6'-6296,"0"1"4438,-14 2 3177,10 24-1914,-10 26 527,14 4-283,0-8 0,0-1-175,0 5-340,6-7 1,1-1 537,-4 4 184,9 6-1355,-12-23 1444,10-6-942,-8-6 667,8-4 211,-10-25-196,0-13-1066,0-32 445,0 6 235,0 14 0,0 0 701,0-8 0,0-14 0,0 22 0</inkml:trace>
+  <inkml:trace contextRef="#ctx0" brushRef="#br0" timeOffset="106131">18990 12994 24539,'-19'-19'-5360,"-16"-9"4081,-8 25 2896,-13-10-1137,12 13-19,9 0 0,1 0 197,-18 0-289,10 7 1,1 2 10,-3-6 738,14 21 1,3 4 102,2-3-1165,6 33-490,15-22-926,4 3-237,0-5-154,43 11-291,-15-15 1063,14-12 1,5-4 242,4 0 329,7-8 1,2-6 1306,1-18 26,-6 6 0,-2-3 1196,-12-11-1146,-13-2 1,-2-1 519,-5 7 667,-1-38-2200,-15 31-594,-2-2-931,-3 7-436,0 9-304,0 17-2349,19 10 1899,6 21 2426,10-16 1,-1 15-1,-9-12 1</inkml:trace>
+  <inkml:trace contextRef="#ctx0" brushRef="#br0" timeOffset="106263">19678 13117 26877,'6'-8'-1233,"-2"7"-194,-1-7 846,-2 4 0,0 3 0,-1-4 1</inkml:trace>
+</inkml:ink>
+</file>
+
+<file path=ppt/ink/ink8.xml><?xml version="1.0" encoding="utf-8"?>
+<inkml:ink xmlns:inkml="http://www.w3.org/2003/InkML">
+  <inkml:definitions>
+    <inkml:context xml:id="ctx0">
+      <inkml:inkSource xml:id="inkSrc0">
+        <inkml:traceFormat>
+          <inkml:channel name="X" type="integer" min="-2.14748E9" max="2.14748E9" units="cm"/>
+          <inkml:channel name="Y" type="integer" min="-2.14748E9" max="2.14748E9" units="cm"/>
+          <inkml:channel name="F" type="integer" max="32767" units="dev"/>
+        </inkml:traceFormat>
+        <inkml:channelProperties>
+          <inkml:channelProperty channel="X" name="resolution" value="1000" units="1/cm"/>
+          <inkml:channelProperty channel="Y" name="resolution" value="1000" units="1/cm"/>
+          <inkml:channelProperty channel="F" name="resolution" value="0" units="1/dev"/>
+        </inkml:channelProperties>
+      </inkml:inkSource>
+      <inkml:timestamp xml:id="ts0" timeString="2021-07-30T05:26:00.266"/>
+    </inkml:context>
+    <inkml:brush xml:id="br0">
+      <inkml:brushProperty name="width" value="0.12095" units="cm"/>
+      <inkml:brushProperty name="height" value="0.12095" units="cm"/>
+      <inkml:brushProperty name="color" value="#FF0000"/>
+    </inkml:brush>
+  </inkml:definitions>
+  <inkml:trace contextRef="#ctx0" brushRef="#br0">2238 1341 23369,'-13'20'-1371,"10"12"-1552,-11-18 4146,14 18-2623,0 13 496,0-6 530,0-2 0,0 1-255,0 10-877,0 16 365,0-18 936,17 0-1945,-12 19 2022,23-16-226,-25 11 264,17-8-733,-17-16 782,13 17-449,-14-29 353,4 9 256,-6-21-1610,0 0 1396,-14-58-488,11 18 665,-10-7 0,1-3-654,10-6 1038,-9-8-802,3-5 493,7 11 0,0-1-256,-6 12 0,0-2 15,6-26 1,1 0 344,-3 28 0,0-1 123,2-21 0,2 0 427,-1-2-657,9 22 1,2 1 877,-6-4-534,27 5 1258,-29 4-1478,26-2 1241,-9 11 384,17-4 118,-7 17 51,-2 1-460,-9 7-131,2 1-1352,-1 19-228,2-14 12,-1 37-2055,2-19 1103,-9 9 1,-1 3-1931,7 12 1273,-7-4 1,-2 2-1018,-3 11 1468,-4-19 1,-1-1 293,-3 17-1258,0-2 2445,-17 0 1,13-1 0,-13 0-1</inkml:trace>
+  <inkml:trace contextRef="#ctx0" brushRef="#br0" timeOffset="184">1995 2048 23189,'0'-20'-5756,"17"8"8474,-13-6-4108,13 9 3132,5-12-2788,8-5 239,14 2 979,3-8 1,-5 7 0,3-1 0</inkml:trace>
+  <inkml:trace contextRef="#ctx0" brushRef="#br0" timeOffset="470">3152 1207 24359,'-22'0'1349,"9"18"-2425,-1 9 92,13 13-948,-9 7 1026,7-2-27,-4 6 362,1 5-826,0 4 609,1-17 1,0 2 162,2-12 1,-1 2-362,-1 9 1,-1 7 0,1-7 425,2-8 0,0-2 508,-3 30 0,0-3 0,4-10 0,0 12 0</inkml:trace>
+  <inkml:trace contextRef="#ctx0" brushRef="#br0" timeOffset="884">3325 1842 24089,'4'21'-7617,"-1"10"5623,2-11 262,-2 8 1282,6 11-199,-3-15 71,7 16 64,-5-19-1893,3 5 1722,-2-8-16,-1-6 407,-2-1-106,0-8 1282,-1-1 622,2-20-354,0 13 1664,-1-33-1814,0 20 383,1-19-497,0 8 353,0-1-1137,-1 3 98,1 2 135,-3 1-1510,4 12 2249,-2 1-740,6 11 1007,-3 19-2461,6-15 1723,-3 36-1632,2-23 376,1 21-1271,6 1-593,-2-8-719,10 14 49,-8-30 3477,7 12 0,-5-25 1,0 8-1</inkml:trace>
+  <inkml:trace contextRef="#ctx0" brushRef="#br0" timeOffset="1290">4023 1312 24449,'0'-6'-4407,"0"16"2548,0 19 795,0 9 744,0 8 1,0 2-16,0 7 116,7 2 0,3 0-345,7-4-563,0-9 0,0-1 391,0 3 343,-3-10 0,0-2-476,2 0-300,10 17 261,-8-33 260,-8 3 238,-6-33 1746,-4-25-509,0-2-131,0-11 172,0 7-58,0 15 547,0-6-1131,0 14 447,16 12 746,1 23-1250,18 13-340,-17-1 0,-1 3-839,11 14-28,-8-13 0,-1 0-138,5 4 275,-3-7 0,2-2 963,6 1 1,10 3-1,-10-14 1</inkml:trace>
+  <inkml:trace contextRef="#ctx0" brushRef="#br0" timeOffset="1634">4752 1858 24808,'-23'-12'-2902,"-11"-1"2442,14 6 520,0 17 1799,-7-7-1047,24 41-2325,-7-25 1034,10 24-1477,0-17 1017,0-3-392,22 0-358,2 3-761,21-7 1306,-7-3 1949,-1-9-362,-8-23 2166,-13-5-410,-7-18-1041,-9 1-1192,0 3 71,0 8-1750,0 31 73,0 10-1485,15 27-701,3-9 3474,1 0 1,11-12 0,-10-1 0</inkml:trace>
+  <inkml:trace contextRef="#ctx0" brushRef="#br0" timeOffset="2051">5138 1995 24718,'0'38'-5486,"17"-6"1900,-13 0 2391,12-6 235,0 3 162,-13 0 522,24 3 237,-24-3-1741,20 2 1545,-20-2 582,18 0-347,-19-4 313,13 3-601,-10-11-1027,2 3 499,-4-32 1316,-17-11-728,10-16 148,-25-8-156,27 14 1,0-2 336,-23-23 14,23 6 1,1-1 556,-10-9-187,10 12 1,2 2-855,-1 0 1193,0-6-276,20 26 1655,2 15 10,20 2 385,-21 30-2436,14 8 348,-15 12-1281,1 2 159,8-7 232,-26-2-1383,17 1-1192,-17-3 77,5-3 1446,-8-1-397,0 3 1191,0-9 1157,-26 1 1,19-12-1,-19-2 1</inkml:trace>
+  <inkml:trace contextRef="#ctx0" brushRef="#br0" timeOffset="2251">4388 1587 23549,'-1'-16'-5475,"1"-4"3480,0 8 1232,20-4 2970,3 10-1161,26-2-767,-1 6-718,-7 1-941,-2 23 1439,-13-16 0,0 42 0,-2-16 0</inkml:trace>
+  <inkml:trace contextRef="#ctx0" brushRef="#br0" timeOffset="2384">4902 2806 25258,'3'29'-9263,"0"-5"5076,-1-3 3869,-1-11 0,0 0 0,0-6 0</inkml:trace>
+  <inkml:trace contextRef="#ctx0" brushRef="#br0" timeOffset="3136">6215 1650 24718,'16'-3'2005,"-4"1"-1681,-12 0 0,0 1 1,0 1-1</inkml:trace>
+  <inkml:trace contextRef="#ctx0" brushRef="#br0" timeOffset="3292">6527 2029 25708,'3'6'-2310,"0"1"0,-3-5 1,0 0-1</inkml:trace>
+  <inkml:trace contextRef="#ctx0" brushRef="#br0" timeOffset="4217">8388 1229 25798,'0'30'-5306,"0"-5"3267,0-1 1065,0-3 425,0 3 124,0 4 120,0 2 77,0 2-1368,0 2 1596,0 17-90,0-12-90,0 26-90,0-27-89,0 8-271,0-15-90,0-2-179,0-1-810,0 11 719,0-11 990,0 8 0,0-16 0,0-1 0</inkml:trace>
+  <inkml:trace contextRef="#ctx0" brushRef="#br0" timeOffset="5100">8495 1210 24179,'20'-3'1745,"7"0"-1672,12 15-1602,2-8 1343,-9 8-706,5-12 992,1 0-48,4 0-412,23 0-31,-14 0 123,15 0 783,-20 0-458,-1 0 667,-2 0-904,9 0 90,-14 0 0,13 0 180,-28 0-180,4 0 180,-17 0-180,-1 0 180,-6 0-90,-2 10-1778,0 1-38,-1 16 310,0-8-90,0 5-1,0 0 1,0-4 0,0 20 89,14-15 1180,-10 25 311,26-21 86,-26 13-244,10-13-461,-1 1-77,-10 0 510,17 15-547,-11-10 781,3 22-405,-2-24-176,-5 8 486,-1-15 321,-2-2 303,0-2-508,-2-2 533,0-4-108,0-1-50,0-1 231,0-5-422,0 1 49,0-6-225,-14-1 2138,-2-3-455,-12 0-148,5 0 1,-6-11-751,8 8 559,-18-9-470,12 12 752,-22 0-2050,14 0 287,-10 0 76,-13 0 90,12 0 330,-1 0 0,-1 0-228,-12 0 190,3 6 0,-2 1-250,23-6 0,1 1-39,-12 4 1,-2 1 22,1-2 1,2-2-64,12-2 0,-1 0-175,-18 3 1,1 0-184,1-4-550,15 0 1,3 0 828,6 0 0,1 0 1,17 0-1</inkml:trace>
+  <inkml:trace contextRef="#ctx0" brushRef="#br0" timeOffset="6306">10337 1516 24808,'0'-4'-5666,"0"19"3538,0 10 1154,0 12 425,0 4 33,13-8-540,-10 3 842,11 13-1808,-5-12 1607,-6 6 306,6-17-489,-9-5 778,0-1 180,0-2 557,0-6-1005,0 0 603,0-41-550,0-1-396,0-24-230,19-7 423,4 21 370,0-12 130,3 26 0,0 3 1,-6-12-1,28-10 1</inkml:trace>
+  <inkml:trace contextRef="#ctx0" brushRef="#br0" timeOffset="6684">11008 1853 22920,'8'1'-348,"5"-16"124,-4 12 1950,10-25-2530,-6 10 301,1 2 423,-3-14-766,-5 18 274,0-12 29,-3 1-455,0 7-957,-3-9 1010,0 13-81,-18-5 289,13 12 488,-28 0 793,17 21 469,-2 5 220,-2 23-611,19-10-585,-6 2 323,7-10-625,0 0 208,16 0-3328,5 8 666,0-9-1367,29 10 4052,-29-19 0,30 1 1,-19-8-1</inkml:trace>
+  <inkml:trace contextRef="#ctx0" brushRef="#br0" timeOffset="7467">11552 1616 23549,'15'12'-3753,"3"2"1889,-17 6 192,8-7 428,-5 2 182,1-9 843,0 9-607,-1-6-1419,1 6 1318,-2-4 109,0 11 666,-1-6 224,0 5 199,-2 5-218,0-8 583,0 13 13,0-17-200,1 6 4,-1-13-949,2 0 112,-1-22 575,2-4 218,0-22-338,4-2 210,-2 5 92,3-3 53,-2 11 39,0 0 347,1 1-500,-1 3 85,1 2 166,0 4 384,3 2-157,1 10 652,5 0 491,-4 23-2376,10 8 14,-9 9-678,5 4 73,0 7-283,-5-8-374,7 18-707,-9-24-570,4 10 2387,-9-22-50,2-3 37,-5-4 585,-2-23 875,1 14 75,-1-33-195,4 4 336,-2-8-171,5-3 92,-2 11 5,2 2 36,0 3-520,0 2 259,2 3 345,-1 9 347,7-3 199,-4 11-250,13-4 229,-10 21-2558,16 6 184,-12-2-735,6 20-1629,4-10 447,-9 10 2117,12-1 1,-11-14-1,2 0 1</inkml:trace>
+  <inkml:trace contextRef="#ctx0" brushRef="#br0" timeOffset="7835">12498 1786 24269,'0'-10'-6386,"0"1"4258,0 6 974,0-2 605,0 3-57,0-6 32,21 2 2381,-16-3-2694,37 0 2715,-37 1-892,36-3 1072,-35 2-1105,31-2 1219,-32 2-1319,24-7-723,-27 5-463,10-9-323,-12 8-230,0-4-802,-16 6 1581,12 1-2467,-28 3 3751,10 1-1673,-12 3 1485,3 1-324,15 21 829,0 2-213,14 13-1794,-5-4 1656,7-6-2213,0 1-989,19 11-729,-15-8-649,31 18 918,-11-22 2340,-2 5 1,18-14 0,-14-1 0</inkml:trace>
+  <inkml:trace contextRef="#ctx0" brushRef="#br0" timeOffset="8436">12883 1675 23639,'0'34'-6026,"20"-13"3994,-15 16 422,33-22 2529,-23 28-2376,5-22 1200,0 12-404,-10-16-1352,1 2 1630,-3-9 245,-4-3-509,-2-3-884,2-17 2736,-4-6-1424,0-22 648,0 7-13,0-4 57,0 10-370,0-1 265,0-10 211,0 12-778,17-11 1106,-13 21 43,28 1 1309,-16 12-170,13 17-1247,-7 8-749,-1 21-630,-6-7-178,3 14-803,-7-21 297,2 8-1585,-2-8 83,-4-9 1252,2 2 682,-5-11 384,0-5 682,-3-16 713,0-9-196,-1-19-157,0 7-2,0-13 173,0 19-22,0-15 426,0 22-774,0-6-547,14 18 2278,0 1 81,17 46-2776,-11-18-35,1 33-945,-7-25-105,-2 0-384,1 1 1841,1-1 1,0-1 0,1-1 0</inkml:trace>
+  <inkml:trace contextRef="#ctx0" brushRef="#br0" timeOffset="9267">13680 1308 24359,'0'46'-5756,"0"-8"3807,0 2 975,0-5 425,14 1-746,-10 1 827,10 1-331,-4-2-1348,-7-1 2095,7-2-635,-2-2 181,-6-3 273,10 4 169,-11-10-195,3 0 185,-4-12-635,0-4 581,0-20 635,0-9 89,0-23-453,0 8 640,0-14-519,0 23 331,0-6-235,0 17 0,20 4 1609,0 7 384,20 24-1479,-13-12 342,-2 40-1605,-8-27 365,-2 21-602,-2-9-16,0 0-1858,-4-1-370,-1 0 1590,-3-2-519,-3 3 1879,0-6-601,-2 3 337,-17-15 2552,-6-2 678,-14-26-1628,14-3-608,8-21-755,15 6 524,0 2-393,19 14 1459,1 7-1243,20 11-1140,-10 0 1432,0 13-20,4-10 1441,-7 10-1404,9-1 298,-10-10-1177,1 10-1231,-1-12 1309,0 0 90,-1 0 700,-1-16-130,5-1 621,-9-2-602,2-11-523,-15 8-190,-1-6-937,-6-3-86,0 12-89,0-1-293,-19-5-417,15 10 46,-32-5 1298,32 13-30,-25 1 1519,26 21-413,-9 7 424,12 22-898,0-8 133,15 4-878,-11 0-735,28-8 1059,-27 5-2940,26-6 1908,-12-11 1348,8 1 0,-2-14 1,-6-3-1</inkml:trace>
+  <inkml:trace contextRef="#ctx0" brushRef="#br0" timeOffset="9590">14468 1653 24808,'17'23'-6899,"-12"11"4433,25-13 2543,-27 9-942,20 8-52,-20-14 611,15 11-312,-10-18-1685,2 6 1893,-5-13-45,-5-2 47,0-27 716,-16-19-576,12-6 259,-5 8 1,1 1 12,8-4 703,0-13-57,0 17-217,0 1-703,19 3 246,1-7 867,2 12-1468,24-8 1294,-27 22 1,26 0-1,-17 9 1</inkml:trace>
+  <inkml:trace contextRef="#ctx0" brushRef="#br0" timeOffset="10485">15228 1516 24269,'0'33'-5576,"17"-3"2297,-12 2 2100,12-3 315,-17 5 837,14 14-724,-10-10 582,21 10-1963,-22-18 1965,7-2-63,-3-4 43,-5 2 407,4-10-2597,-6 2 2331,0-32 56,0-4 526,0-16-369,0-12 527,0 13-69,0-22-412,0 22 1085,0-20-758,18 32 1077,1-5-287,17 23 554,-18 16-1470,12-9 1048,-20 29-1959,11-17 871,-6 18-1056,-2-6-1281,4 9 85,-5-9-564,4 13 1494,-8-21-1224,0-2 1394,-6-6 11,-1-25 1472,-1 1-89,0-26 22,0 6 10,0-15 66,0 17-5,0-8 207,0 12-163,0 3-597,17 4 1996,1 2-582,20 9 432,-9 0 101,0 8-507,-8 23-1600,1-18 1102,-1 40-1908,-1-27-1595,9 34-284,-8-20-1530,14 21 636,-13-25 3182,5 6 0,-7-17 1,1-1-1</inkml:trace>
+  <inkml:trace contextRef="#ctx0" brushRef="#br0" timeOffset="10834">16097 1766 23909,'0'-6'-5846,"17"3"9143,-13 0-1617,26 3-1299,-27-3 286,26 1-529,-15-2 473,15 0-236,-7-2 1711,0-1-1897,9-4 60,-10 1 296,10-10-524,-17 7-175,-1-5-835,-9-5-291,-3 5-366,-19-14-573,13 13 12,-33-10 437,33 15-797,-28-2 2135,20 9 1,-9 4 1433,10 23-5,4 7 3,8 14-722,0-3-880,0-9 1013,18 0-2246,-13 0-1384,46 9 615,-27-11 2494,31 4 0,-14-15 0,2-3 0</inkml:trace>
+  <inkml:trace contextRef="#ctx0" brushRef="#br0" timeOffset="17085">8723 1577 23189,'20'-8'4801,"2"6"-5089,-14-6-360,3 26-2902,0-14 2779,-3 28-1177,6-11 564,-2 8-833,2 1-768,-1 0 616,-3-9 130,2 12 1921,-6-18-1260,4 5 1563,-6-12-68,2 0 639,-4-5 56,0-1 304,0-2 655,1 0 753,-1 0-6,7-14-677,-3 10 1000,7-26-1610,0 26 1334,2-34-1859,1 19-14,11-34-1165,-6 19 423,-2 5 0,-1-1 322,5-5-758,-5 5 1,0 0 337,5-6-1481,6-11 1362,-8 13-913,1 1 522,0-1 897,2 2 1,-1 2-1,0 3 1</inkml:trace>
+  <inkml:trace contextRef="#ctx0" brushRef="#br0" timeOffset="18350">13247 3486 22650,'0'29'-6116,"0"0"4257,-17 7 2475,13-5-1088,-24 9 1686,25 9-1724,-20-13 1045,20 13-1931,-8-15 1921,11 0-525,0 16-841,0-12 494,0 28-1013,0-30 521,17 26-1306,-13-27 994,12 9 934,-16-15 1,0-2-1,0-1 1</inkml:trace>
+  <inkml:trace contextRef="#ctx0" brushRef="#br0" timeOffset="18950">13422 3344 22020,'13'0'360,"1"0"-270,4 0 0,2 0 0,2 0-90,2 0 90,4 0 0,4 0-90,5 0 90,28 0-180,-11 0 135,-3 0 0,0 0-45,14 0 42,-6-5 0,0-1 31,-23 5 1,-1 0-38,12-5 0,2 0 55,3 3 0,-2-1-13,-9 1 1,1-2-43,6 0 0,6 0 0,-5 0 77,0-2 1,-1 1-106,8 1 0,6-1 0,-5 1-1,-3-1 1,-2 1 6,-6 0 1,3 1 0,-1-1-127,0 1 0,0-1 0,-2 1 106,7-1 0,2 1 1,2 0 0,5 0 1,-6 0-38,-8 2 1,0 0-10,1 0 1,5 0-1,-6 0-29,-7 2 0,-3 0-4,13-1 1,-2 0-87,15 1-16,-3 0 16,-1 0 144,-18 0 0,1 0 1,20 0-58,-9 0 0,-1 0 130,9 0-103,-21 0 0,-1 0 124,14 0-158,1 0 90,0 0-90,-2 0 90,0 0-90,-5-8-101,15 5-281,-20-5 502,9 8 0,-28 0 0,-3 0 1</inkml:trace>
+  <inkml:trace contextRef="#ctx0" brushRef="#br0" timeOffset="19866">13438 4800 22290,'32'0'630,"2"0"-451,-8-15 911,2 11-863,-3-11 328,18 4-164,-8 8-192,-2-7 1,1 0 445,10 8-646,17-6 159,-24 4 0,0 1-519,25-6 414,-3 1 0,1-1-110,-21 2 1,1 0-25,8 0 0,6 0 1,-4 0 31,-1 0 0,0 0-74,-4 1 1,2-1-1,-2 1 210,8-1 0,-2 0-110,2-1 0,1 1-28,1 0 0,2-1-72,-4 1 0,4-1 0,-3 1 5,9-1 1,2 0 59,-15 2 0,6-1 1,-1 0-1,-5 1-6,11-1 0,-1 0-21,3 1 1,5-1-1,-6 1 3,-7 1 0,-3 0 12,-7 2 1,2-1 0,-4 2 3,2-1 0,-3 0-22,-1 2 0,0 0-59,-2 0 0,1 0 0,14 0 1,-1 1 36,-13 0 1,1 0 10,24-1 1,-2 1 7,-26 0 0,0 0 14,22 0 1,0 0 11,-24 0 1,-2 0-14,11-1 0,0 2-99,15 9-364,-2-8 264,-1 8-199,-19-9 1,0-2 475,15 1 1,10 0-1,-25 0 1</inkml:trace>
+  <inkml:trace contextRef="#ctx0" brushRef="#br0" timeOffset="20268">17382 3371 23189,'4'-8'-1679,"-1"0"433,-1 2 875,-1 2-542,-1 1 940,0 2-753,0 15 204,0 14-984,0 9 622,0 12 212,0-4-104,14 7-26,-10 5 674,11 5-335,-2 0-128,-9 2-401,8-18 0,0 1 283,-10-13 1,-1 1 677,8 21 0,0 0 1,-8 6-1,3-23 1,-1 0-1</inkml:trace>
+  <inkml:trace contextRef="#ctx0" brushRef="#br0" timeOffset="21017">14045 4133 23099,'0'18'-2967,"16"-7"1914,-13-19 1474,29-12 1575,-15-19-2199,2 4 142,7-3 306,-16 8-1218,11-3 2134,-10 2-942,2-20-702,-7 14-1080,2-29 994,-6 29-252,-1-8-306,-1 18 503,0 5-447,0 4 538,-16 3 142,13 27 767,-23 13 960,23 17-1273,-7 5 292,10 15-355,0-14-180,8-5 0,4-1-828,10 6-47,-1-9 1,3-2-1008,8 4-682,2 8 275,7-12 2488,-9-14 1,15 2-1,-12-13 1</inkml:trace>
+  <inkml:trace contextRef="#ctx0" brushRef="#br0" timeOffset="21284">14778 4133 23999,'-43'0'1439,"-1"0"-1349,22 16 580,-27 0 146,42 17-2615,-23-2 1727,30-6-1386,0-2-678,23-3 454,1-6 58,24-3 320,-4-6-6,-2-23 2975,-11 0-1500,-12-20 269,-11 3-977,-27 0 331,15 3 0,-15 15 0,19 6 0</inkml:trace>
+  <inkml:trace contextRef="#ctx0" brushRef="#br0" timeOffset="21767">15317 3950 23549,'-41'13'2546,"8"-10"-2943,14 21-530,8-13 462,11 10-1790,18-11 1210,-13 6-950,32-14 1719,-32 10-2896,39-11 2841,-17 3 264,13-4 249,-2 0 1325,-24-16-458,8 11 1797,-20-27-3503,6 18 2533,-28-15-3420,1 16 712,-14 3 253,16 32 400,8 6-577,9 12-1206,21 16 1131,-15-20 7,12-4 0,2-1 758,2 5-805,-1 9-676,9-7 128,-18-11 207,3 9 424,-5-20 991,-10-1-639,0-9-851,-22-4 2678,1-1-1059,-5-20 1,-2 14 0,13-15 0</inkml:trace>
+  <inkml:trace contextRef="#ctx0" brushRef="#br0" timeOffset="21950">15743 4004 23459,'0'39'-6385,"0"-2"4256,0-9 705,0-4 516,0-6-148,0-2 33,0 0-285,0-3 909,0-1 0,0-4 0,0-1 0</inkml:trace>
+  <inkml:trace contextRef="#ctx0" brushRef="#br0" timeOffset="22120">15787 3765 23009,'-10'-3'567,"3"1"1,23 1 0,5 0 0</inkml:trace>
+  <inkml:trace contextRef="#ctx0" brushRef="#br0" timeOffset="22467">16052 3995 22830,'4'17'-7892,"2"1"4758,-2 1 2096,6 6-160,-2-4 535,7 9 183,-6-13 255,4 3-1654,-1-5 2097,-2-4 488,4 0-42,-6-8 858,3-1 427,-4-2 212,1-21-959,-1-3-257,0-13 232,4-10-437,-4 18 340,5-17-1025,-5 23-158,1 2-404,-2 9 899,0 10 1223,2-4-161,6 6-289,-3 15-2134,11 6-16,-8-2-2875,9 32 341,-11-31 3114,5 31 0,-7-23 0,0 3 0</inkml:trace>
+  <inkml:trace contextRef="#ctx0" brushRef="#br0" timeOffset="63281">3673 7096 23639,'-21'11'2659,"-17"-9"-2800,24 18-912,-29-6 1883,21 3-770,-17 11 54,20-10-303,-12 18 93,19-13-1097,-4 8 346,13-6-172,0-1-882,3 2 209,0 8-176,15-9-111,5 12 53,-1-21 1216,14 5 294,-10-14 1250,9 0 87,0-6 632,-10-1 133,-1 0 298,6-20 394,-8 15-391,8-44-1390,-16 29-276,2-37-908,-10 27-379,0-8-298,-3 6-242,0 12-537,0-7-76,0 16 1223,0 16-1253,18 14 579,5 15-109,11-2 1703,11 5 0,-16-13 0,12 5 1</inkml:trace>
+  <inkml:trace contextRef="#ctx0" brushRef="#br0" timeOffset="63545">4465 7364 24269,'-9'11'-2695,"15"-8"1,12 8 0</inkml:trace>
+  <inkml:trace contextRef="#ctx0" brushRef="#br0" timeOffset="63741">4755 7122 22560,'0'0'0</inkml:trace>
+  <inkml:trace contextRef="#ctx0" brushRef="#br0" timeOffset="64529">4772 7026 23819,'-10'0'270,"4"16"-2667,3 12 341,3 9 518,0 8 543,18 13-354,-13-9 875,11-8 1,3 0-1750,-2 8 1020,0-11 0,-1 0-139,-1 3 505,8 8 186,-14-10 280,3-13 690,-2 7-334,-10-20 625,3 1-412,-24-28 879,1-7-294,-5-15-417,-6-19-373,13 16 60,1 5 1,1-2-211,-1-4-430,-4-10 314,14 13-589,-3 12 164,4-4 455,5 15 567,0 1-115,1 7-398,0 0 72,0 3-977,17 1 1607,-1 1 1,4 1 0,-8 0-1</inkml:trace>
+  <inkml:trace contextRef="#ctx0" brushRef="#br0" timeOffset="67545">573 7133 23099,'16'-4'4973,"2"1"-4718,1 18-3223,22-1 2077,-21 3 230,8 1 0,3-2 17,4 0 258,13 20-964,0 3-362,-11-9 264,-7-3 0,-1 1 232,4 6-844,11 9-775,-5-6 2726,-8-10 0,7 3 1,-14-11-1</inkml:trace>
+  <inkml:trace contextRef="#ctx0" brushRef="#br0" timeOffset="67778">1350 6993 24089,'-18'-10'-3771,"14"3"-318,-27 3 5694,18 3-599,-3 20-387,-3 2-74,9 23-1172,-5-11-135,3 3 782,4-10 651,-1 7-1985,1-7 48,-1 3-613,1-8 799,1-8 452,-4 0 973,3-9 1,-4-2-1,2-2 1</inkml:trace>
+  <inkml:trace contextRef="#ctx0" brushRef="#br0" timeOffset="67962">1045 6928 22380,'0'-26'-6296,"15"5"7519,-11 4-1803,23 5 3393,-14 6-1161,17 2-846,16 45-2004,-12-18 530,-4 12 1,-1 1 416,2-3-321,-5-3 1,0 0 88,6 6-1844,8 11-861,1-3 350,-11-11 2817,-5-7 0,0-1 1,2 0-1,7 6 1</inkml:trace>
+  <inkml:trace contextRef="#ctx0" brushRef="#br0" timeOffset="68132">1757 6968 23279,'-20'17'-26,"-4"2"-420,22 22-208,-16 3 0,16-7 1,-7 1-1</inkml:trace>
+  <inkml:trace contextRef="#ctx0" brushRef="#br0" timeOffset="68479">1957 7140 21840,'4'0'1349,"4"0"-1169,-2 0 0,11 0-90,-4 0-90,13 0 0,-9-12 363,9 9-127,-9-23-579,2 23 587,-3-26-756,1 9 364,-7-9-294,-2-8-535,-7 15-376,-21-9-802,16 16 292,-16-1 182,1 10 1673,2 3-83,-6 21 1224,2-13 379,19 46-1404,-7-29 1067,9 40-654,0-29-1311,16 9-1913,-12-15 65,28-2-80,-28-2 2210,31-4 1,-30-5 0,15-2 0</inkml:trace>
+  <inkml:trace contextRef="#ctx0" brushRef="#br0" timeOffset="68928">2362 6507 22740,'0'46'-6026,"0"-8"3987,0 4 975,0-6 426,17 21-572,3-12 748,-2-7 1,1-1-163,-1 5-1625,12 8 1822,-15-9-182,2-14 853,3 10-497,-18-21 436,5 1-585,-7-11 883,-19-21 323,15-8-777,-15-24-65,19 14 334,0-9 226,0 21-206,23-6 1728,2 18 194,25 2-594,-24 27-874,16 3 673,-21 2-1098,14 23-408,-16-32 384,-4 31-2212,-13-27-547,2 5 213,-22-6 2772,-8-3-1380,-26 4 1364,7-11 1,-3 0 0,12-7 0</inkml:trace>
+  <inkml:trace contextRef="#ctx0" brushRef="#br0" timeOffset="69780">3073 7662 22650,'-3'1'2738,"-2"1"-1534,4-2-784,14 0-1167,7 1 196,10-1 319,3 0-10,19 0 332,-5 0-421,0 0 0,3 0 36,-15-1 1,-1 2-40,13 5 0,3 0 324,8-5 0,0 1-82,-12 9 1,2 1 17,7-7 1,6-3-1,-5 1 0,-1 2 0,0 2 4,7-1 1,6 1 0,-6-1-6,-2-3 0,-2 1 10,-9 1 0,3 1 0,-1 0 88,0-2 1,0 0 0,-2 0-40,6 1 0,1 0 46,3-1 1,5 1 0,-6-1 6,-7 0 1,-2 0-39,1 0 1,5 0 0,-6-1 34,-7 0 0,-2 0-39,9 2 0,-1-1 13,8 0-53,-6 0 33,-9-2-365,4 2-301,-18-2 692,6 0 0,-23-2 0,-1 0 1</inkml:trace>
+  <inkml:trace contextRef="#ctx0" brushRef="#br0" timeOffset="70161">5728 6651 24449,'0'-18'-6476,"0"1"4258,0 5 1243,0 3 427,0 21 122,0 18 175,8 2 1,1 4-1,-7-3 1,1 2-739,12 19 1,0 2 807,-13-20 1,-1 2 53,11 26 1,0-1-3,-10-24 1,-1-2 56,4 11 1,0-1-136,-5 15 458,0-4 148,0-3-254,0-19 1,0 0 214,0 16-1016,-7-13 1,0-1 121,3-1 643,-10 5 0,14-22 1,0-3-1</inkml:trace>
+  <inkml:trace contextRef="#ctx0" brushRef="#br0" timeOffset="70712">5873 6574 22920,'-30'-13'-3154,"-11"-6"2099,13 2 145,-27-9 752,19 9 143,1 2 0,-2 2 58,-11-2 74,15 5 0,-2 1-284,-7 1 1,0 2 526,7 2 0,-1 0-135,-8 0 1,-5 1 0,4 1 212,-1 0 0,0 2-151,-9-1 1,-6 1 0,5-1 112,0 1 1,1 0-177,6-1 0,-3 1 0,2 1 168,-7 9 1,2 0-82,-3-9 0,0 2-23,0 12 1,-2 2-128,6-10 0,-4-2 0,4 0-13,-9 3 0,0 0-54,0 1 1,-6 0-1,8 0 31,9-3 0,4-1-3,-13 2 1,3 0-93,-6 2 34,9-9-460,9 0 70,9 0 113,6 0-49,8 0-73,1-17-1079,10 13 395,0-13-1084,10 5 172,0 24 694,13 13-994,-8 14 498,8 18-240,-11-12 1658,0 8-497,7 5 850,-5-10 1,1 2 39,2-11 1,1 2-251,-3 5 0,-1 5 1,1-3 429,0-4 1,0 1-369,-1 3 0,1 5 0,-1-5-114,1-4 1,-1-1-416,1 12 1,0-2 602,0-17 0,0-2 1,3 31-1,2-3 1</inkml:trace>
+  <inkml:trace contextRef="#ctx0" brushRef="#br0" timeOffset="71662">8312 6922 23819,'0'-9'-5396,"-20"0"5835,1 5 405,-23 2 250,11 1-374,-11 15 569,14 8-791,-5 9-508,4 21 1002,13-17-1025,6-3 0,3 0-770,4 5-565,3 10-188,20-18-1222,-14-4 575,35-10 0,10-6 774,-10 2 1571,10-3 0,2-6 0,1-17 0,4-5 0</inkml:trace>
+  <inkml:trace contextRef="#ctx0" brushRef="#br0" timeOffset="72412">8628 6273 23819,'-19'-18'-5709,"-12"3"5503,16 8 249,-4 20 1755,8 6-1632,11 18-1149,0 2 110,0 8-723,0 8 1494,20 5-1260,-15 6 752,15-32 1,0-1-631,-18 1 0,0-1 386,18 0 1,2-1 528,-5 31-29,5-22 1,2-1-76,1 20 90,-9-24 0,0-2 388,1 8-277,-8-6 359,6-5-12,-9 1-229,3-12-727,-3 0 695,-6-33 905,-18-21-625,13-5-68,-11 8 1,1 0-147,12 1 509,-8-17-628,11 26 929,18 0 1248,-13 9-1395,31 10 1710,-15-4 426,11 27-1762,4 5-315,-13 13-627,8-2-235,-10-9-1427,1-1 896,-2 0-1236,0-3-355,-1-2 1113,2-4-24,8 0 1780,-6-10-130,14-1 441,-17-7 913,6-19 294,-12 14 916,0-33-1371,-5 33 513,-1-38-1834,-2 27-70,-1-21-768,-3 13-830,-1-3-381,-1 7-473,0 22 1662,16 8-1152,-12 25 1225,29-6 29,-16-4-20,17-11 1115,-10-7 261,5-7 725,-11 0 0,9-15 6,-12-5-77,1 2-208,-8-16-380,0 30 485,-2-29-1901,-1 18-445,-3-9-413,1 11-408,-2 8 862,2 5 1169,2 20-1252,1-15-775,3 32 867,10-12-116,-2 6-1309,21 9 888,-11-26 1521,12 15 0,-9-26 1,2 9-1</inkml:trace>
+  <inkml:trace contextRef="#ctx0" brushRef="#br0" timeOffset="72768">9977 6856 23999,'-19'-7'-2611,"-8"3"3020,12 1-399,-9 3 627,11 19-873,-2-14 1340,14 30-2542,-5-13 354,23 16-413,-12-9-170,30-2 586,-30-13-1537,34-1 2214,-13-3-984,11-5 2453,-3-2-162,-5-3 1314,-15-21-739,10 16 165,-22-31-863,10 32 559,-11-32-1654,2 22-608,-3-22-494,0 12-179,0 24 407,0 16-721,0 35 1611,17-7-3117,1 15 2004,2-27-1694,6 19 2983,-13-28 0,3 6 1,-6-14-1</inkml:trace>
+  <inkml:trace contextRef="#ctx0" brushRef="#br0" timeOffset="72996">9338 6595 23729,'-6'-10'-7831,"2"1"4461,3 1 2316,1 0 969,0 2 28,0 1 17,22 3 1837,-2 1-1825,20 18 856,-8 10-839,-14 10-1218,10 6 1095,-17-7 1,14 3-1,-6 1 1</inkml:trace>
+  <inkml:trace contextRef="#ctx0" brushRef="#br0" timeOffset="73494">11420 6792 23639,'-59'15'2120,"13"-11"-2346,0 27 379,14-26 110,9 18 1,0 5-1003,-8-7 589,12 8 0,3 3-708,4-2-26,24 14-1708,-7-23 147,45-2 916,1-13 1079,-19-5 0,3-2 468,14-4 0,-1-5 327,9-16 285,-19 10 1,-3-2 778,8-24 574,-6 6 7,-6-3-1481,-7-4-948,-5-3-560,-10-6 326,-5 12 0,-3-2-196,0 8 1,-2-1 183,-5-26 1,-5 0-47,0 24 1,-3 0 39,-10-24 1,1 2-197,9 26 1,0 3 189,-11-10 1,4 3-512,16-3 676,-31 8 640,32 9-274,-20 7 1138,22 25 222,-7 5 690,9 26-1688,0-7 0,0 2 275,0 27-330,-1-20 0,2 2-333,8 4 1,2 0 117,-2-12 0,0 0-470,9 23 1,0-1-1334,-1 4 107,-5-14 0,-1-1 412,0 0 264,2 8 1005,-4-26 0,-9-8 0,0-1 1</inkml:trace>
+  <inkml:trace contextRef="#ctx0" brushRef="#br0" timeOffset="73661">11237 6694 24359,'-11'-33'-8232,"3"-1"5643,8 2 2214,0-1 150,29 3 2081,10-12-586,16 14-640,-17 7 0,1 0-757,13-1 574,-5 6 0,2 2 728,11 0-786,-20 5 1,0 2 0,16-1-1,0 0 1</inkml:trace>
+  <inkml:trace contextRef="#ctx0" brushRef="#br0" timeOffset="73880">12148 6141 24269,'-14'23'-1368,"2"7"-290,12 15-553,0 2 740,0-5 1010,0-9 1,0 1-197,0 19 365,0-6 1,0-1-1396,0 9 141,9-11 0,0 0-514,-4 6 1166,12-20 1,1 0 753,-14 7 1,24-6-1,-13-2 1</inkml:trace>
+  <inkml:trace contextRef="#ctx0" brushRef="#br0" timeOffset="74280">12435 6682 23549,'4'15'-6507,"-1"3"4117,15 17 796,-13-1 965,25-6 978,-27 4-581,19-14 631,-19 2-1969,7-8 1961,-4-3-370,0-22 1376,8-21-311,-4-7-962,-2 8 0,0 1 641,3-3-320,8-19 569,-8 27-76,4-3 410,-3 15-780,-4 8 436,7 2 757,-5 5-572,8 14-1458,-4 6-740,15 18 29,-13 3-705,12 3-49,-15-11-1543,7 4-965,-5-18 3949,12 6 0,-7-17 0,7 1 0</inkml:trace>
+  <inkml:trace contextRef="#ctx0" brushRef="#br0" timeOffset="75578">8847 9388 24718,'-23'-15'-3381,"-13"3"3325,32 0-3221,-35 2 4105,21 2-633,-18 1 265,8 3 120,1 2-628,-2 2 1186,1 0-571,-10 17 2404,13 5-2421,-8 23-129,23-6-1220,0 2-14,10-9-645,0-2-138,22 6-620,9-13-71,12-1 1537,-10-18 0,1-3 676,10-1 659,-1-14 1,0-5 946,9-6-521,-18-2 0,-2-2 534,12-11 412,-6-4-907,-4-3-789,-7-1-777,-6-4-571,-8 1 244,-8 11 1,-1-1-727,-1-21 972,-12 9 1,-1 1-931,5-8 718,-14 24 0,1 2-748,14-7 256,-26 9 488,26 7 243,-21 8 890,22 24 296,-8 23 636,11 13-771,0 16 39,0-6-495,7-10 1,3 2-264,-1-11 0,1 2 86,9 23 1,-1 0-434,-8-25 1,-1-1-948,7 19 1,0-2-1033,1 3 778,2 8 1620,3-28 0,-20-5 0,7-3 0</inkml:trace>
+  <inkml:trace contextRef="#ctx0" brushRef="#br0" timeOffset="75750">8543 9112 23999,'-2'-27'-7012,"-1"0"4722,3 4 1468,28-11 2491,12 11-654,-1 4 1,3 2-262,-8 7 0,0 2-628,4-1 1,0 0-958,20 2 1306,2 3 0,4 3 0,1 0 1</inkml:trace>
+  <inkml:trace contextRef="#ctx0" brushRef="#br0" timeOffset="76029">9827 8587 25168,'-24'19'684,"4"-14"369,6 35-3141,-4 0 1035,3 11 497,2-5 0,1 1-370,-3 17 617,6-19 1,0-1-359,3-10 1,1-1-761,-3 33-561,2-1 607,3 0-537,1 0 72,2-4 1643,0-1 0,17-4 0,3-1 0</inkml:trace>
+  <inkml:trace contextRef="#ctx0" brushRef="#br0" timeOffset="76444">10070 9173 23009,'6'40'-7268,"0"8"5081,-1-10 870,1 18 631,0-21 74,0 8 258,0-15-36,-3-4-1397,1-4 1677,0-2-80,0-8-490,3-2 688,-1-7 1367,3-20-338,2 14 1590,-1-40-1901,3 23 820,1-26-592,-1 10 646,1-4-479,6-13-1497,-7 16 507,7-16-1573,-8 32 2162,2 3-502,-3 14 1539,1 6-735,0 0-61,2 0-24,0 23-1948,3-17 678,-3 24 0,0 4-1386,8-9 984,-1 11 0,0 2-1942,5-2 125,9 9-299,-8-19-84,1-6 3237,2-9 0,2 1 1,-1-5-1</inkml:trace>
+  <inkml:trace contextRef="#ctx0" brushRef="#br0" timeOffset="76828">10838 8618 24269,'0'49'-5127,"0"-7"2999,0 9 1064,0-6 515,14 4 114,-13-12 1,2 1 117,29 19-168,-22-9 0,0-1-1490,11 5 1599,-2-12 1,-1-2-93,-8 0-52,17 3 194,-16-21-104,-1-7 149,-2-5 494,-2-4 591,-1-19 369,1-14-135,-1-9-292,-1-27-185,-1 23 50,0-17-259,0 22-246,-1 4-291,1 6-241,1 4 366,0 6 336,7 8 1180,-2 18-1512,17 33-404,-8 0 25,1-3 1,2 1-506,4 4-387,0-7 0,1 0-510,8 2 1792,-9-15 1,1-1 0,12 0 0,4-1 0</inkml:trace>
+  <inkml:trace contextRef="#ctx0" brushRef="#br0" timeOffset="77194">11690 9008 23999,'-24'-4'-1180,"-5"1"1134,-11 3 488,5 0-232,22 21-604,-9-16 1090,18 35-2052,-16-11 953,19 8-699,-6 10-10,29-21-1192,6 9 271,26-18 1350,0-3-342,-10-8 2124,2-23 68,-19-3 669,-6-19-517,-10-1-206,-11 7-317,0 3-1870,-18 7-110,13 7-591,-23 3 207,25 26 255,-8 10 1224,11 23-496,21-9-491,-15 2-184,31-12-732,-14 9 2125,-3-11 1,18 5 0,-15-12-1</inkml:trace>
+  <inkml:trace contextRef="#ctx0" brushRef="#br0" timeOffset="77628">12052 9091 24808,'0'36'-5755,"0"-5"3626,17 2 258,-13-4 997,27 3 640,-27 3-148,25 1 150,-9 19-1966,8-14 1981,-11-7 0,-2-1-426,3 4 622,-3-7 1,-1 0-386,-2-6-731,5 10 53,-14-45 1369,-1-29 425,-2-7-634,-7 14 1,-2-2 109,7-5 0,0 0 472,-14-24-538,9 5 1,3-1 326,3 23 1,0 1 77,-5-21 0,1 1-929,5-3 394,0 23 1,0 4 380,0-2 170,19 8 1048,-15 10-601,29 6 1266,-12 7-39,18 17-1232,-6 13-691,10 20-332,-20-4-463,7 2-1062,-14-12 355,-2-2-1580,-7-2-837,1 7 1299,-7-11-91,-18 10 1784,13-19 1330,-42 1 1,22-11 0,-24-1 0</inkml:trace>
+  <inkml:trace contextRef="#ctx0" brushRef="#br0" timeOffset="77796">11493 8621 24269,'0'-21'-6206,"0"1"4168,17 5 4219,-13 2-2512,31 7 1846,-9 1-768,24 20-2200,-9-10 1195,-13 21 0,-3 6 0,4-1 0,-12 3 0,1-1 0</inkml:trace>
+  <inkml:trace contextRef="#ctx0" brushRef="#br0" timeOffset="77930">11872 10187 24988,'12'13'-2454,"-10"-4"0,10-5 0,-12-4 0</inkml:trace>
+  <inkml:trace contextRef="#ctx0" brushRef="#br0" timeOffset="79600">9922 11313 24539,'-12'35'-3785,"9"1"1309,-9-3 2199,12 9-952,0 8 410,-7 7 523,5 6 161,-2-30 0,0 1-606,4 1 1,0 1 408,0 0 1,0 0 250,0 1 1,0 0-252,0 0 0,0-1 389,-1 1 0,2-1-210,7 1 0,-1-1-62,-5-2 1,0 2 46,6 11 0,-1 1 16,-7-14 1,0 0-149,0 19 0,0-2-689,0 2-271,0 8-113,0-27 1427,0-7 0,0-7 0,0-2 0</inkml:trace>
+  <inkml:trace contextRef="#ctx0" brushRef="#br0" timeOffset="80180">9993 11511 22830,'0'-5'-6296,"0"-1"4257,0 0 1065,0 0 426,0 0 212,0-1 212,0 0-15,0 0-1367,17-4 3440,7 3 256,30-4 39,-5 4-1244,-5 2 1,2 0 861,20-1-899,-19 2 0,2 1-67,-8 0 1,-1 2 21,4-1 0,2 1-1071,1 0 1,2 0-7,2 0 0,3 0 1,-1 1-29,8-1 0,4 1 138,-11 0 1,6 0 0,1 1-1,-6-1-17,-6 1 0,-3 0 0,2 0 11,14 0 0,4 0 0,-5 0 14,-14 0 1,-3 0-1,0 0 16,1 0 0,1 0 1,-1 0 38,1 0 0,0 0 0,0 0-23,1 0 0,-1 0 0,1 0 11,0 0 1,1-1 0,0 2-41,-1 3 0,1 0 0,3 0 40,1-2 0,4-3 0,0 1 0,-2 3-31,3 4 0,-2 2 0,6-1 33,-5-6 0,5-2 0,3-1 1,-2 1-1,-6 2-27,6 5 1,-6 2 0,6-2-1,-5-3 0,7-2 0,1-1 1,-2 0-1,-5 2-5,5 1 1,-5 1 0,3-1 40,-4-1 0,2-1 0,1-1 1,0 1 135,2-1 1,1 0-1,-1 0 1,-2 0-96,4 0 1,-2-1-1,5 0 39,-15 1 0,6 0 1,2 0-1,0-1 1,-3 1-1,-4 0-44,1-1 1,-4 0 0,-1 0-1,5 0-2,1 0 1,5 0 0,2 1-1,1-1 1,-3 0 0,-6-1 21,1-2 1,-5-1 0,-1-1 0,6 1-19,-1 1 1,5 1 0,2 0-1,0-1 1,-2 1 0,-6-2 44,16-1 0,-7-1 0,3-1-19,-4 0 0,3 0 0,0 0 1,0 1-24,-3 2 1,0 0 0,-1 0 0,-3 0 28,3-2 0,-3 0 0,4 0-35,-7 1 0,4 1 0,2-1 0,-2 1 0,-6 1 5,1 0 0,-6 1 0,4 0-69,3-1 0,5 1 0,-2-1 1,-6 1 30,7-1 0,-5 1-95,12 0 0,-2 4-262,-16 5 0,-4 0-644,19-4 139,-22 8 1,-3 3-630,-2 2 1078,1 14 0,-22-6 0,-4 2 1</inkml:trace>
+  <inkml:trace contextRef="#ctx0" brushRef="#br0" timeOffset="80980">10693 12790 21930,'29'3'-969,"20"1"928,-26-2 191,25-1 76,-5 0-99,3 0 147,8-1-115,3 1-130,-8 0 0,2 0 77,-12-1 0,3 1-40,7 0 0,7 0 0,-5 0 52,1 0 1,-1 0-142,-4 0 1,2-1 0,-2 1 20,11 0 0,-2 0 42,4 0 1,1 0-39,3 0 1,5-1 1,-19 0 1,5 1 0,1-1 0,-2 0 34,4 0 0,-2 0 1,6 0-35,-2 0 1,6 0 0,4 0 0,-3 0 0,-5 0 2,-8 0 0,-4 1 0,-1-1 0,3-1 14,1-1 1,3 0-1,1-1 1,-1 0-1,-3 1 2,15 1 0,-4 0 0,0 0 22,2-3 0,1-1 0,-1 1-11,-17 4 1,0 0 0,1 0 0,3 0-23,3-1 1,4-1 0,2-1 0,-1 1 0,-3 0-6,1 1 0,-3 1 0,0 0 0,6-1-2,-9 0 1,5-1 0,2 0-1,1 1 1,0-1 0,-3 1-1,-5 0-2,11 0 0,-6 1 0,0 1 0,3-1-20,1 0 0,2 0 0,1 0 0,-1 0 0,-4 0 6,-3 0 0,-4 0 0,0 0 1,-1 0 5,1 0 1,0 0 0,0 0 0,0 0 17,-2 0 1,-1 0 0,2 0 0,2 0-27,1 0 1,4 0 0,0 0 0,1 0 0,-4 0-19,-1 0 0,-2 0 1,0 0-1,6 0 38,-2 0 0,5-1 0,3 1 0,0 0 0,-3 0 0,-6 1-33,0 1 1,-5 1 0,0 1 0,4-2 20,0-1 0,5-1 1,3 0-1,0 0 1,-4 1-1,-4 0-42,-2 1 1,-4 1-1,-1 0 1,2 0 51,13-1 1,3 0 0,-1-1 0,-5 0-44,-3 0 0,-3-1 0,-2 1 16,0 1 1,0 0 0,-1 0 29,-3-1 1,0 0 0,2 1-239,12-1 1,4 1 0,-4 0 112,-16 0 1,-2 0 0,3 0 107,3 0 1,4 1 0,0 0-1,-7-1 1,7 0 0,-3-1-1,12 3 1,1-1 0</inkml:trace>
+  <inkml:trace contextRef="#ctx0" brushRef="#br0" timeOffset="81311">19093 11657 23819,'-32'-4'-748,"2"1"1229,-20 3 170,24 19 35,-23 15-67,32 12-1157,3-6 1,0 2-344,1 18 233,3-3 0,1 2 101,4-22 1,2 0-332,-1 11 1,0 3-902,2 0 1,1-2 238,0-11 0,1 0 1163,0 12 1,-1-2-1,1 15 1,0 0-1</inkml:trace>
+  <inkml:trace contextRef="#ctx0" brushRef="#br0" timeOffset="82596">4940 12321 23099,'19'21'-5250,"3"-8"4817,25-6 1743,-9-7-129,4 0-304,-11 0-315,3 0-141,-1 0-421,0-17 2376,9 1-627,-11-4-1032,13-16-578,-23 20 123,2-19-820,-14 12-340,-3 0-92,-4-3-922,-1-12-337,-1 8 396,-24-19-282,-1 22 286,-27-12 959,27 23 759,-18-2 464,16 15 846,-8 0 115,-3 18 1128,20 12-748,-2 23-847,13-3-874,3 4-288,4 6-605,25-12-57,-10-9 1,2-1-1754,31 6 805,-16-9 1,0-2-29,10 2 1335,-13-13 0,-1-1 764,13 2 1,0-5 0,-1-2-1</inkml:trace>
+  <inkml:trace contextRef="#ctx0" brushRef="#br0" timeOffset="83244">5760 12144 23549,'-19'-9'-3496,"3"0"2033,16 4-423,0 1 701,0 22 395,16 4-103,-13 15 303,32-3-962,-31-6 502,44 13 622,-31-11 307,7-4 0,1-2 193,-4 2-116,7 9 190,-14-19-29,0-1-315,-7-11 810,-4-17-314,0-23 65,-22-1-919,15-14 514,-15 17-310,5-2-294,10 1 424,-20-11-674,21 13 226,-7-11 100,10 25 1054,0-4-219,21 16 2401,4 1 151,21 27-1841,-9-16 868,-3 35-1794,2-12 707,-10 9-1041,6 1 201,-13-15-2160,-2 0-53,-2-5 1427,0-1-491,-3-2 788,-2-5 291,-6-18 1541,-1-10-948,-3-25-63,0-5-32,0 4 141,0-8-408,0 24 277,14-10 446,4 23 178,14 2 1224,0 26-1285,-7 10-680,-1 10-351,-6 4-360,2-7 263,1 2-620,1 1-1150,0-2-486,1 0 1497,12 7 611,-6-12-480,23 9 914,-20-22 441,10-1 1,-11-10 0,-2-2-1</inkml:trace>
+  <inkml:trace contextRef="#ctx0" brushRef="#br0" timeOffset="83632">6998 12050 24179,'-15'-6'-2882,"-6"1"2746,-12 20 2289,3 4-1279,15 19-1965,4-8 183,11 3-406,0-9-283,0 1 654,17 7-716,-12-8-1184,29 9 662,-10-17 1523,-2-1 188,28-10 1680,-33-4 243,31-21 835,-29 15 435,4-34-1334,-12 14-61,-5-19-1222,-2 3-421,-4 6-1074,0 12-65,0 31-743,0 10-8,18 18 665,3 10 108,1-16 825,23 15 85,-27-20-328,26 1 845,-18-16 287,0-5 449,0-5 821,-1 0-837,0 0 1,-2-20 0,0-5 0</inkml:trace>
+  <inkml:trace contextRef="#ctx0" brushRef="#br0" timeOffset="83796">7547 12067 23909,'0'-17'-6116,"0"2"3898,-15 8 2645,11-2-2523,-11 24 3666,15 2-2151,14 40-327,-10-18-495,10-8 1,1 0-200,-11-2 1556,33 14 0,-23-23 1,19 2-1</inkml:trace>
+  <inkml:trace contextRef="#ctx0" brushRef="#br0" timeOffset="83965">7467 11596 23639,'-8'0'-1383,"4"16"1,1 1 0,3 16 0</inkml:trace>
+  <inkml:trace contextRef="#ctx0" brushRef="#br0" timeOffset="84327">8127 12380 23099,'8'-20'-2921,"0"15"5016,-1-39-4138,0 22 1376,2-24 127,5-16-66,-3 12 573,-3-8 1,-1-1-1059,-1-5 954,-2 1 0,-2 1-1174,-2 2 1161,-8 22 0,0 0-549,4-12 431,-12 3-799,-4-3-1,2 17 342,-4 2 512,-1 21 891,13 27 468,-2 3 245,5 24-819,7 22-6,0-9-229,7-18 0,3 2-841,2 3 1,4-2-466,2-9 0,3 0-1613,12 19 1,2-2 2450,-11-21 1,2-2-1,10 6 1,1-1-1,-9-11 1,1 0-1</inkml:trace>
+  <inkml:trace contextRef="#ctx0" brushRef="#br0" timeOffset="85444">4747 14645 23549,'-6'-6'-6942,"2"2"6000,2 16 374,17-9 1824,-11 31-2335,26-17 1184,-26 20-620,26-3-1131,-26 4 1580,27 7-517,-27 3 284,9-12 0,1 2-1546,-3 20 1783,-4-19 1,0-2-885,1 14 852,-4-3-40,-3-5 289,4 4 117,-5-15 22,0 5 327,0-24-351,-17-3 2063,13-24-2708,-30 10 1942,30-33-1838,-30 16 325,23-9 0,2-5-662,-17-15 245,12 3 0,4-2-49,-1-14-696,7 9 0,2 1 1585,-2-8-1130,12 23 0,1 2 1345,-5-9-443,31 5 1695,-30 5-1078,21 15 0,4 2 1436,-9-6-660,39-2 734,-32 18-341,4 3-599,-13 5 164,-3 16-2863,-1 3 148,-8 18-1264,0 1 549,-7-7-367,-19 7 707,1-17 562,-4 4-689,-7-11 2124,15-2 1,-4-5-1,8-2 1</inkml:trace>
+  <inkml:trace contextRef="#ctx0" brushRef="#br0" timeOffset="85730">5665 14757 22740,'-40'0'449,"-1"0"-449,7 0 0,3 0 0,11 0-90,3 0 90,1 0 0,-3 0 0,7 0 0,-4 13-417,9-10 144,2 25-1509,3-12 1401,2 7 0,0-9 0,0-8 0</inkml:trace>
+  <inkml:trace contextRef="#ctx0" brushRef="#br0" timeOffset="86165">5700 14730 23909,'0'-10'-5486,"0"3"3357,0 1 1065,-16 4 2515,13-1-1652,-13 17 1478,16 2-1992,0 21-791,0-9 1416,0 5 90,16-8-352,-12 1-1265,24-1 1307,-12 10-1894,-2-10 1663,20 10 752,-22-20-463,16 1 624,-8-12 1108,-8-1-253,7-24 80,-11 15 1170,2-36-1530,-6 13-765,-1-8 172,-3-1-906,0 13-576,0 2 122,0-5-420,0 10-611,-12-5 1131,9 33 1373,-10 3 707,13 20-1264,17 11-1625,-13-14 454,32 13-109,-32-13 1316,33 0 1,-22-2 0,15-2 0</inkml:trace>
+  <inkml:trace contextRef="#ctx0" brushRef="#br0" timeOffset="86551">6387 14707 23999,'-21'-6'-1790,"16"1"-1509,-27 2 4277,15 1-650,-12 1 319,4 1-140,3 0-235,9 17-609,2-13 1580,3 13-623,4-1-1781,1 1 86,3 15-602,23-7 49,-18-4-577,52 1 1807,-35-7-1488,30 6 1831,-19-9 445,0 3-35,-4-4 631,11 7-334,-15-4 655,11 10-1637,-23-9 19,1 2-608,-11-6-577,-2-3 486,-1 2 115,0-3 55,0 1 321,-21-3 1772,0 2 474,-4-2-1557,-10-1 401,12-2 0,-1-2 1,7 0-1</inkml:trace>
+  <inkml:trace contextRef="#ctx0" brushRef="#br0" timeOffset="86895">6758 14680 24359,'-35'0'-90,"1"0"90,18 12 268,23 7-3950,16 12 1823,1-4 649,16-3 1050,-34-6-2021,38 0 1422,-29-2-905,26 11 511,-28-10 1542,14 6 201,-25-9-884,8-3-298,-10 0 1176,0-1-1421,0 1 905,0-2-1546,-21 2 2775,-2-3-827,-23 3 1,23-6 0,3-1-1</inkml:trace>
+  <inkml:trace contextRef="#ctx0" brushRef="#br0" timeOffset="87127">6988 14681 22650,'7'0'268,"-1"0"-88,2 15-4405,6 1 2357,-2 2 342,14 21 420,-10-21 569,8 22-1478,1 0 47,-3-9 510,-5-3 0,1 0 339,3 3 1107,8 9 1,-9-19-1,0-1 1</inkml:trace>
+  <inkml:trace contextRef="#ctx0" brushRef="#br0" timeOffset="87361">7535 14632 23099,'-18'15'835,"4"1"-1615,5 2-397,6 20-900,-14-22 2644,9 31-1573,-1-24 530,-4 13-828,10-16-765,-5 1-259,4-10 2466,-1-6 1,0-2 0,-1-3-1</inkml:trace>
+  <inkml:trace contextRef="#ctx0" brushRef="#br0" timeOffset="87530">7342 14631 22470,'42'-7'1722,"-3"1"-1398,-17 27-3638,10-16 3248,-19 35-2582,15-24 2138,-8 18-979,0-8-299,10 13-1051,-8-10 2355,19 20 1,-17-24 0,9 7-1</inkml:trace>
+  <inkml:trace contextRef="#ctx0" brushRef="#br0" timeOffset="87731">8022 14564 23549,'-20'19'14,"-7"-15"890,24 34-3993,-23-23 4240,22 19-2828,-22-6 1947,23 4-1451,-17 1 378,18 3-1571,-6-2 1914,8 16 1,0-15-1,0 10 1</inkml:trace>
+  <inkml:trace contextRef="#ctx0" brushRef="#br0" timeOffset="88065">8373 14690 24179,'-40'-1'298,"2"0"-331,-5 1 349,12 16 953,4-12-938,17 25-1563,-5-26 1772,12 35-2031,-5-23 829,8 21-813,20-6-456,-15-8-739,35 13 989,-9-18 1624,21 4-1093,-9-14 1697,15-1-397,-34-6 1177,9-15 897,-26-5-1483,-3-18-1013,-28 6-730,18-1-570,-41 8 663,41 1-1516,-43 2 2185,18-4 1,-10 9 0,3-3 0</inkml:trace>
+  <inkml:trace contextRef="#ctx0" brushRef="#br0" timeOffset="88399">8610 14687 22290,'6'0'360,"0"0"-180,0 13-4477,0-10 3618,1 26-1223,0-24 1720,2 30-871,2-11-1161,-3 9 409,5 4-81,-7-18 2793,3 3-2615,-6-34 2196,0-10-1858,-3-34 1103,0 8-234,0 14 0,0 0 724,0-6 0,15-10 0,3 18 0</inkml:trace>
+  <inkml:trace contextRef="#ctx0" brushRef="#br0" timeOffset="88844">9270 14667 24269,'-46'0'180,"0"0"-180,3 0 0,18 14 865,-7-11-722,28 25-1812,-10-14 1709,14 13-1637,20-6 1,6-3 425,23-9 803,-11-4-368,0-5 532,-13 0 1460,7-19-753,-6-2 1226,-5-13-639,-11 4-880,-10-13-1438,0 9 472,-9 1 0,-1 1-1136,6-9 1268,-19 0 1,-1 1-1952,17 0 1356,-13 8 1,1 3-227,16 11 420,-16 1 1301,17 36 183,-6 12 605,22 16-1109,-10 4 252,11-8-1381,-8-9 0,-1 0-730,10 18 1832,-9-17 1,2 0 0,17 11 0,-9 1 0</inkml:trace>
+  <inkml:trace contextRef="#ctx0" brushRef="#br0" timeOffset="89515">10095 14351 23999,'3'-3'242,"0"1"730,-3 1-3719,1 19 913,-1 8 476,0 15 479,0 5 515,0-12 0,0 0-1142,0 23 767,0-3 1,0 1-258,0-21 1,0 0 897,0 12 1,0 0 176,0 18-799,0-1-629,0-2 0,0-4 1255,17-4 1,-13-7-1,13-4 1</inkml:trace>
+  <inkml:trace contextRef="#ctx0" brushRef="#br0" timeOffset="90078">10878 14329 21840,'40'0'0,"0"0"0,0 0 0,0 0 45,0 0 0,1 0 105,-1-1 1,2 2-132,20 6 1,1 0 24,-14-5 0,0 0-27,-6 2 1,2 1 0,0 0 30,2 0 0,1-1 1,-2-1-50,10-1 0,3-1 22,-12 1 0,6 2 1,1-1-1,-6 0-77,15 0 0,1 0 67,-10-2 1,6-1-1,0 0 1,-5 1 72,-5 1 1,-5 0-1,3 0 52,15-2 0,3 0 1,-3 0-83,-15 0 0,-3 0 0,1 0 39,2 0 0,0 0 0,1 0-63,-1 0 1,1 0-1,3 0-7,2 0 1,4 0 0,0 0 0,-2 0 10,3 0 1,-2 1-1,5-2 5,-3-1 0,6-1 1,2 0-1,-1-1 0,-6 0 29,6 0 0,-4-1 0,6-1-37,-14 2 0,5-1 0,3-1 1,0 1-1,-2 0 0,-4 1 0,2 0 0,-5 1 1,0-1-1,3 1-18,2-2 1,2 0 0,1 0-1,-1 0 1,-3 0 34,-2 2 1,-2 1 0,0 0 0,-1-1-6,3-2 0,0 0 0,0-1 0,0 1-2,0 0 1,0 1-1,0 0 1,0 0-5,0 0 0,1 0 0,-1 1 1,1-1-58,0-1 1,-1 1 0,1 0 0,-1-1 36,0 1 1,0 0 0,1 0 0,2 0-35,4 0 1,3-1-1,2 0 1,-2 1-1,-2 0 32,0-1 1,-4 2-1,1-1 1,6 0-27,-12 0 0,5 1 0,3-1 0,1 0 0,-2 0 0,-2 1 0,-5 0 17,8 0 0,-6-1 1,1 2-1,4-2-31,-1 1 0,5 0 0,2 0 1,0-1-1,-3 1 0,-6 0-11,-1 1 1,-6 0-1,-1 0 1,3 0 41,11-1 0,2 0 1,1 0-1,-3 0-116,-4 1 0,-2 1 0,-1-1 0,-2 0-123,1 0 0,-4 0 1,5 1-398,3-1 1,6 1-1,-2 0 1,-7 0 616,7 0 0,-5 0 1,-11 1-1,1 0 1,-5 0-1,-5 0 1,1 0-1</inkml:trace>
+  <inkml:trace contextRef="#ctx0" brushRef="#br0" timeOffset="91011">10432 15610 21840,'63'-8'629,"-30"3"0,1 2-524,3 0 0,0 1-121,2 0 0,1-1 38,1 1 0,3 1-85,-2 0 1,5-1-1,-3 2 12,9-1 1,2 1 48,7 0 0,7-1 0,-6 1 9,-1-1 1,-3 2-165,-5 4 1,1 1 0,-2-1 103,7-4 1,-3 2 5,3 4 0,0 1-105,1 2 0,1-3 95,1-5 1,0 1 2,-20 6 0,1 3 1,0-3 85,-1-6 0,1-4 0,4 3-17,1 2 0,3 3 0,2 1 1,-3-3-29,3 0 0,-2-2 1,6 1 8,-3 0 0,5 0 1,2 1-1,-1-1 0,-6-1 44,8 1 0,-5 0 0,2-1 15,-1-1 1,3-1-1,0 1 1,-4-1-11,2-1 0,-3 0 0,0 0 60,2 0 0,0 0 0,0 0-23,0 0 1,1 1-1,4-2-26,-12-1 1,5-2 0,1 1 0,-1-1 0,-2 2-28,1 1 1,-3 0 0,2 1 0,4-2 8,-7-1 1,5-1 0,3 0-1,1-1 1,-1 0 0,-2 0-1,-5 0 61,11-1 1,-5 0 0,0 0 0,6-1-63,-8 2 0,4-1 1,4 0-1,1-1 1,-2 1-1,-2-1 1,-5 0 34,12-2 0,-7-1 0,0 0 0,4 1-34,-13 2 0,3 1 0,1 0 1,0 0-1,1-1 0,-2 1 2,0-1 1,1 0-1,-1 0 1,0 1-1,-1-1 1,-3 0 18,13 0 1,-5-1 0,2 1 0,5-2-43,-12 2 1,5-1 0,3 0 0,0 0-1,0-1 1,-4 2 0,-5-1 11,9 0 0,-5 1 1,-2 0-1,4-1-14,-2 0 0,4-1 0,1 1 1,-3 0-1,-4 0 9,12-1 0,-6 0 0,0 0-25,-1 1 1,0-1 0,-1 0 15,-4 1 0,0 0 1,-1 0 30,-2 1 1,-1-1-1,-1 1-65,-2 0 1,-1 0 0,-1 1 68,18-3 1,1 0-86,-11 3 1,1-1 0,-2 1 6,2 0 1,0 1-71,-2 1 1,4 0 0,-8 1-258,-12 1 0,-2 1 15,7 1 0,-3-1-373,-1 1-100,-11 0-261,-6 0 664,-10 16 1,-6-12 0,-4 12 0</inkml:trace>
+  <inkml:trace contextRef="#ctx0" brushRef="#br0" timeOffset="91380">19602 14386 21930,'-14'-7'-3626,"3"2"2941,5 1 479,4 2-904,-4 16 1312,6 23-982,0 3 285,0 15-1101,0 3 839,0-11 100,0-5 0,0 0-837,0 9 1573,-8-9 1,-1 0 0,4 5-1,-13 14 1</inkml:trace>
+  <inkml:trace contextRef="#ctx0" brushRef="#br0" timeOffset="92715">9833 16927 22470,'0'11'-5486,"0"-2"3447,0-2 975,0 6 515,0 0 124,0 21 121,0-6 75,0 35-1277,0-20 1424,7-2 1,1 1-280,-4 9 252,3-8 0,1 0-702,1 6-469,-6 10 1206,13-12 0,-14-15 0,4 7 0</inkml:trace>
+  <inkml:trace contextRef="#ctx0" brushRef="#br0" timeOffset="93729">4855 17184 23189,'14'11'-4508,"-3"7"1125,-11 13 2298,0 2 578,0-3 109,0 5 114,13 2-594,-9 4-878,9 0 894,-13 1 1300,11 13-914,-8-14-468,17 17-512,-18-31 1284,13 7 0,-11-22 0,6 0 1</inkml:trace>
+  <inkml:trace contextRef="#ctx0" brushRef="#br0" timeOffset="94411">4980 17075 23279,'-11'-6'-3467,"8"2"-276,-8-1 4105,11 0-1457,0 1 366,0-3 207,0 3 221,19-5 839,-15 3-12,42-6 2023,-21 4-1170,30-3 509,-4 1-911,-7 3 0,3-1-25,-11 2 1,3 1-339,5-1 0,5 1 0,-4 0-774,-3 0 1,1 1 308,2 0 0,3 1 1,-4 1-346,-5 0 0,-1 0-74,9 1 0,0 0 88,-8 1 0,-2 0-270,16 0 312,-15-1 0,-4 2-182,-2 12-632,5-10 642,-24 22-1947,0-21 1693,-11 29-1198,0-19-36,-2 27 175,0-16 104,0 19 660,0-15-664,0 23 1990,0-21-1648,0 13 1064,18 4-397,-13-11 184,11-5 0,0 1-243,-12 4 299,18 25-391,-20-28 549,6 10-244,-8-18 362,0-1 724,0-1-60,0 6-89,0-9-388,-20 9 1583,0-16 276,-23 5 575,14-10-447,-1-1 26,-5-3-304,8-2-34,-24 1-92,17-2-1180,-29 2-513,19-1-247,4 1 1,0 0-210,-13 1 269,19-1 1,-3 0 244,-4 0 0,0 0-43,-25 3-89,8-2 1,-1-1 21,23-1 0,0-1-47,-26 1 1,-1-1-24,27-2 1,0 1-139,-11-1 1,1 0-657,-13 0-361,7 0-146,9 0 1300,7 0 1,10 0 0,4 0 0</inkml:trace>
+  <inkml:trace contextRef="#ctx0" brushRef="#br0" timeOffset="95783">7178 17104 24089,'-6'-16'-8405,"-1"3"5787,4 2 1357,-1-1 177,2 6 687,0-2 166,1 26 667,32 18-2121,-24 6 1721,14-10 1,2-1 234,-9 8-366,-1-7 0,-1 2 133,1 8-11,-5 0 0,-2 0 142,-5 2-219,3-6 0,-2 0-8,-2-7 872,0 11-548,0-23 528,0 1-205,-12-13 1942,-3-16-1780,-7-10-403,8-11-852,3-18 62,5 11 329,3 0 1,1-1-21,-3-12 24,4 15 1,1 0-1869,-1-17 1483,0-2 111,1 0 708,0 17 1,0-1 26,0-18-147,10 12 0,0 1 395,-5-4-287,11 14 0,3 3 818,2 1 38,27-1 840,-16 21 219,14 18-1110,-28-5 27,8 47-2144,-15-29 436,-3 12 0,-3 1-833,-1 2 44,-1 12-721,-3-15-155,0-3 1110,0-3-32,-17 8 2519,13-12-501,-24 12 702,25-19-1029,-19 10 838,19-14-914,-7 6 438,10-6-903,0 1-837,0 0 505,0 2-949,0 2 936,19 1-871,6 12 617,12-8-805,13 19 743,-15-19 751,4 2 1,0 0 0,6-1 0,-11-5-1,0-1 1</inkml:trace>
+  <inkml:trace contextRef="#ctx0" brushRef="#br0" timeOffset="96193">8008 17497 22650,'38'-3'648,"4"0"-556,-8 3-277,3 0 74,-10 0 127,13 0-69,-10 0 13,16-11 525,-22 8-311,2-22-392,-14 11-7,-6-8-750,-3-4-169,-3 10-92,-23-13-412,-1 13 104,-3-2 444,-28 7 798,35 6 84,-42 2 1253,36 3 379,-13 17 832,26 6-1089,-5 11-640,16 17-857,-2-15-320,10-3 1,5 0-1676,18 8 712,-3-7 0,4-2-1065,23 3 2366,-22-14 0,0-1 0,18 0 1,3 0-1</inkml:trace>
+  <inkml:trace contextRef="#ctx0" brushRef="#br0" timeOffset="96711">8845 17452 22290,'0'18'-6206,"0"13"3988,15-7 461,-11 20 1009,10-19-123,-3 15 151,0-18 146,3 2-1541,0-10 2238,-13-4-395,11-1 1055,-7-2-1084,3-4 1099,-1 0 317,-5-3 417,2-21-592,-2 16-943,2-37 118,-1 24 0,0-20 0,0 7 0</inkml:trace>
+  <inkml:trace contextRef="#ctx0" brushRef="#br0" timeOffset="97065">9010 17433 21750,'16'-47'-3195,"6"-1"2424,-8 27 993,6 1 635,2 14 651,-4 4-496,12 17-1532,-10 8-1105,9 24 592,-12-7-400,7 16-400,-12-23-331,2 7-461,-8-7 455,-2-12 1438,-2 4 224,-2-14 609,0-22 491,0-10 97,0-14-99,0-2 51,0-12-253,0 9-162,-2 4 0,4 0 234,20-5 115,-12 8 0,0 2 229,16 1 853,3-5-269,-25 21-683,29 4 1475,-18 6 141,25 1-707,-15 3-808,18 16-515,-18 7-1478,14 24-326,-19-6 408,4 6-1708,-5 8-1106,-5-11 3459,-3-6 1,0 0-1,3 6 1,4 12 0</inkml:trace>
+  <inkml:trace contextRef="#ctx0" brushRef="#br0" timeOffset="98165">10025 17156 23549,'-11'-10'-5649,"8"2"1546,-8 1 4573,3 3-240,6 21-461,-6 10 321,8 12-447,17 4-1952,-12-7 1884,26 2 889,-28 2-1296,24-1 36,-24-1 400,22-3-472,-22-2 705,17 7 317,-12-13-451,3 8-119,1-22 523,-11 2-335,4-11 271,-5-17 63,-16-20-524,12-3 756,-12-12-350,16 15 579,0-4-601,0 0 209,0-1-316,0 2 231,0 2 490,0 4-360,0 4 420,14 6 710,4 6 378,17 7 334,3 27-1413,-5-15 611,0 43-1285,-9-27 301,-2 22-722,6 4-1255,-9-11-359,6 18-373,-15-27 1799,0 7-1461,-7-18 1971,-2-25 196,-15-12 131,10-18 61,-10 1-535,14-10 1092,17 9-139,-8 5 0,1 1 348,10-5 333,11-15-745,-7 28 1185,21 1 503,-10 16 398,2 5-852,-1 20-1738,-9 8-353,-3-1 1,-2 3-714,3 18-700,7 4-52,-11-13-950,2-1 372,-1-3 144,2-1 1173,1-3 920,2-4 306,15 3 730,-5-9-407,-5-8 0,1-2 894,8-2 115,11-3-96,-17-3 110,0 0-134,-5-14 402,1 10-541,-5-25-869,-2 25 299,2-42-1082,-9 27 259,-1-40-919,-10 29 96,-23-33-1578,12 31 899,-30-24-137,13 33-129,-16-5 1248,15 15-213,-7 3 1242,16 8 531,-9 21 1314,11 8-1183,6 25-566,6-7-676,11-13 0,1-1-1006,-7 7 211,37 10-680,-38-17-924,39-4 426,-24-2 2046,35 1 0,-19-9 0,10 0 1</inkml:trace>
+  <inkml:trace contextRef="#ctx0" brushRef="#br0" timeOffset="98761">11608 17286 22920,'20'18'-5851,"-16"11"2692,34-7 3458,-33 8-1572,27 0 896,-28-6-298,23-1 773,-23 0-1974,27 8 1824,-27-11-46,24 9-421,-23-18 148,7-1-493,-9-7 935,-2-21-372,0-20 708,-1-1-398,0-27 498,0 31-383,15-21 1253,-11 26-1098,12-2 550,-4 16 741,1 9 430,15 2 35,-16 19-1904,17 8 300,-19 8-1575,18 15 514,-15-16-918,12 29-355,-13-32-630,9 15 231,-14-26 1764,3-3 143,-6-5 463,0-4 831,-1-3 1363,1-17-1288,-2 13 782,3-32-874,-1 19 185,4-18-605,3-13 456,-2 13-766,9-29-1034,-7 29 1257,10-17-616,-10 28 893,6-3-8,-7 16 483,2 6 648,-2 2-207,6 3-506,-5 23-2112,9 7-57,-9 14 411,-1-4 0,0 0-918,2 6-162,-1-1 0,2-1-2070,1-2 3170,8 10 1,-6-21 0,2-2 0</inkml:trace>
+  <inkml:trace contextRef="#ctx0" brushRef="#br0" timeOffset="99560">12962 16763 25528,'0'-8'-6475,"13"-1"9653,-10 4-3514,24 1 1462,-16 2-186,12 18-2069,-13 12-774,7 29-257,-13-3 2038,4-11 1,-1-1-2132,-1 13 1634,0 1 0,0 1-1433,-2-1 1012,0-7 0,-1-2 497,-2-9 1130,1 12-82,-2-28-262,0 1 110,0-14-1222,0-4 615,-14-19 277,10-8-118,-10-22-450,14 8 603,0-3-58,0 12 0,0 0 0,0 4 0,22-4 1306,4 14 1277,25-3 230,-13 15-1259,2-3 314,-13 24-1544,-1-15 909,-2 38-1637,6-11-867,-9 13-1357,5 13-138,-17-23 621,-1 18 90,-8-24 1591,0 5-1309,-22-6 2888,-5-10-903,-26 4 449,13-15 0,-2-1 0,15-6 0</inkml:trace>
+  <inkml:trace contextRef="#ctx0" brushRef="#br0" timeOffset="99911">13323 17300 22200,'35'17'-3356,"19"1"2877,-12 3 203,-5-8 0,0-2 455,6 2-2,-6-7 0,-1 1 52,6 9-427,13-14 233,-21 4 522,0-6 76,-3 0 337,5-17 323,-11 13-334,4-26-614,-20 9-57,-1-16-1226,-8 6-220,-20 0-251,-2 1-213,-2 7-187,-10-10-134,15 16 684,-15-1 1080,16 10 674,-3 3 703,13 4 358,-1 20-353,3 7-813,6 12-551,0 16 19,0-18-925,19 25-993,1-26-223,3 7-216,13-15 950,-21-5-364,18-2 2058,-10-5 1,-1-2 0,2-3 0</inkml:trace>
+  <inkml:trace contextRef="#ctx0" brushRef="#br0" timeOffset="100227">14053 17325 23549,'0'-14'-6385,"14"5"9226,-11 25-5915,21 6 2167,-21 21-132,19-12 104,-20 2 279,15-11-1026,-15-2 1617,8 0-2322,-9-3 2664,7 1-1204,-6-9 504,2 3 66,-2-26 727,-2-6-194,0-11-21,0-6 367,0 5-415,0-23 528,0 10-380,-2 5 0,4 1 204,15-6-877,-7 10 0,0 2 37,12 1 720,11-3 1,-29 21-1,13 4 1</inkml:trace>
+  <inkml:trace contextRef="#ctx0" brushRef="#br0" timeOffset="101078">15062 17366 24539,'9'-12'-968,"-6"0"-1897,6 4 4158,-9 2-3250,0 25 593,0 9 390,0 14 153,0 2-775,14-7-411,-10 16 1498,21-15-1684,-22 20 2100,19-31 36,-19 5-25,8-18-392,-4-3 118,-1-6 406,7-23 1372,-6 13 500,2-51-1507,-3 32 155,0-30-68,1 18 5,0 1 136,2 0-206,6-14-1164,-3 14-300,11-16 1528,-9 28 290,13-2 548,-9 18 561,2 3-273,-2 4-427,-4 21-2013,1-16 1213,3 54-1800,-6-37 651,-2 11 0,-2 1-1272,-2-4-428,2 17 303,-6-26 200,-1 6 2087,-1-36-1097,0-8 1533,0-17 245,0-16-468,0 17 71,20-29 581,6 25-170,-3 6 0,3 2 775,15-2 460,0-5-226,-10 18 474,0 4-142,1 8-95,0 2-850,-1 4-868,-1 0-271,8 16-1082,-10 9-565,12 23-1088,-21-5-1347,4 3 76,-11-11-545,-1-2 3903,0 0 0,-2-3 1,1-1-1</inkml:trace>
+  <inkml:trace contextRef="#ctx0" brushRef="#br0" timeOffset="101413">16263 17364 24898,'16'-7'2633,"2"-2"-2050,2 6-759,3-4 396,16-1-230,-7 1 111,27-5-206,-20 4 511,21-4-676,-25 3 207,7 0 240,-18 2-191,-4-1 319,-5 0-103,-7-6-1199,-3 2-291,-27-10-572,17 6-784,-42-3 1978,27 5-968,-24 2 584,14 2-218,-13-1 1561,25 5-74,-20 1 1169,28 4 743,-6 19-1564,9 8-491,32 25-1924,-19-8 96,29-12 1,6-2-315,-4 8 2010,15-8 1,4-3 0,-24-11 0,-1-1 0,11 4 0,0-1 0</inkml:trace>
+  <inkml:trace contextRef="#ctx0" brushRef="#br0" timeOffset="102777">17430 17870 23279,'0'-9'-4766,"0"0"3357,0 0 794,0 0 157,0-1 122,0 2 32,0-1 76,0 5-1458,0 21 1776,0 14-90,14 14-232,-5 6 0,0 1-107,9 12 220,-12-22 1,-1 6-1,-1-5-76,5 22-381,-8-10 1,0 0-906,8 3 483,-8-22 1,-2 0 999,1 5 0,0-9 0,0-3 1</inkml:trace>
+  <inkml:trace contextRef="#ctx0" brushRef="#br0" timeOffset="103777">17672 17810 21570,'28'-9'2913,"4"-1"-2038,3 1-564,7-2-95,3 2-87,3-1-151,6 0-41,-13 5 1,2-1 130,-9 3 0,2 0-258,27-2 0,1 2-68,-25 2 0,1 0 109,5 0 1,4 1 0,-3 0-100,-4 0 1,0 0 47,14 0 0,0 0 3,-14-1 1,-3 2-68,1 7 0,1 1 69,-1-8 1,2 2-84,17 11 1,2 0 130,-15-12 1,2-1 73,5 6 0,5 1 0,-3-2-5,-5-4 0,2-1 61,2 1 0,9 1 0,1-1 0,-7 0-29,-11-1 1,-4-2-1,5 1 109,3 0 0,7 0 0,3 0 0,-3 0 1,-6 0 16,-2 0 1,-5 1 0,5-2 26,11-2 1,6-2 0,1 0 0,-6 1 11,-8 3 1,-4 1 0,3-3-6,-2-4 1,3-2-1,0-1 1,-3 4-29,1 4 0,-3 2 0,0-2 36,2-7 0,0-3 0,1 4-39,-1 6 0,0 2 1,1-2 90,0-6 0,1-2 1,-1 2-48,-1 3 1,1 3 0,-1-2-30,0-2 1,-1-1 0,4-1-21,-3 3 1,3 1 0,1-1 0,-3 1-113,2 0 1,-3-1 0,4 1 38,7 0 1,6 0 0,0 0-1,-7 0-67,-10 1 0,-5 1 0,4 0 44,6 0 0,6 0 0,-1 1 0,-6 0-45,12-1 0,-3 2 3,-9-1 1,2 1 0,-4 0-54,2 0 0,-3 0 14,-1 0 1,0 0 23,-3-1 1,1 2-66,12 6 0,1 1-4,-18-6 1,0 0-83,20 12 0,-3 2-323,-3-2 310,-20 0 1,-3-1-604,-6 0-2,-2 7-332,-18-13-367,-5 9-174,-2-5 194,-1 3 437,-17-5 2121,12 5-1303,-26-8 1489,27 1-543,-11-4 1139,2-1 549,9 0 47,-19-1-740,15 1-1577,-8-2 923,6 0-1396,4 0 1039,1 0-878,4 18-1662,14 3-558,-10 10 556,21-1-163,-22 4 299,20-8-3,-13 24-129,4-21-386,-2 24 1665,-7-23 854,3 33-347,-4-32 108,1 27 5,-3-34 24,3 16 134,-3-18 384,1 6-261,-2-9-40,0-3-148,0 14 93,-17-13 1324,13 15-1180,-12-19 1453,3 15-823,9-14-1143,-9 11 658,13-15-1757,0 4 180,0-7 704,0 0 0,0-2 1,0-3-1</inkml:trace>
+  <inkml:trace contextRef="#ctx0" brushRef="#br0" timeOffset="104677">18653 18558 23819,'0'-12'-4856,"0"-4"2817,0 4 1155,0-7 425,0 12 123,0-6 32,-11 11 1280,-1-2-1547,-10 4 2168,1 19 69,3 4-382,3 12-486,4 11-361,7-17-147,2 9-1291,2-16-24,0-1-571,23-10 696,0 12-358,22-17 1765,-8 10-131,1-13 769,-18-20 457,7 13 201,-16-30-1317,2 8-306,0-35 283,-12 15-1113,2 10 0,-1 1-25,-2-3-669,-17-21-847,12 24-42,-13-9 940,18 20 347,-15 1 157,11 7 227,-12 2 600,16 7-38,0 19 565,0 6-316,0 16 468,0-1-717,17 21-300,-12-9 303,11-4 1,0 0-917,-12 5 705,9-15 1,1 0-1614,-1 21 525,1-13-615,12 18 741,-23-30 1176,22 6 0,-21-20 1,6 0-1</inkml:trace>
+  <inkml:trace contextRef="#ctx0" brushRef="#br0" timeOffset="104851">18525 18529 23009,'-2'-13'-7308,"1"1"4913,1 1 1583,23-8 3183,14 2-1217,-1 4 1,3-1-673,-5 6 1,0 0-371,5-3 1,-1 1-881,24-2 1192,4 2 1,0 4-1,-32 3 1,-1 1-1</inkml:trace>
+  <inkml:trace contextRef="#ctx0" brushRef="#br0" timeOffset="105110">19508 18186 22380,'-7'15'-1925,"1"6"-144,6 10 32,0 7 905,0-6 317,0 26 233,0-13 146,0 17-1251,0 0 752,12-16-195,-11-10 0,1 0 17,17 1 943,-17 6 1,13-19 0,-6-3 0</inkml:trace>
+  <inkml:trace contextRef="#ctx0" brushRef="#br0" timeOffset="105495">19730 18541 23099,'4'-9'-3381,"0"1"2982,0 2 637,1 2 702,3 1 392,-3 3-863,7 0-245,-2 18-2410,5 0 1377,-4 3-760,1 9-317,-1-14-146,-2 3-865,2 4 578,-7-14 294,2 2 1904,-4-4-479,1-7 2764,2 0 143,-1-16-1437,9-5 860,-2 2-132,6-19-163,7 22 1140,-5-26-884,15 20-1258,-14-7-861,10 19 2083,-12 2-535,3 8-527,-2 0 177,-4 23-3071,9 4 1425,-9 16-1711,3-5 795,-5-5-1145,-1-2 46,1 0-431,7 6 440,-4-12 3015,15 4 0,-12-16 0,6-1 0</inkml:trace>
+  <inkml:trace contextRef="#ctx0" brushRef="#br0" timeOffset="105881">20410 18238 23279,'0'-9'-6295,"0"23"4256,0 13 975,14 29-340,-10-7 1008,22 3-429,-23 6 568,20-16-847,-17-9 0,-2 0 777,8-1-287,0 6 31,-6-15 524,2-7-537,0-2 759,-4-11-91,2 0 1580,0-17-734,0 10 1896,1-27-1809,5 5 357,-3-6-148,9-13 15,-6 22-408,1 0-523,2 3 238,-6 13-920,8-6 1766,-7 8-98,11 24-1709,-9 6-927,13 24-80,-11-9-687,15 13-221,-8-22 2059,5-4 0,2-3 0,5-7 1,20 6-1</inkml:trace>
+  <inkml:trace contextRef="#ctx0" brushRef="#br0" timeOffset="106227">21100 18529 23549,'-15'-14'-5373,"-4"-3"3636,0 7 1748,-19 0 664,26 7-132,-12 21 616,18 2-1825,25 21-1907,4-22 2454,21 12 226,-20-16-276,14 1-88,-17 2-546,13-17 591,-8 5 905,-9-24 1563,-6 14 500,-6-28-2212,-3 15-780,-1-9-605,-1 3 601,0 32-1626,0 7 90,15 29-1047,-11-11-853,24-1 1834,-25-11 1728,23-3 1,-22-9 0,9-2 0</inkml:trace>
+  <inkml:trace contextRef="#ctx0" brushRef="#br0" timeOffset="106627">21497 18582 23459,'0'9'-6115,"17"4"4706,-12 25-222,27-7 1113,-18 12-857,2-16 810,5 15-120,-9-21-1437,0 5 1639,7-11 301,-15-5-164,9-2 754,-11-27 491,1-7-349,-3-26 25,0 10-50,0-3 48,0 12-695,0-1 786,0 2-897,0-12 34,18 15 1215,-13-15-812,32 25 2039,-18-4-907,17 16 603,-4 18-1107,-8-6 504,-1 26-1555,-10-8-1434,-2-4 948,-5 17-2287,-4-21 719,-2 14-1424,0 1 3657,-16-9 0,12 3 0,-12-10 0</inkml:trace>
+  <inkml:trace contextRef="#ctx0" brushRef="#br0" timeOffset="106813">20977 18350 23549,'32'-23'1141,"21"1"424,-29 0-2246,24 4 1317,7-3-135,-12 10-667,-9 5 0,-1 2-713,4 2 608,14 22 0,-25 5 0,4 21 1</inkml:trace>
+  <inkml:trace contextRef="#ctx0" brushRef="#br0" timeOffset="106989">22040 18890 25798,'19'0'0,"3"0"-630,-5-15-498,-1 12 999,-8-12 1,-5 7 0,-1-2 0</inkml:trace>
+  <inkml:trace contextRef="#ctx0" brushRef="#br0" timeOffset="112677">5253 17025 23549,'0'28'-6295,"0"6"4166,23-6 719,-18 6 332,37-6 1387,-37 2-974,36 0 944,-25 0-2427,17-1 2363,-11-2-377,0-2 331,-4-2 33,-1-5-417,1 3 706,-7-8 45,2 1 1126,-8-10-1771,-1-15 815,-2-10-412,1-12-68,9-27 188,2 13-864,4-2 0,1-2 198,-4 16 1,3 0 384,2-6 0,4-5 0,-1 4 0,1 1 0,1 1 0,7-13 0,1 0 0</inkml:trace>
+  <inkml:trace contextRef="#ctx0" brushRef="#br0" timeOffset="121313">21705 880 21031,'0'29'-5846,"0"-6"3717,0 2 1065,0-4 515,0 3 214,0 6 121,0 5-15,0 5-1367,0 9 1650,-1-9 1,2 3-189,5-10 1,1 5 134,-5 7 1,-2 10 0,-1 1-1,3-8-33,4 4 0,0-2-23,-4 11 0,-3 6 0,0-9 62,1-17 0,0-2 38,0 20 0,0 0-50,1-14 1,-2 2 35,-2 5 1,-2 6-1,1-5 155,2-2 1,1 0-124,-3 9 0,0 6 0,-1-4 94,0-5 0,0 3-87,1 0 0,1 10 0,0 0 0,-2-8-7,0-14 1,-2-5 0,1 4-19,0 15 1,1 9 0,-1-2 0,1-8 50,-1 0 0,0-2-47,0 5 1,1 5 0,0-6-23,0-8 1,1 0-33,1 4 0,2 6 1,-1-6-52,1-6 0,0-2 22,1-7 1,0 1-1,0 1-5,0-1 0,0 1 0,0-3-46,-1 7 0,2 2-49,3 4 0,3 5 0,-2-6 29,-4-4 0,1-1-1,3 6 1,2 4 0,-3-5 14,-3-4 0,-2-2 72,1 17 0,0-1 57,0-20 1,0-1-50,1 0 0,-2 0 108,-7-1 0,-1 2 70,7 16 0,0 0-6,-7-15 0,1 1-40,6 4 0,3 4 0,0-4-85,-1-4 1,0 0-71,0 5 1,0 6-1,0-5 79,0-3 0,0-1 12,0 16 0,0-1-116,0-17 0,0-3-43,0 1 1,0 0 48,0-2 0,0 3-6,0 15 0,0 1 64,0-16 0,0 1 59,-3 3 1,-2 5 0,2-6-14,1-4 0,1-1-13,-2 3 1,-1 5 0,0-5 7,-1-4 1,2-1 0,2 12 1,-1-2 54,-2-15 1,0-2-41,4 0 0,0 0-110,0-1 0,0 1 41,0 12 1,0 1-38,0-12 1,0 1-99,8 24 0,1 0-53,-7-24 1,0-1 30,5 11 0,2 1-42,-3 2 1,-1-1 73,-3-11 1,-1 1 79,4 26 1,1 1-10,-1-27 1,0 1-41,-5 25 1,2 0 95,6-26 0,0-1 9,-6 24 0,-1 1 102,4-28 0,-1 2-79,-2 8 0,0 7 1,0-6 41,0-10 0,0 1-93,0 7 1,0 5 0,0-6 227,3 20-222,-3-23 1,1 1 71,2 13-28,-1 2-57,0-17 0,1 2-63,1 20 37,-2-21 1,1 2 1,-1 1 1,1-2-64,1 23 91,-1-7 1,1-1-13,-3-22 1,1-2 29,0 13 1,0-1 2,3 18 14,-1 1 12,0-2-19,0 2 119,1-1-237,-2-1 184,-2-18 0,0 1-15,2 21-70,-2-9 0,0 0 207,1 9-142,-2-9 0,-1 0 36,-1-22 0,1-1 5,-1 10 1,0 1 16,0 2 1,0-2-35,0-9 0,0 1 75,-7 24 0,-1 2 7,6-25 0,0 1 55,-12 26 1,1 1-19,11-27 1,1 2-103,-6 12 1,-3 6 0,2-6 62,2-10 1,0 0-62,-1 9 1,-1 5 0,1-7 59,2-13 1,-1-1-61,-4 23 0,0 0 138,5 6-261,-3-21 1,0-2 25,2 17-37,0 0-34,1 1 72,1-16 0,0 1-57,2-10 0,-1 0-15,-3 25 1,0 0-29,3-24 1,-1-1 284,-4 26 0,-1-1-186,5-22 0,-1-2 57,-2 11 1,0 1 31,-3 17-26,5-31 0,0 1 74,-4 31-46,3-17 0,1 2-74,1-14 0,0 2-27,-3 25 0,0 0-5,2-26 0,0-1 9,-1 12 0,0-1-26,-4 17 58,-1 0 32,0-1 13,-2 0 118,0-1 30,0 0-114,3-19 0,-1 1 6,3-10 0,0 0-14,-5 22 1,0 0-16,5-23 0,0-1-32,0 10 1,-1 0 22,-3 15-48,1-2-54,0 2 2,1-1-13,2 1-201,1 0 135,2-15 1,1 0-46,-1 22 37,2-10 0,0 0-187,1 9 143,1-22 0,0 0-246,0 15 184,0-1-3,1 0-288,0-16 0,0 0-382,0 22 875,0-10 1,0 0 0,0 7 0,0-20 0,0 0 0</inkml:trace>
+  <inkml:trace contextRef="#ctx0" brushRef="#br0" timeOffset="122644">23540 1608 23189,'0'-19'-5666,"0"0"4078,0 1 1243,-16-8-720,12 10 377,-13-12 56,3 16 819,11-1-2378,-24 6 3255,11 3 150,-8 1 33,-2 18 1285,-11 12-233,5 9-1409,-6 5 1,1 2 378,-1 5-399,5 0 1,4 0-970,12-6-426,-1 21-456,15-34-1067,0 10-164,28-24 1259,8-2 300,15-10 979,1-3 216,12-23 1000,-16-10-953,-6 2 0,-1-4 3,-18 8 1,-1-1-94,5-3 0,-1 1 252,0-18-706,-4-1-799,-7-2 175,-8 15 0,-1 0-1587,-1-19 1306,0 13 1,-4 1-706,-17-2-349,15-4 393,-15 23 454,3 8 327,12 5-301,-21 6 2191,23 17-888,-7 16 537,9 27-124,0-3-575,0 8 165,0-14-334,0 2 132,0-1-1668,8-15 1,3 1-653,10 15 1983,2 10 1,10-23 0,-13-2-1</inkml:trace>
+  <inkml:trace contextRef="#ctx0" brushRef="#br0" timeOffset="122859">23232 1327 22290,'-7'-18'-9328,"2"0"6942,22-5 4587,-13 7-1067,30 3 0,7 2 631,1-1-1082,3 5 0,3 1-463,-14 0 1,0 1-498,3 1 0,0 0 643,3-1 0,1-1 1,0 2-1,1-1 1,0 0-1,1 0 1</inkml:trace>
+  <inkml:trace contextRef="#ctx0" brushRef="#br0" timeOffset="123077">24322 786 22110,'-24'0'90,"10"18"-888,-3-13 2008,15 35-3688,-15-18 2426,11 24-1185,-8-3 739,5 7-835,1 5-230,-1 3 452,5-15 1,0 1 709,0 22 1,2-23 0,0-1 0,1 14 0</inkml:trace>
+  <inkml:trace contextRef="#ctx0" brushRef="#br0" timeOffset="123460">24472 1366 21480,'9'15'-7623,"-1"-11"8257,4 42-2717,-4-23 1417,-4 9 0,0 3 83,1 2 145,0 14 141,-3-5-1257,-1-14 1909,-1 12-1023,0-26 1133,0 1-16,0-29-229,0-10 19,0-13-32,0-4-159,14-10 610,-10 10-403,10 7 1,3 0 765,0-3 471,18-8-59,-7 27 765,-6 2-144,-2 12-458,-6 18-2375,7 10 68,-2 10-1694,12 18-91,-8-22 2099,7 13 1,-6-18 0,1 0-1</inkml:trace>
+  <inkml:trace contextRef="#ctx0" brushRef="#br0" timeOffset="123877">25353 961 23549,'-19'19'71,"3"-2"-530,16 23-2525,0-2 2062,0-5 1,0 2-309,0 22 715,8-5 0,0-1-340,-4 11-137,14-14 1,0-1-1302,-13 3 1293,14-19 0,-1-3 616,-15 6 158,26-6 319,-25-6-168,19-3 530,-13-9-31,8-2 1085,-4-7 553,3-23-347,-2-7-557,4-13-452,-4-1 282,2 8-365,-2-1 41,8-11-498,-8 14-834,9-10 345,-11 30 897,9-1 614,-8 14-282,3 21-1948,-2-16 1192,-2 43-1445,4-26 601,-4 9 1,1 1-1574,9 10 576,-2-8 1,2-1-1413,6 3 2747,12 8 0,-7-21 0,0-2 0</inkml:trace>
+  <inkml:trace contextRef="#ctx0" brushRef="#br0" timeOffset="124227">26288 1446 23279,'-28'-14'-3352,"-9"6"3380,33 0-3711,-25 7 5018,11-2-825,-11 24 567,5 3-561,12 23-1588,5-4 636,28-1-1290,2-10 2117,21-14-1113,-2-8 630,-2-10-194,-2-21 983,-18-3 113,2-21-206,-16 11 363,3 4-198,-6 5-1214,-3 8-721,0 19-431,0 14-510,0 28 233,15 5-320,4-6-695,15 7 2742,-15-23 0,18 4 0,-11-13 0</inkml:trace>
+  <inkml:trace contextRef="#ctx0" brushRef="#br0" timeOffset="124593">26725 1447 22290,'0'10'-5306,"0"7"3267,15 14-205,-11 3 1412,10-4 391,2 0 1,-3 1-375,-6 10 518,13-6 0,0-1-1791,-6-5 1623,7 8-45,-8-22 1032,2 0-218,-12-11-73,7-2 1674,-7-2 349,1-22-1515,0 16 1119,4-54-1163,-3 34-461,1-12 0,-1-2 36,0-3-34,-1 9 1,1 1-1189,0-1-381,0-4 1290,0 20-558,-2 9 983,1 4 774,-1 5 169,1 0 46,-1 16-1994,2 8-78,-1 9 280,2 19-492,-4-20-588,0 11-875,-2-17-390,0-1 2601,0-4 0,-19-3 1,-4-2-1</inkml:trace>
+  <inkml:trace contextRef="#ctx0" brushRef="#br0" timeOffset="124793">25670 1109 23189,'-4'-44'-6957,"1"2"4955,3 5 1139,28 0 2354,-21 6-1608,51 3 1976,-33 6-954,28 6-349,-14 6 1722,0 5-2554,13 22 374,-12-13 0,-15 18 0,-1 6 0,8 11 0</inkml:trace>
+  <inkml:trace contextRef="#ctx0" brushRef="#br0" timeOffset="124943">26390 2074 24359,'0'9'-6746,"0"-1"6214,0-4 0,0-2 0,0-2 0</inkml:trace>
+  <inkml:trace contextRef="#ctx0" brushRef="#br0" timeOffset="125448">27857 773 25258,'0'40'-6295,"0"-5"4076,0-3 1245,0 17 335,0-6 324,6 0 1,2 1-334,-5 14 457,11-10 0,0 1-2032,-11 7 2071,8-21 1,1 0-413,-1 20 169,1-16-189,7 9 21,-15-28-25,8 0-120,-9-15 381,-1-23 799,-1-29 124,-1-1-376,6 6 1,4 1 922,10-3-336,-1 10 0,0 0 605,1 2 148,17-4 509,-14 25-122,9 5 172,6 24-1510,-15-13-539,-5 21 0,-1 5-1389,0-5 42,4 33-455,-12-23-310,-4 0-362,-2-3 160,-2 8 1464,-1-12 80,-23 10 1349,17-20-809,-36-1 1656,37-11-896,-35-4 1,34-1 0,-15-2 0</inkml:trace>
+  <inkml:trace contextRef="#ctx0" brushRef="#br0" timeOffset="125763">29190 704 24629,'-42'-1'-54,"18"17"789,-14-12-383,34 36-2732,-28-18 3016,29 24-2186,-11-6 963,14 5-211,0-11 0,0 2-762,0 19 632,-1-18 0,2 0-966,19 16 864,-15-3-1147,33 0 1318,-26-17 0,-1 0-1000,11 14 1067,-4-11 0,-1-1-327,-2-3 937,5 11 0,-9-28 0,-11 2 0</inkml:trace>
+  <inkml:trace contextRef="#ctx0" brushRef="#br0" timeOffset="125894">29063 1432 23009,'-26'-33'-6674,"-7"-17"3930,30 11 2094,-5-1 1,3 1-94,24 1 1242,-6 3 1,4 3 213,22 6 415,5-5-1560,-10 14 2251,2 2 163,-1 2-1350,0 1 1,-4 2 0,0 0 0</inkml:trace>
+  <inkml:trace contextRef="#ctx0" brushRef="#br0" timeOffset="126581">29458 780 23009,'0'-3'-5935,"0"23"3806,0-2 1245,0 25 785,0 19-327,0-10 205,7-2 1,0 2-254,-4 11-425,9-22 0,0 0 242,-9 11 553,18-3-495,-19-5 401,18-6-162,-13-4 75,10-6 213,-4-1-240,-3-10 456,4-2-100,-6-11 1417,8-22 6,-5-10-60,10-24-267,-8 9-132,5-11 128,-6 24 104,1-3-429,-6 14-838,1 10-64,2 1 1097,-2 8-54,12 16-1348,-6 7-510,15 20-151,-7-5-144,4 0 250,-6-12-684,0-2-299,0-2 449,9-4 1711,-5-3 618,13-6 748,-15-4-228,4-5 528,-10-20-413,0 15 973,-4-36-1972,1 35 1439,-5-35-1840,0 25-70,-3-26-963,-2 15-442,-1-1 354,-2 33-1171,0 13 1623,18 29-2443,-13-10 2427,27 11-697,-10-32 1495,27 16 69,-15-29 1006,14 9-53,-29-30 359,12-8 913,-15-9-1314,1-3 125,-6 9-674,-3-1-499,-3 3-1274,1-5 394,-4 17-626,1-11-78,-2 44 354,-1-1-428,17 23-1991,4 14 1326,0-21 2130,4-4 0,0-2 1,-2 1-1,28 6 0</inkml:trace>
+  <inkml:trace contextRef="#ctx0" brushRef="#br0" timeOffset="126876">30960 1240 24089,'-24'-13'-3590,"-12"0"3122,17 7 628,-13 16 1780,14 10-1685,1 19-822,16-8-574,-5 2-107,6-4 661,19-7-290,-14 3-565,32-8-5,-21-9 664,5-16 2207,-9-14-732,-12-20-1580,0-4 348,0 9-218,0 4 412,0 14-1034,-13 8 1156,10-5 1,-10 14-1,13-7 1</inkml:trace>
+  <inkml:trace contextRef="#ctx0" brushRef="#br0" timeOffset="127261">31182 1348 23189,'4'3'-3955,"0"1"1481,-1 3-290,-2 1 1764,2 6 167,-1-1 322,0 4 237,0 1-1586,1 11 1197,0-8 505,0 12 649,-2-18-105,0 3-144,-1-12-50,2-1-562,0-5 1234,0-13-401,5-10 313,-1-7-208,11-22 174,-5 16-296,0 3 0,-1-1 263,3-5 627,4-9-1245,-8 22 375,0 5-110,-4 5 94,5 8 754,-6 4-103,10 25-2014,-7-16 784,11 53-1180,-6-35 99,5 33-340,4-9-165,-5-12-2958,17 20 1115,-11-28 3695,8 4 0,-6-17 0,1-3 1</inkml:trace>
+  <inkml:trace contextRef="#ctx0" brushRef="#br0" timeOffset="127610">31763 1288 24449,'-34'0'90,"4"0"-90,16 17-528,4 0-255,10 19-1127,0-6 546,0 0 340,21-14-228,-15 3-786,32-17 2032,-25 6-840,6-29 1386,-9-3 1023,-10-11-1383,-17-4-966,13 10 74,-12 1 863,3 12-1804,10 31 1422,-9 19-519,12 14 388,-2-13 0,4-1 292,12 11 176,-12-9 0,0-1-475,13 6-932,-15 5-1694,0-12 2897,0-12 0,0 2 1,0-11-1</inkml:trace>
+  <inkml:trace contextRef="#ctx0" brushRef="#br0" timeOffset="127811">30822 711 22020,'20'47'-9632,"7"-11"7200,-25 5 2229,9-10 0,-11 2 0,0 1 0</inkml:trace>
+  <inkml:trace contextRef="#ctx0" brushRef="#br0" timeOffset="128033">30465 796 22110,'19'22'-6491,"6"2"4562,-23 23 766,7 0-20,-9-11-111,0 8 1446,0-20 1,-19 3-1,-5-10 1</inkml:trace>
+  <inkml:trace contextRef="#ctx0" brushRef="#br0" timeOffset="128210">30780 471 23279,'49'0'-399,"-14"9"1,1 0-1294,17-4 1526,-7 10 1,-1 3 0,5 6-1,-18-5 1,0 1 0</inkml:trace>
+  <inkml:trace contextRef="#ctx0" brushRef="#br0" timeOffset="136514">23130 3389 21570,'0'-12'-5846,"0"0"3808,0-2 1333,0-1 247,0-2 482,0-1-328,-14-1-151,10-1-1129,-10 0 1748,14-1-74,0-1 180,0 1 0,0 1-90,0 2-180,0 2 136,0 1 212,0 4-153,0 1-15,0 6-90,0 18-90,0 14 0,0 12 0,0 8 0,0-6 0,14 5-186,-12-11 1,0 1-439,12 22 158,-13-21 0,-2 0-20,1 15-234,0-4-89,0-3-1,0-4 810,0-4 0,0-3 0,0-3 0</inkml:trace>
+  <inkml:trace contextRef="#ctx0" brushRef="#br0" timeOffset="136693">22877 3574 21750,'-4'-27'-7236,"2"2"4867,1 1 1481,19-9 2000,-14 10-1151,51-8 1931,-30 19-452,33 2-2277,-2 7 1234,-9 3 0,17 15 0,-14 3 0</inkml:trace>
+  <inkml:trace contextRef="#ctx0" brushRef="#br0" timeOffset="137078">23668 3486 22290,'-48'0'270,"9"0"-270,-1 0-90,10 0 180,-9 14 738,12-10-577,-6 25-323,16-6-312,7 8-603,3 1-206,7-9-403,19-3 50,7 6-689,12-8 1029,18 2 492,-16-14 788,-5-3 1,0-2 842,9-1 276,11-18 1019,-8-8-77,-15-11-777,10-15-681,-25 17-42,-2-25-1222,-10 27-616,-4-23-342,-1 34-666,-15-6-475,11 38 1966,-10 7 811,37 2-658,-17 14-189,36-17 1431,-38 14-1099,35-8-246,-9 6 488,11-14 270,15 12 0,-21-24 0,10 8 0</inkml:trace>
+  <inkml:trace contextRef="#ctx0" brushRef="#br0" timeOffset="137277">24342 3235 22470,'-19'-17'-5865,"4"5"4695,5 1-205,7 26 1104,9 24-686,-3 4 372,13 13-208,2-21-1365,-14 3 722,27 16 6,-13-13 1315,7 9 0,-2-20 0,-7-3 1</inkml:trace>
+  <inkml:trace contextRef="#ctx0" brushRef="#br0" timeOffset="137443">24077 3291 21750,'60'-1'-404,"-10"0"0,0 1 0</inkml:trace>
+  <inkml:trace contextRef="#ctx0" brushRef="#br0" timeOffset="137677">23747 2725 22920,'-27'0'-90,"1"0"90,6 15 552,-3 4-442,8-1-1166,0 35-1078,10-29 1795,2 32 0,3-23 1,0 1-1</inkml:trace>
+  <inkml:trace contextRef="#ctx0" brushRef="#br0" timeOffset="137844">24118 2616 21300,'-17'24'-1332,"3"11"1,14 16-1,0 1 1</inkml:trace>
+  <inkml:trace contextRef="#ctx0" brushRef="#br0" timeOffset="138460">25082 3389 23459,'-21'14'1279,"5"5"-2168,16 19-2469,0-7 1487,0 2 564,0-10 374,0-1 233,0-2-897,0-3-319,14-2 551,-10-5 745,10 0 967,-14-4-437,9-3 902,0-1 388,10-22 246,-5-9-559,-1-12-397,-2-2 694,0 7-1015,0-1 363,6-13-778,-6 16-356,7-12-199,-10 32 1145,5 1 563,-6 13 216,3 16-2137,3 12-135,-2 8-178,11 21 113,-10-20-176,11 25-242,-12-29-612,6 7-23,-8-20 2191,2-4 357,-3-8 373,3 3 22,-4-10 1250,8 4-270,-4-25-8,13-9 422,-6-10-594,6-3-193,-5 10-222,0-1-209,0 3-1080,-3 2 240,2 5 499,-5 4-799,7 3 1255,-7 8 136,10 1-119,-10 7-299,4 18-1913,-5-13 1106,1 32-1877,0-20 693,10 30-1520,-5-16-1166,18 21 689,-9-24 2971,7 7 0,-4-18 0,-1 0 0</inkml:trace>
+  <inkml:trace contextRef="#ctx0" brushRef="#br0" timeOffset="139188">26265 3424 23369,'0'-14'-5036,"-19"-5"3030,15 7-624,-33-4 3552,18 12 89,-18-1 12,12 23 267,1-14-850,8 28 470,0-11 276,8 8-1,1 1-1561,7-2-638,0-8-442,21 8-640,-2-18 814,6 4 927,2-13 642,-11 3 236,12-20 1073,-4-6 121,-5-20-877,-10 1-282,-3 2-967,-6 8-146,0 31-964,0 15 444,14 18-1601,-10 3 849,26-8 1009,-6 11-380,6-12 223,17 5 953,-19-14 210,24-8 965,-22-2 587,9-8 57,-13-19 27,-3 15 555,-3-34-1422,2 12 434,-9 1 270,2-25-2517,-11 30 126,0-19-680,-4 43-347,0 13-224,0 28 934,18-12-710,-13-1 522,27-8 1071,-16-12 182,1 8-285,8-19 1743,-15 5-1090,13-6 1300,-10-15 138,1 11 847,-3-28-2006,-4 8-176,2-14-56,-6 15-1615,0-4 972,-3 40-1594,0 5 548,0 19-861,0 10 1500,0-8 19,14 1-414,-10 2 555,10-2-472,-1-3 400,-10-3 442,17 3-1019,-17-11 1036,5 3 1,-8-20 0,0-1 0</inkml:trace>
+  <inkml:trace contextRef="#ctx0" brushRef="#br0" timeOffset="139366">26955 2492 23819,'-15'-4'-1915,"-2"23"2013,-1 1 147,-12 25-901,26-4-1516,-11-1 1,-2 3 2049,8-9 1,1 1-1,-2 15 1,1 0 0,3-13-1,-1 0 1</inkml:trace>
+  <inkml:trace contextRef="#ctx0" brushRef="#br0" timeOffset="139530">28418 3702 22830,'0'0'0</inkml:trace>
+  <inkml:trace contextRef="#ctx0" brushRef="#br0" timeOffset="157598">23215 5365 21660,'0'-6'-5486,"0"1"3628,-7 0 1599,5 0-1459,-6-1 1915,3 1-335,4 0-654,-4 2-438,5 0 1320,-3 2 729,1 0-650,-1 1 2125,1 14-2285,1 3 111,0 17 489,1-6-1065,0 1 456,0-5-820,0-2 294,16-1-1325,-13-1 947,30 5 754,-29-9-1030,37 8 1372,-27-16-121,30 2 1099,-22-9 304,7 0 335,-10-16 448,-1 11-671,-4-27-265,-2 27 437,-3-31-1729,-4 30 801,-2-41-1902,-2 31-113,-1-22-688,0 18-119,-17 9 1794,13-4-2566,-12 35 3582,16 4-2458,0 20 1456,9-13 1,4 0-633,11 12 368,2 17 147,-8-28 0,0-2-713,3 20 933,-5-11 1,1 0-1894,2 5 1612,-7-11 1,-2-1 17,-2-1 570,7 13-250,-8-31 0,-3 2 0,-4-15 0</inkml:trace>
+  <inkml:trace contextRef="#ctx0" brushRef="#br0" timeOffset="157916">23825 5106 22920,'0'-7'-5666,"0"1"3537,0 2 1065,0 1 425,0 1 124,-16 1 1835,13 18-1306,-13-2-73,32 18-546,2-8 353,15-10 1030,-15 1-714,10-15 1525,-13 5-2136,8-26 1711,-6-1-1395,-9-22 765,-4 5-1176,-25 3-1194,16 7 1876,-31 15 1,32 7 0,-12 6-1</inkml:trace>
+  <inkml:trace contextRef="#ctx0" brushRef="#br0" timeOffset="158177">24787 5235 22830,'-48'-9'-1290,"-2"2"944,10 7 845,3 0-254,14 18 215,3-14 89,0 43-1352,10-27-517,1 35-252,28-25-1030,-15 6 2273,42-13 1,-22-2 0,25-3-1</inkml:trace>
+  <inkml:trace contextRef="#ctx0" brushRef="#br0" timeOffset="158846">25197 5242 22740,'-21'-10'-2999,"0"1"1978,-19 3 1628,4 3-70,0 23 704,2 2-571,8 21-984,11-11-477,9-1 477,6-9-469,0-2-558,22-2 229,-17-1-1598,38-4 1825,-14 0 656,11-8 748,-1 0 409,0-19 1351,-12 10-420,7-24-433,-12 6 838,-3-13-2360,-5-2-131,-7 7-552,-6 29 828,15 10-1787,3 27-660,20-2 797,-8-13 461,3 5 363,-7-23 1261,1 8-348,14-11 63,-12 0 857,18 0 1079,-24-18-450,10-2-151,-20-2-727,1-7-1251,-12 14-13,0-8-897,-3 27-242,18 8 290,2 8-336,19 5 91,-8-22 1946,8 6-197,-14-9 994,14-16 877,-18 12-7,10-27-743,-18 11-116,2 2-383,-8-12-1836,-3 26 1488,-2-20-1785,0 21 53,-1-7-298,1 10 1545,1 0 438,5 19-2421,1 6 848,4 9-1982,6 14 1485,-4-19 1280,11 16 1,-11-22 0,5 5 0</inkml:trace>
+  <inkml:trace contextRef="#ctx0" brushRef="#br0" timeOffset="159044">25013 4891 22650,'-2'-10'-7826,"1"-3"5575,27 5 5930,10 0-2341,16 5-1186,1 3-24,-9 0 1,1 0 0,1 0 0</inkml:trace>
+  <inkml:trace contextRef="#ctx0" brushRef="#br0" timeOffset="159216">25910 4692 21210,'44'-1'-81,"-8"-1"-296,4 2 0,-6 19 0,2 4 0</inkml:trace>
+  <inkml:trace contextRef="#ctx0" brushRef="#br0" timeOffset="159727">27402 5070 23279,'0'-29'-6115,"-19"12"4490,15-1-504,-36 16 4032,35-12-3574,-30 13 3022,17-5-838,-9 27-409,10 3 1088,8 22-849,9-11 149,0-2-1988,22-4 1880,-17-9-2320,38 5 1479,-14-17-267,10 0 754,0-8 1192,-15 0 374,1-18 252,-5 14 388,-1-37-905,-3 18-1198,-8-8 1,-2-4-878,5-14 285,-7 2 0,-2-1-973,1-16 814,-1 21 1,-4-2 40,-6-1 1,-1 1-1626,5-21 1689,-4 17 1,-1 2-792,-2 4 672,8-4 123,-8 52 2753,11 4-2246,0 30-37,10-8 0,1 2-228,-5 21 118,11-1 0,4 0 40,-10-20 0,-1-1 106,0 11 1,1 0-495,26 12-2162,-24-3 2165,15-3-397,-9-4-57,-2-4 114,-1-7-358,1 3-210,-7-14 1358,-1 0 1,-7-16-1,-2-3 1</inkml:trace>
+  <inkml:trace contextRef="#ctx0" brushRef="#br0" timeOffset="159860">27323 4780 22470,'0'-36'-6296,"19"3"6818,-15 0-1705,51 4 3345,-23 2-1827,13 13 0,5 3-244,-17 2 0,0 2-16,12 0 1,1 3 0,-12 1 0,-1 2-1,33 1 1</inkml:trace>
+  <inkml:trace contextRef="#ctx0" brushRef="#br0" timeOffset="160093">28392 4435 23459,'-26'-5'-1213,"12"14"2558,-4 17-2109,16 10-1410,-9 8 1319,7 20-322,-2-13 796,4-3 1,0 0-1792,0 7 840,2-8 0,0-1-1379,0 4 2313,0 11 1,17-26-1,4-3 1</inkml:trace>
+  <inkml:trace contextRef="#ctx0" brushRef="#br0" timeOffset="160446">28482 4951 22650,'2'-8'-3775,"2"2"3812,0 6 943,1 0-393,2 0-195,-1 14-2720,3-10 2131,0 28-1946,1-16 1113,1 17-683,2 7-501,-2-10-68,4 17 80,-8-24 2598,5 8-1992,-8-21 1446,6 1 393,-4-11 1972,7-19-370,0-7-271,11-29 207,-5 9-388,6-6 315,-7 17-2,-1 3-593,-1 4-1698,3 4 680,-4 5 310,9 9 1102,-11 3-62,11 29-2203,-10 6-702,6 14-60,-4 0-169,1-9-158,1 0-952,10 9-831,-4-11 3217,20 2 0,-15-18 0,11-3 0</inkml:trace>
+  <inkml:trace contextRef="#ctx0" brushRef="#br0" timeOffset="160816">29323 4415 23009,'-17'-11'-4485,"3"28"5323,14 36-3007,0 6 1391,7-8 1,0-1-492,-3 6 802,10-9 1,1-1-544,-1 5-1104,3 10 1141,3-15-835,-10-17 1744,5 8-583,-7-26 714,-4-21 898,-4-15-242,0-27-26,0 15-356,0-1 398,0 13-135,12 6 1240,3 24-548,19 26-1815,-9 9 13,-5-7 1,1-1-642,6 3 219,-2-7 0,1 0 1005,7 0 0,12 6 0,-12-17 0</inkml:trace>
+  <inkml:trace contextRef="#ctx0" brushRef="#br0" timeOffset="161160">30005 4826 23639,'-21'-14'-4651,"4"1"2974,3 2 601,-1 6 1455,-1 18 955,-6-8-77,19 32-2152,-7-8-21,10 20 505,0-8 70,0-6 96,23-12-572,-17-5-1412,33-2 992,-24-2 1144,16-7 567,-6 0 643,-2-26 598,-12-5-782,0 0-287,-10-19 106,4 27-1129,-5-18 155,0 8-843,0 7-52,0 20-598,0 14 152,15 28-2406,4 3 3864,0-8 1,13-2-1,-11-13 1</inkml:trace>
+  <inkml:trace contextRef="#ctx0" brushRef="#br0" timeOffset="161542">30480 4857 23369,'5'-8'-2044,"0"2"2185,1 6 357,2 0-199,0 16-2895,2-12 2323,1 34-1379,0-19-424,7 38 406,-4-17 632,-4-6 1,0 0-1041,2 5-85,3 20 2328,-9-32-1442,1 4 1653,-5-18-3,1-3-427,-3-23 707,-15-9-143,11-33-82,-11 6 146,13-2 1,4-2 160,-2-7-456,0 3 0,0 1 7,0 7 38,8 14 1,1 3 168,-5 3 126,32 0 1273,-32 21-573,27 4 376,-15 3-24,13 23-1298,0 2-1134,-8 1-1945,-1 25 513,-13-31 1687,0 24 1,-7-21 0,0-1 0</inkml:trace>
+  <inkml:trace contextRef="#ctx0" brushRef="#br0" timeOffset="161726">29812 4253 24089,'0'-25'-6476,"19"3"8092,4 2-468,0 9 214,17 2-1392,-22 8-1015,7 17 598,4-12 0,-25 44 1,13-8-1</inkml:trace>
+  <inkml:trace contextRef="#ctx0" brushRef="#br0" timeOffset="161860">29778 5646 25708,'0'11'-2226,"0"-2"0,0-5 0,0-3 0</inkml:trace>
+  <inkml:trace contextRef="#ctx0" brushRef="#br0" timeOffset="166760">26205 7417 21570,'-5'0'810,"0"0"-810,14 0 0,-2 0 0,9 0 90,-8 0-180,1 0 90,-4 0 0,1 0 90,-3 0-1799,0 0 1709,-13 0 0,9 0 0,-9 0 0</inkml:trace>
+  <inkml:trace contextRef="#ctx0" brushRef="#br0" timeOffset="168050">26052 7062 21300,'-12'16'-746,"2"1"-293,10 17-1550,0-9 1036,0 1 517,0-4 296,0-3 186,0 3-1043,0-3 345,0 2 217,0-2 1035,0 0 0,0-1 0,12 4-433,-9-6 82,22 7 520,-8-13 362,6-1 323,2-5 484,-6-4 181,4 1 23,1-1 577,0-16 156,2 12-552,10-29-639,-9 9-179,12-16-657,-21 6-456,6-5-173,-16 17-405,0-2-364,-6 10-421,-2 1 67,0 60-164,0-22 919,0 24 1,0 4-202,0-1 392,7-1 1,4 0-569,10 11 555,-2-6 0,2 1 51,-5-24 0,-1-1 140,0 12 1,-1-1-319,6 16 39,-3-4 184,-1-2 23,0 8 371,-6-19 165,1 11-57,-8-34 91,0 1 1,-3-17 0,0-1 0</inkml:trace>
+  <inkml:trace contextRef="#ctx0" brushRef="#br0" timeOffset="168743">26650 7059 21660,'0'7'-6385,"1"-1"3570,-1-1 1768,3-3 1010,0 2-426,2-2 1010,0 0 9,3 1-1114,-2-3 2150,7 1 70,-5-1 12,6 0-191,-5-14-70,3 10 95,-5-24-1802,-1 25 1547,-3-19-2636,-3 13 139,0-7-352,-14 8 620,10 24 310,-24 7 225,25 24 89,-9-5-1101,12-5 1243,0 2 50,17-17-16,-13 5-663,32-13 1233,-31 0-2770,37-3 3336,-9 0-437,11-6 1013,15 0-86,-26-5 592,18-19 455,-25 14-1287,3-30 706,-16 31-731,-3-34-1584,-4 23-155,-3-18-757,-3 10-131,0 0-836,-17-5-63,-5 8 1111,-19-6-630,3 17 1441,3 1-480,16 28 997,6 4 0,13 12 1,0-4-1</inkml:trace>
+  <inkml:trace contextRef="#ctx0" brushRef="#br0" timeOffset="169150">27417 7126 22200,'-20'-3'-1572,"-6"2"1974,14-3-1409,-1 19 1090,4 4-636,9 20-983,0-1 541,33 10-890,-25-15 170,46-4 795,-41-19 288,17-25 1330,-15-7-327,-5-1 484,-5-14-244,-3 13-110,-2-8-102,0 0-917,0 15 158,0 25-1815,0 12 1120,18 17-374,3 9 540,2-18-845,20 17 1756,-29-21 0,23 2 1,-18-11-1</inkml:trace>
+  <inkml:trace contextRef="#ctx0" brushRef="#br0" timeOffset="169392">26643 6869 22290,'0'-27'-6476,"28"0"8496,-21 0-3212,47 0 3342,-32 2-1834,26 3 757,6-2-167,-11 9-913,-8 8 1,1 2 878,5 3-981,10 22 0,-15-15 0,-1 16 0</inkml:trace>
+  <inkml:trace contextRef="#ctx0" brushRef="#br0" timeOffset="170280">28333 7054 23189,'-16'-7'-3170,"-1"16"5598,-3 15-2722,7 8-829,13 4-645,0-5 594,0 13 137,23-10-832,-17 7 699,45-15-348,-27-5-27,23-3 1374,-10-5 853,0-6 359,3-2 250,14-5 668,-13-19 560,16-6-850,-28 1 316,1-31-1488,-20 34-116,-3-37-1174,-7 30-408,0-2-305,-19 14-544,15 0-778,-32 10 2445,17-1 305,-2 27 742,7 5 224,14 13-888,0-2 0,0-11-194,0 13 761,17-13-2118,3 6 177,0-10-385,15-12 1708,-11 1 860,17-10 787,-11-19 395,-1-3-119,-13-21-772,-3 1-223,-6 3-621,-6 8-1247,-1 32 182,0 10-787,19 9-441,-15 14-13,29-30 2690,-29 29-1375,29-29 1705,-12 22-1080,10-24 1360,6 9-197,-15-11 590,12-16 857,-18 12-1795,6-29 637,-12 29-331,0-33-402,-4 23-1180,-1-17-134,-2 19-608,0-10-618,-3 10 17,0 13 702,19 8-373,-15 24 815,28-5 305,-13-11 285,10-1 379,0-14 1083,-6 4-247,-6-6 652,-4-15-1034,-6 11 1641,0-21-1943,-3 22 1343,0-7-1517,2 10-72,-1 0 419,2 17-2765,2-13 1448,2 26-2527,2-26 3112,0 24-3206,1-24 3205,3 24 0,-5-16 1,3 12-1</inkml:trace>
+  <inkml:trace contextRef="#ctx0" brushRef="#br0" timeOffset="170468">28432 6777 23189,'0'-14'-6475,"0"2"4346,24 2 5518,13 0-2144,13 6-1789,-12 2 0,0 1 540,12 1 1,-16 6 0,-1 3 0,14 11 0</inkml:trace>
+  <inkml:trace contextRef="#ctx0" brushRef="#br0" timeOffset="171143">30325 7098 22830,'-24'-8'-2616,"-2"1"2209,-24 27 2736,6 4-1468,19 11-1295,-5-2 237,28-11-985,-10 10 276,12-11-14,0 7-95,19-14-1074,5-6 1083,22-2 1129,1-6 26,-20-22 1335,12 16-301,-34-39-990,25 26 1774,-27-22-2146,16 8 191,-18-4-1179,5 0 239,-6-4-93,0-18-672,-18 14 697,13-21-1107,-13 33 1489,4-4-992,10 51 1995,7 37-901,15 12 256,1-9 0,0-1-501,-1 4 480,-1-11 0,0 0-1112,5 2 115,-1-9 1,1-3 1378,7-6 1,-7 6-1,-16-26 1</inkml:trace>
+  <inkml:trace contextRef="#ctx0" brushRef="#br0" timeOffset="171300">30125 6826 23279,'0'-33'-6295,"0"1"4166,26 4 3989,-3 3-731,27 3 651,-7 3-1134,-7 10 1,1 1-37,21 0-1357,-7 4 1,0 2 1003,6 2 1,-19 6 0,-2 5 0,11 11 0</inkml:trace>
+  <inkml:trace contextRef="#ctx0" brushRef="#br0" timeOffset="171528">31108 6465 22740,'0'43'-6296,"0"-5"4168,0 28 1063,0-19 746,0-2 0,0 1-107,0 9 139,0-7 0,0-2-751,0 6 668,6-11 0,1-1 1,-4-2-1,10 10 1</inkml:trace>
+  <inkml:trace contextRef="#ctx0" brushRef="#br0" timeOffset="171826">31250 6991 23549,'4'-7'-1757,"0"2"1330,0 5 995,1 0-226,6 0-115,-2 14-2196,5-11 1923,4 21-1738,-3-9 670,10 9 201,-10-10-576,9 3 243,-12-15 1036,4 6 1162,-5-8-338,2 0 1800,-2-16-357,9-5-562,-6 1-400,10-12-179,-11 17-882,3-4 521,-10 9-1026,1 10 471,-4 0 418,1 0-1418,-3 16-1618,2 17-42,-3 9 2305,0 13 0,0-6 0,0 3 1</inkml:trace>
+  <inkml:trace contextRef="#ctx0" brushRef="#br0" timeOffset="172528">27753 7883 23819,'-16'-10'-4430,"12"1"174,-12 5 5622,-1 2-235,12 18-1527,-29 3 1907,30 19-2232,-27 3 498,20 5 165,-12 8 1435,5 5-2008,1 1-331,6-16 0,0 0 400,4-12 0,-1 1 279,-3 20 1,1-1 0,0 6 0,3-22 0,0 0 0</inkml:trace>
+  <inkml:trace contextRef="#ctx0" brushRef="#br0" timeOffset="172892">27115 8380 23459,'-4'-3'-4905,"0"1"3914,0 2 1896,2 18-2019,-1 12 270,2 13 487,1-6 1,0 1-242,0 18-271,7-5 0,2 2 184,-5 12 386,5-22 0,4 5 1,-2-5-606,-4-10 1,0 0 616,7 27 1,1-2-464,-3-10 492,-3-13 0,-1-2-141,-1-3 908,7 9-747,-6-26 233,-1-1 65,12-10 1715,-1-28-304,33-14-636,-31 14 0,1-4-941,21-13 1,2 0 417,-16 13 0,0 1-3,11-11 0,0 1 1,-12 11-1,0 1 0,0 0 1,0 1-1</inkml:trace>
+  <inkml:trace contextRef="#ctx0" brushRef="#br0" timeOffset="173976">24462 10683 23189,'0'-7'-5126,"0"-13"2908,22-17 3368,-17-9-1929,38 3 2130,-38-5-2052,35-4 1343,-25-2-1718,17-2 2083,-21-2-619,8-2-843,-16 0 310,14-2-445,-15 19 0,-2 1 385,6-20-385,-6 23 1,0 2 46,0-4-464,-19 8 161,15 10-139,-29 11 1828,17 43-146,-1 3-261,2-1 0,2 5 73,9 27-377,-9-29 1,-2 1 159,10 3 0,1 2 69,-4 0 0,1 0-90,3 1 1,2-1-666,2-1 0,0 1-114,-1 12 0,2 0-36,8-16 1,3 1-613,2 18 1,4-3 325,2-27 0,4-2 22,11 10 0,1-5 46,13-6 942,-16-12 1,1-2 0,19-6-1,0-3 1</inkml:trace>
+  <inkml:trace contextRef="#ctx0" brushRef="#br0" timeOffset="174226">25245 10505 23189,'2'-23'-5135,"-1"-3"3090,-18 13 1769,-9-4 180,-24 16 1456,8 20 372,-1-13-805,12 41-1311,4-27 2008,1 21-640,13-12-536,-7 12 1,17-12-1744,-7 13-460,10-22-98,16-2 709,-12-6-1285,27-11 2843,-10 5-340,13-26 1069,-2-6 350,-14-11-2071,-7-12 536,-11 18-387,0-11 450,0 16-2517,-17 1 2082,12 6 1,-12 2-1,17 2 1</inkml:trace>
+  <inkml:trace contextRef="#ctx0" brushRef="#br0" timeOffset="174676">25732 10361 22920,'-20'-4'-1501,"-5"1"1427,-22 3 490,23 18 229,-16 5 86,22-1-1080,-11 29-190,13-33 413,8 35-796,8-32-425,24 4-343,-18-12-805,39-6 1729,-40 2-844,54-8 2145,-38 3-670,38-22 1992,-35 14 92,5-30-579,-19 10 261,-2-8-2088,-8 1 1121,0 9-2230,0 4 321,-20-2-778,15 35 593,-15-6 2283,20 36-1564,0-10 135,0 6 576,16 3-662,4 19 123,0-15 178,-2-10 0,-1 0-955,3 3-24,-5-5 0,1-1 677,1-3-90,-8 14-334,-9-33-949,-17 1 2703,-4-12 0,0 0 0,4-2 1</inkml:trace>
+  <inkml:trace contextRef="#ctx0" brushRef="#br0" timeOffset="174866">26292 10343 22110,'9'18'-8213,"-1"11"5335,-2-26 3541,-2 29-1496,0-18-129,0 17 777,-1-7-85,0 3-1570,3 10 1894,-1-11-1563,3 13 1243,-2-22 0,0 3 0,-2-11 0</inkml:trace>
+  <inkml:trace contextRef="#ctx0" brushRef="#br0" timeOffset="175026">26252 9980 22830,'0'-16'-1132,"22"29"0,-17-14 1,18 23-1</inkml:trace>
+  <inkml:trace contextRef="#ctx0" brushRef="#br0" timeOffset="175376">26760 10322 22290,'2'8'-7971,"0"-1"5766,3 6 643,-2-3 691,2 5 278,0 4 115,-1-3 381,3 14-1962,-2-13 2074,2 10-18,-3-14 78,4 5-247,-5-13 304,4 0 349,1-5 1393,3-19-521,11-10 418,-5-13-1060,0 9 0,0 1 1120,6-13-83,8-13-67,-4 9-858,-5 17-1151,10-1 842,-12 23 444,12 3 89,-13 25-1927,7-13 1232,-7 39-1979,-1-20 399,2 24-1996,-3-5-537,1 3 3064,-1 2 0,-1 3 1,0 0-1</inkml:trace>
+  <inkml:trace contextRef="#ctx0" brushRef="#br0" timeOffset="175926">27928 10287 25078,'-5'0'360,"0"0"-360,1 0-328,1 10 0,0-7 0,2 7 0</inkml:trace>
+  <inkml:trace contextRef="#ctx0" brushRef="#br0" timeOffset="176392">28392 10034 23999,'-20'20'-419,"5"15"-1446,15 10 554,0-5 0,0 1-172,0 16 958,0-4 1,0 2 203,-1-21 1,2 1-103,7 21 1,1-1-1487,-5 6 941,13-23 1,1-1-461,-14 7 1323,24-6-125,-25-4 1068,14-3-1450,-15-11 634,4-3-617,-24-36 1094,13-13-351,-36-17-80,36-7-32,-31 3-316,27 9 0,3-4 373,-3 9 1,1-2-115,3-8 1,1-4 0,2 2 356,2 3 1,0-2-362,0-5 1,0-5 0,0 5 163,0 5 0,0 3-46,-2-13 1,4-1 102,7 13 1,4 3 972,10-16-613,-2 21 1,1 4 651,-1 8 276,9 1 188,-15 21 597,9 18-1618,-5 11-916,-10 22-666,-3-5-152,-6 12-525,0-21-1800,-23 16 1526,4-25 1799,-7 4 1,-4-18-1,11-3 1</inkml:trace>
+  <inkml:trace contextRef="#ctx0" brushRef="#br0" timeOffset="176776">28823 9423 22650,'14'0'900,"-1"0"-451,-1 18-4103,-2-14 3248,4 46-1639,-4-27 509,1 30 460,-5-15-811,-2 3 151,-1 3 18,0 22 1966,-3-16-705,0-9 0,0 0 1007,0 2 163,0 19-301,0-34-31,0 3-152,0-16-107,0-6-50,0-22-55,18-11 1391,4-36-733,0 20 305,5-8 214,-16 25-439,8 11 1268,-2 2 63,-3 10-490,0 20-3111,-2-15 1692,7 54-1864,-2-32-121,-3 12 1,0 3-844,5 2 1981,4 15 0,-5-22 1,1-2-1</inkml:trace>
+  <inkml:trace contextRef="#ctx0" brushRef="#br0" timeOffset="177178">29548 9999 23909,'0'11'-6386,"18"8"4190,-13 20 706,12 1-81,0-11 780,-12 1 428,22-2 401,-24-2-1829,15-3 1642,-16-5 228,13 1-36,-9-10 448,2-22 922,-4-6-690,-4-22-759,0-17 231,0 9-166,0 0 1,0-1 277,0-16 6,0 6 1,0 0-116,-1 23 1,2 0-363,9-8 1,5-5-1,-3 6 312,-3-22 184,23 14 0,3 6 1024,-18 20-260,33 3 1239,-30 19-465,5 4-156,-13 24-2612,-1-18 917,-3 45-879,-4-8-603,-2 15 247,-14-15 1,-2-1-1771,8 15 2862,-28-8 1,-4 0-1,22-19 1,0-1-1,-19 8 1,-1 0 0</inkml:trace>
 </inkml:ink>
 </file>
 
@@ -1632,7 +2318,7 @@
           <a:p>
             <a:fld id="{E1FDF49B-466B-5545-87A6-07BB843D9F65}" type="datetimeFigureOut">
               <a:rPr lang="en-VN" smtClean="0"/>
-              <a:t>28/07/2021</a:t>
+              <a:t>30/07/2021</a:t>
             </a:fld>
             <a:endParaRPr lang="en-VN"/>
           </a:p>
@@ -1832,7 +2518,7 @@
           <a:p>
             <a:fld id="{E1FDF49B-466B-5545-87A6-07BB843D9F65}" type="datetimeFigureOut">
               <a:rPr lang="en-VN" smtClean="0"/>
-              <a:t>28/07/2021</a:t>
+              <a:t>30/07/2021</a:t>
             </a:fld>
             <a:endParaRPr lang="en-VN"/>
           </a:p>
@@ -2042,7 +2728,7 @@
           <a:p>
             <a:fld id="{E1FDF49B-466B-5545-87A6-07BB843D9F65}" type="datetimeFigureOut">
               <a:rPr lang="en-VN" smtClean="0"/>
-              <a:t>28/07/2021</a:t>
+              <a:t>30/07/2021</a:t>
             </a:fld>
             <a:endParaRPr lang="en-VN"/>
           </a:p>
@@ -2242,7 +2928,7 @@
           <a:p>
             <a:fld id="{E1FDF49B-466B-5545-87A6-07BB843D9F65}" type="datetimeFigureOut">
               <a:rPr lang="en-VN" smtClean="0"/>
-              <a:t>28/07/2021</a:t>
+              <a:t>30/07/2021</a:t>
             </a:fld>
             <a:endParaRPr lang="en-VN"/>
           </a:p>
@@ -2518,7 +3204,7 @@
           <a:p>
             <a:fld id="{E1FDF49B-466B-5545-87A6-07BB843D9F65}" type="datetimeFigureOut">
               <a:rPr lang="en-VN" smtClean="0"/>
-              <a:t>28/07/2021</a:t>
+              <a:t>30/07/2021</a:t>
             </a:fld>
             <a:endParaRPr lang="en-VN"/>
           </a:p>
@@ -2786,7 +3472,7 @@
           <a:p>
             <a:fld id="{E1FDF49B-466B-5545-87A6-07BB843D9F65}" type="datetimeFigureOut">
               <a:rPr lang="en-VN" smtClean="0"/>
-              <a:t>28/07/2021</a:t>
+              <a:t>30/07/2021</a:t>
             </a:fld>
             <a:endParaRPr lang="en-VN"/>
           </a:p>
@@ -3201,7 +3887,7 @@
           <a:p>
             <a:fld id="{E1FDF49B-466B-5545-87A6-07BB843D9F65}" type="datetimeFigureOut">
               <a:rPr lang="en-VN" smtClean="0"/>
-              <a:t>28/07/2021</a:t>
+              <a:t>30/07/2021</a:t>
             </a:fld>
             <a:endParaRPr lang="en-VN"/>
           </a:p>
@@ -3343,7 +4029,7 @@
           <a:p>
             <a:fld id="{E1FDF49B-466B-5545-87A6-07BB843D9F65}" type="datetimeFigureOut">
               <a:rPr lang="en-VN" smtClean="0"/>
-              <a:t>28/07/2021</a:t>
+              <a:t>30/07/2021</a:t>
             </a:fld>
             <a:endParaRPr lang="en-VN"/>
           </a:p>
@@ -3456,7 +4142,7 @@
           <a:p>
             <a:fld id="{E1FDF49B-466B-5545-87A6-07BB843D9F65}" type="datetimeFigureOut">
               <a:rPr lang="en-VN" smtClean="0"/>
-              <a:t>28/07/2021</a:t>
+              <a:t>30/07/2021</a:t>
             </a:fld>
             <a:endParaRPr lang="en-VN"/>
           </a:p>
@@ -3769,7 +4455,7 @@
           <a:p>
             <a:fld id="{E1FDF49B-466B-5545-87A6-07BB843D9F65}" type="datetimeFigureOut">
               <a:rPr lang="en-VN" smtClean="0"/>
-              <a:t>28/07/2021</a:t>
+              <a:t>30/07/2021</a:t>
             </a:fld>
             <a:endParaRPr lang="en-VN"/>
           </a:p>
@@ -4058,7 +4744,7 @@
           <a:p>
             <a:fld id="{E1FDF49B-466B-5545-87A6-07BB843D9F65}" type="datetimeFigureOut">
               <a:rPr lang="en-VN" smtClean="0"/>
-              <a:t>28/07/2021</a:t>
+              <a:t>30/07/2021</a:t>
             </a:fld>
             <a:endParaRPr lang="en-VN"/>
           </a:p>
@@ -4301,7 +4987,7 @@
           <a:p>
             <a:fld id="{E1FDF49B-466B-5545-87A6-07BB843D9F65}" type="datetimeFigureOut">
               <a:rPr lang="en-VN" smtClean="0"/>
-              <a:t>28/07/2021</a:t>
+              <a:t>30/07/2021</a:t>
             </a:fld>
             <a:endParaRPr lang="en-VN"/>
           </a:p>
@@ -4718,8 +5404,8 @@
           <a:chExt cx="0" cy="0"/>
         </a:xfrm>
       </p:grpSpPr>
-      <mc:AlternateContent xmlns:mc="http://schemas.openxmlformats.org/markup-compatibility/2006">
-        <mc:Choice xmlns:p14="http://schemas.microsoft.com/office/powerpoint/2010/main" Requires="p14">
+      <mc:AlternateContent xmlns:mc="http://schemas.openxmlformats.org/markup-compatibility/2006" xmlns:p14="http://schemas.microsoft.com/office/powerpoint/2010/main">
+        <mc:Choice Requires="p14">
           <p:contentPart p14:bwMode="auto" r:id="rId2">
             <p14:nvContentPartPr>
               <p14:cNvPr id="4" name="Ink 3">
@@ -4738,7 +5424,7 @@
             </p14:xfrm>
           </p:contentPart>
         </mc:Choice>
-        <mc:Fallback>
+        <mc:Fallback xmlns="">
           <p:pic>
             <p:nvPicPr>
               <p:cNvPr id="4" name="Ink 3">
@@ -4782,6 +5468,126 @@
 </p:sld>
 </file>
 
+<file path=ppt/slides/slide10.xml><?xml version="1.0" encoding="utf-8"?>
+<p:sld xmlns:a="http://schemas.openxmlformats.org/drawingml/2006/main" xmlns:r="http://schemas.openxmlformats.org/officeDocument/2006/relationships" xmlns:p="http://schemas.openxmlformats.org/presentationml/2006/main">
+  <p:cSld>
+    <p:spTree>
+      <p:nvGrpSpPr>
+        <p:cNvPr id="1" name=""/>
+        <p:cNvGrpSpPr/>
+        <p:nvPr/>
+      </p:nvGrpSpPr>
+      <p:grpSpPr>
+        <a:xfrm>
+          <a:off x="0" y="0"/>
+          <a:ext cx="0" cy="0"/>
+          <a:chOff x="0" y="0"/>
+          <a:chExt cx="0" cy="0"/>
+        </a:xfrm>
+      </p:grpSpPr>
+    </p:spTree>
+    <p:extLst>
+      <p:ext uri="{BB962C8B-B14F-4D97-AF65-F5344CB8AC3E}">
+        <p14:creationId xmlns:p14="http://schemas.microsoft.com/office/powerpoint/2010/main" val="1313005327"/>
+      </p:ext>
+    </p:extLst>
+  </p:cSld>
+  <p:clrMapOvr>
+    <a:masterClrMapping/>
+  </p:clrMapOvr>
+</p:sld>
+</file>
+
+<file path=ppt/slides/slide11.xml><?xml version="1.0" encoding="utf-8"?>
+<p:sld xmlns:a="http://schemas.openxmlformats.org/drawingml/2006/main" xmlns:r="http://schemas.openxmlformats.org/officeDocument/2006/relationships" xmlns:p="http://schemas.openxmlformats.org/presentationml/2006/main">
+  <p:cSld>
+    <p:spTree>
+      <p:nvGrpSpPr>
+        <p:cNvPr id="1" name=""/>
+        <p:cNvGrpSpPr/>
+        <p:nvPr/>
+      </p:nvGrpSpPr>
+      <p:grpSpPr>
+        <a:xfrm>
+          <a:off x="0" y="0"/>
+          <a:ext cx="0" cy="0"/>
+          <a:chOff x="0" y="0"/>
+          <a:chExt cx="0" cy="0"/>
+        </a:xfrm>
+      </p:grpSpPr>
+    </p:spTree>
+    <p:extLst>
+      <p:ext uri="{BB962C8B-B14F-4D97-AF65-F5344CB8AC3E}">
+        <p14:creationId xmlns:p14="http://schemas.microsoft.com/office/powerpoint/2010/main" val="480669894"/>
+      </p:ext>
+    </p:extLst>
+  </p:cSld>
+  <p:clrMapOvr>
+    <a:masterClrMapping/>
+  </p:clrMapOvr>
+</p:sld>
+</file>
+
+<file path=ppt/slides/slide12.xml><?xml version="1.0" encoding="utf-8"?>
+<p:sld xmlns:a="http://schemas.openxmlformats.org/drawingml/2006/main" xmlns:r="http://schemas.openxmlformats.org/officeDocument/2006/relationships" xmlns:p="http://schemas.openxmlformats.org/presentationml/2006/main">
+  <p:cSld>
+    <p:spTree>
+      <p:nvGrpSpPr>
+        <p:cNvPr id="1" name=""/>
+        <p:cNvGrpSpPr/>
+        <p:nvPr/>
+      </p:nvGrpSpPr>
+      <p:grpSpPr>
+        <a:xfrm>
+          <a:off x="0" y="0"/>
+          <a:ext cx="0" cy="0"/>
+          <a:chOff x="0" y="0"/>
+          <a:chExt cx="0" cy="0"/>
+        </a:xfrm>
+      </p:grpSpPr>
+    </p:spTree>
+    <p:extLst>
+      <p:ext uri="{BB962C8B-B14F-4D97-AF65-F5344CB8AC3E}">
+        <p14:creationId xmlns:p14="http://schemas.microsoft.com/office/powerpoint/2010/main" val="898183389"/>
+      </p:ext>
+    </p:extLst>
+  </p:cSld>
+  <p:clrMapOvr>
+    <a:masterClrMapping/>
+  </p:clrMapOvr>
+</p:sld>
+</file>
+
+<file path=ppt/slides/slide13.xml><?xml version="1.0" encoding="utf-8"?>
+<p:sld xmlns:a="http://schemas.openxmlformats.org/drawingml/2006/main" xmlns:r="http://schemas.openxmlformats.org/officeDocument/2006/relationships" xmlns:p="http://schemas.openxmlformats.org/presentationml/2006/main">
+  <p:cSld>
+    <p:spTree>
+      <p:nvGrpSpPr>
+        <p:cNvPr id="1" name=""/>
+        <p:cNvGrpSpPr/>
+        <p:nvPr/>
+      </p:nvGrpSpPr>
+      <p:grpSpPr>
+        <a:xfrm>
+          <a:off x="0" y="0"/>
+          <a:ext cx="0" cy="0"/>
+          <a:chOff x="0" y="0"/>
+          <a:chExt cx="0" cy="0"/>
+        </a:xfrm>
+      </p:grpSpPr>
+    </p:spTree>
+    <p:extLst>
+      <p:ext uri="{BB962C8B-B14F-4D97-AF65-F5344CB8AC3E}">
+        <p14:creationId xmlns:p14="http://schemas.microsoft.com/office/powerpoint/2010/main" val="2826222334"/>
+      </p:ext>
+    </p:extLst>
+  </p:cSld>
+  <p:clrMapOvr>
+    <a:masterClrMapping/>
+  </p:clrMapOvr>
+</p:sld>
+</file>
+
 <file path=ppt/slides/slide2.xml><?xml version="1.0" encoding="utf-8"?>
 <p:sld xmlns:a="http://schemas.openxmlformats.org/drawingml/2006/main" xmlns:r="http://schemas.openxmlformats.org/officeDocument/2006/relationships" xmlns:p="http://schemas.openxmlformats.org/presentationml/2006/main">
   <p:cSld>
@@ -4799,8 +5605,8 @@
           <a:chExt cx="0" cy="0"/>
         </a:xfrm>
       </p:grpSpPr>
-      <mc:AlternateContent xmlns:mc="http://schemas.openxmlformats.org/markup-compatibility/2006">
-        <mc:Choice xmlns:p14="http://schemas.microsoft.com/office/powerpoint/2010/main" Requires="p14">
+      <mc:AlternateContent xmlns:mc="http://schemas.openxmlformats.org/markup-compatibility/2006" xmlns:p14="http://schemas.microsoft.com/office/powerpoint/2010/main">
+        <mc:Choice Requires="p14">
           <p:contentPart p14:bwMode="auto" r:id="rId2">
             <p14:nvContentPartPr>
               <p14:cNvPr id="2" name="Ink 1">
@@ -4819,7 +5625,7 @@
             </p14:xfrm>
           </p:contentPart>
         </mc:Choice>
-        <mc:Fallback>
+        <mc:Fallback xmlns="">
           <p:pic>
             <p:nvPicPr>
               <p:cNvPr id="2" name="Ink 1">
@@ -4880,8 +5686,8 @@
           <a:chExt cx="0" cy="0"/>
         </a:xfrm>
       </p:grpSpPr>
-      <mc:AlternateContent xmlns:mc="http://schemas.openxmlformats.org/markup-compatibility/2006">
-        <mc:Choice xmlns:p14="http://schemas.microsoft.com/office/powerpoint/2010/main" Requires="p14">
+      <mc:AlternateContent xmlns:mc="http://schemas.openxmlformats.org/markup-compatibility/2006" xmlns:p14="http://schemas.microsoft.com/office/powerpoint/2010/main">
+        <mc:Choice Requires="p14">
           <p:contentPart p14:bwMode="auto" r:id="rId2">
             <p14:nvContentPartPr>
               <p14:cNvPr id="2" name="Ink 1">
@@ -4900,7 +5706,7 @@
             </p14:xfrm>
           </p:contentPart>
         </mc:Choice>
-        <mc:Fallback>
+        <mc:Fallback xmlns="">
           <p:pic>
             <p:nvPicPr>
               <p:cNvPr id="2" name="Ink 1">
@@ -4961,8 +5767,8 @@
           <a:chExt cx="0" cy="0"/>
         </a:xfrm>
       </p:grpSpPr>
-      <mc:AlternateContent xmlns:mc="http://schemas.openxmlformats.org/markup-compatibility/2006">
-        <mc:Choice xmlns:p14="http://schemas.microsoft.com/office/powerpoint/2010/main" Requires="p14">
+      <mc:AlternateContent xmlns:mc="http://schemas.openxmlformats.org/markup-compatibility/2006" xmlns:p14="http://schemas.microsoft.com/office/powerpoint/2010/main">
+        <mc:Choice Requires="p14">
           <p:contentPart p14:bwMode="auto" r:id="rId2">
             <p14:nvContentPartPr>
               <p14:cNvPr id="2" name="Ink 1">
@@ -4981,7 +5787,7 @@
             </p14:xfrm>
           </p:contentPart>
         </mc:Choice>
-        <mc:Fallback>
+        <mc:Fallback xmlns="">
           <p:pic>
             <p:nvPicPr>
               <p:cNvPr id="2" name="Ink 1">
@@ -5072,8 +5878,8 @@
           </a:prstGeom>
         </p:spPr>
       </p:pic>
-      <mc:AlternateContent xmlns:mc="http://schemas.openxmlformats.org/markup-compatibility/2006">
-        <mc:Choice xmlns:p14="http://schemas.microsoft.com/office/powerpoint/2010/main" Requires="p14">
+      <mc:AlternateContent xmlns:mc="http://schemas.openxmlformats.org/markup-compatibility/2006" xmlns:p14="http://schemas.microsoft.com/office/powerpoint/2010/main">
+        <mc:Choice Requires="p14">
           <p:contentPart p14:bwMode="auto" r:id="rId3">
             <p14:nvContentPartPr>
               <p14:cNvPr id="3" name="Ink 2">
@@ -5092,7 +5898,7 @@
             </p14:xfrm>
           </p:contentPart>
         </mc:Choice>
-        <mc:Fallback>
+        <mc:Fallback xmlns="">
           <p:pic>
             <p:nvPicPr>
               <p:cNvPr id="3" name="Ink 2">
@@ -5153,6 +5959,57 @@
           <a:chExt cx="0" cy="0"/>
         </a:xfrm>
       </p:grpSpPr>
+      <mc:AlternateContent xmlns:mc="http://schemas.openxmlformats.org/markup-compatibility/2006">
+        <mc:Choice xmlns:p14="http://schemas.microsoft.com/office/powerpoint/2010/main" Requires="p14">
+          <p:contentPart p14:bwMode="auto" r:id="rId2">
+            <p14:nvContentPartPr>
+              <p14:cNvPr id="2" name="Ink 1">
+                <a:extLst>
+                  <a:ext uri="{FF2B5EF4-FFF2-40B4-BE49-F238E27FC236}">
+                    <a16:creationId xmlns:a16="http://schemas.microsoft.com/office/drawing/2014/main" id="{7B954B36-F316-EA43-8147-F84D31B4133C}"/>
+                  </a:ext>
+                </a:extLst>
+              </p14:cNvPr>
+              <p14:cNvContentPartPr/>
+              <p14:nvPr/>
+            </p14:nvContentPartPr>
+            <p14:xfrm>
+              <a:off x="512280" y="209520"/>
+              <a:ext cx="11367000" cy="4268880"/>
+            </p14:xfrm>
+          </p:contentPart>
+        </mc:Choice>
+        <mc:Fallback>
+          <p:pic>
+            <p:nvPicPr>
+              <p:cNvPr id="2" name="Ink 1">
+                <a:extLst>
+                  <a:ext uri="{FF2B5EF4-FFF2-40B4-BE49-F238E27FC236}">
+                    <a16:creationId xmlns:a16="http://schemas.microsoft.com/office/drawing/2014/main" id="{7B954B36-F316-EA43-8147-F84D31B4133C}"/>
+                  </a:ext>
+                </a:extLst>
+              </p:cNvPr>
+              <p:cNvPicPr/>
+              <p:nvPr/>
+            </p:nvPicPr>
+            <p:blipFill>
+              <a:blip r:embed="rId3"/>
+              <a:stretch>
+                <a:fillRect/>
+              </a:stretch>
+            </p:blipFill>
+            <p:spPr>
+              <a:xfrm>
+                <a:off x="490680" y="187920"/>
+                <a:ext cx="11410200" cy="4312080"/>
+              </a:xfrm>
+              <a:prstGeom prst="rect">
+                <a:avLst/>
+              </a:prstGeom>
+            </p:spPr>
+          </p:pic>
+        </mc:Fallback>
+      </mc:AlternateContent>
     </p:spTree>
     <p:extLst>
       <p:ext uri="{BB962C8B-B14F-4D97-AF65-F5344CB8AC3E}">
@@ -5183,10 +6040,172 @@
           <a:chExt cx="0" cy="0"/>
         </a:xfrm>
       </p:grpSpPr>
+      <mc:AlternateContent xmlns:mc="http://schemas.openxmlformats.org/markup-compatibility/2006">
+        <mc:Choice xmlns:p14="http://schemas.microsoft.com/office/powerpoint/2010/main" Requires="p14">
+          <p:contentPart p14:bwMode="auto" r:id="rId2">
+            <p14:nvContentPartPr>
+              <p14:cNvPr id="2" name="Ink 1">
+                <a:extLst>
+                  <a:ext uri="{FF2B5EF4-FFF2-40B4-BE49-F238E27FC236}">
+                    <a16:creationId xmlns:a16="http://schemas.microsoft.com/office/drawing/2014/main" id="{9322F8C4-EB2B-104D-9C71-6F14860CC033}"/>
+                  </a:ext>
+                </a:extLst>
+              </p14:cNvPr>
+              <p14:cNvContentPartPr/>
+              <p14:nvPr/>
+            </p14:nvContentPartPr>
+            <p14:xfrm>
+              <a:off x="726120" y="142200"/>
+              <a:ext cx="10356120" cy="5182200"/>
+            </p14:xfrm>
+          </p:contentPart>
+        </mc:Choice>
+        <mc:Fallback>
+          <p:pic>
+            <p:nvPicPr>
+              <p:cNvPr id="2" name="Ink 1">
+                <a:extLst>
+                  <a:ext uri="{FF2B5EF4-FFF2-40B4-BE49-F238E27FC236}">
+                    <a16:creationId xmlns:a16="http://schemas.microsoft.com/office/drawing/2014/main" id="{9322F8C4-EB2B-104D-9C71-6F14860CC033}"/>
+                  </a:ext>
+                </a:extLst>
+              </p:cNvPr>
+              <p:cNvPicPr/>
+              <p:nvPr/>
+            </p:nvPicPr>
+            <p:blipFill>
+              <a:blip r:embed="rId3"/>
+              <a:stretch>
+                <a:fillRect/>
+              </a:stretch>
+            </p:blipFill>
+            <p:spPr>
+              <a:xfrm>
+                <a:off x="704520" y="120600"/>
+                <a:ext cx="10399320" cy="5225400"/>
+              </a:xfrm>
+              <a:prstGeom prst="rect">
+                <a:avLst/>
+              </a:prstGeom>
+            </p:spPr>
+          </p:pic>
+        </mc:Fallback>
+      </mc:AlternateContent>
     </p:spTree>
     <p:extLst>
       <p:ext uri="{BB962C8B-B14F-4D97-AF65-F5344CB8AC3E}">
         <p14:creationId xmlns:p14="http://schemas.microsoft.com/office/powerpoint/2010/main" val="563853014"/>
+      </p:ext>
+    </p:extLst>
+  </p:cSld>
+  <p:clrMapOvr>
+    <a:masterClrMapping/>
+  </p:clrMapOvr>
+</p:sld>
+</file>
+
+<file path=ppt/slides/slide8.xml><?xml version="1.0" encoding="utf-8"?>
+<p:sld xmlns:a="http://schemas.openxmlformats.org/drawingml/2006/main" xmlns:r="http://schemas.openxmlformats.org/officeDocument/2006/relationships" xmlns:p="http://schemas.openxmlformats.org/presentationml/2006/main">
+  <p:cSld>
+    <p:spTree>
+      <p:nvGrpSpPr>
+        <p:cNvPr id="1" name=""/>
+        <p:cNvGrpSpPr/>
+        <p:nvPr/>
+      </p:nvGrpSpPr>
+      <p:grpSpPr>
+        <a:xfrm>
+          <a:off x="0" y="0"/>
+          <a:ext cx="0" cy="0"/>
+          <a:chOff x="0" y="0"/>
+          <a:chExt cx="0" cy="0"/>
+        </a:xfrm>
+      </p:grpSpPr>
+      <mc:AlternateContent xmlns:mc="http://schemas.openxmlformats.org/markup-compatibility/2006">
+        <mc:Choice xmlns:p14="http://schemas.microsoft.com/office/powerpoint/2010/main" Requires="p14">
+          <p:contentPart p14:bwMode="auto" r:id="rId2">
+            <p14:nvContentPartPr>
+              <p14:cNvPr id="3" name="Ink 2">
+                <a:extLst>
+                  <a:ext uri="{FF2B5EF4-FFF2-40B4-BE49-F238E27FC236}">
+                    <a16:creationId xmlns:a16="http://schemas.microsoft.com/office/drawing/2014/main" id="{2FD206CF-772B-D548-BDF7-E5C845B43593}"/>
+                  </a:ext>
+                </a:extLst>
+              </p14:cNvPr>
+              <p14:cNvContentPartPr/>
+              <p14:nvPr/>
+            </p14:nvContentPartPr>
+            <p14:xfrm>
+              <a:off x="206280" y="169560"/>
+              <a:ext cx="11235600" cy="6631200"/>
+            </p14:xfrm>
+          </p:contentPart>
+        </mc:Choice>
+        <mc:Fallback>
+          <p:pic>
+            <p:nvPicPr>
+              <p:cNvPr id="3" name="Ink 2">
+                <a:extLst>
+                  <a:ext uri="{FF2B5EF4-FFF2-40B4-BE49-F238E27FC236}">
+                    <a16:creationId xmlns:a16="http://schemas.microsoft.com/office/drawing/2014/main" id="{2FD206CF-772B-D548-BDF7-E5C845B43593}"/>
+                  </a:ext>
+                </a:extLst>
+              </p:cNvPr>
+              <p:cNvPicPr/>
+              <p:nvPr/>
+            </p:nvPicPr>
+            <p:blipFill>
+              <a:blip r:embed="rId3"/>
+              <a:stretch>
+                <a:fillRect/>
+              </a:stretch>
+            </p:blipFill>
+            <p:spPr>
+              <a:xfrm>
+                <a:off x="184680" y="147960"/>
+                <a:ext cx="11278800" cy="6674400"/>
+              </a:xfrm>
+              <a:prstGeom prst="rect">
+                <a:avLst/>
+              </a:prstGeom>
+            </p:spPr>
+          </p:pic>
+        </mc:Fallback>
+      </mc:AlternateContent>
+    </p:spTree>
+    <p:extLst>
+      <p:ext uri="{BB962C8B-B14F-4D97-AF65-F5344CB8AC3E}">
+        <p14:creationId xmlns:p14="http://schemas.microsoft.com/office/powerpoint/2010/main" val="4150458199"/>
+      </p:ext>
+    </p:extLst>
+  </p:cSld>
+  <p:clrMapOvr>
+    <a:masterClrMapping/>
+  </p:clrMapOvr>
+</p:sld>
+</file>
+
+<file path=ppt/slides/slide9.xml><?xml version="1.0" encoding="utf-8"?>
+<p:sld xmlns:a="http://schemas.openxmlformats.org/drawingml/2006/main" xmlns:r="http://schemas.openxmlformats.org/officeDocument/2006/relationships" xmlns:p="http://schemas.openxmlformats.org/presentationml/2006/main">
+  <p:cSld>
+    <p:spTree>
+      <p:nvGrpSpPr>
+        <p:cNvPr id="1" name=""/>
+        <p:cNvGrpSpPr/>
+        <p:nvPr/>
+      </p:nvGrpSpPr>
+      <p:grpSpPr>
+        <a:xfrm>
+          <a:off x="0" y="0"/>
+          <a:ext cx="0" cy="0"/>
+          <a:chOff x="0" y="0"/>
+          <a:chExt cx="0" cy="0"/>
+        </a:xfrm>
+      </p:grpSpPr>
+    </p:spTree>
+    <p:extLst>
+      <p:ext uri="{BB962C8B-B14F-4D97-AF65-F5344CB8AC3E}">
+        <p14:creationId xmlns:p14="http://schemas.microsoft.com/office/powerpoint/2010/main" val="750307193"/>
       </p:ext>
     </p:extLst>
   </p:cSld>

--- a/lesson10.pptx
+++ b/lesson10.pptx
@@ -2169,6 +2169,312 @@
 </inkml:ink>
 </file>
 
+<file path=ppt/ink/ink9.xml><?xml version="1.0" encoding="utf-8"?>
+<inkml:ink xmlns:inkml="http://www.w3.org/2003/InkML">
+  <inkml:definitions>
+    <inkml:context xml:id="ctx0">
+      <inkml:inkSource xml:id="inkSrc0">
+        <inkml:traceFormat>
+          <inkml:channel name="X" type="integer" min="-2.14748E9" max="2.14748E9" units="cm"/>
+          <inkml:channel name="Y" type="integer" min="-2.14748E9" max="2.14748E9" units="cm"/>
+          <inkml:channel name="F" type="integer" max="32767" units="dev"/>
+        </inkml:traceFormat>
+        <inkml:channelProperties>
+          <inkml:channelProperty channel="X" name="resolution" value="1000" units="1/cm"/>
+          <inkml:channelProperty channel="Y" name="resolution" value="1000" units="1/cm"/>
+          <inkml:channelProperty channel="F" name="resolution" value="0" units="1/dev"/>
+        </inkml:channelProperties>
+      </inkml:inkSource>
+      <inkml:timestamp xml:id="ts0" timeString="2021-07-30T05:33:21.040"/>
+    </inkml:context>
+    <inkml:brush xml:id="br0">
+      <inkml:brushProperty name="width" value="0.12095" units="cm"/>
+      <inkml:brushProperty name="height" value="0.12095" units="cm"/>
+      <inkml:brushProperty name="color" value="#FF0000"/>
+    </inkml:brush>
+  </inkml:definitions>
+  <inkml:trace contextRef="#ctx0" brushRef="#br0">2458 1471 22290,'-26'36'-560,"-9"-1"1189,22 2-2119,-5 0 846,-2 1 430,18 2-948,-15 19 805,15-12-1170,-5 14 507,7-2-528,0-13 1169,8-7 0,1 1-898,-5 6 672,3-5 0,2 1 161,2 9 38,-9-9 1,-1 1 93,10 8-590,-11 10 362,0-8 359,-16-17 319,13 10-77,-13-27 451,3-3 0,10-12 0,-9-3 0</inkml:trace>
+  <inkml:trace contextRef="#ctx0" brushRef="#br0" timeOffset="282">2268 1663 21480,'19'-50'-3138,"-15"2"754,42-1 3798,-24 3-1645,26 0 1157,-9 3-517,1 2 68,3 4-409,-12 13 1,1 1 1171,17-8-104,-9 8 0,0 4-81,6 2-75,-4 7 0,-1 6-610,-4 20-631,-4-2 0,-4 4-749,-9 24-156,-7-6 0,-1 0-1199,-3 12 1214,-4-4 1,-2 1-1178,-1 9 1197,0-18 0,-4 1 97,-9 0 1,-1-1 143,6 20 217,-21-8 1,-3-1 1552,8 10-532,-3-20 1,-3-1 0,-8 14 0,-3 0-1</inkml:trace>
+  <inkml:trace contextRef="#ctx0" brushRef="#br0" timeOffset="449">2052 2282 21840,'23'-23'156,"20"-2"1213,-21-3-1458,13 5 1,3 1 706,13-15-546,-13 12 1,1 0-288,-10 7 0,-1 1-372,3 0 0,1-1 668,1 1 1,0 1 0,0-1-1,1 1 1,0 0 0,0 0 0</inkml:trace>
+  <inkml:trace contextRef="#ctx0" brushRef="#br0" timeOffset="768">3790 1266 23189,'-39'21'3205,"-2"18"-3911,8 16-16,9-8 0,0 2 116,8-16 1,1 3-29,-6 14 1,-1 8 0,3-5-180,3-10 1,2 1 719,-2 9 0,-1 5 1,3-6-1,5-15 0,2-2 1,-1 11-1,0 0 0</inkml:trace>
+  <inkml:trace contextRef="#ctx0" brushRef="#br0" timeOffset="1182">3768 2005 22830,'2'36'-6338,"0"8"4168,-2-7 1217,0 3 291,0-10 370,0-3 110,15 2-609,-11-3-1188,22 2 2124,-23-7-235,16-1 111,-9-13 411,9-4 798,-4-26-135,6-9 478,-7-13-701,10-18-26,-11 23-366,-2 8 0,0 0 421,2-3-282,1-2-664,2 18 492,-4 10 140,9 3 945,-7 26-2518,11 12 186,-10 11-537,9 3 88,-7-10-191,3-1-1007,1-1-2128,16 9 4149,-7-17 0,14-1 0,-11-18 1</inkml:trace>
+  <inkml:trace contextRef="#ctx0" brushRef="#br0" timeOffset="1566">4645 1379 23459,'0'-17'-3867,"0"33"2009,0 5 1063,0 34 157,0-3 302,0 8 147,7-27 0,0 0-40,-6 2 1,2 1-745,10 15 0,1 1 761,-12-13 1,-1 1 92,10 23 0,4-2-69,-7-28 1,2 0-138,7 23 1,1-2-229,8-6 275,-13-13 1,-1-4-367,-3-15 435,-1-4 114,-4-30 724,-1 14 907,-2-41-937,0 22 79,1-26 86,0-10 36,2 14-576,-1 10 0,-1 1 351,2 1-659,1-2-912,-2 24 1627,3 0 172,-2 9 1240,5-3-91,-2 23-2835,3-14 1530,7 54-1502,-3-30-63,0 10 1,1 3-1171,5 2 495,0-8 1,2-2-1687,5 4 47,14 4 3561,-8-19 0,2-11 0,0-4 1</inkml:trace>
+  <inkml:trace contextRef="#ctx0" brushRef="#br0" timeOffset="1899">5438 2054 23999,'-23'-20'-4503,"18"3"804,-35 8 5707,15-2-1743,-15 9 948,15 12 560,-7-6-937,28 32-2239,-17-6 2404,19 10-377,-6 17-1451,8-25 75,25 22-1411,-1-30-377,26 12 993,-6-25 2493,-4 1-1196,-6-32 2207,-17-6-1086,-7-11-276,-10 1 39,0 10-595,0 1-501,0-3-677,0 5 96,-13 6-1237,10 29 1665,-10 17 918,13 12-2102,18 15-148,2-21-33,2 10 1966,13-19 1,-20-1-1,17-5 1</inkml:trace>
+  <inkml:trace contextRef="#ctx0" brushRef="#br0" timeOffset="2304">5845 2107 23189,'1'-5'-3404,"4"-2"3474,-1 6 1983,9 21-4543,-4-15 2011,6 40-1307,-3-24 790,1 22-1191,2-7 972,9 18-611,-7-12 530,-4-7 0,0 0 949,0 2-585,3 16 957,-10-29-247,-1 0 390,-4-38 86,-16-35-241,11-5 147,-9 4 0,-1-1 117,11-9-57,-4 20 1,1-3-97,6-1 1,0 1 289,0-21-122,10 14 1,0 2 210,-5 4 479,33-10 807,-22 38 436,15 3 154,-18 28-2066,8-11 795,-12 46-1600,2-28-339,0 30 138,-10-21-574,3-1-817,-4 9-918,0-12 3370,-21 16 0,-5-30 0,-20 6 0</inkml:trace>
+  <inkml:trace contextRef="#ctx0" brushRef="#br0" timeOffset="2486">5075 1769 23099,'-3'-23'-7236,"1"1"4984,2 0 1746,24 4 2986,9-6-801,15 10-130,1-4-183,-10 12-1052,3 2 966,-2 2-475,2 2-541,-3 20 0,-2-15 1,-2 14-1</inkml:trace>
+  <inkml:trace contextRef="#ctx0" brushRef="#br0" timeOffset="2640">5403 2980 24359,'-4'14'-5646,"-1"-2"5365,3-5 0,0-2 0,2-4 0</inkml:trace>
+  <inkml:trace contextRef="#ctx0" brushRef="#br0" timeOffset="2965">7207 2134 24539,'17'0'90,"-16"-16"-3811,49 12 4968,-26-13-690,29 4-2563,11 10 2086,-9-18 1,-20 19 0,0 2 0,16-8 0</inkml:trace>
+  <inkml:trace contextRef="#ctx0" brushRef="#br0" timeOffset="3118">7477 2503 24539,'-10'-18'-8817,"27"14"11943,-11-28-5940,45 28 3362,-26-27 0,28 17 0,-9-16 0</inkml:trace>
+  <inkml:trace contextRef="#ctx0" brushRef="#br0" timeOffset="3499">8657 2141 24449,'-11'-14'-6949,"2"-5"3361,31 2 6558,6-24-2058,-1 24 795,20-21-826,-41 17-1422,39-1 1145,-39 2 25,25 0 1983,-28 2-4080,8 0 1294,-11-4-1859,-21 5 684,-9-3 1315,-14 11-946,0 2 1864,7 6-1437,0 1 2033,0 14-241,-10 8 1057,16 10-1183,-3 20-376,23-14-1119,4-3 0,7 1-904,31 7-236,-9-6 0,3-2 214,6-14 1,3-3-123,1 5 1,0 0 1163,25 3 1,2-7 0,-29-10 0,-1 0-1</inkml:trace>
+  <inkml:trace contextRef="#ctx0" brushRef="#br0" timeOffset="4052">9335 1963 23819,'-16'-11'-4101,"12"2"-90,-13 26 6446,17 9-3422,0 14 389,0 2 223,19 5-600,-15-10 43,14-8 0,-1-1 339,-13 1 1236,24 12-2093,-25-26 1380,8 2-98,-6-12 580,-4-24 637,4-23 2,-5-4-714,0 10 0,0 0 115,0-4 31,0-12-144,17 18 1056,-13 3-1275,12 5 1190,-1 3-158,-1 11 748,15 3 479,-16 25-2325,20 23 106,-23 0-735,4-7 1,1 0-136,-6-1-763,4 7 91,-7-12-631,0-13-672,-3-1 2506,-1-12 2066,2 0 441,1 0-12,1-14-796,1 10 1469,1-30-1876,1 17 644,10-34-492,-6 18-2000,16-23 238,-13 26 77,5-4 969,-7 18-1151,-1 8 2275,2 2-12,-2 6-575,0 0-81,0 0-148,6 20-1764,-3 9-375,4 10-488,-5 2-688,1-10-399,9 14-34,-4-11-54,9 6 2812,11-9 1,-8-12 0,14 3 0</inkml:trace>
+  <inkml:trace contextRef="#ctx0" brushRef="#br0" timeOffset="4582">10510 1953 24449,'-36'-9'-1521,"0"3"1609,2 2-47,4 23 956,2 4-574,15 24-1703,5-12 449,8 2-855,0-11 694,23 6-570,-17-10-467,37 3 453,-16-12 313,10-6 1962,7-1 208,-19-6 689,8-20 378,-21-6-869,8-23 250,-15 12-1561,4-7-210,-6 17-521,-3-1-410,0 32-249,0 13 327,19 9 0,5 3 347,-1 6 622,13-12 0,3-3 591,-5 4-431,30-12 1157,-23 0 25,11-12 554,-16 0 655,-4-15 44,-1 11-450,4-29-1006,-12 7 357,4-22-979,-16 8-212,-4 2-872,-5 14-461,-2 4-892,0-2 392,0 32 343,0 8 42,0 23 271,18 1-30,-13-9-60,26-1-200,-27-2-111,26-3 205,-27-5 1450,29-3 0,-19-10 0,13-3 0</inkml:trace>
+  <inkml:trace contextRef="#ctx0" brushRef="#br0" timeOffset="4750">11177 1475 24629,'-13'-12'-5930,"-3"2"4868,13 5-2114,-3 23 1803,23 11 1027,-12 11 1,30 1 0,-16-9 0</inkml:trace>
+  <inkml:trace contextRef="#ctx0" brushRef="#br0" timeOffset="5081">11747 2285 24269,'9'1'-218,"5"-1"216,-1-18-611,9-9 532,-6-12-776,5-5 431,-5 8-12,0-6-421,-1-1 84,0-6-154,-2-2 291,-3-2 24,-7 13 1,0-1-46,0-23 412,0 8 0,-5 0-59,-8 23 0,-2 1-219,3-18 0,-2 2-557,-14 0 153,-3-4 485,24 30-130,-9 29 2554,13 7-1983,0 28 176,0-8 1,0 1 139,0 27-120,7-18 0,1 1-33,-7-10 0,2-1-225,13 2 0,2-1-453,-16 0 0,0 1-2371,25 15 0,2 1 2809,-18-14 1,1 1-1,16 10 1,2-2-1,-12-15 1,0 0-1</inkml:trace>
+  <inkml:trace contextRef="#ctx0" brushRef="#br0" timeOffset="5632">14065 1341 24718,'0'-20'-5216,"0"4"4527,0 4-285,0 29 335,0 2 213,0 27 122,0-2 76,0 8-1458,0 6 1596,0 4-450,0 4-90,0-32 1,0-1-810,0 32-90,0 0 90,0-5 1379,12-3 1,-9-5 0,9-1 0</inkml:trace>
+  <inkml:trace contextRef="#ctx0" brushRef="#br0" timeOffset="5769">13895 1821 24359,'22'-35'-1802,"20"3"2961,-18 1-1546,24 5 880,-3 1-1248,6 5-545,6 3 1327,5 5 0,-28 8 0,-1 0 0,1 1 1,1 1-1</inkml:trace>
+  <inkml:trace contextRef="#ctx0" brushRef="#br0" timeOffset="6248">15620 1604 23099,'26'20'-4821,"-11"12"798,-4 12 2251,-4 8 1495,-6-17 1,0-1 30,6 21 100,-6-7 0,-2 0 109,1 4-717,0-17 1,0-2 430,0 5 1029,0-3-255,0-7-262,0 1-137,0-13 101,-13-2 298,-1-29-1133,-10-9 215,12-11-832,-5-1 1145,12 6 0,-9-2 0,7-2 0</inkml:trace>
+  <inkml:trace contextRef="#ctx0" brushRef="#br0" timeOffset="6850">15768 1535 22110,'23'-17'1290,"-1"0"-1215,3 2 581,0-3-429,1 4 165,-1 0-180,11 0 484,-10 6 229,14 2-732,-20 5-210,4 23-1745,-16 6-675,-1 28 192,-34-10 1724,10-14 1,-1-2-786,-31 7 1029,3 7-415,14-17-85,2-5 1551,14-4-170,-13-4 1,25-5 0,-13-3 0</inkml:trace>
+  <inkml:trace contextRef="#ctx0" brushRef="#br0" timeOffset="7232">16620 1591 23909,'-50'-2'-367,"3"17"2084,6 3-673,19 19-2415,-3-19 1580,23 13-2050,-6-20 1707,27 16-1858,6-12 1035,26-3-180,7-6 303,-9-21 2013,11-5-877,-28 2 1774,12-15-1540,-24 12 1291,1-9-755,-10-1-1620,-6 11-379,0 25-2239,-5 7-929,0 29 3554,26-5 1,-4-14 0,23-6 0</inkml:trace>
+  <inkml:trace contextRef="#ctx0" brushRef="#br0" timeOffset="7518">17478 1390 23189,'-27'-6'-1278,"-13"2"1290,18 3 174,-16 18 1245,8 4-1074,12 22-1315,10 6-228,29-7-871,9 14 268,12-24 1215,-8-2 1,-1-1-531,3-3 468,-6-4 0,-4-2-869,-10-8 969,-2 3 159,-40-11 2454,-7-1-1310,-27-3-1511,14-17 849,-4 13 0,33-28 0,-1 13 0</inkml:trace>
+  <inkml:trace contextRef="#ctx0" brushRef="#br0" timeOffset="7800">17852 1563 22830,'2'31'-7098,"20"1"4344,-17-9 1232,14 1 1193,-4-6 322,-11-3-334,10 0 735,-5-2-2005,-7-1 1425,7-2 417,-9-1 255,0 2-342,-24-4 1643,-4 2-191,-2-5-951,-17-1-160,29-2 0,-20-1 0,13 0 1</inkml:trace>
+  <inkml:trace contextRef="#ctx0" brushRef="#br0" timeOffset="8189">18443 1417 24269,'0'-17'-6206,"17"3"8729,-13 3-2703,29 3 2088,-14 4-884,10 18-1712,-3-10 732,1 53-2241,-5-29 2002,-7 3 1,-1 2-2229,6 9 1105,0 2-1303,-1-1 911,-4-12 0,0-1-678,7 14 335,-1-11 0,1-1 2220,4-1 0,11 3 0,-8-18 1</inkml:trace>
+  <inkml:trace contextRef="#ctx0" brushRef="#br0" timeOffset="8401">19168 1611 23909,'-15'-8'-3713,"-5"2"3308,1 20 1884,-12-10-612,27 27-2396,-28-26 2291,18 33-1384,-15-22 1211,1 26-108,7-27-243,-8 15-1124,16-20-514,-13 3 2832,14-6-1745,-12-26 1,12 15-1,-4-15 1</inkml:trace>
+  <inkml:trace contextRef="#ctx0" brushRef="#br0" timeOffset="8550">18838 1460 22200,'15'-16'-221,"-11"3"-2383,28 4 4569,-9 5-1171,22 23-1767,-8-14 550,-10 23 1,-2 3-1019,9-6 608,-4 10 1,1 3-1390,8-2 1612,-13-11 0,0-2 190,14 6 0,2-5 0,1-1 0</inkml:trace>
+  <inkml:trace contextRef="#ctx0" brushRef="#br0" timeOffset="8732">19758 1549 23369,'-17'-10'-3809,"-2"2"2921,-22 4 1697,1 22 1125,4-13-1190,5 38-956,10-23 422,4 22-2223,2 9 899,7-11 961,3 10 1,5-17 0,0-2-1</inkml:trace>
+  <inkml:trace contextRef="#ctx0" brushRef="#br0" timeOffset="9066">20052 1596 23639,'-20'12'1232,"-12"10"-772,17 19-2677,-5-3 1189,10 0-84,10-8-332,0 8 362,0-8-425,16 10-1145,-12-21 403,13 3 1386,1-13 617,-2-4 731,18-21 1717,-20-10-1214,-1-12-446,-13-16 94,0 17-502,0-11-1375,-17 0-998,13 13 1908,-12-8 1,16 20-1,0 2 1</inkml:trace>
+  <inkml:trace contextRef="#ctx0" brushRef="#br0" timeOffset="9398">20308 1642 22200,'9'0'0,"4"-10"719,-4 8 146,8-7-359,-7 23-3224,9 6 1096,-9-2-20,3 19-556,-7-22-124,1 18 178,-3-11-173,0-1 149,-1-3 2533,-2-7-590,0 5 553,0-34-6,-1 1-45,0-21-449,0 0 101,0 8-861,0-16 1125,16 11 0,-13-9 0,13 16 0</inkml:trace>
+  <inkml:trace contextRef="#ctx0" brushRef="#br0" timeOffset="9807">20965 1691 23099,'-27'-16'-3853,"-5"4"3268,-28 12 1739,8 0-281,9 18 517,21 4-1209,10 17-971,12-8-897,23 2 896,4-13 296,15-5-192,0-7 338,-9-8-347,4 0 710,0 0 1016,0-21 1061,-2 16 82,-1-40-1278,-5 25 62,-4-24-1200,-6 7-62,-3-25-354,-8 10 564,-5 6 0,0 0-1364,-3-11 716,1 22 1,-2 0-444,-19-9-1420,15 6 1344,-15 6-57,20 4 832,0 33 250,0 4 145,0 32-393,0 22-951,14-8-247,-5-2 1,1 0 1613,-2-19 1,2-1-1,8 11 1,2-1 0,9 17-1</inkml:trace>
+  <inkml:trace contextRef="#ctx0" brushRef="#br0" timeOffset="10598">22463 1478 24269,'25'23'-5007,"13"12"3142,-33 13 257,23 6 82,-26-10 1062,9 2-235,-2 0 149,-7 15-1118,7-18 1133,-5 19 257,-3-34-969,4 5 1154,-4-24-270,2-15 1482,0 2 506,3-47-1323,-2 25 382,1-33-378,0 19 123,-3-1-149,3 1 240,0-10-1075,-1 17-101,8-9 1134,-5 30 406,11 0 1101,-4 12-650,7 24-1400,-2-18 830,1 41-1774,1-26 865,10 38-921,-4-21-470,-6-7 0,2-1-2461,8 3 3710,9 4 1,-6-23-1,0-6 1</inkml:trace>
+  <inkml:trace contextRef="#ctx0" brushRef="#br0" timeOffset="11320">23445 1050 23189,'-11'18'-590,"2"13"-1414,9 13 1013,0-4 0,0 1-216,0 18 819,0-18 1,0 0-321,0 20 245,0 0-1133,0-2 964,8-18 0,3-2-451,13 19 754,-3-14 1,1-2-133,2 1-197,11 12 215,-17-33-1079,11 0 1605,-4-17 1082,-4-17 1472,-4-12-778,7-20-426,-10 4-272,6 1 71,-8 13-277,0 11 121,-3-9-1541,0 21 700,-2-12-494,-1 15 884,4 0 288,-3 15-2256,9 11 56,-5 7-678,4 6 506,-3-10-1579,2 2 1542,0-3-573,12 9 192,-5-13 2366,19 3 353,-13-14-58,21-6 911,-18-3 67,8-24 894,-12 15-124,-1-36-1206,-2 36 759,3-50-1462,-9 35 274,1-27-1435,-11 26 521,-4-3-1807,-2 30-681,-1 5 1460,16 33-1552,-12-8 1517,11 0-1010,6-11 1280,-16-4-149,32-8 1628,-23 7-458,16-17 1193,-7 9-76,2-12 478,10 0 466,-7-17-185,14-7 351,-20 1-1792,9-31 694,-18 34-1444,1-29 194,-8 17-1374,-3 9-27,-2-5-468,-1 36-372,0 7 737,20 6 180,0 32-1414,3-33 2558,2 9 0,-2 0 0,-3-6 0,28 6 1</inkml:trace>
+  <inkml:trace contextRef="#ctx0" brushRef="#br0" timeOffset="11584">24485 1373 22560,'29'-13'2873,"-22"0"-5177,53 2 3168,-33 0-479,10 5 0,3 1-310,11-1-66,-9 3 0,0 0-74,6 3 155,6 15-1151,-17 11 487,-19 9-2654,0 27-242,-18-17 3234,-12-3 0,0 1 1,5 12-1,-5-19 1,0-1-1</inkml:trace>
+  <inkml:trace contextRef="#ctx0" brushRef="#br0" timeOffset="12065">25780 1131 24718,'-17'-6'-2608,"-2"2"2569,-2 27 604,6-1-569,6 25-1074,6-5-77,-6 6 567,2 3-82,6-13 0,0 0-324,-5 20 473,5-21 1,2 0-851,-1 27 105,17-18 231,-12 18 789,27-35 29,-28 7-332,11-23-105,-5-3 355,0-25 1480,11-10 152,-4-11 270,10-16-432,-5 18-318,11-10 699,-6 18-265,2 4 572,1 10-860,0-2-40,-1 12-29,0-5 453,7 25-1448,-13-13 485,13 45-2006,-24-30-571,4 40-581,-14-31 259,1 8 654,-22-5 706,-8-9-410,-23 7 696,9-19 1410,12 2 0,-1-12 1,7 2-1</inkml:trace>
+  <inkml:trace contextRef="#ctx0" brushRef="#br0" timeOffset="12305">26843 1319 24179,'9'18'-8179,"-2"-4"5380,-3 1 1331,-1 1 1067,0 22 333,0-8 10,1 21 0,1-17-1790,1 12 2180,1-13-96,2 0-340,0-2-921,2 0-481,-1-2 189,1-2-894,0 6 2164,-6-10 1,0 2-1,-5-11 1</inkml:trace>
+  <inkml:trace contextRef="#ctx0" brushRef="#br0" timeOffset="12448">26608 1703 23189,'-5'-27'-7859,"4"0"5884,-4-3 441,28 1 3065,-17-1-1262,30 7 0,5 2 1184,-4-10-1294,15 3 1,3 3-34,2-3 0,-18 10 0,-1 1 0,13-5 0</inkml:trace>
+  <inkml:trace contextRef="#ctx0" brushRef="#br0" timeOffset="13149">27270 997 23189,'-18'-9'-2782,"4"3"1981,14 23-1114,0 35 713,0 3 761,7-2 0,1 0-429,-4 13 601,3-9 0,1 2-669,-3-24 1,0 0 491,0 32 1,1-2-436,6-3 738,-2-10 1,-1-3-236,-1-16-40,15 7-306,-9-27-1,11-2 1702,-9-9 584,6-20 355,-6 14 595,1-34-1323,0 21 977,6-29-699,-6 18-583,9-6-313,-15 9-898,5 14 524,-10-1-1415,0 12 2006,-1 0-721,0 0 710,2 20-2543,1-15 1042,3 34-570,2-34 325,9 44-505,-3-32 63,17 23-241,-13-18 179,9-11 2592,4 0-848,-9-11 1580,18-14-543,-21 11 1229,13-30-971,-21 7-252,3-8-166,-9-1-1392,-3 13-67,-2 1-836,-2 10-399,-2-9-251,-1 57 99,15-18 429,-11 35 228,26-16 356,-13-16-141,18-4 990,-11-9 250,3-9 1002,-1-19 593,-4 15 204,9-35-756,-14 12-106,0-9 188,-4-9-1670,-5 20-255,1-4-502,-4 11-543,-2 9 167,-1 1 508,1 8 1244,0 21-1535,1-16 439,-1 38-94,2-24-481,1 20-1,3-7-1871,10 14 787,-1-12 1857,11 7 1,0-18 0,2-1-1</inkml:trace>
+  <inkml:trace contextRef="#ctx0" brushRef="#br0" timeOffset="13432">28897 1621 23639,'-21'-15'-4157,"16"2"-370,-38 4 6070,15 5-367,-17 1-102,8 24 324,17 3-1111,9 12-1206,11-3 541,0-9 1089,0-1-1903,23 8-297,6-11 391,25 5-152,-13-11 875,-3-7 936,-9-2 397,-7-25 23,-6-2-178,-27-23-2432,-13 3-120,1 7 1533,-16 5 1,35 11 0,-16 2 0</inkml:trace>
+  <inkml:trace contextRef="#ctx0" brushRef="#br0" timeOffset="13815">29110 1611 23099,'5'7'-7341,"1"-2"5952,-3 0-882,-1-1 1170,-1 5 757,-1 7 285,0-2 14,0 16-1461,0-9 1700,0 14-341,0-16 766,0 5-73,0-12-473,14 0 259,-10-4-1084,28-4 1903,-14-1 81,17-22 950,-3-4-100,-5 0 92,2-13-751,-14 14-437,2-1 830,-7-5-2500,-5 25 1451,0-9-2128,-4 30-552,0 8 224,-1 10 265,0 1-343,0-10-1455,0 13 2884,22-12 0,-17 6 1,18-16-1</inkml:trace>
+  <inkml:trace contextRef="#ctx0" brushRef="#br0" timeOffset="14132">29832 1710 23459,'-45'-16'-2727,"5"5"2252,12 7 674,13 19 315,4 1-798,11 13-1260,21-5 375,5-11 230,0 5 523,16-15 1104,-18 5-126,13-8-519,-32 13-1793,2 9 1187,-23 15 1421,5-3-1337,8-5-647,-8-9-279,1-9-7,3 10 1383,-10-18 1,2 19 0,-1-10 0</inkml:trace>
+  <inkml:trace contextRef="#ctx0" brushRef="#br0" timeOffset="14365">28647 1018 23729,'34'17'-3575,"-14"7"347,-8 12 426,-12 15 1539,0-16-868,-20 27 2415,-9-27 0,-10 11 1,-1-18-1</inkml:trace>
+  <inkml:trace contextRef="#ctx0" brushRef="#br0" timeOffset="14566">28202 1031 23189,'42'-3'790,"-7"2"-748,0 17-1849,-7-12 1614,1 31-1767,13-7 1185,-12 9-523,9 1-1852,-11 2-342,-7-12 2986,2 8 0,-10-16 0,-2-2 0</inkml:trace>
+  <inkml:trace contextRef="#ctx0" brushRef="#br0" timeOffset="14723">29455 704 23729,'63'-17'1976,"-3"5"-1987,-22 7 1,0 1-970,18 1-157,-17 0 1,-2 5 839,0 18 1,2-16 0,-19 16 0</inkml:trace>
+  <inkml:trace contextRef="#ctx0" brushRef="#br0" timeOffset="15902">2057 4264 23549,'0'50'-6295,"17"-7"2300,-13 8 3094,13-8-556,-17 3 1466,17 0-790,-13 1 707,13-2-2232,-3-3 1675,-10-3 1186,17-7-737,-19-4 875,6-5-1216,-8-6 1212,4-5-1355,-3-5 977,4-20 941,-5-13-1073,0-11 166,0-6-212,20 3 1391,-15-2-1473,15-4 1425,-3 3-411,-12 1-1570,26 4 1959,-28 6-1252,24 3 1340,-12 14-889,15 4 1537,-8 28-2721,0-13 996,-7 40-1328,2-21-748,-1 25 855,11 10-1957,-6-11 2294,-2-9 0,1 0 1,4 6-1,8 10 0</inkml:trace>
+  <inkml:trace contextRef="#ctx0" brushRef="#br0" timeOffset="16221">3012 4705 21660,'24'-5'1848,"0"1"-1421,0-5 485,14-3-432,-11 0 6,21-12-458,-22 7 110,13-16 63,-21 12-484,2-7-147,-13 8-1031,-3 1-124,-3-1-546,-20-7-52,15 9-52,-34-7 1071,14 15 601,0 1 340,-14 6 1043,22 3 406,-5 18 398,3 6-91,16 27-985,-4-8-796,17-10 1,4 0-1621,-9 8 618,17-14 0,2-1-1336,-4 9 2250,21-3 1,-6-4 0,1-3-1</inkml:trace>
+  <inkml:trace contextRef="#ctx0" brushRef="#br0" timeOffset="16581">3842 4449 22920,'0'46'-6026,"0"-8"3987,0 2 1065,18 7-920,-13-9 1341,25 20-79,-15-28 20,12 10-1179,-12-23 1699,17-3 879,-21-10 66,16-4 1382,-7-22-504,-3 17 1009,11-56-1208,-12 36-1020,-4-11 0,-2-3 110,1 0-901,0-9-313,-6 19-631,-2 6 56,0 5-348,0 9 1339,0 4 248,5 5 995,-2 21-2004,8 10-155,-3 12 227,4 1-263,-2-9-1023,1-1-239,1-1 2024,-1-4 1,0-4-1,-2-3 1</inkml:trace>
+  <inkml:trace contextRef="#ctx0" brushRef="#br0" timeOffset="16831">3170 4199 22740,'-10'-32'-8165,"4"3"5952,4 2 1671,2 2 369,23 1 2087,-18 2-1728,56-3 1769,-37 8-1691,31 1 2447,-23 9-249,-1 5-559,0 0-188,11 2-2001,-11 0-314,18 18 182,-23-1 0,8 5 0,-13-9 0</inkml:trace>
+  <inkml:trace contextRef="#ctx0" brushRef="#br0" timeOffset="16998">3943 3674 22290,'0'48'-6296,"0"-9"3988,0 8-16,0-4 2164,0 4 1,0 7-1,0 1 1</inkml:trace>
+  <inkml:trace contextRef="#ctx0" brushRef="#br0" timeOffset="17482">5890 4541 23819,'-52'0'720,"1"0"-541,-2 16 1039,3-12-1293,2 29 382,5-18 191,6 18-598,3 7-206,17-7-364,2 11-192,15-14-1298,0-1 503,19-4-480,12 2-36,8-11 1460,24-2 486,-25-11 740,16-27 995,-19 3 582,0-25-813,-5 7 234,-3-5-723,-5-4-796,-5-4-264,-9 12 1,-2-1-907,0-24 93,-2 7 0,-5-1-6,-7 24 0,-3-1 537,-1-25 0,-1 1-195,1 24 1,-1 3 87,-10-10 1,3 2-690,15-9 610,-36 8 421,36 8 524,-24 4 106,26 38 744,-8 24 89,26 28-969,-13-24 0,0 2-74,14 14 0,1 0-234,-15-12 0,0 2-37,6 6 0,4 4 1,-1-4-239,-1-7 1,0 0-491,1 1 0,1 4 0,1-6-331,1-8 0,0-2 51,0 8 0,-2-2 1095,2 1 1,-3-7 0,-2-4 0</inkml:trace>
+  <inkml:trace contextRef="#ctx0" brushRef="#br0" timeOffset="17648">5567 4371 24089,'-5'-38'-7352,"1"2"5023,23-9 3086,-15 10-294,27 11 0,7 2 1183,-4-2-1676,16 7 1,6 4-372,5-1 458,-18 6 0,0 2 0,18-1 0,1 2 0</inkml:trace>
+  <inkml:trace contextRef="#ctx0" brushRef="#br0" timeOffset="17849">6478 3802 23909,'-14'15'491,"-9"-11"608,21 32-3986,-18-15 3192,18 22-2038,-10 0 1320,8-3 0,1 3 28,0-9 1,0 2-836,0 12 0,1 3-1368,0 5 0,4-2 2278,6-12 1,1 0 0,-7 13-1,0-1 1,6-17 0,1 0-1</inkml:trace>
+  <inkml:trace contextRef="#ctx0" brushRef="#br0" timeOffset="18216">6943 4573 23729,'-22'22'136,"-7"7"-248,26 13-2668,-8 2 1613,11-9-248,0 3 495,-7 14 442,5-16-1020,-5 17 185,7-31-562,0 3 1744,14-88 80,3 30 379,-3-24 0,-1-2 105,3 8-258,-1 11 0,-2 0 260,-5-2-218,17-6 1074,-13 25-118,1 11 291,1 6 139,7 6-439,-3 15-1862,10 17-1592,-9 8 2007,4 13 0,-6-7 1,-1 2-1</inkml:trace>
+  <inkml:trace contextRef="#ctx0" brushRef="#br0" timeOffset="18601">8338 3992 24539,'-9'-8'-4446,"1"1"2918,2 4 1953,0 1 194,4 27-1398,0-6 386,2 28-283,0 16-920,0-8 1426,7-16 1,1 0-488,-4 21-606,10-1-1167,0 1 646,-10-3 449,10-2-143,-1-5 1407,-9 13 0,9-21 0,-13 8 0</inkml:trace>
+  <inkml:trace contextRef="#ctx0" brushRef="#br0" timeOffset="18766">8148 4601 23459,'0'-35'-6385,"28"-15"6957,-3 10-88,12 6 0,4 2 114,-13 12 1,0 1-251,11-6 1,3 1-232,4 1 0,1 2 30,-12 5 0,2 0-482,23-10 1,1 0 707,-28 11 0,-1 1 1,10-4-1,-2 0 1,9-7-1</inkml:trace>
+  <inkml:trace contextRef="#ctx0" brushRef="#br0" timeOffset="19132">8932 3891 23189,'-17'-10'-3772,"12"2"-142,-26 1 6271,17 4-1388,-11 22 590,12 40-2075,6 0 72,15-1 0,3 2-478,-10-26 0,2 0 440,15 14 0,0 0 487,-16-13 1,0-2-821,15 2 0,0-1-1045,-13 31 799,13-19 1,2-2-47,3 19 804,-8-16 0,2-2-33,14 0 407,-15 10-512,2-32 280,-9-4-612,-1-14 1152,-2-4 1560,0-25-857,2-8-47,3-33-393,0 12-177,-2 18 1,1 1 309,4-3 522,5-7-750,-1 22-413,-3 4 1081,8 9 831,-8 3-29,9 28-2394,-8 7-722,5 14-55,5 17-407,-4-21-169,0-5 1,1-1-1183,8 5 2409,16 5 1,-7-20 0,3-5-1</inkml:trace>
+  <inkml:trace contextRef="#ctx0" brushRef="#br0" timeOffset="19483">9907 4536 23459,'-18'-11'-3614,"-5"4"3675,-20 4 760,2 23 827,6 6-1022,15 11-1194,10 0-170,10-10-858,0 1 971,17 8-920,-12-10-576,33 2-150,-9-13 387,34-9 2340,-21-16 1073,11-13 752,-30-19-1239,-6 6 490,-9 1-215,-8 1-1410,0 10-572,0-5-552,0 10-941,0 29-122,0 10 1417,0 33 1,0-10-482,17 11-270,3-25 1683,20 4 1,-11-16 0,1-1 0</inkml:trace>
+  <inkml:trace contextRef="#ctx0" brushRef="#br0" timeOffset="19816">10325 4431 22920,'5'0'449,"1"0"-449,-4 17-3771,2-12 1656,-1 32 735,0-32 228,1 36 507,3-13-1409,-1 8 123,6 1-279,-6-25 1468,7 6 413,-6-17 1695,3 5-552,1-23 521,-4 13 1120,6-31-1288,-3 10 202,4-19-148,-5 10-196,1 12-1192,-3 2 396,0 17 1121,2-8-2034,1 11 1628,0 15-1934,7 10-65,-4 9-59,4 4-353,-3-6 154,3-1-916,2-2 0,1 0-782,10 5 2766,-7-8 0,1-4 1,7-11-1,-1-5 1</inkml:trace>
+  <inkml:trace contextRef="#ctx0" brushRef="#br0" timeOffset="20198">10950 3953 23459,'0'-15'-5216,"-10"4"3382,8 23 1755,11 17-1263,10 34 226,3-4 666,-6-10 1,-1 0-180,8 13-553,-8-20 0,2 0 540,12 12 288,-8 0-822,-2-6 1116,-2-5-87,-2-9 144,-1-7-236,1-2 434,-7-14-191,5 0 577,-9-28 758,4 13 1518,0-54-1981,0 29-349,-2-12 1,0-2 343,4-2-458,-1 9 1,0 2 307,3 0-330,11-3 139,-9 26-742,4 5 2210,3 21-2023,-7-11 834,10 51-1987,-11-29-500,-3 12 0,-1 2-452,0 1 1786,0 13 0,-5-21 1,-2-2-1</inkml:trace>
+  <inkml:trace contextRef="#ctx0" brushRef="#br0" timeOffset="20398">9612 3767 23909,'0'-21'-6296,"29"4"8401,22 3-2039,-18 10 0,2 2-2,5 0 0,0 0 1,26 2-1,-30 0 0,-1 0 1</inkml:trace>
+  <inkml:trace contextRef="#ctx0" brushRef="#br0" timeOffset="20715">12353 4343 25348,'-32'0'0,"2"0"0,1 15 900,3-11-453,-4 44-1415,14-26 527,6 11 0,4 2-1192,4 2-476,22 12-1161,-14-20-18,45-4 3000,-23-4 0,31-10 1,-12-3-1</inkml:trace>
+  <inkml:trace contextRef="#ctx0" brushRef="#br0" timeOffset="21016">12983 4253 24179,'-41'20'3997,"0"5"-3580,15 12-1923,-12 1 1190,34-8-1497,-25 3 1744,26 1-1140,-8 14-31,11-12-951,27 17-400,-21-27 1964,28-9 1,6-5-155,-8-4 1038,20-13 1,4-3 131,-6 3 506,-7-21 0,-4-5 244,-11 6-546,-14-10 0,-4-4 370,-4-1-1076,-17 7 0,-1-1-1902,6-3 755,-16 13 0,-5 1-1487,-8-9-336,-11 9 2836,4 3 1,25 14 0,6 3-1</inkml:trace>
+  <inkml:trace contextRef="#ctx0" brushRef="#br0" timeOffset="21389">13537 4422 23099,'0'34'-6205,"0"5"4076,0-10 1065,15 2-470,-11-12 730,12-1 616,-5-2-129,-8-2-2125,20 0 2718,-8-8 381,7-1 265,7-25 1509,-11 15-1289,3-29 1,-1-6 6,1 10-201,-1-12 0,-1-1 345,-1 7-938,6-13-308,-11 25 107,2 5-738,-8 13 812,0 6 457,-3 0-121,-1 25-1639,2-19 102,5 58-675,1-39-327,1 11 1,3 0 1593,7-4 0,10 9 1,-4-19-1</inkml:trace>
+  <inkml:trace contextRef="#ctx0" brushRef="#br0" timeOffset="21739">14388 4294 23729,'-41'-5'-969,"5"1"821,20 22-27,6 2-586,10 18-935,21-6 55,6-4 724,23-12 421,-12-7 339,4-9 1076,-15 0 297,-4-18 223,-10-3-220,-7-15-716,-6 5-497,0 6-927,0 27-209,0 14-556,0 17 89,0 3-171,0-7 369,0 2-763,0 10 1172,0-11-89,0 5-450,0-15 1529,0-5 0,0-2 0,0-2 0</inkml:trace>
+  <inkml:trace contextRef="#ctx0" brushRef="#br0" timeOffset="21931">13048 3708 23819,'27'-22'169,"-1"0"1,16-9 195,-6 10 1,1 3 537,11 5-1141,-7 4 1,0 6-1213,7 20 1061,8-13 0,-21 43 1,-3-10-1</inkml:trace>
+  <inkml:trace contextRef="#ctx0" brushRef="#br0" timeOffset="26732">22628 3681 21480,'0'24'-5756,"0"1"3628,0-5 1064,0 1 425,0-2 213,0 2 122,11 3-383,-8 14-961,8-5 1102,-11 11 546,0-10 0,0 2 0,0 2 90,0 3-1,0-1 641,0 6-499,0 20 406,-17-12-460,16-8 0,-2-1-50,-25 10 189,25-18 1,3-1-211,-11 13 333,-1 1 16,9-3-313,-6-14 0,0 1 413,0 15-503,1-9 1,-1 0 150,-3 5-202,5-10 1,0 0 246,2 6-88,-4 22-329,4-26 130,0 7-205,1-1 82,1-11 1,-2 24-100,2-24 84,-2 10 154,2-12 135,-2-1 13,1 2-71,-1-1 43,2-1-29,-2 1 43,-1 12-22,3-9-206,-1 20 61,3-23-122,1 20-67,0-24-60,0 10 68,0-12 20,0 1-139,0-1 168,14 13-601,-11-10 522,11 20-326,-6-19-54,-5 18 560,11-19-360,-8 26 202,4-26-409,-1 23 1003,-4-28-311,2 16 883,-3-17-514,-1 10-531,-2-9 526,-1 3-157,0 2 409,0 2-286,0 2 28,0 2-34,-16 12 643,12-9-481,-12 19 168,16-24-692,0 9 0,0-13 0,0 1 0,0 1-90,0-1-584,0 0 451,0 0-245,0 14 378,0-12 180,0 25-90,0-23 0,0 27 0,0-22 0,0 11 0,0-14 0,0 0 0,0 1-90,0 12 180,0-11-90,0 22 0,0-24 0,0 23 0,0-23 0,0 10 0,-10 2 403,8-12-177,-8 29-20,10-25-206,0 29 0,0-28 45,0-4 0,0 0-135,0 5 90,0 15-403,0-22 357,0 3-250,0-4 296,0 16 0,0-12 0,0 23 90,0-23-270,0 24 180,-15-24 754,11 11-601,-10-14 767,14-1-920,-8-1 504,5 15-416,-5-13 384,2 25-273,5-25-866,-8 26 898,8-25-1108,-2 12 1000,3 0-627,0-8 417,0 25-385,0-25 310,-1 28 193,-2-26-208,1 12 204,0-14-26,1-1 48,-1 1 64,1 0-145,-1 0 80,1-1 92,0 15-312,0-11 237,0 24-168,1-26 54,0 27-154,0-28 235,0 14-118,0-18 9,0 3 42,0-2-10,0 14 23,0-10 22,0 25 0,0-26 0,0 27 0,0-28 0,0 13 90,0 2-90,0-13 0,0-4 0,0 0 0,0 6 0,0-6 0,0 1 90,0 6-90,0 12 0,0-17-90,0 1 90,0 1 0,0 0 0,0 1 90,0-1-90,0 18 0,0-14 0,0-6 0,0 0 0,0 7 0,0-8 0,0 1 90,0 8-135,0 4 0,0 0 45,0 4 0,0-2 0,0 0 0,0-3 0,0-8 0,0 0 0,0 5 0,0 11 0,12-20-619,-9-2 450,18 12-478,-19-11 522,13 9-535,-9-1 471,2-10-261,3 22 63,-8-21 865,7 19-662,-7-22 644,1 8-577,-1-14 579,-1 0-375,-1-2 284,0 10-28,-1-8-202,0 18 212,0-18-166,0 18 54,0-19-41,0 27-9,0-24-112,0 23-35,0-25-44,-10 18 463,7-17-267,-7 16 275,10-17-471,-6 17 242,5-18-137,-4 7 214,2 1-136,2-7-529,-5 18 392,3-17-256,-2 20 421,0-18-159,1 9 57,2-10-237,-1-1 181,-1 0 135,-1 9-188,-1-8 148,1 17-103,0-20 16,0 8 68,1-11 4,-1 1 46,0 12-160,-2-5 145,0 8-95,-1 7 38,1-12-132,-4 26 118,5-24-52,-4 23-199,4-24 164,0 8-19,1-12-139,1-2 37,0 1 129,1-4-139,0 0 11,0-2-19,-1 9 59,0-8 1,-3 16 187,2-16 80,-6 17-3,3-17 260,-4 7-93,0 0 258,3-6-137,-8 17-18,6-18 3,-7 17-78,9-16-184,-7 15-134,9-15-165,-3 6 61,4 1-347,2-7-138,1 19-84,2-18-201,1 21 71,0-19 85,0 10 45,0-12-98,0 0 440,0 1-86,0-1 321,0-1-265,0 1 383,0 9-90,0-7-90,0 14 90,0-19-1709,0 8 450,0-17 1214,12 2 0,-9-11 0,9-1 0</inkml:trace>
+  <inkml:trace contextRef="#ctx0" brushRef="#br0" timeOffset="27801">24277 3736 22830,'0'34'-6206,"0"-4"4257,0 2 885,0-1 515,0 1 214,0 6 31,0 0 76,15 0-2094,-11 16 2180,30-16 86,-16 20-530,4-30 492,3 4 31,-22-17-298,19-5 1145,-10-4 625,5-4 119,0-20 75,1-6 168,-2-13-777,5-13-75,-9 18 173,1-20-1405,-8 25-78,-1 3-597,-3 5-195,0 16 1086,2-8-185,0 11 1112,3 0 36,5 22-1762,2-17 1332,11 52-1444,-8-32 564,7 30-1802,2-6 284,-3-12 1635,-1-9 1,1-1 0,7-1 0,13 6 0</inkml:trace>
+  <inkml:trace contextRef="#ctx0" brushRef="#br0" timeOffset="28350">25193 3932 23009,'-20'-11'-3640,"14"2"-585,-29 5 5737,22 1-800,-5 21 150,9 6-1056,9 10-758,0 2-644,0-7 932,0 1 1208,17 15-2636,-12-10 608,13 9-773,0-15 1156,-13-2 1041,13-4 470,-7 4-1119,-8-13 346,8 4 724,-28-14 1798,12-22-2006,-30-2 699,31-20-727,-23 21 501,24-14-161,-7 13-624,10-6 531,21 3-890,10 8 3183,13 8-1967,-11-1 0,1 1 1509,13 4-1477,-3-2 1,0-1 1261,13 1-842,-10 0 1,0-1 694,7-2-1540,-10-4 0,-1-2-265,-7-2 239,12-17-389,-39 14-768,-2-9-512,-25 11-154,13-1-665,-30 7 1245,30 3-1775,-32 1 1842,14 3 336,-14 2 1152,16 16 901,-1 7-106,20 10-790,-7 3-1136,9-5 1063,0 3-1793,22 0-302,-17 2 638,22-12 1,2 0-1172,-5 10 607,9-8 0,3-3 1094,2 0 526,-5-9 1,1-3-1,5-3 1,13-4-1</inkml:trace>
+  <inkml:trace contextRef="#ctx0" brushRef="#br0" timeOffset="28655">26077 4003 22740,'-18'-12'-4813,"13"1"227,-12 2 5521,17 20-1653,17 7 232,1 24-700,16 4 753,-18-6-1876,10 10 1585,-16-24 1452,5 7-1119,-4-17 28,-9-1 176,2-25 1715,-22-21-1749,14-8 713,-14-11-604,18 17 840,0-1-68,0-2-567,0-13-35,21 13-1036,3-18 1377,2 28 336,17-3 693,-24 14-906,22 6 1,-11 4-1,1 3 1</inkml:trace>
+  <inkml:trace contextRef="#ctx0" brushRef="#br0" timeOffset="28998">26987 3852 23369,'0'-26'-4946,"0"2"2907,-17 11 1550,13 0-1302,-26 12 3495,14-3-836,-1 19 239,-9-11-917,22 28 101,-22-5 1130,13 9-935,-3 17 673,6-22-2116,10 13-195,23-5-969,-17-10-138,41 14 2190,-17-22-855,21 8 1011,-22-16 410,5-1 84,-31-5-1140,9-4 868,-4 0-2417,-26-2 2363,0-1 0,-21-12 0,1-3 0</inkml:trace>
+  <inkml:trace contextRef="#ctx0" brushRef="#br0" timeOffset="29649">23998 5327 23549,'-7'14'-2798,"2"7"1028,1-3 612,1 34-59,0-29 637,0 29-1022,1-11-93,0-9 1306,1 5 1,1-14-1,0-2 1</inkml:trace>
+  <inkml:trace contextRef="#ctx0" brushRef="#br0" timeOffset="29819">24093 5107 23279,'0'-22'-6565,"0"2"4346,0 6-734,0 4 2547,0 40 1,19-12 0,4 33 0</inkml:trace>
+  <inkml:trace contextRef="#ctx0" brushRef="#br0" timeOffset="30197">24825 5458 23099,'-62'0'630,"14"0"-630,-3 0 0,18 0 0,-12 17 1035,17-13-842,-10 25-112,27-15-285,-1 11-423,12-4-1059,20-9 643,5-5 476,25-7-142,-11-15 1126,18-10 99,-24-9-363,-7 7 1,-1-1 304,0-9 186,-9 3 1,-2-1 83,-5-6-801,0-12-1108,-9 21-1119,0 4 54,0 4 907,0 4 1,-14 9 698,10 18 828,-10 26 185,14 9-788,0 16-395,0-6-809,0 7-360,0 5 1935,9-31 1,1 1-1,-8-1 1,0 1 0,8 0-1,-1 0 1</inkml:trace>
+  <inkml:trace contextRef="#ctx0" brushRef="#br0" timeOffset="31199">23830 6924 23639,'0'-27'-5396,"0"3"3268,0 2 1063,0 4 427,0 4 932,0 5-509,0 25-13,16 33-1977,-13 3 2028,11-8 0,0 0-415,-11 3 468,9 12-259,-3-22-84,-7-3 337,7-6-366,-4 2 763,-4-13-56,8 0-156,-5-12 19,3-3 1118,-2-22-257,-1 15 669,1-38-791,1 24 150,0-23-609,2-6 511,-2 9-529,4-22-916,-5 30 410,3-11-901,-2 29 1599,0-3-313,3 15 1255,-2-2 497,8 22-2452,-5 7-537,8 25 77,-5-9-1224,3-6 1,2-2-264,5-1 2281,18 16 0,-12-32 0,4-1 1</inkml:trace>
+  <inkml:trace contextRef="#ctx0" brushRef="#br0" timeOffset="31581">24612 6971 22830,'-18'-14'-4625,"13"0"587,-12 4 4543,-3 1 92,15 4-672,-29 2 1287,17 2-346,0 15-676,-16 7 1391,21 20-374,-9-7-745,9 4-649,11-12 281,-2 9-1323,3-11-228,18 10-733,2-23 823,18 4 1615,-4-14 337,-14-11 851,7 6 344,-24-26-1782,19 4 1361,-15-8-349,3-11-1164,-4 21-373,-6-6-1015,0 11-580,0 24 272,0 7 1649,14 30-2146,1 6 507,2-6-299,11-5 697,-14-14 28,13-4 1560,-5-8 1,-1 3 0,2-5 0</inkml:trace>
+  <inkml:trace contextRef="#ctx0" brushRef="#br0" timeOffset="32419">24958 6943 22470,'0'37'-6026,"0"6"3898,0-8 1063,14 3-690,-10-12 1172,10-1-2,-14-1 923,9 3-2027,-7-11 1427,7 2-394,-4-33 1292,2-5 743,5-16-529,-2 3 256,2 7-303,-1 1 547,6-11-194,-4 13 396,9-12-1121,-13 24 381,4 0 248,-7 11 4,0 0-271,1 0-5,-2 18-2248,0-14 543,-1 32-280,3-11-855,-2 8 153,2-10-248,-5 3 309,2-22-274,3 27 1711,-1-27-106,9 12 471,-5-16 2012,10-18-100,-7-2-113,11-21-377,-11 21-306,5-12 258,-9 28 488,0-20-1193,-2 21 127,-1-7-1028,-1 4 571,0 5 882,2-5-505,2 6 6,8 17-2957,-2 0 1649,5 3-1569,-3 5 848,2-22 1181,0 21-2115,2-21 1842,0 17-1089,0-17 2872,9 11-666,-8-12 728,12 3 248,-17-5-1327,8 0 1484,-13 0-1567,0 0 1906,-5-15-2828,-5 2 373,17 8 937,0-1 217,18 18-1367,-9-12 424,10 0 180,-14 0-90,7 0 815,1-15 1100,-8 11-2131,13-26 228,-17 7 749,0-7-1009,-9-1-357,-6 9-84,-2 1-528,-2 0-856,-1 4 169,0 1 352,-18 5 735,-1 4 582,-15 3 1080,16 19 384,-6-11 375,21 32-1524,-8-16 930,11 19-920,0-5-1026,0 2-1347,21 1 2098,0-9 0,2-2 0,4-5 0,2-1 0,5 6 0,1 0 0</inkml:trace>
+  <inkml:trace contextRef="#ctx0" brushRef="#br0" timeOffset="33048">23915 8640 21840,'41'0'90,"13"0"-90,-22-18 947,12 14-816,-16-28-498,-1 28 748,4-38-651,-12 26 363,3-35-562,-17 25-626,-1-8-314,-4 3-297,-25 8 720,-2-6-816,-2 17 1416,-28 2-38,35 8 1084,-39 18 1032,34 10-301,-3 9 72,12 22-1004,10-19-261,3-3 1,4-1-1008,19 6-1972,-13 12 100,37-20-362,-21-3 2758,23-3 0,-6-6 1,2-1-1</inkml:trace>
+  <inkml:trace contextRef="#ctx0" brushRef="#br0" timeOffset="33598">24520 8547 23009,'0'10'-6115,"0"6"3986,0 24 1065,0-8 425,0-1 214,0-11 211,13-1-252,-9-1-1389,9-5 1870,-6-4-209,1-5 916,1-19 295,4 11 1133,-1-42-1665,3 26 988,2-26-439,-5 16-347,0 4 319,-1-1-1149,1 0-66,-4 13-720,3-6 1441,-6 18 602,2-3-66,-5 25-2052,3-15 298,-2 36-151,1-24-472,-1 19 137,5 3-195,-4-11-985,5 14 307,-3-28 1560,2 10-305,0-22 2043,1 5-542,5-24 790,-3 12 1224,13-47-1579,-8 29-412,-1-10 0,0-1 717,3-1 187,11-21-1812,-14 28 964,3-6-983,-5 18-599,-4 3 1363,4 6 592,-5 4 269,1 20-2788,-2-13 900,-2 31-843,3-30 981,0 47-1301,2-31-206,7 40-1377,-3-30-404,8 6 2807,-2-13-510,5-3 1574,3-5 1,5-3 0,2-4 0</inkml:trace>
+  <inkml:trace contextRef="#ctx0" brushRef="#br0" timeOffset="34117">25570 8522 23729,'-50'-11'-1051,"-2"2"750,5 9 797,19 14 790,-10-10-992,34 26-1725,-20-26 1838,22 30-1889,-6-8 1005,8 8-707,22 8-1019,-17-21 1069,29-4 0,6-3 309,-13-5 1178,15-2 1,2-3-933,-8-4 2061,22-16 34,-28-4 420,4 0 598,-19-15-1682,-3 31 667,-7-33-2208,-1 18-444,-4-12-464,0 8-527,0 27 188,0 10-82,0 24 1187,0 1-1375,0-5 1922,19 0-494,0-15 816,19-4 857,-10-7 148,-1-8 553,1-16 451,-8 12 33,12-30-584,-15 11 923,6-18-1366,-13 17-1251,-1-7-268,-6 21-493,-2 15-1472,0 10 346,-1 29 139,0-11-1415,0 8 1370,18-26 1863,0 13 0,3-25 0,-8 7 1</inkml:trace>
+  <inkml:trace contextRef="#ctx0" brushRef="#br0" timeOffset="34265">26173 8317 23459,'-15'-17'-6555,"2"2"4033,13 4 744,0 4 1632,0 22 1,0 7 0,0 18 0</inkml:trace>
+  <inkml:trace contextRef="#ctx0" brushRef="#br0" timeOffset="34565">26620 8733 22830,'20'0'539,"0"0"-269,-2-21-249,10-8-45,-8-11-34,-2 10 1,0 0-289,2-10 170,-4 3 1,0-1-594,-3-9-106,2-17 386,-12 29 0,-2 1-690,1-18 881,0 6 1,-4 1-482,-18-7 165,19 11 1,-3 2-453,-36-1 388,35-4-86,-15 25 513,7 9 571,10 32-178,-4 11 0,0 5-148,6-2 0,2 2-358,-2 14 1,2 0-627,7-15 0,1-3-158,-8 2 1,2 0 1111,14 0 1,1 0-1,-15 0 1,-2-1-1,8 0 1,1 0-1</inkml:trace>
+  <inkml:trace contextRef="#ctx0" brushRef="#br0" timeOffset="35387">24023 10024 23459,'0'18'-6026,"-17"-2"8133,13 28-3847,-13-6 1782,0 6-288,13 5-406,-13 2 471,4 1-863,10-2 1167,-10-2-1205,13 8 891,0-17-354,0 9-175,0-28 460,0-2-375,0-30 173,0-15 339,0-15-383,8-7 824,-5 3-213,4 8 1,0-1 242,-6-25-276,7 6 0,0-1 55,-4 23 1,0 1-23,5-12 1,0 2 307,6-14 51,1 5-308,1 7 327,8-2 88,-6 18 713,8 3 148,-13 20 707,3 21-2123,-9-9 139,-2 31-978,-4-8 18,-2 7-113,0 12-241,-16-20-821,12 17-820,-24-21 3314,25 5-569,-10-6 1,13-8-1,0 2 1</inkml:trace>
+  <inkml:trace contextRef="#ctx0" brushRef="#br0" timeOffset="35753">24605 9959 24539,'-27'13'2903,"-17"-10"-3302,39 24-2501,-41-23 3330,40 27-1893,-39-17 2434,24 26-1574,-4-14 533,9 5-1229,9-10 271,6-3 810,-6-1-707,26 4 466,-14-9-2445,34 1 2915,-9-10-128,21-1 662,-8-19 1154,-6 12-52,-7-29-881,-15 10 381,11-18 759,-19 8-2420,4-6-441,-7 17-255,-4 24-1112,0 18 500,0 21-126,0 0-548,0-8 135,0-1 2130,17 9 0,-12-12 0,13 6 1</inkml:trace>
+  <inkml:trace contextRef="#ctx0" brushRef="#br0" timeOffset="36048">25103 9992 23369,'-37'-24'-3805,"16"9"1966,-13-4 1455,14 15 1086,-12 1-11,14 17 357,7 7-1266,11 19-1289,0 8 1042,21-8-445,4 12-309,1-22-82,14 17-74,-19-23-352,3 4 691,1-11 1582,-23-7-1042,7-1 411,-27-7 694,-1-16-1270,-16 10 738,17-28 1,5 28-1,13-13 1</inkml:trace>
+  <inkml:trace contextRef="#ctx0" brushRef="#br0" timeOffset="36371">25388 10001 23549,'0'16'-6385,"14"0"3757,-11 26 1442,27-13 774,-26 3-280,12-8 140,-6-1-267,-8 1-976,14-2 1570,-6 8-234,3-10 231,3 12-381,-7-18 497,3 6 1,-3-8 660,-1 0-733,2 0 259,2 4 446,-2-5-284,4 4 114,-7-8-288,-2-1 1,-3-4 0,-2 0 0</inkml:trace>
+  <inkml:trace contextRef="#ctx0" brushRef="#br0" timeOffset="36815">25585 9962 22920,'-17'-2'-88,"-2"1"85,-2 1 40,0 0 82,1 0-40,0 0-23,1 0 77,1 13-30,-4 4 232,9 1-480,0 21-782,10-23-297,2 21-333,19-14-195,-13-2-149,30 0 569,-30 1-841,31-2 1513,-32-1-313,32 6 1088,-20-8 20,4 8-22,-8-14 426,-12 1-1087,0-5 1037,0 0-1111,-23-2 3089,-6 0-881,0-1-1881,-34 0 742,35-2 0,-24-2 1,21 0-1</inkml:trace>
+  <inkml:trace contextRef="#ctx0" brushRef="#br0" timeOffset="37135">25968 9917 23009,'0'14'-5126,"0"7"2998,0 13 1063,20 2-343,-15-7 574,15 2 357,-3 1-89,-12 0-1287,23 0 1784,-25-1-110,19-1-1053,-13-4 1287,17 7 0,-8-12 0,4 5 0</inkml:trace>
+  <inkml:trace contextRef="#ctx0" brushRef="#br0" timeOffset="37367">26383 9857 23909,'-18'20'-550,"-13"-15"1615,27 36-3970,-22-24 4002,14 34-2411,1-18 670,-7 24 64,11-26-688,-6 16-91,6-26-609,3 4 711,1-14 607,1-6 1,1-18-1,0-8 1</inkml:trace>
+  <inkml:trace contextRef="#ctx0" brushRef="#br0" timeOffset="37531">26343 9825 22290,'7'-4'2585,"1"1"-1316,8 21-5366,-3-14 3351,6 51-1926,-5-30 963,4 32 301,-3-23-836,0 3-617,0-2-987,1 0 2372,1-2 1158,1-3 0,1-4 1,1-3-1</inkml:trace>
+  <inkml:trace contextRef="#ctx0" brushRef="#br0" timeOffset="37715">26962 9950 23369,'-18'-4'-1502,"-4"1"1224,0 24 765,-15-16 310,32 35-2491,-44-9 2363,33 8-1821,-4-11 1,0-1 909,9 3 0,2 8 1,9-14-1</inkml:trace>
+  <inkml:trace contextRef="#ctx0" brushRef="#br0" timeOffset="38021">27220 9960 23549,'-26'-9'-2070,"-12"2"2016,16 3 160,-19 3 417,18 15 332,-10-11-355,19 28-1142,-4-6 223,4 9 305,12 2-1066,-2-8 281,4-3-637,0 1-493,23-4 332,-17 0 342,53 0 1081,-37-11 398,10-4 0,2-2 1127,-2-5 2,6 2 157,-23-15 295,7 9 10,-19-26-1005,9 5-602,-12-9-1702,0-14-256,-25 18-1532,0-18 3010,-5 22 1,-8-4 0,15 12-1</inkml:trace>
+  <inkml:trace contextRef="#ctx0" brushRef="#br0" timeOffset="38355">27458 9904 22920,'0'10'-6386,"0"7"4257,14 17-383,-10 0 1839,10-8-170,-14-1 810,0 0 9,0-3-1393,0 6 2227,0-10-810,0 1 814,0-28-702,0-16 387,0-13-499,21-8 402,-15-13-942,38 12 268,-35 7 1,-1 0 459,17-5 1,-2-9 0,-9 22 0</inkml:trace>
+  <inkml:trace contextRef="#ctx0" brushRef="#br0" timeOffset="38815">28053 9896 23459,'0'-34'-5486,"-17"16"3285,13-11 487,-28 26 3421,8-18-2109,-16 19 1579,14 10 383,-10-4-1265,25 32 309,-6-18 884,3 21-552,13-5-2238,-5 1 1488,6 1-1789,17 13-1239,12-15 1974,-4-9 1,4-3 500,20-7 150,-13-5 1,-1-2 722,9-7 1053,13-12-1,-21 7 329,-1-32 245,-7 16-1406,-9-8 1,-3-3-116,6-12-671,-7 3 1,-4-1-558,-2-12 109,-5 17 1,-2 0-513,-2-16-148,0 2 228,0 1-310,-17 5-414,12 6 620,-13 6 127,4 2 54,10 13 299,-11 28 2384,15 7-1820,0 29 0,0-6 132,8-4 0,0 2-1681,-4 24-572,12-4 0,2 0 2135,-8-24 0,0-1 0,0 12 0,0 0 0,6 13 1</inkml:trace>
+  <inkml:trace contextRef="#ctx0" brushRef="#br0" timeOffset="43331">23848 11762 22470,'0'-10'-5486,"0"1"3627,0 2 1155,0 0-25,0 1 393,0 2 32,0 0 76,0 2-649,-12 0 2437,9 17-1153,-10 8 680,13 9-1087,0 5 0,0-4 0,0 7 90,0 3-90,0 3-1380,0 4 973,0-2-590,0 2 997,0-3 0,-14-3 514,10-5-249,-10-4 486,2-6 90,10-3-258,-20 0 787,20-10-987,-14-3 1268,11-9-413,-2-24-1971,3-11-343,4-12 325,0-6 438,20-11-451,4 10 49,-1 8 0,3 1-1094,15-6 845,-19 18 1,0 0 1528,12-4 0,0 5 0,0 3 0</inkml:trace>
+  <inkml:trace contextRef="#ctx0" brushRef="#br0" timeOffset="43748">24187 12151 22650,'0'-24'-6386,"14"10"8476,-10-4-3299,24 16 2462,-24-15-2161,25 10 2187,-26-6-1849,32 2 1252,-20 2 1373,18-1-1438,-12 0 1196,0-1-1378,2-6 985,-6 3-1794,-2-5 1199,-8 5-1985,-4 0-461,-2-1-382,-1 1-220,0 1 141,-19 4 1263,-2 1 58,-21 4 909,2 24 1231,-1 28-247,6 3-764,23-10 1,4-1 26,-4 3-344,20-8 0,3 1-1344,-7 3-29,24-8 1,5-3-1246,-4 2 2271,3-11 0,3-3 1,11 2-1,1-2 1</inkml:trace>
+  <inkml:trace contextRef="#ctx0" brushRef="#br0" timeOffset="44951">24813 11982 23099,'15'42'-8825,"7"-5"6460,-20 0 1783,14-4-457,-14-1 958,10 2-622,-11-2 852,7 0-2333,-7-4 2879,2 8-319,-3-13-159,0 5 162,0-17-460,0-56 655,0 19-535,0-11 0,0-1 368,0 3-267,0-3 24,0 3-254,17-1 964,-13 4-618,13 4 720,0-1 75,-1 13 473,18 2 869,-8 26-1622,0 11-537,-7 10-1467,-3 18 378,-8-18-713,0 25 275,-6-26-388,0 16-592,-2-25 1502,0 3 806,0-14 324,0-4 240,0-34-186,0-5-171,0-19-85,16 7 611,-12 10-522,26 0 1164,-27-1-1220,25-10 843,-9 12 91,13-9 164,-8 24 842,-2 1-821,-8 12 970,0 2-1658,-1 2 1055,7 15-2365,-5 8-568,11 24-450,-12-5 460,-3-9 1,-1 0-1263,-1 9-86,3 16 435,-6-17-166,0-2 261,0 1 2028,6 12 0,-3-16 0,6 10 0</inkml:trace>
+  <inkml:trace contextRef="#ctx0" brushRef="#br0" timeOffset="45339">25742 12218 22200,'39'13'-2516,"2"-2"2217,-4-11 1498,-1-18 270,-10 2-793,-11-20-1522,-9 4-162,-6 3-228,-19 4 129,15 9-616,-35-2 873,21 6-795,-17 2 689,9 24 2283,13 14-714,-3 24-108,14-5-118,-5 18 254,30-25-2529,-11-8 0,1-1 1764,14 3 0,17 6 0,-14-17 0</inkml:trace>
+  <inkml:trace contextRef="#ctx0" brushRef="#br0" timeOffset="45931">26185 12196 22020,'0'32'-6026,"18"7"2308,-14-8 2521,25 4 714,-26-9 56,18 0 246,-10 8-348,2-9-1533,1 11 1355,-12-21 1040,8 3-675,-9-29 546,3-6 321,-4-16-425,0-1 483,0 3-28,0-1 152,0-3-500,0-16 322,17 12 33,-13-18-734,26 30 1876,-27-3-1319,10 18 1433,-1 6 599,-1 4-515,11 25-1792,-4 5-1296,-5 13 445,1 12-1388,-7-20 1525,3 28-1260,-5-34-441,0 12 26,-1-26 1674,-1-6 279,-1-2 242,4-22 1258,0 13 1030,5-33-1341,-1 20 564,4-19-526,1 5 660,2 0 145,2-3-37,1 3-1312,8-10-912,-6 13 2130,11-7-1179,-13 24 1212,7 1-130,-12 10-893,1 22-1918,-6-16 779,-2 42-826,0-25-698,0 42 373,-4-21-1624,2 15-854,-3-17 3717,3-1 1,0-2 0,1 0 0</inkml:trace>
+  <inkml:trace contextRef="#ctx0" brushRef="#br0" timeOffset="46816">27102 11719 23549,'-5'-15'-8652,"0"1"5346,1 4 2274,0 2 686,0 4 1185,3 19-500,0 16-155,1 11-1690,17 9 1474,-13-6 490,12 4-392,-8-13 1,0 1 165,7 18-384,-7-9 1,3-2-496,10 5 368,-19-12 0,-1 0 210,16 0 120,-16 13 69,8-26-274,-8-1-483,2-12 380,-21-45 162,14 13 194,-14-38-693,18 22 1321,0-3-759,0-1 826,0-15-730,24 17 1454,5-15-121,25 37 1196,-13 0 356,-2 17-1352,-13 16-1072,-1-12 838,-4 38-1995,1-20-402,-6 42-313,0-21 11,-12-7 1,-1 0-1006,2 6 503,-26 21 1958,15-32-1153,-32 6 2424,13-13-435,3-8 688,-15-4 809,20-8-272,-3-24-1868,8-4-1439,29-21 1539,6 12-713,0-4-176,29 14 861,-30 6-885,40 8 440,-30 9 1585,9 0 643,-12 0-1316,-2 0-434,1 0 106,-3 12-2108,1-9 1308,-3 10-991,-1-13 1627,-3 0-180,-2 0-180,2 0 0,-6 0-90,2-15 1159,-12-4-1803,0-19 358,-3 7-500,-17-8-1363,12 17 159,-27-3 670,29 9-523,-22 8 1435,23 25 435,-9 28 351,11 5-288,0 10 642,0-23-248,0-1-1390,19-2-228,-15-1-1199,31-5 2370,-31-2 1,30-6 0,-11-2 0</inkml:trace>
+  <inkml:trace contextRef="#ctx0" brushRef="#br0" timeOffset="47131">28060 12184 22200,'5'0'90,"2"0"-90,-1 15-4664,0-11 4284,5 40-1481,-5-25 482,4 41 538,-8-29-907,2 11-19,-2-6 49,-2-11 2680,3 7-1286,-3-21 662,3 3-161,-1-13 907,2 2-831,0-16 485,2 9 1431,4-29-1559,0 15 552,5-20-285,1 3-290,-2 5 0,0-1-476,9-18 265,-3 6 0,1 0-51,5-6-1455,-5 11 1,1 2 728,2 1 524,7-1 1,-13 23 0,-1 5 0</inkml:trace>
+  <inkml:trace contextRef="#ctx0" brushRef="#br0" timeOffset="47499">28870 12460 26697,'34'0'-1439,"4"-9"1244,-7 6-1266,5-6 575,-7 9 812,0 0 0,1 0 0,1 0 0</inkml:trace>
+  <inkml:trace contextRef="#ctx0" brushRef="#br0" timeOffset="47785">29662 11824 23549,'14'-28'-2354,"-1"2"1358,-3 4 436,-1 5 509,-2 3 944,-2 6-605,1 2 923,-1 5-587,-2 26-1637,0-5 8,-3 26 108,0 17 113,0-9 258,0-5 0,0 2-590,0 10 307,0-22 1,0 0-1411,0 12 2404,0-3-64,0-3-31,0-4-270,0-4-990,0-4-898,0 6 1258,0-14 810,0 7 0,0-20 0,0 0 0</inkml:trace>
+  <inkml:trace contextRef="#ctx0" brushRef="#br0" timeOffset="47933">29467 12231 23909,'0'-22'-6296,"0"4"4078,0 1 1154,29 3 4006,-22 2-2638,52 2 961,-34 6-1163,10 2 1,3 1-1148,9 1 1207,-6 7 0,0 4 1,9 11-1,-19-2 1,1 0-1</inkml:trace>
+  <inkml:trace contextRef="#ctx0" brushRef="#br0" timeOffset="48232">30368 12263 24629,'0'-24'-6386,"-17"10"5040,-6 6 1862,-13 8 927,4 20 9,16 6-1351,5 11-624,11-2-1073,0-11 1596,0-1-294,20 6-910,7-15 370,11 11-663,15-23 1943,-18 7 99,22-9 1051,-26-19 291,12-9 69,-29-10-949,2-4-1155,-16 9-678,0-2-1226,0 0 253,-21 0-1035,16 2-708,-36 4 3098,36 3 0,-33 6 0,16 2 0</inkml:trace>
+  <inkml:trace contextRef="#ctx0" brushRef="#br0" timeOffset="48505">30908 11708 25258,'0'-13'-6385,"0"4"4796,0 2 974,0 20-203,0 19 482,0 10 184,0-2 0,0 1-166,0 17-435,0-6 0,0 1 573,0 11-135,0-13 0,0-1-1124,0 6-90,0 8-180,0-27 1525,0-6 1,20-6 0,5-3 0</inkml:trace>
+  <inkml:trace contextRef="#ctx0" brushRef="#br0" timeOffset="48731">31253 11912 25438,'0'-10'-6116,"0"1"4348,-19 5 3027,-6 1-140,1 18 386,-13-11-690,15 49-1083,-7-29 38,10 19 0,4 3 830,4-3-1281,3-2 0,2-1-1274,6-4-1773,23 18 3181,-18-27 1,37 3 0,-17-13 0</inkml:trace>
+  <inkml:trace contextRef="#ctx0" brushRef="#br0" timeOffset="49035">31298 12274 23729,'0'-13'-6385,"0"1"4256,24 5 5403,-18 1-2449,36 3 206,-17-3 15,-2 4-524,32-4-318,-46 3 1757,37-4-127,-37 0-2156,4-10 145,-6 3-714,-7-7-1029,0 3 465,0 0-166,-19 0-465,15-4-437,-31 6 1414,32 0-584,-22 10 1956,23 19 67,-7 10 378,9 12-618,0 2-234,0-5 474,15 2-2723,-11-1 2328,31 14 0,-30-14 1,16 10-1</inkml:trace>
+  <inkml:trace contextRef="#ctx0" brushRef="#br0" timeOffset="49398">31965 12190 24179,'5'0'-90,"1"0"180,-1 0-180,3 19-3446,-2-15 2426,3 31-599,-2-11 320,1 7-553,1 9-119,-3-18-72,1 4 142,-2-16 2092,-2 4-951,3-8 1356,-3 3-630,6-20 2038,-3 7 561,18-51-1217,-8 29-346,3-11 1,0-3 1082,1 1-951,0 6 0,-1 1 1,2-3 984,12-15-1826,-16 28-952,1 2 1377,-5 15 696,-4 5-704,5 37-2342,-5-11-134,2 35-3509,-3 4 5107,-2-12 0,-4-17 0,0 0 1,-2 16-1</inkml:trace>
+  <inkml:trace contextRef="#ctx0" brushRef="#br0" timeOffset="52464">23840 13947 22560,'0'-4'-5756,"0"-1"3717,0 2 1245,0-1 245,-10 1 1656,8-1-2044,-8 1 1744,10-1-2133,0 3 1776,-5-1 509,2 1 284,-3 0 162,4 19-2143,2 13 1416,0 5-1780,0 7 1102,0-15 90,0 2-870,0-1-373,0 8-252,0-9 1309,0 14 49,0-20 47,0 5-90,0-12 180,0-1-90,0-3 270,0-1 0,0-3-360,0-22 0,0-24 180,0-6-155,-2 7 1,4-1 238,17-7 145,-9 5 1,1-1 83,12-8-5,3 9 0,0 1 178,-3-5-587,2 18 0,3 2-1056,19-15 1565,-12 15 1,13-2-1,-16 15 1</inkml:trace>
+  <inkml:trace contextRef="#ctx0" brushRef="#br0" timeOffset="52848">24252 14210 22920,'21'-15'1193,"-1"-8"-2075,21 11 2159,-23-9-1708,12 4 1096,-27 2-2178,18-1 1824,-19-1-1694,5-1 431,-7-1 144,0-8-1173,0 8 467,0-4-535,-16 11 1986,12 2-2149,-32 3 3248,17 4-462,-15 22 1622,17 9-1235,5 30-563,12-10-379,-2-12 1,4-1-562,17 6 618,-14 13-2580,38-18 247,-23-5-1815,23-1 3934,-7-4 1,2-4-1,1-2 1</inkml:trace>
+  <inkml:trace contextRef="#ctx0" brushRef="#br0" timeOffset="54648">24895 14091 22470,'6'-9'-1787,"-2"-2"274,0 2 965,-1 2 86,-1 4 727,3 40-1728,-2-28 902,0 25 1,-1 2-1175,1-18 396,2 25 379,-3-23-45,1-3-136,-1 1-180,0-10 1110,0 6 216,0-11-187,-1 2-50,-1-21 465,1-5 34,-1-22 3,18 9 849,-14-15-306,33 19 1002,-19-17-775,5 21 1093,21-10-244,-30 24 274,31-1 195,-30 13-1524,7 19-754,-12 5-2517,1 12 1230,-6-2-593,-1-6-144,-1-2 74,-2 0-422,-1-4 769,1-2 1642,-1-1 767,1-5-612,1-19 333,3-12 496,0-2-562,3-18 31,8 5 326,-2-9-271,14-13 306,-9 23 353,13-15-395,-13 26 44,4-2 397,0 17 256,-6 1-447,10 26-1526,-12-17 474,9 56-1893,-10-34 16,3 33-1112,-7-21-907,2 0-987,0 0 4111,3-1 0,0-1 0,0-1 0</inkml:trace>
+  <inkml:trace contextRef="#ctx0" brushRef="#br0" timeOffset="55014">25820 14248 23639,'0'-13'-6116,"0"1"3988,0-1 974,0 5 605,17-8 2279,-13 8-1222,28-4 1225,-8 5-1172,7-2 1661,15 2-399,-19 1 249,16-4-15,-21 3-1603,6-8 648,-16 3-1881,-3-14-679,-6 8-356,-3-7 261,-18-2-370,13 8-419,-33-8 582,33 15-637,-26 1 1757,18 7 989,0 25 446,3 7-46,10 13-538,0-1 164,23 5-1332,-17-11-187,12-5 1,5 0-1434,6 1 2390,9 8 0,4-17 0,-11-1 0</inkml:trace>
+  <inkml:trace contextRef="#ctx0" brushRef="#br0" timeOffset="55648">26343 13876 23369,'0'-15'-6385,"0"1"4256,0 31 1065,0 9 515,14 18-679,-10 2 868,10-9-469,-4 2-1238,-8 1 1949,8 0-346,-10-2 464,5 13-200,-4-15 823,8 15-811,-8-27 1451,3 4-1138,-4-17-7,0-20 347,3 7 1303,-2-33-1486,4 19 410,0-19-206,1 5 105,8-16 223,-3 11-295,7-10 202,2 7-1525,-3 11 1801,11-5-197,-13 22 872,10 1 153,-13 9-788,5 0 41,-7 20-2349,0-15 1091,-1 35-1332,-2-23-544,0 19-250,-3-10-216,0 1 642,-2-2 98,0-1 2330,-1 2-1354,-1-6 1238,0-21 292,0-14-329,18-32 672,-14 6-570,27-18 528,-14 23-72,-1-9-172,14 16 1060,-27 4-1173,26 4 1266,-20 7-1446,12 3 1628,-8 6-807,7 3-333,-5 18-1622,10 10-933,-10 10 597,6 21-1720,-9-20 732,2 15-3493,-2-2 1332,-2-15 3519,2 9 0,-3-21 0,0-1 1</inkml:trace>
+  <inkml:trace contextRef="#ctx0" brushRef="#br0" timeOffset="56417">27247 13704 23099,'3'-21'-5165,"3"3"4122,-3 9 584,1 4 1534,0 4 863,0 1-1416,2 23-2221,3 10-289,-2 13 1641,-3-12 0,0 0-471,3 12 45,-2 13-844,-2-18-824,0-1 609,-2-3 2256,2-1-22,0-6-417,0-1 305,0 1-147,-2-10-153,-1 0 84,0-29-18,0-22 103,0-6-119,0 3 0,0 1 252,0-7-293,-2 4 1,4 0 308,20-6 131,-12 9 0,1 1 304,15 0 575,8-3 184,-12 21 462,17 6 14,-10 5-38,-3 27-1992,-4 6-984,-7 13-195,1-2-903,-8-8 243,-2-2-395,-2 1 16,-2 9 378,0-13 1742,-19 13 1141,13-23 96,-28 4 1534,28-13-1258,-24-3 1023,18-4-234,-3-17-2178,6 2-347,23-5 1077,3 8 1036,18 10-2039,1 0 1011,4 0-1179,-7 0 292,11 14 1229,-17-11 786,20 11-2222,-20-14-198,8 0 580,-11 0 0,-4-14 359,1 10-58,1-24 25,-9 6-459,2-17-142,-13 7-874,-1-11 47,-3 20-314,0-8-449,-17 12 55,12 2-136,-13 2 876,18 4 372,-12 5 1103,10 21-82,-10 11 439,12 12-762,0 15 2,0-19-400,0 28-933,15-28 1150,0 20 1,4-27 0,-8 5 0</inkml:trace>
+  <inkml:trace contextRef="#ctx0" brushRef="#br0" timeOffset="56731">28140 13896 23189,'4'-16'-4291,"1"3"3268,1 2 1130,0 5 774,2 3 771,0 1-939,1 2-378,0 16-2463,1-12 2554,-1 31-1663,1-18-37,-3 19-600,3 6-882,-4-9 532,3 21 317,-5-25 2050,0 4-1020,-1-11 1556,-1-9-405,1-2-567,0-8 468,0-3 1759,0-17-1193,4-9 33,0-10-278,5-5 213,5-7-507,-3 8-372,-2 8 0,1 1 468,2-3 1,5-5 0,-5 17-1</inkml:trace>
+  <inkml:trace contextRef="#ctx0" brushRef="#br0" timeOffset="57148">28717 14119 23729,'0'-30'-6385,"0"3"4256,20 13 4869,-14-3-3168,31 16 1582,-33-11-1515,31 11 1107,-11-7-126,10 7 1021,-2-2 54,-10 3-2271,-4-2 1500,-1 1-1070,-4-4 1666,-6 2-1241,3-9-1105,-9 2-601,4-14 4,-5 8-173,0-8-205,-17 1-173,12 5-848,-24-7 778,27 14 208,-10-1 1649,12 32-175,0 15 362,0 8 0,14 16-113,-11-28 275,11 8-1910,-2-13 463,-9 0 1176,20-1 0,-12-2 0,10-1 1</inkml:trace>
+  <inkml:trace contextRef="#ctx0" brushRef="#br0" timeOffset="58548">28733 14112 23729,'25'-21'2194,"-1"2"-1682,-5 7 212,1 1-291,-1 7-209,2-4 285,4 3-531,2 2 237,2 1-54,3 2-706,-2 0-1246,4 0 1,-3 0-42,3 17 1515,-1-12 1,-1 12-1,0-17 1</inkml:trace>
+  <inkml:trace contextRef="#ctx0" brushRef="#br0" timeOffset="59214">29535 13985 23909,'-10'-2'-1351,"2"1"1149,22-3 1706,8 2-1224,10 0-40,3 2-243,-4 0 1,4 0-88,2 0 562,2 0-103,1 0-871,0 16-362,0-12 425,-1 12-1493,13-5 1093,-14-8-286,14 15 175,-27-16 884,1 6-337,-17-28 844,-2-1-1079,-25-23-729,14 13 65,-14-2-396,-2 9 938,15-1-524,-36-21 237,35 18 114,-23-22 110,18 31 911,-8-5 71,4 15 896,-3 1-234,8 7 1016,-5 1-117,0 18-77,2 4-81,-9 22-232,10-8-466,-4 14-817,10-19-465,2 9-747,3-12-239,1 0 36,20 0 69,-14 0 51,38-2 1132,-23 0-19,8-10 1,4-1 417,10 9-349,-5-7 0,2-2-148,7 1 439,-8-6 1,0-1-1,2 0 1,12 0-1</inkml:trace>
+  <inkml:trace contextRef="#ctx0" brushRef="#br0" timeOffset="59548">30535 13813 24718,'2'-6'-3337,"1"1"2663,0 4 3108,0 1-1347,1 0-750,4 15-2709,1-12 2069,8 30-1908,-4-6 965,12 23-318,-7-8-1191,2-10 0,3-1-915,2 0 3296,14 12 0,-16-27 0,-1-1 0</inkml:trace>
+  <inkml:trace contextRef="#ctx0" brushRef="#br0" timeOffset="59753">30860 13661 24988,'0'-19'-6655,"-10"2"3329,8 6 1731,-8 4 2027,5 4 7,-1 2 761,-5 17-353,-13 17-1304,4 9 749,-10 11 0,-2 3-206,16-24 1,-1 1 62,-4 9 0,-2 6 1,4-6-1,7-9 0,1-2 1,-3 9-1,0 1 0</inkml:trace>
+  <inkml:trace contextRef="#ctx0" brushRef="#br0" timeOffset="60299">31367 13834 22110,'-16'37'-2559,"3"-1"1110,13-5-224,0 21 453,0-10 813,0-6 0,0 1-174,0 7 275,7-9 1,1-1-1730,-4 2 1038,11 7-315,-15-19 1312,9-6-413,-7-3 489,7-4-183,-9-5 283,0-1 262,0-21-240,-15 13 1581,11-33-2069,-11 4 161,1-12-199,11-7 212,-5 18 0,2 0-189,6-21 305,0 4 0,0-1-90,0-11-451,7 9 1,2 0 1053,-5-6-5,11 21 0,0 1 867,-11-5-961,29 4 1351,-29 8-1552,44 3 1934,-31 12-582,32 4 145,-27 26-1513,3-11 321,-13 34-1220,-4-18-1271,-3 19 1613,-3 10-1853,-1-12 567,-18 27 21,13-29 1092,-28 18-496,13-26 1982,0 3-414,-10-13 1,25-5 0,-9-1 0</inkml:trace>
+  <inkml:trace contextRef="#ctx0" brushRef="#br0" timeOffset="60514">31822 13806 22830,'4'16'-8478,"0"3"6036,-4 18 2001,0-9 177,0 10 88,0-15-40,0 6-2217,0-3 2034,0-7 0,0 2 0,0-10 0</inkml:trace>
+  <inkml:trace contextRef="#ctx0" brushRef="#br0" timeOffset="60680">31962 13366 23729,'9'-23'-4183,"-7"3"843,16 1 3909,-8 9 1,9 1 0,-2 7 0</inkml:trace>
+  <inkml:trace contextRef="#ctx0" brushRef="#br0" timeOffset="60997">32175 13541 22560,'0'50'-6116,"0"-9"3988,0 2 1063,0-10 427,0 2 212,0-2 212,0 1 166,0-2-1549,0-3 1597,0 9 0,0-13 810,0 7-1,0-17-629,16-3 111,-2-7 687,4-27 355,6-10-86,-21-14-1554,21-3 294,-16 11-1537,13-22 1688,-8 16 0,1-14 0,-4 21 0</inkml:trace>
+  <inkml:trace contextRef="#ctx0" brushRef="#br0" timeOffset="61303">32458 13854 22110,'7'12'-7438,"6"0"6580,-2-6 1585,10-3 627,-6-3 116,4 0-548,1-15 91,-4-2-991,8-17 1733,-11 7-916,2-21-802,-11 19-895,0-25-336,-4 27-403,-18-14-906,0 21 1056,-4-3 293,-8 15 1455,10 4 265,-14 27 1128,8 11-439,10 30-779,8-9-134,15-17 0,8-1-1879,26 7 822,-14-15 0,3-2-814,5-9 0,2-4 1500,-5 1 0,1-1 0,2-2 1,1-2-1,2 0 0,0 0 0</inkml:trace>
+  <inkml:trace contextRef="#ctx0" brushRef="#br0" timeOffset="80949">4040 6069 24988,'0'-15'-4406,"0"2"2637,0 3 2234,0 5-924,0 23 33,0 9 122,0 14 76,0 2-1458,0-6 1686,0 6 0,0 4-90,0 3-90,0 1-90,0 0-179,0 0-1,10 0-576,-7 0 388,7-2-487,-10 0 225,7-3-280,-5-1 387,4-4-240,-6-3 224,0-4 215,0-3 618,0-6 1,0-4 0,0-3 0</inkml:trace>
+  <inkml:trace contextRef="#ctx0" brushRef="#br0" timeOffset="81102">3843 6721 23009,'-2'-26'-6970,"-1"1"4765,3 2 1396,23-9 2264,-17 11-1420,50-13 1715,-33 19-1205,12 4 1,2 3-653,5 1 1692,18 2-276,-14 4-907,2 1 0,2 0 1,1 0-1</inkml:trace>
+  <inkml:trace contextRef="#ctx0" brushRef="#br0" timeOffset="81452">4798 6517 24718,'-25'14'2650,"-9"-10"-2550,30 24-3308,-28-25 3814,28 29-2267,-29-17 2715,21 28-1940,-6-17 259,10 17-1237,8-20-293,0 5 1540,21-5-1498,1-8 1390,25 4-1019,-14-13 2297,13-1-318,-19-5 990,15-17 1106,-21-5-646,5 1 449,-12-28-1602,-7 30 3,0-36-1545,-6 32-74,0-7-417,-1 39-1099,0 9 735,22 18-841,-17 1 1103,37-9 415,-25 0-820,19-2 2130,-4-2 0,2-5 1,3-3-1</inkml:trace>
+  <inkml:trace contextRef="#ctx0" brushRef="#br0" timeOffset="81730">5610 6521 24359,'-21'-17'-3952,"16"1"22,-30 8 5660,31-2-3719,-26 9 3565,14-3-952,-2 28 6,-3-18-254,19 38-623,-6-16 1333,29 8-2908,-16-1 2053,53-13-1057,-34 1 621,10-16 0,3-3 320,-1 7-1264,21-11 2744,-30 0-1006,5-19 1527,-23-2-1321,-2-22-1910,-7 11-101,-27 0-1802,-9 5 1264,-16 12 1644,0-6 0,10 20 0,-1-6 0</inkml:trace>
+  <inkml:trace contextRef="#ctx0" brushRef="#br0" timeOffset="81881">5102 7251 24988,'0'7'-1642,"0"0"1,0-5 0,0 0 0</inkml:trace>
+  <inkml:trace contextRef="#ctx0" brushRef="#br0" timeOffset="82383">6528 6329 23639,'-2'-12'-6012,"-3"2"2916,22 21 3755,-15 14-1218,32 14 187,-24-6 0,-3 1-100,14 15 179,-8-5 1,-4 1-1601,-7 12 1999,7-22 0,0 1 163,-7 28-833,11-19 250,-11 17 849,2-35-697,-4 5 564,0-41-1185,0-33 298,0-8-5,8 1 1,5 0 140,8-8 559,1 8 1,0-1 0,-1-5 0,-11 19 0,0 1 0</inkml:trace>
+  <inkml:trace contextRef="#ctx0" brushRef="#br0" timeOffset="82769">7382 6507 24359,'-44'0'1439,"-3"0"-1349,9 0 0,-14 0-90,23 0 0,-7 0 0,23 21-533,-9-16 990,19 46-1933,-10-33 1072,13 36-1282,19-28-244,-14 7-44,36-14 1008,-36-3-821,42-4 660,-13-5 2139,11-3-679,10-4 1264,-25-21 540,13-7 97,-23-11-2055,-7 4 1,-3 0 1208,-3-3-1578,-3 4 1,-2 0-719,-2 7-258,0-2-610,0 34-388,0 19-592,0 15 418,22 12 2147,7 8 0,14-13 0,-23-16 0,1-1 1</inkml:trace>
+  <inkml:trace contextRef="#ctx0" brushRef="#br0" timeOffset="83137">8283 6704 23819,'0'-39'-5666,"17"-4"5594,-12 11-974,28-4 2470,-29 8-2138,12 0 1256,0-2-29,-12-14-1666,11 9 2319,-15-11-1364,0 0 303,0 13-1496,0-13 1113,0 24-584,-14 1-168,10 30 1620,-11 17-842,15 31-377,18-1-452,-17-12 0,2-1 200,16-15 0,-1-1 75,-15 10 0,-1-1-662,30 15 1372,-29-1 1,20 0 0,-10-1 0</inkml:trace>
+  <inkml:trace contextRef="#ctx0" brushRef="#br0" timeOffset="83281">8323 7102 25168,'10'-18'-2242,"14"-1"2275,22-3-306,9-11 514,-3 18 0,4-15 0,5 7 0</inkml:trace>
+  <inkml:trace contextRef="#ctx0" brushRef="#br0" timeOffset="85081">10160 6403 24089,'0'-9'-5036,"0"0"2997,0 1 1245,0 2 155,0 1 213,0 3 212,-19 0 1531,1 2-1384,-21 21 2150,6 5-316,13 13-852,-8-1 334,25-8-1057,-15 1 846,16 13-2418,-5-12 170,7 16-873,22-25 220,-17 4 551,33-16 984,-18-6 1251,20-2-518,-19-24 1027,24-13 76,-29-12-1112,8-1 0,1 0 470,-5-9-363,-3-3 1,-2-1-1037,-4-2 212,-4 6 1,-2 0-944,-1-11 644,-3 24 0,0 0-719,-1-13 817,0 4-338,0 8 699,0-1 492,0 20-534,0 30 23,0 15 94,0 35 47,0-6 39,0 10 0,0 5 52,-1-30 0,2 2-226,6 14 0,0 0-11,-6-12 0,2 0-502,9 21 0,3-2-440,1 4 492,-9-25 1,2-2-784,16 6 124,-22-7 119,16-5 163,-17-6-130,5-6 1123,-7-5 1,0-4 0,0-2-1</inkml:trace>
+  <inkml:trace contextRef="#ctx0" brushRef="#br0" timeOffset="85236">10023 6382 23009,'-12'-18'-6715,"4"1"3583,3-5 1990,5 7 947,43-9 2843,-11 13-1867,15 3 0,4 2-583,12 1-540,-19 3 1,0 0 808,-9 2 0,-2 0-146,2 0 0,1 0 0,-1 0 0,0 0 0,0 0 1,1 0-1</inkml:trace>
+  <inkml:trace contextRef="#ctx0" brushRef="#br0" timeOffset="85554">11165 6410 24539,'-44'3'1911,"19"1"-1208,-16 2-449,10 6 615,-11-1-663,-7 13 176,23-6-428,4 8-185,6-5-242,14 3-1380,-5 0 469,7 12-934,22-9-108,10 15-143,10-21 1183,3 2 614,-10-15 389,2-3 1487,1-4-149,-3-1 462,-1 0 320,-5-23 227,5-4-819,-12-15-984,-3-11-607,-13 18-486,-6-11-600,0 14-334,-23 2-273,17 3-1269,-35-3 956,20 11 2301,-2 1 0,7 13 0,16 2 0</inkml:trace>
+  <inkml:trace contextRef="#ctx0" brushRef="#br0" timeOffset="86147">11687 6427 24629,'-39'0'1169,"-1"0"-1169,-2 0 0,5 0 90,16 19-99,1 4-171,18 10-1477,-6-2 435,8 2-554,21-10-606,-1 15-94,5-20 507,8 3 437,-9-11 829,16-5 1855,-9-2-216,-5-20 993,-10 13 369,-2-33-1028,-1 32 875,2-49-1915,-5 33 280,3-37-1443,-8 33 801,1-6-1245,-4 21-279,2 0 1847,-1 10-725,5 23-550,-4 5-106,9 28 357,-7-11 78,9 14-85,-6-25-155,2 7-474,0-12-709,-3-9 2122,3-1-185,-4-14 933,5-2 727,-2-25-184,3 16 1589,-2-42-1886,2 25 642,-1-23-385,8-12-11,-6 13-1013,-1 7 0,-1 1-410,2-5 1217,7-14-2152,-8 31 1835,1 4-390,-4 14 1254,-1 7-577,0 0 31,6 14-1524,-4 10-828,7 23-113,-9-5-387,3 4-405,-5-11-937,0 0 183,0-1-1643,2 14 4592,-2-11 0,-3 9 0,-2-15 0</inkml:trace>
+  <inkml:trace contextRef="#ctx0" brushRef="#br0" timeOffset="86331">11360 7231 25348,'16'3'-152,"5"0"1,22-17 0,2-3 0</inkml:trace>
+  <inkml:trace contextRef="#ctx0" brushRef="#br0" timeOffset="86806">13400 5850 25978,'0'-21'-5306,"0"3"3627,0 5 974,0 6 67,0 20 302,0 5-58,0 23-14,0 22-1458,0-6 1596,0-19 0,0 3-482,-1 5 0,2-1 66,6-10 1,1 0-717,-6 24 1,0-1 1350,5-24 1,0-2 0,-1 9-1,-1-1 1,8 12 0</inkml:trace>
+  <inkml:trace contextRef="#ctx0" brushRef="#br0" timeOffset="86965">13273 6429 23549,'0'-27'-6295,"17"0"7168,-12 6-1936,36-1 3119,-20 2-1370,24 3 8,-8 4-601,3 4-1091,2 4 1418,0 2 0,2 3 1,-1 0-1</inkml:trace>
+  <inkml:trace contextRef="#ctx0" brushRef="#br0" timeOffset="87252">14075 6325 25168,'-47'0'1349,"-2"0"-1259,25 14 895,-21-10-733,40 27-2155,-36-27 2253,36 35-1570,-25-23 1626,27 20-1830,-10-1 501,13-9-1121,20 14-360,-15-21 1542,40 2-122,-24-15 1675,21-2-1269,-10-4 1912,12 0-411,-12-18 1047,15-7 621,-32-11-1824,11-16-941,-24 18-1176,6-11-476,-8 15-580,-20 2-621,15 2 2503,-32-2 1,21 7-1,-16-4 1</inkml:trace>
+  <inkml:trace contextRef="#ctx0" brushRef="#br0" timeOffset="87514">14537 5945 25888,'0'-10'-5396,"0"2"4167,0 2 254,-13 26 2071,10 38-1668,-10 2 408,12-18 1,2 0-408,-1 14-1385,0 3 1506,0 0-269,0 1-271,0-2-1083,0-3 659,10-20 1,0-1 1251,-6 13 1,16 9 0,-20-24 0</inkml:trace>
+  <inkml:trace contextRef="#ctx0" brushRef="#br0" timeOffset="87697">14685 6227 25798,'-21'-21'-5573,"4"4"3687,6 2 35,0 8 2073,-2 26 349,0 17-1364,12 15-579,-4-15 1,4 0-1691,21 9 2922,-15 14 0,38-23 0,-15 0 0</inkml:trace>
+  <inkml:trace contextRef="#ctx0" brushRef="#br0" timeOffset="88032">15132 6528 23819,'47'0'-270,"-7"0"0,-4 0-89,-7-14 1156,-2 11-809,-1-11 360,-2-3-294,-4 12 361,-2-24-763,-9 11 142,-2-12-697,-7 5-765,-24 0 673,-2 2-597,-2 8 926,-12-5-229,21 15 923,-14-1 296,16 28 446,7 4-79,10 14-1179,17 8-976,-12-17-1244,30 18 619,-6-21 1934,19 10 1,-4-20-1,-3 2 1</inkml:trace>
+  <inkml:trace contextRef="#ctx0" brushRef="#br0" timeOffset="88364">15637 6349 24539,'0'32'-6026,"17"-14"4001,-12 15 410,13-18 1373,-5 18-1144,-10-9 735,20-1 650,-20-1-1807,17-3 1913,-13-8-431,12 5 900,-6-14 434,8 6 612,-4-8 249,14-17 256,-11-8-691,6-10-314,-7-2 122,-1 5-280,3 0-514,5-14 391,-7 14-382,12-5-959,-15 18 563,10 9 1017,-13 3-125,16 58-2970,-15-21-370,0 14 0,-2 2-1210,-2-2 3226,4 13 0,-6-18 0,-1 0 1</inkml:trace>
+  <inkml:trace contextRef="#ctx0" brushRef="#br0" timeOffset="169280">4022 8454 24629,'0'-15'-4767,"0"2"3268,0 0 795,0 4 155,0-1 663,0 4-508,0 16 256,0 13-1548,0 11 1596,17 5-546,-12 17 481,27-10-129,-29 19-60,10-32 0,0-1-1109,-10 19 469,6-10 0,1-2-489,-3 5-544,2 22 1584,-4-33-704,-5 5 1208,0-18 0,0-5 0,0-2 0</inkml:trace>
+  <inkml:trace contextRef="#ctx0" brushRef="#br0" timeOffset="169417">3875 8913 23009,'-6'-24'-7361,"2"1"4749,4 1 2092,16 5 2592,-12 5-1710,33 4 962,-3-1-559,9 3-744,-8 3 0,0 2 0,10-1 1,18 2-1</inkml:trace>
+  <inkml:trace contextRef="#ctx0" brushRef="#br0" timeOffset="171680">5412 8808 23099,'-5'0'1260,"18"0"-1350,3 0 180,3-13 379,11 10-268,-25-20-1701,29 21 1734,-20-19-729,13 11 1256,-3-19-1024,-8 10 33,5-16-590,-13 14-197,-1-6 1317,-6 2-1970,-1 5 748,0-9-1345,-21 15 1361,16-4-1180,-31 13 2422,19-1-58,-10 39 578,12-13 378,6 44-1053,9-31-181,0 13-337,0-13 787,0 1-1767,16-2-1120,7 11-314,-2-12 1065,7-9 0,1-1 1798,-4-2 1,31 1-1,-23-11 1</inkml:trace>
+  <inkml:trace contextRef="#ctx0" brushRef="#br0" timeOffset="171897">6087 8568 23009,'40'0'270,"-16"14"-3081,12-10 3122,-9 23-2220,11-6 1356,1 7-100,-10 3-313,0-9-324,0 4-1652,9 10 1256,-9-9 1359,5 7 1,-14-15 0,-1-1 0</inkml:trace>
+  <inkml:trace contextRef="#ctx0" brushRef="#br0" timeOffset="172096">6363 8394 23909,'-12'-7'-4319,"1"1"3317,2 4 1362,-10 20 684,5-13-821,-4 23 0,0 7-420,-3-3 9,5 2 0,0 3-1682,-6 13 807,-1 1 1062,4 2 1,3-2 0,4-2-1</inkml:trace>
+  <inkml:trace contextRef="#ctx0" brushRef="#br0" timeOffset="172649">6833 8661 22560,'5'0'629,"4"16"-5973,-2 5 2592,6 25 971,-1-7 629,-1 6 476,-1-10 64,-2 0-1435,1 17 112,-1-13 1993,0 12 250,-4-9 72,-2-12 728,-1 10-377,-1-23-195,0 2-176,-14-35 23,10-8-287,-22-18-353,24 8 0,1 0 396,-19-16-306,18 14 1,2 1 115,-8-21-120,8 0 171,0-2 45,0 1 243,0 3 421,0 4-653,0-8 435,20 18 380,-2-11 84,5 30 669,6 1 366,-25 15-846,25 2 716,-17 2-244,16 21-1002,-13-16-505,2 36-1371,-8-13-940,-4 12-53,-2 12 998,-3-20-1683,-21 20 903,-5-22 2304,-20 16 1,20-23 0,5 5 0</inkml:trace>
+  <inkml:trace contextRef="#ctx0" brushRef="#br0" timeOffset="172897">7428 8489 22290,'5'0'540,"-1"18"-6154,-2-14 2539,1 28 2044,-2-28-334,2 30 977,-1-19-93,1 17-1274,0-8-93,1 11 1947,0-9-1662,2 15 1501,-2-20 1,1 3 0,0-12-1</inkml:trace>
+  <inkml:trace contextRef="#ctx0" brushRef="#br0" timeOffset="173064">7458 7920 23639,'0'-6'-1934,"0"22"0,0 9 1,0 23-1</inkml:trace>
+  <inkml:trace contextRef="#ctx0" brushRef="#br0" timeOffset="173330">7762 8341 22110,'4'16'-7691,"0"11"5696,0-5 995,0 10 444,0-5 112,0 0 268,1 1 175,0 13-1868,1-11 2119,3 17 55,-5-24 389,4 6-790,-3-18-335,0-2 187,-1-7 1300,0-1-339,4-22-400,-4-10-1224,7-33 489,-4 10 626,3-5 1,-2 17 0,0 0 0</inkml:trace>
+  <inkml:trace contextRef="#ctx0" brushRef="#br0" timeOffset="173629">8243 8645 22290,'30'19'-3881,"-6"-6"3049,13-2 1093,-15-8 458,5-3 143,-11-17-477,0 13 638,-3-30-1830,0 29 2770,-6-33-2242,-1 21 687,-4-30-1356,-1 20-54,-19-18-1169,-5 23 269,1-6 943,-17 15-306,16 5 1844,-16 4 177,10 29 857,12-5-332,10 25-228,7 9-1257,21-9-1041,0 15-1638,26-18 565,0-3 2213,-19-21 1,2-2 0,4 1-1,2-2 1,1-2 0,0 0-1</inkml:trace>
+  <inkml:trace contextRef="#ctx0" brushRef="#br0" timeOffset="174030">9630 7871 25348,'0'-27'-5666,"0"4"3628,0 5 973,0 8 1146,0 4-416,0 27 121,0 3-15,0 27-614,0-11 0,0 3 843,0-7 0,0 1 0,0 16 0,0 2 0,0-13 0,0 0 45,0 2 0,0 0-45,0-2 0,0 3-405,0 15 1,0 0-91,0-17 0,0 1-315,0 1 1,0 4 0,0-6 187,-1-6 1,2-3 567,5 9 0,1-2 0,-4 6 0,9-4 0</inkml:trace>
+  <inkml:trace contextRef="#ctx0" brushRef="#br0" timeOffset="174367">9403 8628 25168,'-13'-23'-8242,"3"-5"4843,4 8 1748,24-8 3163,-13 13-1175,44-3 1222,0 7-518,14 4-1160,-26 3 0,-1 1 1862,19 2 235,3 1-114,3 0-1540,-2 0 614,1 17-1486,-7-10 0,0 2 208,-21 0 1,1 1 436,23 3 0,-2-3-146,-12-8 423,13 15-598,-31-9 328,-1 3-447,-13 1-642,-5-3-529,-3 2 170,-1 7 12,-1-1-142,0 14 372,0-11 210,-15 7 1079,11-10 313,-11-1 1361,15-1-3420,0 3 379,0-5 1180,0 3 0,0-9 0,0 0 0</inkml:trace>
+  <inkml:trace contextRef="#ctx0" brushRef="#br0" timeOffset="174507">10162 8168 23999,'-13'-24'-8788,"1"3"5931,2 7 94,4 0 2489,3 8 0,3-1 0,0 6 0</inkml:trace>
+  <inkml:trace contextRef="#ctx0" brushRef="#br0" timeOffset="175013">10735 8512 23189,'4'20'-6895,"-3"0"5058,3 2 474,-4 9 1043,1-5 48,-1 16 141,0-16 33,-14 23-951,10-26 1725,-10 14 168,14-24-1241,0-1-41,16-9 1487,-12-23-671,28 15 1630,-13-55-1844,1 34 514,1-11 0,-5-2-405,-10 0-7,25-10 920,-25 21-1932,8 6 1658,-6 10-1700,-1-2 1020,-1 12 885,0-6-505,6 31-1401,-3-18 244,11 53-523,-9-35 150,0 9 1,0 2-794,-1-1 249,5 6-1390,-6-16 934,0-4 1900,1-8-676,3 4 1362,-2-13 1152,7 7-404,-6-29 178,4 15 1198,-3-41-1479,0 24 255,-1-23-814,3-7-41,-4 13-1384,4-17 454,-9 30-233,4-1-1035,-5 19 1974,3 3 464,2 28-2230,-1-18-1130,13 52-731,-5-36 2921,8 28 0,-6-22 0,1-2 1</inkml:trace>
+  <inkml:trace contextRef="#ctx0" brushRef="#br0" timeOffset="175313">11692 8707 23369,'13'17'-6567,"1"-4"5157,3-13 3719,2 0-941,4 0-157,2 0-422,2 0-153,2 0-456,0-18 1956,0 14-204,11-40-2084,-12 26 282,-5-8 0,-3-4-356,-2-2-306,0-11-278,-13 10-185,-4 0-376,-1 1 24,-21-10-651,-7 12 312,-24-8 839,24 23 530,-19 2 618,26 11 824,-5 26 394,3 16-774,21 15-2181,9-10 0,1 0-879,-2 15 2186,19-19 1,4 0 0,2 15 0,-1-28 0,0 0 0</inkml:trace>
+  <inkml:trace contextRef="#ctx0" brushRef="#br0" timeOffset="176080">3635 10222 24539,'-16'0'449,"-9"0"-359,1 14 935,-5-10-677,8 32-1164,0-16 584,7 10 1,0 3-567,-8 13 410,10-14 1,1 2-160,3 4 1,2-1-727,-1 21 395,2-9 1,5-1-1258,26 6 23,-9-11 1,4-2 651,3-18 0,3-2 1394,1 5 0,0-2 0,17 2 0,2-3 0</inkml:trace>
+  <inkml:trace contextRef="#ctx0" brushRef="#br0" timeOffset="176413">4367 10287 24539,'-19'14'1283,"-6"14"-2054,22 10-2221,-16 12 2144,17-5-553,-14 5 967,15 5-605,-12 3-656,12-18 1,1 0-1135,-6 22 2552,5-25 1,2-1 0,-1 9 0,0-4 0</inkml:trace>
+  <inkml:trace contextRef="#ctx0" brushRef="#br0" timeOffset="176551">4023 10858 23819,'0'-22'-6386,"0"0"4348,0 0 884,28-2 2946,-3 0-1297,28 0 327,-6-2-1001,8 2 300,6-2 1,-28 14 0,0 0-1,1 0 1,1 0 0</inkml:trace>
+  <inkml:trace contextRef="#ctx0" brushRef="#br0" timeOffset="176763">5117 10217 24269,'-51'0'719,"24"18"44,-21-13-527,16 50-1347,-12-28 1187,22 2 0,3 2-692,-7 13 137,3 2 89,10-10 1,1 2-964,-4 19-562,8-8 1,2 1-1257,3 6 2972,2-19 0,2-2 1,-1 8-1,0-1 1</inkml:trace>
+  <inkml:trace contextRef="#ctx0" brushRef="#br0" timeOffset="177187">5375 10705 23639,'-19'20'-205,"-13"2"1032,28 23-3820,-25-11 3055,27-1-1575,-10-10 1215,12-3-705,0-3-593,0-2-129,23-7 724,-18 3 185,38-10 1011,-19 5 861,18-26 413,-10-3 737,-13-22-1229,-9 10 275,-10-9-1862,0 20 1068,-16-11-2513,12 19 355,-25 3 242,26 28 92,-10 18 1280,13 33-446,16-8 381,-16-14 0,3 0-5,33 9 167,-33-18 1,-1-1 316,29 11-1400,-28-5 634,8 0-713,-1-7 653,-7 1 557,7-7-608,-10-2 418,0-5-1167,0-3 1927,-15-6 1,-9-4 0,-17-4 0</inkml:trace>
+  <inkml:trace contextRef="#ctx0" brushRef="#br0" timeOffset="177371">5962 10718 23009,'15'18'-6450,"-1"-14"7105,-2 31-3649,-1-31 3602,-1 45-1865,-3-28 93,1 39 681,-3-30-3202,1 16 3621,-2-24 0,1 3 1,-1-12-1</inkml:trace>
+  <inkml:trace contextRef="#ctx0" brushRef="#br0" timeOffset="177517">5940 10448 23819,'-2'-8'-1355,"20"19"0,3 7 1</inkml:trace>
+  <inkml:trace contextRef="#ctx0" brushRef="#br0" timeOffset="177899">6680 10686 24629,'-32'3'943,"-14"1"-703,42 1-562,-36 2 763,34 2-1438,-36 2 1591,21 11-656,-4-4 338,2 14-819,21-12-1053,-5 14 513,27-14-770,-15 5 325,37-11 43,-37-1-985,45-6 1458,-16-2 1033,12-4 1348,7-17 367,-27 13 246,5-29 566,-13 10-1496,-9-16 65,-2 2-2026,-7 6-423,0 30-211,0 11-705,0 30 274,16-6-1749,2 14 725,1-20 2921,10 10 0,-9-25 0,15 1 1</inkml:trace>
+  <inkml:trace contextRef="#ctx0" brushRef="#br0" timeOffset="178198">7090 10781 22650,'0'31'-6206,"0"1"4078,15-16 1124,-11 10 20,10-16 1422,-3 4-997,-4-8 522,7-22-171,-5-4 1184,-3 0-418,1-15-173,3 21 1139,-2-21-1467,3 23 1541,-4-8-1071,2 18 41,0-4 694,2 6-314,3 21-1666,0-16 122,11 56-1886,-3-33 2119,-7 3 0,0 1 1,10 8-1,1-1 0</inkml:trace>
+  <inkml:trace contextRef="#ctx0" brushRef="#br0" timeOffset="178883">7903 10213 25618,'-2'-15'-7352,"1"3"4993,1 26 1527,0 3 476,16 26-771,-13-2 929,13 9-340,-1 6-471,-8-12 1,0 1 941,1-11 0,1 1-60,3 10 1,-3 0-274,-6 13 314,18-3 49,-12-5-119,12 11 101,-10-20-606,3 11-198,-6-29-1024,1-2 1023,-4-15 448,-2-4 1302,0-19-382,1 12 1702,2-38-1219,4 5 279,0-14-600,-2 17 1,1 1 642,2-4-634,5-7-249,-6 24 312,2 9-632,-1 5 1705,10 7-795,-5 18-1393,19 9 170,-13 11-212,0-11 1,2-1-335,6 9 361,5-3 0,3-4-770,2-7 273,2 0 0,1-4-118,-1-15 1453,-7 5 0,0-5 629,4-23 1232,7 16-435,-21-38-722,-5 23 257,-8-20-892,-4-7-788,-6 11-31,-25-21-1258,18 26-281,-41-12 149,20 25 1091,-1-1-642,-10 15 2123,20 1 131,-2 26 242,6 7 178,13 16-1076,0-1-389,24 6-1018,-18-14 300,19-13 0,4-3-876,-3 4-420,30-5 743,-12-10 1396,-10-4 0,2 0 0,18-5 0,-18 2 0,1 0 0</inkml:trace>
+  <inkml:trace contextRef="#ctx0" brushRef="#br0" timeOffset="179096">9280 10415 25348,'-15'-18'-6534,"11"7"2967,-21 3 5192,23 25-1913,-9 15 632,11 10-875,0 9 132,0-7-1197,0 3 1504,9-11 0,2 1 205,9 16-1463,1-10 1,0-1-419,-2 3-619,15 8 950,-30-23-265,26-5 1717,-26-5 0,20-6 1,-12-3-1</inkml:trace>
+  <inkml:trace contextRef="#ctx0" brushRef="#br0" timeOffset="179213">9165 10698 24359,'0'-24'-7015,"0"-1"3267,19-3 3943,13 6 408,10-3 1,8 8 0,-11 2 0</inkml:trace>
+  <inkml:trace contextRef="#ctx0" brushRef="#br0" timeOffset="179512">8452 10345 24539,'-2'-29'-6802,"0"0"4849,25-12 3083,-18 10-623,24 8 0,4 2 1280,-8-2-979,35 0 500,-25 12-722,1 6 1467,-2 3-218,0 2-1216,-1 0-221,0 16-1743,12 4-393,-11 0-1118,9 16-64,-15-21 550,-3 6 2007,-1 6 0,-5-23 0,0 13 0</inkml:trace>
+  <inkml:trace contextRef="#ctx0" brushRef="#br0" timeOffset="179649">9270 9866 23999,'-19'25'-2535,"3"-4"1950,14 12 1,4 3 0,-2 13 0,0-14 0,0 0 0</inkml:trace>
+  <inkml:trace contextRef="#ctx0" brushRef="#br0" timeOffset="180137">10005 10064 25708,'0'-7'-6296,"0"20"4168,0 20 1154,17 13-782,-13 8 1403,13-7-35,-10-11 0,-2 1 109,-2 18-643,2-7 0,2-2 651,2 5 165,-8-11 1,0-1 42,8 0-665,-5 22 197,-2-37-263,6 5-26,-5-23-327,10-3 2560,-3-22-29,18-5 503,-9 0 148,10-19-349,5 20 454,-8-5 154,18-1 114,-20 26-1733,5-8 664,-10 11-1387,0 0 316,-2 24-1694,2-19 560,-3 45-1267,2-30 155,8 40-511,-2-24 111,-5-7 0,1 0 1988,6 1 1,9 4-1,-8-16 1</inkml:trace>
+  <inkml:trace contextRef="#ctx0" brushRef="#br0" timeOffset="180496">10855 10552 24718,'-41'-8'-1393,"0"3"1255,12 17 1873,2 9-1396,11 21-1725,8-6 252,8 3-215,0-12-248,19-1 86,-15-2-503,36-2-500,-13-5 879,11-1 1507,9-9 996,-20-1 284,12-28 1009,-21 17 526,4-36-1079,-15 13-1221,-1-8-314,-6 0-636,0 14-826,0 1 237,0 1-919,0 32-174,0 4 1101,0 23-36,21-4-1162,-1 1 593,5-11 1748,5-2 1,-26-4-1,12-6 1</inkml:trace>
+  <inkml:trace contextRef="#ctx0" brushRef="#br0" timeOffset="180797">11273 10565 22740,'0'14'-5846,"17"0"4227,-13 24 31,28-19 2137,-29 8-1388,29-15 1504,-19 3-1068,15-7-194,-7-8 2193,-4-21-323,-2 15 1580,-3-35-2488,-1 36 3020,3-44-3630,-5 32 1255,4-29-1477,-8 34-332,0-7 43,-2 18 648,0-5 224,0 6-728,-1 17-210,1-13-1953,0 49 521,1-30 2074,-2 11 1,-1 2 0,0 1 0,0 13 0</inkml:trace>
+  <inkml:trace contextRef="#ctx0" brushRef="#br0" timeOffset="180949">10940 11311 25258,'0'3'-388,"21"0"1,5-2-1</inkml:trace>
+  <inkml:trace contextRef="#ctx0" brushRef="#br0" timeOffset="181687">12310 10401 23729,'-8'-24'-7928,"-4"1"5178,0 3 1842,-6 2 934,0 4 510,-3 3 163,-13 6 390,6 2-1171,-20 24 2900,21-16-1587,8 22 0,2 3 138,1-7-184,2 29-945,11-22-1070,3-1-1026,19-2-917,13 3 127,11-15 1770,-8-4 0,0-3 822,10-6 95,-5 2 1,-1-3 1194,4-21 1066,9 15 1190,-19-27-1113,-17 17-892,-20 1-2748,-18 43 1568,0-2-511,5 12 1,4 4-717,10 3-84,-4-5 1,1 0-498,6 9 761,0-10 1,0 0-893,0 4 2113,0 9-1640,0-9 10,0-13 141,0 11 71,-15-23 903,11 1 551,-32-15 0,9-2 0,-21-3 0</inkml:trace>
+  <inkml:trace contextRef="#ctx0" brushRef="#br0" timeOffset="182246">12667 9816 23279,'19'0'180,"-3"0"90,-3 17-3184,4 5 927,-7 10 258,6 4 358,-5-3 394,-1 5-1035,0 6 961,-2-7 0,-1 1-807,1 21 1797,1-5 1,0 0-64,-1 10 303,-1-12 0,0-1 199,0 4-13,0 10-52,-2-17-124,0-16-829,1 5 64,-2-23-786,4-4 1183,-3-7 1131,10-24 507,-4 15 1078,7-34-1124,4 16 479,-6 0 66,14-11 96,-16 22 28,8-6-1132,-10 11-339,0 8-1089,-4 0 1248,0 18-2907,0-14 1591,6 32-1538,-3-13-195,11 14 34,-9-15-370,6 3 383,-6-23 1586,1 8 1681,1-10-66,0 0 1354,1 0-93,-1-14-85,4-6 83,-4 2 175,2-16-2443,-9 14 741,-2-10-1930,-4 31 508,-1 13-973,-1 22 70,0-2-3585,0 10 4879,0-18 1,0 5 0,0-23-1</inkml:trace>
+  <inkml:trace contextRef="#ctx0" brushRef="#br0" timeOffset="182379">13253 10120 23369,'0'-18'-2046,"0"5"0,0 6 0,0 4 0</inkml:trace>
+  <inkml:trace contextRef="#ctx0" brushRef="#br0" timeOffset="182799">13747 10396 24539,'0'-21'-6026,"0"22"3987,0 18 975,0 15 425,0 5 214,0-7 121,0-1 76,0-1-1459,12-3 1069,-9-2 457,10-5-700,-4 0-675,-1-10 1014,10-19 2704,-7 5 123,7-48-1657,-7 30 1034,5-30-648,-5 23 138,1 0 434,-2 5-708,4 3-1906,-6 5-330,5 7 2563,-5 4-278,-1 5 46,4 23-2259,-2 5-76,3 14-759,3 9-533,-2-21 2342,14 7 1,-9-14 0,8-3 0</inkml:trace>
+  <inkml:trace contextRef="#ctx0" brushRef="#br0" timeOffset="183180">14172 9869 23729,'0'19'-5396,"0"-2"3267,0 29 1155,0 18 336,0-10 327,7-4 1,2 1-341,-5 7 328,12-20 1,-1-1-1975,-11 9 2141,23-5-178,-24-4 168,20-5-74,-16-6-492,9-5-296,-4-3 681,-4-9 672,5-3 575,-6-22 199,3 12 1401,-4-33-1577,2 20 652,1-19-95,4-4-515,-2 12 214,4-16-1181,-7 31 338,5-9-1553,-6 21 2904,1-5-856,1 22-1734,-2 8-330,6 26-4,-3-8-318,1 4-984,0-13-95,-1-2 1979,9 13 1,-3-16 0,5 9 0</inkml:trace>
+  <inkml:trace contextRef="#ctx0" brushRef="#br0" timeOffset="183480">15000 10449 24718,'-19'-9'-3737,"15"-1"-995,-31 9 6762,9-2-1120,-16 20 964,1 2-653,17 20-1338,10-10-769,14 6 292,0-14 1351,25 2-2250,7-6 757,12-9-64,10 0 77,-22-8 1324,15 0 15,-21-18 1263,-6-2-434,-10-20-1401,-10 11-1208,-25 1-1928,-8 1 893,-13 7 1992,1-3 0,12 8 0,-2 2 0</inkml:trace>
+  <inkml:trace contextRef="#ctx0" brushRef="#br0" timeOffset="183667">14963 10145 22470,'11'-4'2753,"3"1"-2482,-2 2-756,4 0 120,-4 1 17,1 0 100,-2 0 62,0 15-2232,-1-11 1682,0 25 1,-3-10-1,-2 14 1</inkml:trace>
+  <inkml:trace contextRef="#ctx0" brushRef="#br0" timeOffset="183879">15277 9632 24179,'-16'-7'-3238,"12"19"1031,-22-8 2065,23 56-137,-18-31 1,19 4 0,2 2 0,-10 8-1</inkml:trace>
+  <inkml:trace contextRef="#ctx0" brushRef="#br0" timeOffset="184203">15697 9623 24988,'0'-5'-6115,"-9"2"6700,7 22-1507,-7 15 836,29 16-1635,-15 9 1336,29-8-29,-23-10 1,-4 3-543,2-10 1,1 0 668,4 12 0,-2 0-309,-10-12 1,-1-1 375,6 1 1,-1 0-85,-5 0 1,-2 1 677,1-1 0,0 0-358,2 1 0,-4 0 456,-9 0 1,-5 1 62,-3 13 0,-3-1-273,-5-12 0,-2 0-770,2 0 1,-2 3 0,2-5 799,1-4 0,0-3 1,-9 6-1,1-1 1,-11 5-1</inkml:trace>
+  <inkml:trace contextRef="#ctx0" brushRef="#br0" timeOffset="185151">13950 8466 25438,'18'13'-5087,"3"-3"3020,23-10 2057,-8 0 68,14 15 0,-18-12 0,9 12 0</inkml:trace>
+  <inkml:trace contextRef="#ctx0" brushRef="#br0" timeOffset="185313">14062 8882 24449,'0'4'-6476,"0"-1"1829,17-2 5415,10 0 0,11-16 0,5-3 0</inkml:trace>
+  <inkml:trace contextRef="#ctx0" brushRef="#br0" timeOffset="186253">15045 8316 25168,'-16'-20'-6299,"-4"7"5707,17 4-1540,-5 29 2808,8 21-1278,18 6 148,-17-7 0,3-2 23,27 4-1389,-28 24 1902,19-33-894,-20 4 1205,7-20-4456,-3-4 3241,-5-29 1310,16-26 350,-9-7-203,11-11 149,-6 22 183,2 1-96,1 4 497,3-5 287,-5 20-27,5-8-1010,-9 24 1088,-1-5-574,-2 23-2478,-1-12 894,0 34-726,0-18-300,1 21-77,-1-4-44,5 19-812,0-12-215,1-9 1,2-1 2732,8 2 0,12 5 0,-7-18 0</inkml:trace>
+  <inkml:trace contextRef="#ctx0" brushRef="#br0" timeOffset="186531">15773 8527 23549,'-44'0'540,"1"17"1401,8-13-1870,14 28-1183,-1-28 1425,19 28-2004,-15-19 1967,17 17-1863,-5-10 635,30 17-1706,-17-16 372,39 15 1373,-17-27-45,21 1 1935,-7-9-1227,-18-22 1609,-1 16 10,-22-36-1102,8 9 585,-10-10-2070,-17-18-1015,-6 23 1911,2 7 1,0 0 0,-3-3 0,3-8 0</inkml:trace>
+  <inkml:trace contextRef="#ctx0" brushRef="#br0" timeOffset="186763">15980 8331 24089,'0'38'-6386,"21"-6"3322,-16 2 1645,32-4-687,-14 14 1938,9-8 1,0 9-1,-7-14 1</inkml:trace>
+  <inkml:trace contextRef="#ctx0" brushRef="#br0" timeOffset="186963">16565 8414 24359,'-37'20'2503,"2"7"-2651,13 13-1555,-9-1 1215,27-7-1243,-24 15 1412,17-13-716,-3 9-1037,6-17-302,4-4-261,3-4 2435,-2-2 1,3-7 0,0 0 0</inkml:trace>
+  <inkml:trace contextRef="#ctx0" brushRef="#br0" timeOffset="187135">16335 8429 23099,'0'-11'-5755,"19"4"9736,4 3-2740,25 23-2200,-11-14 978,19 30-1430,-21-12-315,12 7 1492,4 8 1,-12-25 0,14 4 0</inkml:trace>
+  <inkml:trace contextRef="#ctx0" brushRef="#br0" timeOffset="187313">17002 8394 22920,'-29'18'2043,"2"8"-2825,16 12-1540,-6 4 592,15-4-1547,-14 3 3041,14 2 1,-4 0 0,6 0 0</inkml:trace>
+  <inkml:trace contextRef="#ctx0" brushRef="#br0" timeOffset="187663">17923 8112 26877,'-4'-2'-3777,"0"0"2615,2 2 2554,0 0-755,0 25-2200,-1 14 533,2 16 551,0-13 0,-1 1-1874,2 14 1405,0-18 1,0-1-1217,0 16-782,0-5 2436,17-3 1,-12-6-1,13-1 1</inkml:trace>
+  <inkml:trace contextRef="#ctx0" brushRef="#br0" timeOffset="187796">17790 8619 24808,'-12'-19'-7884,"-2"1"5762,13 0-701,-4-5 526,29 6 2979,-18-4 1,47 10 0,-17 0 0</inkml:trace>
+  <inkml:trace contextRef="#ctx0" brushRef="#br0" timeOffset="188113">18660 8611 23819,'6'0'90,"2"-19"-1972,3-8 978,0-12 411,8-24-30,-9 18 239,-2 4 1,-1-2-199,-2-10-142,-2 18 0,-2 0-524,0-13 839,-1 1-117,0 3 385,-21-10-1283,15 17 645,-32-11 124,33 30 36,-12 1 435,17 35 54,0 2 120,0 25-180,0-3 247,-1-3 0,2 1-645,8-8 1,2 1-842,0 25 0,1 0 725,-1-24 1,2-2-520,8 10 1,1-3 1083,0 7 1,24-7-1,-9-5 1</inkml:trace>
+  <inkml:trace contextRef="#ctx0" brushRef="#br0" timeOffset="188380">19220 8268 24539,'0'-21'-6026,"-21"3"4290,1-3 626,-4 30 4131,9 8-2252,15 23-1816,21 3-254,-16-7-577,36 2 2030,-23 0-468,5-13 1,1-1 373,5 13-2479,14 12 973,-28-26 1002,12 0-343,-24-14-151,-14-4 1006,-34-34 97,-2 8 0,15-2 0,2-3 0,-11-4 0</inkml:trace>
+  <inkml:trace contextRef="#ctx0" brushRef="#br0" timeOffset="188480">19023 8284 22380,'0'-46'-4857,"0"0"2819,0 1 1064,0 2 425,31 4 1774,-7 6-575,11 13 1,3 2 932,10-4-1463,-14 9 1,-1 3 1071,19 5-578,1 2-299,0 3 1,-3 17 0,-1 4 0</inkml:trace>
+  <inkml:trace contextRef="#ctx0" brushRef="#br0" timeOffset="188931">20283 8422 24629,'-43'-12'-2078,"-4"2"1710,7 10 1002,2 0-344,12 14 658,3-11-451,4 31-1168,8-18 309,-3 20 50,12-9-640,-6 11-231,8-10-413,26 10-838,3-24 1316,29 4 1115,-15-16 399,-1 3 227,-4-24 1407,-12-9-964,9-26 50,-23 5-688,-4 11 1,-1 0-665,-6-15 412,3-8 1,-3-1-885,-9 28 1,-1-1 58,8-30 1,-2 2-1598,-13 8 1261,8 16 1,3 3-525,1 4 944,-9 2-439,13 37 918,0 25 231,0 12-225,8 0 1,4 2-461,-3-14 1,3 1-538,9 26 1,2 1 239,-7-24 1,0-1 51,2 10 1,0-1 848,11 10 1,4-7 0,2-5 0</inkml:trace>
+  <inkml:trace contextRef="#ctx0" brushRef="#br0" timeOffset="189679">20847 8396 25258,'-20'-19'-5875,"15"2"2096,-37 8 5482,37-4-3860,-37 11 3742,19-5-1146,-18 22 1284,11 10-1613,12 10 708,10 17 53,8-18-2056,0 9 1357,23-15-2263,-17-4-240,38-3 487,-15-1 296,10-11 1666,8-1 754,-21-8 814,10-34-6,-20 25-763,-8-22 1,-3-3 174,0 14-750,-5-33-771,0 29-792,-18 4-41,13 2-824,-12 11 1331,17 13-410,0 8 883,17 24-1425,3 0 108,18-1 1224,1-7 423,-7-14 833,0-8-780,-2-8 1586,-8 0 89,4-15 1367,-12 12 32,-2-26-1919,-3 26 1362,-4-26-2389,-1 25 761,-2-22-2593,-1 15 258,-1 13-628,0 12-143,0 29 1415,16-9-2340,10 10 2371,8-28-419,19 16 1537,-22-21 252,12 4 235,-17-8 204,-2-7 367,-5 0 821,3 0-232,-13-15-1700,4 11 1705,-13-27-2297,2 9-444,-2-11-318,-15 12-858,11-3-99,-28 22 1854,18 7 1255,-5 12-1668,8 17 1022,11 4-661,0 4 114,0 8 131,0 3 73,0-13 1,0 1-1649,0 23 220,7-11 1,0 0-666,-3 7 1488,3-24 1,0 0 32,-7 7 368,0-4-270,0-5-449,0-4-181,-16-8 894,12-6-2164,-29-5 2723,13-6 1,-1-2-1,5-3 1</inkml:trace>
+  <inkml:trace contextRef="#ctx0" brushRef="#br0" timeOffset="189980">21852 8394 23909,'0'-12'-5756,"0"0"3718,-22 2 2334,17 2-1829,-17 0 2329,6 2-346,12 2-926,-23 3 365,16 19 1089,-2 7-38,6 24-1372,28-9 396,9 14-1397,12-19 825,0 8 755,-7-12-1087,-2-2 876,11 9-591,-16-10 436,-1 6 464,-19-7-303,-8-8-2623,-36 13 2495,5-13 612,-1-6 0,-3-1 0,-20 7 0,-4 0 0</inkml:trace>
+  <inkml:trace contextRef="#ctx0" brushRef="#br0" timeOffset="191515">2260 13067 26158,'56'-13'1699,"-6"10"-1939,1-9 711,-4 12-561,-11-6 0,2-1-1387,20 4 1448,-5-3 0,0 0 1,10 6-1,-21 0 1,-1 0-1</inkml:trace>
+  <inkml:trace contextRef="#ctx0" brushRef="#br0" timeOffset="191687">2863 13222 25888,'-29'0'-2429,"29"-11"-3445,23 9 6213,21-9 1,8 11-1,-8 0 1</inkml:trace>
+  <inkml:trace contextRef="#ctx0" brushRef="#br0" timeOffset="191946">3023 12675 25618,'-25'-3'-1193,"4"-1"724,9 2 163,-1 0 211,11 1-1396,15 0 2026,-8 15-910,34 2 1,7 2-359,-10 20 206,16-5 1,1 1-275,-10 8 181,-17-4 0,-3 3-1248,0 11 1331,-16-16 1,-2 0-2943,2 21 846,-27 6 2620,14 2 1,-17-30 0,-4-2 0,9 2-1,-1 0 1</inkml:trace>
+  <inkml:trace contextRef="#ctx0" brushRef="#br0" timeOffset="192562">4522 13195 22650,'26'-17'1499,"17"13"-1470,-37-37-2858,41 20 4381,-27-24-2412,20 6 1000,-14-3-508,-1-4-342,-3-2 139,-12 12 1,0 0-707,9-21 1502,-14 10 0,-1-1-2237,4-8 2033,-5 11 1,-6 1-1516,-16-5-244,14-9 601,-30 26 578,31 7-350,-27 5 913,17 6-61,-13 28 1990,14 5-1515,6 13 0,4 6 587,3 20-925,0-17 1,0 2-161,0-7 1,0-1 249,-1 2 0,2 0-464,6 0 0,3 2-9,0 11 0,0 0-937,-1-13 1,3 0 519,12 19 1,0-2-118,-4 4 543,9-16 0,2-2-140,-1-1-320,9 3-470,-3-24 1703,-11-10-279,15-21 377,-21 8 1,7-39-1,-10 11 1</inkml:trace>
+  <inkml:trace contextRef="#ctx0" brushRef="#br0" timeOffset="192701">5123 13030 23009,'0'-21'-6205,"0"49"4076,0-17 1065,0 44 336,17-30-46,-12 3 193,29-2 496,-30-3-2495,34-3 2538,-20-10-276,19 1 651,-8-10 1,-3 3 0,1-4 0</inkml:trace>
+  <inkml:trace contextRef="#ctx0" brushRef="#br0" timeOffset="193213">5475 12882 22560,'-19'17'593,"5"7"-1931,14 10-1624,0 3 1329,0-6 575,19 19-679,2-12 1323,0-7 0,2-1-1378,10 1 96,15 9 519,-17-28 1679,11-1 314,-12-11 511,-1-15 1345,-1 11-418,7-46-890,-11 27-647,-9-11 0,-3-2-158,-1 0-426,-4-12-562,-5 17-668,-2 4-673,0 2 12,-16 5 367,12 2-344,-12 7 1543,2 4 353,11 19 80,-10 11 642,33 20-1502,-15-7 444,29 3 252,-31-13 27,28 6-363,-10-17-131,18 11 215,-7-24 427,-4 7 1252,-1-9 357,-9-20-369,8-5 372,-14-11-891,0-9-517,-8 17-229,-3-24-1534,-1 27 242,0 18-532,0 28 71,23 32-1742,4-11 1418,0-14 1,2-2 1809,11 2 0,5 7 0,-16-17 0</inkml:trace>
+  <inkml:trace contextRef="#ctx0" brushRef="#br0" timeOffset="193480">5318 12643 23639,'-7'-19'-9098,"2"0"6736,4-2 1795,24-1 2964,-17 1-2184,43 1 1944,-27 3-1032,22 1-472,-12 7 2290,6 3-567,-7 20-1480,-7 16-3258,-11 11 165,-13 11-1886,0-5 3635,0 6 0,0 2 1,0 3-1</inkml:trace>
+  <inkml:trace contextRef="#ctx0" brushRef="#br0" timeOffset="194379">7367 12454 24898,'0'-14'-6385,"0"1"4346,0 4 1065,-11 3 1228,8 29-435,-8-4 831,11 28-1050,0 14-1286,19-8 1491,-18-3 0,3 0-272,13-17 0,1-2-430,-15 10 1,-3 0-690,16 15-341,-3-5 1586,-9-3 0,9-6 0,-13-1 0</inkml:trace>
+  <inkml:trace contextRef="#ctx0" brushRef="#br0" timeOffset="194521">7187 13039 24718,'-25'-25'-5657,"5"1"3307,8 2 398,0 2 833,11-9 750,-4 7-429,50-14 1832,-15 16-1998,16 3 0,5 1 1391,5-2 0,-15 5 1,1 1-1,20-4 1</inkml:trace>
+  <inkml:trace contextRef="#ctx0" brushRef="#br0" timeOffset="194730">8017 12428 24629,'-30'0'0,"12"14"376,-2-10 221,18 33-3159,-7-16 1730,9 23-647,0-3 924,0-8 1,0 2-1042,0 21 810,-1-18 1,2-1-1106,15 17-1868,-12-1 2061,11-1 1403,-2 1 1,-10-1 0,10 0 0</inkml:trace>
+  <inkml:trace contextRef="#ctx0" brushRef="#br0" timeOffset="194912">7708 12935 24089,'0'-18'-6386,"23"2"9101,-18 3-3449,41-1 2212,-23 4-1792,9 3 0,2 1 438,15-3 0,16 1 1,-17 4-1</inkml:trace>
+  <inkml:trace contextRef="#ctx0" brushRef="#br0" timeOffset="195133">8565 12914 22200,'0'25'-6386,"0"0"4348,0-5 974,0 18 335,16-7-348,-13 11 673,13-10-306,-16-3-976,12 1 1509,-9 6 1,17-11 0,-10 3 0</inkml:trace>
+  <inkml:trace contextRef="#ctx0" brushRef="#br0" timeOffset="195296">8555 12563 23369,'0'-3'-8454,"0"15"7731,21-8 0,-15 28 0,15-11 0</inkml:trace>
+  <inkml:trace contextRef="#ctx0" brushRef="#br0" timeOffset="195503">9115 12966 22200,'2'15'-6613,"-1"-1"4441,-1 11 1401,0-7 218,0 7 244,0-8 88,0 2 56,0-2-1431,0 2 1832,0-4-34,0-1-292,0 1 59,0-6 1,13-1 0,3-6 0</inkml:trace>
+  <inkml:trace contextRef="#ctx0" brushRef="#br0" timeOffset="195630">9308 12780 23189,'11'-4'2982,"-1"3"-3391,0-4 1135,2 25-4579,-3-15 2653,9 54-2261,-7-32 3036,6 35 0,-3-18 0,1 1 0</inkml:trace>
+  <inkml:trace contextRef="#ctx0" brushRef="#br0" timeOffset="196096">10122 12941 25438,'-12'-22'-8299,"0"3"5744,1 3 1529,4 4 370,3 27 1397,28-13 743,-18 47-1898,25-28 0,1 1-624,-8 33 1197,18-7 0,4-2 401,-6-1-313,-1-5 0,0-4 269,-5-12-734,22-3-378,-24-15 1402,18-22 185,-22-16-1860,-3-8 1,-3-5 948,-11 12 1,-2-1-1,4-12 1,-2 1-1,-4-8 1</inkml:trace>
+  <inkml:trace contextRef="#ctx0" brushRef="#br0" timeOffset="196485">11223 12867 24449,'-49'0'359,"-3"0"-359,13 0 0,0 0 0,12 0 0,2 0 0,-2 15 512,6 6-627,5 19-657,10-6-443,6-2-381,27-10 201,8-4 362,16 1 769,-16-14 1,-1-1-459,9 4 650,-6-6 0,0-4 1075,3-19 823,5 15 355,-20-33-917,-7 14-50,-8-18-1764,-4 3-641,-25 6-651,2 16-123,-4 22 661,8 19-886,32-3-1975,4 32 3896,14-33 0,0 17 0,-5-26 0</inkml:trace>
+  <inkml:trace contextRef="#ctx0" brushRef="#br0" timeOffset="196746">11840 12809 24988,'-40'0'270,"16"17"507,-4-13-414,25 30-2789,-9-17 2153,3 29-797,7-15 55,14 19-1033,-7-21 103,38 4 357,-11-14 305,11-4 2047,12-8-658,-26-1 654,7-28 893,-17 16-582,-8-47-1407,-3 32-473,-26-25 624,14 19 1,-42 0 0,11 0 0</inkml:trace>
+  <inkml:trace contextRef="#ctx0" brushRef="#br0" timeOffset="196913">10913 12478 25258,'53'-4'624,"-2"0"-485,-3 1-178,7-1-999,-7 3 1,2 1 228,-10-1 1,1 0 794,13 1 0,1 0 0,-15 0 1,-1 0-1,1 0 0,0 0 0</inkml:trace>
+  <inkml:trace contextRef="#ctx0" brushRef="#br0" timeOffset="197379">13490 12840 24089,'-51'-9'-1331,"1"1"1030,10 8 731,-22 15 657,13-11-747,18 12 1,1 3 42,-7-1 212,4 17-746,7-4 289,12-3-545,5 1-522,9-1-1128,0 4-14,27-15 165,11 8-126,13-23 1753,3 6 227,-12-31 1149,0 17-282,-21-19 0,0-2 463,19 5 769,-5-30-1312,-5 13-372,-17 8 1,-2-2-1063,8-15 615,-13 6 1,-2-1-1110,2-7-305,-6-16 850,-22 23-1504,17 0 819,-34 5 320,35-7 190,-29 16 672,28-3-285,-12 40 2381,17 17-1855,0 37 375,17-1-596,-10-14 1,2 0-268,10 13-1052,-6-10 1,0 0-604,7 4 1970,-5-11 1,3-1 0,8 1 0,-3 11 0</inkml:trace>
+  <inkml:trace contextRef="#ctx0" brushRef="#br0" timeOffset="197563">13192 12612 25078,'-13'-24'-8689,"5"-9"6061,3 12 1075,30-12 2918,-19 17-1296,54-3 1064,-31 7-554,33 1-486,-11-1 1,6 2 0,0-1 0</inkml:trace>
+  <inkml:trace contextRef="#ctx0" brushRef="#br0" timeOffset="198846">14302 12098 24988,'-14'-3'-1519,"10"17"-643,-20 17 2883,22 12-2166,-8 11 772,10-6-362,-4 3 586,3 4-1108,-4 0 1021,5-16 0,0 0 46,0 19-126,-1-13 0,2-1 530,15 3-1068,-12 18 1127,11-34-722,-15 2 710,0-17-61,0-5 28,0-4-1126,0-2 635,0-21 1008,0-21-328,0-5 462,0-11-579,0 19 0,0 1-90,0 3 180,17-5 800,11 18 1102,20-7 197,-3 23-435,-1-5 297,-9 29-1625,-1-17 927,1 45-1385,-2-29-167,-2 26-2034,-3-11 4,5 19 200,-14-13 828,-9-8 0,-2 0 273,-4 4-559,-23 6 2569,14-17-1163,-43-5 2519,23-4-2358,-11-9 1,-2-3 425,-11 1 107,-16-1 1,19-7-1,2 0 1</inkml:trace>
+  <inkml:trace contextRef="#ctx0" brushRef="#br0" timeOffset="199015">15073 12836 24089,'4'9'-3277,"-2"-1"0,-1-8 0</inkml:trace>
+  <inkml:trace contextRef="#ctx0" brushRef="#br0" timeOffset="201249">2557 14722 25348,'-6'-6'-5159,"0"0"3530,3 2 237,1 0 829,2 2 387,20 1 1914,9 0-441,12 1-1387,5 0 1312,-6 0-494,5 0-117,7 16-990,1-12 393,3 22-197,-1-24 0,-1 24 1,0-6-1</inkml:trace>
+  <inkml:trace contextRef="#ctx0" brushRef="#br0" timeOffset="201430">2700 15016 25078,'-25'0'245,"5"1"-259,39-15-951,16 11-56,22-11-149,5 14 1168,-10-9 1,3 7 0,2-6 0</inkml:trace>
+  <inkml:trace contextRef="#ctx0" brushRef="#br0" timeOffset="201729">2927 14641 24269,'-23'-13'-3948,"4"2"2578,3 0 397,10 3-279,0 1 246,31 4 2616,12 1-1248,-1 11 0,2 2-881,25-7 793,-28 14 0,-1-1-120,13-13 860,0 31-552,-5-19 679,7 28-2802,-18-16 503,2 23-285,-24-18-265,-23 29 1468,9-22-131,-15-12 1,-6 1-124,6 3 1,-1-1-253,-5-6 1,-2 0 997,-1 7 0,2 0 1,-9 11-1,2-2 0</inkml:trace>
+  <inkml:trace contextRef="#ctx0" brushRef="#br0" timeOffset="211879">4552 14484 24539,'-23'21'162,"-9"-16"628,28 40-3786,-23-25 2874,19 11 1,4 4-1268,-11 12 1056,4-3 0,3 2-357,6 10 6,-3-8 1,0 0-835,5 7-182,-1-8 0,2 0 32,17 6 1358,-16-19 0,1-1 0,14 9 0,-17-3 0</inkml:trace>
+  <inkml:trace contextRef="#ctx0" brushRef="#br0" timeOffset="212063">4128 15143 22830,'0'-16'-6296,"0"1"4167,24 1 5106,-18-1-3296,41 3 1843,-27 0-796,23 3-562,-8 1-703,3 3 965,2 2 1,2 1-1,0 2 1</inkml:trace>
+  <inkml:trace contextRef="#ctx0" brushRef="#br0" timeOffset="212433">5047 14981 23819,'-20'-10'-3051,"15"-2"-2009,-32 11 7046,21 11-58,-4 11-1230,8 22-1356,12-6-362,0 4-577,0-9 943,17-2 926,-13-1-2086,33-4 269,-32-3-449,56-1 2065,-35-10 158,13-5 0,1-2 1120,0-4-555,-7-7 0,-2-4 1916,1-15-512,10-25-1132,-27 7 263,-3-4-1521,-10 1-713,-2 12-624,-20-15-1039,14 26-22,-30 0 1199,32 32-113,-11 28 854,15 3 487,8-4 0,5-1 0,18 2 0,-5-14 0,1 0 0</inkml:trace>
+  <inkml:trace contextRef="#ctx0" brushRef="#br0" timeOffset="212701">5833 14988 23819,'-22'-21'-5468,"0"-3"3092,-4 6 2074,-10 1 648,13 12 460,-14 1 70,16 26-125,8 1-1378,13 22 600,23-22 120,-17 15-845,45-26 1132,-28 8-1285,26-2 381,-12-16 552,12 8 211,-14-10 1268,4 0-150,-19-14 121,-9-3-3430,-21-17 1968,-19 4 0,-8 11 1,-5 7-1</inkml:trace>
+  <inkml:trace contextRef="#ctx0" brushRef="#br0" timeOffset="212858">5528 15727 22740,'0'5'-1508,"7"-1"1,1-3-1</inkml:trace>
+  <inkml:trace contextRef="#ctx0" brushRef="#br0" timeOffset="213235">6958 14873 26158,'-15'-7'-3592,"2"1"2633,-8 2 1265,8 2 133,-13 20 465,13-13 367,-4 53-2558,11-31-238,4 11 0,0 1-132,2 2 1525,27-4 0,7-3 0,0-2 0,9-10 0,-1 0 1</inkml:trace>
+  <inkml:trace contextRef="#ctx0" brushRef="#br0" timeOffset="213528">7490 14950 24269,'-43'-10'-1132,"-3"5"1040,8 2 307,-1 3 22,12 23 193,1 3-284,-1 2-131,14 27-1052,0-34 845,13 27-1161,0-23 5,26-2-77,-19-2 679,26-7 0,6-4 424,-10 0 133,13-3 1,3-2 1132,-2-5-562,-8-10 0,-2-1 1821,-1 6-387,5-35-621,-21 10-413,-7-9-2109,-5-15 8,-25 21-1690,-6-16-319,0 25 2866,-17-3 0,38 15 0,-17 2 1</inkml:trace>
+  <inkml:trace contextRef="#ctx0" brushRef="#br0" timeOffset="213879">7985 14954 23909,'-43'0'-90,"7"0"90,3 14 1367,19 4-2013,3 12-754,34 1-520,7-5 868,14-10 365,17 1 155,-23-15 624,25 5-897,-30-7 1218,14-17 1215,-28 13 627,-1-30-1437,-14 11-1442,-27-32-1142,-8 18 696,1 10 0,-2 2-640,-16 4 223,14 10 0,3 0 1209,-4 0 1,-8 6-1,17 1 1</inkml:trace>
+  <inkml:trace contextRef="#ctx0" brushRef="#br0" timeOffset="214163">8655 14497 24988,'0'-9'-6655,"0"0"4437,-16 5 3416,12 1-1830,-13 26 1549,17-5-1711,0 45 198,0-19-276,7 1 1,0 2 564,-3 13 256,2-19 0,2 0-662,-1 0 0,-1-2-515,5 22-617,1-14 1,2-1-152,2 2 1822,2 7 0,-2-27 0,-1-4 0</inkml:trace>
+  <inkml:trace contextRef="#ctx0" brushRef="#br0" timeOffset="214379">9048 14816 23819,'0'-13'-6386,"-16"2"5188,12 4-840,-12 1 2875,2 5 324,-2-1-246,-14 25 164,0 5-1021,13 13 735,-4-1-247,19-9-115,-5 2-1365,7 0-1155,0-1-1604,25 6 3343,9-11 0,16 1 0,-1-14 0</inkml:trace>
+  <inkml:trace contextRef="#ctx0" brushRef="#br0" timeOffset="214550">9440 14941 23999,'0'9'-6296,"0"5"4168,0 23 1064,0-7-295,17 1-625,-13-8 1912,27 5 0,-13-7 1,14 3-1</inkml:trace>
+  <inkml:trace contextRef="#ctx0" brushRef="#br0" timeOffset="214718">9472 14537 24179,'0'-13'-8005,"0"2"4887,0 23 2581,17-11 1,-12 38 0,13-13 0</inkml:trace>
+  <inkml:trace contextRef="#ctx0" brushRef="#br0" timeOffset="215064">9913 15224 23549,'11'3'-1897,"-1"-1"1341,0-2 1349,7 0-281,-2-17-504,17-2 741,-13-2-776,10-11-124,-8 28 1122,-1-32-1056,1 22 434,4-27-884,-8 16 365,2-18-1098,-14 17 475,-2-19-435,-21 19-992,13-8 788,-12 15-524,-4 1 1093,16 5-986,-29 2 2060,17 6 412,0 20 854,4 12-206,13 12-1017,0 2-245,19 9-1101,-14-12 276,19-5 0,2-2-1157,-6 2-740,28 7 2433,-18-19 1,4-4-1,0-2 1</inkml:trace>
+  <inkml:trace contextRef="#ctx0" brushRef="#br0" timeOffset="215362">10628 14802 24089,'-23'-14'-4134,"5"2"2462,18 4-92,-12 1 1714,9 3-1115,-9 22 2019,12 6-1549,19 14-1448,-14-1 1419,31-7 479,-32 1-8,34 1 25,-20 0-205,18-1-547,-10-1 886,8 7 624,-11-13-157,4 8-723,-12-19 857,-8 0-1211,0-8 1492,-7-2-985,0-1 20,-23 0 1242,-9-1-1563,-32 3 960,11-1 1,-4 2-1,16-1 1</inkml:trace>
+  <inkml:trace contextRef="#ctx0" brushRef="#br0" timeOffset="217131">12270 14628 23819,'0'17'-6116,"0"13"4258,0 18 883,0 7 517,0-8 392,0 6-58,0 0 75,0 2-1277,23-6 884,-17-3 382,40-6 374,-12 2-394,13-22 892,2 0 34,-11-20 750,5-18-573,-4-11 0,-1-7 111,-12 9 0,-2-3-670,4-8 1,2-5-1,-6 4-65,-8 7 1,-3 1-417,5-21 1,-3 1-1605,-6-1 1485,-5 14 0,-1 2 0,-3 4 0,0-5 0</inkml:trace>
+  <inkml:trace contextRef="#ctx0" brushRef="#br0" timeOffset="217530">13628 14733 23999,'-18'-5'-1602,"-16"2"1835,10 1 10,-11 2 90,2 0-111,9 18 170,0-13 71,-2 27-710,10-10 391,1 20-801,11-5-287,24-4 0,6-1-790,1 4 948,12-4 1,2-1-662,-4-5 304,7 8 218,-14-19 451,-16-1-125,0-7 1749,-14-2-923,0-1-342,0 0-329,-25-3 1518,-11 1-727,-13-1-803,-2-1 836,-1 1 1,17-1 0,-9 0 0</inkml:trace>
+  <inkml:trace contextRef="#ctx0" brushRef="#br0" timeOffset="217812">14665 14437 25258,'0'-13'-6385,"0"2"4346,-16 4 2516,-3 3 651,0 28-327,3-1-367,3 25-814,1 18-951,-2-11 1563,8-4 1,3 2-121,3 12-498,0-22 1,0-1-1395,0 16-532,0 0 121,0-6 870,7-18 0,1 0 1148,-4 11 1,12 7-1,-16-23 1</inkml:trace>
+  <inkml:trace contextRef="#ctx0" brushRef="#br0" timeOffset="217946">14323 14976 23999,'-13'-36'-8875,"3"1"6132,10 4 2500,0 1 7,19-2 1355,12 9-776,29 0 769,-6 15-1144,-12 4 1,0 4 0,11 17-1,-17-7 1,0 1 0</inkml:trace>
+  <inkml:trace contextRef="#ctx0" brushRef="#br0" timeOffset="218229">15253 14941 23639,'-27'-13'-3075,"-19"10"4024,14-10-1870,-13 13 1620,0 0-232,2 0-134,14 0 6,-4 17 225,16 3 202,8 17-1666,23-2-646,16-3-54,13-14 892,18-1 187,-21-15 543,25 3-755,-31-22 1378,4 12 798,-26-29-55,5 30 705,-15-33-3065,5 11-285,-7-11-2430,-17-6 3258,13 20 1,-31-6 0,13 12-1</inkml:trace>
+  <inkml:trace contextRef="#ctx0" brushRef="#br0" timeOffset="218466">16013 14484 25168,'2'-10'-4584,"0"1"3814,-2 3-657,-16 2 2364,-1 57-1029,-2-19 50,11 5 1,3 3-363,-8 7-794,10 3 416,-10 3-453,12-15 0,2 0-163,-1 19 1094,-2-13 0,4-1 1,19-1-1,5 11 1</inkml:trace>
+  <inkml:trace contextRef="#ctx0" brushRef="#br0" timeOffset="218646">16022 14683 23819,'0'-13'-6386,"0"3"4258,-11 5 2432,8 21-683,-8 11-560,28 25-1849,-13-8 2508,30 2 1,-30-14 0,13 0 0</inkml:trace>
+  <inkml:trace contextRef="#ctx0" brushRef="#br0" timeOffset="219198">16342 14895 24988,'0'-14'-6295,"0"3"4076,16 4 5835,-12 2-2924,28 3 214,-7-3 73,6 3-601,2-3-67,-11 1 1698,-3-1 120,0 0-2475,-3-1 1271,-8 0-718,4-3-350,-11-4-1422,4 3 393,-5-9-747,-16 9 246,13-3-938,-27 7 1374,12 2 692,-10 3 247,12 15 1839,5 7-1552,11 21 11,0-5-457,0 4 940,0-9-3195,25 11-59,6-10 2553,-2-9 1,2-1 0,17-1 0,0 4 0</inkml:trace>
+  <inkml:trace contextRef="#ctx0" brushRef="#br0" timeOffset="219521">16895 14865 23999,'16'33'-8760,"0"4"5665,3-5 2015,9 2 1044,-15-12-517,14-2 1109,0-3-25,-9-1-1906,6-8 2962,-10-1-236,0-7 682,-3 0-326,6-18 57,-6-9-853,13-27-300,-10 9-327,0 14 1,1 1-335,3-2 332,5-7-834,-8 20 235,-2 8 647,-1 5 1162,3 6-812,-4 15-3868,5 15-147,-8 8 3002,2 8 0,-4-8 0,0-1 0</inkml:trace>
+  <inkml:trace contextRef="#ctx0" brushRef="#br0" timeOffset="221379">9693 16372 25078,'0'15'-6295,"11"-13"7628,-8 38-3532,8-22 488,-11 21 1076,12-6-590,-9 2 547,16 5-2405,-17-1 2092,12 2-1948,-10-1 1983,6-3 977,-5-4 0,-3-3 0,1-3 1</inkml:trace>
+  <inkml:trace contextRef="#ctx0" brushRef="#br0" timeOffset="221513">9542 16728 24179,'-10'-20'-8381,"8"0"6430,-8 1 354,10 2 1518,17-7 1657,11 8-606,28-7-676,-5 14-251,8 1 0,-11 6 0,1 2 0</inkml:trace>
+  <inkml:trace contextRef="#ctx0" brushRef="#br0" timeOffset="222112">10550 16739 23369,'28'-7'2379,"15"-1"-1961,-37 0-1665,38-2 1802,-26 1-56,19-2-34,1-6 105,-10 3-23,13-9-528,-21 8-217,5-8 691,-17 9-1664,-1-9-363,-7 11-626,0-5-109,-20 3 582,-6 6 495,-25-3 616,10 9 334,-13-1 783,22 3 446,-7 21 1143,15-16-110,5 34-1493,9-21-471,-1 31-803,9-15-606,21 27-737,-13-23 355,25-7 1,6-1-1300,-5 5 2749,2-14 1,4-2 0,12 2 0,1-2 0</inkml:trace>
+  <inkml:trace contextRef="#ctx0" brushRef="#br0" timeOffset="222316">11267 16644 24179,'23'12'-3558,"17"-10"4451,-21 24-3799,22-23 3787,-8 28-2007,3-16 1176,1 18-682,-11-13 1,2 0-1598,13 14 2149,-8-8 0,0 0 0,3 3 0,9 6 0</inkml:trace>
+  <inkml:trace contextRef="#ctx0" brushRef="#br0" timeOffset="222498">11597 16511 24179,'-16'-7'-3530,"2"3"3187,0 1 568,1 3 487,-8 18-1,5 15-1187,-7 12 145,10-4 0,0 2-1800,-5 17 2083,3-4 0,2 1 1,7-22-1,0-1 1,1 11-1,-1 0 0</inkml:trace>
+  <inkml:trace contextRef="#ctx0" brushRef="#br0" timeOffset="223020">12218 16717 23549,'-18'20'-639,"3"7"-726,15 12-1326,0-1 1075,0-6 540,0 1 307,13 15-340,-9-11-666,9 7-230,-13-15 1090,0-3 1005,0-4 180,0-4-270,0-5 0,0-2 442,0-29-263,-18-11-17,14-18-436,-14-5-374,5 5 105,9-3 504,-9-6-420,13-2 504,0 16 0,0 0 45,0-21 200,10 15 0,1 1 342,-6 0 229,28-7 683,-30 28-1095,23 6 1878,-22 7-1647,22 5 1450,-12 6-246,12 22-2057,-9-14 974,-2 48-2427,-9-33 896,-2 28-1134,-4-8 1363,0-11-1628,-19 15 316,14-22 2172,-34 8 0,20-17 0,-17 1 0</inkml:trace>
+  <inkml:trace contextRef="#ctx0" brushRef="#br0" timeOffset="223279">12795 16504 23189,'6'0'-1,"2"0"1,-4 0 90,1 16-3718,-3 2 1839,0 21 744,0-9 122,1 15-916,2-18-1332,5 20-100,-3-22 2690,4 5 0,-3-13 0,1-3 0</inkml:trace>
+  <inkml:trace contextRef="#ctx0" brushRef="#br0" timeOffset="223463">12948 16267 24359,'0'-7'-9444,"0"2"9015,0 19 0,14-11 1,4 14-1</inkml:trace>
+  <inkml:trace contextRef="#ctx0" brushRef="#br0" timeOffset="223712">13117 16316 22470,'8'0'180,"1"13"-5136,2-9 5034,1 25-2617,3-15 1821,9 29-468,-6-13 386,12 26-1244,-15-22-177,4 10 1971,-5-6-883,-5-12 1940,3 7-1646,-9-20 53,1-24 973,-4-17-1629,0-32 1598,0 11 0,0-6 1,0 16-1</inkml:trace>
+  <inkml:trace contextRef="#ctx0" brushRef="#br0" timeOffset="224011">13628 16640 23099,'19'8'-2754,"0"-2"2163,1-6 1517,-1 0-280,2-23-502,-3 17 916,2-37-1592,-3 26 567,6-30 84,-9 18-106,1-20-1019,-10 22-139,-3-15-178,-2 22-952,-18-5 1189,0 14 115,-18 5 1357,5 20 939,13 12-736,6 12-222,12 4-469,0-8 102,0 4-290,0 1-1360,20 0-1307,-14 3 2371,41-6 1,-25 0-1,24-2 1</inkml:trace>
+  <inkml:trace contextRef="#ctx0" brushRef="#br0" timeOffset="224330">14932 16134 26338,'0'-6'-6296,"0"17"4078,0 16 1243,0 11 337,0 10 212,0-6 49,0-7 0,0 2-750,0 22-852,6-7 1,1 0 726,-4 9 530,3-23 1,2-1 633,2 11 1,-7-5 0,7-1 0</inkml:trace>
+  <inkml:trace contextRef="#ctx0" brushRef="#br0" timeOffset="224482">14710 16591 24539,'0'-31'-6476,"0"1"4348,0 4 973,0-1 427,28 6 2288,-6 1-835,28 6 155,-11 2-1111,4 5 513,-9 5 0,0 0 1,19 1-1,-18 1 0,0 0 1</inkml:trace>
+  <inkml:trace contextRef="#ctx0" brushRef="#br0" timeOffset="224634">15392 16556 23099,'0'7'-6205,"0"1"4076,0 0 1065,0 0 425,0 7 124,0-3 232,13 14 0,-10-11 1,11 6-1</inkml:trace>
+  <inkml:trace contextRef="#ctx0" brushRef="#br0" timeOffset="224795">15338 16175 23189,'0'-17'159,"20"9"1,4-1 0</inkml:trace>
+  <inkml:trace contextRef="#ctx0" brushRef="#br0" timeOffset="225282">15677 16467 22740,'6'19'-7947,"-2"-1"5537,-2 0 1588,-1 4 598,-1-6 161,0 3 18,0-9 11,0-1-1563,0-2 2280,0-1 23,0-3-530,0-17-111,0-6-65,0-12 0,14-12 610,4 14 522,16-21 92,-16 22-108,14-5 356,-20 17-152,15 4 971,-7 6-38,-1 4-941,-1 3-758,0 0-2,6 20-1444,-5 8-905,5 23-28,-10-9-1013,2 7-1,-7-21 264,-1 2 652,-1-12-398,-2-9 1488,1-2 964,-2-7 2151,1-16-1020,1 11 1065,0-30-1309,1 18 241,0-17-123,2 7 151,-1 1-562,1 2-1694,0 3 1353,1 0-1231,-1 10 1796,5 1 180,-4 10-34,8 19-1722,-6-14 849,4 34-1621,-3-22-352,2 19-1113,-1-9 2447,10 12 1,-4-11 0,6 8-1</inkml:trace>
+  <inkml:trace contextRef="#ctx0" brushRef="#br0" timeOffset="225579">16562 16569 24179,'6'0'90,"2"0"-90,10-6 1341,-3-1-608,18-7-193,-11 3-270,19-6 160,-16 6 153,6-4 31,-4 0-147,-9 3-845,3-11-384,-15 9-679,-2-5-182,-4 5-505,-17 0 159,12-1-814,-26 2 1327,27 1-1050,-25 3 2136,25 0-1146,-23 5 2458,24 17-340,-11 10-66,14 10-953,18 2-2282,-13-7 1301,32 2 1187,-19-2 1,17-1-1,-6 0 1</inkml:trace>
+  <inkml:trace contextRef="#ctx0" brushRef="#br0" timeOffset="225812">18028 16465 26248,'-23'-2'-889,"5"-1"361,7-1-1765,9 1-2098,13 1 2987,11 17 1236,22 1 1,-23 3 0,-3-7 0</inkml:trace>
+  <inkml:trace contextRef="#ctx0" brushRef="#br0" timeOffset="225935">18003 16769 23819,'0'3'-8634,"20"0"9122,9-2 1,-4-1 0,0 0 0</inkml:trace>
+  <inkml:trace contextRef="#ctx0" brushRef="#br0" timeOffset="226300">18718 16690 23549,'16'-19'-847,"1"14"2658,-3-31-3749,1 22 2260,-1-16-938,-1 5 265,-2 1-4,-1-3-369,0-11-44,-3 7-733,-2-20 1239,-4 20-782,0-17 550,-1 21-243,0-6-223,0 7 357,0 9 8,0-3 838,0 13-448,0 31 146,16 3-375,0 26-133,3-18-2,2-6 282,-19-8-731,15-2-374,-15-1-176,13-2 1508,-6 3 0,3-6 0,-1 3 0</inkml:trace>
+  <inkml:trace contextRef="#ctx0" brushRef="#br0" timeOffset="226829">19547 16299 25438,'0'-18'-5306,"0"-5"3087,0 6 1155,-15-6-371,11 12 232,-24 0 2077,25 7-1073,-20 3 120,13 0 1429,-2 17-141,5 7-592,7 9-231,0 4 273,19-7-1895,-15 3 1044,39-1-953,-21 1-602,21-2 942,-8 0 499,-2-1 522,12 5 101,-16-9 360,6 7-258,-17-16-818,-8 1-911,-3-9-998,-33-3 2783,-8-4-234,-17-1 0,-1-18 0,10-4 1</inkml:trace>
+  <inkml:trace contextRef="#ctx0" brushRef="#br0" timeOffset="226963">19413 16082 24629,'43'-15'1108,"-8"8"0,1 1-1237,22-3-910,-5 6 1,1 1-541,10 1 1440,-22 9 1,-1 1-1,14-4 1,-2 12-1</inkml:trace>
+  <inkml:trace contextRef="#ctx0" brushRef="#br0" timeOffset="227450">20510 16601 24539,'0'15'-6296,"0"-3"4257,0 42 615,0-19 516,0-33 302,16-14 2334,-13-22-1898,29-13-346,-28 20 901,25-19 600,-14 25 360,10-6 107,-3 19 949,-2 0-1975,-9 8 858,1 18-4036,-1 6 1007,-2-1 1314,7 33 0,-4-36 1,3 31-1</inkml:trace>
+  <inkml:trace contextRef="#ctx0" brushRef="#br0" timeOffset="227900">21195 16486 24718,'0'-8'-6385,"-16"0"6050,13 4-1387,-34 1 3237,12 3-530,-18 16 723,18 6-1240,-6 18-1324,28-6 870,-11 6-270,14-18-56,18-3-1520,9 0 598,-4-11-90,36 4 790,-37-7 503,40-5 1434,-44-19-386,17 14 1292,-22-28-699,3 12-91,-7-14-1998,-9 0-804,0 8 215,-13 12-588,9 27 611,-9 17 125,13 13 228,0 1-600,0-7 803,0 1 399,16 2-635,-13 15 733,25-16-682,-25 18-549,9-31 73,-12 3-1278,0-17 2960,-17-5 1,12-3-1,-12-3 1</inkml:trace>
+  <inkml:trace contextRef="#ctx0" brushRef="#br0" timeOffset="228631">21813 16397 23459,'-45'-3'-223,"-3"2"154,5 1 187,16 16 656,-2-11-372,26 23-2187,-8-13 1516,11 14-1417,25-1-132,3-6 511,16-3 225,8-9 247,-20-3 144,8-5 1973,-15-2-882,-3 0 1286,-2-17 218,1 13 162,-12-27-1341,3 15-785,-11-11-991,-14 5-885,-1 9 306,-3 24 1359,6 6-776,11 17-1231,20-18 1604,-2 7-969,5-13 2226,5 2 698,-11-5-540,14-7-1099,-6 0 1509,-6-20 945,-9-1-1257,-6-16-411,-4 6-1231,0 29-107,0 10-337,17 29-1250,5 0 281,20-4 935,2-8 1116,-6-12 889,8-7 703,-19-6 799,14 0-180,-20-17 947,2 12 47,-13-24-2457,-3 26 1064,-3-19-2233,-1 35-1096,-3 1-22,-12 28 756,9-5-886,-10 6 58,13-18-432,0 4-1038,-7-8 2303,6-6 1355,-11-3 1,6-5-1,-5-3 1</inkml:trace>
+  <inkml:trace contextRef="#ctx0" brushRef="#br0" timeOffset="228796">21992 15954 24629,'49'-17'2405,"-1"5"-4100,6 6-281,-13 4 1642,14 23 0,-17-16 0,0 15 0</inkml:trace>
+  <inkml:trace contextRef="#ctx0" brushRef="#br0" timeOffset="228916">23388 16518 23189,'24'0'0,"-1"0"0</inkml:trace>
+</inkml:ink>
+</file>
+
 <file path=ppt/slideLayouts/slideLayout1.xml><?xml version="1.0" encoding="utf-8"?>
 <p:sldLayout xmlns:a="http://schemas.openxmlformats.org/drawingml/2006/main" xmlns:r="http://schemas.openxmlformats.org/officeDocument/2006/relationships" xmlns:p="http://schemas.openxmlformats.org/presentationml/2006/main" type="title" preserve="1">
   <p:cSld name="Title Slide">
@@ -6202,6 +6508,57 @@
           <a:chExt cx="0" cy="0"/>
         </a:xfrm>
       </p:grpSpPr>
+      <mc:AlternateContent xmlns:mc="http://schemas.openxmlformats.org/markup-compatibility/2006">
+        <mc:Choice xmlns:p14="http://schemas.microsoft.com/office/powerpoint/2010/main" Requires="p14">
+          <p:contentPart p14:bwMode="auto" r:id="rId2">
+            <p14:nvContentPartPr>
+              <p14:cNvPr id="2" name="Ink 1">
+                <a:extLst>
+                  <a:ext uri="{FF2B5EF4-FFF2-40B4-BE49-F238E27FC236}">
+                    <a16:creationId xmlns:a16="http://schemas.microsoft.com/office/drawing/2014/main" id="{F86A4B43-DD3E-5247-AE00-719E206B6AC2}"/>
+                  </a:ext>
+                </a:extLst>
+              </p14:cNvPr>
+              <p14:cNvContentPartPr/>
+              <p14:nvPr/>
+            </p14:nvContentPartPr>
+            <p14:xfrm>
+              <a:off x="738720" y="237600"/>
+              <a:ext cx="11088360" cy="5938200"/>
+            </p14:xfrm>
+          </p:contentPart>
+        </mc:Choice>
+        <mc:Fallback>
+          <p:pic>
+            <p:nvPicPr>
+              <p:cNvPr id="2" name="Ink 1">
+                <a:extLst>
+                  <a:ext uri="{FF2B5EF4-FFF2-40B4-BE49-F238E27FC236}">
+                    <a16:creationId xmlns:a16="http://schemas.microsoft.com/office/drawing/2014/main" id="{F86A4B43-DD3E-5247-AE00-719E206B6AC2}"/>
+                  </a:ext>
+                </a:extLst>
+              </p:cNvPr>
+              <p:cNvPicPr/>
+              <p:nvPr/>
+            </p:nvPicPr>
+            <p:blipFill>
+              <a:blip r:embed="rId3"/>
+              <a:stretch>
+                <a:fillRect/>
+              </a:stretch>
+            </p:blipFill>
+            <p:spPr>
+              <a:xfrm>
+                <a:off x="717120" y="216000"/>
+                <a:ext cx="11131560" cy="5981400"/>
+              </a:xfrm>
+              <a:prstGeom prst="rect">
+                <a:avLst/>
+              </a:prstGeom>
+            </p:spPr>
+          </p:pic>
+        </mc:Fallback>
+      </mc:AlternateContent>
     </p:spTree>
     <p:extLst>
       <p:ext uri="{BB962C8B-B14F-4D97-AF65-F5344CB8AC3E}">
